--- a/Opdracht 2/Literatuurstudie.pptx
+++ b/Opdracht 2/Literatuurstudie.pptx
@@ -8,6 +8,30 @@
     <p:sldId id="256" r:id="rId2"/>
     <p:sldId id="259" r:id="rId3"/>
     <p:sldId id="257" r:id="rId4"/>
+    <p:sldId id="260" r:id="rId5"/>
+    <p:sldId id="263" r:id="rId6"/>
+    <p:sldId id="262" r:id="rId7"/>
+    <p:sldId id="264" r:id="rId8"/>
+    <p:sldId id="265" r:id="rId9"/>
+    <p:sldId id="266" r:id="rId10"/>
+    <p:sldId id="267" r:id="rId11"/>
+    <p:sldId id="268" r:id="rId12"/>
+    <p:sldId id="269" r:id="rId13"/>
+    <p:sldId id="271" r:id="rId14"/>
+    <p:sldId id="272" r:id="rId15"/>
+    <p:sldId id="270" r:id="rId16"/>
+    <p:sldId id="273" r:id="rId17"/>
+    <p:sldId id="274" r:id="rId18"/>
+    <p:sldId id="275" r:id="rId19"/>
+    <p:sldId id="276" r:id="rId20"/>
+    <p:sldId id="277" r:id="rId21"/>
+    <p:sldId id="278" r:id="rId22"/>
+    <p:sldId id="279" r:id="rId23"/>
+    <p:sldId id="280" r:id="rId24"/>
+    <p:sldId id="281" r:id="rId25"/>
+    <p:sldId id="282" r:id="rId26"/>
+    <p:sldId id="283" r:id="rId27"/>
+    <p:sldId id="284" r:id="rId28"/>
   </p:sldIdLst>
   <p:sldSz cx="12192000" cy="6858000"/>
   <p:notesSz cx="6858000" cy="9144000"/>
@@ -3855,11 +3879,7 @@
             </a:r>
             <a:r>
               <a:rPr lang="nl-BE" dirty="0" smtClean="0"/>
-              <a:t> </a:t>
-            </a:r>
-            <a:r>
-              <a:rPr lang="nl-BE" dirty="0" smtClean="0"/>
-              <a:t>Discovery</a:t>
+              <a:t> Discovery</a:t>
             </a:r>
             <a:endParaRPr lang="nl-BE" dirty="0"/>
           </a:p>
@@ -3888,6 +3908,2249 @@
     <p:extLst>
       <p:ext uri="{BB962C8B-B14F-4D97-AF65-F5344CB8AC3E}">
         <p14:creationId xmlns:p14="http://schemas.microsoft.com/office/powerpoint/2010/main" val="1785267358"/>
+      </p:ext>
+    </p:extLst>
+  </p:cSld>
+  <p:clrMapOvr>
+    <a:masterClrMapping/>
+  </p:clrMapOvr>
+</p:sld>
+</file>
+
+<file path=ppt/slides/slide10.xml><?xml version="1.0" encoding="utf-8"?>
+<p:sld xmlns:a="http://schemas.openxmlformats.org/drawingml/2006/main" xmlns:r="http://schemas.openxmlformats.org/officeDocument/2006/relationships" xmlns:p="http://schemas.openxmlformats.org/presentationml/2006/main">
+  <p:cSld>
+    <p:spTree>
+      <p:nvGrpSpPr>
+        <p:cNvPr id="1" name=""/>
+        <p:cNvGrpSpPr/>
+        <p:nvPr/>
+      </p:nvGrpSpPr>
+      <p:grpSpPr>
+        <a:xfrm>
+          <a:off x="0" y="0"/>
+          <a:ext cx="0" cy="0"/>
+          <a:chOff x="0" y="0"/>
+          <a:chExt cx="0" cy="0"/>
+        </a:xfrm>
+      </p:grpSpPr>
+      <p:sp>
+        <p:nvSpPr>
+          <p:cNvPr id="2" name="Title 1"/>
+          <p:cNvSpPr>
+            <a:spLocks noGrp="1"/>
+          </p:cNvSpPr>
+          <p:nvPr>
+            <p:ph type="title"/>
+          </p:nvPr>
+        </p:nvSpPr>
+        <p:spPr/>
+        <p:txBody>
+          <a:bodyPr/>
+          <a:lstStyle/>
+          <a:p>
+            <a:r>
+              <a:rPr lang="nl-BE" dirty="0"/>
+              <a:t>Concept oplossing </a:t>
+            </a:r>
+            <a:r>
+              <a:rPr lang="nl-BE" dirty="0" smtClean="0"/>
+              <a:t>generatie</a:t>
+            </a:r>
+            <a:endParaRPr lang="en-US" dirty="0"/>
+          </a:p>
+        </p:txBody>
+      </p:sp>
+      <p:sp>
+        <p:nvSpPr>
+          <p:cNvPr id="3" name="Content Placeholder 2"/>
+          <p:cNvSpPr>
+            <a:spLocks noGrp="1"/>
+          </p:cNvSpPr>
+          <p:nvPr>
+            <p:ph idx="1"/>
+          </p:nvPr>
+        </p:nvSpPr>
+        <p:spPr/>
+        <p:txBody>
+          <a:bodyPr/>
+          <a:lstStyle/>
+          <a:p>
+            <a:endParaRPr lang="en-US"/>
+          </a:p>
+        </p:txBody>
+      </p:sp>
+    </p:spTree>
+    <p:extLst>
+      <p:ext uri="{BB962C8B-B14F-4D97-AF65-F5344CB8AC3E}">
+        <p14:creationId xmlns:p14="http://schemas.microsoft.com/office/powerpoint/2010/main" val="3225734019"/>
+      </p:ext>
+    </p:extLst>
+  </p:cSld>
+  <p:clrMapOvr>
+    <a:masterClrMapping/>
+  </p:clrMapOvr>
+</p:sld>
+</file>
+
+<file path=ppt/slides/slide11.xml><?xml version="1.0" encoding="utf-8"?>
+<p:sld xmlns:a="http://schemas.openxmlformats.org/drawingml/2006/main" xmlns:r="http://schemas.openxmlformats.org/officeDocument/2006/relationships" xmlns:p="http://schemas.openxmlformats.org/presentationml/2006/main">
+  <p:cSld>
+    <p:spTree>
+      <p:nvGrpSpPr>
+        <p:cNvPr id="1" name=""/>
+        <p:cNvGrpSpPr/>
+        <p:nvPr/>
+      </p:nvGrpSpPr>
+      <p:grpSpPr>
+        <a:xfrm>
+          <a:off x="0" y="0"/>
+          <a:ext cx="0" cy="0"/>
+          <a:chOff x="0" y="0"/>
+          <a:chExt cx="0" cy="0"/>
+        </a:xfrm>
+      </p:grpSpPr>
+      <p:sp>
+        <p:nvSpPr>
+          <p:cNvPr id="2" name="Title 1"/>
+          <p:cNvSpPr>
+            <a:spLocks noGrp="1"/>
+          </p:cNvSpPr>
+          <p:nvPr>
+            <p:ph type="title"/>
+          </p:nvPr>
+        </p:nvSpPr>
+        <p:spPr/>
+        <p:txBody>
+          <a:bodyPr/>
+          <a:lstStyle/>
+          <a:p>
+            <a:r>
+              <a:rPr lang="nl-BE" dirty="0" smtClean="0"/>
+              <a:t>Domein kennis </a:t>
+            </a:r>
+            <a:r>
+              <a:rPr lang="nl-BE" dirty="0" smtClean="0">
+                <a:solidFill>
+                  <a:srgbClr val="FF0000"/>
+                </a:solidFill>
+              </a:rPr>
+              <a:t>(&lt;- </a:t>
+            </a:r>
+            <a:r>
+              <a:rPr lang="nl-BE" dirty="0">
+                <a:solidFill>
+                  <a:srgbClr val="FF0000"/>
+                </a:solidFill>
+              </a:rPr>
+              <a:t>vertalen</a:t>
+            </a:r>
+            <a:r>
+              <a:rPr lang="nl-BE" dirty="0" smtClean="0">
+                <a:solidFill>
+                  <a:srgbClr val="FF0000"/>
+                </a:solidFill>
+              </a:rPr>
+              <a:t>?)</a:t>
+            </a:r>
+            <a:endParaRPr lang="en-US" dirty="0"/>
+          </a:p>
+        </p:txBody>
+      </p:sp>
+      <p:sp>
+        <p:nvSpPr>
+          <p:cNvPr id="3" name="Content Placeholder 2"/>
+          <p:cNvSpPr>
+            <a:spLocks noGrp="1"/>
+          </p:cNvSpPr>
+          <p:nvPr>
+            <p:ph idx="1"/>
+          </p:nvPr>
+        </p:nvSpPr>
+        <p:spPr/>
+        <p:txBody>
+          <a:bodyPr/>
+          <a:lstStyle/>
+          <a:p>
+            <a:endParaRPr lang="en-US"/>
+          </a:p>
+        </p:txBody>
+      </p:sp>
+    </p:spTree>
+    <p:extLst>
+      <p:ext uri="{BB962C8B-B14F-4D97-AF65-F5344CB8AC3E}">
+        <p14:creationId xmlns:p14="http://schemas.microsoft.com/office/powerpoint/2010/main" val="401413552"/>
+      </p:ext>
+    </p:extLst>
+  </p:cSld>
+  <p:clrMapOvr>
+    <a:masterClrMapping/>
+  </p:clrMapOvr>
+</p:sld>
+</file>
+
+<file path=ppt/slides/slide12.xml><?xml version="1.0" encoding="utf-8"?>
+<p:sld xmlns:a="http://schemas.openxmlformats.org/drawingml/2006/main" xmlns:r="http://schemas.openxmlformats.org/officeDocument/2006/relationships" xmlns:p="http://schemas.openxmlformats.org/presentationml/2006/main">
+  <p:cSld>
+    <p:spTree>
+      <p:nvGrpSpPr>
+        <p:cNvPr id="1" name=""/>
+        <p:cNvGrpSpPr/>
+        <p:nvPr/>
+      </p:nvGrpSpPr>
+      <p:grpSpPr>
+        <a:xfrm>
+          <a:off x="0" y="0"/>
+          <a:ext cx="0" cy="0"/>
+          <a:chOff x="0" y="0"/>
+          <a:chExt cx="0" cy="0"/>
+        </a:xfrm>
+      </p:grpSpPr>
+      <p:sp>
+        <p:nvSpPr>
+          <p:cNvPr id="2" name="Title 1"/>
+          <p:cNvSpPr>
+            <a:spLocks noGrp="1"/>
+          </p:cNvSpPr>
+          <p:nvPr>
+            <p:ph type="title"/>
+          </p:nvPr>
+        </p:nvSpPr>
+        <p:spPr/>
+        <p:txBody>
+          <a:bodyPr/>
+          <a:lstStyle/>
+          <a:p>
+            <a:r>
+              <a:rPr lang="nl-BE" dirty="0"/>
+              <a:t>Programming </a:t>
+            </a:r>
+            <a:r>
+              <a:rPr lang="nl-BE" dirty="0" err="1"/>
+              <a:t>by</a:t>
+            </a:r>
+            <a:r>
+              <a:rPr lang="nl-BE" dirty="0"/>
+              <a:t> </a:t>
+            </a:r>
+            <a:r>
+              <a:rPr lang="nl-BE" dirty="0" err="1"/>
+              <a:t>example</a:t>
+            </a:r>
+            <a:r>
+              <a:rPr lang="nl-BE" dirty="0"/>
+              <a:t> </a:t>
+            </a:r>
+            <a:r>
+              <a:rPr lang="nl-BE" dirty="0">
+                <a:solidFill>
+                  <a:srgbClr val="FF0000"/>
+                </a:solidFill>
+              </a:rPr>
+              <a:t>(&lt;- vertalen</a:t>
+            </a:r>
+            <a:r>
+              <a:rPr lang="nl-BE" dirty="0" smtClean="0">
+                <a:solidFill>
+                  <a:srgbClr val="FF0000"/>
+                </a:solidFill>
+              </a:rPr>
+              <a:t>?)</a:t>
+            </a:r>
+            <a:endParaRPr lang="en-US" dirty="0"/>
+          </a:p>
+        </p:txBody>
+      </p:sp>
+      <p:sp>
+        <p:nvSpPr>
+          <p:cNvPr id="3" name="Content Placeholder 2"/>
+          <p:cNvSpPr>
+            <a:spLocks noGrp="1"/>
+          </p:cNvSpPr>
+          <p:nvPr>
+            <p:ph idx="1"/>
+          </p:nvPr>
+        </p:nvSpPr>
+        <p:spPr/>
+        <p:txBody>
+          <a:bodyPr/>
+          <a:lstStyle/>
+          <a:p>
+            <a:endParaRPr lang="en-US" dirty="0"/>
+          </a:p>
+        </p:txBody>
+      </p:sp>
+    </p:spTree>
+    <p:extLst>
+      <p:ext uri="{BB962C8B-B14F-4D97-AF65-F5344CB8AC3E}">
+        <p14:creationId xmlns:p14="http://schemas.microsoft.com/office/powerpoint/2010/main" val="239212845"/>
+      </p:ext>
+    </p:extLst>
+  </p:cSld>
+  <p:clrMapOvr>
+    <a:masterClrMapping/>
+  </p:clrMapOvr>
+</p:sld>
+</file>
+
+<file path=ppt/slides/slide13.xml><?xml version="1.0" encoding="utf-8"?>
+<p:sld xmlns:a="http://schemas.openxmlformats.org/drawingml/2006/main" xmlns:r="http://schemas.openxmlformats.org/officeDocument/2006/relationships" xmlns:p="http://schemas.openxmlformats.org/presentationml/2006/main">
+  <p:cSld>
+    <p:spTree>
+      <p:nvGrpSpPr>
+        <p:cNvPr id="1" name=""/>
+        <p:cNvGrpSpPr/>
+        <p:nvPr/>
+      </p:nvGrpSpPr>
+      <p:grpSpPr>
+        <a:xfrm>
+          <a:off x="0" y="0"/>
+          <a:ext cx="0" cy="0"/>
+          <a:chOff x="0" y="0"/>
+          <a:chExt cx="0" cy="0"/>
+        </a:xfrm>
+      </p:grpSpPr>
+      <p:sp>
+        <p:nvSpPr>
+          <p:cNvPr id="2" name="Title 1"/>
+          <p:cNvSpPr>
+            <a:spLocks noGrp="1"/>
+          </p:cNvSpPr>
+          <p:nvPr>
+            <p:ph type="title"/>
+          </p:nvPr>
+        </p:nvSpPr>
+        <p:spPr/>
+        <p:txBody>
+          <a:bodyPr/>
+          <a:lstStyle/>
+          <a:p>
+            <a:endParaRPr lang="en-US"/>
+          </a:p>
+        </p:txBody>
+      </p:sp>
+      <p:sp>
+        <p:nvSpPr>
+          <p:cNvPr id="3" name="Content Placeholder 2"/>
+          <p:cNvSpPr>
+            <a:spLocks noGrp="1"/>
+          </p:cNvSpPr>
+          <p:nvPr>
+            <p:ph idx="1"/>
+          </p:nvPr>
+        </p:nvSpPr>
+        <p:spPr/>
+        <p:txBody>
+          <a:bodyPr/>
+          <a:lstStyle/>
+          <a:p>
+            <a:endParaRPr lang="en-US"/>
+          </a:p>
+        </p:txBody>
+      </p:sp>
+    </p:spTree>
+    <p:extLst>
+      <p:ext uri="{BB962C8B-B14F-4D97-AF65-F5344CB8AC3E}">
+        <p14:creationId xmlns:p14="http://schemas.microsoft.com/office/powerpoint/2010/main" val="174650717"/>
+      </p:ext>
+    </p:extLst>
+  </p:cSld>
+  <p:clrMapOvr>
+    <a:masterClrMapping/>
+  </p:clrMapOvr>
+</p:sld>
+</file>
+
+<file path=ppt/slides/slide14.xml><?xml version="1.0" encoding="utf-8"?>
+<p:sld xmlns:a="http://schemas.openxmlformats.org/drawingml/2006/main" xmlns:r="http://schemas.openxmlformats.org/officeDocument/2006/relationships" xmlns:p="http://schemas.openxmlformats.org/presentationml/2006/main">
+  <p:cSld>
+    <p:spTree>
+      <p:nvGrpSpPr>
+        <p:cNvPr id="1" name=""/>
+        <p:cNvGrpSpPr/>
+        <p:nvPr/>
+      </p:nvGrpSpPr>
+      <p:grpSpPr>
+        <a:xfrm>
+          <a:off x="0" y="0"/>
+          <a:ext cx="0" cy="0"/>
+          <a:chOff x="0" y="0"/>
+          <a:chExt cx="0" cy="0"/>
+        </a:xfrm>
+      </p:grpSpPr>
+      <p:sp>
+        <p:nvSpPr>
+          <p:cNvPr id="2" name="Title 1"/>
+          <p:cNvSpPr>
+            <a:spLocks noGrp="1"/>
+          </p:cNvSpPr>
+          <p:nvPr>
+            <p:ph type="title"/>
+          </p:nvPr>
+        </p:nvSpPr>
+        <p:spPr/>
+        <p:txBody>
+          <a:bodyPr/>
+          <a:lstStyle/>
+          <a:p>
+            <a:endParaRPr lang="en-US"/>
+          </a:p>
+        </p:txBody>
+      </p:sp>
+      <p:sp>
+        <p:nvSpPr>
+          <p:cNvPr id="5" name="Content Placeholder 4"/>
+          <p:cNvSpPr>
+            <a:spLocks noGrp="1"/>
+          </p:cNvSpPr>
+          <p:nvPr>
+            <p:ph idx="1"/>
+          </p:nvPr>
+        </p:nvSpPr>
+        <p:spPr/>
+        <p:txBody>
+          <a:bodyPr/>
+          <a:lstStyle/>
+          <a:p>
+            <a:endParaRPr lang="en-US"/>
+          </a:p>
+        </p:txBody>
+      </p:sp>
+    </p:spTree>
+    <p:extLst>
+      <p:ext uri="{BB962C8B-B14F-4D97-AF65-F5344CB8AC3E}">
+        <p14:creationId xmlns:p14="http://schemas.microsoft.com/office/powerpoint/2010/main" val="2473371501"/>
+      </p:ext>
+    </p:extLst>
+  </p:cSld>
+  <p:clrMapOvr>
+    <a:masterClrMapping/>
+  </p:clrMapOvr>
+</p:sld>
+</file>
+
+<file path=ppt/slides/slide15.xml><?xml version="1.0" encoding="utf-8"?>
+<p:sld xmlns:a="http://schemas.openxmlformats.org/drawingml/2006/main" xmlns:r="http://schemas.openxmlformats.org/officeDocument/2006/relationships" xmlns:p="http://schemas.openxmlformats.org/presentationml/2006/main">
+  <p:cSld>
+    <p:spTree>
+      <p:nvGrpSpPr>
+        <p:cNvPr id="1" name=""/>
+        <p:cNvGrpSpPr/>
+        <p:nvPr/>
+      </p:nvGrpSpPr>
+      <p:grpSpPr>
+        <a:xfrm>
+          <a:off x="0" y="0"/>
+          <a:ext cx="0" cy="0"/>
+          <a:chOff x="0" y="0"/>
+          <a:chExt cx="0" cy="0"/>
+        </a:xfrm>
+      </p:grpSpPr>
+      <p:sp>
+        <p:nvSpPr>
+          <p:cNvPr id="2" name="Title 1"/>
+          <p:cNvSpPr>
+            <a:spLocks noGrp="1"/>
+          </p:cNvSpPr>
+          <p:nvPr>
+            <p:ph type="title"/>
+          </p:nvPr>
+        </p:nvSpPr>
+        <p:spPr/>
+        <p:txBody>
+          <a:bodyPr/>
+          <a:lstStyle/>
+          <a:p>
+            <a:r>
+              <a:rPr lang="nl-BE" dirty="0" smtClean="0"/>
+              <a:t>Ons doel</a:t>
+            </a:r>
+            <a:endParaRPr lang="en-US" dirty="0"/>
+          </a:p>
+        </p:txBody>
+      </p:sp>
+      <mc:AlternateContent xmlns:mc="http://schemas.openxmlformats.org/markup-compatibility/2006">
+        <mc:Choice xmlns:a14="http://schemas.microsoft.com/office/drawing/2010/main" Requires="a14">
+          <p:sp>
+            <p:nvSpPr>
+              <p:cNvPr id="3" name="Content Placeholder 2"/>
+              <p:cNvSpPr>
+                <a:spLocks noGrp="1"/>
+              </p:cNvSpPr>
+              <p:nvPr>
+                <p:ph idx="1"/>
+              </p:nvPr>
+            </p:nvSpPr>
+            <p:spPr>
+              <a:xfrm>
+                <a:off x="1097280" y="1845734"/>
+                <a:ext cx="10058400" cy="4023360"/>
+              </a:xfrm>
+            </p:spPr>
+            <p:txBody>
+              <a:bodyPr/>
+              <a:lstStyle/>
+              <a:p>
+                <a:pPr>
+                  <a:buFont typeface="Arial" panose="020B0604020202020204" pitchFamily="34" charset="0"/>
+                  <a:buChar char="•"/>
+                </a:pPr>
+                <a:r>
+                  <a:rPr lang="nl-BE" dirty="0" smtClean="0"/>
+                  <a:t>  Flash </a:t>
+                </a:r>
+                <a:r>
+                  <a:rPr lang="nl-BE" dirty="0" err="1" smtClean="0"/>
+                  <a:t>fill</a:t>
+                </a:r>
+                <a:r>
+                  <a:rPr lang="nl-BE" dirty="0" smtClean="0"/>
+                  <a:t> voor getallen</a:t>
+                </a:r>
+              </a:p>
+              <a:p>
+                <a:pPr lvl="1">
+                  <a:buFont typeface="Arial" panose="020B0604020202020204" pitchFamily="34" charset="0"/>
+                  <a:buChar char="•"/>
+                </a:pPr>
+                <a:r>
+                  <a:rPr lang="nl-BE" dirty="0" err="1" smtClean="0"/>
+                  <a:t>Equation</a:t>
+                </a:r>
+                <a:r>
+                  <a:rPr lang="nl-BE" dirty="0" smtClean="0"/>
+                  <a:t> </a:t>
+                </a:r>
+                <a:r>
+                  <a:rPr lang="nl-BE" dirty="0" err="1" smtClean="0"/>
+                  <a:t>discovery</a:t>
+                </a:r>
+                <a:r>
+                  <a:rPr lang="nl-BE" dirty="0" smtClean="0"/>
+                  <a:t> voor nodig</a:t>
+                </a:r>
+              </a:p>
+              <a:p>
+                <a:pPr>
+                  <a:buFont typeface="Arial" panose="020B0604020202020204" pitchFamily="34" charset="0"/>
+                  <a:buChar char="•"/>
+                </a:pPr>
+                <a:r>
+                  <a:rPr lang="nl-BE" dirty="0" smtClean="0"/>
+                  <a:t>  Voorbeeld</a:t>
+                </a:r>
+                <a:endParaRPr lang="en-US" dirty="0" smtClean="0"/>
+              </a:p>
+              <a:p>
+                <a:pPr marL="201168" lvl="1" indent="0">
+                  <a:buNone/>
+                </a:pPr>
+                <a:r>
+                  <a:rPr lang="nl-BE" dirty="0" smtClean="0"/>
+                  <a:t>					         Gevonden vergelijking: </a:t>
+                </a:r>
+                <a14:m>
+                  <m:oMath xmlns:m="http://schemas.openxmlformats.org/officeDocument/2006/math">
+                    <m:sSup>
+                      <m:sSupPr>
+                        <m:ctrlPr>
+                          <a:rPr lang="nl-BE" b="0" i="1" smtClean="0">
+                            <a:latin typeface="Cambria Math" panose="02040503050406030204" pitchFamily="18" charset="0"/>
+                          </a:rPr>
+                        </m:ctrlPr>
+                      </m:sSupPr>
+                      <m:e>
+                        <m:r>
+                          <a:rPr lang="nl-BE">
+                            <a:latin typeface="Cambria Math" panose="02040503050406030204" pitchFamily="18" charset="0"/>
+                          </a:rPr>
+                          <m:t>(</m:t>
+                        </m:r>
+                        <m:r>
+                          <a:rPr lang="nl-BE" i="1">
+                            <a:latin typeface="Cambria Math" panose="02040503050406030204" pitchFamily="18" charset="0"/>
+                          </a:rPr>
+                          <m:t>𝑋</m:t>
+                        </m:r>
+                        <m:r>
+                          <a:rPr lang="nl-BE" i="1">
+                            <a:latin typeface="Cambria Math" panose="02040503050406030204" pitchFamily="18" charset="0"/>
+                          </a:rPr>
+                          <m:t>1 ∗</m:t>
+                        </m:r>
+                        <m:r>
+                          <a:rPr lang="nl-BE" i="1">
+                            <a:latin typeface="Cambria Math" panose="02040503050406030204" pitchFamily="18" charset="0"/>
+                          </a:rPr>
+                          <m:t>𝑋</m:t>
+                        </m:r>
+                        <m:r>
+                          <a:rPr lang="nl-BE" i="1">
+                            <a:latin typeface="Cambria Math" panose="02040503050406030204" pitchFamily="18" charset="0"/>
+                          </a:rPr>
+                          <m:t>2)</m:t>
+                        </m:r>
+                      </m:e>
+                      <m:sup>
+                        <m:r>
+                          <a:rPr lang="nl-BE" b="0" i="1" smtClean="0">
+                            <a:latin typeface="Cambria Math" panose="02040503050406030204" pitchFamily="18" charset="0"/>
+                          </a:rPr>
+                          <m:t>𝑋</m:t>
+                        </m:r>
+                        <m:r>
+                          <a:rPr lang="nl-BE" b="0" i="1" smtClean="0">
+                            <a:latin typeface="Cambria Math" panose="02040503050406030204" pitchFamily="18" charset="0"/>
+                          </a:rPr>
+                          <m:t>3</m:t>
+                        </m:r>
+                      </m:sup>
+                    </m:sSup>
+                  </m:oMath>
+                </a14:m>
+                <a:endParaRPr lang="nl-BE" dirty="0" smtClean="0"/>
+              </a:p>
+            </p:txBody>
+          </p:sp>
+        </mc:Choice>
+        <mc:Fallback>
+          <p:sp>
+            <p:nvSpPr>
+              <p:cNvPr id="3" name="Content Placeholder 2"/>
+              <p:cNvSpPr>
+                <a:spLocks noGrp="1" noRot="1" noChangeAspect="1" noMove="1" noResize="1" noEditPoints="1" noAdjustHandles="1" noChangeArrowheads="1" noChangeShapeType="1" noTextEdit="1"/>
+              </p:cNvSpPr>
+              <p:nvPr>
+                <p:ph idx="1"/>
+              </p:nvPr>
+            </p:nvSpPr>
+            <p:spPr>
+              <a:xfrm>
+                <a:off x="1097280" y="1845734"/>
+                <a:ext cx="10058400" cy="4023360"/>
+              </a:xfrm>
+              <a:blipFill rotWithShape="0">
+                <a:blip r:embed="rId2"/>
+                <a:stretch>
+                  <a:fillRect l="-1455" t="-1667"/>
+                </a:stretch>
+              </a:blipFill>
+            </p:spPr>
+            <p:txBody>
+              <a:bodyPr/>
+              <a:lstStyle/>
+              <a:p>
+                <a:r>
+                  <a:rPr lang="en-US">
+                    <a:noFill/>
+                  </a:rPr>
+                  <a:t> </a:t>
+                </a:r>
+              </a:p>
+            </p:txBody>
+          </p:sp>
+        </mc:Fallback>
+      </mc:AlternateContent>
+      <p:graphicFrame>
+        <p:nvGraphicFramePr>
+          <p:cNvPr id="6" name="Table 5"/>
+          <p:cNvGraphicFramePr>
+            <a:graphicFrameLocks noGrp="1"/>
+          </p:cNvGraphicFramePr>
+          <p:nvPr>
+            <p:extLst>
+              <p:ext uri="{D42A27DB-BD31-4B8C-83A1-F6EECF244321}">
+                <p14:modId xmlns:p14="http://schemas.microsoft.com/office/powerpoint/2010/main" val="4091522225"/>
+              </p:ext>
+            </p:extLst>
+          </p:nvPr>
+        </p:nvGraphicFramePr>
+        <p:xfrm>
+          <a:off x="1476842" y="3332301"/>
+          <a:ext cx="3016682" cy="1686822"/>
+        </p:xfrm>
+        <a:graphic>
+          <a:graphicData uri="http://schemas.openxmlformats.org/drawingml/2006/table">
+            <a:tbl>
+              <a:tblPr>
+                <a:tableStyleId>{5940675A-B579-460E-94D1-54222C63F5DA}</a:tableStyleId>
+              </a:tblPr>
+              <a:tblGrid>
+                <a:gridCol w="800004"/>
+                <a:gridCol w="800004"/>
+                <a:gridCol w="800004"/>
+                <a:gridCol w="616670"/>
+              </a:tblGrid>
+              <a:tr h="290832">
+                <a:tc>
+                  <a:txBody>
+                    <a:bodyPr/>
+                    <a:lstStyle/>
+                    <a:p>
+                      <a:pPr algn="ctr" fontAlgn="ctr"/>
+                      <a:r>
+                        <a:rPr lang="en-US" sz="1100" u="none" strike="noStrike" dirty="0">
+                          <a:effectLst/>
+                        </a:rPr>
+                        <a:t>X1</a:t>
+                      </a:r>
+                      <a:endParaRPr lang="en-US" sz="1100" b="1" i="0" u="none" strike="noStrike" dirty="0">
+                        <a:solidFill>
+                          <a:srgbClr val="000000"/>
+                        </a:solidFill>
+                        <a:effectLst/>
+                        <a:latin typeface="Calibri" panose="020F0502020204030204" pitchFamily="34" charset="0"/>
+                      </a:endParaRPr>
+                    </a:p>
+                  </a:txBody>
+                  <a:tcPr marL="7620" marR="7620" marT="7620" marB="0" anchor="ctr"/>
+                </a:tc>
+                <a:tc>
+                  <a:txBody>
+                    <a:bodyPr/>
+                    <a:lstStyle/>
+                    <a:p>
+                      <a:pPr algn="ctr" fontAlgn="ctr"/>
+                      <a:r>
+                        <a:rPr lang="en-US" sz="1100" u="none" strike="noStrike">
+                          <a:effectLst/>
+                        </a:rPr>
+                        <a:t>X2</a:t>
+                      </a:r>
+                      <a:endParaRPr lang="en-US" sz="1100" b="1" i="0" u="none" strike="noStrike">
+                        <a:solidFill>
+                          <a:srgbClr val="000000"/>
+                        </a:solidFill>
+                        <a:effectLst/>
+                        <a:latin typeface="Calibri" panose="020F0502020204030204" pitchFamily="34" charset="0"/>
+                      </a:endParaRPr>
+                    </a:p>
+                  </a:txBody>
+                  <a:tcPr marL="7620" marR="7620" marT="7620" marB="0" anchor="ctr"/>
+                </a:tc>
+                <a:tc>
+                  <a:txBody>
+                    <a:bodyPr/>
+                    <a:lstStyle/>
+                    <a:p>
+                      <a:pPr algn="ctr" fontAlgn="ctr"/>
+                      <a:r>
+                        <a:rPr lang="en-US" sz="1100" u="none" strike="noStrike" dirty="0">
+                          <a:effectLst/>
+                        </a:rPr>
+                        <a:t>X3</a:t>
+                      </a:r>
+                      <a:endParaRPr lang="en-US" sz="1100" b="1" i="0" u="none" strike="noStrike" dirty="0">
+                        <a:solidFill>
+                          <a:srgbClr val="000000"/>
+                        </a:solidFill>
+                        <a:effectLst/>
+                        <a:latin typeface="Calibri" panose="020F0502020204030204" pitchFamily="34" charset="0"/>
+                      </a:endParaRPr>
+                    </a:p>
+                  </a:txBody>
+                  <a:tcPr marL="7620" marR="7620" marT="7620" marB="0" anchor="ctr"/>
+                </a:tc>
+                <a:tc>
+                  <a:txBody>
+                    <a:bodyPr/>
+                    <a:lstStyle/>
+                    <a:p>
+                      <a:pPr algn="ctr" fontAlgn="ctr"/>
+                      <a:r>
+                        <a:rPr lang="en-US" sz="1100" u="none" strike="noStrike">
+                          <a:effectLst/>
+                        </a:rPr>
+                        <a:t>Y</a:t>
+                      </a:r>
+                      <a:endParaRPr lang="en-US" sz="1100" b="1" i="0" u="none" strike="noStrike">
+                        <a:solidFill>
+                          <a:srgbClr val="000000"/>
+                        </a:solidFill>
+                        <a:effectLst/>
+                        <a:latin typeface="Calibri" panose="020F0502020204030204" pitchFamily="34" charset="0"/>
+                      </a:endParaRPr>
+                    </a:p>
+                  </a:txBody>
+                  <a:tcPr marL="7620" marR="7620" marT="7620" marB="0" anchor="ctr"/>
+                </a:tc>
+              </a:tr>
+              <a:tr h="279198">
+                <a:tc>
+                  <a:txBody>
+                    <a:bodyPr/>
+                    <a:lstStyle/>
+                    <a:p>
+                      <a:pPr algn="r" fontAlgn="ctr"/>
+                      <a:r>
+                        <a:rPr lang="en-US" sz="1100" u="none" strike="noStrike">
+                          <a:effectLst/>
+                        </a:rPr>
+                        <a:t>1</a:t>
+                      </a:r>
+                      <a:endParaRPr lang="en-US" sz="1100" b="0" i="0" u="none" strike="noStrike">
+                        <a:solidFill>
+                          <a:srgbClr val="000000"/>
+                        </a:solidFill>
+                        <a:effectLst/>
+                        <a:latin typeface="Calibri" panose="020F0502020204030204" pitchFamily="34" charset="0"/>
+                      </a:endParaRPr>
+                    </a:p>
+                  </a:txBody>
+                  <a:tcPr marL="7620" marR="7620" marT="7620" marB="0" anchor="ctr"/>
+                </a:tc>
+                <a:tc>
+                  <a:txBody>
+                    <a:bodyPr/>
+                    <a:lstStyle/>
+                    <a:p>
+                      <a:pPr algn="r" fontAlgn="ctr"/>
+                      <a:r>
+                        <a:rPr lang="en-US" sz="1100" u="none" strike="noStrike" dirty="0">
+                          <a:effectLst/>
+                        </a:rPr>
+                        <a:t>2</a:t>
+                      </a:r>
+                      <a:endParaRPr lang="en-US" sz="1100" b="0" i="0" u="none" strike="noStrike" dirty="0">
+                        <a:solidFill>
+                          <a:srgbClr val="000000"/>
+                        </a:solidFill>
+                        <a:effectLst/>
+                        <a:latin typeface="Calibri" panose="020F0502020204030204" pitchFamily="34" charset="0"/>
+                      </a:endParaRPr>
+                    </a:p>
+                  </a:txBody>
+                  <a:tcPr marL="7620" marR="7620" marT="7620" marB="0" anchor="ctr"/>
+                </a:tc>
+                <a:tc>
+                  <a:txBody>
+                    <a:bodyPr/>
+                    <a:lstStyle/>
+                    <a:p>
+                      <a:pPr algn="r" fontAlgn="ctr"/>
+                      <a:r>
+                        <a:rPr lang="en-US" sz="1100" u="none" strike="noStrike">
+                          <a:effectLst/>
+                        </a:rPr>
+                        <a:t>2</a:t>
+                      </a:r>
+                      <a:endParaRPr lang="en-US" sz="1100" b="0" i="0" u="none" strike="noStrike">
+                        <a:solidFill>
+                          <a:srgbClr val="000000"/>
+                        </a:solidFill>
+                        <a:effectLst/>
+                        <a:latin typeface="Calibri" panose="020F0502020204030204" pitchFamily="34" charset="0"/>
+                      </a:endParaRPr>
+                    </a:p>
+                  </a:txBody>
+                  <a:tcPr marL="7620" marR="7620" marT="7620" marB="0" anchor="ctr"/>
+                </a:tc>
+                <a:tc>
+                  <a:txBody>
+                    <a:bodyPr/>
+                    <a:lstStyle/>
+                    <a:p>
+                      <a:pPr algn="r" fontAlgn="ctr"/>
+                      <a:r>
+                        <a:rPr lang="en-US" sz="1100" u="none" strike="noStrike">
+                          <a:effectLst/>
+                        </a:rPr>
+                        <a:t>9</a:t>
+                      </a:r>
+                      <a:endParaRPr lang="en-US" sz="1100" b="0" i="0" u="none" strike="noStrike">
+                        <a:solidFill>
+                          <a:srgbClr val="000000"/>
+                        </a:solidFill>
+                        <a:effectLst/>
+                        <a:latin typeface="Calibri" panose="020F0502020204030204" pitchFamily="34" charset="0"/>
+                      </a:endParaRPr>
+                    </a:p>
+                  </a:txBody>
+                  <a:tcPr marL="7620" marR="7620" marT="7620" marB="0" anchor="ctr"/>
+                </a:tc>
+              </a:tr>
+              <a:tr h="279198">
+                <a:tc>
+                  <a:txBody>
+                    <a:bodyPr/>
+                    <a:lstStyle/>
+                    <a:p>
+                      <a:pPr algn="r" fontAlgn="ctr"/>
+                      <a:r>
+                        <a:rPr lang="en-US" sz="1100" u="none" strike="noStrike">
+                          <a:effectLst/>
+                        </a:rPr>
+                        <a:t>4</a:t>
+                      </a:r>
+                      <a:endParaRPr lang="en-US" sz="1100" b="0" i="0" u="none" strike="noStrike">
+                        <a:solidFill>
+                          <a:srgbClr val="000000"/>
+                        </a:solidFill>
+                        <a:effectLst/>
+                        <a:latin typeface="Calibri" panose="020F0502020204030204" pitchFamily="34" charset="0"/>
+                      </a:endParaRPr>
+                    </a:p>
+                  </a:txBody>
+                  <a:tcPr marL="7620" marR="7620" marT="7620" marB="0" anchor="ctr"/>
+                </a:tc>
+                <a:tc>
+                  <a:txBody>
+                    <a:bodyPr/>
+                    <a:lstStyle/>
+                    <a:p>
+                      <a:pPr algn="r" fontAlgn="ctr"/>
+                      <a:r>
+                        <a:rPr lang="en-US" sz="1100" u="none" strike="noStrike">
+                          <a:effectLst/>
+                        </a:rPr>
+                        <a:t>3</a:t>
+                      </a:r>
+                      <a:endParaRPr lang="en-US" sz="1100" b="0" i="0" u="none" strike="noStrike">
+                        <a:solidFill>
+                          <a:srgbClr val="000000"/>
+                        </a:solidFill>
+                        <a:effectLst/>
+                        <a:latin typeface="Calibri" panose="020F0502020204030204" pitchFamily="34" charset="0"/>
+                      </a:endParaRPr>
+                    </a:p>
+                  </a:txBody>
+                  <a:tcPr marL="7620" marR="7620" marT="7620" marB="0" anchor="ctr"/>
+                </a:tc>
+                <a:tc>
+                  <a:txBody>
+                    <a:bodyPr/>
+                    <a:lstStyle/>
+                    <a:p>
+                      <a:pPr algn="r" fontAlgn="ctr"/>
+                      <a:r>
+                        <a:rPr lang="en-US" sz="1100" u="none" strike="noStrike">
+                          <a:effectLst/>
+                        </a:rPr>
+                        <a:t>3</a:t>
+                      </a:r>
+                      <a:endParaRPr lang="en-US" sz="1100" b="0" i="0" u="none" strike="noStrike">
+                        <a:solidFill>
+                          <a:srgbClr val="000000"/>
+                        </a:solidFill>
+                        <a:effectLst/>
+                        <a:latin typeface="Calibri" panose="020F0502020204030204" pitchFamily="34" charset="0"/>
+                      </a:endParaRPr>
+                    </a:p>
+                  </a:txBody>
+                  <a:tcPr marL="7620" marR="7620" marT="7620" marB="0" anchor="ctr"/>
+                </a:tc>
+                <a:tc>
+                  <a:txBody>
+                    <a:bodyPr/>
+                    <a:lstStyle/>
+                    <a:p>
+                      <a:pPr algn="l" fontAlgn="ctr"/>
+                      <a:r>
+                        <a:rPr lang="en-US" sz="1100" u="none" strike="noStrike">
+                          <a:effectLst/>
+                        </a:rPr>
+                        <a:t> </a:t>
+                      </a:r>
+                      <a:endParaRPr lang="en-US" sz="1100" b="0" i="0" u="none" strike="noStrike">
+                        <a:solidFill>
+                          <a:srgbClr val="000000"/>
+                        </a:solidFill>
+                        <a:effectLst/>
+                        <a:latin typeface="Calibri" panose="020F0502020204030204" pitchFamily="34" charset="0"/>
+                      </a:endParaRPr>
+                    </a:p>
+                  </a:txBody>
+                  <a:tcPr marL="7620" marR="7620" marT="7620" marB="0" anchor="ctr"/>
+                </a:tc>
+              </a:tr>
+              <a:tr h="279198">
+                <a:tc>
+                  <a:txBody>
+                    <a:bodyPr/>
+                    <a:lstStyle/>
+                    <a:p>
+                      <a:pPr algn="r" fontAlgn="ctr"/>
+                      <a:r>
+                        <a:rPr lang="en-US" sz="1100" u="none" strike="noStrike">
+                          <a:effectLst/>
+                        </a:rPr>
+                        <a:t>1</a:t>
+                      </a:r>
+                      <a:endParaRPr lang="en-US" sz="1100" b="0" i="0" u="none" strike="noStrike">
+                        <a:solidFill>
+                          <a:srgbClr val="000000"/>
+                        </a:solidFill>
+                        <a:effectLst/>
+                        <a:latin typeface="Calibri" panose="020F0502020204030204" pitchFamily="34" charset="0"/>
+                      </a:endParaRPr>
+                    </a:p>
+                  </a:txBody>
+                  <a:tcPr marL="7620" marR="7620" marT="7620" marB="0" anchor="ctr"/>
+                </a:tc>
+                <a:tc>
+                  <a:txBody>
+                    <a:bodyPr/>
+                    <a:lstStyle/>
+                    <a:p>
+                      <a:pPr algn="r" fontAlgn="ctr"/>
+                      <a:r>
+                        <a:rPr lang="en-US" sz="1100" u="none" strike="noStrike">
+                          <a:effectLst/>
+                        </a:rPr>
+                        <a:t>8</a:t>
+                      </a:r>
+                      <a:endParaRPr lang="en-US" sz="1100" b="0" i="0" u="none" strike="noStrike">
+                        <a:solidFill>
+                          <a:srgbClr val="000000"/>
+                        </a:solidFill>
+                        <a:effectLst/>
+                        <a:latin typeface="Calibri" panose="020F0502020204030204" pitchFamily="34" charset="0"/>
+                      </a:endParaRPr>
+                    </a:p>
+                  </a:txBody>
+                  <a:tcPr marL="7620" marR="7620" marT="7620" marB="0" anchor="ctr"/>
+                </a:tc>
+                <a:tc>
+                  <a:txBody>
+                    <a:bodyPr/>
+                    <a:lstStyle/>
+                    <a:p>
+                      <a:pPr algn="r" fontAlgn="ctr"/>
+                      <a:r>
+                        <a:rPr lang="en-US" sz="1100" u="none" strike="noStrike">
+                          <a:effectLst/>
+                        </a:rPr>
+                        <a:t>2</a:t>
+                      </a:r>
+                      <a:endParaRPr lang="en-US" sz="1100" b="0" i="0" u="none" strike="noStrike">
+                        <a:solidFill>
+                          <a:srgbClr val="000000"/>
+                        </a:solidFill>
+                        <a:effectLst/>
+                        <a:latin typeface="Calibri" panose="020F0502020204030204" pitchFamily="34" charset="0"/>
+                      </a:endParaRPr>
+                    </a:p>
+                  </a:txBody>
+                  <a:tcPr marL="7620" marR="7620" marT="7620" marB="0" anchor="ctr"/>
+                </a:tc>
+                <a:tc>
+                  <a:txBody>
+                    <a:bodyPr/>
+                    <a:lstStyle/>
+                    <a:p>
+                      <a:pPr algn="l" fontAlgn="ctr"/>
+                      <a:r>
+                        <a:rPr lang="en-US" sz="1100" u="none" strike="noStrike">
+                          <a:effectLst/>
+                        </a:rPr>
+                        <a:t> </a:t>
+                      </a:r>
+                      <a:endParaRPr lang="en-US" sz="1100" b="0" i="0" u="none" strike="noStrike">
+                        <a:solidFill>
+                          <a:srgbClr val="000000"/>
+                        </a:solidFill>
+                        <a:effectLst/>
+                        <a:latin typeface="Calibri" panose="020F0502020204030204" pitchFamily="34" charset="0"/>
+                      </a:endParaRPr>
+                    </a:p>
+                  </a:txBody>
+                  <a:tcPr marL="7620" marR="7620" marT="7620" marB="0" anchor="ctr"/>
+                </a:tc>
+              </a:tr>
+              <a:tr h="279198">
+                <a:tc>
+                  <a:txBody>
+                    <a:bodyPr/>
+                    <a:lstStyle/>
+                    <a:p>
+                      <a:pPr algn="r" fontAlgn="ctr"/>
+                      <a:r>
+                        <a:rPr lang="en-US" sz="1100" u="none" strike="noStrike">
+                          <a:effectLst/>
+                        </a:rPr>
+                        <a:t>8</a:t>
+                      </a:r>
+                      <a:endParaRPr lang="en-US" sz="1100" b="0" i="0" u="none" strike="noStrike">
+                        <a:solidFill>
+                          <a:srgbClr val="000000"/>
+                        </a:solidFill>
+                        <a:effectLst/>
+                        <a:latin typeface="Calibri" panose="020F0502020204030204" pitchFamily="34" charset="0"/>
+                      </a:endParaRPr>
+                    </a:p>
+                  </a:txBody>
+                  <a:tcPr marL="7620" marR="7620" marT="7620" marB="0" anchor="ctr"/>
+                </a:tc>
+                <a:tc>
+                  <a:txBody>
+                    <a:bodyPr/>
+                    <a:lstStyle/>
+                    <a:p>
+                      <a:pPr algn="r" fontAlgn="ctr"/>
+                      <a:r>
+                        <a:rPr lang="en-US" sz="1100" u="none" strike="noStrike">
+                          <a:effectLst/>
+                        </a:rPr>
+                        <a:t>9</a:t>
+                      </a:r>
+                      <a:endParaRPr lang="en-US" sz="1100" b="0" i="0" u="none" strike="noStrike">
+                        <a:solidFill>
+                          <a:srgbClr val="000000"/>
+                        </a:solidFill>
+                        <a:effectLst/>
+                        <a:latin typeface="Calibri" panose="020F0502020204030204" pitchFamily="34" charset="0"/>
+                      </a:endParaRPr>
+                    </a:p>
+                  </a:txBody>
+                  <a:tcPr marL="7620" marR="7620" marT="7620" marB="0" anchor="ctr"/>
+                </a:tc>
+                <a:tc>
+                  <a:txBody>
+                    <a:bodyPr/>
+                    <a:lstStyle/>
+                    <a:p>
+                      <a:pPr algn="r" fontAlgn="ctr"/>
+                      <a:r>
+                        <a:rPr lang="en-US" sz="1100" u="none" strike="noStrike">
+                          <a:effectLst/>
+                        </a:rPr>
+                        <a:t>2</a:t>
+                      </a:r>
+                      <a:endParaRPr lang="en-US" sz="1100" b="0" i="0" u="none" strike="noStrike">
+                        <a:solidFill>
+                          <a:srgbClr val="000000"/>
+                        </a:solidFill>
+                        <a:effectLst/>
+                        <a:latin typeface="Calibri" panose="020F0502020204030204" pitchFamily="34" charset="0"/>
+                      </a:endParaRPr>
+                    </a:p>
+                  </a:txBody>
+                  <a:tcPr marL="7620" marR="7620" marT="7620" marB="0" anchor="ctr"/>
+                </a:tc>
+                <a:tc>
+                  <a:txBody>
+                    <a:bodyPr/>
+                    <a:lstStyle/>
+                    <a:p>
+                      <a:pPr algn="l" fontAlgn="ctr"/>
+                      <a:r>
+                        <a:rPr lang="en-US" sz="1100" u="none" strike="noStrike">
+                          <a:effectLst/>
+                        </a:rPr>
+                        <a:t> </a:t>
+                      </a:r>
+                      <a:endParaRPr lang="en-US" sz="1100" b="0" i="0" u="none" strike="noStrike">
+                        <a:solidFill>
+                          <a:srgbClr val="000000"/>
+                        </a:solidFill>
+                        <a:effectLst/>
+                        <a:latin typeface="Calibri" panose="020F0502020204030204" pitchFamily="34" charset="0"/>
+                      </a:endParaRPr>
+                    </a:p>
+                  </a:txBody>
+                  <a:tcPr marL="7620" marR="7620" marT="7620" marB="0" anchor="ctr"/>
+                </a:tc>
+              </a:tr>
+              <a:tr h="279198">
+                <a:tc>
+                  <a:txBody>
+                    <a:bodyPr/>
+                    <a:lstStyle/>
+                    <a:p>
+                      <a:pPr algn="r" fontAlgn="ctr"/>
+                      <a:r>
+                        <a:rPr lang="en-US" sz="1100" u="none" strike="noStrike">
+                          <a:effectLst/>
+                        </a:rPr>
+                        <a:t>2</a:t>
+                      </a:r>
+                      <a:endParaRPr lang="en-US" sz="1100" b="0" i="0" u="none" strike="noStrike">
+                        <a:solidFill>
+                          <a:srgbClr val="000000"/>
+                        </a:solidFill>
+                        <a:effectLst/>
+                        <a:latin typeface="Calibri" panose="020F0502020204030204" pitchFamily="34" charset="0"/>
+                      </a:endParaRPr>
+                    </a:p>
+                  </a:txBody>
+                  <a:tcPr marL="7620" marR="7620" marT="7620" marB="0" anchor="ctr"/>
+                </a:tc>
+                <a:tc>
+                  <a:txBody>
+                    <a:bodyPr/>
+                    <a:lstStyle/>
+                    <a:p>
+                      <a:pPr algn="r" fontAlgn="ctr"/>
+                      <a:r>
+                        <a:rPr lang="en-US" sz="1100" u="none" strike="noStrike">
+                          <a:effectLst/>
+                        </a:rPr>
+                        <a:t>2</a:t>
+                      </a:r>
+                      <a:endParaRPr lang="en-US" sz="1100" b="0" i="0" u="none" strike="noStrike">
+                        <a:solidFill>
+                          <a:srgbClr val="000000"/>
+                        </a:solidFill>
+                        <a:effectLst/>
+                        <a:latin typeface="Calibri" panose="020F0502020204030204" pitchFamily="34" charset="0"/>
+                      </a:endParaRPr>
+                    </a:p>
+                  </a:txBody>
+                  <a:tcPr marL="7620" marR="7620" marT="7620" marB="0" anchor="ctr"/>
+                </a:tc>
+                <a:tc>
+                  <a:txBody>
+                    <a:bodyPr/>
+                    <a:lstStyle/>
+                    <a:p>
+                      <a:pPr algn="r" fontAlgn="ctr"/>
+                      <a:r>
+                        <a:rPr lang="en-US" sz="1100" u="none" strike="noStrike">
+                          <a:effectLst/>
+                        </a:rPr>
+                        <a:t>2</a:t>
+                      </a:r>
+                      <a:endParaRPr lang="en-US" sz="1100" b="0" i="0" u="none" strike="noStrike">
+                        <a:solidFill>
+                          <a:srgbClr val="000000"/>
+                        </a:solidFill>
+                        <a:effectLst/>
+                        <a:latin typeface="Calibri" panose="020F0502020204030204" pitchFamily="34" charset="0"/>
+                      </a:endParaRPr>
+                    </a:p>
+                  </a:txBody>
+                  <a:tcPr marL="7620" marR="7620" marT="7620" marB="0" anchor="ctr"/>
+                </a:tc>
+                <a:tc>
+                  <a:txBody>
+                    <a:bodyPr/>
+                    <a:lstStyle/>
+                    <a:p>
+                      <a:pPr algn="l" fontAlgn="ctr"/>
+                      <a:r>
+                        <a:rPr lang="en-US" sz="1100" u="none" strike="noStrike" dirty="0">
+                          <a:effectLst/>
+                        </a:rPr>
+                        <a:t> </a:t>
+                      </a:r>
+                      <a:endParaRPr lang="en-US" sz="1100" b="0" i="0" u="none" strike="noStrike" dirty="0">
+                        <a:solidFill>
+                          <a:srgbClr val="000000"/>
+                        </a:solidFill>
+                        <a:effectLst/>
+                        <a:latin typeface="Calibri" panose="020F0502020204030204" pitchFamily="34" charset="0"/>
+                      </a:endParaRPr>
+                    </a:p>
+                  </a:txBody>
+                  <a:tcPr marL="7620" marR="7620" marT="7620" marB="0" anchor="ctr"/>
+                </a:tc>
+              </a:tr>
+            </a:tbl>
+          </a:graphicData>
+        </a:graphic>
+      </p:graphicFrame>
+      <p:graphicFrame>
+        <p:nvGraphicFramePr>
+          <p:cNvPr id="7" name="Table 6"/>
+          <p:cNvGraphicFramePr>
+            <a:graphicFrameLocks noGrp="1"/>
+          </p:cNvGraphicFramePr>
+          <p:nvPr>
+            <p:extLst>
+              <p:ext uri="{D42A27DB-BD31-4B8C-83A1-F6EECF244321}">
+                <p14:modId xmlns:p14="http://schemas.microsoft.com/office/powerpoint/2010/main" val="1757144472"/>
+              </p:ext>
+            </p:extLst>
+          </p:nvPr>
+        </p:nvGraphicFramePr>
+        <p:xfrm>
+          <a:off x="6126480" y="3340924"/>
+          <a:ext cx="2868884" cy="1678199"/>
+        </p:xfrm>
+        <a:graphic>
+          <a:graphicData uri="http://schemas.openxmlformats.org/drawingml/2006/table">
+            <a:tbl>
+              <a:tblPr>
+                <a:tableStyleId>{5C22544A-7EE6-4342-B048-85BDC9FD1C3A}</a:tableStyleId>
+              </a:tblPr>
+              <a:tblGrid>
+                <a:gridCol w="760809"/>
+                <a:gridCol w="760809"/>
+                <a:gridCol w="760809"/>
+                <a:gridCol w="586457"/>
+              </a:tblGrid>
+              <a:tr h="289344">
+                <a:tc>
+                  <a:txBody>
+                    <a:bodyPr/>
+                    <a:lstStyle/>
+                    <a:p>
+                      <a:pPr algn="ctr" fontAlgn="ctr"/>
+                      <a:r>
+                        <a:rPr lang="en-US" sz="1100" u="none" strike="noStrike" dirty="0">
+                          <a:effectLst/>
+                        </a:rPr>
+                        <a:t>X1</a:t>
+                      </a:r>
+                      <a:endParaRPr lang="en-US" sz="1100" b="1" i="0" u="none" strike="noStrike" dirty="0">
+                        <a:solidFill>
+                          <a:srgbClr val="000000"/>
+                        </a:solidFill>
+                        <a:effectLst/>
+                        <a:latin typeface="Calibri" panose="020F0502020204030204" pitchFamily="34" charset="0"/>
+                      </a:endParaRPr>
+                    </a:p>
+                  </a:txBody>
+                  <a:tcPr marL="7620" marR="7620" marT="7620" marB="0" anchor="ctr"/>
+                </a:tc>
+                <a:tc>
+                  <a:txBody>
+                    <a:bodyPr/>
+                    <a:lstStyle/>
+                    <a:p>
+                      <a:pPr algn="ctr" fontAlgn="ctr"/>
+                      <a:r>
+                        <a:rPr lang="en-US" sz="1100" u="none" strike="noStrike">
+                          <a:effectLst/>
+                        </a:rPr>
+                        <a:t>X2</a:t>
+                      </a:r>
+                      <a:endParaRPr lang="en-US" sz="1100" b="1" i="0" u="none" strike="noStrike">
+                        <a:solidFill>
+                          <a:srgbClr val="000000"/>
+                        </a:solidFill>
+                        <a:effectLst/>
+                        <a:latin typeface="Calibri" panose="020F0502020204030204" pitchFamily="34" charset="0"/>
+                      </a:endParaRPr>
+                    </a:p>
+                  </a:txBody>
+                  <a:tcPr marL="7620" marR="7620" marT="7620" marB="0" anchor="ctr"/>
+                </a:tc>
+                <a:tc>
+                  <a:txBody>
+                    <a:bodyPr/>
+                    <a:lstStyle/>
+                    <a:p>
+                      <a:pPr algn="ctr" fontAlgn="ctr"/>
+                      <a:r>
+                        <a:rPr lang="en-US" sz="1100" u="none" strike="noStrike" dirty="0">
+                          <a:effectLst/>
+                        </a:rPr>
+                        <a:t>X3</a:t>
+                      </a:r>
+                      <a:endParaRPr lang="en-US" sz="1100" b="1" i="0" u="none" strike="noStrike" dirty="0">
+                        <a:solidFill>
+                          <a:srgbClr val="000000"/>
+                        </a:solidFill>
+                        <a:effectLst/>
+                        <a:latin typeface="Calibri" panose="020F0502020204030204" pitchFamily="34" charset="0"/>
+                      </a:endParaRPr>
+                    </a:p>
+                  </a:txBody>
+                  <a:tcPr marL="7620" marR="7620" marT="7620" marB="0" anchor="ctr"/>
+                </a:tc>
+                <a:tc>
+                  <a:txBody>
+                    <a:bodyPr/>
+                    <a:lstStyle/>
+                    <a:p>
+                      <a:pPr algn="ctr" fontAlgn="ctr"/>
+                      <a:r>
+                        <a:rPr lang="en-US" sz="1100" u="none" strike="noStrike">
+                          <a:effectLst/>
+                        </a:rPr>
+                        <a:t>Y</a:t>
+                      </a:r>
+                      <a:endParaRPr lang="en-US" sz="1100" b="1" i="0" u="none" strike="noStrike">
+                        <a:solidFill>
+                          <a:srgbClr val="000000"/>
+                        </a:solidFill>
+                        <a:effectLst/>
+                        <a:latin typeface="Calibri" panose="020F0502020204030204" pitchFamily="34" charset="0"/>
+                      </a:endParaRPr>
+                    </a:p>
+                  </a:txBody>
+                  <a:tcPr marL="7620" marR="7620" marT="7620" marB="0" anchor="ctr"/>
+                </a:tc>
+              </a:tr>
+              <a:tr h="277771">
+                <a:tc>
+                  <a:txBody>
+                    <a:bodyPr/>
+                    <a:lstStyle/>
+                    <a:p>
+                      <a:pPr algn="r" fontAlgn="ctr"/>
+                      <a:r>
+                        <a:rPr lang="en-US" sz="1100" u="none" strike="noStrike">
+                          <a:effectLst/>
+                        </a:rPr>
+                        <a:t>1</a:t>
+                      </a:r>
+                      <a:endParaRPr lang="en-US" sz="1100" b="0" i="0" u="none" strike="noStrike">
+                        <a:solidFill>
+                          <a:srgbClr val="000000"/>
+                        </a:solidFill>
+                        <a:effectLst/>
+                        <a:latin typeface="Calibri" panose="020F0502020204030204" pitchFamily="34" charset="0"/>
+                      </a:endParaRPr>
+                    </a:p>
+                  </a:txBody>
+                  <a:tcPr marL="7620" marR="7620" marT="7620" marB="0" anchor="ctr"/>
+                </a:tc>
+                <a:tc>
+                  <a:txBody>
+                    <a:bodyPr/>
+                    <a:lstStyle/>
+                    <a:p>
+                      <a:pPr algn="r" fontAlgn="ctr"/>
+                      <a:r>
+                        <a:rPr lang="en-US" sz="1100" u="none" strike="noStrike">
+                          <a:effectLst/>
+                        </a:rPr>
+                        <a:t>2</a:t>
+                      </a:r>
+                      <a:endParaRPr lang="en-US" sz="1100" b="0" i="0" u="none" strike="noStrike">
+                        <a:solidFill>
+                          <a:srgbClr val="000000"/>
+                        </a:solidFill>
+                        <a:effectLst/>
+                        <a:latin typeface="Calibri" panose="020F0502020204030204" pitchFamily="34" charset="0"/>
+                      </a:endParaRPr>
+                    </a:p>
+                  </a:txBody>
+                  <a:tcPr marL="7620" marR="7620" marT="7620" marB="0" anchor="ctr"/>
+                </a:tc>
+                <a:tc>
+                  <a:txBody>
+                    <a:bodyPr/>
+                    <a:lstStyle/>
+                    <a:p>
+                      <a:pPr algn="r" fontAlgn="ctr"/>
+                      <a:r>
+                        <a:rPr lang="en-US" sz="1100" u="none" strike="noStrike">
+                          <a:effectLst/>
+                        </a:rPr>
+                        <a:t>2</a:t>
+                      </a:r>
+                      <a:endParaRPr lang="en-US" sz="1100" b="0" i="0" u="none" strike="noStrike">
+                        <a:solidFill>
+                          <a:srgbClr val="000000"/>
+                        </a:solidFill>
+                        <a:effectLst/>
+                        <a:latin typeface="Calibri" panose="020F0502020204030204" pitchFamily="34" charset="0"/>
+                      </a:endParaRPr>
+                    </a:p>
+                  </a:txBody>
+                  <a:tcPr marL="7620" marR="7620" marT="7620" marB="0" anchor="ctr"/>
+                </a:tc>
+                <a:tc>
+                  <a:txBody>
+                    <a:bodyPr/>
+                    <a:lstStyle/>
+                    <a:p>
+                      <a:pPr algn="r" fontAlgn="ctr"/>
+                      <a:r>
+                        <a:rPr lang="en-US" sz="1100" u="none" strike="noStrike">
+                          <a:effectLst/>
+                        </a:rPr>
+                        <a:t>9</a:t>
+                      </a:r>
+                      <a:endParaRPr lang="en-US" sz="1100" b="0" i="0" u="none" strike="noStrike">
+                        <a:solidFill>
+                          <a:srgbClr val="000000"/>
+                        </a:solidFill>
+                        <a:effectLst/>
+                        <a:latin typeface="Calibri" panose="020F0502020204030204" pitchFamily="34" charset="0"/>
+                      </a:endParaRPr>
+                    </a:p>
+                  </a:txBody>
+                  <a:tcPr marL="7620" marR="7620" marT="7620" marB="0" anchor="ctr"/>
+                </a:tc>
+              </a:tr>
+              <a:tr h="277771">
+                <a:tc>
+                  <a:txBody>
+                    <a:bodyPr/>
+                    <a:lstStyle/>
+                    <a:p>
+                      <a:pPr algn="r" fontAlgn="ctr"/>
+                      <a:r>
+                        <a:rPr lang="en-US" sz="1100" u="none" strike="noStrike">
+                          <a:effectLst/>
+                        </a:rPr>
+                        <a:t>4</a:t>
+                      </a:r>
+                      <a:endParaRPr lang="en-US" sz="1100" b="0" i="0" u="none" strike="noStrike">
+                        <a:solidFill>
+                          <a:srgbClr val="000000"/>
+                        </a:solidFill>
+                        <a:effectLst/>
+                        <a:latin typeface="Calibri" panose="020F0502020204030204" pitchFamily="34" charset="0"/>
+                      </a:endParaRPr>
+                    </a:p>
+                  </a:txBody>
+                  <a:tcPr marL="7620" marR="7620" marT="7620" marB="0" anchor="ctr"/>
+                </a:tc>
+                <a:tc>
+                  <a:txBody>
+                    <a:bodyPr/>
+                    <a:lstStyle/>
+                    <a:p>
+                      <a:pPr algn="r" fontAlgn="ctr"/>
+                      <a:r>
+                        <a:rPr lang="en-US" sz="1100" u="none" strike="noStrike">
+                          <a:effectLst/>
+                        </a:rPr>
+                        <a:t>3</a:t>
+                      </a:r>
+                      <a:endParaRPr lang="en-US" sz="1100" b="0" i="0" u="none" strike="noStrike">
+                        <a:solidFill>
+                          <a:srgbClr val="000000"/>
+                        </a:solidFill>
+                        <a:effectLst/>
+                        <a:latin typeface="Calibri" panose="020F0502020204030204" pitchFamily="34" charset="0"/>
+                      </a:endParaRPr>
+                    </a:p>
+                  </a:txBody>
+                  <a:tcPr marL="7620" marR="7620" marT="7620" marB="0" anchor="ctr"/>
+                </a:tc>
+                <a:tc>
+                  <a:txBody>
+                    <a:bodyPr/>
+                    <a:lstStyle/>
+                    <a:p>
+                      <a:pPr algn="r" fontAlgn="ctr"/>
+                      <a:r>
+                        <a:rPr lang="en-US" sz="1100" u="none" strike="noStrike">
+                          <a:effectLst/>
+                        </a:rPr>
+                        <a:t>3</a:t>
+                      </a:r>
+                      <a:endParaRPr lang="en-US" sz="1100" b="0" i="0" u="none" strike="noStrike">
+                        <a:solidFill>
+                          <a:srgbClr val="000000"/>
+                        </a:solidFill>
+                        <a:effectLst/>
+                        <a:latin typeface="Calibri" panose="020F0502020204030204" pitchFamily="34" charset="0"/>
+                      </a:endParaRPr>
+                    </a:p>
+                  </a:txBody>
+                  <a:tcPr marL="7620" marR="7620" marT="7620" marB="0" anchor="ctr"/>
+                </a:tc>
+                <a:tc>
+                  <a:txBody>
+                    <a:bodyPr/>
+                    <a:lstStyle/>
+                    <a:p>
+                      <a:pPr algn="r" fontAlgn="ctr"/>
+                      <a:r>
+                        <a:rPr lang="en-US" sz="1100" u="none" strike="noStrike">
+                          <a:effectLst/>
+                        </a:rPr>
+                        <a:t>343</a:t>
+                      </a:r>
+                      <a:endParaRPr lang="en-US" sz="1100" b="0" i="0" u="none" strike="noStrike">
+                        <a:solidFill>
+                          <a:srgbClr val="000000"/>
+                        </a:solidFill>
+                        <a:effectLst/>
+                        <a:latin typeface="Calibri" panose="020F0502020204030204" pitchFamily="34" charset="0"/>
+                      </a:endParaRPr>
+                    </a:p>
+                  </a:txBody>
+                  <a:tcPr marL="7620" marR="7620" marT="7620" marB="0" anchor="ctr"/>
+                </a:tc>
+              </a:tr>
+              <a:tr h="277771">
+                <a:tc>
+                  <a:txBody>
+                    <a:bodyPr/>
+                    <a:lstStyle/>
+                    <a:p>
+                      <a:pPr algn="r" fontAlgn="ctr"/>
+                      <a:r>
+                        <a:rPr lang="en-US" sz="1100" u="none" strike="noStrike">
+                          <a:effectLst/>
+                        </a:rPr>
+                        <a:t>1</a:t>
+                      </a:r>
+                      <a:endParaRPr lang="en-US" sz="1100" b="0" i="0" u="none" strike="noStrike">
+                        <a:solidFill>
+                          <a:srgbClr val="000000"/>
+                        </a:solidFill>
+                        <a:effectLst/>
+                        <a:latin typeface="Calibri" panose="020F0502020204030204" pitchFamily="34" charset="0"/>
+                      </a:endParaRPr>
+                    </a:p>
+                  </a:txBody>
+                  <a:tcPr marL="7620" marR="7620" marT="7620" marB="0" anchor="ctr"/>
+                </a:tc>
+                <a:tc>
+                  <a:txBody>
+                    <a:bodyPr/>
+                    <a:lstStyle/>
+                    <a:p>
+                      <a:pPr algn="r" fontAlgn="ctr"/>
+                      <a:r>
+                        <a:rPr lang="en-US" sz="1100" u="none" strike="noStrike">
+                          <a:effectLst/>
+                        </a:rPr>
+                        <a:t>8</a:t>
+                      </a:r>
+                      <a:endParaRPr lang="en-US" sz="1100" b="0" i="0" u="none" strike="noStrike">
+                        <a:solidFill>
+                          <a:srgbClr val="000000"/>
+                        </a:solidFill>
+                        <a:effectLst/>
+                        <a:latin typeface="Calibri" panose="020F0502020204030204" pitchFamily="34" charset="0"/>
+                      </a:endParaRPr>
+                    </a:p>
+                  </a:txBody>
+                  <a:tcPr marL="7620" marR="7620" marT="7620" marB="0" anchor="ctr"/>
+                </a:tc>
+                <a:tc>
+                  <a:txBody>
+                    <a:bodyPr/>
+                    <a:lstStyle/>
+                    <a:p>
+                      <a:pPr algn="r" fontAlgn="ctr"/>
+                      <a:r>
+                        <a:rPr lang="en-US" sz="1100" u="none" strike="noStrike">
+                          <a:effectLst/>
+                        </a:rPr>
+                        <a:t>2</a:t>
+                      </a:r>
+                      <a:endParaRPr lang="en-US" sz="1100" b="0" i="0" u="none" strike="noStrike">
+                        <a:solidFill>
+                          <a:srgbClr val="000000"/>
+                        </a:solidFill>
+                        <a:effectLst/>
+                        <a:latin typeface="Calibri" panose="020F0502020204030204" pitchFamily="34" charset="0"/>
+                      </a:endParaRPr>
+                    </a:p>
+                  </a:txBody>
+                  <a:tcPr marL="7620" marR="7620" marT="7620" marB="0" anchor="ctr"/>
+                </a:tc>
+                <a:tc>
+                  <a:txBody>
+                    <a:bodyPr/>
+                    <a:lstStyle/>
+                    <a:p>
+                      <a:pPr algn="r" fontAlgn="ctr"/>
+                      <a:r>
+                        <a:rPr lang="en-US" sz="1100" u="none" strike="noStrike">
+                          <a:effectLst/>
+                        </a:rPr>
+                        <a:t>81</a:t>
+                      </a:r>
+                      <a:endParaRPr lang="en-US" sz="1100" b="0" i="0" u="none" strike="noStrike">
+                        <a:solidFill>
+                          <a:srgbClr val="000000"/>
+                        </a:solidFill>
+                        <a:effectLst/>
+                        <a:latin typeface="Calibri" panose="020F0502020204030204" pitchFamily="34" charset="0"/>
+                      </a:endParaRPr>
+                    </a:p>
+                  </a:txBody>
+                  <a:tcPr marL="7620" marR="7620" marT="7620" marB="0" anchor="ctr"/>
+                </a:tc>
+              </a:tr>
+              <a:tr h="277771">
+                <a:tc>
+                  <a:txBody>
+                    <a:bodyPr/>
+                    <a:lstStyle/>
+                    <a:p>
+                      <a:pPr algn="r" fontAlgn="ctr"/>
+                      <a:r>
+                        <a:rPr lang="en-US" sz="1100" u="none" strike="noStrike">
+                          <a:effectLst/>
+                        </a:rPr>
+                        <a:t>8</a:t>
+                      </a:r>
+                      <a:endParaRPr lang="en-US" sz="1100" b="0" i="0" u="none" strike="noStrike">
+                        <a:solidFill>
+                          <a:srgbClr val="000000"/>
+                        </a:solidFill>
+                        <a:effectLst/>
+                        <a:latin typeface="Calibri" panose="020F0502020204030204" pitchFamily="34" charset="0"/>
+                      </a:endParaRPr>
+                    </a:p>
+                  </a:txBody>
+                  <a:tcPr marL="7620" marR="7620" marT="7620" marB="0" anchor="ctr"/>
+                </a:tc>
+                <a:tc>
+                  <a:txBody>
+                    <a:bodyPr/>
+                    <a:lstStyle/>
+                    <a:p>
+                      <a:pPr algn="r" fontAlgn="ctr"/>
+                      <a:r>
+                        <a:rPr lang="en-US" sz="1100" u="none" strike="noStrike">
+                          <a:effectLst/>
+                        </a:rPr>
+                        <a:t>9</a:t>
+                      </a:r>
+                      <a:endParaRPr lang="en-US" sz="1100" b="0" i="0" u="none" strike="noStrike">
+                        <a:solidFill>
+                          <a:srgbClr val="000000"/>
+                        </a:solidFill>
+                        <a:effectLst/>
+                        <a:latin typeface="Calibri" panose="020F0502020204030204" pitchFamily="34" charset="0"/>
+                      </a:endParaRPr>
+                    </a:p>
+                  </a:txBody>
+                  <a:tcPr marL="7620" marR="7620" marT="7620" marB="0" anchor="ctr"/>
+                </a:tc>
+                <a:tc>
+                  <a:txBody>
+                    <a:bodyPr/>
+                    <a:lstStyle/>
+                    <a:p>
+                      <a:pPr algn="r" fontAlgn="ctr"/>
+                      <a:r>
+                        <a:rPr lang="en-US" sz="1100" u="none" strike="noStrike">
+                          <a:effectLst/>
+                        </a:rPr>
+                        <a:t>2</a:t>
+                      </a:r>
+                      <a:endParaRPr lang="en-US" sz="1100" b="0" i="0" u="none" strike="noStrike">
+                        <a:solidFill>
+                          <a:srgbClr val="000000"/>
+                        </a:solidFill>
+                        <a:effectLst/>
+                        <a:latin typeface="Calibri" panose="020F0502020204030204" pitchFamily="34" charset="0"/>
+                      </a:endParaRPr>
+                    </a:p>
+                  </a:txBody>
+                  <a:tcPr marL="7620" marR="7620" marT="7620" marB="0" anchor="ctr"/>
+                </a:tc>
+                <a:tc>
+                  <a:txBody>
+                    <a:bodyPr/>
+                    <a:lstStyle/>
+                    <a:p>
+                      <a:pPr algn="r" fontAlgn="ctr"/>
+                      <a:r>
+                        <a:rPr lang="en-US" sz="1100" u="none" strike="noStrike">
+                          <a:effectLst/>
+                        </a:rPr>
+                        <a:t>289</a:t>
+                      </a:r>
+                      <a:endParaRPr lang="en-US" sz="1100" b="0" i="0" u="none" strike="noStrike">
+                        <a:solidFill>
+                          <a:srgbClr val="000000"/>
+                        </a:solidFill>
+                        <a:effectLst/>
+                        <a:latin typeface="Calibri" panose="020F0502020204030204" pitchFamily="34" charset="0"/>
+                      </a:endParaRPr>
+                    </a:p>
+                  </a:txBody>
+                  <a:tcPr marL="7620" marR="7620" marT="7620" marB="0" anchor="ctr"/>
+                </a:tc>
+              </a:tr>
+              <a:tr h="277771">
+                <a:tc>
+                  <a:txBody>
+                    <a:bodyPr/>
+                    <a:lstStyle/>
+                    <a:p>
+                      <a:pPr algn="r" fontAlgn="ctr"/>
+                      <a:r>
+                        <a:rPr lang="en-US" sz="1100" u="none" strike="noStrike">
+                          <a:effectLst/>
+                        </a:rPr>
+                        <a:t>2</a:t>
+                      </a:r>
+                      <a:endParaRPr lang="en-US" sz="1100" b="0" i="0" u="none" strike="noStrike">
+                        <a:solidFill>
+                          <a:srgbClr val="000000"/>
+                        </a:solidFill>
+                        <a:effectLst/>
+                        <a:latin typeface="Calibri" panose="020F0502020204030204" pitchFamily="34" charset="0"/>
+                      </a:endParaRPr>
+                    </a:p>
+                  </a:txBody>
+                  <a:tcPr marL="7620" marR="7620" marT="7620" marB="0" anchor="ctr"/>
+                </a:tc>
+                <a:tc>
+                  <a:txBody>
+                    <a:bodyPr/>
+                    <a:lstStyle/>
+                    <a:p>
+                      <a:pPr algn="r" fontAlgn="ctr"/>
+                      <a:r>
+                        <a:rPr lang="en-US" sz="1100" u="none" strike="noStrike">
+                          <a:effectLst/>
+                        </a:rPr>
+                        <a:t>2</a:t>
+                      </a:r>
+                      <a:endParaRPr lang="en-US" sz="1100" b="0" i="0" u="none" strike="noStrike">
+                        <a:solidFill>
+                          <a:srgbClr val="000000"/>
+                        </a:solidFill>
+                        <a:effectLst/>
+                        <a:latin typeface="Calibri" panose="020F0502020204030204" pitchFamily="34" charset="0"/>
+                      </a:endParaRPr>
+                    </a:p>
+                  </a:txBody>
+                  <a:tcPr marL="7620" marR="7620" marT="7620" marB="0" anchor="ctr"/>
+                </a:tc>
+                <a:tc>
+                  <a:txBody>
+                    <a:bodyPr/>
+                    <a:lstStyle/>
+                    <a:p>
+                      <a:pPr algn="r" fontAlgn="ctr"/>
+                      <a:r>
+                        <a:rPr lang="en-US" sz="1100" u="none" strike="noStrike">
+                          <a:effectLst/>
+                        </a:rPr>
+                        <a:t>2</a:t>
+                      </a:r>
+                      <a:endParaRPr lang="en-US" sz="1100" b="0" i="0" u="none" strike="noStrike">
+                        <a:solidFill>
+                          <a:srgbClr val="000000"/>
+                        </a:solidFill>
+                        <a:effectLst/>
+                        <a:latin typeface="Calibri" panose="020F0502020204030204" pitchFamily="34" charset="0"/>
+                      </a:endParaRPr>
+                    </a:p>
+                  </a:txBody>
+                  <a:tcPr marL="7620" marR="7620" marT="7620" marB="0" anchor="ctr"/>
+                </a:tc>
+                <a:tc>
+                  <a:txBody>
+                    <a:bodyPr/>
+                    <a:lstStyle/>
+                    <a:p>
+                      <a:pPr algn="r" fontAlgn="ctr"/>
+                      <a:r>
+                        <a:rPr lang="en-US" sz="1100" u="none" strike="noStrike" dirty="0">
+                          <a:effectLst/>
+                        </a:rPr>
+                        <a:t>16</a:t>
+                      </a:r>
+                      <a:endParaRPr lang="en-US" sz="1100" b="0" i="0" u="none" strike="noStrike" dirty="0">
+                        <a:solidFill>
+                          <a:srgbClr val="000000"/>
+                        </a:solidFill>
+                        <a:effectLst/>
+                        <a:latin typeface="Calibri" panose="020F0502020204030204" pitchFamily="34" charset="0"/>
+                      </a:endParaRPr>
+                    </a:p>
+                  </a:txBody>
+                  <a:tcPr marL="7620" marR="7620" marT="7620" marB="0" anchor="ctr"/>
+                </a:tc>
+              </a:tr>
+            </a:tbl>
+          </a:graphicData>
+        </a:graphic>
+      </p:graphicFrame>
+      <p:pic>
+        <p:nvPicPr>
+          <p:cNvPr id="8" name="Picture 7"/>
+          <p:cNvPicPr>
+            <a:picLocks noChangeAspect="1"/>
+          </p:cNvPicPr>
+          <p:nvPr/>
+        </p:nvPicPr>
+        <p:blipFill>
+          <a:blip r:embed="rId3">
+            <a:extLst>
+              <a:ext uri="{28A0092B-C50C-407E-A947-70E740481C1C}">
+                <a14:useLocalDpi xmlns:a14="http://schemas.microsoft.com/office/drawing/2010/main" val="0"/>
+              </a:ext>
+            </a:extLst>
+          </a:blip>
+          <a:stretch>
+            <a:fillRect/>
+          </a:stretch>
+        </p:blipFill>
+        <p:spPr>
+          <a:xfrm>
+            <a:off x="5174829" y="3974414"/>
+            <a:ext cx="289585" cy="304826"/>
+          </a:xfrm>
+          <a:prstGeom prst="rect">
+            <a:avLst/>
+          </a:prstGeom>
+        </p:spPr>
+      </p:pic>
+      <p:cxnSp>
+        <p:nvCxnSpPr>
+          <p:cNvPr id="10" name="Straight Arrow Connector 9"/>
+          <p:cNvCxnSpPr/>
+          <p:nvPr/>
+        </p:nvCxnSpPr>
+        <p:spPr>
+          <a:xfrm flipV="1">
+            <a:off x="4689894" y="3857414"/>
+            <a:ext cx="1259456" cy="8626"/>
+          </a:xfrm>
+          <a:prstGeom prst="straightConnector1">
+            <a:avLst/>
+          </a:prstGeom>
+          <a:ln>
+            <a:tailEnd type="triangle"/>
+          </a:ln>
+        </p:spPr>
+        <p:style>
+          <a:lnRef idx="1">
+            <a:schemeClr val="accent1"/>
+          </a:lnRef>
+          <a:fillRef idx="0">
+            <a:schemeClr val="accent1"/>
+          </a:fillRef>
+          <a:effectRef idx="0">
+            <a:schemeClr val="accent1"/>
+          </a:effectRef>
+          <a:fontRef idx="minor">
+            <a:schemeClr val="tx1"/>
+          </a:fontRef>
+        </p:style>
+      </p:cxnSp>
+    </p:spTree>
+    <p:extLst>
+      <p:ext uri="{BB962C8B-B14F-4D97-AF65-F5344CB8AC3E}">
+        <p14:creationId xmlns:p14="http://schemas.microsoft.com/office/powerpoint/2010/main" val="4139938205"/>
+      </p:ext>
+    </p:extLst>
+  </p:cSld>
+  <p:clrMapOvr>
+    <a:masterClrMapping/>
+  </p:clrMapOvr>
+</p:sld>
+</file>
+
+<file path=ppt/slides/slide16.xml><?xml version="1.0" encoding="utf-8"?>
+<p:sld xmlns:a="http://schemas.openxmlformats.org/drawingml/2006/main" xmlns:r="http://schemas.openxmlformats.org/officeDocument/2006/relationships" xmlns:p="http://schemas.openxmlformats.org/presentationml/2006/main">
+  <p:cSld>
+    <p:spTree>
+      <p:nvGrpSpPr>
+        <p:cNvPr id="1" name=""/>
+        <p:cNvGrpSpPr/>
+        <p:nvPr/>
+      </p:nvGrpSpPr>
+      <p:grpSpPr>
+        <a:xfrm>
+          <a:off x="0" y="0"/>
+          <a:ext cx="0" cy="0"/>
+          <a:chOff x="0" y="0"/>
+          <a:chExt cx="0" cy="0"/>
+        </a:xfrm>
+      </p:grpSpPr>
+      <p:sp>
+        <p:nvSpPr>
+          <p:cNvPr id="2" name="Title 1"/>
+          <p:cNvSpPr>
+            <a:spLocks noGrp="1"/>
+          </p:cNvSpPr>
+          <p:nvPr>
+            <p:ph type="title"/>
+          </p:nvPr>
+        </p:nvSpPr>
+        <p:spPr/>
+        <p:txBody>
+          <a:bodyPr/>
+          <a:lstStyle/>
+          <a:p>
+            <a:r>
+              <a:rPr lang="nl-BE" dirty="0" smtClean="0"/>
+              <a:t>Overzicht:</a:t>
+            </a:r>
+            <a:br>
+              <a:rPr lang="nl-BE" dirty="0" smtClean="0"/>
+            </a:br>
+            <a:r>
+              <a:rPr lang="nl-BE" dirty="0" err="1" smtClean="0"/>
+              <a:t>Equation</a:t>
+            </a:r>
+            <a:r>
+              <a:rPr lang="nl-BE" dirty="0" smtClean="0"/>
+              <a:t> Discovery</a:t>
+            </a:r>
+            <a:endParaRPr lang="en-US" dirty="0"/>
+          </a:p>
+        </p:txBody>
+      </p:sp>
+      <p:sp>
+        <p:nvSpPr>
+          <p:cNvPr id="3" name="Content Placeholder 2"/>
+          <p:cNvSpPr>
+            <a:spLocks noGrp="1"/>
+          </p:cNvSpPr>
+          <p:nvPr>
+            <p:ph idx="1"/>
+          </p:nvPr>
+        </p:nvSpPr>
+        <p:spPr/>
+        <p:txBody>
+          <a:bodyPr/>
+          <a:lstStyle/>
+          <a:p>
+            <a:pPr>
+              <a:buFont typeface="Arial" panose="020B0604020202020204" pitchFamily="34" charset="0"/>
+              <a:buChar char="•"/>
+            </a:pPr>
+            <a:r>
+              <a:rPr lang="nl-BE" dirty="0" smtClean="0"/>
+              <a:t>  </a:t>
+            </a:r>
+            <a:r>
+              <a:rPr lang="nl-BE" dirty="0" err="1" smtClean="0"/>
+              <a:t>Inductive</a:t>
+            </a:r>
+            <a:r>
+              <a:rPr lang="nl-BE" dirty="0" smtClean="0"/>
+              <a:t> Language Bias</a:t>
+            </a:r>
+          </a:p>
+          <a:p>
+            <a:pPr>
+              <a:buFont typeface="Arial" panose="020B0604020202020204" pitchFamily="34" charset="0"/>
+              <a:buChar char="•"/>
+            </a:pPr>
+            <a:r>
+              <a:rPr lang="nl-BE" dirty="0"/>
+              <a:t> </a:t>
+            </a:r>
+            <a:r>
+              <a:rPr lang="nl-BE" dirty="0" smtClean="0"/>
+              <a:t> </a:t>
+            </a:r>
+            <a:r>
+              <a:rPr lang="nl-BE" dirty="0" err="1" smtClean="0"/>
+              <a:t>Lagrambe</a:t>
+            </a:r>
+            <a:r>
+              <a:rPr lang="nl-BE" dirty="0" smtClean="0"/>
+              <a:t> </a:t>
+            </a:r>
+            <a:r>
+              <a:rPr lang="nl-BE" dirty="0" smtClean="0">
+                <a:solidFill>
+                  <a:srgbClr val="FF0000"/>
+                </a:solidFill>
+              </a:rPr>
+              <a:t>(&lt;- Verander)</a:t>
+            </a:r>
+            <a:endParaRPr lang="en-US" dirty="0">
+              <a:solidFill>
+                <a:srgbClr val="FF0000"/>
+              </a:solidFill>
+            </a:endParaRPr>
+          </a:p>
+        </p:txBody>
+      </p:sp>
+    </p:spTree>
+    <p:extLst>
+      <p:ext uri="{BB962C8B-B14F-4D97-AF65-F5344CB8AC3E}">
+        <p14:creationId xmlns:p14="http://schemas.microsoft.com/office/powerpoint/2010/main" val="2060028207"/>
+      </p:ext>
+    </p:extLst>
+  </p:cSld>
+  <p:clrMapOvr>
+    <a:masterClrMapping/>
+  </p:clrMapOvr>
+</p:sld>
+</file>
+
+<file path=ppt/slides/slide17.xml><?xml version="1.0" encoding="utf-8"?>
+<p:sld xmlns:a="http://schemas.openxmlformats.org/drawingml/2006/main" xmlns:r="http://schemas.openxmlformats.org/officeDocument/2006/relationships" xmlns:p="http://schemas.openxmlformats.org/presentationml/2006/main">
+  <p:cSld>
+    <p:spTree>
+      <p:nvGrpSpPr>
+        <p:cNvPr id="1" name=""/>
+        <p:cNvGrpSpPr/>
+        <p:nvPr/>
+      </p:nvGrpSpPr>
+      <p:grpSpPr>
+        <a:xfrm>
+          <a:off x="0" y="0"/>
+          <a:ext cx="0" cy="0"/>
+          <a:chOff x="0" y="0"/>
+          <a:chExt cx="0" cy="0"/>
+        </a:xfrm>
+      </p:grpSpPr>
+      <p:sp>
+        <p:nvSpPr>
+          <p:cNvPr id="2" name="Title 1"/>
+          <p:cNvSpPr>
+            <a:spLocks noGrp="1"/>
+          </p:cNvSpPr>
+          <p:nvPr>
+            <p:ph type="title"/>
+          </p:nvPr>
+        </p:nvSpPr>
+        <p:spPr/>
+        <p:txBody>
+          <a:bodyPr/>
+          <a:lstStyle/>
+          <a:p>
+            <a:endParaRPr lang="en-US"/>
+          </a:p>
+        </p:txBody>
+      </p:sp>
+      <p:sp>
+        <p:nvSpPr>
+          <p:cNvPr id="3" name="Content Placeholder 2"/>
+          <p:cNvSpPr>
+            <a:spLocks noGrp="1"/>
+          </p:cNvSpPr>
+          <p:nvPr>
+            <p:ph idx="1"/>
+          </p:nvPr>
+        </p:nvSpPr>
+        <p:spPr/>
+        <p:txBody>
+          <a:bodyPr/>
+          <a:lstStyle/>
+          <a:p>
+            <a:endParaRPr lang="en-US"/>
+          </a:p>
+        </p:txBody>
+      </p:sp>
+    </p:spTree>
+    <p:extLst>
+      <p:ext uri="{BB962C8B-B14F-4D97-AF65-F5344CB8AC3E}">
+        <p14:creationId xmlns:p14="http://schemas.microsoft.com/office/powerpoint/2010/main" val="2428817191"/>
+      </p:ext>
+    </p:extLst>
+  </p:cSld>
+  <p:clrMapOvr>
+    <a:masterClrMapping/>
+  </p:clrMapOvr>
+</p:sld>
+</file>
+
+<file path=ppt/slides/slide18.xml><?xml version="1.0" encoding="utf-8"?>
+<p:sld xmlns:a="http://schemas.openxmlformats.org/drawingml/2006/main" xmlns:r="http://schemas.openxmlformats.org/officeDocument/2006/relationships" xmlns:p="http://schemas.openxmlformats.org/presentationml/2006/main">
+  <p:cSld>
+    <p:spTree>
+      <p:nvGrpSpPr>
+        <p:cNvPr id="1" name=""/>
+        <p:cNvGrpSpPr/>
+        <p:nvPr/>
+      </p:nvGrpSpPr>
+      <p:grpSpPr>
+        <a:xfrm>
+          <a:off x="0" y="0"/>
+          <a:ext cx="0" cy="0"/>
+          <a:chOff x="0" y="0"/>
+          <a:chExt cx="0" cy="0"/>
+        </a:xfrm>
+      </p:grpSpPr>
+      <p:sp>
+        <p:nvSpPr>
+          <p:cNvPr id="2" name="Title 1"/>
+          <p:cNvSpPr>
+            <a:spLocks noGrp="1"/>
+          </p:cNvSpPr>
+          <p:nvPr>
+            <p:ph type="title"/>
+          </p:nvPr>
+        </p:nvSpPr>
+        <p:spPr/>
+        <p:txBody>
+          <a:bodyPr/>
+          <a:lstStyle/>
+          <a:p>
+            <a:endParaRPr lang="en-US"/>
+          </a:p>
+        </p:txBody>
+      </p:sp>
+      <p:sp>
+        <p:nvSpPr>
+          <p:cNvPr id="3" name="Content Placeholder 2"/>
+          <p:cNvSpPr>
+            <a:spLocks noGrp="1"/>
+          </p:cNvSpPr>
+          <p:nvPr>
+            <p:ph idx="1"/>
+          </p:nvPr>
+        </p:nvSpPr>
+        <p:spPr/>
+        <p:txBody>
+          <a:bodyPr/>
+          <a:lstStyle/>
+          <a:p>
+            <a:endParaRPr lang="en-US"/>
+          </a:p>
+        </p:txBody>
+      </p:sp>
+    </p:spTree>
+    <p:extLst>
+      <p:ext uri="{BB962C8B-B14F-4D97-AF65-F5344CB8AC3E}">
+        <p14:creationId xmlns:p14="http://schemas.microsoft.com/office/powerpoint/2010/main" val="3344689338"/>
+      </p:ext>
+    </p:extLst>
+  </p:cSld>
+  <p:clrMapOvr>
+    <a:masterClrMapping/>
+  </p:clrMapOvr>
+</p:sld>
+</file>
+
+<file path=ppt/slides/slide19.xml><?xml version="1.0" encoding="utf-8"?>
+<p:sld xmlns:a="http://schemas.openxmlformats.org/drawingml/2006/main" xmlns:r="http://schemas.openxmlformats.org/officeDocument/2006/relationships" xmlns:p="http://schemas.openxmlformats.org/presentationml/2006/main">
+  <p:cSld>
+    <p:spTree>
+      <p:nvGrpSpPr>
+        <p:cNvPr id="1" name=""/>
+        <p:cNvGrpSpPr/>
+        <p:nvPr/>
+      </p:nvGrpSpPr>
+      <p:grpSpPr>
+        <a:xfrm>
+          <a:off x="0" y="0"/>
+          <a:ext cx="0" cy="0"/>
+          <a:chOff x="0" y="0"/>
+          <a:chExt cx="0" cy="0"/>
+        </a:xfrm>
+      </p:grpSpPr>
+      <p:sp>
+        <p:nvSpPr>
+          <p:cNvPr id="2" name="Title 1"/>
+          <p:cNvSpPr>
+            <a:spLocks noGrp="1"/>
+          </p:cNvSpPr>
+          <p:nvPr>
+            <p:ph type="title"/>
+          </p:nvPr>
+        </p:nvSpPr>
+        <p:spPr/>
+        <p:txBody>
+          <a:bodyPr/>
+          <a:lstStyle/>
+          <a:p>
+            <a:endParaRPr lang="en-US"/>
+          </a:p>
+        </p:txBody>
+      </p:sp>
+      <p:sp>
+        <p:nvSpPr>
+          <p:cNvPr id="3" name="Content Placeholder 2"/>
+          <p:cNvSpPr>
+            <a:spLocks noGrp="1"/>
+          </p:cNvSpPr>
+          <p:nvPr>
+            <p:ph idx="1"/>
+          </p:nvPr>
+        </p:nvSpPr>
+        <p:spPr/>
+        <p:txBody>
+          <a:bodyPr/>
+          <a:lstStyle/>
+          <a:p>
+            <a:endParaRPr lang="en-US"/>
+          </a:p>
+        </p:txBody>
+      </p:sp>
+    </p:spTree>
+    <p:extLst>
+      <p:ext uri="{BB962C8B-B14F-4D97-AF65-F5344CB8AC3E}">
+        <p14:creationId xmlns:p14="http://schemas.microsoft.com/office/powerpoint/2010/main" val="3033113370"/>
       </p:ext>
     </p:extLst>
   </p:cSld>
@@ -4218,6 +6481,550 @@
 </p:sld>
 </file>
 
+<file path=ppt/slides/slide20.xml><?xml version="1.0" encoding="utf-8"?>
+<p:sld xmlns:a="http://schemas.openxmlformats.org/drawingml/2006/main" xmlns:r="http://schemas.openxmlformats.org/officeDocument/2006/relationships" xmlns:p="http://schemas.openxmlformats.org/presentationml/2006/main">
+  <p:cSld>
+    <p:spTree>
+      <p:nvGrpSpPr>
+        <p:cNvPr id="1" name=""/>
+        <p:cNvGrpSpPr/>
+        <p:nvPr/>
+      </p:nvGrpSpPr>
+      <p:grpSpPr>
+        <a:xfrm>
+          <a:off x="0" y="0"/>
+          <a:ext cx="0" cy="0"/>
+          <a:chOff x="0" y="0"/>
+          <a:chExt cx="0" cy="0"/>
+        </a:xfrm>
+      </p:grpSpPr>
+      <p:sp>
+        <p:nvSpPr>
+          <p:cNvPr id="2" name="Title 1"/>
+          <p:cNvSpPr>
+            <a:spLocks noGrp="1"/>
+          </p:cNvSpPr>
+          <p:nvPr>
+            <p:ph type="title"/>
+          </p:nvPr>
+        </p:nvSpPr>
+        <p:spPr/>
+        <p:txBody>
+          <a:bodyPr/>
+          <a:lstStyle/>
+          <a:p>
+            <a:endParaRPr lang="en-US"/>
+          </a:p>
+        </p:txBody>
+      </p:sp>
+      <p:sp>
+        <p:nvSpPr>
+          <p:cNvPr id="3" name="Content Placeholder 2"/>
+          <p:cNvSpPr>
+            <a:spLocks noGrp="1"/>
+          </p:cNvSpPr>
+          <p:nvPr>
+            <p:ph idx="1"/>
+          </p:nvPr>
+        </p:nvSpPr>
+        <p:spPr/>
+        <p:txBody>
+          <a:bodyPr/>
+          <a:lstStyle/>
+          <a:p>
+            <a:endParaRPr lang="en-US"/>
+          </a:p>
+        </p:txBody>
+      </p:sp>
+    </p:spTree>
+    <p:extLst>
+      <p:ext uri="{BB962C8B-B14F-4D97-AF65-F5344CB8AC3E}">
+        <p14:creationId xmlns:p14="http://schemas.microsoft.com/office/powerpoint/2010/main" val="2786214848"/>
+      </p:ext>
+    </p:extLst>
+  </p:cSld>
+  <p:clrMapOvr>
+    <a:masterClrMapping/>
+  </p:clrMapOvr>
+</p:sld>
+</file>
+
+<file path=ppt/slides/slide21.xml><?xml version="1.0" encoding="utf-8"?>
+<p:sld xmlns:a="http://schemas.openxmlformats.org/drawingml/2006/main" xmlns:r="http://schemas.openxmlformats.org/officeDocument/2006/relationships" xmlns:p="http://schemas.openxmlformats.org/presentationml/2006/main">
+  <p:cSld>
+    <p:spTree>
+      <p:nvGrpSpPr>
+        <p:cNvPr id="1" name=""/>
+        <p:cNvGrpSpPr/>
+        <p:nvPr/>
+      </p:nvGrpSpPr>
+      <p:grpSpPr>
+        <a:xfrm>
+          <a:off x="0" y="0"/>
+          <a:ext cx="0" cy="0"/>
+          <a:chOff x="0" y="0"/>
+          <a:chExt cx="0" cy="0"/>
+        </a:xfrm>
+      </p:grpSpPr>
+      <p:sp>
+        <p:nvSpPr>
+          <p:cNvPr id="2" name="Title 1"/>
+          <p:cNvSpPr>
+            <a:spLocks noGrp="1"/>
+          </p:cNvSpPr>
+          <p:nvPr>
+            <p:ph type="title"/>
+          </p:nvPr>
+        </p:nvSpPr>
+        <p:spPr/>
+        <p:txBody>
+          <a:bodyPr/>
+          <a:lstStyle/>
+          <a:p>
+            <a:endParaRPr lang="en-US"/>
+          </a:p>
+        </p:txBody>
+      </p:sp>
+      <p:sp>
+        <p:nvSpPr>
+          <p:cNvPr id="3" name="Content Placeholder 2"/>
+          <p:cNvSpPr>
+            <a:spLocks noGrp="1"/>
+          </p:cNvSpPr>
+          <p:nvPr>
+            <p:ph idx="1"/>
+          </p:nvPr>
+        </p:nvSpPr>
+        <p:spPr/>
+        <p:txBody>
+          <a:bodyPr/>
+          <a:lstStyle/>
+          <a:p>
+            <a:endParaRPr lang="en-US"/>
+          </a:p>
+        </p:txBody>
+      </p:sp>
+    </p:spTree>
+    <p:extLst>
+      <p:ext uri="{BB962C8B-B14F-4D97-AF65-F5344CB8AC3E}">
+        <p14:creationId xmlns:p14="http://schemas.microsoft.com/office/powerpoint/2010/main" val="2352575886"/>
+      </p:ext>
+    </p:extLst>
+  </p:cSld>
+  <p:clrMapOvr>
+    <a:masterClrMapping/>
+  </p:clrMapOvr>
+</p:sld>
+</file>
+
+<file path=ppt/slides/slide22.xml><?xml version="1.0" encoding="utf-8"?>
+<p:sld xmlns:a="http://schemas.openxmlformats.org/drawingml/2006/main" xmlns:r="http://schemas.openxmlformats.org/officeDocument/2006/relationships" xmlns:p="http://schemas.openxmlformats.org/presentationml/2006/main">
+  <p:cSld>
+    <p:spTree>
+      <p:nvGrpSpPr>
+        <p:cNvPr id="1" name=""/>
+        <p:cNvGrpSpPr/>
+        <p:nvPr/>
+      </p:nvGrpSpPr>
+      <p:grpSpPr>
+        <a:xfrm>
+          <a:off x="0" y="0"/>
+          <a:ext cx="0" cy="0"/>
+          <a:chOff x="0" y="0"/>
+          <a:chExt cx="0" cy="0"/>
+        </a:xfrm>
+      </p:grpSpPr>
+      <p:sp>
+        <p:nvSpPr>
+          <p:cNvPr id="2" name="Title 1"/>
+          <p:cNvSpPr>
+            <a:spLocks noGrp="1"/>
+          </p:cNvSpPr>
+          <p:nvPr>
+            <p:ph type="title"/>
+          </p:nvPr>
+        </p:nvSpPr>
+        <p:spPr/>
+        <p:txBody>
+          <a:bodyPr/>
+          <a:lstStyle/>
+          <a:p>
+            <a:endParaRPr lang="en-US"/>
+          </a:p>
+        </p:txBody>
+      </p:sp>
+      <p:sp>
+        <p:nvSpPr>
+          <p:cNvPr id="3" name="Content Placeholder 2"/>
+          <p:cNvSpPr>
+            <a:spLocks noGrp="1"/>
+          </p:cNvSpPr>
+          <p:nvPr>
+            <p:ph idx="1"/>
+          </p:nvPr>
+        </p:nvSpPr>
+        <p:spPr/>
+        <p:txBody>
+          <a:bodyPr/>
+          <a:lstStyle/>
+          <a:p>
+            <a:endParaRPr lang="en-US"/>
+          </a:p>
+        </p:txBody>
+      </p:sp>
+    </p:spTree>
+    <p:extLst>
+      <p:ext uri="{BB962C8B-B14F-4D97-AF65-F5344CB8AC3E}">
+        <p14:creationId xmlns:p14="http://schemas.microsoft.com/office/powerpoint/2010/main" val="270768509"/>
+      </p:ext>
+    </p:extLst>
+  </p:cSld>
+  <p:clrMapOvr>
+    <a:masterClrMapping/>
+  </p:clrMapOvr>
+</p:sld>
+</file>
+
+<file path=ppt/slides/slide23.xml><?xml version="1.0" encoding="utf-8"?>
+<p:sld xmlns:a="http://schemas.openxmlformats.org/drawingml/2006/main" xmlns:r="http://schemas.openxmlformats.org/officeDocument/2006/relationships" xmlns:p="http://schemas.openxmlformats.org/presentationml/2006/main">
+  <p:cSld>
+    <p:spTree>
+      <p:nvGrpSpPr>
+        <p:cNvPr id="1" name=""/>
+        <p:cNvGrpSpPr/>
+        <p:nvPr/>
+      </p:nvGrpSpPr>
+      <p:grpSpPr>
+        <a:xfrm>
+          <a:off x="0" y="0"/>
+          <a:ext cx="0" cy="0"/>
+          <a:chOff x="0" y="0"/>
+          <a:chExt cx="0" cy="0"/>
+        </a:xfrm>
+      </p:grpSpPr>
+      <p:sp>
+        <p:nvSpPr>
+          <p:cNvPr id="2" name="Title 1"/>
+          <p:cNvSpPr>
+            <a:spLocks noGrp="1"/>
+          </p:cNvSpPr>
+          <p:nvPr>
+            <p:ph type="title"/>
+          </p:nvPr>
+        </p:nvSpPr>
+        <p:spPr/>
+        <p:txBody>
+          <a:bodyPr/>
+          <a:lstStyle/>
+          <a:p>
+            <a:endParaRPr lang="en-US"/>
+          </a:p>
+        </p:txBody>
+      </p:sp>
+      <p:sp>
+        <p:nvSpPr>
+          <p:cNvPr id="3" name="Content Placeholder 2"/>
+          <p:cNvSpPr>
+            <a:spLocks noGrp="1"/>
+          </p:cNvSpPr>
+          <p:nvPr>
+            <p:ph idx="1"/>
+          </p:nvPr>
+        </p:nvSpPr>
+        <p:spPr/>
+        <p:txBody>
+          <a:bodyPr/>
+          <a:lstStyle/>
+          <a:p>
+            <a:endParaRPr lang="en-US"/>
+          </a:p>
+        </p:txBody>
+      </p:sp>
+    </p:spTree>
+    <p:extLst>
+      <p:ext uri="{BB962C8B-B14F-4D97-AF65-F5344CB8AC3E}">
+        <p14:creationId xmlns:p14="http://schemas.microsoft.com/office/powerpoint/2010/main" val="4075701538"/>
+      </p:ext>
+    </p:extLst>
+  </p:cSld>
+  <p:clrMapOvr>
+    <a:masterClrMapping/>
+  </p:clrMapOvr>
+</p:sld>
+</file>
+
+<file path=ppt/slides/slide24.xml><?xml version="1.0" encoding="utf-8"?>
+<p:sld xmlns:a="http://schemas.openxmlformats.org/drawingml/2006/main" xmlns:r="http://schemas.openxmlformats.org/officeDocument/2006/relationships" xmlns:p="http://schemas.openxmlformats.org/presentationml/2006/main">
+  <p:cSld>
+    <p:spTree>
+      <p:nvGrpSpPr>
+        <p:cNvPr id="1" name=""/>
+        <p:cNvGrpSpPr/>
+        <p:nvPr/>
+      </p:nvGrpSpPr>
+      <p:grpSpPr>
+        <a:xfrm>
+          <a:off x="0" y="0"/>
+          <a:ext cx="0" cy="0"/>
+          <a:chOff x="0" y="0"/>
+          <a:chExt cx="0" cy="0"/>
+        </a:xfrm>
+      </p:grpSpPr>
+      <p:sp>
+        <p:nvSpPr>
+          <p:cNvPr id="2" name="Title 1"/>
+          <p:cNvSpPr>
+            <a:spLocks noGrp="1"/>
+          </p:cNvSpPr>
+          <p:nvPr>
+            <p:ph type="title"/>
+          </p:nvPr>
+        </p:nvSpPr>
+        <p:spPr/>
+        <p:txBody>
+          <a:bodyPr/>
+          <a:lstStyle/>
+          <a:p>
+            <a:endParaRPr lang="en-US"/>
+          </a:p>
+        </p:txBody>
+      </p:sp>
+      <p:sp>
+        <p:nvSpPr>
+          <p:cNvPr id="3" name="Content Placeholder 2"/>
+          <p:cNvSpPr>
+            <a:spLocks noGrp="1"/>
+          </p:cNvSpPr>
+          <p:nvPr>
+            <p:ph idx="1"/>
+          </p:nvPr>
+        </p:nvSpPr>
+        <p:spPr/>
+        <p:txBody>
+          <a:bodyPr/>
+          <a:lstStyle/>
+          <a:p>
+            <a:endParaRPr lang="en-US"/>
+          </a:p>
+        </p:txBody>
+      </p:sp>
+    </p:spTree>
+    <p:extLst>
+      <p:ext uri="{BB962C8B-B14F-4D97-AF65-F5344CB8AC3E}">
+        <p14:creationId xmlns:p14="http://schemas.microsoft.com/office/powerpoint/2010/main" val="3335377810"/>
+      </p:ext>
+    </p:extLst>
+  </p:cSld>
+  <p:clrMapOvr>
+    <a:masterClrMapping/>
+  </p:clrMapOvr>
+</p:sld>
+</file>
+
+<file path=ppt/slides/slide25.xml><?xml version="1.0" encoding="utf-8"?>
+<p:sld xmlns:a="http://schemas.openxmlformats.org/drawingml/2006/main" xmlns:r="http://schemas.openxmlformats.org/officeDocument/2006/relationships" xmlns:p="http://schemas.openxmlformats.org/presentationml/2006/main">
+  <p:cSld>
+    <p:spTree>
+      <p:nvGrpSpPr>
+        <p:cNvPr id="1" name=""/>
+        <p:cNvGrpSpPr/>
+        <p:nvPr/>
+      </p:nvGrpSpPr>
+      <p:grpSpPr>
+        <a:xfrm>
+          <a:off x="0" y="0"/>
+          <a:ext cx="0" cy="0"/>
+          <a:chOff x="0" y="0"/>
+          <a:chExt cx="0" cy="0"/>
+        </a:xfrm>
+      </p:grpSpPr>
+      <p:sp>
+        <p:nvSpPr>
+          <p:cNvPr id="2" name="Title 1"/>
+          <p:cNvSpPr>
+            <a:spLocks noGrp="1"/>
+          </p:cNvSpPr>
+          <p:nvPr>
+            <p:ph type="title"/>
+          </p:nvPr>
+        </p:nvSpPr>
+        <p:spPr/>
+        <p:txBody>
+          <a:bodyPr/>
+          <a:lstStyle/>
+          <a:p>
+            <a:endParaRPr lang="en-US"/>
+          </a:p>
+        </p:txBody>
+      </p:sp>
+      <p:sp>
+        <p:nvSpPr>
+          <p:cNvPr id="3" name="Content Placeholder 2"/>
+          <p:cNvSpPr>
+            <a:spLocks noGrp="1"/>
+          </p:cNvSpPr>
+          <p:nvPr>
+            <p:ph idx="1"/>
+          </p:nvPr>
+        </p:nvSpPr>
+        <p:spPr/>
+        <p:txBody>
+          <a:bodyPr/>
+          <a:lstStyle/>
+          <a:p>
+            <a:endParaRPr lang="en-US"/>
+          </a:p>
+        </p:txBody>
+      </p:sp>
+    </p:spTree>
+    <p:extLst>
+      <p:ext uri="{BB962C8B-B14F-4D97-AF65-F5344CB8AC3E}">
+        <p14:creationId xmlns:p14="http://schemas.microsoft.com/office/powerpoint/2010/main" val="2029372312"/>
+      </p:ext>
+    </p:extLst>
+  </p:cSld>
+  <p:clrMapOvr>
+    <a:masterClrMapping/>
+  </p:clrMapOvr>
+</p:sld>
+</file>
+
+<file path=ppt/slides/slide26.xml><?xml version="1.0" encoding="utf-8"?>
+<p:sld xmlns:a="http://schemas.openxmlformats.org/drawingml/2006/main" xmlns:r="http://schemas.openxmlformats.org/officeDocument/2006/relationships" xmlns:p="http://schemas.openxmlformats.org/presentationml/2006/main">
+  <p:cSld>
+    <p:spTree>
+      <p:nvGrpSpPr>
+        <p:cNvPr id="1" name=""/>
+        <p:cNvGrpSpPr/>
+        <p:nvPr/>
+      </p:nvGrpSpPr>
+      <p:grpSpPr>
+        <a:xfrm>
+          <a:off x="0" y="0"/>
+          <a:ext cx="0" cy="0"/>
+          <a:chOff x="0" y="0"/>
+          <a:chExt cx="0" cy="0"/>
+        </a:xfrm>
+      </p:grpSpPr>
+      <p:sp>
+        <p:nvSpPr>
+          <p:cNvPr id="2" name="Title 1"/>
+          <p:cNvSpPr>
+            <a:spLocks noGrp="1"/>
+          </p:cNvSpPr>
+          <p:nvPr>
+            <p:ph type="title"/>
+          </p:nvPr>
+        </p:nvSpPr>
+        <p:spPr/>
+        <p:txBody>
+          <a:bodyPr/>
+          <a:lstStyle/>
+          <a:p>
+            <a:endParaRPr lang="en-US"/>
+          </a:p>
+        </p:txBody>
+      </p:sp>
+      <p:sp>
+        <p:nvSpPr>
+          <p:cNvPr id="3" name="Content Placeholder 2"/>
+          <p:cNvSpPr>
+            <a:spLocks noGrp="1"/>
+          </p:cNvSpPr>
+          <p:nvPr>
+            <p:ph idx="1"/>
+          </p:nvPr>
+        </p:nvSpPr>
+        <p:spPr/>
+        <p:txBody>
+          <a:bodyPr/>
+          <a:lstStyle/>
+          <a:p>
+            <a:endParaRPr lang="en-US"/>
+          </a:p>
+        </p:txBody>
+      </p:sp>
+    </p:spTree>
+    <p:extLst>
+      <p:ext uri="{BB962C8B-B14F-4D97-AF65-F5344CB8AC3E}">
+        <p14:creationId xmlns:p14="http://schemas.microsoft.com/office/powerpoint/2010/main" val="2613201793"/>
+      </p:ext>
+    </p:extLst>
+  </p:cSld>
+  <p:clrMapOvr>
+    <a:masterClrMapping/>
+  </p:clrMapOvr>
+</p:sld>
+</file>
+
+<file path=ppt/slides/slide27.xml><?xml version="1.0" encoding="utf-8"?>
+<p:sld xmlns:a="http://schemas.openxmlformats.org/drawingml/2006/main" xmlns:r="http://schemas.openxmlformats.org/officeDocument/2006/relationships" xmlns:p="http://schemas.openxmlformats.org/presentationml/2006/main">
+  <p:cSld>
+    <p:spTree>
+      <p:nvGrpSpPr>
+        <p:cNvPr id="1" name=""/>
+        <p:cNvGrpSpPr/>
+        <p:nvPr/>
+      </p:nvGrpSpPr>
+      <p:grpSpPr>
+        <a:xfrm>
+          <a:off x="0" y="0"/>
+          <a:ext cx="0" cy="0"/>
+          <a:chOff x="0" y="0"/>
+          <a:chExt cx="0" cy="0"/>
+        </a:xfrm>
+      </p:grpSpPr>
+      <p:sp>
+        <p:nvSpPr>
+          <p:cNvPr id="2" name="Title 1"/>
+          <p:cNvSpPr>
+            <a:spLocks noGrp="1"/>
+          </p:cNvSpPr>
+          <p:nvPr>
+            <p:ph type="title"/>
+          </p:nvPr>
+        </p:nvSpPr>
+        <p:spPr/>
+        <p:txBody>
+          <a:bodyPr/>
+          <a:lstStyle/>
+          <a:p>
+            <a:endParaRPr lang="en-US"/>
+          </a:p>
+        </p:txBody>
+      </p:sp>
+      <p:sp>
+        <p:nvSpPr>
+          <p:cNvPr id="3" name="Content Placeholder 2"/>
+          <p:cNvSpPr>
+            <a:spLocks noGrp="1"/>
+          </p:cNvSpPr>
+          <p:nvPr>
+            <p:ph idx="1"/>
+          </p:nvPr>
+        </p:nvSpPr>
+        <p:spPr/>
+        <p:txBody>
+          <a:bodyPr/>
+          <a:lstStyle/>
+          <a:p>
+            <a:endParaRPr lang="en-US"/>
+          </a:p>
+        </p:txBody>
+      </p:sp>
+    </p:spTree>
+    <p:extLst>
+      <p:ext uri="{BB962C8B-B14F-4D97-AF65-F5344CB8AC3E}">
+        <p14:creationId xmlns:p14="http://schemas.microsoft.com/office/powerpoint/2010/main" val="1458779397"/>
+      </p:ext>
+    </p:extLst>
+  </p:cSld>
+  <p:clrMapOvr>
+    <a:masterClrMapping/>
+  </p:clrMapOvr>
+</p:sld>
+</file>
+
 <file path=ppt/slides/slide3.xml><?xml version="1.0" encoding="utf-8"?>
 <p:sld xmlns:a="http://schemas.openxmlformats.org/drawingml/2006/main" xmlns:r="http://schemas.openxmlformats.org/officeDocument/2006/relationships" xmlns:p="http://schemas.openxmlformats.org/presentationml/2006/main">
   <p:cSld>
@@ -4316,8 +7123,13 @@
             </a:r>
             <a:r>
               <a:rPr lang="nl-BE" dirty="0" smtClean="0"/>
-              <a:t> Wat is ons doel?</a:t>
-            </a:r>
+              <a:t> </a:t>
+            </a:r>
+            <a:r>
+              <a:rPr lang="nl-BE" dirty="0" smtClean="0"/>
+              <a:t>Ons doel</a:t>
+            </a:r>
+            <a:endParaRPr lang="nl-BE" dirty="0" smtClean="0"/>
           </a:p>
           <a:p>
             <a:pPr>
@@ -4332,6 +7144,18 @@
               <a:rPr lang="nl-BE" dirty="0" smtClean="0"/>
               <a:t> </a:t>
             </a:r>
+            <a:r>
+              <a:rPr lang="nl-BE" dirty="0" err="1" smtClean="0"/>
+              <a:t>Equation</a:t>
+            </a:r>
+            <a:r>
+              <a:rPr lang="nl-BE" dirty="0" smtClean="0"/>
+              <a:t> </a:t>
+            </a:r>
+            <a:r>
+              <a:rPr lang="nl-BE" dirty="0" err="1" smtClean="0"/>
+              <a:t>discovery</a:t>
+            </a:r>
             <a:endParaRPr lang="nl-BE" dirty="0"/>
           </a:p>
         </p:txBody>
@@ -4340,6 +7164,761 @@
     <p:extLst>
       <p:ext uri="{BB962C8B-B14F-4D97-AF65-F5344CB8AC3E}">
         <p14:creationId xmlns:p14="http://schemas.microsoft.com/office/powerpoint/2010/main" val="3727844137"/>
+      </p:ext>
+    </p:extLst>
+  </p:cSld>
+  <p:clrMapOvr>
+    <a:masterClrMapping/>
+  </p:clrMapOvr>
+</p:sld>
+</file>
+
+<file path=ppt/slides/slide4.xml><?xml version="1.0" encoding="utf-8"?>
+<p:sld xmlns:a="http://schemas.openxmlformats.org/drawingml/2006/main" xmlns:r="http://schemas.openxmlformats.org/officeDocument/2006/relationships" xmlns:p="http://schemas.openxmlformats.org/presentationml/2006/main">
+  <p:cSld>
+    <p:spTree>
+      <p:nvGrpSpPr>
+        <p:cNvPr id="1" name=""/>
+        <p:cNvGrpSpPr/>
+        <p:nvPr/>
+      </p:nvGrpSpPr>
+      <p:grpSpPr>
+        <a:xfrm>
+          <a:off x="0" y="0"/>
+          <a:ext cx="0" cy="0"/>
+          <a:chOff x="0" y="0"/>
+          <a:chExt cx="0" cy="0"/>
+        </a:xfrm>
+      </p:grpSpPr>
+      <p:sp>
+        <p:nvSpPr>
+          <p:cNvPr id="2" name="Title 1"/>
+          <p:cNvSpPr>
+            <a:spLocks noGrp="1"/>
+          </p:cNvSpPr>
+          <p:nvPr>
+            <p:ph type="title"/>
+          </p:nvPr>
+        </p:nvSpPr>
+        <p:spPr/>
+        <p:txBody>
+          <a:bodyPr/>
+          <a:lstStyle/>
+          <a:p>
+            <a:r>
+              <a:rPr lang="nl-BE" dirty="0" smtClean="0"/>
+              <a:t>Overzicht: </a:t>
+            </a:r>
+            <a:br>
+              <a:rPr lang="nl-BE" dirty="0" smtClean="0"/>
+            </a:br>
+            <a:r>
+              <a:rPr lang="nl-BE" dirty="0" err="1" smtClean="0"/>
+              <a:t>Example-based</a:t>
+            </a:r>
+            <a:r>
+              <a:rPr lang="nl-BE" dirty="0" smtClean="0"/>
+              <a:t> Learning</a:t>
+            </a:r>
+            <a:endParaRPr lang="en-US" dirty="0"/>
+          </a:p>
+        </p:txBody>
+      </p:sp>
+      <p:sp>
+        <p:nvSpPr>
+          <p:cNvPr id="3" name="Content Placeholder 2"/>
+          <p:cNvSpPr>
+            <a:spLocks noGrp="1"/>
+          </p:cNvSpPr>
+          <p:nvPr>
+            <p:ph idx="1"/>
+          </p:nvPr>
+        </p:nvSpPr>
+        <p:spPr/>
+        <p:txBody>
+          <a:bodyPr/>
+          <a:lstStyle/>
+          <a:p>
+            <a:pPr>
+              <a:buFont typeface="Arial" panose="020B0604020202020204" pitchFamily="34" charset="0"/>
+              <a:buChar char="•"/>
+            </a:pPr>
+            <a:r>
+              <a:rPr lang="nl-BE" dirty="0" smtClean="0"/>
+              <a:t>  Een vergelijking: conceptuele versus procedurele problemen</a:t>
+            </a:r>
+          </a:p>
+          <a:p>
+            <a:pPr>
+              <a:buFont typeface="Arial" panose="020B0604020202020204" pitchFamily="34" charset="0"/>
+              <a:buChar char="•"/>
+            </a:pPr>
+            <a:r>
+              <a:rPr lang="nl-BE" dirty="0" smtClean="0"/>
+              <a:t>  Voorbeeld </a:t>
+            </a:r>
+            <a:r>
+              <a:rPr lang="nl-BE" dirty="0" smtClean="0">
+                <a:solidFill>
+                  <a:srgbClr val="FF0000"/>
+                </a:solidFill>
+              </a:rPr>
+              <a:t>(&lt;- betere titel)</a:t>
+            </a:r>
+          </a:p>
+          <a:p>
+            <a:pPr lvl="1">
+              <a:buFont typeface="Arial" panose="020B0604020202020204" pitchFamily="34" charset="0"/>
+              <a:buChar char="•"/>
+            </a:pPr>
+            <a:r>
+              <a:rPr lang="nl-BE" dirty="0" smtClean="0"/>
+              <a:t>Probleem generatie</a:t>
+            </a:r>
+          </a:p>
+          <a:p>
+            <a:pPr lvl="1">
+              <a:buFont typeface="Arial" panose="020B0604020202020204" pitchFamily="34" charset="0"/>
+              <a:buChar char="•"/>
+            </a:pPr>
+            <a:r>
+              <a:rPr lang="nl-BE" dirty="0" smtClean="0"/>
+              <a:t>Oplossing generatie</a:t>
+            </a:r>
+          </a:p>
+          <a:p>
+            <a:pPr lvl="1">
+              <a:buFont typeface="Arial" panose="020B0604020202020204" pitchFamily="34" charset="0"/>
+              <a:buChar char="•"/>
+            </a:pPr>
+            <a:r>
+              <a:rPr lang="nl-BE" dirty="0" smtClean="0"/>
+              <a:t>Feedback </a:t>
+            </a:r>
+            <a:r>
+              <a:rPr lang="nl-BE" dirty="0"/>
+              <a:t>generatie</a:t>
+            </a:r>
+          </a:p>
+          <a:p>
+            <a:pPr>
+              <a:buFont typeface="Arial" panose="020B0604020202020204" pitchFamily="34" charset="0"/>
+              <a:buChar char="•"/>
+            </a:pPr>
+            <a:endParaRPr lang="en-US" dirty="0"/>
+          </a:p>
+        </p:txBody>
+      </p:sp>
+    </p:spTree>
+    <p:extLst>
+      <p:ext uri="{BB962C8B-B14F-4D97-AF65-F5344CB8AC3E}">
+        <p14:creationId xmlns:p14="http://schemas.microsoft.com/office/powerpoint/2010/main" val="522877270"/>
+      </p:ext>
+    </p:extLst>
+  </p:cSld>
+  <p:clrMapOvr>
+    <a:masterClrMapping/>
+  </p:clrMapOvr>
+</p:sld>
+</file>
+
+<file path=ppt/slides/slide5.xml><?xml version="1.0" encoding="utf-8"?>
+<p:sld xmlns:a="http://schemas.openxmlformats.org/drawingml/2006/main" xmlns:r="http://schemas.openxmlformats.org/officeDocument/2006/relationships" xmlns:p="http://schemas.openxmlformats.org/presentationml/2006/main">
+  <p:cSld>
+    <p:spTree>
+      <p:nvGrpSpPr>
+        <p:cNvPr id="1" name=""/>
+        <p:cNvGrpSpPr/>
+        <p:nvPr/>
+      </p:nvGrpSpPr>
+      <p:grpSpPr>
+        <a:xfrm>
+          <a:off x="0" y="0"/>
+          <a:ext cx="0" cy="0"/>
+          <a:chOff x="0" y="0"/>
+          <a:chExt cx="0" cy="0"/>
+        </a:xfrm>
+      </p:grpSpPr>
+      <p:sp>
+        <p:nvSpPr>
+          <p:cNvPr id="2" name="Title 1"/>
+          <p:cNvSpPr>
+            <a:spLocks noGrp="1"/>
+          </p:cNvSpPr>
+          <p:nvPr>
+            <p:ph type="title"/>
+          </p:nvPr>
+        </p:nvSpPr>
+        <p:spPr/>
+        <p:txBody>
+          <a:bodyPr/>
+          <a:lstStyle/>
+          <a:p>
+            <a:r>
+              <a:rPr lang="nl-BE" dirty="0" smtClean="0"/>
+              <a:t>Een vergelijking</a:t>
+            </a:r>
+            <a:endParaRPr lang="en-US" dirty="0"/>
+          </a:p>
+        </p:txBody>
+      </p:sp>
+      <p:sp>
+        <p:nvSpPr>
+          <p:cNvPr id="3" name="Text Placeholder 2"/>
+          <p:cNvSpPr>
+            <a:spLocks noGrp="1"/>
+          </p:cNvSpPr>
+          <p:nvPr>
+            <p:ph type="body" idx="1"/>
+          </p:nvPr>
+        </p:nvSpPr>
+        <p:spPr/>
+        <p:txBody>
+          <a:bodyPr/>
+          <a:lstStyle/>
+          <a:p>
+            <a:r>
+              <a:rPr lang="nl-BE" b="1" dirty="0" smtClean="0"/>
+              <a:t>Conceptueel</a:t>
+            </a:r>
+            <a:endParaRPr lang="en-US" b="1" dirty="0"/>
+          </a:p>
+        </p:txBody>
+      </p:sp>
+      <p:sp>
+        <p:nvSpPr>
+          <p:cNvPr id="4" name="Content Placeholder 3"/>
+          <p:cNvSpPr>
+            <a:spLocks noGrp="1"/>
+          </p:cNvSpPr>
+          <p:nvPr>
+            <p:ph sz="half" idx="2"/>
+          </p:nvPr>
+        </p:nvSpPr>
+        <p:spPr/>
+        <p:txBody>
+          <a:bodyPr/>
+          <a:lstStyle/>
+          <a:p>
+            <a:pPr>
+              <a:buFont typeface="Arial" panose="020B0604020202020204" pitchFamily="34" charset="0"/>
+              <a:buChar char="•"/>
+            </a:pPr>
+            <a:r>
+              <a:rPr lang="nl-BE" dirty="0" smtClean="0"/>
+              <a:t>  Geen beslissingsmethode</a:t>
+            </a:r>
+          </a:p>
+          <a:p>
+            <a:pPr>
+              <a:buFont typeface="Arial" panose="020B0604020202020204" pitchFamily="34" charset="0"/>
+              <a:buChar char="•"/>
+            </a:pPr>
+            <a:r>
+              <a:rPr lang="nl-BE" dirty="0" smtClean="0"/>
+              <a:t>  Creatief denken</a:t>
+            </a:r>
+          </a:p>
+          <a:p>
+            <a:pPr>
+              <a:buFont typeface="Arial" panose="020B0604020202020204" pitchFamily="34" charset="0"/>
+              <a:buChar char="•"/>
+            </a:pPr>
+            <a:r>
+              <a:rPr lang="nl-BE" dirty="0" smtClean="0"/>
+              <a:t>  Bewijs en Constructie problemen</a:t>
+            </a:r>
+            <a:endParaRPr lang="en-US" dirty="0"/>
+          </a:p>
+        </p:txBody>
+      </p:sp>
+      <p:sp>
+        <p:nvSpPr>
+          <p:cNvPr id="5" name="Text Placeholder 4"/>
+          <p:cNvSpPr>
+            <a:spLocks noGrp="1"/>
+          </p:cNvSpPr>
+          <p:nvPr>
+            <p:ph type="body" sz="quarter" idx="3"/>
+          </p:nvPr>
+        </p:nvSpPr>
+        <p:spPr/>
+        <p:txBody>
+          <a:bodyPr/>
+          <a:lstStyle/>
+          <a:p>
+            <a:r>
+              <a:rPr lang="nl-BE" b="1" dirty="0" smtClean="0"/>
+              <a:t>procedureel</a:t>
+            </a:r>
+            <a:endParaRPr lang="en-US" b="1" dirty="0"/>
+          </a:p>
+        </p:txBody>
+      </p:sp>
+      <p:sp>
+        <p:nvSpPr>
+          <p:cNvPr id="6" name="Content Placeholder 5"/>
+          <p:cNvSpPr>
+            <a:spLocks noGrp="1"/>
+          </p:cNvSpPr>
+          <p:nvPr>
+            <p:ph sz="quarter" idx="4"/>
+          </p:nvPr>
+        </p:nvSpPr>
+        <p:spPr/>
+        <p:txBody>
+          <a:bodyPr/>
+          <a:lstStyle/>
+          <a:p>
+            <a:pPr>
+              <a:buFont typeface="Arial" panose="020B0604020202020204" pitchFamily="34" charset="0"/>
+              <a:buChar char="•"/>
+            </a:pPr>
+            <a:r>
+              <a:rPr lang="nl-BE" dirty="0" smtClean="0"/>
+              <a:t>  Beslissingsmethode</a:t>
+            </a:r>
+          </a:p>
+          <a:p>
+            <a:pPr>
+              <a:buFont typeface="Arial" panose="020B0604020202020204" pitchFamily="34" charset="0"/>
+              <a:buChar char="•"/>
+            </a:pPr>
+            <a:r>
+              <a:rPr lang="nl-BE" dirty="0" smtClean="0"/>
+              <a:t>  Memoriseren en toepassen</a:t>
+            </a:r>
+          </a:p>
+          <a:p>
+            <a:endParaRPr lang="en-US" dirty="0"/>
+          </a:p>
+        </p:txBody>
+      </p:sp>
+    </p:spTree>
+    <p:extLst>
+      <p:ext uri="{BB962C8B-B14F-4D97-AF65-F5344CB8AC3E}">
+        <p14:creationId xmlns:p14="http://schemas.microsoft.com/office/powerpoint/2010/main" val="1367590716"/>
+      </p:ext>
+    </p:extLst>
+  </p:cSld>
+  <p:clrMapOvr>
+    <a:masterClrMapping/>
+  </p:clrMapOvr>
+</p:sld>
+</file>
+
+<file path=ppt/slides/slide6.xml><?xml version="1.0" encoding="utf-8"?>
+<p:sld xmlns:a="http://schemas.openxmlformats.org/drawingml/2006/main" xmlns:r="http://schemas.openxmlformats.org/officeDocument/2006/relationships" xmlns:p="http://schemas.openxmlformats.org/presentationml/2006/main">
+  <p:cSld>
+    <p:spTree>
+      <p:nvGrpSpPr>
+        <p:cNvPr id="1" name=""/>
+        <p:cNvGrpSpPr/>
+        <p:nvPr/>
+      </p:nvGrpSpPr>
+      <p:grpSpPr>
+        <a:xfrm>
+          <a:off x="0" y="0"/>
+          <a:ext cx="0" cy="0"/>
+          <a:chOff x="0" y="0"/>
+          <a:chExt cx="0" cy="0"/>
+        </a:xfrm>
+      </p:grpSpPr>
+      <p:sp>
+        <p:nvSpPr>
+          <p:cNvPr id="2" name="Title 1"/>
+          <p:cNvSpPr>
+            <a:spLocks noGrp="1"/>
+          </p:cNvSpPr>
+          <p:nvPr>
+            <p:ph type="title"/>
+          </p:nvPr>
+        </p:nvSpPr>
+        <p:spPr/>
+        <p:txBody>
+          <a:bodyPr/>
+          <a:lstStyle/>
+          <a:p>
+            <a:r>
+              <a:rPr lang="nl-BE" dirty="0" smtClean="0"/>
+              <a:t>Voorbeeld: probleem generatie</a:t>
+            </a:r>
+            <a:r>
+              <a:rPr lang="nl-BE" dirty="0" smtClean="0">
+                <a:solidFill>
+                  <a:srgbClr val="FF0000"/>
+                </a:solidFill>
+              </a:rPr>
+              <a:t>(&lt;- betere titel)</a:t>
+            </a:r>
+            <a:endParaRPr lang="en-US" dirty="0">
+              <a:solidFill>
+                <a:srgbClr val="FF0000"/>
+              </a:solidFill>
+            </a:endParaRPr>
+          </a:p>
+        </p:txBody>
+      </p:sp>
+      <p:sp>
+        <p:nvSpPr>
+          <p:cNvPr id="3" name="Content Placeholder 2"/>
+          <p:cNvSpPr>
+            <a:spLocks noGrp="1"/>
+          </p:cNvSpPr>
+          <p:nvPr>
+            <p:ph idx="1"/>
+          </p:nvPr>
+        </p:nvSpPr>
+        <p:spPr/>
+        <p:txBody>
+          <a:bodyPr/>
+          <a:lstStyle/>
+          <a:p>
+            <a:endParaRPr lang="en-US" dirty="0"/>
+          </a:p>
+        </p:txBody>
+      </p:sp>
+    </p:spTree>
+    <p:extLst>
+      <p:ext uri="{BB962C8B-B14F-4D97-AF65-F5344CB8AC3E}">
+        <p14:creationId xmlns:p14="http://schemas.microsoft.com/office/powerpoint/2010/main" val="976120474"/>
+      </p:ext>
+    </p:extLst>
+  </p:cSld>
+  <p:clrMapOvr>
+    <a:masterClrMapping/>
+  </p:clrMapOvr>
+</p:sld>
+</file>
+
+<file path=ppt/slides/slide7.xml><?xml version="1.0" encoding="utf-8"?>
+<p:sld xmlns:a="http://schemas.openxmlformats.org/drawingml/2006/main" xmlns:r="http://schemas.openxmlformats.org/officeDocument/2006/relationships" xmlns:p="http://schemas.openxmlformats.org/presentationml/2006/main">
+  <p:cSld>
+    <p:spTree>
+      <p:nvGrpSpPr>
+        <p:cNvPr id="1" name=""/>
+        <p:cNvGrpSpPr/>
+        <p:nvPr/>
+      </p:nvGrpSpPr>
+      <p:grpSpPr>
+        <a:xfrm>
+          <a:off x="0" y="0"/>
+          <a:ext cx="0" cy="0"/>
+          <a:chOff x="0" y="0"/>
+          <a:chExt cx="0" cy="0"/>
+        </a:xfrm>
+      </p:grpSpPr>
+      <p:sp>
+        <p:nvSpPr>
+          <p:cNvPr id="2" name="Title 1"/>
+          <p:cNvSpPr>
+            <a:spLocks noGrp="1"/>
+          </p:cNvSpPr>
+          <p:nvPr>
+            <p:ph type="title"/>
+          </p:nvPr>
+        </p:nvSpPr>
+        <p:spPr/>
+        <p:txBody>
+          <a:bodyPr/>
+          <a:lstStyle/>
+          <a:p>
+            <a:r>
+              <a:rPr lang="nl-BE" dirty="0" smtClean="0"/>
+              <a:t>Voorbeeld</a:t>
+            </a:r>
+            <a:r>
+              <a:rPr lang="nl-BE" dirty="0">
+                <a:solidFill>
+                  <a:srgbClr val="FF0000"/>
+                </a:solidFill>
+              </a:rPr>
+              <a:t> (&lt;- betere titel) </a:t>
+            </a:r>
+            <a:r>
+              <a:rPr lang="nl-BE" dirty="0" smtClean="0"/>
+              <a:t>: oplossing generatie</a:t>
+            </a:r>
+            <a:endParaRPr lang="en-US" dirty="0"/>
+          </a:p>
+        </p:txBody>
+      </p:sp>
+      <p:sp>
+        <p:nvSpPr>
+          <p:cNvPr id="3" name="Content Placeholder 2"/>
+          <p:cNvSpPr>
+            <a:spLocks noGrp="1"/>
+          </p:cNvSpPr>
+          <p:nvPr>
+            <p:ph idx="1"/>
+          </p:nvPr>
+        </p:nvSpPr>
+        <p:spPr/>
+        <p:txBody>
+          <a:bodyPr/>
+          <a:lstStyle/>
+          <a:p>
+            <a:r>
+              <a:rPr lang="nl-BE" dirty="0" smtClean="0"/>
+              <a:t>Specifiek aan jou oplossing</a:t>
+            </a:r>
+            <a:endParaRPr lang="en-US" dirty="0"/>
+          </a:p>
+        </p:txBody>
+      </p:sp>
+    </p:spTree>
+    <p:extLst>
+      <p:ext uri="{BB962C8B-B14F-4D97-AF65-F5344CB8AC3E}">
+        <p14:creationId xmlns:p14="http://schemas.microsoft.com/office/powerpoint/2010/main" val="3430262668"/>
+      </p:ext>
+    </p:extLst>
+  </p:cSld>
+  <p:clrMapOvr>
+    <a:masterClrMapping/>
+  </p:clrMapOvr>
+  <p:timing>
+    <p:tnLst>
+      <p:par>
+        <p:cTn id="1" dur="indefinite" restart="never" nodeType="tmRoot"/>
+      </p:par>
+    </p:tnLst>
+  </p:timing>
+</p:sld>
+</file>
+
+<file path=ppt/slides/slide8.xml><?xml version="1.0" encoding="utf-8"?>
+<p:sld xmlns:a="http://schemas.openxmlformats.org/drawingml/2006/main" xmlns:r="http://schemas.openxmlformats.org/officeDocument/2006/relationships" xmlns:p="http://schemas.openxmlformats.org/presentationml/2006/main">
+  <p:cSld>
+    <p:spTree>
+      <p:nvGrpSpPr>
+        <p:cNvPr id="1" name=""/>
+        <p:cNvGrpSpPr/>
+        <p:nvPr/>
+      </p:nvGrpSpPr>
+      <p:grpSpPr>
+        <a:xfrm>
+          <a:off x="0" y="0"/>
+          <a:ext cx="0" cy="0"/>
+          <a:chOff x="0" y="0"/>
+          <a:chExt cx="0" cy="0"/>
+        </a:xfrm>
+      </p:grpSpPr>
+      <p:sp>
+        <p:nvSpPr>
+          <p:cNvPr id="2" name="Title 1"/>
+          <p:cNvSpPr>
+            <a:spLocks noGrp="1"/>
+          </p:cNvSpPr>
+          <p:nvPr>
+            <p:ph type="title"/>
+          </p:nvPr>
+        </p:nvSpPr>
+        <p:spPr/>
+        <p:txBody>
+          <a:bodyPr/>
+          <a:lstStyle/>
+          <a:p>
+            <a:r>
+              <a:rPr lang="nl-BE" dirty="0" smtClean="0"/>
+              <a:t>Voorbeeld</a:t>
+            </a:r>
+            <a:r>
+              <a:rPr lang="nl-BE" dirty="0">
+                <a:solidFill>
+                  <a:srgbClr val="FF0000"/>
+                </a:solidFill>
+              </a:rPr>
+              <a:t> (&lt;- betere titel) </a:t>
+            </a:r>
+            <a:r>
+              <a:rPr lang="nl-BE" dirty="0" smtClean="0"/>
+              <a:t>: feedback generatie</a:t>
+            </a:r>
+            <a:endParaRPr lang="en-US" dirty="0"/>
+          </a:p>
+        </p:txBody>
+      </p:sp>
+      <p:sp>
+        <p:nvSpPr>
+          <p:cNvPr id="3" name="Content Placeholder 2"/>
+          <p:cNvSpPr>
+            <a:spLocks noGrp="1"/>
+          </p:cNvSpPr>
+          <p:nvPr>
+            <p:ph idx="1"/>
+          </p:nvPr>
+        </p:nvSpPr>
+        <p:spPr/>
+        <p:txBody>
+          <a:bodyPr/>
+          <a:lstStyle/>
+          <a:p>
+            <a:endParaRPr lang="en-US" dirty="0"/>
+          </a:p>
+        </p:txBody>
+      </p:sp>
+    </p:spTree>
+    <p:extLst>
+      <p:ext uri="{BB962C8B-B14F-4D97-AF65-F5344CB8AC3E}">
+        <p14:creationId xmlns:p14="http://schemas.microsoft.com/office/powerpoint/2010/main" val="329162166"/>
+      </p:ext>
+    </p:extLst>
+  </p:cSld>
+  <p:clrMapOvr>
+    <a:masterClrMapping/>
+  </p:clrMapOvr>
+  <p:timing>
+    <p:tnLst>
+      <p:par>
+        <p:cTn id="1" dur="indefinite" restart="never" nodeType="tmRoot"/>
+      </p:par>
+    </p:tnLst>
+  </p:timing>
+</p:sld>
+</file>
+
+<file path=ppt/slides/slide9.xml><?xml version="1.0" encoding="utf-8"?>
+<p:sld xmlns:a="http://schemas.openxmlformats.org/drawingml/2006/main" xmlns:r="http://schemas.openxmlformats.org/officeDocument/2006/relationships" xmlns:p="http://schemas.openxmlformats.org/presentationml/2006/main">
+  <p:cSld>
+    <p:spTree>
+      <p:nvGrpSpPr>
+        <p:cNvPr id="1" name=""/>
+        <p:cNvGrpSpPr/>
+        <p:nvPr/>
+      </p:nvGrpSpPr>
+      <p:grpSpPr>
+        <a:xfrm>
+          <a:off x="0" y="0"/>
+          <a:ext cx="0" cy="0"/>
+          <a:chOff x="0" y="0"/>
+          <a:chExt cx="0" cy="0"/>
+        </a:xfrm>
+      </p:grpSpPr>
+      <p:sp>
+        <p:nvSpPr>
+          <p:cNvPr id="2" name="Title 1"/>
+          <p:cNvSpPr>
+            <a:spLocks noGrp="1"/>
+          </p:cNvSpPr>
+          <p:nvPr>
+            <p:ph type="title"/>
+          </p:nvPr>
+        </p:nvSpPr>
+        <p:spPr/>
+        <p:txBody>
+          <a:bodyPr/>
+          <a:lstStyle/>
+          <a:p>
+            <a:r>
+              <a:rPr lang="nl-BE" dirty="0" smtClean="0"/>
+              <a:t>Overzicht: </a:t>
+            </a:r>
+            <a:br>
+              <a:rPr lang="nl-BE" dirty="0" smtClean="0"/>
+            </a:br>
+            <a:r>
+              <a:rPr lang="nl-BE" dirty="0" smtClean="0"/>
+              <a:t>Spreadsheet </a:t>
+            </a:r>
+            <a:r>
+              <a:rPr lang="nl-BE" dirty="0"/>
+              <a:t>tabel transformaties</a:t>
+            </a:r>
+            <a:endParaRPr lang="en-US" dirty="0"/>
+          </a:p>
+        </p:txBody>
+      </p:sp>
+      <p:sp>
+        <p:nvSpPr>
+          <p:cNvPr id="3" name="Content Placeholder 2"/>
+          <p:cNvSpPr>
+            <a:spLocks noGrp="1"/>
+          </p:cNvSpPr>
+          <p:nvPr>
+            <p:ph idx="1"/>
+          </p:nvPr>
+        </p:nvSpPr>
+        <p:spPr/>
+        <p:txBody>
+          <a:bodyPr/>
+          <a:lstStyle/>
+          <a:p>
+            <a:pPr>
+              <a:buFont typeface="Arial" panose="020B0604020202020204" pitchFamily="34" charset="0"/>
+              <a:buChar char="•"/>
+            </a:pPr>
+            <a:r>
+              <a:rPr lang="nl-BE" dirty="0" smtClean="0"/>
+              <a:t>  Concept oplossing generatie</a:t>
+            </a:r>
+          </a:p>
+          <a:p>
+            <a:pPr>
+              <a:buFont typeface="Arial" panose="020B0604020202020204" pitchFamily="34" charset="0"/>
+              <a:buChar char="•"/>
+            </a:pPr>
+            <a:r>
+              <a:rPr lang="nl-BE" dirty="0"/>
+              <a:t> </a:t>
+            </a:r>
+            <a:r>
+              <a:rPr lang="nl-BE" dirty="0" smtClean="0"/>
+              <a:t> Domein kennis</a:t>
+            </a:r>
+            <a:r>
+              <a:rPr lang="nl-BE" dirty="0" smtClean="0">
+                <a:solidFill>
+                  <a:srgbClr val="FF0000"/>
+                </a:solidFill>
+              </a:rPr>
+              <a:t>(&lt;- vertalen?)</a:t>
+            </a:r>
+          </a:p>
+          <a:p>
+            <a:pPr>
+              <a:buFont typeface="Arial" panose="020B0604020202020204" pitchFamily="34" charset="0"/>
+              <a:buChar char="•"/>
+            </a:pPr>
+            <a:r>
+              <a:rPr lang="nl-BE" dirty="0"/>
+              <a:t> </a:t>
+            </a:r>
+            <a:r>
+              <a:rPr lang="nl-BE" dirty="0" smtClean="0"/>
+              <a:t> Programming </a:t>
+            </a:r>
+            <a:r>
+              <a:rPr lang="nl-BE" dirty="0" err="1" smtClean="0"/>
+              <a:t>by</a:t>
+            </a:r>
+            <a:r>
+              <a:rPr lang="nl-BE" dirty="0" smtClean="0"/>
+              <a:t> </a:t>
+            </a:r>
+            <a:r>
+              <a:rPr lang="nl-BE" dirty="0" err="1" smtClean="0"/>
+              <a:t>example</a:t>
+            </a:r>
+            <a:r>
+              <a:rPr lang="nl-BE" dirty="0" smtClean="0"/>
+              <a:t> </a:t>
+            </a:r>
+            <a:r>
+              <a:rPr lang="nl-BE" dirty="0">
+                <a:solidFill>
+                  <a:srgbClr val="FF0000"/>
+                </a:solidFill>
+              </a:rPr>
+              <a:t>(&lt;- vertalen?)</a:t>
+            </a:r>
+            <a:endParaRPr lang="en-US" dirty="0"/>
+          </a:p>
+        </p:txBody>
+      </p:sp>
+    </p:spTree>
+    <p:extLst>
+      <p:ext uri="{BB962C8B-B14F-4D97-AF65-F5344CB8AC3E}">
+        <p14:creationId xmlns:p14="http://schemas.microsoft.com/office/powerpoint/2010/main" val="848964369"/>
       </p:ext>
     </p:extLst>
   </p:cSld>

--- a/Opdracht 2/Literatuurstudie.pptx
+++ b/Opdracht 2/Literatuurstudie.pptx
@@ -13,11 +13,11 @@
     <p:sldId id="262" r:id="rId7"/>
     <p:sldId id="264" r:id="rId8"/>
     <p:sldId id="265" r:id="rId9"/>
-    <p:sldId id="266" r:id="rId10"/>
-    <p:sldId id="267" r:id="rId11"/>
-    <p:sldId id="268" r:id="rId12"/>
-    <p:sldId id="269" r:id="rId13"/>
-    <p:sldId id="271" r:id="rId14"/>
+    <p:sldId id="271" r:id="rId10"/>
+    <p:sldId id="266" r:id="rId11"/>
+    <p:sldId id="267" r:id="rId12"/>
+    <p:sldId id="268" r:id="rId13"/>
+    <p:sldId id="269" r:id="rId14"/>
     <p:sldId id="272" r:id="rId15"/>
     <p:sldId id="270" r:id="rId16"/>
     <p:sldId id="273" r:id="rId17"/>
@@ -3950,12 +3950,19 @@
           <a:lstStyle/>
           <a:p>
             <a:r>
+              <a:rPr lang="nl-BE" dirty="0" smtClean="0"/>
+              <a:t>Overzicht: </a:t>
+            </a:r>
+            <a:br>
+              <a:rPr lang="nl-BE" dirty="0" smtClean="0"/>
+            </a:br>
+            <a:r>
+              <a:rPr lang="nl-BE" dirty="0" smtClean="0"/>
+              <a:t>Spreadsheet </a:t>
+            </a:r>
+            <a:r>
               <a:rPr lang="nl-BE" dirty="0"/>
-              <a:t>Concept oplossing </a:t>
-            </a:r>
-            <a:r>
-              <a:rPr lang="nl-BE" dirty="0" smtClean="0"/>
-              <a:t>generatie</a:t>
+              <a:t>tabel transformaties</a:t>
             </a:r>
             <a:endParaRPr lang="en-US" dirty="0"/>
           </a:p>
@@ -3976,14 +3983,82 @@
           <a:bodyPr/>
           <a:lstStyle/>
           <a:p>
-            <a:endParaRPr lang="en-US"/>
+            <a:pPr>
+              <a:buFont typeface="Arial" panose="020B0604020202020204" pitchFamily="34" charset="0"/>
+              <a:buChar char="•"/>
+            </a:pPr>
+            <a:r>
+              <a:rPr lang="nl-BE" dirty="0" smtClean="0"/>
+              <a:t>  Concept oplossing generatie</a:t>
+            </a:r>
+          </a:p>
+          <a:p>
+            <a:pPr>
+              <a:buFont typeface="Arial" panose="020B0604020202020204" pitchFamily="34" charset="0"/>
+              <a:buChar char="•"/>
+            </a:pPr>
+            <a:r>
+              <a:rPr lang="nl-BE" dirty="0"/>
+              <a:t> </a:t>
+            </a:r>
+            <a:r>
+              <a:rPr lang="nl-BE" dirty="0" smtClean="0"/>
+              <a:t> Domein kennis</a:t>
+            </a:r>
+            <a:r>
+              <a:rPr lang="nl-BE" dirty="0" smtClean="0">
+                <a:solidFill>
+                  <a:srgbClr val="FF0000"/>
+                </a:solidFill>
+              </a:rPr>
+              <a:t>(&lt;- vertalen?)</a:t>
+            </a:r>
+          </a:p>
+          <a:p>
+            <a:pPr>
+              <a:buFont typeface="Arial" panose="020B0604020202020204" pitchFamily="34" charset="0"/>
+              <a:buChar char="•"/>
+            </a:pPr>
+            <a:r>
+              <a:rPr lang="nl-BE" dirty="0"/>
+              <a:t> </a:t>
+            </a:r>
+            <a:r>
+              <a:rPr lang="nl-BE" dirty="0" smtClean="0"/>
+              <a:t> Programming </a:t>
+            </a:r>
+            <a:r>
+              <a:rPr lang="nl-BE" dirty="0" err="1" smtClean="0"/>
+              <a:t>by</a:t>
+            </a:r>
+            <a:r>
+              <a:rPr lang="nl-BE" dirty="0" smtClean="0"/>
+              <a:t> </a:t>
+            </a:r>
+            <a:r>
+              <a:rPr lang="nl-BE" dirty="0" err="1" smtClean="0"/>
+              <a:t>example</a:t>
+            </a:r>
+            <a:r>
+              <a:rPr lang="nl-BE" dirty="0" smtClean="0"/>
+              <a:t> </a:t>
+            </a:r>
+            <a:r>
+              <a:rPr lang="nl-BE" dirty="0">
+                <a:solidFill>
+                  <a:srgbClr val="FF0000"/>
+                </a:solidFill>
+              </a:rPr>
+              <a:t>(&lt;- vertalen?)</a:t>
+            </a:r>
+            <a:endParaRPr lang="en-US" dirty="0"/>
           </a:p>
         </p:txBody>
       </p:sp>
     </p:spTree>
     <p:extLst>
       <p:ext uri="{BB962C8B-B14F-4D97-AF65-F5344CB8AC3E}">
-        <p14:creationId xmlns:p14="http://schemas.microsoft.com/office/powerpoint/2010/main" val="3225734019"/>
+        <p14:creationId xmlns:p14="http://schemas.microsoft.com/office/powerpoint/2010/main" val="848964369"/>
       </p:ext>
     </p:extLst>
   </p:cSld>
@@ -4026,32 +4101,12 @@
           <a:lstStyle/>
           <a:p>
             <a:r>
-              <a:rPr lang="nl-BE" dirty="0" smtClean="0"/>
-              <a:t>Domein kennis </a:t>
-            </a:r>
-            <a:r>
-              <a:rPr lang="nl-BE" dirty="0" smtClean="0">
-                <a:solidFill>
-                  <a:srgbClr val="FF0000"/>
-                </a:solidFill>
-              </a:rPr>
-              <a:t>(&lt;- </a:t>
-            </a:r>
-            <a:r>
-              <a:rPr lang="nl-BE" dirty="0">
-                <a:solidFill>
-                  <a:srgbClr val="FF0000"/>
-                </a:solidFill>
-              </a:rPr>
-              <a:t>vertalen</a:t>
-            </a:r>
-            <a:r>
-              <a:rPr lang="nl-BE" dirty="0" smtClean="0">
-                <a:solidFill>
-                  <a:srgbClr val="FF0000"/>
-                </a:solidFill>
-              </a:rPr>
-              <a:t>?)</a:t>
+              <a:rPr lang="nl-BE" dirty="0"/>
+              <a:t>Concept oplossing </a:t>
+            </a:r>
+            <a:r>
+              <a:rPr lang="nl-BE" dirty="0" smtClean="0"/>
+              <a:t>generatie</a:t>
             </a:r>
             <a:endParaRPr lang="en-US" dirty="0"/>
           </a:p>
@@ -4079,7 +4134,7 @@
     </p:spTree>
     <p:extLst>
       <p:ext uri="{BB962C8B-B14F-4D97-AF65-F5344CB8AC3E}">
-        <p14:creationId xmlns:p14="http://schemas.microsoft.com/office/powerpoint/2010/main" val="401413552"/>
+        <p14:creationId xmlns:p14="http://schemas.microsoft.com/office/powerpoint/2010/main" val="3225734019"/>
       </p:ext>
     </p:extLst>
   </p:cSld>
@@ -4122,24 +4177,16 @@
           <a:lstStyle/>
           <a:p>
             <a:r>
-              <a:rPr lang="nl-BE" dirty="0"/>
-              <a:t>Programming </a:t>
-            </a:r>
-            <a:r>
-              <a:rPr lang="nl-BE" dirty="0" err="1"/>
-              <a:t>by</a:t>
-            </a:r>
-            <a:r>
-              <a:rPr lang="nl-BE" dirty="0"/>
-              <a:t> </a:t>
-            </a:r>
-            <a:r>
-              <a:rPr lang="nl-BE" dirty="0" err="1"/>
-              <a:t>example</a:t>
-            </a:r>
-            <a:r>
-              <a:rPr lang="nl-BE" dirty="0"/>
-              <a:t> </a:t>
+              <a:rPr lang="nl-BE" dirty="0" smtClean="0"/>
+              <a:t>Domein kennis </a:t>
+            </a:r>
+            <a:r>
+              <a:rPr lang="nl-BE" dirty="0" smtClean="0">
+                <a:solidFill>
+                  <a:srgbClr val="FF0000"/>
+                </a:solidFill>
+              </a:rPr>
+              <a:t>(&lt;- </a:t>
             </a:r>
             <a:r>
               <a:rPr lang="nl-BE" dirty="0">
@@ -4147,7 +4194,7 @@
                   <a:srgbClr val="FF0000"/>
                 </a:solidFill>
               </a:rPr>
-              <a:t>(&lt;- vertalen</a:t>
+              <a:t>vertalen</a:t>
             </a:r>
             <a:r>
               <a:rPr lang="nl-BE" dirty="0" smtClean="0">
@@ -4176,14 +4223,14 @@
           <a:bodyPr/>
           <a:lstStyle/>
           <a:p>
-            <a:endParaRPr lang="en-US" dirty="0"/>
+            <a:endParaRPr lang="en-US"/>
           </a:p>
         </p:txBody>
       </p:sp>
     </p:spTree>
     <p:extLst>
       <p:ext uri="{BB962C8B-B14F-4D97-AF65-F5344CB8AC3E}">
-        <p14:creationId xmlns:p14="http://schemas.microsoft.com/office/powerpoint/2010/main" val="239212845"/>
+        <p14:creationId xmlns:p14="http://schemas.microsoft.com/office/powerpoint/2010/main" val="401413552"/>
       </p:ext>
     </p:extLst>
   </p:cSld>
@@ -4225,7 +4272,43 @@
           <a:bodyPr/>
           <a:lstStyle/>
           <a:p>
-            <a:endParaRPr lang="en-US"/>
+            <a:r>
+              <a:rPr lang="nl-BE" dirty="0"/>
+              <a:t>Programming </a:t>
+            </a:r>
+            <a:r>
+              <a:rPr lang="nl-BE" dirty="0" err="1"/>
+              <a:t>by</a:t>
+            </a:r>
+            <a:r>
+              <a:rPr lang="nl-BE" dirty="0"/>
+              <a:t> </a:t>
+            </a:r>
+            <a:r>
+              <a:rPr lang="nl-BE" dirty="0" err="1"/>
+              <a:t>example</a:t>
+            </a:r>
+            <a:r>
+              <a:rPr lang="nl-BE" dirty="0"/>
+              <a:t> </a:t>
+            </a:r>
+            <a:r>
+              <a:rPr lang="nl-BE" dirty="0">
+                <a:solidFill>
+                  <a:srgbClr val="FF0000"/>
+                </a:solidFill>
+              </a:rPr>
+              <a:t>(&lt;- vertalen</a:t>
+            </a:r>
+            <a:r>
+              <a:rPr lang="nl-BE" dirty="0" smtClean="0">
+                <a:solidFill>
+                  <a:srgbClr val="FF0000"/>
+                </a:solidFill>
+              </a:rPr>
+              <a:t>?)</a:t>
+            </a:r>
+            <a:endParaRPr lang="en-US" dirty="0"/>
           </a:p>
         </p:txBody>
       </p:sp>
@@ -4244,14 +4327,14 @@
           <a:bodyPr/>
           <a:lstStyle/>
           <a:p>
-            <a:endParaRPr lang="en-US"/>
+            <a:endParaRPr lang="en-US" dirty="0"/>
           </a:p>
         </p:txBody>
       </p:sp>
     </p:spTree>
     <p:extLst>
       <p:ext uri="{BB962C8B-B14F-4D97-AF65-F5344CB8AC3E}">
-        <p14:creationId xmlns:p14="http://schemas.microsoft.com/office/powerpoint/2010/main" val="174650717"/>
+        <p14:creationId xmlns:p14="http://schemas.microsoft.com/office/powerpoint/2010/main" val="239212845"/>
       </p:ext>
     </p:extLst>
   </p:cSld>
@@ -4369,8 +4452,8 @@
           </a:p>
         </p:txBody>
       </p:sp>
-      <mc:AlternateContent xmlns:mc="http://schemas.openxmlformats.org/markup-compatibility/2006">
-        <mc:Choice xmlns:a14="http://schemas.microsoft.com/office/drawing/2010/main" Requires="a14">
+      <mc:AlternateContent xmlns:mc="http://schemas.openxmlformats.org/markup-compatibility/2006" xmlns:a14="http://schemas.microsoft.com/office/drawing/2010/main">
+        <mc:Choice Requires="a14">
           <p:sp>
             <p:nvSpPr>
               <p:cNvPr id="3" name="Content Placeholder 2"/>
@@ -4513,7 +4596,7 @@
             </p:txBody>
           </p:sp>
         </mc:Choice>
-        <mc:Fallback>
+        <mc:Fallback xmlns="">
           <p:sp>
             <p:nvSpPr>
               <p:cNvPr id="3" name="Content Placeholder 2"/>
@@ -7123,13 +7206,8 @@
             </a:r>
             <a:r>
               <a:rPr lang="nl-BE" dirty="0" smtClean="0"/>
-              <a:t> </a:t>
-            </a:r>
-            <a:r>
-              <a:rPr lang="nl-BE" dirty="0" smtClean="0"/>
-              <a:t>Ons doel</a:t>
-            </a:r>
-            <a:endParaRPr lang="nl-BE" dirty="0" smtClean="0"/>
+              <a:t> Ons doel</a:t>
+            </a:r>
           </a:p>
           <a:p>
             <a:pPr>
@@ -7255,50 +7333,58 @@
             </a:pPr>
             <a:r>
               <a:rPr lang="nl-BE" dirty="0" smtClean="0"/>
-              <a:t>  Voorbeeld </a:t>
-            </a:r>
-            <a:r>
-              <a:rPr lang="nl-BE" dirty="0" smtClean="0">
-                <a:solidFill>
-                  <a:srgbClr val="FF0000"/>
-                </a:solidFill>
-              </a:rPr>
-              <a:t>(&lt;- betere titel)</a:t>
-            </a:r>
-          </a:p>
-          <a:p>
-            <a:pPr lvl="1">
+              <a:t>  Probleem </a:t>
+            </a:r>
+            <a:r>
+              <a:rPr lang="nl-BE" dirty="0" smtClean="0"/>
+              <a:t>generatie</a:t>
+            </a:r>
+          </a:p>
+          <a:p>
+            <a:pPr>
               <a:buFont typeface="Arial" panose="020B0604020202020204" pitchFamily="34" charset="0"/>
               <a:buChar char="•"/>
             </a:pPr>
             <a:r>
               <a:rPr lang="nl-BE" dirty="0" smtClean="0"/>
-              <a:t>Probleem generatie</a:t>
-            </a:r>
-          </a:p>
-          <a:p>
-            <a:pPr lvl="1">
+              <a:t>  Oplossing </a:t>
+            </a:r>
+            <a:r>
+              <a:rPr lang="nl-BE" dirty="0" smtClean="0"/>
+              <a:t>generatie</a:t>
+            </a:r>
+          </a:p>
+          <a:p>
+            <a:pPr>
               <a:buFont typeface="Arial" panose="020B0604020202020204" pitchFamily="34" charset="0"/>
               <a:buChar char="•"/>
             </a:pPr>
             <a:r>
               <a:rPr lang="nl-BE" dirty="0" smtClean="0"/>
-              <a:t>Oplossing generatie</a:t>
-            </a:r>
-          </a:p>
-          <a:p>
-            <a:pPr lvl="1">
+              <a:t>  Feedback generatie</a:t>
+            </a:r>
+          </a:p>
+          <a:p>
+            <a:pPr>
               <a:buFont typeface="Arial" panose="020B0604020202020204" pitchFamily="34" charset="0"/>
               <a:buChar char="•"/>
             </a:pPr>
             <a:r>
               <a:rPr lang="nl-BE" dirty="0" smtClean="0"/>
-              <a:t>Feedback </a:t>
-            </a:r>
-            <a:r>
-              <a:rPr lang="nl-BE" dirty="0"/>
-              <a:t>generatie</a:t>
-            </a:r>
+              <a:t>  Toepassing</a:t>
+            </a:r>
+            <a:endParaRPr lang="nl-BE" dirty="0">
+              <a:solidFill>
+                <a:srgbClr val="FF0000"/>
+              </a:solidFill>
+            </a:endParaRPr>
+          </a:p>
+          <a:p>
+            <a:pPr>
+              <a:buFont typeface="Arial" panose="020B0604020202020204" pitchFamily="34" charset="0"/>
+              <a:buChar char="•"/>
+            </a:pPr>
+            <a:endParaRPr lang="nl-BE" dirty="0"/>
           </a:p>
           <a:p>
             <a:pPr>
@@ -7395,7 +7481,12 @@
             <p:ph sz="half" idx="2"/>
           </p:nvPr>
         </p:nvSpPr>
-        <p:spPr/>
+        <p:spPr>
+          <a:xfrm>
+            <a:off x="1097280" y="2582333"/>
+            <a:ext cx="4937760" cy="2395109"/>
+          </a:xfrm>
+        </p:spPr>
         <p:txBody>
           <a:bodyPr/>
           <a:lstStyle/>
@@ -7426,9 +7517,75 @@
             </a:pPr>
             <a:r>
               <a:rPr lang="nl-BE" dirty="0" smtClean="0"/>
-              <a:t>  Bewijs en Constructie problemen</a:t>
-            </a:r>
-            <a:endParaRPr lang="en-US" dirty="0"/>
+              <a:t>  Bewijs en Constructie </a:t>
+            </a:r>
+            <a:r>
+              <a:rPr lang="nl-BE" dirty="0" smtClean="0"/>
+              <a:t>problemen</a:t>
+            </a:r>
+          </a:p>
+          <a:p>
+            <a:pPr>
+              <a:buFont typeface="Arial" panose="020B0604020202020204" pitchFamily="34" charset="0"/>
+              <a:buChar char="•"/>
+            </a:pPr>
+            <a:r>
+              <a:rPr lang="nl-BE" dirty="0"/>
+              <a:t> </a:t>
+            </a:r>
+            <a:r>
+              <a:rPr lang="nl-BE" dirty="0" smtClean="0"/>
+              <a:t> Hier ligt onze focus</a:t>
+            </a:r>
+            <a:r>
+              <a:rPr lang="en-US" dirty="0"/>
+              <a:t> </a:t>
+            </a:r>
+            <a:r>
+              <a:rPr lang="en-US" dirty="0" smtClean="0">
+                <a:solidFill>
+                  <a:srgbClr val="FF0000"/>
+                </a:solidFill>
+              </a:rPr>
+              <a:t>(&lt;- </a:t>
+            </a:r>
+            <a:r>
+              <a:rPr lang="en-US" dirty="0" err="1" smtClean="0">
+                <a:solidFill>
+                  <a:srgbClr val="FF0000"/>
+                </a:solidFill>
+              </a:rPr>
+              <a:t>Hier</a:t>
+            </a:r>
+            <a:r>
+              <a:rPr lang="en-US" dirty="0" smtClean="0">
+                <a:solidFill>
+                  <a:srgbClr val="FF0000"/>
+                </a:solidFill>
+              </a:rPr>
+              <a:t> </a:t>
+            </a:r>
+            <a:r>
+              <a:rPr lang="en-US" dirty="0" err="1" smtClean="0">
+                <a:solidFill>
+                  <a:srgbClr val="FF0000"/>
+                </a:solidFill>
+              </a:rPr>
+              <a:t>zetten</a:t>
+            </a:r>
+            <a:r>
+              <a:rPr lang="en-US" dirty="0" smtClean="0">
+                <a:solidFill>
+                  <a:srgbClr val="FF0000"/>
+                </a:solidFill>
+              </a:rPr>
+              <a:t>?)</a:t>
+            </a:r>
+            <a:endParaRPr lang="nl-BE" dirty="0" smtClean="0">
+              <a:solidFill>
+                <a:srgbClr val="FF0000"/>
+              </a:solidFill>
+            </a:endParaRPr>
           </a:p>
         </p:txBody>
       </p:sp>
@@ -7465,7 +7622,12 @@
             <p:ph sz="quarter" idx="4"/>
           </p:nvPr>
         </p:nvSpPr>
-        <p:spPr/>
+        <p:spPr>
+          <a:xfrm>
+            <a:off x="6217920" y="2582334"/>
+            <a:ext cx="4937760" cy="1868896"/>
+          </a:xfrm>
+        </p:spPr>
         <p:txBody>
           <a:bodyPr/>
           <a:lstStyle/>
@@ -7541,7 +7703,46 @@
           <a:p>
             <a:r>
               <a:rPr lang="nl-BE" dirty="0" smtClean="0"/>
-              <a:t>Voorbeeld: probleem generatie</a:t>
+              <a:t>Probleem generatie</a:t>
+            </a:r>
+            <a:endParaRPr lang="en-US" dirty="0">
+              <a:solidFill>
+                <a:srgbClr val="FF0000"/>
+              </a:solidFill>
+            </a:endParaRPr>
+          </a:p>
+        </p:txBody>
+      </p:sp>
+      <p:sp>
+        <p:nvSpPr>
+          <p:cNvPr id="3" name="Content Placeholder 2"/>
+          <p:cNvSpPr>
+            <a:spLocks noGrp="1"/>
+          </p:cNvSpPr>
+          <p:nvPr>
+            <p:ph idx="1"/>
+          </p:nvPr>
+        </p:nvSpPr>
+        <p:spPr/>
+        <p:txBody>
+          <a:bodyPr/>
+          <a:lstStyle/>
+          <a:p>
+            <a:pPr>
+              <a:buFont typeface="Arial" panose="020B0604020202020204" pitchFamily="34" charset="0"/>
+              <a:buChar char="•"/>
+            </a:pPr>
+            <a:r>
+              <a:rPr lang="nl-BE" dirty="0" smtClean="0"/>
+              <a:t>  Genereren </a:t>
+            </a:r>
+            <a:r>
+              <a:rPr lang="nl-BE" dirty="0" err="1" smtClean="0"/>
+              <a:t>adhv</a:t>
+            </a:r>
+            <a:r>
+              <a:rPr lang="nl-BE" dirty="0"/>
+              <a:t> </a:t>
             </a:r>
             <a:r>
               <a:rPr lang="nl-BE" dirty="0" smtClean="0">
@@ -7549,31 +7750,120 @@
                   <a:srgbClr val="FF0000"/>
                 </a:solidFill>
               </a:rPr>
-              <a:t>(&lt;- betere titel)</a:t>
-            </a:r>
-            <a:endParaRPr lang="en-US" dirty="0">
-              <a:solidFill>
-                <a:srgbClr val="FF0000"/>
-              </a:solidFill>
-            </a:endParaRPr>
-          </a:p>
-        </p:txBody>
-      </p:sp>
-      <p:sp>
-        <p:nvSpPr>
-          <p:cNvPr id="3" name="Content Placeholder 2"/>
-          <p:cNvSpPr>
-            <a:spLocks noGrp="1"/>
-          </p:cNvSpPr>
-          <p:nvPr>
-            <p:ph idx="1"/>
-          </p:nvPr>
-        </p:nvSpPr>
-        <p:spPr/>
-        <p:txBody>
-          <a:bodyPr/>
-          <a:lstStyle/>
-          <a:p>
+              <a:t>(&lt;- afkorting?) </a:t>
+            </a:r>
+            <a:r>
+              <a:rPr lang="nl-BE" dirty="0" smtClean="0"/>
+              <a:t>voorbeeld problemen</a:t>
+            </a:r>
+          </a:p>
+          <a:p>
+            <a:pPr>
+              <a:buFont typeface="Arial" panose="020B0604020202020204" pitchFamily="34" charset="0"/>
+              <a:buChar char="•"/>
+            </a:pPr>
+            <a:r>
+              <a:rPr lang="nl-BE" dirty="0" smtClean="0"/>
+              <a:t>  Voordelen</a:t>
+            </a:r>
+          </a:p>
+          <a:p>
+            <a:pPr lvl="1">
+              <a:buFont typeface="Arial" panose="020B0604020202020204" pitchFamily="34" charset="0"/>
+              <a:buChar char="•"/>
+            </a:pPr>
+            <a:r>
+              <a:rPr lang="nl-BE" dirty="0" smtClean="0"/>
+              <a:t>Moeilijkheidsgraad duidelijk bepalen</a:t>
+            </a:r>
+          </a:p>
+          <a:p>
+            <a:pPr lvl="1">
+              <a:buFont typeface="Arial" panose="020B0604020202020204" pitchFamily="34" charset="0"/>
+              <a:buChar char="•"/>
+            </a:pPr>
+            <a:r>
+              <a:rPr lang="nl-BE" dirty="0" smtClean="0"/>
+              <a:t>Voorkomen spieken</a:t>
+            </a:r>
+          </a:p>
+          <a:p>
+            <a:pPr lvl="1">
+              <a:buFont typeface="Arial" panose="020B0604020202020204" pitchFamily="34" charset="0"/>
+              <a:buChar char="•"/>
+            </a:pPr>
+            <a:r>
+              <a:rPr lang="nl-BE" dirty="0" smtClean="0"/>
+              <a:t>Copy right problemen vermijden</a:t>
+            </a:r>
+          </a:p>
+          <a:p>
+            <a:pPr>
+              <a:buFont typeface="Arial" panose="020B0604020202020204" pitchFamily="34" charset="0"/>
+              <a:buChar char="•"/>
+            </a:pPr>
+            <a:r>
+              <a:rPr lang="nl-BE" dirty="0"/>
+              <a:t> </a:t>
+            </a:r>
+            <a:r>
+              <a:rPr lang="nl-BE" dirty="0" smtClean="0"/>
+              <a:t> 2 principes conceptuele probleem generatie</a:t>
+            </a:r>
+          </a:p>
+          <a:p>
+            <a:pPr lvl="1">
+              <a:buFont typeface="Arial" panose="020B0604020202020204" pitchFamily="34" charset="0"/>
+              <a:buChar char="•"/>
+            </a:pPr>
+            <a:r>
+              <a:rPr lang="nl-BE" dirty="0" err="1" smtClean="0"/>
+              <a:t>Examble</a:t>
+            </a:r>
+            <a:r>
+              <a:rPr lang="nl-BE" dirty="0" err="1"/>
+              <a:t>-</a:t>
+            </a:r>
+            <a:r>
+              <a:rPr lang="nl-BE" dirty="0" err="1" smtClean="0"/>
+              <a:t>based</a:t>
+            </a:r>
+            <a:r>
+              <a:rPr lang="nl-BE" dirty="0" smtClean="0"/>
+              <a:t> template generatie</a:t>
+            </a:r>
+          </a:p>
+          <a:p>
+            <a:pPr lvl="1">
+              <a:buFont typeface="Arial" panose="020B0604020202020204" pitchFamily="34" charset="0"/>
+              <a:buChar char="•"/>
+            </a:pPr>
+            <a:r>
+              <a:rPr lang="nl-BE" dirty="0" smtClean="0"/>
+              <a:t>Probleem genereren </a:t>
+            </a:r>
+            <a:r>
+              <a:rPr lang="nl-BE" dirty="0" err="1" smtClean="0"/>
+              <a:t>dmv</a:t>
+            </a:r>
+            <a:r>
+              <a:rPr lang="nl-BE" dirty="0">
+                <a:solidFill>
+                  <a:srgbClr val="FF0000"/>
+                </a:solidFill>
+              </a:rPr>
+              <a:t> (&lt;- afkorting?)</a:t>
+            </a:r>
+            <a:r>
+              <a:rPr lang="nl-BE" dirty="0" smtClean="0"/>
+              <a:t> oplossing</a:t>
+            </a:r>
+          </a:p>
+          <a:p>
+            <a:pPr lvl="1">
+              <a:buFont typeface="Arial" panose="020B0604020202020204" pitchFamily="34" charset="0"/>
+              <a:buChar char="•"/>
+            </a:pPr>
             <a:endParaRPr lang="en-US" dirty="0"/>
           </a:p>
         </p:txBody>
@@ -7624,45 +7914,136 @@
           <a:lstStyle/>
           <a:p>
             <a:r>
-              <a:rPr lang="nl-BE" dirty="0" smtClean="0"/>
-              <a:t>Voorbeeld</a:t>
-            </a:r>
-            <a:r>
-              <a:rPr lang="nl-BE" dirty="0">
+              <a:rPr lang="nl-BE" dirty="0"/>
+              <a:t>O</a:t>
+            </a:r>
+            <a:r>
+              <a:rPr lang="nl-BE" dirty="0" smtClean="0"/>
+              <a:t>plossing </a:t>
+            </a:r>
+            <a:r>
+              <a:rPr lang="nl-BE" dirty="0" smtClean="0"/>
+              <a:t>generatie</a:t>
+            </a:r>
+            <a:endParaRPr lang="en-US" dirty="0"/>
+          </a:p>
+        </p:txBody>
+      </p:sp>
+      <p:sp>
+        <p:nvSpPr>
+          <p:cNvPr id="3" name="Content Placeholder 2"/>
+          <p:cNvSpPr>
+            <a:spLocks noGrp="1"/>
+          </p:cNvSpPr>
+          <p:nvPr>
+            <p:ph idx="1"/>
+          </p:nvPr>
+        </p:nvSpPr>
+        <p:spPr/>
+        <p:txBody>
+          <a:bodyPr>
+            <a:normAutofit/>
+          </a:bodyPr>
+          <a:lstStyle/>
+          <a:p>
+            <a:pPr>
+              <a:buFont typeface="Arial" panose="020B0604020202020204" pitchFamily="34" charset="0"/>
+              <a:buChar char="•"/>
+            </a:pPr>
+            <a:r>
+              <a:rPr lang="nl-BE" dirty="0" smtClean="0"/>
+              <a:t>  Automatisch generen oplossing</a:t>
+            </a:r>
+          </a:p>
+          <a:p>
+            <a:pPr>
+              <a:buFont typeface="Arial" panose="020B0604020202020204" pitchFamily="34" charset="0"/>
+              <a:buChar char="•"/>
+            </a:pPr>
+            <a:r>
+              <a:rPr lang="nl-BE" dirty="0" smtClean="0"/>
+              <a:t>  Belang</a:t>
+            </a:r>
+          </a:p>
+          <a:p>
+            <a:pPr lvl="1">
+              <a:buFont typeface="Arial" panose="020B0604020202020204" pitchFamily="34" charset="0"/>
+              <a:buChar char="•"/>
+            </a:pPr>
+            <a:r>
+              <a:rPr lang="nl-BE" dirty="0" smtClean="0"/>
+              <a:t>Voorbeeld oplossing</a:t>
+            </a:r>
+          </a:p>
+          <a:p>
+            <a:pPr lvl="1">
+              <a:buFont typeface="Arial" panose="020B0604020202020204" pitchFamily="34" charset="0"/>
+              <a:buChar char="•"/>
+            </a:pPr>
+            <a:r>
+              <a:rPr lang="nl-BE" dirty="0" smtClean="0"/>
+              <a:t>Oplossing op basis van deeloplossing</a:t>
+            </a:r>
+          </a:p>
+          <a:p>
+            <a:pPr lvl="1">
+              <a:buFont typeface="Arial" panose="020B0604020202020204" pitchFamily="34" charset="0"/>
+              <a:buChar char="•"/>
+            </a:pPr>
+            <a:r>
+              <a:rPr lang="nl-BE" dirty="0" smtClean="0"/>
+              <a:t>Hints</a:t>
+            </a:r>
+          </a:p>
+          <a:p>
+            <a:pPr>
+              <a:buFont typeface="Arial" panose="020B0604020202020204" pitchFamily="34" charset="0"/>
+              <a:buChar char="•"/>
+            </a:pPr>
+            <a:r>
+              <a:rPr lang="nl-BE" dirty="0"/>
+              <a:t> </a:t>
+            </a:r>
+            <a:r>
+              <a:rPr lang="nl-BE" dirty="0" smtClean="0"/>
+              <a:t>2 principes conceptuele oplossing generatie</a:t>
+            </a:r>
+          </a:p>
+          <a:p>
+            <a:pPr lvl="1">
+              <a:buFont typeface="Arial" panose="020B0604020202020204" pitchFamily="34" charset="0"/>
+              <a:buChar char="•"/>
+            </a:pPr>
+            <a:r>
+              <a:rPr lang="nl-BE" dirty="0" err="1" smtClean="0"/>
+              <a:t>Reasoning</a:t>
+            </a:r>
+            <a:r>
+              <a:rPr lang="nl-BE" dirty="0" smtClean="0"/>
+              <a:t> </a:t>
+            </a:r>
+            <a:r>
+              <a:rPr lang="nl-BE" dirty="0" smtClean="0">
                 <a:solidFill>
                   <a:srgbClr val="FF0000"/>
                 </a:solidFill>
               </a:rPr>
-              <a:t> (&lt;- betere titel) </a:t>
-            </a:r>
-            <a:r>
-              <a:rPr lang="nl-BE" dirty="0" smtClean="0"/>
-              <a:t>: oplossing generatie</a:t>
-            </a:r>
-            <a:endParaRPr lang="en-US" dirty="0"/>
-          </a:p>
-        </p:txBody>
-      </p:sp>
-      <p:sp>
-        <p:nvSpPr>
-          <p:cNvPr id="3" name="Content Placeholder 2"/>
-          <p:cNvSpPr>
-            <a:spLocks noGrp="1"/>
-          </p:cNvSpPr>
-          <p:nvPr>
-            <p:ph idx="1"/>
-          </p:nvPr>
-        </p:nvSpPr>
-        <p:spPr/>
-        <p:txBody>
-          <a:bodyPr/>
-          <a:lstStyle/>
-          <a:p>
-            <a:r>
-              <a:rPr lang="nl-BE" dirty="0" smtClean="0"/>
-              <a:t>Specifiek aan jou oplossing</a:t>
-            </a:r>
-            <a:endParaRPr lang="en-US" dirty="0"/>
+              <a:t>(&lt;- Vertalen) </a:t>
+            </a:r>
+            <a:r>
+              <a:rPr lang="nl-BE" dirty="0" smtClean="0"/>
+              <a:t>over voorbeelden</a:t>
+            </a:r>
+          </a:p>
+          <a:p>
+            <a:pPr lvl="1">
+              <a:buFont typeface="Arial" panose="020B0604020202020204" pitchFamily="34" charset="0"/>
+              <a:buChar char="•"/>
+            </a:pPr>
+            <a:r>
+              <a:rPr lang="nl-BE" dirty="0" smtClean="0"/>
+              <a:t>Enkel oplossingen met kleine oplossingslengte</a:t>
+            </a:r>
           </a:p>
         </p:txBody>
       </p:sp>
@@ -7720,19 +8101,7 @@
           <a:p>
             <a:r>
               <a:rPr lang="nl-BE" dirty="0" smtClean="0"/>
-              <a:t>Voorbeeld</a:t>
-            </a:r>
-            <a:r>
-              <a:rPr lang="nl-BE" dirty="0">
-                <a:solidFill>
-                  <a:srgbClr val="FF0000"/>
-                </a:solidFill>
-              </a:rPr>
-              <a:t> (&lt;- betere titel) </a:t>
-            </a:r>
-            <a:r>
-              <a:rPr lang="nl-BE" dirty="0" smtClean="0"/>
-              <a:t>: feedback generatie</a:t>
+              <a:t>Feedback generatie</a:t>
             </a:r>
             <a:endParaRPr lang="en-US" dirty="0"/>
           </a:p>
@@ -7753,6 +8122,119 @@
           <a:bodyPr/>
           <a:lstStyle/>
           <a:p>
+            <a:pPr>
+              <a:buFont typeface="Arial" panose="020B0604020202020204" pitchFamily="34" charset="0"/>
+              <a:buChar char="•"/>
+            </a:pPr>
+            <a:r>
+              <a:rPr lang="nl-BE" dirty="0" smtClean="0"/>
+              <a:t>  </a:t>
+            </a:r>
+            <a:r>
+              <a:rPr lang="nl-BE" dirty="0" smtClean="0"/>
+              <a:t>Controleren c</a:t>
+            </a:r>
+            <a:r>
+              <a:rPr lang="nl-BE" dirty="0" smtClean="0"/>
+              <a:t>orrectheid oplossing</a:t>
+            </a:r>
+          </a:p>
+          <a:p>
+            <a:pPr lvl="1">
+              <a:buFont typeface="Arial" panose="020B0604020202020204" pitchFamily="34" charset="0"/>
+              <a:buChar char="•"/>
+            </a:pPr>
+            <a:r>
+              <a:rPr lang="nl-BE" dirty="0" smtClean="0"/>
+              <a:t>Waarom incorrect</a:t>
+            </a:r>
+          </a:p>
+          <a:p>
+            <a:pPr lvl="1">
+              <a:buFont typeface="Arial" panose="020B0604020202020204" pitchFamily="34" charset="0"/>
+              <a:buChar char="•"/>
+            </a:pPr>
+            <a:r>
+              <a:rPr lang="nl-BE" dirty="0" smtClean="0"/>
+              <a:t>Waar en hoe fout verbeteren</a:t>
+            </a:r>
+            <a:endParaRPr lang="nl-BE" dirty="0" smtClean="0"/>
+          </a:p>
+          <a:p>
+            <a:pPr>
+              <a:buFont typeface="Arial" panose="020B0604020202020204" pitchFamily="34" charset="0"/>
+              <a:buChar char="•"/>
+            </a:pPr>
+            <a:r>
+              <a:rPr lang="nl-BE" dirty="0"/>
+              <a:t> </a:t>
+            </a:r>
+            <a:r>
+              <a:rPr lang="nl-BE" dirty="0" smtClean="0"/>
+              <a:t> Hint voor verbeteren</a:t>
+            </a:r>
+          </a:p>
+          <a:p>
+            <a:pPr>
+              <a:buFont typeface="Arial" panose="020B0604020202020204" pitchFamily="34" charset="0"/>
+              <a:buChar char="•"/>
+            </a:pPr>
+            <a:r>
+              <a:rPr lang="nl-BE" dirty="0"/>
+              <a:t> </a:t>
+            </a:r>
+            <a:r>
+              <a:rPr lang="nl-BE" dirty="0" smtClean="0"/>
+              <a:t> Iedereen gelijke graad</a:t>
+            </a:r>
+          </a:p>
+          <a:p>
+            <a:pPr>
+              <a:buFont typeface="Arial" panose="020B0604020202020204" pitchFamily="34" charset="0"/>
+              <a:buChar char="•"/>
+            </a:pPr>
+            <a:r>
+              <a:rPr lang="nl-BE" dirty="0"/>
+              <a:t> </a:t>
+            </a:r>
+            <a:r>
+              <a:rPr lang="nl-BE" dirty="0" smtClean="0"/>
+              <a:t> Handmatig analyseren fouten tijdrovend</a:t>
+            </a:r>
+          </a:p>
+          <a:p>
+            <a:pPr>
+              <a:buFont typeface="Arial" panose="020B0604020202020204" pitchFamily="34" charset="0"/>
+              <a:buChar char="•"/>
+            </a:pPr>
+            <a:r>
+              <a:rPr lang="nl-BE" dirty="0"/>
+              <a:t> </a:t>
+            </a:r>
+            <a:r>
+              <a:rPr lang="nl-BE" dirty="0" smtClean="0"/>
+              <a:t> 2 principes feedback conceptuele problemen</a:t>
+            </a:r>
+          </a:p>
+          <a:p>
+            <a:pPr lvl="1">
+              <a:buFont typeface="Arial" panose="020B0604020202020204" pitchFamily="34" charset="0"/>
+              <a:buChar char="•"/>
+            </a:pPr>
+            <a:r>
+              <a:rPr lang="nl-BE" dirty="0" smtClean="0"/>
+              <a:t>Aanpassingsafstand</a:t>
+            </a:r>
+          </a:p>
+          <a:p>
+            <a:pPr lvl="1">
+              <a:buFont typeface="Arial" panose="020B0604020202020204" pitchFamily="34" charset="0"/>
+              <a:buChar char="•"/>
+            </a:pPr>
+            <a:r>
+              <a:rPr lang="nl-BE" dirty="0" smtClean="0"/>
+              <a:t>Tegenvoorbeeld</a:t>
+            </a:r>
             <a:endParaRPr lang="en-US" dirty="0"/>
           </a:p>
         </p:txBody>
@@ -7811,18 +8293,14 @@
           <a:p>
             <a:r>
               <a:rPr lang="nl-BE" dirty="0" smtClean="0"/>
-              <a:t>Overzicht: </a:t>
+              <a:t>Toepassing: </a:t>
             </a:r>
             <a:br>
               <a:rPr lang="nl-BE" dirty="0" smtClean="0"/>
             </a:br>
             <a:r>
               <a:rPr lang="nl-BE" dirty="0" smtClean="0"/>
-              <a:t>Spreadsheet </a:t>
-            </a:r>
-            <a:r>
-              <a:rPr lang="nl-BE" dirty="0"/>
-              <a:t>tabel transformaties</a:t>
+              <a:t>Voorbereiden examen</a:t>
             </a:r>
             <a:endParaRPr lang="en-US" dirty="0"/>
           </a:p>
@@ -7849,7 +8327,17 @@
             </a:pPr>
             <a:r>
               <a:rPr lang="nl-BE" dirty="0" smtClean="0"/>
-              <a:t>  Concept oplossing generatie</a:t>
+              <a:t>  Automatisch generatie probleem </a:t>
+            </a:r>
+          </a:p>
+          <a:p>
+            <a:pPr lvl="1">
+              <a:buFont typeface="Arial" panose="020B0604020202020204" pitchFamily="34" charset="0"/>
+              <a:buChar char="•"/>
+            </a:pPr>
+            <a:r>
+              <a:rPr lang="nl-BE" dirty="0" smtClean="0"/>
+              <a:t>Moeilijkheidsgraad kiezen</a:t>
             </a:r>
           </a:p>
           <a:p>
@@ -7863,16 +8351,29 @@
             </a:r>
             <a:r>
               <a:rPr lang="nl-BE" dirty="0" smtClean="0"/>
-              <a:t> Domein kennis</a:t>
-            </a:r>
-            <a:r>
-              <a:rPr lang="nl-BE" dirty="0" smtClean="0">
-                <a:solidFill>
-                  <a:srgbClr val="FF0000"/>
-                </a:solidFill>
-              </a:rPr>
-              <a:t>(&lt;- vertalen?)</a:t>
-            </a:r>
+              <a:t> Oplossing</a:t>
+            </a:r>
+          </a:p>
+          <a:p>
+            <a:pPr lvl="1">
+              <a:buFont typeface="Arial" panose="020B0604020202020204" pitchFamily="34" charset="0"/>
+              <a:buChar char="•"/>
+            </a:pPr>
+            <a:r>
+              <a:rPr lang="nl-BE" dirty="0" smtClean="0"/>
+              <a:t>Verdergaand eigen deeloplossing</a:t>
+            </a:r>
+          </a:p>
+          <a:p>
+            <a:pPr lvl="1">
+              <a:buFont typeface="Arial" panose="020B0604020202020204" pitchFamily="34" charset="0"/>
+              <a:buChar char="•"/>
+            </a:pPr>
+            <a:r>
+              <a:rPr lang="nl-BE" dirty="0" smtClean="0"/>
+              <a:t>Hints</a:t>
+            </a:r>
+            <a:endParaRPr lang="nl-BE" dirty="0" smtClean="0"/>
           </a:p>
           <a:p>
             <a:pPr>
@@ -7885,31 +8386,27 @@
             </a:r>
             <a:r>
               <a:rPr lang="nl-BE" dirty="0" smtClean="0"/>
-              <a:t> Programming </a:t>
-            </a:r>
-            <a:r>
-              <a:rPr lang="nl-BE" dirty="0" err="1" smtClean="0"/>
-              <a:t>by</a:t>
-            </a:r>
-            <a:r>
-              <a:rPr lang="nl-BE" dirty="0" smtClean="0"/>
-              <a:t> </a:t>
-            </a:r>
-            <a:r>
-              <a:rPr lang="nl-BE" dirty="0" err="1" smtClean="0"/>
-              <a:t>example</a:t>
-            </a:r>
-            <a:r>
-              <a:rPr lang="nl-BE" dirty="0" smtClean="0"/>
-              <a:t> </a:t>
-            </a:r>
-            <a:r>
-              <a:rPr lang="nl-BE" dirty="0">
-                <a:solidFill>
-                  <a:srgbClr val="FF0000"/>
-                </a:solidFill>
-              </a:rPr>
-              <a:t>(&lt;- vertalen?)</a:t>
+              <a:t> Feedback</a:t>
+            </a:r>
+          </a:p>
+          <a:p>
+            <a:pPr lvl="1">
+              <a:buFont typeface="Arial" panose="020B0604020202020204" pitchFamily="34" charset="0"/>
+              <a:buChar char="•"/>
+            </a:pPr>
+            <a:r>
+              <a:rPr lang="nl-BE" dirty="0" smtClean="0"/>
+              <a:t>Score</a:t>
+            </a:r>
+          </a:p>
+          <a:p>
+            <a:pPr lvl="1">
+              <a:buFont typeface="Arial" panose="020B0604020202020204" pitchFamily="34" charset="0"/>
+              <a:buChar char="•"/>
+            </a:pPr>
+            <a:r>
+              <a:rPr lang="nl-BE" dirty="0" smtClean="0"/>
+              <a:t>Helpen verbeteren</a:t>
             </a:r>
             <a:endParaRPr lang="en-US" dirty="0"/>
           </a:p>
@@ -7918,7 +8415,7 @@
     </p:spTree>
     <p:extLst>
       <p:ext uri="{BB962C8B-B14F-4D97-AF65-F5344CB8AC3E}">
-        <p14:creationId xmlns:p14="http://schemas.microsoft.com/office/powerpoint/2010/main" val="848964369"/>
+        <p14:creationId xmlns:p14="http://schemas.microsoft.com/office/powerpoint/2010/main" val="174650717"/>
       </p:ext>
     </p:extLst>
   </p:cSld>

--- a/Opdracht 2/Literatuurstudie.pptx
+++ b/Opdracht 2/Literatuurstudie.pptx
@@ -15,9 +15,9 @@
     <p:sldId id="265" r:id="rId9"/>
     <p:sldId id="266" r:id="rId10"/>
     <p:sldId id="267" r:id="rId11"/>
-    <p:sldId id="268" r:id="rId12"/>
-    <p:sldId id="269" r:id="rId13"/>
-    <p:sldId id="271" r:id="rId14"/>
+    <p:sldId id="271" r:id="rId12"/>
+    <p:sldId id="268" r:id="rId13"/>
+    <p:sldId id="269" r:id="rId14"/>
     <p:sldId id="272" r:id="rId15"/>
     <p:sldId id="270" r:id="rId16"/>
     <p:sldId id="273" r:id="rId17"/>
@@ -132,7 +132,7 @@
   </p:defaultTextStyle>
   <p:extLst>
     <p:ext uri="{EFAFB233-063F-42B5-8137-9DF3F51BA10A}">
-      <p15:sldGuideLst xmlns:p15="http://schemas.microsoft.com/office/powerpoint/2012/main"/>
+      <p15:sldGuideLst xmlns:p15="http://schemas.microsoft.com/office/powerpoint/2012/main" xmlns=""/>
     </p:ext>
   </p:extLst>
 </p:presentation>
@@ -364,7 +364,7 @@
           <a:p>
             <a:fld id="{19DCFD5E-870D-4395-9E30-B29FE39655A2}" type="datetimeFigureOut">
               <a:rPr lang="nl-BE" smtClean="0"/>
-              <a:t>21/10/2014</a:t>
+              <a:t>22/10/14</a:t>
             </a:fld>
             <a:endParaRPr lang="nl-BE"/>
           </a:p>
@@ -572,7 +572,7 @@
           <a:p>
             <a:fld id="{19DCFD5E-870D-4395-9E30-B29FE39655A2}" type="datetimeFigureOut">
               <a:rPr lang="nl-BE" smtClean="0"/>
-              <a:t>21/10/2014</a:t>
+              <a:t>22/10/14</a:t>
             </a:fld>
             <a:endParaRPr lang="nl-BE"/>
           </a:p>
@@ -828,7 +828,7 @@
           <a:p>
             <a:fld id="{19DCFD5E-870D-4395-9E30-B29FE39655A2}" type="datetimeFigureOut">
               <a:rPr lang="nl-BE" smtClean="0"/>
-              <a:t>21/10/2014</a:t>
+              <a:t>22/10/14</a:t>
             </a:fld>
             <a:endParaRPr lang="nl-BE"/>
           </a:p>
@@ -1002,7 +1002,7 @@
           <a:p>
             <a:fld id="{19DCFD5E-870D-4395-9E30-B29FE39655A2}" type="datetimeFigureOut">
               <a:rPr lang="nl-BE" smtClean="0"/>
-              <a:t>21/10/2014</a:t>
+              <a:t>22/10/14</a:t>
             </a:fld>
             <a:endParaRPr lang="nl-BE"/>
           </a:p>
@@ -1345,7 +1345,7 @@
           <a:p>
             <a:fld id="{19DCFD5E-870D-4395-9E30-B29FE39655A2}" type="datetimeFigureOut">
               <a:rPr lang="nl-BE" smtClean="0"/>
-              <a:t>21/10/2014</a:t>
+              <a:t>22/10/14</a:t>
             </a:fld>
             <a:endParaRPr lang="nl-BE"/>
           </a:p>
@@ -1620,7 +1620,7 @@
           <a:p>
             <a:fld id="{19DCFD5E-870D-4395-9E30-B29FE39655A2}" type="datetimeFigureOut">
               <a:rPr lang="nl-BE" smtClean="0"/>
-              <a:t>21/10/2014</a:t>
+              <a:t>22/10/14</a:t>
             </a:fld>
             <a:endParaRPr lang="nl-BE"/>
           </a:p>
@@ -1999,7 +1999,7 @@
           <a:p>
             <a:fld id="{19DCFD5E-870D-4395-9E30-B29FE39655A2}" type="datetimeFigureOut">
               <a:rPr lang="nl-BE" smtClean="0"/>
-              <a:t>21/10/2014</a:t>
+              <a:t>22/10/14</a:t>
             </a:fld>
             <a:endParaRPr lang="nl-BE"/>
           </a:p>
@@ -2117,7 +2117,7 @@
           <a:p>
             <a:fld id="{19DCFD5E-870D-4395-9E30-B29FE39655A2}" type="datetimeFigureOut">
               <a:rPr lang="nl-BE" smtClean="0"/>
-              <a:t>21/10/2014</a:t>
+              <a:t>22/10/14</a:t>
             </a:fld>
             <a:endParaRPr lang="nl-BE"/>
           </a:p>
@@ -2288,7 +2288,7 @@
           <a:p>
             <a:fld id="{19DCFD5E-870D-4395-9E30-B29FE39655A2}" type="datetimeFigureOut">
               <a:rPr lang="nl-BE" smtClean="0"/>
-              <a:t>21/10/2014</a:t>
+              <a:t>22/10/14</a:t>
             </a:fld>
             <a:endParaRPr lang="nl-BE"/>
           </a:p>
@@ -2642,7 +2642,7 @@
           <a:p>
             <a:fld id="{19DCFD5E-870D-4395-9E30-B29FE39655A2}" type="datetimeFigureOut">
               <a:rPr lang="nl-BE" smtClean="0"/>
-              <a:t>21/10/2014</a:t>
+              <a:t>22/10/14</a:t>
             </a:fld>
             <a:endParaRPr lang="nl-BE"/>
           </a:p>
@@ -3024,7 +3024,7 @@
           <a:p>
             <a:fld id="{19DCFD5E-870D-4395-9E30-B29FE39655A2}" type="datetimeFigureOut">
               <a:rPr lang="nl-BE" smtClean="0"/>
-              <a:t>21/10/2014</a:t>
+              <a:t>22/10/14</a:t>
             </a:fld>
             <a:endParaRPr lang="nl-BE"/>
           </a:p>
@@ -3311,7 +3311,7 @@
           <a:p>
             <a:fld id="{19DCFD5E-870D-4395-9E30-B29FE39655A2}" type="datetimeFigureOut">
               <a:rPr lang="nl-BE" smtClean="0"/>
-              <a:t>21/10/2014</a:t>
+              <a:t>22/10/14</a:t>
             </a:fld>
             <a:endParaRPr lang="nl-BE"/>
           </a:p>
@@ -3961,24 +3961,135 @@
           </a:p>
         </p:txBody>
       </p:sp>
-      <p:sp>
-        <p:nvSpPr>
-          <p:cNvPr id="3" name="Content Placeholder 2"/>
-          <p:cNvSpPr>
-            <a:spLocks noGrp="1"/>
-          </p:cNvSpPr>
-          <p:nvPr>
-            <p:ph idx="1"/>
-          </p:nvPr>
-        </p:nvSpPr>
-        <p:spPr/>
-        <p:txBody>
-          <a:bodyPr/>
-          <a:lstStyle/>
-          <a:p>
-            <a:endParaRPr lang="en-US"/>
-          </a:p>
-        </p:txBody>
+      <p:pic>
+        <p:nvPicPr>
+          <p:cNvPr id="5" name="Picture 4" descr="spreadsheet 2.png"/>
+          <p:cNvPicPr>
+            <a:picLocks noChangeAspect="1"/>
+          </p:cNvPicPr>
+          <p:nvPr/>
+        </p:nvPicPr>
+        <p:blipFill>
+          <a:blip r:embed="rId2">
+            <a:extLst>
+              <a:ext uri="{BEBA8EAE-BF5A-486C-A8C5-ECC9F3942E4B}">
+                <a14:imgProps xmlns:a14="http://schemas.microsoft.com/office/drawing/2010/main">
+                  <a14:imgLayer r:embed="rId3">
+                    <a14:imgEffect>
+                      <a14:backgroundRemoval t="0" b="96206" l="3268" r="94935">
+                        <a14:foregroundMark x1="21078" y1="19512" x2="29248" y2="24932"/>
+                        <a14:foregroundMark x1="31373" y1="74255" x2="74346" y2="91057"/>
+                        <a14:foregroundMark x1="26961" y1="88347" x2="33007" y2="90244"/>
+                        <a14:foregroundMark x1="3758" y1="13279" x2="92484" y2="82114"/>
+                      </a14:backgroundRemoval>
+                    </a14:imgEffect>
+                  </a14:imgLayer>
+                </a14:imgProps>
+              </a:ext>
+              <a:ext uri="{28A0092B-C50C-407E-A947-70E740481C1C}">
+                <a14:useLocalDpi xmlns:a14="http://schemas.microsoft.com/office/drawing/2010/main" val="0"/>
+              </a:ext>
+            </a:extLst>
+          </a:blip>
+          <a:stretch>
+            <a:fillRect/>
+          </a:stretch>
+        </p:blipFill>
+        <p:spPr>
+          <a:xfrm>
+            <a:off x="6570655" y="2893422"/>
+            <a:ext cx="5491746" cy="3311200"/>
+          </a:xfrm>
+          <a:prstGeom prst="rect">
+            <a:avLst/>
+          </a:prstGeom>
+        </p:spPr>
+      </p:pic>
+      <p:pic>
+        <p:nvPicPr>
+          <p:cNvPr id="4" name="Picture 3" descr="spreadsheet 1.png"/>
+          <p:cNvPicPr>
+            <a:picLocks noChangeAspect="1"/>
+          </p:cNvPicPr>
+          <p:nvPr/>
+        </p:nvPicPr>
+        <p:blipFill>
+          <a:blip r:embed="rId4">
+            <a:extLst>
+              <a:ext uri="{28A0092B-C50C-407E-A947-70E740481C1C}">
+                <a14:useLocalDpi xmlns:a14="http://schemas.microsoft.com/office/drawing/2010/main" val="0"/>
+              </a:ext>
+            </a:extLst>
+          </a:blip>
+          <a:stretch>
+            <a:fillRect/>
+          </a:stretch>
+        </p:blipFill>
+        <p:spPr>
+          <a:xfrm>
+            <a:off x="0" y="1836688"/>
+            <a:ext cx="6752094" cy="1941303"/>
+          </a:xfrm>
+          <a:prstGeom prst="rect">
+            <a:avLst/>
+          </a:prstGeom>
+        </p:spPr>
+      </p:pic>
+      <p:sp>
+        <p:nvSpPr>
+          <p:cNvPr id="7" name="Bent-Up Arrow 6"/>
+          <p:cNvSpPr/>
+          <p:nvPr/>
+        </p:nvSpPr>
+        <p:spPr>
+          <a:xfrm rot="5400000">
+            <a:off x="4436881" y="3824107"/>
+            <a:ext cx="1400175" cy="1594049"/>
+          </a:xfrm>
+          <a:prstGeom prst="bentUpArrow">
+            <a:avLst>
+              <a:gd name="adj1" fmla="val 32840"/>
+              <a:gd name="adj2" fmla="val 25000"/>
+              <a:gd name="adj3" fmla="val 35780"/>
+            </a:avLst>
+          </a:prstGeom>
+        </p:spPr>
+        <p:style>
+          <a:lnRef idx="0">
+            <a:schemeClr val="lt1">
+              <a:hueOff val="0"/>
+              <a:satOff val="0"/>
+              <a:lumOff val="0"/>
+              <a:alphaOff val="0"/>
+            </a:schemeClr>
+          </a:lnRef>
+          <a:fillRef idx="1">
+            <a:schemeClr val="accent1">
+              <a:tint val="50000"/>
+              <a:hueOff val="0"/>
+              <a:satOff val="0"/>
+              <a:lumOff val="0"/>
+              <a:alphaOff val="0"/>
+            </a:schemeClr>
+          </a:fillRef>
+          <a:effectRef idx="2">
+            <a:schemeClr val="accent1">
+              <a:tint val="50000"/>
+              <a:hueOff val="0"/>
+              <a:satOff val="0"/>
+              <a:lumOff val="0"/>
+              <a:alphaOff val="0"/>
+            </a:schemeClr>
+          </a:effectRef>
+          <a:fontRef idx="minor">
+            <a:schemeClr val="lt1">
+              <a:hueOff val="0"/>
+              <a:satOff val="0"/>
+              <a:lumOff val="0"/>
+              <a:alphaOff val="0"/>
+            </a:schemeClr>
+          </a:fontRef>
+        </p:style>
       </p:sp>
     </p:spTree>
     <p:extLst>
@@ -4026,60 +4137,47 @@
           <a:lstStyle/>
           <a:p>
             <a:r>
-              <a:rPr lang="nl-BE" dirty="0" smtClean="0"/>
-              <a:t>Domein kennis </a:t>
-            </a:r>
-            <a:r>
-              <a:rPr lang="nl-BE" dirty="0" smtClean="0">
-                <a:solidFill>
-                  <a:srgbClr val="FF0000"/>
-                </a:solidFill>
-              </a:rPr>
-              <a:t>(&lt;- </a:t>
-            </a:r>
-            <a:r>
-              <a:rPr lang="nl-BE" dirty="0">
-                <a:solidFill>
-                  <a:srgbClr val="FF0000"/>
-                </a:solidFill>
-              </a:rPr>
-              <a:t>vertalen</a:t>
-            </a:r>
-            <a:r>
-              <a:rPr lang="nl-BE" dirty="0" smtClean="0">
-                <a:solidFill>
-                  <a:srgbClr val="FF0000"/>
-                </a:solidFill>
-              </a:rPr>
-              <a:t>?)</a:t>
+              <a:rPr lang="en-US" dirty="0" err="1" smtClean="0"/>
+              <a:t>Structuur</a:t>
             </a:r>
             <a:endParaRPr lang="en-US" dirty="0"/>
           </a:p>
         </p:txBody>
       </p:sp>
-      <p:sp>
-        <p:nvSpPr>
-          <p:cNvPr id="3" name="Content Placeholder 2"/>
-          <p:cNvSpPr>
-            <a:spLocks noGrp="1"/>
-          </p:cNvSpPr>
-          <p:nvPr>
-            <p:ph idx="1"/>
-          </p:nvPr>
-        </p:nvSpPr>
-        <p:spPr/>
-        <p:txBody>
-          <a:bodyPr/>
-          <a:lstStyle/>
-          <a:p>
-            <a:endParaRPr lang="en-US"/>
-          </a:p>
-        </p:txBody>
-      </p:sp>
+      <p:pic>
+        <p:nvPicPr>
+          <p:cNvPr id="4" name="Picture 3" descr="Syntaxis.png"/>
+          <p:cNvPicPr>
+            <a:picLocks noChangeAspect="1"/>
+          </p:cNvPicPr>
+          <p:nvPr/>
+        </p:nvPicPr>
+        <p:blipFill>
+          <a:blip r:embed="rId2">
+            <a:extLst>
+              <a:ext uri="{28A0092B-C50C-407E-A947-70E740481C1C}">
+                <a14:useLocalDpi xmlns:a14="http://schemas.microsoft.com/office/drawing/2010/main" val="0"/>
+              </a:ext>
+            </a:extLst>
+          </a:blip>
+          <a:stretch>
+            <a:fillRect/>
+          </a:stretch>
+        </p:blipFill>
+        <p:spPr>
+          <a:xfrm>
+            <a:off x="2060619" y="1747973"/>
+            <a:ext cx="7737045" cy="4526918"/>
+          </a:xfrm>
+          <a:prstGeom prst="rect">
+            <a:avLst/>
+          </a:prstGeom>
+        </p:spPr>
+      </p:pic>
     </p:spTree>
     <p:extLst>
       <p:ext uri="{BB962C8B-B14F-4D97-AF65-F5344CB8AC3E}">
-        <p14:creationId xmlns:p14="http://schemas.microsoft.com/office/powerpoint/2010/main" val="401413552"/>
+        <p14:creationId xmlns:p14="http://schemas.microsoft.com/office/powerpoint/2010/main" val="174650717"/>
       </p:ext>
     </p:extLst>
   </p:cSld>
@@ -4122,24 +4220,16 @@
           <a:lstStyle/>
           <a:p>
             <a:r>
-              <a:rPr lang="nl-BE" dirty="0"/>
-              <a:t>Programming </a:t>
-            </a:r>
-            <a:r>
-              <a:rPr lang="nl-BE" dirty="0" err="1"/>
-              <a:t>by</a:t>
-            </a:r>
-            <a:r>
-              <a:rPr lang="nl-BE" dirty="0"/>
-              <a:t> </a:t>
-            </a:r>
-            <a:r>
-              <a:rPr lang="nl-BE" dirty="0" err="1"/>
-              <a:t>example</a:t>
-            </a:r>
-            <a:r>
-              <a:rPr lang="nl-BE" dirty="0"/>
-              <a:t> </a:t>
+              <a:rPr lang="nl-BE" dirty="0" smtClean="0"/>
+              <a:t>Domein kennis </a:t>
+            </a:r>
+            <a:r>
+              <a:rPr lang="nl-BE" dirty="0" smtClean="0">
+                <a:solidFill>
+                  <a:srgbClr val="FF0000"/>
+                </a:solidFill>
+              </a:rPr>
+              <a:t>(&lt;- </a:t>
             </a:r>
             <a:r>
               <a:rPr lang="nl-BE" dirty="0">
@@ -4147,7 +4237,7 @@
                   <a:srgbClr val="FF0000"/>
                 </a:solidFill>
               </a:rPr>
-              <a:t>(&lt;- vertalen</a:t>
+              <a:t>vertalen</a:t>
             </a:r>
             <a:r>
               <a:rPr lang="nl-BE" dirty="0" smtClean="0">
@@ -4161,29 +4251,70 @@
           </a:p>
         </p:txBody>
       </p:sp>
-      <p:sp>
-        <p:nvSpPr>
-          <p:cNvPr id="3" name="Content Placeholder 2"/>
-          <p:cNvSpPr>
-            <a:spLocks noGrp="1"/>
-          </p:cNvSpPr>
-          <p:nvPr>
-            <p:ph idx="1"/>
-          </p:nvPr>
-        </p:nvSpPr>
-        <p:spPr/>
-        <p:txBody>
-          <a:bodyPr/>
-          <a:lstStyle/>
-          <a:p>
-            <a:endParaRPr lang="en-US" dirty="0"/>
-          </a:p>
-        </p:txBody>
-      </p:sp>
+      <p:pic>
+        <p:nvPicPr>
+          <p:cNvPr id="6" name="Picture 5" descr="semantiek 2.png"/>
+          <p:cNvPicPr>
+            <a:picLocks noChangeAspect="1"/>
+          </p:cNvPicPr>
+          <p:nvPr/>
+        </p:nvPicPr>
+        <p:blipFill>
+          <a:blip r:embed="rId2">
+            <a:extLst>
+              <a:ext uri="{28A0092B-C50C-407E-A947-70E740481C1C}">
+                <a14:useLocalDpi xmlns:a14="http://schemas.microsoft.com/office/drawing/2010/main" val="0"/>
+              </a:ext>
+            </a:extLst>
+          </a:blip>
+          <a:stretch>
+            <a:fillRect/>
+          </a:stretch>
+        </p:blipFill>
+        <p:spPr>
+          <a:xfrm>
+            <a:off x="6078180" y="1799109"/>
+            <a:ext cx="6113820" cy="3698728"/>
+          </a:xfrm>
+          <a:prstGeom prst="rect">
+            <a:avLst/>
+          </a:prstGeom>
+        </p:spPr>
+      </p:pic>
+      <p:pic>
+        <p:nvPicPr>
+          <p:cNvPr id="7" name="Picture 6" descr="semantiek 1.png"/>
+          <p:cNvPicPr>
+            <a:picLocks noChangeAspect="1"/>
+          </p:cNvPicPr>
+          <p:nvPr/>
+        </p:nvPicPr>
+        <p:blipFill>
+          <a:blip r:embed="rId3">
+            <a:extLst>
+              <a:ext uri="{28A0092B-C50C-407E-A947-70E740481C1C}">
+                <a14:useLocalDpi xmlns:a14="http://schemas.microsoft.com/office/drawing/2010/main" val="0"/>
+              </a:ext>
+            </a:extLst>
+          </a:blip>
+          <a:stretch>
+            <a:fillRect/>
+          </a:stretch>
+        </p:blipFill>
+        <p:spPr>
+          <a:xfrm>
+            <a:off x="118652" y="1749325"/>
+            <a:ext cx="5859463" cy="3667102"/>
+          </a:xfrm>
+          <a:prstGeom prst="rect">
+            <a:avLst/>
+          </a:prstGeom>
+        </p:spPr>
+      </p:pic>
     </p:spTree>
     <p:extLst>
       <p:ext uri="{BB962C8B-B14F-4D97-AF65-F5344CB8AC3E}">
-        <p14:creationId xmlns:p14="http://schemas.microsoft.com/office/powerpoint/2010/main" val="239212845"/>
+        <p14:creationId xmlns:p14="http://schemas.microsoft.com/office/powerpoint/2010/main" val="401413552"/>
       </p:ext>
     </p:extLst>
   </p:cSld>
@@ -4225,7 +4356,27 @@
           <a:bodyPr/>
           <a:lstStyle/>
           <a:p>
-            <a:endParaRPr lang="en-US"/>
+            <a:r>
+              <a:rPr lang="nl-BE" dirty="0" smtClean="0"/>
+              <a:t>End-User Programming </a:t>
+            </a:r>
+            <a:r>
+              <a:rPr lang="nl-BE" dirty="0">
+                <a:solidFill>
+                  <a:srgbClr val="FF0000"/>
+                </a:solidFill>
+              </a:rPr>
+              <a:t>(&lt;- vertalen</a:t>
+            </a:r>
+            <a:r>
+              <a:rPr lang="nl-BE" dirty="0" smtClean="0">
+                <a:solidFill>
+                  <a:srgbClr val="FF0000"/>
+                </a:solidFill>
+              </a:rPr>
+              <a:t>?)</a:t>
+            </a:r>
+            <a:endParaRPr lang="en-US" dirty="0"/>
           </a:p>
         </p:txBody>
       </p:sp>
@@ -4244,14 +4395,66 @@
           <a:bodyPr/>
           <a:lstStyle/>
           <a:p>
-            <a:endParaRPr lang="en-US"/>
+            <a:pPr marL="0" indent="0">
+              <a:buNone/>
+            </a:pPr>
+            <a:r>
+              <a:rPr lang="en-US" dirty="0" err="1" smtClean="0"/>
+              <a:t>Repetitieve</a:t>
+            </a:r>
+            <a:r>
+              <a:rPr lang="en-US" dirty="0" smtClean="0"/>
+              <a:t> taken</a:t>
+            </a:r>
+          </a:p>
+          <a:p>
+            <a:pPr marL="0" indent="0">
+              <a:buNone/>
+            </a:pPr>
+            <a:r>
+              <a:rPr lang="en-US" dirty="0" err="1" smtClean="0"/>
+              <a:t>Weinig</a:t>
+            </a:r>
+            <a:r>
+              <a:rPr lang="en-US" dirty="0" smtClean="0"/>
+              <a:t> tot </a:t>
+            </a:r>
+            <a:r>
+              <a:rPr lang="en-US" dirty="0" err="1" smtClean="0"/>
+              <a:t>geen</a:t>
+            </a:r>
+            <a:r>
+              <a:rPr lang="en-US" dirty="0" smtClean="0"/>
+              <a:t> </a:t>
+            </a:r>
+            <a:r>
+              <a:rPr lang="en-US" dirty="0" err="1" smtClean="0"/>
+              <a:t>programmeer</a:t>
+            </a:r>
+            <a:r>
+              <a:rPr lang="en-US" dirty="0" err="1" smtClean="0"/>
+              <a:t>kennis</a:t>
+            </a:r>
+            <a:endParaRPr lang="en-US" dirty="0" smtClean="0"/>
+          </a:p>
+          <a:p>
+            <a:pPr marL="0" indent="0">
+              <a:buNone/>
+            </a:pPr>
+            <a:endParaRPr lang="en-US" dirty="0" smtClean="0"/>
+          </a:p>
+          <a:p>
+            <a:pPr marL="0" indent="0">
+              <a:buNone/>
+            </a:pPr>
+            <a:endParaRPr lang="en-US" dirty="0"/>
           </a:p>
         </p:txBody>
       </p:sp>
     </p:spTree>
     <p:extLst>
       <p:ext uri="{BB962C8B-B14F-4D97-AF65-F5344CB8AC3E}">
-        <p14:creationId xmlns:p14="http://schemas.microsoft.com/office/powerpoint/2010/main" val="174650717"/>
+        <p14:creationId xmlns:p14="http://schemas.microsoft.com/office/powerpoint/2010/main" val="239212845"/>
       </p:ext>
     </p:extLst>
   </p:cSld>
@@ -4346,29 +4549,6 @@
           <a:chExt cx="0" cy="0"/>
         </a:xfrm>
       </p:grpSpPr>
-      <p:sp>
-        <p:nvSpPr>
-          <p:cNvPr id="2" name="Title 1"/>
-          <p:cNvSpPr>
-            <a:spLocks noGrp="1"/>
-          </p:cNvSpPr>
-          <p:nvPr>
-            <p:ph type="title"/>
-          </p:nvPr>
-        </p:nvSpPr>
-        <p:spPr/>
-        <p:txBody>
-          <a:bodyPr/>
-          <a:lstStyle/>
-          <a:p>
-            <a:r>
-              <a:rPr lang="nl-BE" dirty="0" smtClean="0"/>
-              <a:t>Ons doel</a:t>
-            </a:r>
-            <a:endParaRPr lang="en-US" dirty="0"/>
-          </a:p>
-        </p:txBody>
-      </p:sp>
       <mc:AlternateContent xmlns:mc="http://schemas.openxmlformats.org/markup-compatibility/2006">
         <mc:Choice xmlns:a14="http://schemas.microsoft.com/office/drawing/2010/main" Requires="a14">
           <p:sp>
@@ -4383,7 +4563,7 @@
             </p:nvSpPr>
             <p:spPr>
               <a:xfrm>
-                <a:off x="1097280" y="1845734"/>
+                <a:off x="1136159" y="1755028"/>
                 <a:ext cx="10058400" cy="4023360"/>
               </a:xfrm>
             </p:spPr>
@@ -4450,7 +4630,7 @@
                   <a:t>					         Gevonden vergelijking: </a:t>
                 </a:r>
                 <a14:m>
-                  <m:oMath xmlns:m="http://schemas.openxmlformats.org/officeDocument/2006/math">
+                  <m:oMath xmlns:m="http://schemas.openxmlformats.org/officeDocument/2006/math" xmlns="">
                     <m:sSup>
                       <m:sSupPr>
                         <m:ctrlPr>
@@ -4526,13 +4706,13 @@
             </p:nvSpPr>
             <p:spPr>
               <a:xfrm>
-                <a:off x="1097280" y="1845734"/>
+                <a:off x="1136159" y="1755028"/>
                 <a:ext cx="10058400" cy="4023360"/>
               </a:xfrm>
-              <a:blipFill rotWithShape="0">
+              <a:blipFill rotWithShape="1">
                 <a:blip r:embed="rId2"/>
                 <a:stretch>
-                  <a:fillRect l="-1455" t="-1667"/>
+                  <a:fillRect l="-242"/>
                 </a:stretch>
               </a:blipFill>
             </p:spPr>
@@ -4551,1202 +4731,29 @@
           </p:sp>
         </mc:Fallback>
       </mc:AlternateContent>
-      <p:graphicFrame>
-        <p:nvGraphicFramePr>
-          <p:cNvPr id="6" name="Table 5"/>
-          <p:cNvGraphicFramePr>
-            <a:graphicFrameLocks noGrp="1"/>
-          </p:cNvGraphicFramePr>
-          <p:nvPr>
-            <p:extLst>
-              <p:ext uri="{D42A27DB-BD31-4B8C-83A1-F6EECF244321}">
-                <p14:modId xmlns:p14="http://schemas.microsoft.com/office/powerpoint/2010/main" val="4091522225"/>
-              </p:ext>
-            </p:extLst>
-          </p:nvPr>
-        </p:nvGraphicFramePr>
-        <p:xfrm>
-          <a:off x="1476842" y="3332301"/>
-          <a:ext cx="3016682" cy="1686822"/>
-        </p:xfrm>
-        <a:graphic>
-          <a:graphicData uri="http://schemas.openxmlformats.org/drawingml/2006/table">
-            <a:tbl>
-              <a:tblPr>
-                <a:tableStyleId>{5940675A-B579-460E-94D1-54222C63F5DA}</a:tableStyleId>
-              </a:tblPr>
-              <a:tblGrid>
-                <a:gridCol w="800004"/>
-                <a:gridCol w="800004"/>
-                <a:gridCol w="800004"/>
-                <a:gridCol w="616670"/>
-              </a:tblGrid>
-              <a:tr h="290832">
-                <a:tc>
-                  <a:txBody>
-                    <a:bodyPr/>
-                    <a:lstStyle/>
-                    <a:p>
-                      <a:pPr algn="ctr" fontAlgn="ctr"/>
-                      <a:r>
-                        <a:rPr lang="en-US" sz="1100" u="none" strike="noStrike" dirty="0">
-                          <a:effectLst/>
-                        </a:rPr>
-                        <a:t>X1</a:t>
-                      </a:r>
-                      <a:endParaRPr lang="en-US" sz="1100" b="1" i="0" u="none" strike="noStrike" dirty="0">
-                        <a:solidFill>
-                          <a:srgbClr val="000000"/>
-                        </a:solidFill>
-                        <a:effectLst/>
-                        <a:latin typeface="Calibri" panose="020F0502020204030204" pitchFamily="34" charset="0"/>
-                      </a:endParaRPr>
-                    </a:p>
-                  </a:txBody>
-                  <a:tcPr marL="7620" marR="7620" marT="7620" marB="0" anchor="ctr"/>
-                </a:tc>
-                <a:tc>
-                  <a:txBody>
-                    <a:bodyPr/>
-                    <a:lstStyle/>
-                    <a:p>
-                      <a:pPr algn="ctr" fontAlgn="ctr"/>
-                      <a:r>
-                        <a:rPr lang="en-US" sz="1100" u="none" strike="noStrike">
-                          <a:effectLst/>
-                        </a:rPr>
-                        <a:t>X2</a:t>
-                      </a:r>
-                      <a:endParaRPr lang="en-US" sz="1100" b="1" i="0" u="none" strike="noStrike">
-                        <a:solidFill>
-                          <a:srgbClr val="000000"/>
-                        </a:solidFill>
-                        <a:effectLst/>
-                        <a:latin typeface="Calibri" panose="020F0502020204030204" pitchFamily="34" charset="0"/>
-                      </a:endParaRPr>
-                    </a:p>
-                  </a:txBody>
-                  <a:tcPr marL="7620" marR="7620" marT="7620" marB="0" anchor="ctr"/>
-                </a:tc>
-                <a:tc>
-                  <a:txBody>
-                    <a:bodyPr/>
-                    <a:lstStyle/>
-                    <a:p>
-                      <a:pPr algn="ctr" fontAlgn="ctr"/>
-                      <a:r>
-                        <a:rPr lang="en-US" sz="1100" u="none" strike="noStrike" dirty="0">
-                          <a:effectLst/>
-                        </a:rPr>
-                        <a:t>X3</a:t>
-                      </a:r>
-                      <a:endParaRPr lang="en-US" sz="1100" b="1" i="0" u="none" strike="noStrike" dirty="0">
-                        <a:solidFill>
-                          <a:srgbClr val="000000"/>
-                        </a:solidFill>
-                        <a:effectLst/>
-                        <a:latin typeface="Calibri" panose="020F0502020204030204" pitchFamily="34" charset="0"/>
-                      </a:endParaRPr>
-                    </a:p>
-                  </a:txBody>
-                  <a:tcPr marL="7620" marR="7620" marT="7620" marB="0" anchor="ctr"/>
-                </a:tc>
-                <a:tc>
-                  <a:txBody>
-                    <a:bodyPr/>
-                    <a:lstStyle/>
-                    <a:p>
-                      <a:pPr algn="ctr" fontAlgn="ctr"/>
-                      <a:r>
-                        <a:rPr lang="en-US" sz="1100" u="none" strike="noStrike">
-                          <a:effectLst/>
-                        </a:rPr>
-                        <a:t>Y</a:t>
-                      </a:r>
-                      <a:endParaRPr lang="en-US" sz="1100" b="1" i="0" u="none" strike="noStrike">
-                        <a:solidFill>
-                          <a:srgbClr val="000000"/>
-                        </a:solidFill>
-                        <a:effectLst/>
-                        <a:latin typeface="Calibri" panose="020F0502020204030204" pitchFamily="34" charset="0"/>
-                      </a:endParaRPr>
-                    </a:p>
-                  </a:txBody>
-                  <a:tcPr marL="7620" marR="7620" marT="7620" marB="0" anchor="ctr"/>
-                </a:tc>
-              </a:tr>
-              <a:tr h="279198">
-                <a:tc>
-                  <a:txBody>
-                    <a:bodyPr/>
-                    <a:lstStyle/>
-                    <a:p>
-                      <a:pPr algn="r" fontAlgn="ctr"/>
-                      <a:r>
-                        <a:rPr lang="en-US" sz="1100" u="none" strike="noStrike">
-                          <a:effectLst/>
-                        </a:rPr>
-                        <a:t>1</a:t>
-                      </a:r>
-                      <a:endParaRPr lang="en-US" sz="1100" b="0" i="0" u="none" strike="noStrike">
-                        <a:solidFill>
-                          <a:srgbClr val="000000"/>
-                        </a:solidFill>
-                        <a:effectLst/>
-                        <a:latin typeface="Calibri" panose="020F0502020204030204" pitchFamily="34" charset="0"/>
-                      </a:endParaRPr>
-                    </a:p>
-                  </a:txBody>
-                  <a:tcPr marL="7620" marR="7620" marT="7620" marB="0" anchor="ctr"/>
-                </a:tc>
-                <a:tc>
-                  <a:txBody>
-                    <a:bodyPr/>
-                    <a:lstStyle/>
-                    <a:p>
-                      <a:pPr algn="r" fontAlgn="ctr"/>
-                      <a:r>
-                        <a:rPr lang="en-US" sz="1100" u="none" strike="noStrike" dirty="0">
-                          <a:effectLst/>
-                        </a:rPr>
-                        <a:t>2</a:t>
-                      </a:r>
-                      <a:endParaRPr lang="en-US" sz="1100" b="0" i="0" u="none" strike="noStrike" dirty="0">
-                        <a:solidFill>
-                          <a:srgbClr val="000000"/>
-                        </a:solidFill>
-                        <a:effectLst/>
-                        <a:latin typeface="Calibri" panose="020F0502020204030204" pitchFamily="34" charset="0"/>
-                      </a:endParaRPr>
-                    </a:p>
-                  </a:txBody>
-                  <a:tcPr marL="7620" marR="7620" marT="7620" marB="0" anchor="ctr"/>
-                </a:tc>
-                <a:tc>
-                  <a:txBody>
-                    <a:bodyPr/>
-                    <a:lstStyle/>
-                    <a:p>
-                      <a:pPr algn="r" fontAlgn="ctr"/>
-                      <a:r>
-                        <a:rPr lang="en-US" sz="1100" u="none" strike="noStrike">
-                          <a:effectLst/>
-                        </a:rPr>
-                        <a:t>2</a:t>
-                      </a:r>
-                      <a:endParaRPr lang="en-US" sz="1100" b="0" i="0" u="none" strike="noStrike">
-                        <a:solidFill>
-                          <a:srgbClr val="000000"/>
-                        </a:solidFill>
-                        <a:effectLst/>
-                        <a:latin typeface="Calibri" panose="020F0502020204030204" pitchFamily="34" charset="0"/>
-                      </a:endParaRPr>
-                    </a:p>
-                  </a:txBody>
-                  <a:tcPr marL="7620" marR="7620" marT="7620" marB="0" anchor="ctr"/>
-                </a:tc>
-                <a:tc>
-                  <a:txBody>
-                    <a:bodyPr/>
-                    <a:lstStyle/>
-                    <a:p>
-                      <a:pPr algn="r" fontAlgn="ctr"/>
-                      <a:r>
-                        <a:rPr lang="en-US" sz="1100" u="none" strike="noStrike">
-                          <a:effectLst/>
-                        </a:rPr>
-                        <a:t>9</a:t>
-                      </a:r>
-                      <a:endParaRPr lang="en-US" sz="1100" b="0" i="0" u="none" strike="noStrike">
-                        <a:solidFill>
-                          <a:srgbClr val="000000"/>
-                        </a:solidFill>
-                        <a:effectLst/>
-                        <a:latin typeface="Calibri" panose="020F0502020204030204" pitchFamily="34" charset="0"/>
-                      </a:endParaRPr>
-                    </a:p>
-                  </a:txBody>
-                  <a:tcPr marL="7620" marR="7620" marT="7620" marB="0" anchor="ctr"/>
-                </a:tc>
-              </a:tr>
-              <a:tr h="279198">
-                <a:tc>
-                  <a:txBody>
-                    <a:bodyPr/>
-                    <a:lstStyle/>
-                    <a:p>
-                      <a:pPr algn="r" fontAlgn="ctr"/>
-                      <a:r>
-                        <a:rPr lang="en-US" sz="1100" u="none" strike="noStrike">
-                          <a:effectLst/>
-                        </a:rPr>
-                        <a:t>4</a:t>
-                      </a:r>
-                      <a:endParaRPr lang="en-US" sz="1100" b="0" i="0" u="none" strike="noStrike">
-                        <a:solidFill>
-                          <a:srgbClr val="000000"/>
-                        </a:solidFill>
-                        <a:effectLst/>
-                        <a:latin typeface="Calibri" panose="020F0502020204030204" pitchFamily="34" charset="0"/>
-                      </a:endParaRPr>
-                    </a:p>
-                  </a:txBody>
-                  <a:tcPr marL="7620" marR="7620" marT="7620" marB="0" anchor="ctr"/>
-                </a:tc>
-                <a:tc>
-                  <a:txBody>
-                    <a:bodyPr/>
-                    <a:lstStyle/>
-                    <a:p>
-                      <a:pPr algn="r" fontAlgn="ctr"/>
-                      <a:r>
-                        <a:rPr lang="en-US" sz="1100" u="none" strike="noStrike">
-                          <a:effectLst/>
-                        </a:rPr>
-                        <a:t>3</a:t>
-                      </a:r>
-                      <a:endParaRPr lang="en-US" sz="1100" b="0" i="0" u="none" strike="noStrike">
-                        <a:solidFill>
-                          <a:srgbClr val="000000"/>
-                        </a:solidFill>
-                        <a:effectLst/>
-                        <a:latin typeface="Calibri" panose="020F0502020204030204" pitchFamily="34" charset="0"/>
-                      </a:endParaRPr>
-                    </a:p>
-                  </a:txBody>
-                  <a:tcPr marL="7620" marR="7620" marT="7620" marB="0" anchor="ctr"/>
-                </a:tc>
-                <a:tc>
-                  <a:txBody>
-                    <a:bodyPr/>
-                    <a:lstStyle/>
-                    <a:p>
-                      <a:pPr algn="r" fontAlgn="ctr"/>
-                      <a:r>
-                        <a:rPr lang="en-US" sz="1100" u="none" strike="noStrike">
-                          <a:effectLst/>
-                        </a:rPr>
-                        <a:t>3</a:t>
-                      </a:r>
-                      <a:endParaRPr lang="en-US" sz="1100" b="0" i="0" u="none" strike="noStrike">
-                        <a:solidFill>
-                          <a:srgbClr val="000000"/>
-                        </a:solidFill>
-                        <a:effectLst/>
-                        <a:latin typeface="Calibri" panose="020F0502020204030204" pitchFamily="34" charset="0"/>
-                      </a:endParaRPr>
-                    </a:p>
-                  </a:txBody>
-                  <a:tcPr marL="7620" marR="7620" marT="7620" marB="0" anchor="ctr"/>
-                </a:tc>
-                <a:tc>
-                  <a:txBody>
-                    <a:bodyPr/>
-                    <a:lstStyle/>
-                    <a:p>
-                      <a:pPr algn="l" fontAlgn="ctr"/>
-                      <a:r>
-                        <a:rPr lang="en-US" sz="1100" u="none" strike="noStrike">
-                          <a:effectLst/>
-                        </a:rPr>
-                        <a:t> </a:t>
-                      </a:r>
-                      <a:endParaRPr lang="en-US" sz="1100" b="0" i="0" u="none" strike="noStrike">
-                        <a:solidFill>
-                          <a:srgbClr val="000000"/>
-                        </a:solidFill>
-                        <a:effectLst/>
-                        <a:latin typeface="Calibri" panose="020F0502020204030204" pitchFamily="34" charset="0"/>
-                      </a:endParaRPr>
-                    </a:p>
-                  </a:txBody>
-                  <a:tcPr marL="7620" marR="7620" marT="7620" marB="0" anchor="ctr"/>
-                </a:tc>
-              </a:tr>
-              <a:tr h="279198">
-                <a:tc>
-                  <a:txBody>
-                    <a:bodyPr/>
-                    <a:lstStyle/>
-                    <a:p>
-                      <a:pPr algn="r" fontAlgn="ctr"/>
-                      <a:r>
-                        <a:rPr lang="en-US" sz="1100" u="none" strike="noStrike">
-                          <a:effectLst/>
-                        </a:rPr>
-                        <a:t>1</a:t>
-                      </a:r>
-                      <a:endParaRPr lang="en-US" sz="1100" b="0" i="0" u="none" strike="noStrike">
-                        <a:solidFill>
-                          <a:srgbClr val="000000"/>
-                        </a:solidFill>
-                        <a:effectLst/>
-                        <a:latin typeface="Calibri" panose="020F0502020204030204" pitchFamily="34" charset="0"/>
-                      </a:endParaRPr>
-                    </a:p>
-                  </a:txBody>
-                  <a:tcPr marL="7620" marR="7620" marT="7620" marB="0" anchor="ctr"/>
-                </a:tc>
-                <a:tc>
-                  <a:txBody>
-                    <a:bodyPr/>
-                    <a:lstStyle/>
-                    <a:p>
-                      <a:pPr algn="r" fontAlgn="ctr"/>
-                      <a:r>
-                        <a:rPr lang="en-US" sz="1100" u="none" strike="noStrike">
-                          <a:effectLst/>
-                        </a:rPr>
-                        <a:t>8</a:t>
-                      </a:r>
-                      <a:endParaRPr lang="en-US" sz="1100" b="0" i="0" u="none" strike="noStrike">
-                        <a:solidFill>
-                          <a:srgbClr val="000000"/>
-                        </a:solidFill>
-                        <a:effectLst/>
-                        <a:latin typeface="Calibri" panose="020F0502020204030204" pitchFamily="34" charset="0"/>
-                      </a:endParaRPr>
-                    </a:p>
-                  </a:txBody>
-                  <a:tcPr marL="7620" marR="7620" marT="7620" marB="0" anchor="ctr"/>
-                </a:tc>
-                <a:tc>
-                  <a:txBody>
-                    <a:bodyPr/>
-                    <a:lstStyle/>
-                    <a:p>
-                      <a:pPr algn="r" fontAlgn="ctr"/>
-                      <a:r>
-                        <a:rPr lang="en-US" sz="1100" u="none" strike="noStrike">
-                          <a:effectLst/>
-                        </a:rPr>
-                        <a:t>2</a:t>
-                      </a:r>
-                      <a:endParaRPr lang="en-US" sz="1100" b="0" i="0" u="none" strike="noStrike">
-                        <a:solidFill>
-                          <a:srgbClr val="000000"/>
-                        </a:solidFill>
-                        <a:effectLst/>
-                        <a:latin typeface="Calibri" panose="020F0502020204030204" pitchFamily="34" charset="0"/>
-                      </a:endParaRPr>
-                    </a:p>
-                  </a:txBody>
-                  <a:tcPr marL="7620" marR="7620" marT="7620" marB="0" anchor="ctr"/>
-                </a:tc>
-                <a:tc>
-                  <a:txBody>
-                    <a:bodyPr/>
-                    <a:lstStyle/>
-                    <a:p>
-                      <a:pPr algn="l" fontAlgn="ctr"/>
-                      <a:r>
-                        <a:rPr lang="en-US" sz="1100" u="none" strike="noStrike">
-                          <a:effectLst/>
-                        </a:rPr>
-                        <a:t> </a:t>
-                      </a:r>
-                      <a:endParaRPr lang="en-US" sz="1100" b="0" i="0" u="none" strike="noStrike">
-                        <a:solidFill>
-                          <a:srgbClr val="000000"/>
-                        </a:solidFill>
-                        <a:effectLst/>
-                        <a:latin typeface="Calibri" panose="020F0502020204030204" pitchFamily="34" charset="0"/>
-                      </a:endParaRPr>
-                    </a:p>
-                  </a:txBody>
-                  <a:tcPr marL="7620" marR="7620" marT="7620" marB="0" anchor="ctr"/>
-                </a:tc>
-              </a:tr>
-              <a:tr h="279198">
-                <a:tc>
-                  <a:txBody>
-                    <a:bodyPr/>
-                    <a:lstStyle/>
-                    <a:p>
-                      <a:pPr algn="r" fontAlgn="ctr"/>
-                      <a:r>
-                        <a:rPr lang="en-US" sz="1100" u="none" strike="noStrike">
-                          <a:effectLst/>
-                        </a:rPr>
-                        <a:t>8</a:t>
-                      </a:r>
-                      <a:endParaRPr lang="en-US" sz="1100" b="0" i="0" u="none" strike="noStrike">
-                        <a:solidFill>
-                          <a:srgbClr val="000000"/>
-                        </a:solidFill>
-                        <a:effectLst/>
-                        <a:latin typeface="Calibri" panose="020F0502020204030204" pitchFamily="34" charset="0"/>
-                      </a:endParaRPr>
-                    </a:p>
-                  </a:txBody>
-                  <a:tcPr marL="7620" marR="7620" marT="7620" marB="0" anchor="ctr"/>
-                </a:tc>
-                <a:tc>
-                  <a:txBody>
-                    <a:bodyPr/>
-                    <a:lstStyle/>
-                    <a:p>
-                      <a:pPr algn="r" fontAlgn="ctr"/>
-                      <a:r>
-                        <a:rPr lang="en-US" sz="1100" u="none" strike="noStrike">
-                          <a:effectLst/>
-                        </a:rPr>
-                        <a:t>9</a:t>
-                      </a:r>
-                      <a:endParaRPr lang="en-US" sz="1100" b="0" i="0" u="none" strike="noStrike">
-                        <a:solidFill>
-                          <a:srgbClr val="000000"/>
-                        </a:solidFill>
-                        <a:effectLst/>
-                        <a:latin typeface="Calibri" panose="020F0502020204030204" pitchFamily="34" charset="0"/>
-                      </a:endParaRPr>
-                    </a:p>
-                  </a:txBody>
-                  <a:tcPr marL="7620" marR="7620" marT="7620" marB="0" anchor="ctr"/>
-                </a:tc>
-                <a:tc>
-                  <a:txBody>
-                    <a:bodyPr/>
-                    <a:lstStyle/>
-                    <a:p>
-                      <a:pPr algn="r" fontAlgn="ctr"/>
-                      <a:r>
-                        <a:rPr lang="en-US" sz="1100" u="none" strike="noStrike">
-                          <a:effectLst/>
-                        </a:rPr>
-                        <a:t>2</a:t>
-                      </a:r>
-                      <a:endParaRPr lang="en-US" sz="1100" b="0" i="0" u="none" strike="noStrike">
-                        <a:solidFill>
-                          <a:srgbClr val="000000"/>
-                        </a:solidFill>
-                        <a:effectLst/>
-                        <a:latin typeface="Calibri" panose="020F0502020204030204" pitchFamily="34" charset="0"/>
-                      </a:endParaRPr>
-                    </a:p>
-                  </a:txBody>
-                  <a:tcPr marL="7620" marR="7620" marT="7620" marB="0" anchor="ctr"/>
-                </a:tc>
-                <a:tc>
-                  <a:txBody>
-                    <a:bodyPr/>
-                    <a:lstStyle/>
-                    <a:p>
-                      <a:pPr algn="l" fontAlgn="ctr"/>
-                      <a:r>
-                        <a:rPr lang="en-US" sz="1100" u="none" strike="noStrike">
-                          <a:effectLst/>
-                        </a:rPr>
-                        <a:t> </a:t>
-                      </a:r>
-                      <a:endParaRPr lang="en-US" sz="1100" b="0" i="0" u="none" strike="noStrike">
-                        <a:solidFill>
-                          <a:srgbClr val="000000"/>
-                        </a:solidFill>
-                        <a:effectLst/>
-                        <a:latin typeface="Calibri" panose="020F0502020204030204" pitchFamily="34" charset="0"/>
-                      </a:endParaRPr>
-                    </a:p>
-                  </a:txBody>
-                  <a:tcPr marL="7620" marR="7620" marT="7620" marB="0" anchor="ctr"/>
-                </a:tc>
-              </a:tr>
-              <a:tr h="279198">
-                <a:tc>
-                  <a:txBody>
-                    <a:bodyPr/>
-                    <a:lstStyle/>
-                    <a:p>
-                      <a:pPr algn="r" fontAlgn="ctr"/>
-                      <a:r>
-                        <a:rPr lang="en-US" sz="1100" u="none" strike="noStrike">
-                          <a:effectLst/>
-                        </a:rPr>
-                        <a:t>2</a:t>
-                      </a:r>
-                      <a:endParaRPr lang="en-US" sz="1100" b="0" i="0" u="none" strike="noStrike">
-                        <a:solidFill>
-                          <a:srgbClr val="000000"/>
-                        </a:solidFill>
-                        <a:effectLst/>
-                        <a:latin typeface="Calibri" panose="020F0502020204030204" pitchFamily="34" charset="0"/>
-                      </a:endParaRPr>
-                    </a:p>
-                  </a:txBody>
-                  <a:tcPr marL="7620" marR="7620" marT="7620" marB="0" anchor="ctr"/>
-                </a:tc>
-                <a:tc>
-                  <a:txBody>
-                    <a:bodyPr/>
-                    <a:lstStyle/>
-                    <a:p>
-                      <a:pPr algn="r" fontAlgn="ctr"/>
-                      <a:r>
-                        <a:rPr lang="en-US" sz="1100" u="none" strike="noStrike">
-                          <a:effectLst/>
-                        </a:rPr>
-                        <a:t>2</a:t>
-                      </a:r>
-                      <a:endParaRPr lang="en-US" sz="1100" b="0" i="0" u="none" strike="noStrike">
-                        <a:solidFill>
-                          <a:srgbClr val="000000"/>
-                        </a:solidFill>
-                        <a:effectLst/>
-                        <a:latin typeface="Calibri" panose="020F0502020204030204" pitchFamily="34" charset="0"/>
-                      </a:endParaRPr>
-                    </a:p>
-                  </a:txBody>
-                  <a:tcPr marL="7620" marR="7620" marT="7620" marB="0" anchor="ctr"/>
-                </a:tc>
-                <a:tc>
-                  <a:txBody>
-                    <a:bodyPr/>
-                    <a:lstStyle/>
-                    <a:p>
-                      <a:pPr algn="r" fontAlgn="ctr"/>
-                      <a:r>
-                        <a:rPr lang="en-US" sz="1100" u="none" strike="noStrike">
-                          <a:effectLst/>
-                        </a:rPr>
-                        <a:t>2</a:t>
-                      </a:r>
-                      <a:endParaRPr lang="en-US" sz="1100" b="0" i="0" u="none" strike="noStrike">
-                        <a:solidFill>
-                          <a:srgbClr val="000000"/>
-                        </a:solidFill>
-                        <a:effectLst/>
-                        <a:latin typeface="Calibri" panose="020F0502020204030204" pitchFamily="34" charset="0"/>
-                      </a:endParaRPr>
-                    </a:p>
-                  </a:txBody>
-                  <a:tcPr marL="7620" marR="7620" marT="7620" marB="0" anchor="ctr"/>
-                </a:tc>
-                <a:tc>
-                  <a:txBody>
-                    <a:bodyPr/>
-                    <a:lstStyle/>
-                    <a:p>
-                      <a:pPr algn="l" fontAlgn="ctr"/>
-                      <a:r>
-                        <a:rPr lang="en-US" sz="1100" u="none" strike="noStrike" dirty="0">
-                          <a:effectLst/>
-                        </a:rPr>
-                        <a:t> </a:t>
-                      </a:r>
-                      <a:endParaRPr lang="en-US" sz="1100" b="0" i="0" u="none" strike="noStrike" dirty="0">
-                        <a:solidFill>
-                          <a:srgbClr val="000000"/>
-                        </a:solidFill>
-                        <a:effectLst/>
-                        <a:latin typeface="Calibri" panose="020F0502020204030204" pitchFamily="34" charset="0"/>
-                      </a:endParaRPr>
-                    </a:p>
-                  </a:txBody>
-                  <a:tcPr marL="7620" marR="7620" marT="7620" marB="0" anchor="ctr"/>
-                </a:tc>
-              </a:tr>
-            </a:tbl>
-          </a:graphicData>
-        </a:graphic>
-      </p:graphicFrame>
-      <p:graphicFrame>
-        <p:nvGraphicFramePr>
-          <p:cNvPr id="7" name="Table 6"/>
-          <p:cNvGraphicFramePr>
-            <a:graphicFrameLocks noGrp="1"/>
-          </p:cNvGraphicFramePr>
-          <p:nvPr>
-            <p:extLst>
-              <p:ext uri="{D42A27DB-BD31-4B8C-83A1-F6EECF244321}">
-                <p14:modId xmlns:p14="http://schemas.microsoft.com/office/powerpoint/2010/main" val="1757144472"/>
-              </p:ext>
-            </p:extLst>
-          </p:nvPr>
-        </p:nvGraphicFramePr>
-        <p:xfrm>
-          <a:off x="6126480" y="3340924"/>
-          <a:ext cx="2868884" cy="1678199"/>
-        </p:xfrm>
-        <a:graphic>
-          <a:graphicData uri="http://schemas.openxmlformats.org/drawingml/2006/table">
-            <a:tbl>
-              <a:tblPr>
-                <a:tableStyleId>{5C22544A-7EE6-4342-B048-85BDC9FD1C3A}</a:tableStyleId>
-              </a:tblPr>
-              <a:tblGrid>
-                <a:gridCol w="760809"/>
-                <a:gridCol w="760809"/>
-                <a:gridCol w="760809"/>
-                <a:gridCol w="586457"/>
-              </a:tblGrid>
-              <a:tr h="289344">
-                <a:tc>
-                  <a:txBody>
-                    <a:bodyPr/>
-                    <a:lstStyle/>
-                    <a:p>
-                      <a:pPr algn="ctr" fontAlgn="ctr"/>
-                      <a:r>
-                        <a:rPr lang="en-US" sz="1100" u="none" strike="noStrike" dirty="0">
-                          <a:effectLst/>
-                        </a:rPr>
-                        <a:t>X1</a:t>
-                      </a:r>
-                      <a:endParaRPr lang="en-US" sz="1100" b="1" i="0" u="none" strike="noStrike" dirty="0">
-                        <a:solidFill>
-                          <a:srgbClr val="000000"/>
-                        </a:solidFill>
-                        <a:effectLst/>
-                        <a:latin typeface="Calibri" panose="020F0502020204030204" pitchFamily="34" charset="0"/>
-                      </a:endParaRPr>
-                    </a:p>
-                  </a:txBody>
-                  <a:tcPr marL="7620" marR="7620" marT="7620" marB="0" anchor="ctr"/>
-                </a:tc>
-                <a:tc>
-                  <a:txBody>
-                    <a:bodyPr/>
-                    <a:lstStyle/>
-                    <a:p>
-                      <a:pPr algn="ctr" fontAlgn="ctr"/>
-                      <a:r>
-                        <a:rPr lang="en-US" sz="1100" u="none" strike="noStrike">
-                          <a:effectLst/>
-                        </a:rPr>
-                        <a:t>X2</a:t>
-                      </a:r>
-                      <a:endParaRPr lang="en-US" sz="1100" b="1" i="0" u="none" strike="noStrike">
-                        <a:solidFill>
-                          <a:srgbClr val="000000"/>
-                        </a:solidFill>
-                        <a:effectLst/>
-                        <a:latin typeface="Calibri" panose="020F0502020204030204" pitchFamily="34" charset="0"/>
-                      </a:endParaRPr>
-                    </a:p>
-                  </a:txBody>
-                  <a:tcPr marL="7620" marR="7620" marT="7620" marB="0" anchor="ctr"/>
-                </a:tc>
-                <a:tc>
-                  <a:txBody>
-                    <a:bodyPr/>
-                    <a:lstStyle/>
-                    <a:p>
-                      <a:pPr algn="ctr" fontAlgn="ctr"/>
-                      <a:r>
-                        <a:rPr lang="en-US" sz="1100" u="none" strike="noStrike" dirty="0">
-                          <a:effectLst/>
-                        </a:rPr>
-                        <a:t>X3</a:t>
-                      </a:r>
-                      <a:endParaRPr lang="en-US" sz="1100" b="1" i="0" u="none" strike="noStrike" dirty="0">
-                        <a:solidFill>
-                          <a:srgbClr val="000000"/>
-                        </a:solidFill>
-                        <a:effectLst/>
-                        <a:latin typeface="Calibri" panose="020F0502020204030204" pitchFamily="34" charset="0"/>
-                      </a:endParaRPr>
-                    </a:p>
-                  </a:txBody>
-                  <a:tcPr marL="7620" marR="7620" marT="7620" marB="0" anchor="ctr"/>
-                </a:tc>
-                <a:tc>
-                  <a:txBody>
-                    <a:bodyPr/>
-                    <a:lstStyle/>
-                    <a:p>
-                      <a:pPr algn="ctr" fontAlgn="ctr"/>
-                      <a:r>
-                        <a:rPr lang="en-US" sz="1100" u="none" strike="noStrike">
-                          <a:effectLst/>
-                        </a:rPr>
-                        <a:t>Y</a:t>
-                      </a:r>
-                      <a:endParaRPr lang="en-US" sz="1100" b="1" i="0" u="none" strike="noStrike">
-                        <a:solidFill>
-                          <a:srgbClr val="000000"/>
-                        </a:solidFill>
-                        <a:effectLst/>
-                        <a:latin typeface="Calibri" panose="020F0502020204030204" pitchFamily="34" charset="0"/>
-                      </a:endParaRPr>
-                    </a:p>
-                  </a:txBody>
-                  <a:tcPr marL="7620" marR="7620" marT="7620" marB="0" anchor="ctr"/>
-                </a:tc>
-              </a:tr>
-              <a:tr h="277771">
-                <a:tc>
-                  <a:txBody>
-                    <a:bodyPr/>
-                    <a:lstStyle/>
-                    <a:p>
-                      <a:pPr algn="r" fontAlgn="ctr"/>
-                      <a:r>
-                        <a:rPr lang="en-US" sz="1100" u="none" strike="noStrike">
-                          <a:effectLst/>
-                        </a:rPr>
-                        <a:t>1</a:t>
-                      </a:r>
-                      <a:endParaRPr lang="en-US" sz="1100" b="0" i="0" u="none" strike="noStrike">
-                        <a:solidFill>
-                          <a:srgbClr val="000000"/>
-                        </a:solidFill>
-                        <a:effectLst/>
-                        <a:latin typeface="Calibri" panose="020F0502020204030204" pitchFamily="34" charset="0"/>
-                      </a:endParaRPr>
-                    </a:p>
-                  </a:txBody>
-                  <a:tcPr marL="7620" marR="7620" marT="7620" marB="0" anchor="ctr"/>
-                </a:tc>
-                <a:tc>
-                  <a:txBody>
-                    <a:bodyPr/>
-                    <a:lstStyle/>
-                    <a:p>
-                      <a:pPr algn="r" fontAlgn="ctr"/>
-                      <a:r>
-                        <a:rPr lang="en-US" sz="1100" u="none" strike="noStrike">
-                          <a:effectLst/>
-                        </a:rPr>
-                        <a:t>2</a:t>
-                      </a:r>
-                      <a:endParaRPr lang="en-US" sz="1100" b="0" i="0" u="none" strike="noStrike">
-                        <a:solidFill>
-                          <a:srgbClr val="000000"/>
-                        </a:solidFill>
-                        <a:effectLst/>
-                        <a:latin typeface="Calibri" panose="020F0502020204030204" pitchFamily="34" charset="0"/>
-                      </a:endParaRPr>
-                    </a:p>
-                  </a:txBody>
-                  <a:tcPr marL="7620" marR="7620" marT="7620" marB="0" anchor="ctr"/>
-                </a:tc>
-                <a:tc>
-                  <a:txBody>
-                    <a:bodyPr/>
-                    <a:lstStyle/>
-                    <a:p>
-                      <a:pPr algn="r" fontAlgn="ctr"/>
-                      <a:r>
-                        <a:rPr lang="en-US" sz="1100" u="none" strike="noStrike">
-                          <a:effectLst/>
-                        </a:rPr>
-                        <a:t>2</a:t>
-                      </a:r>
-                      <a:endParaRPr lang="en-US" sz="1100" b="0" i="0" u="none" strike="noStrike">
-                        <a:solidFill>
-                          <a:srgbClr val="000000"/>
-                        </a:solidFill>
-                        <a:effectLst/>
-                        <a:latin typeface="Calibri" panose="020F0502020204030204" pitchFamily="34" charset="0"/>
-                      </a:endParaRPr>
-                    </a:p>
-                  </a:txBody>
-                  <a:tcPr marL="7620" marR="7620" marT="7620" marB="0" anchor="ctr"/>
-                </a:tc>
-                <a:tc>
-                  <a:txBody>
-                    <a:bodyPr/>
-                    <a:lstStyle/>
-                    <a:p>
-                      <a:pPr algn="r" fontAlgn="ctr"/>
-                      <a:r>
-                        <a:rPr lang="en-US" sz="1100" u="none" strike="noStrike">
-                          <a:effectLst/>
-                        </a:rPr>
-                        <a:t>9</a:t>
-                      </a:r>
-                      <a:endParaRPr lang="en-US" sz="1100" b="0" i="0" u="none" strike="noStrike">
-                        <a:solidFill>
-                          <a:srgbClr val="000000"/>
-                        </a:solidFill>
-                        <a:effectLst/>
-                        <a:latin typeface="Calibri" panose="020F0502020204030204" pitchFamily="34" charset="0"/>
-                      </a:endParaRPr>
-                    </a:p>
-                  </a:txBody>
-                  <a:tcPr marL="7620" marR="7620" marT="7620" marB="0" anchor="ctr"/>
-                </a:tc>
-              </a:tr>
-              <a:tr h="277771">
-                <a:tc>
-                  <a:txBody>
-                    <a:bodyPr/>
-                    <a:lstStyle/>
-                    <a:p>
-                      <a:pPr algn="r" fontAlgn="ctr"/>
-                      <a:r>
-                        <a:rPr lang="en-US" sz="1100" u="none" strike="noStrike">
-                          <a:effectLst/>
-                        </a:rPr>
-                        <a:t>4</a:t>
-                      </a:r>
-                      <a:endParaRPr lang="en-US" sz="1100" b="0" i="0" u="none" strike="noStrike">
-                        <a:solidFill>
-                          <a:srgbClr val="000000"/>
-                        </a:solidFill>
-                        <a:effectLst/>
-                        <a:latin typeface="Calibri" panose="020F0502020204030204" pitchFamily="34" charset="0"/>
-                      </a:endParaRPr>
-                    </a:p>
-                  </a:txBody>
-                  <a:tcPr marL="7620" marR="7620" marT="7620" marB="0" anchor="ctr"/>
-                </a:tc>
-                <a:tc>
-                  <a:txBody>
-                    <a:bodyPr/>
-                    <a:lstStyle/>
-                    <a:p>
-                      <a:pPr algn="r" fontAlgn="ctr"/>
-                      <a:r>
-                        <a:rPr lang="en-US" sz="1100" u="none" strike="noStrike">
-                          <a:effectLst/>
-                        </a:rPr>
-                        <a:t>3</a:t>
-                      </a:r>
-                      <a:endParaRPr lang="en-US" sz="1100" b="0" i="0" u="none" strike="noStrike">
-                        <a:solidFill>
-                          <a:srgbClr val="000000"/>
-                        </a:solidFill>
-                        <a:effectLst/>
-                        <a:latin typeface="Calibri" panose="020F0502020204030204" pitchFamily="34" charset="0"/>
-                      </a:endParaRPr>
-                    </a:p>
-                  </a:txBody>
-                  <a:tcPr marL="7620" marR="7620" marT="7620" marB="0" anchor="ctr"/>
-                </a:tc>
-                <a:tc>
-                  <a:txBody>
-                    <a:bodyPr/>
-                    <a:lstStyle/>
-                    <a:p>
-                      <a:pPr algn="r" fontAlgn="ctr"/>
-                      <a:r>
-                        <a:rPr lang="en-US" sz="1100" u="none" strike="noStrike">
-                          <a:effectLst/>
-                        </a:rPr>
-                        <a:t>3</a:t>
-                      </a:r>
-                      <a:endParaRPr lang="en-US" sz="1100" b="0" i="0" u="none" strike="noStrike">
-                        <a:solidFill>
-                          <a:srgbClr val="000000"/>
-                        </a:solidFill>
-                        <a:effectLst/>
-                        <a:latin typeface="Calibri" panose="020F0502020204030204" pitchFamily="34" charset="0"/>
-                      </a:endParaRPr>
-                    </a:p>
-                  </a:txBody>
-                  <a:tcPr marL="7620" marR="7620" marT="7620" marB="0" anchor="ctr"/>
-                </a:tc>
-                <a:tc>
-                  <a:txBody>
-                    <a:bodyPr/>
-                    <a:lstStyle/>
-                    <a:p>
-                      <a:pPr algn="r" fontAlgn="ctr"/>
-                      <a:r>
-                        <a:rPr lang="en-US" sz="1100" u="none" strike="noStrike">
-                          <a:effectLst/>
-                        </a:rPr>
-                        <a:t>343</a:t>
-                      </a:r>
-                      <a:endParaRPr lang="en-US" sz="1100" b="0" i="0" u="none" strike="noStrike">
-                        <a:solidFill>
-                          <a:srgbClr val="000000"/>
-                        </a:solidFill>
-                        <a:effectLst/>
-                        <a:latin typeface="Calibri" panose="020F0502020204030204" pitchFamily="34" charset="0"/>
-                      </a:endParaRPr>
-                    </a:p>
-                  </a:txBody>
-                  <a:tcPr marL="7620" marR="7620" marT="7620" marB="0" anchor="ctr"/>
-                </a:tc>
-              </a:tr>
-              <a:tr h="277771">
-                <a:tc>
-                  <a:txBody>
-                    <a:bodyPr/>
-                    <a:lstStyle/>
-                    <a:p>
-                      <a:pPr algn="r" fontAlgn="ctr"/>
-                      <a:r>
-                        <a:rPr lang="en-US" sz="1100" u="none" strike="noStrike">
-                          <a:effectLst/>
-                        </a:rPr>
-                        <a:t>1</a:t>
-                      </a:r>
-                      <a:endParaRPr lang="en-US" sz="1100" b="0" i="0" u="none" strike="noStrike">
-                        <a:solidFill>
-                          <a:srgbClr val="000000"/>
-                        </a:solidFill>
-                        <a:effectLst/>
-                        <a:latin typeface="Calibri" panose="020F0502020204030204" pitchFamily="34" charset="0"/>
-                      </a:endParaRPr>
-                    </a:p>
-                  </a:txBody>
-                  <a:tcPr marL="7620" marR="7620" marT="7620" marB="0" anchor="ctr"/>
-                </a:tc>
-                <a:tc>
-                  <a:txBody>
-                    <a:bodyPr/>
-                    <a:lstStyle/>
-                    <a:p>
-                      <a:pPr algn="r" fontAlgn="ctr"/>
-                      <a:r>
-                        <a:rPr lang="en-US" sz="1100" u="none" strike="noStrike">
-                          <a:effectLst/>
-                        </a:rPr>
-                        <a:t>8</a:t>
-                      </a:r>
-                      <a:endParaRPr lang="en-US" sz="1100" b="0" i="0" u="none" strike="noStrike">
-                        <a:solidFill>
-                          <a:srgbClr val="000000"/>
-                        </a:solidFill>
-                        <a:effectLst/>
-                        <a:latin typeface="Calibri" panose="020F0502020204030204" pitchFamily="34" charset="0"/>
-                      </a:endParaRPr>
-                    </a:p>
-                  </a:txBody>
-                  <a:tcPr marL="7620" marR="7620" marT="7620" marB="0" anchor="ctr"/>
-                </a:tc>
-                <a:tc>
-                  <a:txBody>
-                    <a:bodyPr/>
-                    <a:lstStyle/>
-                    <a:p>
-                      <a:pPr algn="r" fontAlgn="ctr"/>
-                      <a:r>
-                        <a:rPr lang="en-US" sz="1100" u="none" strike="noStrike">
-                          <a:effectLst/>
-                        </a:rPr>
-                        <a:t>2</a:t>
-                      </a:r>
-                      <a:endParaRPr lang="en-US" sz="1100" b="0" i="0" u="none" strike="noStrike">
-                        <a:solidFill>
-                          <a:srgbClr val="000000"/>
-                        </a:solidFill>
-                        <a:effectLst/>
-                        <a:latin typeface="Calibri" panose="020F0502020204030204" pitchFamily="34" charset="0"/>
-                      </a:endParaRPr>
-                    </a:p>
-                  </a:txBody>
-                  <a:tcPr marL="7620" marR="7620" marT="7620" marB="0" anchor="ctr"/>
-                </a:tc>
-                <a:tc>
-                  <a:txBody>
-                    <a:bodyPr/>
-                    <a:lstStyle/>
-                    <a:p>
-                      <a:pPr algn="r" fontAlgn="ctr"/>
-                      <a:r>
-                        <a:rPr lang="en-US" sz="1100" u="none" strike="noStrike">
-                          <a:effectLst/>
-                        </a:rPr>
-                        <a:t>81</a:t>
-                      </a:r>
-                      <a:endParaRPr lang="en-US" sz="1100" b="0" i="0" u="none" strike="noStrike">
-                        <a:solidFill>
-                          <a:srgbClr val="000000"/>
-                        </a:solidFill>
-                        <a:effectLst/>
-                        <a:latin typeface="Calibri" panose="020F0502020204030204" pitchFamily="34" charset="0"/>
-                      </a:endParaRPr>
-                    </a:p>
-                  </a:txBody>
-                  <a:tcPr marL="7620" marR="7620" marT="7620" marB="0" anchor="ctr"/>
-                </a:tc>
-              </a:tr>
-              <a:tr h="277771">
-                <a:tc>
-                  <a:txBody>
-                    <a:bodyPr/>
-                    <a:lstStyle/>
-                    <a:p>
-                      <a:pPr algn="r" fontAlgn="ctr"/>
-                      <a:r>
-                        <a:rPr lang="en-US" sz="1100" u="none" strike="noStrike">
-                          <a:effectLst/>
-                        </a:rPr>
-                        <a:t>8</a:t>
-                      </a:r>
-                      <a:endParaRPr lang="en-US" sz="1100" b="0" i="0" u="none" strike="noStrike">
-                        <a:solidFill>
-                          <a:srgbClr val="000000"/>
-                        </a:solidFill>
-                        <a:effectLst/>
-                        <a:latin typeface="Calibri" panose="020F0502020204030204" pitchFamily="34" charset="0"/>
-                      </a:endParaRPr>
-                    </a:p>
-                  </a:txBody>
-                  <a:tcPr marL="7620" marR="7620" marT="7620" marB="0" anchor="ctr"/>
-                </a:tc>
-                <a:tc>
-                  <a:txBody>
-                    <a:bodyPr/>
-                    <a:lstStyle/>
-                    <a:p>
-                      <a:pPr algn="r" fontAlgn="ctr"/>
-                      <a:r>
-                        <a:rPr lang="en-US" sz="1100" u="none" strike="noStrike">
-                          <a:effectLst/>
-                        </a:rPr>
-                        <a:t>9</a:t>
-                      </a:r>
-                      <a:endParaRPr lang="en-US" sz="1100" b="0" i="0" u="none" strike="noStrike">
-                        <a:solidFill>
-                          <a:srgbClr val="000000"/>
-                        </a:solidFill>
-                        <a:effectLst/>
-                        <a:latin typeface="Calibri" panose="020F0502020204030204" pitchFamily="34" charset="0"/>
-                      </a:endParaRPr>
-                    </a:p>
-                  </a:txBody>
-                  <a:tcPr marL="7620" marR="7620" marT="7620" marB="0" anchor="ctr"/>
-                </a:tc>
-                <a:tc>
-                  <a:txBody>
-                    <a:bodyPr/>
-                    <a:lstStyle/>
-                    <a:p>
-                      <a:pPr algn="r" fontAlgn="ctr"/>
-                      <a:r>
-                        <a:rPr lang="en-US" sz="1100" u="none" strike="noStrike">
-                          <a:effectLst/>
-                        </a:rPr>
-                        <a:t>2</a:t>
-                      </a:r>
-                      <a:endParaRPr lang="en-US" sz="1100" b="0" i="0" u="none" strike="noStrike">
-                        <a:solidFill>
-                          <a:srgbClr val="000000"/>
-                        </a:solidFill>
-                        <a:effectLst/>
-                        <a:latin typeface="Calibri" panose="020F0502020204030204" pitchFamily="34" charset="0"/>
-                      </a:endParaRPr>
-                    </a:p>
-                  </a:txBody>
-                  <a:tcPr marL="7620" marR="7620" marT="7620" marB="0" anchor="ctr"/>
-                </a:tc>
-                <a:tc>
-                  <a:txBody>
-                    <a:bodyPr/>
-                    <a:lstStyle/>
-                    <a:p>
-                      <a:pPr algn="r" fontAlgn="ctr"/>
-                      <a:r>
-                        <a:rPr lang="en-US" sz="1100" u="none" strike="noStrike">
-                          <a:effectLst/>
-                        </a:rPr>
-                        <a:t>289</a:t>
-                      </a:r>
-                      <a:endParaRPr lang="en-US" sz="1100" b="0" i="0" u="none" strike="noStrike">
-                        <a:solidFill>
-                          <a:srgbClr val="000000"/>
-                        </a:solidFill>
-                        <a:effectLst/>
-                        <a:latin typeface="Calibri" panose="020F0502020204030204" pitchFamily="34" charset="0"/>
-                      </a:endParaRPr>
-                    </a:p>
-                  </a:txBody>
-                  <a:tcPr marL="7620" marR="7620" marT="7620" marB="0" anchor="ctr"/>
-                </a:tc>
-              </a:tr>
-              <a:tr h="277771">
-                <a:tc>
-                  <a:txBody>
-                    <a:bodyPr/>
-                    <a:lstStyle/>
-                    <a:p>
-                      <a:pPr algn="r" fontAlgn="ctr"/>
-                      <a:r>
-                        <a:rPr lang="en-US" sz="1100" u="none" strike="noStrike">
-                          <a:effectLst/>
-                        </a:rPr>
-                        <a:t>2</a:t>
-                      </a:r>
-                      <a:endParaRPr lang="en-US" sz="1100" b="0" i="0" u="none" strike="noStrike">
-                        <a:solidFill>
-                          <a:srgbClr val="000000"/>
-                        </a:solidFill>
-                        <a:effectLst/>
-                        <a:latin typeface="Calibri" panose="020F0502020204030204" pitchFamily="34" charset="0"/>
-                      </a:endParaRPr>
-                    </a:p>
-                  </a:txBody>
-                  <a:tcPr marL="7620" marR="7620" marT="7620" marB="0" anchor="ctr"/>
-                </a:tc>
-                <a:tc>
-                  <a:txBody>
-                    <a:bodyPr/>
-                    <a:lstStyle/>
-                    <a:p>
-                      <a:pPr algn="r" fontAlgn="ctr"/>
-                      <a:r>
-                        <a:rPr lang="en-US" sz="1100" u="none" strike="noStrike">
-                          <a:effectLst/>
-                        </a:rPr>
-                        <a:t>2</a:t>
-                      </a:r>
-                      <a:endParaRPr lang="en-US" sz="1100" b="0" i="0" u="none" strike="noStrike">
-                        <a:solidFill>
-                          <a:srgbClr val="000000"/>
-                        </a:solidFill>
-                        <a:effectLst/>
-                        <a:latin typeface="Calibri" panose="020F0502020204030204" pitchFamily="34" charset="0"/>
-                      </a:endParaRPr>
-                    </a:p>
-                  </a:txBody>
-                  <a:tcPr marL="7620" marR="7620" marT="7620" marB="0" anchor="ctr"/>
-                </a:tc>
-                <a:tc>
-                  <a:txBody>
-                    <a:bodyPr/>
-                    <a:lstStyle/>
-                    <a:p>
-                      <a:pPr algn="r" fontAlgn="ctr"/>
-                      <a:r>
-                        <a:rPr lang="en-US" sz="1100" u="none" strike="noStrike">
-                          <a:effectLst/>
-                        </a:rPr>
-                        <a:t>2</a:t>
-                      </a:r>
-                      <a:endParaRPr lang="en-US" sz="1100" b="0" i="0" u="none" strike="noStrike">
-                        <a:solidFill>
-                          <a:srgbClr val="000000"/>
-                        </a:solidFill>
-                        <a:effectLst/>
-                        <a:latin typeface="Calibri" panose="020F0502020204030204" pitchFamily="34" charset="0"/>
-                      </a:endParaRPr>
-                    </a:p>
-                  </a:txBody>
-                  <a:tcPr marL="7620" marR="7620" marT="7620" marB="0" anchor="ctr"/>
-                </a:tc>
-                <a:tc>
-                  <a:txBody>
-                    <a:bodyPr/>
-                    <a:lstStyle/>
-                    <a:p>
-                      <a:pPr algn="r" fontAlgn="ctr"/>
-                      <a:r>
-                        <a:rPr lang="en-US" sz="1100" u="none" strike="noStrike" dirty="0">
-                          <a:effectLst/>
-                        </a:rPr>
-                        <a:t>16</a:t>
-                      </a:r>
-                      <a:endParaRPr lang="en-US" sz="1100" b="0" i="0" u="none" strike="noStrike" dirty="0">
-                        <a:solidFill>
-                          <a:srgbClr val="000000"/>
-                        </a:solidFill>
-                        <a:effectLst/>
-                        <a:latin typeface="Calibri" panose="020F0502020204030204" pitchFamily="34" charset="0"/>
-                      </a:endParaRPr>
-                    </a:p>
-                  </a:txBody>
-                  <a:tcPr marL="7620" marR="7620" marT="7620" marB="0" anchor="ctr"/>
-                </a:tc>
-              </a:tr>
-            </a:tbl>
-          </a:graphicData>
-        </a:graphic>
-      </p:graphicFrame>
+      <p:sp>
+        <p:nvSpPr>
+          <p:cNvPr id="2" name="Title 1"/>
+          <p:cNvSpPr>
+            <a:spLocks noGrp="1"/>
+          </p:cNvSpPr>
+          <p:nvPr>
+            <p:ph type="title"/>
+          </p:nvPr>
+        </p:nvSpPr>
+        <p:spPr/>
+        <p:txBody>
+          <a:bodyPr/>
+          <a:lstStyle/>
+          <a:p>
+            <a:r>
+              <a:rPr lang="nl-BE" dirty="0" smtClean="0"/>
+              <a:t>Ons doel</a:t>
+            </a:r>
+            <a:endParaRPr lang="en-US" dirty="0"/>
+          </a:p>
+        </p:txBody>
+      </p:sp>
       <p:pic>
         <p:nvPicPr>
           <p:cNvPr id="8" name="Picture 7"/>
@@ -5769,7 +4776,7 @@
         </p:blipFill>
         <p:spPr>
           <a:xfrm>
-            <a:off x="5174829" y="3974414"/>
+            <a:off x="5265549" y="3961456"/>
             <a:ext cx="289585" cy="304826"/>
           </a:xfrm>
           <a:prstGeom prst="rect">
@@ -5785,7 +4792,7 @@
         </p:nvCxnSpPr>
         <p:spPr>
           <a:xfrm flipV="1">
-            <a:off x="4689894" y="3857414"/>
+            <a:off x="4780613" y="3857414"/>
             <a:ext cx="1259456" cy="8626"/>
           </a:xfrm>
           <a:prstGeom prst="straightConnector1">
@@ -5810,6 +4817,1194 @@
           </a:fontRef>
         </p:style>
       </p:cxnSp>
+      <p:graphicFrame>
+        <p:nvGraphicFramePr>
+          <p:cNvPr id="4" name="Table 3"/>
+          <p:cNvGraphicFramePr>
+            <a:graphicFrameLocks noGrp="1"/>
+          </p:cNvGraphicFramePr>
+          <p:nvPr>
+            <p:extLst>
+              <p:ext uri="{D42A27DB-BD31-4B8C-83A1-F6EECF244321}">
+                <p14:modId xmlns:p14="http://schemas.microsoft.com/office/powerpoint/2010/main" val="3188795779"/>
+              </p:ext>
+            </p:extLst>
+          </p:nvPr>
+        </p:nvGraphicFramePr>
+        <p:xfrm>
+          <a:off x="492472" y="3187659"/>
+          <a:ext cx="4276760" cy="2452302"/>
+        </p:xfrm>
+        <a:graphic>
+          <a:graphicData uri="http://schemas.openxmlformats.org/drawingml/2006/table">
+            <a:tbl>
+              <a:tblPr firstRow="1" bandRow="1">
+                <a:tableStyleId>{72833802-FEF1-4C79-8D5D-14CF1EAF98D9}</a:tableStyleId>
+              </a:tblPr>
+              <a:tblGrid>
+                <a:gridCol w="1069190"/>
+                <a:gridCol w="1069190"/>
+                <a:gridCol w="1069190"/>
+                <a:gridCol w="1069190"/>
+              </a:tblGrid>
+              <a:tr h="408717">
+                <a:tc>
+                  <a:txBody>
+                    <a:bodyPr/>
+                    <a:lstStyle/>
+                    <a:p>
+                      <a:pPr algn="ctr"/>
+                      <a:r>
+                        <a:rPr lang="en-US" dirty="0" smtClean="0"/>
+                        <a:t>X1</a:t>
+                      </a:r>
+                      <a:endParaRPr lang="en-US" dirty="0"/>
+                    </a:p>
+                  </a:txBody>
+                  <a:tcPr>
+                    <a:lnB w="38100" cap="flat" cmpd="sng" algn="ctr">
+                      <a:solidFill>
+                        <a:srgbClr val="000000"/>
+                      </a:solidFill>
+                      <a:prstDash val="solid"/>
+                      <a:round/>
+                      <a:headEnd type="none" w="med" len="med"/>
+                      <a:tailEnd type="none" w="med" len="med"/>
+                    </a:lnB>
+                  </a:tcPr>
+                </a:tc>
+                <a:tc>
+                  <a:txBody>
+                    <a:bodyPr/>
+                    <a:lstStyle/>
+                    <a:p>
+                      <a:pPr algn="ctr"/>
+                      <a:r>
+                        <a:rPr lang="en-US" dirty="0" smtClean="0"/>
+                        <a:t>X2</a:t>
+                      </a:r>
+                      <a:endParaRPr lang="en-US" dirty="0"/>
+                    </a:p>
+                  </a:txBody>
+                  <a:tcPr>
+                    <a:lnB w="38100" cap="flat" cmpd="sng" algn="ctr">
+                      <a:solidFill>
+                        <a:srgbClr val="000000"/>
+                      </a:solidFill>
+                      <a:prstDash val="solid"/>
+                      <a:round/>
+                      <a:headEnd type="none" w="med" len="med"/>
+                      <a:tailEnd type="none" w="med" len="med"/>
+                    </a:lnB>
+                  </a:tcPr>
+                </a:tc>
+                <a:tc>
+                  <a:txBody>
+                    <a:bodyPr/>
+                    <a:lstStyle/>
+                    <a:p>
+                      <a:pPr algn="ctr"/>
+                      <a:r>
+                        <a:rPr lang="en-US" dirty="0" smtClean="0"/>
+                        <a:t>X3</a:t>
+                      </a:r>
+                      <a:endParaRPr lang="en-US" dirty="0"/>
+                    </a:p>
+                  </a:txBody>
+                  <a:tcPr>
+                    <a:lnR w="38100" cap="flat" cmpd="sng" algn="ctr">
+                      <a:solidFill>
+                        <a:srgbClr val="000000"/>
+                      </a:solidFill>
+                      <a:prstDash val="solid"/>
+                      <a:round/>
+                      <a:headEnd type="none" w="med" len="med"/>
+                      <a:tailEnd type="none" w="med" len="med"/>
+                    </a:lnR>
+                    <a:lnB w="38100" cap="flat" cmpd="sng" algn="ctr">
+                      <a:solidFill>
+                        <a:srgbClr val="000000"/>
+                      </a:solidFill>
+                      <a:prstDash val="solid"/>
+                      <a:round/>
+                      <a:headEnd type="none" w="med" len="med"/>
+                      <a:tailEnd type="none" w="med" len="med"/>
+                    </a:lnB>
+                  </a:tcPr>
+                </a:tc>
+                <a:tc>
+                  <a:txBody>
+                    <a:bodyPr/>
+                    <a:lstStyle/>
+                    <a:p>
+                      <a:pPr algn="ctr"/>
+                      <a:r>
+                        <a:rPr lang="en-US" dirty="0" smtClean="0"/>
+                        <a:t>Y</a:t>
+                      </a:r>
+                      <a:endParaRPr lang="en-US" dirty="0"/>
+                    </a:p>
+                  </a:txBody>
+                  <a:tcPr>
+                    <a:lnL w="38100" cap="flat" cmpd="sng" algn="ctr">
+                      <a:solidFill>
+                        <a:srgbClr val="000000"/>
+                      </a:solidFill>
+                      <a:prstDash val="solid"/>
+                      <a:round/>
+                      <a:headEnd type="none" w="med" len="med"/>
+                      <a:tailEnd type="none" w="med" len="med"/>
+                    </a:lnL>
+                    <a:lnB w="38100" cap="flat" cmpd="sng" algn="ctr">
+                      <a:solidFill>
+                        <a:srgbClr val="000000"/>
+                      </a:solidFill>
+                      <a:prstDash val="solid"/>
+                      <a:round/>
+                      <a:headEnd type="none" w="med" len="med"/>
+                      <a:tailEnd type="none" w="med" len="med"/>
+                    </a:lnB>
+                  </a:tcPr>
+                </a:tc>
+              </a:tr>
+              <a:tr h="408717">
+                <a:tc>
+                  <a:txBody>
+                    <a:bodyPr/>
+                    <a:lstStyle/>
+                    <a:p>
+                      <a:pPr algn="ctr"/>
+                      <a:r>
+                        <a:rPr lang="en-US" dirty="0" smtClean="0"/>
+                        <a:t>1</a:t>
+                      </a:r>
+                      <a:endParaRPr lang="en-US" dirty="0"/>
+                    </a:p>
+                  </a:txBody>
+                  <a:tcPr>
+                    <a:lnT w="38100" cap="flat" cmpd="sng" algn="ctr">
+                      <a:solidFill>
+                        <a:srgbClr val="000000"/>
+                      </a:solidFill>
+                      <a:prstDash val="solid"/>
+                      <a:round/>
+                      <a:headEnd type="none" w="med" len="med"/>
+                      <a:tailEnd type="none" w="med" len="med"/>
+                    </a:lnT>
+                  </a:tcPr>
+                </a:tc>
+                <a:tc>
+                  <a:txBody>
+                    <a:bodyPr/>
+                    <a:lstStyle/>
+                    <a:p>
+                      <a:pPr algn="ctr"/>
+                      <a:r>
+                        <a:rPr lang="en-US" dirty="0" smtClean="0"/>
+                        <a:t>2</a:t>
+                      </a:r>
+                      <a:endParaRPr lang="en-US" dirty="0"/>
+                    </a:p>
+                  </a:txBody>
+                  <a:tcPr>
+                    <a:lnT w="38100" cap="flat" cmpd="sng" algn="ctr">
+                      <a:solidFill>
+                        <a:srgbClr val="000000"/>
+                      </a:solidFill>
+                      <a:prstDash val="solid"/>
+                      <a:round/>
+                      <a:headEnd type="none" w="med" len="med"/>
+                      <a:tailEnd type="none" w="med" len="med"/>
+                    </a:lnT>
+                  </a:tcPr>
+                </a:tc>
+                <a:tc>
+                  <a:txBody>
+                    <a:bodyPr/>
+                    <a:lstStyle/>
+                    <a:p>
+                      <a:pPr algn="ctr"/>
+                      <a:r>
+                        <a:rPr lang="en-US" dirty="0" smtClean="0"/>
+                        <a:t>2</a:t>
+                      </a:r>
+                      <a:endParaRPr lang="en-US" dirty="0"/>
+                    </a:p>
+                  </a:txBody>
+                  <a:tcPr>
+                    <a:lnR w="38100" cap="flat" cmpd="sng" algn="ctr">
+                      <a:solidFill>
+                        <a:srgbClr val="000000"/>
+                      </a:solidFill>
+                      <a:prstDash val="solid"/>
+                      <a:round/>
+                      <a:headEnd type="none" w="med" len="med"/>
+                      <a:tailEnd type="none" w="med" len="med"/>
+                    </a:lnR>
+                    <a:lnT w="38100" cap="flat" cmpd="sng" algn="ctr">
+                      <a:solidFill>
+                        <a:srgbClr val="000000"/>
+                      </a:solidFill>
+                      <a:prstDash val="solid"/>
+                      <a:round/>
+                      <a:headEnd type="none" w="med" len="med"/>
+                      <a:tailEnd type="none" w="med" len="med"/>
+                    </a:lnT>
+                  </a:tcPr>
+                </a:tc>
+                <a:tc>
+                  <a:txBody>
+                    <a:bodyPr/>
+                    <a:lstStyle/>
+                    <a:p>
+                      <a:pPr algn="ctr"/>
+                      <a:r>
+                        <a:rPr lang="en-US" dirty="0" smtClean="0"/>
+                        <a:t>9</a:t>
+                      </a:r>
+                      <a:endParaRPr lang="en-US" dirty="0"/>
+                    </a:p>
+                  </a:txBody>
+                  <a:tcPr>
+                    <a:lnL w="38100" cap="flat" cmpd="sng" algn="ctr">
+                      <a:solidFill>
+                        <a:srgbClr val="000000"/>
+                      </a:solidFill>
+                      <a:prstDash val="solid"/>
+                      <a:round/>
+                      <a:headEnd type="none" w="med" len="med"/>
+                      <a:tailEnd type="none" w="med" len="med"/>
+                    </a:lnL>
+                    <a:lnT w="38100" cap="flat" cmpd="sng" algn="ctr">
+                      <a:solidFill>
+                        <a:srgbClr val="000000"/>
+                      </a:solidFill>
+                      <a:prstDash val="solid"/>
+                      <a:round/>
+                      <a:headEnd type="none" w="med" len="med"/>
+                      <a:tailEnd type="none" w="med" len="med"/>
+                    </a:lnT>
+                  </a:tcPr>
+                </a:tc>
+              </a:tr>
+              <a:tr h="408717">
+                <a:tc>
+                  <a:txBody>
+                    <a:bodyPr/>
+                    <a:lstStyle/>
+                    <a:p>
+                      <a:pPr algn="ctr"/>
+                      <a:r>
+                        <a:rPr lang="en-US" dirty="0" smtClean="0"/>
+                        <a:t>4</a:t>
+                      </a:r>
+                      <a:endParaRPr lang="en-US" dirty="0"/>
+                    </a:p>
+                  </a:txBody>
+                  <a:tcPr/>
+                </a:tc>
+                <a:tc>
+                  <a:txBody>
+                    <a:bodyPr/>
+                    <a:lstStyle/>
+                    <a:p>
+                      <a:pPr algn="ctr"/>
+                      <a:r>
+                        <a:rPr lang="en-US" dirty="0" smtClean="0"/>
+                        <a:t>3</a:t>
+                      </a:r>
+                      <a:endParaRPr lang="en-US" dirty="0"/>
+                    </a:p>
+                  </a:txBody>
+                  <a:tcPr/>
+                </a:tc>
+                <a:tc>
+                  <a:txBody>
+                    <a:bodyPr/>
+                    <a:lstStyle/>
+                    <a:p>
+                      <a:pPr algn="ctr"/>
+                      <a:r>
+                        <a:rPr lang="en-US" dirty="0" smtClean="0"/>
+                        <a:t>3</a:t>
+                      </a:r>
+                      <a:endParaRPr lang="en-US" dirty="0"/>
+                    </a:p>
+                  </a:txBody>
+                  <a:tcPr>
+                    <a:lnR w="38100" cap="flat" cmpd="sng" algn="ctr">
+                      <a:solidFill>
+                        <a:srgbClr val="000000"/>
+                      </a:solidFill>
+                      <a:prstDash val="solid"/>
+                      <a:round/>
+                      <a:headEnd type="none" w="med" len="med"/>
+                      <a:tailEnd type="none" w="med" len="med"/>
+                    </a:lnR>
+                  </a:tcPr>
+                </a:tc>
+                <a:tc>
+                  <a:txBody>
+                    <a:bodyPr/>
+                    <a:lstStyle/>
+                    <a:p>
+                      <a:pPr algn="ctr"/>
+                      <a:endParaRPr lang="en-US" dirty="0"/>
+                    </a:p>
+                  </a:txBody>
+                  <a:tcPr>
+                    <a:lnL w="38100" cap="flat" cmpd="sng" algn="ctr">
+                      <a:solidFill>
+                        <a:srgbClr val="000000"/>
+                      </a:solidFill>
+                      <a:prstDash val="solid"/>
+                      <a:round/>
+                      <a:headEnd type="none" w="med" len="med"/>
+                      <a:tailEnd type="none" w="med" len="med"/>
+                    </a:lnL>
+                  </a:tcPr>
+                </a:tc>
+              </a:tr>
+              <a:tr h="408717">
+                <a:tc>
+                  <a:txBody>
+                    <a:bodyPr/>
+                    <a:lstStyle/>
+                    <a:p>
+                      <a:pPr algn="ctr"/>
+                      <a:r>
+                        <a:rPr lang="en-US" dirty="0" smtClean="0"/>
+                        <a:t>1</a:t>
+                      </a:r>
+                      <a:endParaRPr lang="en-US" dirty="0"/>
+                    </a:p>
+                  </a:txBody>
+                  <a:tcPr/>
+                </a:tc>
+                <a:tc>
+                  <a:txBody>
+                    <a:bodyPr/>
+                    <a:lstStyle/>
+                    <a:p>
+                      <a:pPr algn="ctr"/>
+                      <a:r>
+                        <a:rPr lang="en-US" dirty="0" smtClean="0"/>
+                        <a:t>8</a:t>
+                      </a:r>
+                      <a:endParaRPr lang="en-US" dirty="0"/>
+                    </a:p>
+                  </a:txBody>
+                  <a:tcPr/>
+                </a:tc>
+                <a:tc>
+                  <a:txBody>
+                    <a:bodyPr/>
+                    <a:lstStyle/>
+                    <a:p>
+                      <a:pPr algn="ctr"/>
+                      <a:r>
+                        <a:rPr lang="en-US" dirty="0" smtClean="0"/>
+                        <a:t>2</a:t>
+                      </a:r>
+                      <a:endParaRPr lang="en-US" dirty="0"/>
+                    </a:p>
+                  </a:txBody>
+                  <a:tcPr>
+                    <a:lnR w="38100" cap="flat" cmpd="sng" algn="ctr">
+                      <a:solidFill>
+                        <a:srgbClr val="000000"/>
+                      </a:solidFill>
+                      <a:prstDash val="solid"/>
+                      <a:round/>
+                      <a:headEnd type="none" w="med" len="med"/>
+                      <a:tailEnd type="none" w="med" len="med"/>
+                    </a:lnR>
+                  </a:tcPr>
+                </a:tc>
+                <a:tc>
+                  <a:txBody>
+                    <a:bodyPr/>
+                    <a:lstStyle/>
+                    <a:p>
+                      <a:pPr algn="ctr"/>
+                      <a:endParaRPr lang="en-US" dirty="0"/>
+                    </a:p>
+                  </a:txBody>
+                  <a:tcPr>
+                    <a:lnL w="38100" cap="flat" cmpd="sng" algn="ctr">
+                      <a:solidFill>
+                        <a:srgbClr val="000000"/>
+                      </a:solidFill>
+                      <a:prstDash val="solid"/>
+                      <a:round/>
+                      <a:headEnd type="none" w="med" len="med"/>
+                      <a:tailEnd type="none" w="med" len="med"/>
+                    </a:lnL>
+                  </a:tcPr>
+                </a:tc>
+              </a:tr>
+              <a:tr h="408717">
+                <a:tc>
+                  <a:txBody>
+                    <a:bodyPr/>
+                    <a:lstStyle/>
+                    <a:p>
+                      <a:pPr algn="ctr"/>
+                      <a:r>
+                        <a:rPr lang="en-US" dirty="0" smtClean="0"/>
+                        <a:t>8</a:t>
+                      </a:r>
+                      <a:endParaRPr lang="en-US" dirty="0"/>
+                    </a:p>
+                  </a:txBody>
+                  <a:tcPr/>
+                </a:tc>
+                <a:tc>
+                  <a:txBody>
+                    <a:bodyPr/>
+                    <a:lstStyle/>
+                    <a:p>
+                      <a:pPr algn="ctr"/>
+                      <a:r>
+                        <a:rPr lang="en-US" dirty="0" smtClean="0"/>
+                        <a:t>9</a:t>
+                      </a:r>
+                      <a:endParaRPr lang="en-US" dirty="0"/>
+                    </a:p>
+                  </a:txBody>
+                  <a:tcPr/>
+                </a:tc>
+                <a:tc>
+                  <a:txBody>
+                    <a:bodyPr/>
+                    <a:lstStyle/>
+                    <a:p>
+                      <a:pPr algn="ctr"/>
+                      <a:r>
+                        <a:rPr lang="en-US" dirty="0" smtClean="0"/>
+                        <a:t>2</a:t>
+                      </a:r>
+                      <a:endParaRPr lang="en-US" dirty="0"/>
+                    </a:p>
+                  </a:txBody>
+                  <a:tcPr>
+                    <a:lnR w="38100" cap="flat" cmpd="sng" algn="ctr">
+                      <a:solidFill>
+                        <a:srgbClr val="000000"/>
+                      </a:solidFill>
+                      <a:prstDash val="solid"/>
+                      <a:round/>
+                      <a:headEnd type="none" w="med" len="med"/>
+                      <a:tailEnd type="none" w="med" len="med"/>
+                    </a:lnR>
+                  </a:tcPr>
+                </a:tc>
+                <a:tc>
+                  <a:txBody>
+                    <a:bodyPr/>
+                    <a:lstStyle/>
+                    <a:p>
+                      <a:pPr algn="ctr"/>
+                      <a:endParaRPr lang="en-US" dirty="0"/>
+                    </a:p>
+                  </a:txBody>
+                  <a:tcPr>
+                    <a:lnL w="38100" cap="flat" cmpd="sng" algn="ctr">
+                      <a:solidFill>
+                        <a:srgbClr val="000000"/>
+                      </a:solidFill>
+                      <a:prstDash val="solid"/>
+                      <a:round/>
+                      <a:headEnd type="none" w="med" len="med"/>
+                      <a:tailEnd type="none" w="med" len="med"/>
+                    </a:lnL>
+                  </a:tcPr>
+                </a:tc>
+              </a:tr>
+              <a:tr h="408717">
+                <a:tc>
+                  <a:txBody>
+                    <a:bodyPr/>
+                    <a:lstStyle/>
+                    <a:p>
+                      <a:pPr algn="ctr"/>
+                      <a:r>
+                        <a:rPr lang="en-US" dirty="0" smtClean="0"/>
+                        <a:t>2</a:t>
+                      </a:r>
+                      <a:endParaRPr lang="en-US" dirty="0"/>
+                    </a:p>
+                  </a:txBody>
+                  <a:tcPr/>
+                </a:tc>
+                <a:tc>
+                  <a:txBody>
+                    <a:bodyPr/>
+                    <a:lstStyle/>
+                    <a:p>
+                      <a:pPr algn="ctr"/>
+                      <a:r>
+                        <a:rPr lang="en-US" dirty="0" smtClean="0"/>
+                        <a:t>2</a:t>
+                      </a:r>
+                      <a:endParaRPr lang="en-US" dirty="0"/>
+                    </a:p>
+                  </a:txBody>
+                  <a:tcPr/>
+                </a:tc>
+                <a:tc>
+                  <a:txBody>
+                    <a:bodyPr/>
+                    <a:lstStyle/>
+                    <a:p>
+                      <a:pPr algn="ctr"/>
+                      <a:r>
+                        <a:rPr lang="en-US" dirty="0" smtClean="0"/>
+                        <a:t>2</a:t>
+                      </a:r>
+                      <a:endParaRPr lang="en-US" dirty="0"/>
+                    </a:p>
+                  </a:txBody>
+                  <a:tcPr>
+                    <a:lnR w="38100" cap="flat" cmpd="sng" algn="ctr">
+                      <a:solidFill>
+                        <a:srgbClr val="000000"/>
+                      </a:solidFill>
+                      <a:prstDash val="solid"/>
+                      <a:round/>
+                      <a:headEnd type="none" w="med" len="med"/>
+                      <a:tailEnd type="none" w="med" len="med"/>
+                    </a:lnR>
+                  </a:tcPr>
+                </a:tc>
+                <a:tc>
+                  <a:txBody>
+                    <a:bodyPr/>
+                    <a:lstStyle/>
+                    <a:p>
+                      <a:pPr algn="ctr"/>
+                      <a:endParaRPr lang="en-US" dirty="0"/>
+                    </a:p>
+                  </a:txBody>
+                  <a:tcPr>
+                    <a:lnL w="38100" cap="flat" cmpd="sng" algn="ctr">
+                      <a:solidFill>
+                        <a:srgbClr val="000000"/>
+                      </a:solidFill>
+                      <a:prstDash val="solid"/>
+                      <a:round/>
+                      <a:headEnd type="none" w="med" len="med"/>
+                      <a:tailEnd type="none" w="med" len="med"/>
+                    </a:lnL>
+                  </a:tcPr>
+                </a:tc>
+              </a:tr>
+            </a:tbl>
+          </a:graphicData>
+        </a:graphic>
+      </p:graphicFrame>
+      <p:graphicFrame>
+        <p:nvGraphicFramePr>
+          <p:cNvPr id="9" name="Table 8"/>
+          <p:cNvGraphicFramePr>
+            <a:graphicFrameLocks noGrp="1"/>
+          </p:cNvGraphicFramePr>
+          <p:nvPr>
+            <p:extLst>
+              <p:ext uri="{D42A27DB-BD31-4B8C-83A1-F6EECF244321}">
+                <p14:modId xmlns:p14="http://schemas.microsoft.com/office/powerpoint/2010/main" val="888372690"/>
+              </p:ext>
+            </p:extLst>
+          </p:nvPr>
+        </p:nvGraphicFramePr>
+        <p:xfrm>
+          <a:off x="6139858" y="3184563"/>
+          <a:ext cx="4276760" cy="2452302"/>
+        </p:xfrm>
+        <a:graphic>
+          <a:graphicData uri="http://schemas.openxmlformats.org/drawingml/2006/table">
+            <a:tbl>
+              <a:tblPr firstRow="1" bandRow="1">
+                <a:tableStyleId>{72833802-FEF1-4C79-8D5D-14CF1EAF98D9}</a:tableStyleId>
+              </a:tblPr>
+              <a:tblGrid>
+                <a:gridCol w="1069190"/>
+                <a:gridCol w="1069190"/>
+                <a:gridCol w="1069190"/>
+                <a:gridCol w="1069190"/>
+              </a:tblGrid>
+              <a:tr h="408717">
+                <a:tc>
+                  <a:txBody>
+                    <a:bodyPr/>
+                    <a:lstStyle/>
+                    <a:p>
+                      <a:pPr algn="ctr"/>
+                      <a:r>
+                        <a:rPr lang="en-US" dirty="0" smtClean="0"/>
+                        <a:t>X1</a:t>
+                      </a:r>
+                      <a:endParaRPr lang="en-US" dirty="0"/>
+                    </a:p>
+                  </a:txBody>
+                  <a:tcPr>
+                    <a:lnB w="38100" cap="flat" cmpd="sng" algn="ctr">
+                      <a:solidFill>
+                        <a:srgbClr val="000000"/>
+                      </a:solidFill>
+                      <a:prstDash val="solid"/>
+                      <a:round/>
+                      <a:headEnd type="none" w="med" len="med"/>
+                      <a:tailEnd type="none" w="med" len="med"/>
+                    </a:lnB>
+                  </a:tcPr>
+                </a:tc>
+                <a:tc>
+                  <a:txBody>
+                    <a:bodyPr/>
+                    <a:lstStyle/>
+                    <a:p>
+                      <a:pPr algn="ctr"/>
+                      <a:r>
+                        <a:rPr lang="en-US" dirty="0" smtClean="0"/>
+                        <a:t>X2</a:t>
+                      </a:r>
+                      <a:endParaRPr lang="en-US" dirty="0"/>
+                    </a:p>
+                  </a:txBody>
+                  <a:tcPr>
+                    <a:lnB w="38100" cap="flat" cmpd="sng" algn="ctr">
+                      <a:solidFill>
+                        <a:srgbClr val="000000"/>
+                      </a:solidFill>
+                      <a:prstDash val="solid"/>
+                      <a:round/>
+                      <a:headEnd type="none" w="med" len="med"/>
+                      <a:tailEnd type="none" w="med" len="med"/>
+                    </a:lnB>
+                  </a:tcPr>
+                </a:tc>
+                <a:tc>
+                  <a:txBody>
+                    <a:bodyPr/>
+                    <a:lstStyle/>
+                    <a:p>
+                      <a:pPr algn="ctr"/>
+                      <a:r>
+                        <a:rPr lang="en-US" dirty="0" smtClean="0"/>
+                        <a:t>X3</a:t>
+                      </a:r>
+                      <a:endParaRPr lang="en-US" dirty="0"/>
+                    </a:p>
+                  </a:txBody>
+                  <a:tcPr>
+                    <a:lnR w="38100" cap="flat" cmpd="sng" algn="ctr">
+                      <a:solidFill>
+                        <a:srgbClr val="000000"/>
+                      </a:solidFill>
+                      <a:prstDash val="solid"/>
+                      <a:round/>
+                      <a:headEnd type="none" w="med" len="med"/>
+                      <a:tailEnd type="none" w="med" len="med"/>
+                    </a:lnR>
+                    <a:lnB w="38100" cap="flat" cmpd="sng" algn="ctr">
+                      <a:solidFill>
+                        <a:srgbClr val="000000"/>
+                      </a:solidFill>
+                      <a:prstDash val="solid"/>
+                      <a:round/>
+                      <a:headEnd type="none" w="med" len="med"/>
+                      <a:tailEnd type="none" w="med" len="med"/>
+                    </a:lnB>
+                  </a:tcPr>
+                </a:tc>
+                <a:tc>
+                  <a:txBody>
+                    <a:bodyPr/>
+                    <a:lstStyle/>
+                    <a:p>
+                      <a:pPr algn="ctr"/>
+                      <a:r>
+                        <a:rPr lang="en-US" dirty="0" smtClean="0"/>
+                        <a:t>Y</a:t>
+                      </a:r>
+                      <a:endParaRPr lang="en-US" dirty="0"/>
+                    </a:p>
+                  </a:txBody>
+                  <a:tcPr>
+                    <a:lnL w="38100" cap="flat" cmpd="sng" algn="ctr">
+                      <a:solidFill>
+                        <a:srgbClr val="000000"/>
+                      </a:solidFill>
+                      <a:prstDash val="solid"/>
+                      <a:round/>
+                      <a:headEnd type="none" w="med" len="med"/>
+                      <a:tailEnd type="none" w="med" len="med"/>
+                    </a:lnL>
+                    <a:lnB w="38100" cap="flat" cmpd="sng" algn="ctr">
+                      <a:solidFill>
+                        <a:srgbClr val="000000"/>
+                      </a:solidFill>
+                      <a:prstDash val="solid"/>
+                      <a:round/>
+                      <a:headEnd type="none" w="med" len="med"/>
+                      <a:tailEnd type="none" w="med" len="med"/>
+                    </a:lnB>
+                  </a:tcPr>
+                </a:tc>
+              </a:tr>
+              <a:tr h="408717">
+                <a:tc>
+                  <a:txBody>
+                    <a:bodyPr/>
+                    <a:lstStyle/>
+                    <a:p>
+                      <a:pPr algn="ctr"/>
+                      <a:r>
+                        <a:rPr lang="en-US" dirty="0" smtClean="0"/>
+                        <a:t>1</a:t>
+                      </a:r>
+                      <a:endParaRPr lang="en-US" dirty="0"/>
+                    </a:p>
+                  </a:txBody>
+                  <a:tcPr>
+                    <a:lnT w="38100" cap="flat" cmpd="sng" algn="ctr">
+                      <a:solidFill>
+                        <a:srgbClr val="000000"/>
+                      </a:solidFill>
+                      <a:prstDash val="solid"/>
+                      <a:round/>
+                      <a:headEnd type="none" w="med" len="med"/>
+                      <a:tailEnd type="none" w="med" len="med"/>
+                    </a:lnT>
+                  </a:tcPr>
+                </a:tc>
+                <a:tc>
+                  <a:txBody>
+                    <a:bodyPr/>
+                    <a:lstStyle/>
+                    <a:p>
+                      <a:pPr algn="ctr"/>
+                      <a:r>
+                        <a:rPr lang="en-US" dirty="0" smtClean="0"/>
+                        <a:t>2</a:t>
+                      </a:r>
+                      <a:endParaRPr lang="en-US" dirty="0"/>
+                    </a:p>
+                  </a:txBody>
+                  <a:tcPr>
+                    <a:lnT w="38100" cap="flat" cmpd="sng" algn="ctr">
+                      <a:solidFill>
+                        <a:srgbClr val="000000"/>
+                      </a:solidFill>
+                      <a:prstDash val="solid"/>
+                      <a:round/>
+                      <a:headEnd type="none" w="med" len="med"/>
+                      <a:tailEnd type="none" w="med" len="med"/>
+                    </a:lnT>
+                  </a:tcPr>
+                </a:tc>
+                <a:tc>
+                  <a:txBody>
+                    <a:bodyPr/>
+                    <a:lstStyle/>
+                    <a:p>
+                      <a:pPr algn="ctr"/>
+                      <a:r>
+                        <a:rPr lang="en-US" dirty="0" smtClean="0"/>
+                        <a:t>2</a:t>
+                      </a:r>
+                      <a:endParaRPr lang="en-US" dirty="0"/>
+                    </a:p>
+                  </a:txBody>
+                  <a:tcPr>
+                    <a:lnR w="38100" cap="flat" cmpd="sng" algn="ctr">
+                      <a:solidFill>
+                        <a:srgbClr val="000000"/>
+                      </a:solidFill>
+                      <a:prstDash val="solid"/>
+                      <a:round/>
+                      <a:headEnd type="none" w="med" len="med"/>
+                      <a:tailEnd type="none" w="med" len="med"/>
+                    </a:lnR>
+                    <a:lnT w="38100" cap="flat" cmpd="sng" algn="ctr">
+                      <a:solidFill>
+                        <a:srgbClr val="000000"/>
+                      </a:solidFill>
+                      <a:prstDash val="solid"/>
+                      <a:round/>
+                      <a:headEnd type="none" w="med" len="med"/>
+                      <a:tailEnd type="none" w="med" len="med"/>
+                    </a:lnT>
+                  </a:tcPr>
+                </a:tc>
+                <a:tc>
+                  <a:txBody>
+                    <a:bodyPr/>
+                    <a:lstStyle/>
+                    <a:p>
+                      <a:pPr algn="ctr"/>
+                      <a:r>
+                        <a:rPr lang="en-US" dirty="0" smtClean="0"/>
+                        <a:t>9</a:t>
+                      </a:r>
+                      <a:endParaRPr lang="en-US" dirty="0"/>
+                    </a:p>
+                  </a:txBody>
+                  <a:tcPr>
+                    <a:lnL w="38100" cap="flat" cmpd="sng" algn="ctr">
+                      <a:solidFill>
+                        <a:srgbClr val="000000"/>
+                      </a:solidFill>
+                      <a:prstDash val="solid"/>
+                      <a:round/>
+                      <a:headEnd type="none" w="med" len="med"/>
+                      <a:tailEnd type="none" w="med" len="med"/>
+                    </a:lnL>
+                    <a:lnT w="38100" cap="flat" cmpd="sng" algn="ctr">
+                      <a:solidFill>
+                        <a:srgbClr val="000000"/>
+                      </a:solidFill>
+                      <a:prstDash val="solid"/>
+                      <a:round/>
+                      <a:headEnd type="none" w="med" len="med"/>
+                      <a:tailEnd type="none" w="med" len="med"/>
+                    </a:lnT>
+                  </a:tcPr>
+                </a:tc>
+              </a:tr>
+              <a:tr h="408717">
+                <a:tc>
+                  <a:txBody>
+                    <a:bodyPr/>
+                    <a:lstStyle/>
+                    <a:p>
+                      <a:pPr algn="ctr"/>
+                      <a:r>
+                        <a:rPr lang="en-US" dirty="0" smtClean="0"/>
+                        <a:t>4</a:t>
+                      </a:r>
+                      <a:endParaRPr lang="en-US" dirty="0"/>
+                    </a:p>
+                  </a:txBody>
+                  <a:tcPr/>
+                </a:tc>
+                <a:tc>
+                  <a:txBody>
+                    <a:bodyPr/>
+                    <a:lstStyle/>
+                    <a:p>
+                      <a:pPr algn="ctr"/>
+                      <a:r>
+                        <a:rPr lang="en-US" dirty="0" smtClean="0"/>
+                        <a:t>3</a:t>
+                      </a:r>
+                      <a:endParaRPr lang="en-US" dirty="0"/>
+                    </a:p>
+                  </a:txBody>
+                  <a:tcPr/>
+                </a:tc>
+                <a:tc>
+                  <a:txBody>
+                    <a:bodyPr/>
+                    <a:lstStyle/>
+                    <a:p>
+                      <a:pPr algn="ctr"/>
+                      <a:r>
+                        <a:rPr lang="en-US" dirty="0" smtClean="0"/>
+                        <a:t>3</a:t>
+                      </a:r>
+                      <a:endParaRPr lang="en-US" dirty="0"/>
+                    </a:p>
+                  </a:txBody>
+                  <a:tcPr>
+                    <a:lnR w="38100" cap="flat" cmpd="sng" algn="ctr">
+                      <a:solidFill>
+                        <a:srgbClr val="000000"/>
+                      </a:solidFill>
+                      <a:prstDash val="solid"/>
+                      <a:round/>
+                      <a:headEnd type="none" w="med" len="med"/>
+                      <a:tailEnd type="none" w="med" len="med"/>
+                    </a:lnR>
+                  </a:tcPr>
+                </a:tc>
+                <a:tc>
+                  <a:txBody>
+                    <a:bodyPr/>
+                    <a:lstStyle/>
+                    <a:p>
+                      <a:pPr algn="ctr"/>
+                      <a:r>
+                        <a:rPr lang="en-US" dirty="0" smtClean="0"/>
+                        <a:t>343</a:t>
+                      </a:r>
+                      <a:endParaRPr lang="en-US" dirty="0"/>
+                    </a:p>
+                  </a:txBody>
+                  <a:tcPr>
+                    <a:lnL w="38100" cap="flat" cmpd="sng" algn="ctr">
+                      <a:solidFill>
+                        <a:srgbClr val="000000"/>
+                      </a:solidFill>
+                      <a:prstDash val="solid"/>
+                      <a:round/>
+                      <a:headEnd type="none" w="med" len="med"/>
+                      <a:tailEnd type="none" w="med" len="med"/>
+                    </a:lnL>
+                  </a:tcPr>
+                </a:tc>
+              </a:tr>
+              <a:tr h="408717">
+                <a:tc>
+                  <a:txBody>
+                    <a:bodyPr/>
+                    <a:lstStyle/>
+                    <a:p>
+                      <a:pPr algn="ctr"/>
+                      <a:r>
+                        <a:rPr lang="en-US" dirty="0" smtClean="0"/>
+                        <a:t>1</a:t>
+                      </a:r>
+                      <a:endParaRPr lang="en-US" dirty="0"/>
+                    </a:p>
+                  </a:txBody>
+                  <a:tcPr/>
+                </a:tc>
+                <a:tc>
+                  <a:txBody>
+                    <a:bodyPr/>
+                    <a:lstStyle/>
+                    <a:p>
+                      <a:pPr algn="ctr"/>
+                      <a:r>
+                        <a:rPr lang="en-US" dirty="0" smtClean="0"/>
+                        <a:t>8</a:t>
+                      </a:r>
+                      <a:endParaRPr lang="en-US" dirty="0"/>
+                    </a:p>
+                  </a:txBody>
+                  <a:tcPr/>
+                </a:tc>
+                <a:tc>
+                  <a:txBody>
+                    <a:bodyPr/>
+                    <a:lstStyle/>
+                    <a:p>
+                      <a:pPr algn="ctr"/>
+                      <a:r>
+                        <a:rPr lang="en-US" dirty="0" smtClean="0"/>
+                        <a:t>2</a:t>
+                      </a:r>
+                      <a:endParaRPr lang="en-US" dirty="0"/>
+                    </a:p>
+                  </a:txBody>
+                  <a:tcPr>
+                    <a:lnR w="38100" cap="flat" cmpd="sng" algn="ctr">
+                      <a:solidFill>
+                        <a:srgbClr val="000000"/>
+                      </a:solidFill>
+                      <a:prstDash val="solid"/>
+                      <a:round/>
+                      <a:headEnd type="none" w="med" len="med"/>
+                      <a:tailEnd type="none" w="med" len="med"/>
+                    </a:lnR>
+                  </a:tcPr>
+                </a:tc>
+                <a:tc>
+                  <a:txBody>
+                    <a:bodyPr/>
+                    <a:lstStyle/>
+                    <a:p>
+                      <a:pPr algn="ctr"/>
+                      <a:r>
+                        <a:rPr lang="en-US" dirty="0" smtClean="0"/>
+                        <a:t>81</a:t>
+                      </a:r>
+                      <a:endParaRPr lang="en-US" dirty="0"/>
+                    </a:p>
+                  </a:txBody>
+                  <a:tcPr>
+                    <a:lnL w="38100" cap="flat" cmpd="sng" algn="ctr">
+                      <a:solidFill>
+                        <a:srgbClr val="000000"/>
+                      </a:solidFill>
+                      <a:prstDash val="solid"/>
+                      <a:round/>
+                      <a:headEnd type="none" w="med" len="med"/>
+                      <a:tailEnd type="none" w="med" len="med"/>
+                    </a:lnL>
+                  </a:tcPr>
+                </a:tc>
+              </a:tr>
+              <a:tr h="408717">
+                <a:tc>
+                  <a:txBody>
+                    <a:bodyPr/>
+                    <a:lstStyle/>
+                    <a:p>
+                      <a:pPr algn="ctr"/>
+                      <a:r>
+                        <a:rPr lang="en-US" dirty="0" smtClean="0"/>
+                        <a:t>8</a:t>
+                      </a:r>
+                      <a:endParaRPr lang="en-US" dirty="0"/>
+                    </a:p>
+                  </a:txBody>
+                  <a:tcPr/>
+                </a:tc>
+                <a:tc>
+                  <a:txBody>
+                    <a:bodyPr/>
+                    <a:lstStyle/>
+                    <a:p>
+                      <a:pPr algn="ctr"/>
+                      <a:r>
+                        <a:rPr lang="en-US" dirty="0" smtClean="0"/>
+                        <a:t>9</a:t>
+                      </a:r>
+                      <a:endParaRPr lang="en-US" dirty="0"/>
+                    </a:p>
+                  </a:txBody>
+                  <a:tcPr/>
+                </a:tc>
+                <a:tc>
+                  <a:txBody>
+                    <a:bodyPr/>
+                    <a:lstStyle/>
+                    <a:p>
+                      <a:pPr algn="ctr"/>
+                      <a:r>
+                        <a:rPr lang="en-US" dirty="0" smtClean="0"/>
+                        <a:t>2</a:t>
+                      </a:r>
+                      <a:endParaRPr lang="en-US" dirty="0"/>
+                    </a:p>
+                  </a:txBody>
+                  <a:tcPr>
+                    <a:lnR w="38100" cap="flat" cmpd="sng" algn="ctr">
+                      <a:solidFill>
+                        <a:srgbClr val="000000"/>
+                      </a:solidFill>
+                      <a:prstDash val="solid"/>
+                      <a:round/>
+                      <a:headEnd type="none" w="med" len="med"/>
+                      <a:tailEnd type="none" w="med" len="med"/>
+                    </a:lnR>
+                  </a:tcPr>
+                </a:tc>
+                <a:tc>
+                  <a:txBody>
+                    <a:bodyPr/>
+                    <a:lstStyle/>
+                    <a:p>
+                      <a:pPr algn="ctr"/>
+                      <a:r>
+                        <a:rPr lang="en-US" dirty="0" smtClean="0"/>
+                        <a:t>289</a:t>
+                      </a:r>
+                      <a:endParaRPr lang="en-US" dirty="0"/>
+                    </a:p>
+                  </a:txBody>
+                  <a:tcPr>
+                    <a:lnL w="38100" cap="flat" cmpd="sng" algn="ctr">
+                      <a:solidFill>
+                        <a:srgbClr val="000000"/>
+                      </a:solidFill>
+                      <a:prstDash val="solid"/>
+                      <a:round/>
+                      <a:headEnd type="none" w="med" len="med"/>
+                      <a:tailEnd type="none" w="med" len="med"/>
+                    </a:lnL>
+                  </a:tcPr>
+                </a:tc>
+              </a:tr>
+              <a:tr h="408717">
+                <a:tc>
+                  <a:txBody>
+                    <a:bodyPr/>
+                    <a:lstStyle/>
+                    <a:p>
+                      <a:pPr algn="ctr"/>
+                      <a:r>
+                        <a:rPr lang="en-US" dirty="0" smtClean="0"/>
+                        <a:t>2</a:t>
+                      </a:r>
+                      <a:endParaRPr lang="en-US" dirty="0"/>
+                    </a:p>
+                  </a:txBody>
+                  <a:tcPr/>
+                </a:tc>
+                <a:tc>
+                  <a:txBody>
+                    <a:bodyPr/>
+                    <a:lstStyle/>
+                    <a:p>
+                      <a:pPr algn="ctr"/>
+                      <a:r>
+                        <a:rPr lang="en-US" dirty="0" smtClean="0"/>
+                        <a:t>2</a:t>
+                      </a:r>
+                      <a:endParaRPr lang="en-US" dirty="0"/>
+                    </a:p>
+                  </a:txBody>
+                  <a:tcPr/>
+                </a:tc>
+                <a:tc>
+                  <a:txBody>
+                    <a:bodyPr/>
+                    <a:lstStyle/>
+                    <a:p>
+                      <a:pPr algn="ctr"/>
+                      <a:r>
+                        <a:rPr lang="en-US" dirty="0" smtClean="0"/>
+                        <a:t>2</a:t>
+                      </a:r>
+                      <a:endParaRPr lang="en-US" dirty="0"/>
+                    </a:p>
+                  </a:txBody>
+                  <a:tcPr>
+                    <a:lnR w="38100" cap="flat" cmpd="sng" algn="ctr">
+                      <a:solidFill>
+                        <a:srgbClr val="000000"/>
+                      </a:solidFill>
+                      <a:prstDash val="solid"/>
+                      <a:round/>
+                      <a:headEnd type="none" w="med" len="med"/>
+                      <a:tailEnd type="none" w="med" len="med"/>
+                    </a:lnR>
+                  </a:tcPr>
+                </a:tc>
+                <a:tc>
+                  <a:txBody>
+                    <a:bodyPr/>
+                    <a:lstStyle/>
+                    <a:p>
+                      <a:pPr algn="ctr"/>
+                      <a:r>
+                        <a:rPr lang="en-US" dirty="0" smtClean="0"/>
+                        <a:t>16</a:t>
+                      </a:r>
+                      <a:endParaRPr lang="en-US" dirty="0"/>
+                    </a:p>
+                  </a:txBody>
+                  <a:tcPr>
+                    <a:lnL w="38100" cap="flat" cmpd="sng" algn="ctr">
+                      <a:solidFill>
+                        <a:srgbClr val="000000"/>
+                      </a:solidFill>
+                      <a:prstDash val="solid"/>
+                      <a:round/>
+                      <a:headEnd type="none" w="med" len="med"/>
+                      <a:tailEnd type="none" w="med" len="med"/>
+                    </a:lnL>
+                  </a:tcPr>
+                </a:tc>
+              </a:tr>
+            </a:tbl>
+          </a:graphicData>
+        </a:graphic>
+      </p:graphicFrame>
     </p:spTree>
     <p:extLst>
       <p:ext uri="{BB962C8B-B14F-4D97-AF65-F5344CB8AC3E}">
@@ -7123,13 +7318,8 @@
             </a:r>
             <a:r>
               <a:rPr lang="nl-BE" dirty="0" smtClean="0"/>
-              <a:t> </a:t>
-            </a:r>
-            <a:r>
-              <a:rPr lang="nl-BE" dirty="0" smtClean="0"/>
-              <a:t>Ons doel</a:t>
-            </a:r>
-            <a:endParaRPr lang="nl-BE" dirty="0" smtClean="0"/>
+              <a:t> Ons doel</a:t>
+            </a:r>
           </a:p>
           <a:p>
             <a:pPr>
@@ -7679,7 +7869,7 @@
   <p:timing>
     <p:tnLst>
       <p:par>
-        <p:cTn id="1" dur="indefinite" restart="never" nodeType="tmRoot"/>
+        <p:cTn xmlns:p14="http://schemas.microsoft.com/office/powerpoint/2010/main" id="1" dur="indefinite" restart="never" nodeType="tmRoot"/>
       </p:par>
     </p:tnLst>
   </p:timing>
@@ -7770,7 +7960,7 @@
   <p:timing>
     <p:tnLst>
       <p:par>
-        <p:cTn id="1" dur="indefinite" restart="never" nodeType="tmRoot"/>
+        <p:cTn xmlns:p14="http://schemas.microsoft.com/office/powerpoint/2010/main" id="1" dur="indefinite" restart="never" nodeType="tmRoot"/>
       </p:par>
     </p:tnLst>
   </p:timing>
@@ -7885,23 +8075,19 @@
             </a:r>
             <a:r>
               <a:rPr lang="nl-BE" dirty="0" smtClean="0"/>
-              <a:t> Programming </a:t>
-            </a:r>
-            <a:r>
-              <a:rPr lang="nl-BE" dirty="0" err="1" smtClean="0"/>
-              <a:t>by</a:t>
+              <a:t> </a:t>
             </a:r>
             <a:r>
               <a:rPr lang="nl-BE" dirty="0" smtClean="0"/>
-              <a:t> </a:t>
-            </a:r>
-            <a:r>
-              <a:rPr lang="nl-BE" dirty="0" err="1" smtClean="0"/>
-              <a:t>example</a:t>
-            </a:r>
-            <a:r>
-              <a:rPr lang="nl-BE" dirty="0" smtClean="0"/>
-              <a:t> </a:t>
+              <a:t>End-User programming</a:t>
+            </a:r>
+            <a:r>
+              <a:rPr lang="nl-BE" dirty="0" smtClean="0">
+                <a:solidFill>
+                  <a:srgbClr val="FF0000"/>
+                </a:solidFill>
+              </a:rPr>
+              <a:t>(</a:t>
             </a:r>
             <a:r>
               <a:rPr lang="nl-BE" dirty="0">
@@ -7909,7 +8095,7 @@
                   <a:srgbClr val="FF0000"/>
                 </a:solidFill>
               </a:rPr>
-              <a:t>(&lt;- vertalen?)</a:t>
+              <a:t>&lt;- vertalen?)</a:t>
             </a:r>
             <a:endParaRPr lang="en-US" dirty="0"/>
           </a:p>
@@ -7971,7 +8157,7 @@
     </a:clrScheme>
     <a:fontScheme name="Retrospect">
       <a:majorFont>
-        <a:latin typeface="Calibri Light" panose="020F0302020204030204"/>
+        <a:latin typeface="Calibri Light"/>
         <a:ea typeface=""/>
         <a:cs typeface=""/>
         <a:font script="Jpan" typeface="ＭＳ Ｐゴシック"/>
@@ -8006,7 +8192,7 @@
         <a:font script="Geor" typeface="Sylfaen"/>
       </a:majorFont>
       <a:minorFont>
-        <a:latin typeface="Calibri" panose="020F0502020204030204"/>
+        <a:latin typeface="Calibri"/>
         <a:ea typeface=""/>
         <a:cs typeface=""/>
         <a:font script="Jpan" typeface="ＭＳ Ｐゴシック"/>
@@ -8205,7 +8391,7 @@
   <a:extraClrSchemeLst/>
   <a:extLst>
     <a:ext uri="{05A4C25C-085E-4340-85A3-A5531E510DB2}">
-      <thm15:themeFamily xmlns:thm15="http://schemas.microsoft.com/office/thememl/2012/main" name="Retrospect" id="{5F128B03-DCCA-4EEB-AB3B-CF2899314A46}" vid="{3F1AAB62-24C6-49D2-8E01-B56FAC9A3DCD}"/>
+      <thm15:themeFamily xmlns:thm15="http://schemas.microsoft.com/office/thememl/2012/main" xmlns="" name="Retrospect" id="{5F128B03-DCCA-4EEB-AB3B-CF2899314A46}" vid="{3F1AAB62-24C6-49D2-8E01-B56FAC9A3DCD}"/>
     </a:ext>
   </a:extLst>
 </a:theme>

--- a/Opdracht 2/Literatuurstudie.pptx
+++ b/Opdracht 2/Literatuurstudie.pptx
@@ -8,30 +8,30 @@
     <p:sldId id="256" r:id="rId2"/>
     <p:sldId id="259" r:id="rId3"/>
     <p:sldId id="257" r:id="rId4"/>
-    <p:sldId id="260" r:id="rId5"/>
-    <p:sldId id="263" r:id="rId6"/>
-    <p:sldId id="262" r:id="rId7"/>
-    <p:sldId id="264" r:id="rId8"/>
-    <p:sldId id="265" r:id="rId9"/>
-    <p:sldId id="266" r:id="rId10"/>
-    <p:sldId id="267" r:id="rId11"/>
-    <p:sldId id="271" r:id="rId12"/>
-    <p:sldId id="268" r:id="rId13"/>
-    <p:sldId id="269" r:id="rId14"/>
-    <p:sldId id="272" r:id="rId15"/>
-    <p:sldId id="270" r:id="rId16"/>
-    <p:sldId id="273" r:id="rId17"/>
-    <p:sldId id="274" r:id="rId18"/>
-    <p:sldId id="275" r:id="rId19"/>
-    <p:sldId id="276" r:id="rId20"/>
-    <p:sldId id="277" r:id="rId21"/>
-    <p:sldId id="278" r:id="rId22"/>
-    <p:sldId id="279" r:id="rId23"/>
-    <p:sldId id="280" r:id="rId24"/>
-    <p:sldId id="281" r:id="rId25"/>
-    <p:sldId id="282" r:id="rId26"/>
-    <p:sldId id="283" r:id="rId27"/>
-    <p:sldId id="284" r:id="rId28"/>
+    <p:sldId id="285" r:id="rId5"/>
+    <p:sldId id="286" r:id="rId6"/>
+    <p:sldId id="287" r:id="rId7"/>
+    <p:sldId id="288" r:id="rId8"/>
+    <p:sldId id="289" r:id="rId9"/>
+    <p:sldId id="290" r:id="rId10"/>
+    <p:sldId id="266" r:id="rId11"/>
+    <p:sldId id="267" r:id="rId12"/>
+    <p:sldId id="271" r:id="rId13"/>
+    <p:sldId id="268" r:id="rId14"/>
+    <p:sldId id="269" r:id="rId15"/>
+    <p:sldId id="272" r:id="rId16"/>
+    <p:sldId id="270" r:id="rId17"/>
+    <p:sldId id="273" r:id="rId18"/>
+    <p:sldId id="274" r:id="rId19"/>
+    <p:sldId id="275" r:id="rId20"/>
+    <p:sldId id="276" r:id="rId21"/>
+    <p:sldId id="277" r:id="rId22"/>
+    <p:sldId id="278" r:id="rId23"/>
+    <p:sldId id="279" r:id="rId24"/>
+    <p:sldId id="280" r:id="rId25"/>
+    <p:sldId id="281" r:id="rId26"/>
+    <p:sldId id="282" r:id="rId27"/>
+    <p:sldId id="283" r:id="rId28"/>
   </p:sldIdLst>
   <p:sldSz cx="12192000" cy="6858000"/>
   <p:notesSz cx="6858000" cy="9144000"/>
@@ -132,7 +132,18 @@
   </p:defaultTextStyle>
   <p:extLst>
     <p:ext uri="{EFAFB233-063F-42B5-8137-9DF3F51BA10A}">
-      <p15:sldGuideLst xmlns:p15="http://schemas.microsoft.com/office/powerpoint/2012/main" xmlns=""/>
+      <p15:sldGuideLst xmlns:p15="http://schemas.microsoft.com/office/powerpoint/2012/main">
+        <p15:guide id="1" orient="horz" pos="2160">
+          <p15:clr>
+            <a:srgbClr val="A4A3A4"/>
+          </p15:clr>
+        </p15:guide>
+        <p15:guide id="2" pos="3840">
+          <p15:clr>
+            <a:srgbClr val="A4A3A4"/>
+          </p15:clr>
+        </p15:guide>
+      </p15:sldGuideLst>
     </p:ext>
   </p:extLst>
 </p:presentation>
@@ -364,7 +375,7 @@
           <a:p>
             <a:fld id="{19DCFD5E-870D-4395-9E30-B29FE39655A2}" type="datetimeFigureOut">
               <a:rPr lang="nl-BE" smtClean="0"/>
-              <a:t>22/10/14</a:t>
+              <a:t>22/10/2014</a:t>
             </a:fld>
             <a:endParaRPr lang="nl-BE"/>
           </a:p>
@@ -572,7 +583,7 @@
           <a:p>
             <a:fld id="{19DCFD5E-870D-4395-9E30-B29FE39655A2}" type="datetimeFigureOut">
               <a:rPr lang="nl-BE" smtClean="0"/>
-              <a:t>22/10/14</a:t>
+              <a:t>22/10/2014</a:t>
             </a:fld>
             <a:endParaRPr lang="nl-BE"/>
           </a:p>
@@ -828,7 +839,7 @@
           <a:p>
             <a:fld id="{19DCFD5E-870D-4395-9E30-B29FE39655A2}" type="datetimeFigureOut">
               <a:rPr lang="nl-BE" smtClean="0"/>
-              <a:t>22/10/14</a:t>
+              <a:t>22/10/2014</a:t>
             </a:fld>
             <a:endParaRPr lang="nl-BE"/>
           </a:p>
@@ -1002,7 +1013,7 @@
           <a:p>
             <a:fld id="{19DCFD5E-870D-4395-9E30-B29FE39655A2}" type="datetimeFigureOut">
               <a:rPr lang="nl-BE" smtClean="0"/>
-              <a:t>22/10/14</a:t>
+              <a:t>22/10/2014</a:t>
             </a:fld>
             <a:endParaRPr lang="nl-BE"/>
           </a:p>
@@ -1345,7 +1356,7 @@
           <a:p>
             <a:fld id="{19DCFD5E-870D-4395-9E30-B29FE39655A2}" type="datetimeFigureOut">
               <a:rPr lang="nl-BE" smtClean="0"/>
-              <a:t>22/10/14</a:t>
+              <a:t>22/10/2014</a:t>
             </a:fld>
             <a:endParaRPr lang="nl-BE"/>
           </a:p>
@@ -1620,7 +1631,7 @@
           <a:p>
             <a:fld id="{19DCFD5E-870D-4395-9E30-B29FE39655A2}" type="datetimeFigureOut">
               <a:rPr lang="nl-BE" smtClean="0"/>
-              <a:t>22/10/14</a:t>
+              <a:t>22/10/2014</a:t>
             </a:fld>
             <a:endParaRPr lang="nl-BE"/>
           </a:p>
@@ -1999,7 +2010,7 @@
           <a:p>
             <a:fld id="{19DCFD5E-870D-4395-9E30-B29FE39655A2}" type="datetimeFigureOut">
               <a:rPr lang="nl-BE" smtClean="0"/>
-              <a:t>22/10/14</a:t>
+              <a:t>22/10/2014</a:t>
             </a:fld>
             <a:endParaRPr lang="nl-BE"/>
           </a:p>
@@ -2117,7 +2128,7 @@
           <a:p>
             <a:fld id="{19DCFD5E-870D-4395-9E30-B29FE39655A2}" type="datetimeFigureOut">
               <a:rPr lang="nl-BE" smtClean="0"/>
-              <a:t>22/10/14</a:t>
+              <a:t>22/10/2014</a:t>
             </a:fld>
             <a:endParaRPr lang="nl-BE"/>
           </a:p>
@@ -2288,7 +2299,7 @@
           <a:p>
             <a:fld id="{19DCFD5E-870D-4395-9E30-B29FE39655A2}" type="datetimeFigureOut">
               <a:rPr lang="nl-BE" smtClean="0"/>
-              <a:t>22/10/14</a:t>
+              <a:t>22/10/2014</a:t>
             </a:fld>
             <a:endParaRPr lang="nl-BE"/>
           </a:p>
@@ -2642,7 +2653,7 @@
           <a:p>
             <a:fld id="{19DCFD5E-870D-4395-9E30-B29FE39655A2}" type="datetimeFigureOut">
               <a:rPr lang="nl-BE" smtClean="0"/>
-              <a:t>22/10/14</a:t>
+              <a:t>22/10/2014</a:t>
             </a:fld>
             <a:endParaRPr lang="nl-BE"/>
           </a:p>
@@ -3024,7 +3035,7 @@
           <a:p>
             <a:fld id="{19DCFD5E-870D-4395-9E30-B29FE39655A2}" type="datetimeFigureOut">
               <a:rPr lang="nl-BE" smtClean="0"/>
-              <a:t>22/10/14</a:t>
+              <a:t>22/10/2014</a:t>
             </a:fld>
             <a:endParaRPr lang="nl-BE"/>
           </a:p>
@@ -3311,7 +3322,7 @@
           <a:p>
             <a:fld id="{19DCFD5E-870D-4395-9E30-B29FE39655A2}" type="datetimeFigureOut">
               <a:rPr lang="nl-BE" smtClean="0"/>
-              <a:t>22/10/14</a:t>
+              <a:t>22/10/2014</a:t>
             </a:fld>
             <a:endParaRPr lang="nl-BE"/>
           </a:p>
@@ -3914,10 +3925,167 @@
   <p:clrMapOvr>
     <a:masterClrMapping/>
   </p:clrMapOvr>
+  <p:timing>
+    <p:tnLst>
+      <p:par>
+        <p:cTn id="1" dur="indefinite" restart="never" nodeType="tmRoot"/>
+      </p:par>
+    </p:tnLst>
+  </p:timing>
 </p:sld>
 </file>
 
 <file path=ppt/slides/slide10.xml><?xml version="1.0" encoding="utf-8"?>
+<p:sld xmlns:a="http://schemas.openxmlformats.org/drawingml/2006/main" xmlns:r="http://schemas.openxmlformats.org/officeDocument/2006/relationships" xmlns:p="http://schemas.openxmlformats.org/presentationml/2006/main">
+  <p:cSld>
+    <p:spTree>
+      <p:nvGrpSpPr>
+        <p:cNvPr id="1" name=""/>
+        <p:cNvGrpSpPr/>
+        <p:nvPr/>
+      </p:nvGrpSpPr>
+      <p:grpSpPr>
+        <a:xfrm>
+          <a:off x="0" y="0"/>
+          <a:ext cx="0" cy="0"/>
+          <a:chOff x="0" y="0"/>
+          <a:chExt cx="0" cy="0"/>
+        </a:xfrm>
+      </p:grpSpPr>
+      <p:sp>
+        <p:nvSpPr>
+          <p:cNvPr id="2" name="Title 1"/>
+          <p:cNvSpPr>
+            <a:spLocks noGrp="1"/>
+          </p:cNvSpPr>
+          <p:nvPr>
+            <p:ph type="title"/>
+          </p:nvPr>
+        </p:nvSpPr>
+        <p:spPr/>
+        <p:txBody>
+          <a:bodyPr/>
+          <a:lstStyle/>
+          <a:p>
+            <a:r>
+              <a:rPr lang="nl-BE" dirty="0" smtClean="0"/>
+              <a:t>Overzicht: </a:t>
+            </a:r>
+            <a:br>
+              <a:rPr lang="nl-BE" dirty="0" smtClean="0"/>
+            </a:br>
+            <a:r>
+              <a:rPr lang="nl-BE" dirty="0" smtClean="0"/>
+              <a:t>Spreadsheet </a:t>
+            </a:r>
+            <a:r>
+              <a:rPr lang="nl-BE" dirty="0"/>
+              <a:t>tabel transformaties</a:t>
+            </a:r>
+            <a:endParaRPr lang="en-US" dirty="0"/>
+          </a:p>
+        </p:txBody>
+      </p:sp>
+      <p:sp>
+        <p:nvSpPr>
+          <p:cNvPr id="3" name="Content Placeholder 2"/>
+          <p:cNvSpPr>
+            <a:spLocks noGrp="1"/>
+          </p:cNvSpPr>
+          <p:nvPr>
+            <p:ph idx="1"/>
+          </p:nvPr>
+        </p:nvSpPr>
+        <p:spPr/>
+        <p:txBody>
+          <a:bodyPr/>
+          <a:lstStyle/>
+          <a:p>
+            <a:pPr>
+              <a:buFont typeface="Arial" panose="020B0604020202020204" pitchFamily="34" charset="0"/>
+              <a:buChar char="•"/>
+            </a:pPr>
+            <a:r>
+              <a:rPr lang="nl-BE" dirty="0" smtClean="0"/>
+              <a:t>  Concept oplossing generatie</a:t>
+            </a:r>
+          </a:p>
+          <a:p>
+            <a:pPr>
+              <a:buFont typeface="Arial" panose="020B0604020202020204" pitchFamily="34" charset="0"/>
+              <a:buChar char="•"/>
+            </a:pPr>
+            <a:r>
+              <a:rPr lang="nl-BE" dirty="0"/>
+              <a:t> </a:t>
+            </a:r>
+            <a:r>
+              <a:rPr lang="nl-BE" dirty="0" smtClean="0"/>
+              <a:t> Domein kennis</a:t>
+            </a:r>
+            <a:r>
+              <a:rPr lang="nl-BE" dirty="0" smtClean="0">
+                <a:solidFill>
+                  <a:srgbClr val="FF0000"/>
+                </a:solidFill>
+              </a:rPr>
+              <a:t>(&lt;- vertalen?)</a:t>
+            </a:r>
+          </a:p>
+          <a:p>
+            <a:pPr>
+              <a:buFont typeface="Arial" panose="020B0604020202020204" pitchFamily="34" charset="0"/>
+              <a:buChar char="•"/>
+            </a:pPr>
+            <a:r>
+              <a:rPr lang="nl-BE" dirty="0"/>
+              <a:t> </a:t>
+            </a:r>
+            <a:r>
+              <a:rPr lang="nl-BE" dirty="0" smtClean="0"/>
+              <a:t> End-User programming</a:t>
+            </a:r>
+            <a:r>
+              <a:rPr lang="nl-BE" dirty="0" smtClean="0">
+                <a:solidFill>
+                  <a:srgbClr val="FF0000"/>
+                </a:solidFill>
+              </a:rPr>
+              <a:t>(</a:t>
+            </a:r>
+            <a:r>
+              <a:rPr lang="nl-BE" dirty="0">
+                <a:solidFill>
+                  <a:srgbClr val="FF0000"/>
+                </a:solidFill>
+              </a:rPr>
+              <a:t>&lt;- vertalen?)</a:t>
+            </a:r>
+            <a:endParaRPr lang="en-US" dirty="0"/>
+          </a:p>
+        </p:txBody>
+      </p:sp>
+    </p:spTree>
+    <p:extLst>
+      <p:ext uri="{BB962C8B-B14F-4D97-AF65-F5344CB8AC3E}">
+        <p14:creationId xmlns:p14="http://schemas.microsoft.com/office/powerpoint/2010/main" val="848964369"/>
+      </p:ext>
+    </p:extLst>
+  </p:cSld>
+  <p:clrMapOvr>
+    <a:masterClrMapping/>
+  </p:clrMapOvr>
+  <p:timing>
+    <p:tnLst>
+      <p:par>
+        <p:cTn id="1" dur="indefinite" restart="never" nodeType="tmRoot"/>
+      </p:par>
+    </p:tnLst>
+  </p:timing>
+</p:sld>
+</file>
+
+<file path=ppt/slides/slide11.xml><?xml version="1.0" encoding="utf-8"?>
 <p:sld xmlns:a="http://schemas.openxmlformats.org/drawingml/2006/main" xmlns:r="http://schemas.openxmlformats.org/officeDocument/2006/relationships" xmlns:p="http://schemas.openxmlformats.org/presentationml/2006/main">
   <p:cSld>
     <p:spTree>
@@ -4101,10 +4269,17 @@
   <p:clrMapOvr>
     <a:masterClrMapping/>
   </p:clrMapOvr>
+  <p:timing>
+    <p:tnLst>
+      <p:par>
+        <p:cTn id="1" dur="indefinite" restart="never" nodeType="tmRoot"/>
+      </p:par>
+    </p:tnLst>
+  </p:timing>
 </p:sld>
 </file>
 
-<file path=ppt/slides/slide11.xml><?xml version="1.0" encoding="utf-8"?>
+<file path=ppt/slides/slide12.xml><?xml version="1.0" encoding="utf-8"?>
 <p:sld xmlns:a="http://schemas.openxmlformats.org/drawingml/2006/main" xmlns:r="http://schemas.openxmlformats.org/officeDocument/2006/relationships" xmlns:p="http://schemas.openxmlformats.org/presentationml/2006/main">
   <p:cSld>
     <p:spTree>
@@ -4184,10 +4359,17 @@
   <p:clrMapOvr>
     <a:masterClrMapping/>
   </p:clrMapOvr>
+  <p:timing>
+    <p:tnLst>
+      <p:par>
+        <p:cTn id="1" dur="indefinite" restart="never" nodeType="tmRoot"/>
+      </p:par>
+    </p:tnLst>
+  </p:timing>
 </p:sld>
 </file>
 
-<file path=ppt/slides/slide12.xml><?xml version="1.0" encoding="utf-8"?>
+<file path=ppt/slides/slide13.xml><?xml version="1.0" encoding="utf-8"?>
 <p:sld xmlns:a="http://schemas.openxmlformats.org/drawingml/2006/main" xmlns:r="http://schemas.openxmlformats.org/officeDocument/2006/relationships" xmlns:p="http://schemas.openxmlformats.org/presentationml/2006/main">
   <p:cSld>
     <p:spTree>
@@ -4321,146 +4503,13 @@
   <p:clrMapOvr>
     <a:masterClrMapping/>
   </p:clrMapOvr>
-</p:sld>
-</file>
-
-<file path=ppt/slides/slide13.xml><?xml version="1.0" encoding="utf-8"?>
-<p:sld xmlns:a="http://schemas.openxmlformats.org/drawingml/2006/main" xmlns:r="http://schemas.openxmlformats.org/officeDocument/2006/relationships" xmlns:p="http://schemas.openxmlformats.org/presentationml/2006/main">
-  <p:cSld>
-    <p:spTree>
-      <p:nvGrpSpPr>
-        <p:cNvPr id="1" name=""/>
-        <p:cNvGrpSpPr/>
-        <p:nvPr/>
-      </p:nvGrpSpPr>
-      <p:grpSpPr>
-        <a:xfrm>
-          <a:off x="0" y="0"/>
-          <a:ext cx="0" cy="0"/>
-          <a:chOff x="0" y="0"/>
-          <a:chExt cx="0" cy="0"/>
-        </a:xfrm>
-      </p:grpSpPr>
-      <p:sp>
-        <p:nvSpPr>
-          <p:cNvPr id="2" name="Title 1"/>
-          <p:cNvSpPr>
-            <a:spLocks noGrp="1"/>
-          </p:cNvSpPr>
-          <p:nvPr>
-            <p:ph type="title"/>
-          </p:nvPr>
-        </p:nvSpPr>
-        <p:spPr/>
-        <p:txBody>
-          <a:bodyPr/>
-          <a:lstStyle/>
-          <a:p>
-            <a:r>
-              <a:rPr lang="nl-BE" dirty="0" smtClean="0"/>
-              <a:t>End-User Programming </a:t>
-            </a:r>
-            <a:r>
-              <a:rPr lang="nl-BE" dirty="0">
-                <a:solidFill>
-                  <a:srgbClr val="FF0000"/>
-                </a:solidFill>
-              </a:rPr>
-              <a:t>(&lt;- vertalen</a:t>
-            </a:r>
-            <a:r>
-              <a:rPr lang="nl-BE" dirty="0" smtClean="0">
-                <a:solidFill>
-                  <a:srgbClr val="FF0000"/>
-                </a:solidFill>
-              </a:rPr>
-              <a:t>?)</a:t>
-            </a:r>
-            <a:endParaRPr lang="en-US" dirty="0"/>
-          </a:p>
-        </p:txBody>
-      </p:sp>
-      <p:sp>
-        <p:nvSpPr>
-          <p:cNvPr id="3" name="Content Placeholder 2"/>
-          <p:cNvSpPr>
-            <a:spLocks noGrp="1"/>
-          </p:cNvSpPr>
-          <p:nvPr>
-            <p:ph idx="1"/>
-          </p:nvPr>
-        </p:nvSpPr>
-        <p:spPr/>
-        <p:txBody>
-          <a:bodyPr/>
-          <a:lstStyle/>
-          <a:p>
-            <a:pPr marL="0" indent="0">
-              <a:buNone/>
-            </a:pPr>
-            <a:r>
-              <a:rPr lang="en-US" dirty="0" err="1" smtClean="0"/>
-              <a:t>Repetitieve</a:t>
-            </a:r>
-            <a:r>
-              <a:rPr lang="en-US" dirty="0" smtClean="0"/>
-              <a:t> taken</a:t>
-            </a:r>
-          </a:p>
-          <a:p>
-            <a:pPr marL="0" indent="0">
-              <a:buNone/>
-            </a:pPr>
-            <a:r>
-              <a:rPr lang="en-US" dirty="0" err="1" smtClean="0"/>
-              <a:t>Weinig</a:t>
-            </a:r>
-            <a:r>
-              <a:rPr lang="en-US" dirty="0" smtClean="0"/>
-              <a:t> tot </a:t>
-            </a:r>
-            <a:r>
-              <a:rPr lang="en-US" dirty="0" err="1" smtClean="0"/>
-              <a:t>geen</a:t>
-            </a:r>
-            <a:r>
-              <a:rPr lang="en-US" dirty="0" smtClean="0"/>
-              <a:t> </a:t>
-            </a:r>
-            <a:r>
-              <a:rPr lang="en-US" dirty="0" err="1" smtClean="0"/>
-              <a:t>programmeer</a:t>
-            </a:r>
-            <a:r>
-              <a:rPr lang="en-US" dirty="0" err="1" smtClean="0"/>
-              <a:t>kennis</a:t>
-            </a:r>
-            <a:endParaRPr lang="en-US" dirty="0" smtClean="0"/>
-          </a:p>
-          <a:p>
-            <a:pPr marL="0" indent="0">
-              <a:buNone/>
-            </a:pPr>
-            <a:endParaRPr lang="en-US" dirty="0" smtClean="0"/>
-          </a:p>
-          <a:p>
-            <a:pPr marL="0" indent="0">
-              <a:buNone/>
-            </a:pPr>
-            <a:endParaRPr lang="en-US" dirty="0"/>
-          </a:p>
-        </p:txBody>
-      </p:sp>
-    </p:spTree>
-    <p:extLst>
-      <p:ext uri="{BB962C8B-B14F-4D97-AF65-F5344CB8AC3E}">
-        <p14:creationId xmlns:p14="http://schemas.microsoft.com/office/powerpoint/2010/main" val="239212845"/>
-      </p:ext>
-    </p:extLst>
-  </p:cSld>
-  <p:clrMapOvr>
-    <a:masterClrMapping/>
-  </p:clrMapOvr>
+  <p:timing>
+    <p:tnLst>
+      <p:par>
+        <p:cTn id="1" dur="indefinite" restart="never" nodeType="tmRoot"/>
+      </p:par>
+    </p:tnLst>
+  </p:timing>
 </p:sld>
 </file>
 
@@ -4496,13 +4545,33 @@
           <a:bodyPr/>
           <a:lstStyle/>
           <a:p>
-            <a:endParaRPr lang="en-US"/>
-          </a:p>
-        </p:txBody>
-      </p:sp>
-      <p:sp>
-        <p:nvSpPr>
-          <p:cNvPr id="5" name="Content Placeholder 4"/>
+            <a:r>
+              <a:rPr lang="nl-BE" dirty="0" smtClean="0"/>
+              <a:t>End-User Programming </a:t>
+            </a:r>
+            <a:r>
+              <a:rPr lang="nl-BE" dirty="0">
+                <a:solidFill>
+                  <a:srgbClr val="FF0000"/>
+                </a:solidFill>
+              </a:rPr>
+              <a:t>(&lt;- vertalen</a:t>
+            </a:r>
+            <a:r>
+              <a:rPr lang="nl-BE" dirty="0" smtClean="0">
+                <a:solidFill>
+                  <a:srgbClr val="FF0000"/>
+                </a:solidFill>
+              </a:rPr>
+              <a:t>?)</a:t>
+            </a:r>
+            <a:endParaRPr lang="en-US" dirty="0"/>
+          </a:p>
+        </p:txBody>
+      </p:sp>
+      <p:sp>
+        <p:nvSpPr>
+          <p:cNvPr id="3" name="Content Placeholder 2"/>
           <p:cNvSpPr>
             <a:spLocks noGrp="1"/>
           </p:cNvSpPr>
@@ -4515,20 +4584,75 @@
           <a:bodyPr/>
           <a:lstStyle/>
           <a:p>
-            <a:endParaRPr lang="en-US"/>
+            <a:pPr marL="0" indent="0">
+              <a:buNone/>
+            </a:pPr>
+            <a:r>
+              <a:rPr lang="en-US" dirty="0" err="1" smtClean="0"/>
+              <a:t>Repetitieve</a:t>
+            </a:r>
+            <a:r>
+              <a:rPr lang="en-US" dirty="0" smtClean="0"/>
+              <a:t> taken</a:t>
+            </a:r>
+          </a:p>
+          <a:p>
+            <a:pPr marL="0" indent="0">
+              <a:buNone/>
+            </a:pPr>
+            <a:r>
+              <a:rPr lang="en-US" dirty="0" err="1" smtClean="0"/>
+              <a:t>Weinig</a:t>
+            </a:r>
+            <a:r>
+              <a:rPr lang="en-US" dirty="0" smtClean="0"/>
+              <a:t> tot </a:t>
+            </a:r>
+            <a:r>
+              <a:rPr lang="en-US" dirty="0" err="1" smtClean="0"/>
+              <a:t>geen</a:t>
+            </a:r>
+            <a:r>
+              <a:rPr lang="en-US" dirty="0" smtClean="0"/>
+              <a:t> </a:t>
+            </a:r>
+            <a:r>
+              <a:rPr lang="en-US" dirty="0" err="1" smtClean="0"/>
+              <a:t>programmeerkennis</a:t>
+            </a:r>
+            <a:endParaRPr lang="en-US" dirty="0" smtClean="0"/>
+          </a:p>
+          <a:p>
+            <a:pPr marL="0" indent="0">
+              <a:buNone/>
+            </a:pPr>
+            <a:endParaRPr lang="en-US" dirty="0" smtClean="0"/>
+          </a:p>
+          <a:p>
+            <a:pPr marL="0" indent="0">
+              <a:buNone/>
+            </a:pPr>
+            <a:endParaRPr lang="en-US" dirty="0"/>
           </a:p>
         </p:txBody>
       </p:sp>
     </p:spTree>
     <p:extLst>
       <p:ext uri="{BB962C8B-B14F-4D97-AF65-F5344CB8AC3E}">
-        <p14:creationId xmlns:p14="http://schemas.microsoft.com/office/powerpoint/2010/main" val="2473371501"/>
+        <p14:creationId xmlns:p14="http://schemas.microsoft.com/office/powerpoint/2010/main" val="239212845"/>
       </p:ext>
     </p:extLst>
   </p:cSld>
   <p:clrMapOvr>
     <a:masterClrMapping/>
   </p:clrMapOvr>
+  <p:timing>
+    <p:tnLst>
+      <p:par>
+        <p:cTn id="1" dur="indefinite" restart="never" nodeType="tmRoot"/>
+      </p:par>
+    </p:tnLst>
+  </p:timing>
 </p:sld>
 </file>
 
@@ -4549,8 +4673,83 @@
           <a:chExt cx="0" cy="0"/>
         </a:xfrm>
       </p:grpSpPr>
-      <mc:AlternateContent xmlns:mc="http://schemas.openxmlformats.org/markup-compatibility/2006">
-        <mc:Choice xmlns:a14="http://schemas.microsoft.com/office/drawing/2010/main" Requires="a14">
+      <p:sp>
+        <p:nvSpPr>
+          <p:cNvPr id="2" name="Title 1"/>
+          <p:cNvSpPr>
+            <a:spLocks noGrp="1"/>
+          </p:cNvSpPr>
+          <p:nvPr>
+            <p:ph type="title"/>
+          </p:nvPr>
+        </p:nvSpPr>
+        <p:spPr/>
+        <p:txBody>
+          <a:bodyPr/>
+          <a:lstStyle/>
+          <a:p>
+            <a:endParaRPr lang="en-US"/>
+          </a:p>
+        </p:txBody>
+      </p:sp>
+      <p:sp>
+        <p:nvSpPr>
+          <p:cNvPr id="5" name="Content Placeholder 4"/>
+          <p:cNvSpPr>
+            <a:spLocks noGrp="1"/>
+          </p:cNvSpPr>
+          <p:nvPr>
+            <p:ph idx="1"/>
+          </p:nvPr>
+        </p:nvSpPr>
+        <p:spPr/>
+        <p:txBody>
+          <a:bodyPr/>
+          <a:lstStyle/>
+          <a:p>
+            <a:endParaRPr lang="en-US"/>
+          </a:p>
+        </p:txBody>
+      </p:sp>
+    </p:spTree>
+    <p:extLst>
+      <p:ext uri="{BB962C8B-B14F-4D97-AF65-F5344CB8AC3E}">
+        <p14:creationId xmlns:p14="http://schemas.microsoft.com/office/powerpoint/2010/main" val="2473371501"/>
+      </p:ext>
+    </p:extLst>
+  </p:cSld>
+  <p:clrMapOvr>
+    <a:masterClrMapping/>
+  </p:clrMapOvr>
+  <p:timing>
+    <p:tnLst>
+      <p:par>
+        <p:cTn id="1" dur="indefinite" restart="never" nodeType="tmRoot"/>
+      </p:par>
+    </p:tnLst>
+  </p:timing>
+</p:sld>
+</file>
+
+<file path=ppt/slides/slide16.xml><?xml version="1.0" encoding="utf-8"?>
+<p:sld xmlns:a="http://schemas.openxmlformats.org/drawingml/2006/main" xmlns:r="http://schemas.openxmlformats.org/officeDocument/2006/relationships" xmlns:p="http://schemas.openxmlformats.org/presentationml/2006/main">
+  <p:cSld>
+    <p:spTree>
+      <p:nvGrpSpPr>
+        <p:cNvPr id="1" name=""/>
+        <p:cNvGrpSpPr/>
+        <p:nvPr/>
+      </p:nvGrpSpPr>
+      <p:grpSpPr>
+        <a:xfrm>
+          <a:off x="0" y="0"/>
+          <a:ext cx="0" cy="0"/>
+          <a:chOff x="0" y="0"/>
+          <a:chExt cx="0" cy="0"/>
+        </a:xfrm>
+      </p:grpSpPr>
+      <mc:AlternateContent xmlns:mc="http://schemas.openxmlformats.org/markup-compatibility/2006" xmlns:a14="http://schemas.microsoft.com/office/drawing/2010/main">
+        <mc:Choice Requires="a14">
           <p:sp>
             <p:nvSpPr>
               <p:cNvPr id="3" name="Content Placeholder 2"/>
@@ -4630,7 +4829,7 @@
                   <a:t>					         Gevonden vergelijking: </a:t>
                 </a:r>
                 <a14:m>
-                  <m:oMath xmlns:m="http://schemas.openxmlformats.org/officeDocument/2006/math" xmlns="">
+                  <m:oMath xmlns:m="http://schemas.openxmlformats.org/officeDocument/2006/math">
                     <m:sSup>
                       <m:sSupPr>
                         <m:ctrlPr>
@@ -4693,7 +4892,7 @@
             </p:txBody>
           </p:sp>
         </mc:Choice>
-        <mc:Fallback>
+        <mc:Fallback xmlns="">
           <p:sp>
             <p:nvSpPr>
               <p:cNvPr id="3" name="Content Placeholder 2"/>
@@ -6015,139 +6214,13 @@
   <p:clrMapOvr>
     <a:masterClrMapping/>
   </p:clrMapOvr>
-</p:sld>
-</file>
-
-<file path=ppt/slides/slide16.xml><?xml version="1.0" encoding="utf-8"?>
-<p:sld xmlns:a="http://schemas.openxmlformats.org/drawingml/2006/main" xmlns:r="http://schemas.openxmlformats.org/officeDocument/2006/relationships" xmlns:p="http://schemas.openxmlformats.org/presentationml/2006/main">
-  <p:cSld>
-    <p:spTree>
-      <p:nvGrpSpPr>
-        <p:cNvPr id="1" name=""/>
-        <p:cNvGrpSpPr/>
-        <p:nvPr/>
-      </p:nvGrpSpPr>
-      <p:grpSpPr>
-        <a:xfrm>
-          <a:off x="0" y="0"/>
-          <a:ext cx="0" cy="0"/>
-          <a:chOff x="0" y="0"/>
-          <a:chExt cx="0" cy="0"/>
-        </a:xfrm>
-      </p:grpSpPr>
-      <p:sp>
-        <p:nvSpPr>
-          <p:cNvPr id="2" name="Title 1"/>
-          <p:cNvSpPr>
-            <a:spLocks noGrp="1"/>
-          </p:cNvSpPr>
-          <p:nvPr>
-            <p:ph type="title"/>
-          </p:nvPr>
-        </p:nvSpPr>
-        <p:spPr/>
-        <p:txBody>
-          <a:bodyPr/>
-          <a:lstStyle/>
-          <a:p>
-            <a:r>
-              <a:rPr lang="nl-BE" dirty="0" smtClean="0"/>
-              <a:t>Overzicht:</a:t>
-            </a:r>
-            <a:br>
-              <a:rPr lang="nl-BE" dirty="0" smtClean="0"/>
-            </a:br>
-            <a:r>
-              <a:rPr lang="nl-BE" dirty="0" err="1" smtClean="0"/>
-              <a:t>Equation</a:t>
-            </a:r>
-            <a:r>
-              <a:rPr lang="nl-BE" dirty="0" smtClean="0"/>
-              <a:t> Discovery</a:t>
-            </a:r>
-            <a:endParaRPr lang="en-US" dirty="0"/>
-          </a:p>
-        </p:txBody>
-      </p:sp>
-      <p:sp>
-        <p:nvSpPr>
-          <p:cNvPr id="3" name="Content Placeholder 2"/>
-          <p:cNvSpPr>
-            <a:spLocks noGrp="1"/>
-          </p:cNvSpPr>
-          <p:nvPr>
-            <p:ph idx="1"/>
-          </p:nvPr>
-        </p:nvSpPr>
-        <p:spPr/>
-        <p:txBody>
-          <a:bodyPr/>
-          <a:lstStyle/>
-          <a:p>
-            <a:pPr>
-              <a:buFont typeface="Arial" panose="020B0604020202020204" pitchFamily="34" charset="0"/>
-              <a:buChar char="•"/>
-            </a:pPr>
-            <a:r>
-              <a:rPr lang="nl-BE" dirty="0" smtClean="0"/>
-              <a:t>  </a:t>
-            </a:r>
-            <a:r>
-              <a:rPr lang="nl-BE" dirty="0" err="1" smtClean="0"/>
-              <a:t>Inductive</a:t>
-            </a:r>
-            <a:r>
-              <a:rPr lang="nl-BE" dirty="0" smtClean="0"/>
-              <a:t> Language Bias</a:t>
-            </a:r>
-          </a:p>
-          <a:p>
-            <a:pPr>
-              <a:buFont typeface="Arial" panose="020B0604020202020204" pitchFamily="34" charset="0"/>
-              <a:buChar char="•"/>
-            </a:pPr>
-            <a:r>
-              <a:rPr lang="nl-BE" dirty="0"/>
-              <a:t> </a:t>
-            </a:r>
-            <a:r>
-              <a:rPr lang="nl-BE" dirty="0" smtClean="0"/>
-              <a:t> </a:t>
-            </a:r>
-            <a:r>
-              <a:rPr lang="nl-BE" dirty="0" err="1" smtClean="0"/>
-              <a:t>Lagrambe</a:t>
-            </a:r>
-            <a:r>
-              <a:rPr lang="nl-BE" dirty="0" smtClean="0"/>
-              <a:t> </a:t>
-            </a:r>
-            <a:r>
-              <a:rPr lang="nl-BE" dirty="0" smtClean="0">
-                <a:solidFill>
-                  <a:srgbClr val="FF0000"/>
-                </a:solidFill>
-              </a:rPr>
-              <a:t>(&lt;- Verander)</a:t>
-            </a:r>
-            <a:endParaRPr lang="en-US" dirty="0">
-              <a:solidFill>
-                <a:srgbClr val="FF0000"/>
-              </a:solidFill>
-            </a:endParaRPr>
-          </a:p>
-        </p:txBody>
-      </p:sp>
-    </p:spTree>
-    <p:extLst>
-      <p:ext uri="{BB962C8B-B14F-4D97-AF65-F5344CB8AC3E}">
-        <p14:creationId xmlns:p14="http://schemas.microsoft.com/office/powerpoint/2010/main" val="2060028207"/>
-      </p:ext>
-    </p:extLst>
-  </p:cSld>
-  <p:clrMapOvr>
-    <a:masterClrMapping/>
-  </p:clrMapOvr>
+  <p:timing>
+    <p:tnLst>
+      <p:par>
+        <p:cTn id="1" dur="indefinite" restart="never" nodeType="tmRoot"/>
+      </p:par>
+    </p:tnLst>
+  </p:timing>
 </p:sld>
 </file>
 
@@ -6183,7 +6256,22 @@
           <a:bodyPr/>
           <a:lstStyle/>
           <a:p>
-            <a:endParaRPr lang="en-US"/>
+            <a:r>
+              <a:rPr lang="nl-BE" dirty="0" smtClean="0"/>
+              <a:t>Overzicht:</a:t>
+            </a:r>
+            <a:br>
+              <a:rPr lang="nl-BE" dirty="0" smtClean="0"/>
+            </a:br>
+            <a:r>
+              <a:rPr lang="nl-BE" dirty="0" err="1" smtClean="0"/>
+              <a:t>Equation</a:t>
+            </a:r>
+            <a:r>
+              <a:rPr lang="nl-BE" dirty="0" smtClean="0"/>
+              <a:t> Discovery</a:t>
+            </a:r>
+            <a:endParaRPr lang="en-US" dirty="0"/>
           </a:p>
         </p:txBody>
       </p:sp>
@@ -6202,20 +6290,77 @@
           <a:bodyPr/>
           <a:lstStyle/>
           <a:p>
-            <a:endParaRPr lang="en-US"/>
+            <a:pPr>
+              <a:buFont typeface="Arial" panose="020B0604020202020204" pitchFamily="34" charset="0"/>
+              <a:buChar char="•"/>
+            </a:pPr>
+            <a:r>
+              <a:rPr lang="nl-BE" dirty="0" smtClean="0"/>
+              <a:t>  </a:t>
+            </a:r>
+            <a:r>
+              <a:rPr lang="nl-BE" dirty="0" err="1" smtClean="0"/>
+              <a:t>Inductive</a:t>
+            </a:r>
+            <a:r>
+              <a:rPr lang="nl-BE" dirty="0" smtClean="0"/>
+              <a:t> Language Bias</a:t>
+            </a:r>
+          </a:p>
+          <a:p>
+            <a:pPr>
+              <a:buFont typeface="Arial" panose="020B0604020202020204" pitchFamily="34" charset="0"/>
+              <a:buChar char="•"/>
+            </a:pPr>
+            <a:r>
+              <a:rPr lang="nl-BE" dirty="0"/>
+              <a:t> </a:t>
+            </a:r>
+            <a:r>
+              <a:rPr lang="nl-BE" dirty="0" smtClean="0"/>
+              <a:t> </a:t>
+            </a:r>
+            <a:r>
+              <a:rPr lang="nl-BE" dirty="0" err="1" smtClean="0"/>
+              <a:t>Lagrambe</a:t>
+            </a:r>
+            <a:r>
+              <a:rPr lang="nl-BE" dirty="0" smtClean="0"/>
+              <a:t> </a:t>
+            </a:r>
+            <a:r>
+              <a:rPr lang="nl-BE" dirty="0" smtClean="0">
+                <a:solidFill>
+                  <a:srgbClr val="FF0000"/>
+                </a:solidFill>
+              </a:rPr>
+              <a:t>(&lt;- Verander)</a:t>
+            </a:r>
+            <a:endParaRPr lang="en-US" dirty="0">
+              <a:solidFill>
+                <a:srgbClr val="FF0000"/>
+              </a:solidFill>
+            </a:endParaRPr>
           </a:p>
         </p:txBody>
       </p:sp>
     </p:spTree>
     <p:extLst>
       <p:ext uri="{BB962C8B-B14F-4D97-AF65-F5344CB8AC3E}">
-        <p14:creationId xmlns:p14="http://schemas.microsoft.com/office/powerpoint/2010/main" val="2428817191"/>
+        <p14:creationId xmlns:p14="http://schemas.microsoft.com/office/powerpoint/2010/main" val="2060028207"/>
       </p:ext>
     </p:extLst>
   </p:cSld>
   <p:clrMapOvr>
     <a:masterClrMapping/>
   </p:clrMapOvr>
+  <p:timing>
+    <p:tnLst>
+      <p:par>
+        <p:cTn id="1" dur="indefinite" restart="never" nodeType="tmRoot"/>
+      </p:par>
+    </p:tnLst>
+  </p:timing>
 </p:sld>
 </file>
 
@@ -6277,13 +6422,20 @@
     </p:spTree>
     <p:extLst>
       <p:ext uri="{BB962C8B-B14F-4D97-AF65-F5344CB8AC3E}">
-        <p14:creationId xmlns:p14="http://schemas.microsoft.com/office/powerpoint/2010/main" val="3344689338"/>
+        <p14:creationId xmlns:p14="http://schemas.microsoft.com/office/powerpoint/2010/main" val="2428817191"/>
       </p:ext>
     </p:extLst>
   </p:cSld>
   <p:clrMapOvr>
     <a:masterClrMapping/>
   </p:clrMapOvr>
+  <p:timing>
+    <p:tnLst>
+      <p:par>
+        <p:cTn id="1" dur="indefinite" restart="never" nodeType="tmRoot"/>
+      </p:par>
+    </p:tnLst>
+  </p:timing>
 </p:sld>
 </file>
 
@@ -6345,13 +6497,20 @@
     </p:spTree>
     <p:extLst>
       <p:ext uri="{BB962C8B-B14F-4D97-AF65-F5344CB8AC3E}">
-        <p14:creationId xmlns:p14="http://schemas.microsoft.com/office/powerpoint/2010/main" val="3033113370"/>
+        <p14:creationId xmlns:p14="http://schemas.microsoft.com/office/powerpoint/2010/main" val="3344689338"/>
       </p:ext>
     </p:extLst>
   </p:cSld>
   <p:clrMapOvr>
     <a:masterClrMapping/>
   </p:clrMapOvr>
+  <p:timing>
+    <p:tnLst>
+      <p:par>
+        <p:cTn id="1" dur="indefinite" restart="never" nodeType="tmRoot"/>
+      </p:par>
+    </p:tnLst>
+  </p:timing>
 </p:sld>
 </file>
 
@@ -6673,6 +6832,13 @@
   <p:clrMapOvr>
     <a:masterClrMapping/>
   </p:clrMapOvr>
+  <p:timing>
+    <p:tnLst>
+      <p:par>
+        <p:cTn id="1" dur="indefinite" restart="never" nodeType="tmRoot"/>
+      </p:par>
+    </p:tnLst>
+  </p:timing>
 </p:sld>
 </file>
 
@@ -6734,13 +6900,20 @@
     </p:spTree>
     <p:extLst>
       <p:ext uri="{BB962C8B-B14F-4D97-AF65-F5344CB8AC3E}">
-        <p14:creationId xmlns:p14="http://schemas.microsoft.com/office/powerpoint/2010/main" val="2786214848"/>
+        <p14:creationId xmlns:p14="http://schemas.microsoft.com/office/powerpoint/2010/main" val="3033113370"/>
       </p:ext>
     </p:extLst>
   </p:cSld>
   <p:clrMapOvr>
     <a:masterClrMapping/>
   </p:clrMapOvr>
+  <p:timing>
+    <p:tnLst>
+      <p:par>
+        <p:cTn id="1" dur="indefinite" restart="never" nodeType="tmRoot"/>
+      </p:par>
+    </p:tnLst>
+  </p:timing>
 </p:sld>
 </file>
 
@@ -6802,13 +6975,20 @@
     </p:spTree>
     <p:extLst>
       <p:ext uri="{BB962C8B-B14F-4D97-AF65-F5344CB8AC3E}">
-        <p14:creationId xmlns:p14="http://schemas.microsoft.com/office/powerpoint/2010/main" val="2352575886"/>
+        <p14:creationId xmlns:p14="http://schemas.microsoft.com/office/powerpoint/2010/main" val="2786214848"/>
       </p:ext>
     </p:extLst>
   </p:cSld>
   <p:clrMapOvr>
     <a:masterClrMapping/>
   </p:clrMapOvr>
+  <p:timing>
+    <p:tnLst>
+      <p:par>
+        <p:cTn id="1" dur="indefinite" restart="never" nodeType="tmRoot"/>
+      </p:par>
+    </p:tnLst>
+  </p:timing>
 </p:sld>
 </file>
 
@@ -6870,13 +7050,20 @@
     </p:spTree>
     <p:extLst>
       <p:ext uri="{BB962C8B-B14F-4D97-AF65-F5344CB8AC3E}">
-        <p14:creationId xmlns:p14="http://schemas.microsoft.com/office/powerpoint/2010/main" val="270768509"/>
+        <p14:creationId xmlns:p14="http://schemas.microsoft.com/office/powerpoint/2010/main" val="2352575886"/>
       </p:ext>
     </p:extLst>
   </p:cSld>
   <p:clrMapOvr>
     <a:masterClrMapping/>
   </p:clrMapOvr>
+  <p:timing>
+    <p:tnLst>
+      <p:par>
+        <p:cTn id="1" dur="indefinite" restart="never" nodeType="tmRoot"/>
+      </p:par>
+    </p:tnLst>
+  </p:timing>
 </p:sld>
 </file>
 
@@ -6938,13 +7125,20 @@
     </p:spTree>
     <p:extLst>
       <p:ext uri="{BB962C8B-B14F-4D97-AF65-F5344CB8AC3E}">
-        <p14:creationId xmlns:p14="http://schemas.microsoft.com/office/powerpoint/2010/main" val="4075701538"/>
+        <p14:creationId xmlns:p14="http://schemas.microsoft.com/office/powerpoint/2010/main" val="270768509"/>
       </p:ext>
     </p:extLst>
   </p:cSld>
   <p:clrMapOvr>
     <a:masterClrMapping/>
   </p:clrMapOvr>
+  <p:timing>
+    <p:tnLst>
+      <p:par>
+        <p:cTn id="1" dur="indefinite" restart="never" nodeType="tmRoot"/>
+      </p:par>
+    </p:tnLst>
+  </p:timing>
 </p:sld>
 </file>
 
@@ -7006,13 +7200,20 @@
     </p:spTree>
     <p:extLst>
       <p:ext uri="{BB962C8B-B14F-4D97-AF65-F5344CB8AC3E}">
-        <p14:creationId xmlns:p14="http://schemas.microsoft.com/office/powerpoint/2010/main" val="3335377810"/>
+        <p14:creationId xmlns:p14="http://schemas.microsoft.com/office/powerpoint/2010/main" val="4075701538"/>
       </p:ext>
     </p:extLst>
   </p:cSld>
   <p:clrMapOvr>
     <a:masterClrMapping/>
   </p:clrMapOvr>
+  <p:timing>
+    <p:tnLst>
+      <p:par>
+        <p:cTn id="1" dur="indefinite" restart="never" nodeType="tmRoot"/>
+      </p:par>
+    </p:tnLst>
+  </p:timing>
 </p:sld>
 </file>
 
@@ -7074,13 +7275,20 @@
     </p:spTree>
     <p:extLst>
       <p:ext uri="{BB962C8B-B14F-4D97-AF65-F5344CB8AC3E}">
-        <p14:creationId xmlns:p14="http://schemas.microsoft.com/office/powerpoint/2010/main" val="2029372312"/>
+        <p14:creationId xmlns:p14="http://schemas.microsoft.com/office/powerpoint/2010/main" val="3335377810"/>
       </p:ext>
     </p:extLst>
   </p:cSld>
   <p:clrMapOvr>
     <a:masterClrMapping/>
   </p:clrMapOvr>
+  <p:timing>
+    <p:tnLst>
+      <p:par>
+        <p:cTn id="1" dur="indefinite" restart="never" nodeType="tmRoot"/>
+      </p:par>
+    </p:tnLst>
+  </p:timing>
 </p:sld>
 </file>
 
@@ -7142,13 +7350,20 @@
     </p:spTree>
     <p:extLst>
       <p:ext uri="{BB962C8B-B14F-4D97-AF65-F5344CB8AC3E}">
-        <p14:creationId xmlns:p14="http://schemas.microsoft.com/office/powerpoint/2010/main" val="2613201793"/>
+        <p14:creationId xmlns:p14="http://schemas.microsoft.com/office/powerpoint/2010/main" val="2029372312"/>
       </p:ext>
     </p:extLst>
   </p:cSld>
   <p:clrMapOvr>
     <a:masterClrMapping/>
   </p:clrMapOvr>
+  <p:timing>
+    <p:tnLst>
+      <p:par>
+        <p:cTn id="1" dur="indefinite" restart="never" nodeType="tmRoot"/>
+      </p:par>
+    </p:tnLst>
+  </p:timing>
 </p:sld>
 </file>
 
@@ -7210,13 +7425,20 @@
     </p:spTree>
     <p:extLst>
       <p:ext uri="{BB962C8B-B14F-4D97-AF65-F5344CB8AC3E}">
-        <p14:creationId xmlns:p14="http://schemas.microsoft.com/office/powerpoint/2010/main" val="1458779397"/>
+        <p14:creationId xmlns:p14="http://schemas.microsoft.com/office/powerpoint/2010/main" val="2613201793"/>
       </p:ext>
     </p:extLst>
   </p:cSld>
   <p:clrMapOvr>
     <a:masterClrMapping/>
   </p:clrMapOvr>
+  <p:timing>
+    <p:tnLst>
+      <p:par>
+        <p:cTn id="1" dur="indefinite" restart="never" nodeType="tmRoot"/>
+      </p:par>
+    </p:tnLst>
+  </p:timing>
 </p:sld>
 </file>
 
@@ -7360,6 +7582,13 @@
   <p:clrMapOvr>
     <a:masterClrMapping/>
   </p:clrMapOvr>
+  <p:timing>
+    <p:tnLst>
+      <p:par>
+        <p:cTn id="1" dur="indefinite" restart="never" nodeType="tmRoot"/>
+      </p:par>
+    </p:tnLst>
+  </p:timing>
 </p:sld>
 </file>
 
@@ -7445,50 +7674,50 @@
             </a:pPr>
             <a:r>
               <a:rPr lang="nl-BE" dirty="0" smtClean="0"/>
-              <a:t>  Voorbeeld </a:t>
-            </a:r>
-            <a:r>
-              <a:rPr lang="nl-BE" dirty="0" smtClean="0">
-                <a:solidFill>
-                  <a:srgbClr val="FF0000"/>
-                </a:solidFill>
-              </a:rPr>
-              <a:t>(&lt;- betere titel)</a:t>
-            </a:r>
-          </a:p>
-          <a:p>
-            <a:pPr lvl="1">
+              <a:t>  Probleem generatie</a:t>
+            </a:r>
+          </a:p>
+          <a:p>
+            <a:pPr>
               <a:buFont typeface="Arial" panose="020B0604020202020204" pitchFamily="34" charset="0"/>
               <a:buChar char="•"/>
             </a:pPr>
             <a:r>
               <a:rPr lang="nl-BE" dirty="0" smtClean="0"/>
-              <a:t>Probleem generatie</a:t>
-            </a:r>
-          </a:p>
-          <a:p>
-            <a:pPr lvl="1">
+              <a:t>  Oplossing generatie</a:t>
+            </a:r>
+          </a:p>
+          <a:p>
+            <a:pPr>
               <a:buFont typeface="Arial" panose="020B0604020202020204" pitchFamily="34" charset="0"/>
               <a:buChar char="•"/>
             </a:pPr>
             <a:r>
               <a:rPr lang="nl-BE" dirty="0" smtClean="0"/>
-              <a:t>Oplossing generatie</a:t>
-            </a:r>
-          </a:p>
-          <a:p>
-            <a:pPr lvl="1">
+              <a:t>  Feedback generatie</a:t>
+            </a:r>
+          </a:p>
+          <a:p>
+            <a:pPr>
               <a:buFont typeface="Arial" panose="020B0604020202020204" pitchFamily="34" charset="0"/>
               <a:buChar char="•"/>
             </a:pPr>
             <a:r>
               <a:rPr lang="nl-BE" dirty="0" smtClean="0"/>
-              <a:t>Feedback </a:t>
-            </a:r>
-            <a:r>
-              <a:rPr lang="nl-BE" dirty="0"/>
-              <a:t>generatie</a:t>
-            </a:r>
+              <a:t>  Toepassing</a:t>
+            </a:r>
+            <a:endParaRPr lang="nl-BE" dirty="0">
+              <a:solidFill>
+                <a:srgbClr val="FF0000"/>
+              </a:solidFill>
+            </a:endParaRPr>
+          </a:p>
+          <a:p>
+            <a:pPr>
+              <a:buFont typeface="Arial" panose="020B0604020202020204" pitchFamily="34" charset="0"/>
+              <a:buChar char="•"/>
+            </a:pPr>
+            <a:endParaRPr lang="nl-BE" dirty="0"/>
           </a:p>
           <a:p>
             <a:pPr>
@@ -7502,13 +7731,20 @@
     </p:spTree>
     <p:extLst>
       <p:ext uri="{BB962C8B-B14F-4D97-AF65-F5344CB8AC3E}">
-        <p14:creationId xmlns:p14="http://schemas.microsoft.com/office/powerpoint/2010/main" val="522877270"/>
+        <p14:creationId xmlns:p14="http://schemas.microsoft.com/office/powerpoint/2010/main" val="1917917047"/>
       </p:ext>
     </p:extLst>
   </p:cSld>
   <p:clrMapOvr>
     <a:masterClrMapping/>
   </p:clrMapOvr>
+  <p:timing>
+    <p:tnLst>
+      <p:par>
+        <p:cTn id="1" dur="indefinite" restart="never" nodeType="tmRoot"/>
+      </p:par>
+    </p:tnLst>
+  </p:timing>
 </p:sld>
 </file>
 
@@ -7585,7 +7821,12 @@
             <p:ph sz="half" idx="2"/>
           </p:nvPr>
         </p:nvSpPr>
-        <p:spPr/>
+        <p:spPr>
+          <a:xfrm>
+            <a:off x="1097280" y="2582333"/>
+            <a:ext cx="4937760" cy="2395109"/>
+          </a:xfrm>
+        </p:spPr>
         <p:txBody>
           <a:bodyPr/>
           <a:lstStyle/>
@@ -7618,57 +7859,114 @@
               <a:rPr lang="nl-BE" dirty="0" smtClean="0"/>
               <a:t>  Bewijs en Constructie problemen</a:t>
             </a:r>
-            <a:endParaRPr lang="en-US" dirty="0"/>
-          </a:p>
-        </p:txBody>
-      </p:sp>
-      <p:sp>
-        <p:nvSpPr>
-          <p:cNvPr id="5" name="Text Placeholder 4"/>
-          <p:cNvSpPr>
-            <a:spLocks noGrp="1"/>
-          </p:cNvSpPr>
-          <p:nvPr>
-            <p:ph type="body" sz="quarter" idx="3"/>
-          </p:nvPr>
-        </p:nvSpPr>
-        <p:spPr/>
-        <p:txBody>
-          <a:bodyPr/>
-          <a:lstStyle/>
-          <a:p>
-            <a:r>
-              <a:rPr lang="nl-BE" b="1" dirty="0" smtClean="0"/>
-              <a:t>procedureel</a:t>
-            </a:r>
-            <a:endParaRPr lang="en-US" b="1" dirty="0"/>
-          </a:p>
-        </p:txBody>
-      </p:sp>
-      <p:sp>
-        <p:nvSpPr>
-          <p:cNvPr id="6" name="Content Placeholder 5"/>
-          <p:cNvSpPr>
-            <a:spLocks noGrp="1"/>
-          </p:cNvSpPr>
-          <p:nvPr>
-            <p:ph sz="quarter" idx="4"/>
-          </p:nvPr>
-        </p:nvSpPr>
-        <p:spPr/>
-        <p:txBody>
-          <a:bodyPr/>
-          <a:lstStyle/>
+          </a:p>
           <a:p>
             <a:pPr>
               <a:buFont typeface="Arial" panose="020B0604020202020204" pitchFamily="34" charset="0"/>
               <a:buChar char="•"/>
             </a:pPr>
             <a:r>
-              <a:rPr lang="nl-BE" dirty="0" smtClean="0"/>
-              <a:t>  Beslissingsmethode</a:t>
-            </a:r>
-          </a:p>
+              <a:rPr lang="nl-BE" dirty="0"/>
+              <a:t> </a:t>
+            </a:r>
+            <a:r>
+              <a:rPr lang="nl-BE" dirty="0" smtClean="0"/>
+              <a:t> Hier ligt onze focus</a:t>
+            </a:r>
+            <a:r>
+              <a:rPr lang="en-US" dirty="0"/>
+              <a:t> </a:t>
+            </a:r>
+            <a:r>
+              <a:rPr lang="en-US" dirty="0" smtClean="0">
+                <a:solidFill>
+                  <a:srgbClr val="FF0000"/>
+                </a:solidFill>
+              </a:rPr>
+              <a:t>(&lt;- </a:t>
+            </a:r>
+            <a:r>
+              <a:rPr lang="en-US" dirty="0" err="1" smtClean="0">
+                <a:solidFill>
+                  <a:srgbClr val="FF0000"/>
+                </a:solidFill>
+              </a:rPr>
+              <a:t>Hier</a:t>
+            </a:r>
+            <a:r>
+              <a:rPr lang="en-US" dirty="0" smtClean="0">
+                <a:solidFill>
+                  <a:srgbClr val="FF0000"/>
+                </a:solidFill>
+              </a:rPr>
+              <a:t> </a:t>
+            </a:r>
+            <a:r>
+              <a:rPr lang="en-US" dirty="0" err="1" smtClean="0">
+                <a:solidFill>
+                  <a:srgbClr val="FF0000"/>
+                </a:solidFill>
+              </a:rPr>
+              <a:t>zetten</a:t>
+            </a:r>
+            <a:r>
+              <a:rPr lang="en-US" dirty="0" smtClean="0">
+                <a:solidFill>
+                  <a:srgbClr val="FF0000"/>
+                </a:solidFill>
+              </a:rPr>
+              <a:t>?)</a:t>
+            </a:r>
+            <a:endParaRPr lang="nl-BE" dirty="0" smtClean="0">
+              <a:solidFill>
+                <a:srgbClr val="FF0000"/>
+              </a:solidFill>
+            </a:endParaRPr>
+          </a:p>
+        </p:txBody>
+      </p:sp>
+      <p:sp>
+        <p:nvSpPr>
+          <p:cNvPr id="5" name="Text Placeholder 4"/>
+          <p:cNvSpPr>
+            <a:spLocks noGrp="1"/>
+          </p:cNvSpPr>
+          <p:nvPr>
+            <p:ph type="body" sz="quarter" idx="3"/>
+          </p:nvPr>
+        </p:nvSpPr>
+        <p:spPr/>
+        <p:txBody>
+          <a:bodyPr/>
+          <a:lstStyle/>
+          <a:p>
+            <a:r>
+              <a:rPr lang="nl-BE" b="1" dirty="0" smtClean="0"/>
+              <a:t>procedureel</a:t>
+            </a:r>
+            <a:endParaRPr lang="en-US" b="1" dirty="0"/>
+          </a:p>
+        </p:txBody>
+      </p:sp>
+      <p:sp>
+        <p:nvSpPr>
+          <p:cNvPr id="6" name="Content Placeholder 5"/>
+          <p:cNvSpPr>
+            <a:spLocks noGrp="1"/>
+          </p:cNvSpPr>
+          <p:nvPr>
+            <p:ph sz="quarter" idx="4"/>
+          </p:nvPr>
+        </p:nvSpPr>
+        <p:spPr>
+          <a:xfrm>
+            <a:off x="6217920" y="2582334"/>
+            <a:ext cx="4937760" cy="1868896"/>
+          </a:xfrm>
+        </p:spPr>
+        <p:txBody>
+          <a:bodyPr/>
+          <a:lstStyle/>
           <a:p>
             <a:pPr>
               <a:buFont typeface="Arial" panose="020B0604020202020204" pitchFamily="34" charset="0"/>
@@ -7676,6 +7974,16 @@
             </a:pPr>
             <a:r>
               <a:rPr lang="nl-BE" dirty="0" smtClean="0"/>
+              <a:t>  Beslissingsmethode</a:t>
+            </a:r>
+          </a:p>
+          <a:p>
+            <a:pPr>
+              <a:buFont typeface="Arial" panose="020B0604020202020204" pitchFamily="34" charset="0"/>
+              <a:buChar char="•"/>
+            </a:pPr>
+            <a:r>
+              <a:rPr lang="nl-BE" dirty="0" smtClean="0"/>
               <a:t>  Memoriseren en toepassen</a:t>
             </a:r>
           </a:p>
@@ -7687,13 +7995,20 @@
     </p:spTree>
     <p:extLst>
       <p:ext uri="{BB962C8B-B14F-4D97-AF65-F5344CB8AC3E}">
-        <p14:creationId xmlns:p14="http://schemas.microsoft.com/office/powerpoint/2010/main" val="1367590716"/>
+        <p14:creationId xmlns:p14="http://schemas.microsoft.com/office/powerpoint/2010/main" val="1266960647"/>
       </p:ext>
     </p:extLst>
   </p:cSld>
   <p:clrMapOvr>
     <a:masterClrMapping/>
   </p:clrMapOvr>
+  <p:timing>
+    <p:tnLst>
+      <p:par>
+        <p:cTn id="1" dur="indefinite" restart="never" nodeType="tmRoot"/>
+      </p:par>
+    </p:tnLst>
+  </p:timing>
 </p:sld>
 </file>
 
@@ -7731,7 +8046,46 @@
           <a:p>
             <a:r>
               <a:rPr lang="nl-BE" dirty="0" smtClean="0"/>
-              <a:t>Voorbeeld: probleem generatie</a:t>
+              <a:t>Probleem generatie</a:t>
+            </a:r>
+            <a:endParaRPr lang="en-US" dirty="0">
+              <a:solidFill>
+                <a:srgbClr val="FF0000"/>
+              </a:solidFill>
+            </a:endParaRPr>
+          </a:p>
+        </p:txBody>
+      </p:sp>
+      <p:sp>
+        <p:nvSpPr>
+          <p:cNvPr id="3" name="Content Placeholder 2"/>
+          <p:cNvSpPr>
+            <a:spLocks noGrp="1"/>
+          </p:cNvSpPr>
+          <p:nvPr>
+            <p:ph idx="1"/>
+          </p:nvPr>
+        </p:nvSpPr>
+        <p:spPr/>
+        <p:txBody>
+          <a:bodyPr/>
+          <a:lstStyle/>
+          <a:p>
+            <a:pPr>
+              <a:buFont typeface="Arial" panose="020B0604020202020204" pitchFamily="34" charset="0"/>
+              <a:buChar char="•"/>
+            </a:pPr>
+            <a:r>
+              <a:rPr lang="nl-BE" dirty="0" smtClean="0"/>
+              <a:t>  Genereren </a:t>
+            </a:r>
+            <a:r>
+              <a:rPr lang="nl-BE" dirty="0" err="1" smtClean="0"/>
+              <a:t>adhv</a:t>
+            </a:r>
+            <a:r>
+              <a:rPr lang="nl-BE" dirty="0"/>
+              <a:t> </a:t>
             </a:r>
             <a:r>
               <a:rPr lang="nl-BE" dirty="0" smtClean="0">
@@ -7739,31 +8093,124 @@
                   <a:srgbClr val="FF0000"/>
                 </a:solidFill>
               </a:rPr>
-              <a:t>(&lt;- betere titel)</a:t>
-            </a:r>
-            <a:endParaRPr lang="en-US" dirty="0">
-              <a:solidFill>
-                <a:srgbClr val="FF0000"/>
-              </a:solidFill>
-            </a:endParaRPr>
-          </a:p>
-        </p:txBody>
-      </p:sp>
-      <p:sp>
-        <p:nvSpPr>
-          <p:cNvPr id="3" name="Content Placeholder 2"/>
-          <p:cNvSpPr>
-            <a:spLocks noGrp="1"/>
-          </p:cNvSpPr>
-          <p:nvPr>
-            <p:ph idx="1"/>
-          </p:nvPr>
-        </p:nvSpPr>
-        <p:spPr/>
-        <p:txBody>
-          <a:bodyPr/>
-          <a:lstStyle/>
-          <a:p>
+              <a:t>(&lt;- afkorting?) </a:t>
+            </a:r>
+            <a:r>
+              <a:rPr lang="nl-BE" dirty="0" smtClean="0"/>
+              <a:t>voorbeeld problemen</a:t>
+            </a:r>
+          </a:p>
+          <a:p>
+            <a:pPr>
+              <a:buFont typeface="Arial" panose="020B0604020202020204" pitchFamily="34" charset="0"/>
+              <a:buChar char="•"/>
+            </a:pPr>
+            <a:r>
+              <a:rPr lang="nl-BE" dirty="0" smtClean="0"/>
+              <a:t>  Voordelen</a:t>
+            </a:r>
+          </a:p>
+          <a:p>
+            <a:pPr lvl="1">
+              <a:buFont typeface="Arial" panose="020B0604020202020204" pitchFamily="34" charset="0"/>
+              <a:buChar char="•"/>
+            </a:pPr>
+            <a:r>
+              <a:rPr lang="nl-BE" dirty="0" smtClean="0"/>
+              <a:t>Moeilijkheidsgraad duidelijk bepalen</a:t>
+            </a:r>
+          </a:p>
+          <a:p>
+            <a:pPr lvl="1">
+              <a:buFont typeface="Arial" panose="020B0604020202020204" pitchFamily="34" charset="0"/>
+              <a:buChar char="•"/>
+            </a:pPr>
+            <a:r>
+              <a:rPr lang="nl-BE" dirty="0" smtClean="0"/>
+              <a:t>Voorkomen spieken</a:t>
+            </a:r>
+          </a:p>
+          <a:p>
+            <a:pPr lvl="1">
+              <a:buFont typeface="Arial" panose="020B0604020202020204" pitchFamily="34" charset="0"/>
+              <a:buChar char="•"/>
+            </a:pPr>
+            <a:r>
+              <a:rPr lang="nl-BE" dirty="0" smtClean="0"/>
+              <a:t>Copyright </a:t>
+            </a:r>
+            <a:r>
+              <a:rPr lang="nl-BE" dirty="0" smtClean="0"/>
+              <a:t>problemen vermijden</a:t>
+            </a:r>
+          </a:p>
+          <a:p>
+            <a:pPr>
+              <a:buFont typeface="Arial" panose="020B0604020202020204" pitchFamily="34" charset="0"/>
+              <a:buChar char="•"/>
+            </a:pPr>
+            <a:r>
+              <a:rPr lang="nl-BE" dirty="0"/>
+              <a:t> </a:t>
+            </a:r>
+            <a:r>
+              <a:rPr lang="nl-BE" dirty="0" smtClean="0"/>
+              <a:t> 2 principes conceptuele probleem generatie</a:t>
+            </a:r>
+          </a:p>
+          <a:p>
+            <a:pPr lvl="1">
+              <a:buFont typeface="Arial" panose="020B0604020202020204" pitchFamily="34" charset="0"/>
+              <a:buChar char="•"/>
+            </a:pPr>
+            <a:r>
+              <a:rPr lang="nl-BE" dirty="0" err="1" smtClean="0"/>
+              <a:t>Examble</a:t>
+            </a:r>
+            <a:r>
+              <a:rPr lang="nl-BE" dirty="0" err="1"/>
+              <a:t>-</a:t>
+            </a:r>
+            <a:r>
+              <a:rPr lang="nl-BE" dirty="0" err="1" smtClean="0"/>
+              <a:t>based</a:t>
+            </a:r>
+            <a:r>
+              <a:rPr lang="nl-BE" dirty="0" smtClean="0"/>
+              <a:t> template generatie</a:t>
+            </a:r>
+          </a:p>
+          <a:p>
+            <a:pPr lvl="1">
+              <a:buFont typeface="Arial" panose="020B0604020202020204" pitchFamily="34" charset="0"/>
+              <a:buChar char="•"/>
+            </a:pPr>
+            <a:r>
+              <a:rPr lang="nl-BE" dirty="0" smtClean="0"/>
+              <a:t>Probleem genereren </a:t>
+            </a:r>
+            <a:r>
+              <a:rPr lang="nl-BE" dirty="0" err="1" smtClean="0"/>
+              <a:t>dmv</a:t>
+            </a:r>
+            <a:r>
+              <a:rPr lang="nl-BE" dirty="0">
+                <a:solidFill>
+                  <a:srgbClr val="FF0000"/>
+                </a:solidFill>
+              </a:rPr>
+              <a:t> (&lt;- afkorting?)</a:t>
+            </a:r>
+            <a:r>
+              <a:rPr lang="nl-BE" dirty="0" smtClean="0"/>
+              <a:t> oplossing</a:t>
+            </a:r>
+          </a:p>
+          <a:p>
+            <a:pPr lvl="1">
+              <a:buFont typeface="Arial" panose="020B0604020202020204" pitchFamily="34" charset="0"/>
+              <a:buChar char="•"/>
+            </a:pPr>
             <a:endParaRPr lang="en-US" dirty="0"/>
           </a:p>
         </p:txBody>
@@ -7771,13 +8218,20 @@
     </p:spTree>
     <p:extLst>
       <p:ext uri="{BB962C8B-B14F-4D97-AF65-F5344CB8AC3E}">
-        <p14:creationId xmlns:p14="http://schemas.microsoft.com/office/powerpoint/2010/main" val="976120474"/>
+        <p14:creationId xmlns:p14="http://schemas.microsoft.com/office/powerpoint/2010/main" val="348311213"/>
       </p:ext>
     </p:extLst>
   </p:cSld>
   <p:clrMapOvr>
     <a:masterClrMapping/>
   </p:clrMapOvr>
+  <p:timing>
+    <p:tnLst>
+      <p:par>
+        <p:cTn id="1" dur="indefinite" restart="never" nodeType="tmRoot"/>
+      </p:par>
+    </p:tnLst>
+  </p:timing>
 </p:sld>
 </file>
 
@@ -7814,52 +8268,139 @@
           <a:lstStyle/>
           <a:p>
             <a:r>
-              <a:rPr lang="nl-BE" dirty="0" smtClean="0"/>
-              <a:t>Voorbeeld</a:t>
-            </a:r>
-            <a:r>
-              <a:rPr lang="nl-BE" dirty="0">
+              <a:rPr lang="nl-BE" dirty="0"/>
+              <a:t>O</a:t>
+            </a:r>
+            <a:r>
+              <a:rPr lang="nl-BE" dirty="0" smtClean="0"/>
+              <a:t>plossing generatie</a:t>
+            </a:r>
+            <a:endParaRPr lang="en-US" dirty="0"/>
+          </a:p>
+        </p:txBody>
+      </p:sp>
+      <p:sp>
+        <p:nvSpPr>
+          <p:cNvPr id="3" name="Content Placeholder 2"/>
+          <p:cNvSpPr>
+            <a:spLocks noGrp="1"/>
+          </p:cNvSpPr>
+          <p:nvPr>
+            <p:ph idx="1"/>
+          </p:nvPr>
+        </p:nvSpPr>
+        <p:spPr/>
+        <p:txBody>
+          <a:bodyPr>
+            <a:normAutofit/>
+          </a:bodyPr>
+          <a:lstStyle/>
+          <a:p>
+            <a:pPr>
+              <a:buFont typeface="Arial" panose="020B0604020202020204" pitchFamily="34" charset="0"/>
+              <a:buChar char="•"/>
+            </a:pPr>
+            <a:r>
+              <a:rPr lang="nl-BE" dirty="0" smtClean="0"/>
+              <a:t>  Automatisch generen oplossing</a:t>
+            </a:r>
+          </a:p>
+          <a:p>
+            <a:pPr>
+              <a:buFont typeface="Arial" panose="020B0604020202020204" pitchFamily="34" charset="0"/>
+              <a:buChar char="•"/>
+            </a:pPr>
+            <a:r>
+              <a:rPr lang="nl-BE" dirty="0" smtClean="0"/>
+              <a:t>  Belang</a:t>
+            </a:r>
+          </a:p>
+          <a:p>
+            <a:pPr lvl="1">
+              <a:buFont typeface="Arial" panose="020B0604020202020204" pitchFamily="34" charset="0"/>
+              <a:buChar char="•"/>
+            </a:pPr>
+            <a:r>
+              <a:rPr lang="nl-BE" dirty="0" smtClean="0"/>
+              <a:t>Voorbeeld oplossing</a:t>
+            </a:r>
+          </a:p>
+          <a:p>
+            <a:pPr lvl="1">
+              <a:buFont typeface="Arial" panose="020B0604020202020204" pitchFamily="34" charset="0"/>
+              <a:buChar char="•"/>
+            </a:pPr>
+            <a:r>
+              <a:rPr lang="nl-BE" dirty="0" smtClean="0"/>
+              <a:t>Oplossing op basis van deeloplossing</a:t>
+            </a:r>
+          </a:p>
+          <a:p>
+            <a:pPr lvl="1">
+              <a:buFont typeface="Arial" panose="020B0604020202020204" pitchFamily="34" charset="0"/>
+              <a:buChar char="•"/>
+            </a:pPr>
+            <a:r>
+              <a:rPr lang="nl-BE" dirty="0" smtClean="0"/>
+              <a:t>Hints</a:t>
+            </a:r>
+          </a:p>
+          <a:p>
+            <a:pPr>
+              <a:buFont typeface="Arial" panose="020B0604020202020204" pitchFamily="34" charset="0"/>
+              <a:buChar char="•"/>
+            </a:pPr>
+            <a:r>
+              <a:rPr lang="nl-BE" dirty="0"/>
+              <a:t> </a:t>
+            </a:r>
+            <a:r>
+              <a:rPr lang="nl-BE" dirty="0" smtClean="0"/>
+              <a:t>2 principes conceptuele oplossing generatie</a:t>
+            </a:r>
+          </a:p>
+          <a:p>
+            <a:pPr lvl="1">
+              <a:buFont typeface="Arial" panose="020B0604020202020204" pitchFamily="34" charset="0"/>
+              <a:buChar char="•"/>
+            </a:pPr>
+            <a:r>
+              <a:rPr lang="nl-BE" dirty="0" err="1" smtClean="0"/>
+              <a:t>Reasoning</a:t>
+            </a:r>
+            <a:r>
+              <a:rPr lang="nl-BE" dirty="0" smtClean="0"/>
+              <a:t> </a:t>
+            </a:r>
+            <a:r>
+              <a:rPr lang="nl-BE" dirty="0" smtClean="0">
                 <a:solidFill>
                   <a:srgbClr val="FF0000"/>
                 </a:solidFill>
               </a:rPr>
-              <a:t> (&lt;- betere titel) </a:t>
-            </a:r>
-            <a:r>
-              <a:rPr lang="nl-BE" dirty="0" smtClean="0"/>
-              <a:t>: oplossing generatie</a:t>
-            </a:r>
-            <a:endParaRPr lang="en-US" dirty="0"/>
-          </a:p>
-        </p:txBody>
-      </p:sp>
-      <p:sp>
-        <p:nvSpPr>
-          <p:cNvPr id="3" name="Content Placeholder 2"/>
-          <p:cNvSpPr>
-            <a:spLocks noGrp="1"/>
-          </p:cNvSpPr>
-          <p:nvPr>
-            <p:ph idx="1"/>
-          </p:nvPr>
-        </p:nvSpPr>
-        <p:spPr/>
-        <p:txBody>
-          <a:bodyPr/>
-          <a:lstStyle/>
-          <a:p>
-            <a:r>
-              <a:rPr lang="nl-BE" dirty="0" smtClean="0"/>
-              <a:t>Specifiek aan jou oplossing</a:t>
-            </a:r>
-            <a:endParaRPr lang="en-US" dirty="0"/>
+              <a:t>(&lt;- Vertalen) </a:t>
+            </a:r>
+            <a:r>
+              <a:rPr lang="nl-BE" dirty="0" smtClean="0"/>
+              <a:t>over voorbeelden</a:t>
+            </a:r>
+          </a:p>
+          <a:p>
+            <a:pPr lvl="1">
+              <a:buFont typeface="Arial" panose="020B0604020202020204" pitchFamily="34" charset="0"/>
+              <a:buChar char="•"/>
+            </a:pPr>
+            <a:r>
+              <a:rPr lang="nl-BE" dirty="0" smtClean="0"/>
+              <a:t>Enkel oplossingen met kleine oplossingslengte</a:t>
+            </a:r>
           </a:p>
         </p:txBody>
       </p:sp>
     </p:spTree>
     <p:extLst>
       <p:ext uri="{BB962C8B-B14F-4D97-AF65-F5344CB8AC3E}">
-        <p14:creationId xmlns:p14="http://schemas.microsoft.com/office/powerpoint/2010/main" val="3430262668"/>
+        <p14:creationId xmlns:p14="http://schemas.microsoft.com/office/powerpoint/2010/main" val="2065792714"/>
       </p:ext>
     </p:extLst>
   </p:cSld>
@@ -7869,7 +8410,7 @@
   <p:timing>
     <p:tnLst>
       <p:par>
-        <p:cTn xmlns:p14="http://schemas.microsoft.com/office/powerpoint/2010/main" id="1" dur="indefinite" restart="never" nodeType="tmRoot"/>
+        <p:cTn id="1" dur="indefinite" restart="never" nodeType="tmRoot"/>
       </p:par>
     </p:tnLst>
   </p:timing>
@@ -7910,19 +8451,7 @@
           <a:p>
             <a:r>
               <a:rPr lang="nl-BE" dirty="0" smtClean="0"/>
-              <a:t>Voorbeeld</a:t>
-            </a:r>
-            <a:r>
-              <a:rPr lang="nl-BE" dirty="0">
-                <a:solidFill>
-                  <a:srgbClr val="FF0000"/>
-                </a:solidFill>
-              </a:rPr>
-              <a:t> (&lt;- betere titel) </a:t>
-            </a:r>
-            <a:r>
-              <a:rPr lang="nl-BE" dirty="0" smtClean="0"/>
-              <a:t>: feedback generatie</a:t>
+              <a:t>Feedback generatie</a:t>
             </a:r>
             <a:endParaRPr lang="en-US" dirty="0"/>
           </a:p>
@@ -7943,6 +8472,120 @@
           <a:bodyPr/>
           <a:lstStyle/>
           <a:p>
+            <a:pPr>
+              <a:buFont typeface="Arial" panose="020B0604020202020204" pitchFamily="34" charset="0"/>
+              <a:buChar char="•"/>
+            </a:pPr>
+            <a:r>
+              <a:rPr lang="nl-BE" dirty="0" smtClean="0"/>
+              <a:t>  Controleren correctheid oplossing</a:t>
+            </a:r>
+          </a:p>
+          <a:p>
+            <a:pPr lvl="1">
+              <a:buFont typeface="Arial" panose="020B0604020202020204" pitchFamily="34" charset="0"/>
+              <a:buChar char="•"/>
+            </a:pPr>
+            <a:r>
+              <a:rPr lang="nl-BE" dirty="0" smtClean="0"/>
+              <a:t>Waarom incorrect</a:t>
+            </a:r>
+          </a:p>
+          <a:p>
+            <a:pPr lvl="1">
+              <a:buFont typeface="Arial" panose="020B0604020202020204" pitchFamily="34" charset="0"/>
+              <a:buChar char="•"/>
+            </a:pPr>
+            <a:r>
+              <a:rPr lang="nl-BE" dirty="0" smtClean="0"/>
+              <a:t>Waar en hoe fout verbeteren</a:t>
+            </a:r>
+          </a:p>
+          <a:p>
+            <a:pPr>
+              <a:buFont typeface="Arial" panose="020B0604020202020204" pitchFamily="34" charset="0"/>
+              <a:buChar char="•"/>
+            </a:pPr>
+            <a:r>
+              <a:rPr lang="nl-BE" dirty="0"/>
+              <a:t> </a:t>
+            </a:r>
+            <a:r>
+              <a:rPr lang="nl-BE" dirty="0" smtClean="0"/>
+              <a:t> Hint </a:t>
+            </a:r>
+            <a:r>
+              <a:rPr lang="nl-BE" dirty="0" smtClean="0"/>
+              <a:t>in verband met gemaakte fout</a:t>
+            </a:r>
+            <a:endParaRPr lang="nl-BE" dirty="0" smtClean="0"/>
+          </a:p>
+          <a:p>
+            <a:pPr>
+              <a:buFont typeface="Arial" panose="020B0604020202020204" pitchFamily="34" charset="0"/>
+              <a:buChar char="•"/>
+            </a:pPr>
+            <a:r>
+              <a:rPr lang="nl-BE" dirty="0"/>
+              <a:t> </a:t>
+            </a:r>
+            <a:r>
+              <a:rPr lang="nl-BE" dirty="0" smtClean="0"/>
+              <a:t> Iedereen gelijke </a:t>
+            </a:r>
+            <a:r>
+              <a:rPr lang="nl-BE" dirty="0" smtClean="0"/>
+              <a:t>beoordeling</a:t>
+            </a:r>
+            <a:endParaRPr lang="nl-BE" dirty="0" smtClean="0"/>
+          </a:p>
+          <a:p>
+            <a:pPr>
+              <a:buFont typeface="Arial" panose="020B0604020202020204" pitchFamily="34" charset="0"/>
+              <a:buChar char="•"/>
+            </a:pPr>
+            <a:r>
+              <a:rPr lang="nl-BE" dirty="0"/>
+              <a:t> </a:t>
+            </a:r>
+            <a:r>
+              <a:rPr lang="nl-BE" dirty="0" smtClean="0"/>
+              <a:t> Handmatig analyseren fouten tijdrovend</a:t>
+            </a:r>
+          </a:p>
+          <a:p>
+            <a:pPr>
+              <a:buFont typeface="Arial" panose="020B0604020202020204" pitchFamily="34" charset="0"/>
+              <a:buChar char="•"/>
+            </a:pPr>
+            <a:r>
+              <a:rPr lang="nl-BE" dirty="0"/>
+              <a:t> </a:t>
+            </a:r>
+            <a:r>
+              <a:rPr lang="nl-BE" dirty="0" smtClean="0"/>
+              <a:t> 2 principes feedback conceptuele problemen</a:t>
+            </a:r>
+          </a:p>
+          <a:p>
+            <a:pPr lvl="1">
+              <a:buFont typeface="Arial" panose="020B0604020202020204" pitchFamily="34" charset="0"/>
+              <a:buChar char="•"/>
+            </a:pPr>
+            <a:r>
+              <a:rPr lang="nl-BE" dirty="0" smtClean="0"/>
+              <a:t>Aanpassingsafstand</a:t>
+            </a:r>
+          </a:p>
+          <a:p>
+            <a:pPr lvl="1">
+              <a:buFont typeface="Arial" panose="020B0604020202020204" pitchFamily="34" charset="0"/>
+              <a:buChar char="•"/>
+            </a:pPr>
+            <a:r>
+              <a:rPr lang="nl-BE" dirty="0" smtClean="0"/>
+              <a:t>Tegenvoorbeeld</a:t>
+            </a:r>
             <a:endParaRPr lang="en-US" dirty="0"/>
           </a:p>
         </p:txBody>
@@ -7950,7 +8593,7 @@
     </p:spTree>
     <p:extLst>
       <p:ext uri="{BB962C8B-B14F-4D97-AF65-F5344CB8AC3E}">
-        <p14:creationId xmlns:p14="http://schemas.microsoft.com/office/powerpoint/2010/main" val="329162166"/>
+        <p14:creationId xmlns:p14="http://schemas.microsoft.com/office/powerpoint/2010/main" val="4111356232"/>
       </p:ext>
     </p:extLst>
   </p:cSld>
@@ -7960,7 +8603,7 @@
   <p:timing>
     <p:tnLst>
       <p:par>
-        <p:cTn xmlns:p14="http://schemas.microsoft.com/office/powerpoint/2010/main" id="1" dur="indefinite" restart="never" nodeType="tmRoot"/>
+        <p:cTn id="1" dur="indefinite" restart="never" nodeType="tmRoot"/>
       </p:par>
     </p:tnLst>
   </p:timing>
@@ -8001,18 +8644,14 @@
           <a:p>
             <a:r>
               <a:rPr lang="nl-BE" dirty="0" smtClean="0"/>
-              <a:t>Overzicht: </a:t>
+              <a:t>Toepassing: </a:t>
             </a:r>
             <a:br>
               <a:rPr lang="nl-BE" dirty="0" smtClean="0"/>
             </a:br>
             <a:r>
               <a:rPr lang="nl-BE" dirty="0" smtClean="0"/>
-              <a:t>Spreadsheet </a:t>
-            </a:r>
-            <a:r>
-              <a:rPr lang="nl-BE" dirty="0"/>
-              <a:t>tabel transformaties</a:t>
+              <a:t>Voorbereiden examen</a:t>
             </a:r>
             <a:endParaRPr lang="en-US" dirty="0"/>
           </a:p>
@@ -8039,7 +8678,17 @@
             </a:pPr>
             <a:r>
               <a:rPr lang="nl-BE" dirty="0" smtClean="0"/>
-              <a:t>  Concept oplossing generatie</a:t>
+              <a:t>  Automatisch generatie probleem </a:t>
+            </a:r>
+          </a:p>
+          <a:p>
+            <a:pPr lvl="1">
+              <a:buFont typeface="Arial" panose="020B0604020202020204" pitchFamily="34" charset="0"/>
+              <a:buChar char="•"/>
+            </a:pPr>
+            <a:r>
+              <a:rPr lang="nl-BE" dirty="0" smtClean="0"/>
+              <a:t>Moeilijkheidsgraad kiezen</a:t>
             </a:r>
           </a:p>
           <a:p>
@@ -8053,15 +8702,27 @@
             </a:r>
             <a:r>
               <a:rPr lang="nl-BE" dirty="0" smtClean="0"/>
-              <a:t> Domein kennis</a:t>
-            </a:r>
-            <a:r>
-              <a:rPr lang="nl-BE" dirty="0" smtClean="0">
-                <a:solidFill>
-                  <a:srgbClr val="FF0000"/>
-                </a:solidFill>
-              </a:rPr>
-              <a:t>(&lt;- vertalen?)</a:t>
+              <a:t> Oplossing</a:t>
+            </a:r>
+          </a:p>
+          <a:p>
+            <a:pPr lvl="1">
+              <a:buFont typeface="Arial" panose="020B0604020202020204" pitchFamily="34" charset="0"/>
+              <a:buChar char="•"/>
+            </a:pPr>
+            <a:r>
+              <a:rPr lang="nl-BE" dirty="0" smtClean="0"/>
+              <a:t>Verdergaand eigen deeloplossing</a:t>
+            </a:r>
+          </a:p>
+          <a:p>
+            <a:pPr lvl="1">
+              <a:buFont typeface="Arial" panose="020B0604020202020204" pitchFamily="34" charset="0"/>
+              <a:buChar char="•"/>
+            </a:pPr>
+            <a:r>
+              <a:rPr lang="nl-BE" dirty="0" smtClean="0"/>
+              <a:t>Hints</a:t>
             </a:r>
           </a:p>
           <a:p>
@@ -8075,27 +8736,27 @@
             </a:r>
             <a:r>
               <a:rPr lang="nl-BE" dirty="0" smtClean="0"/>
-              <a:t> </a:t>
-            </a:r>
-            <a:r>
-              <a:rPr lang="nl-BE" dirty="0" smtClean="0"/>
-              <a:t>End-User programming</a:t>
-            </a:r>
-            <a:r>
-              <a:rPr lang="nl-BE" dirty="0" smtClean="0">
-                <a:solidFill>
-                  <a:srgbClr val="FF0000"/>
-                </a:solidFill>
-              </a:rPr>
-              <a:t>(</a:t>
-            </a:r>
-            <a:r>
-              <a:rPr lang="nl-BE" dirty="0">
-                <a:solidFill>
-                  <a:srgbClr val="FF0000"/>
-                </a:solidFill>
-              </a:rPr>
-              <a:t>&lt;- vertalen?)</a:t>
+              <a:t> Feedback</a:t>
+            </a:r>
+          </a:p>
+          <a:p>
+            <a:pPr lvl="1">
+              <a:buFont typeface="Arial" panose="020B0604020202020204" pitchFamily="34" charset="0"/>
+              <a:buChar char="•"/>
+            </a:pPr>
+            <a:r>
+              <a:rPr lang="nl-BE" dirty="0" smtClean="0"/>
+              <a:t>Score</a:t>
+            </a:r>
+          </a:p>
+          <a:p>
+            <a:pPr lvl="1">
+              <a:buFont typeface="Arial" panose="020B0604020202020204" pitchFamily="34" charset="0"/>
+              <a:buChar char="•"/>
+            </a:pPr>
+            <a:r>
+              <a:rPr lang="nl-BE" dirty="0" smtClean="0"/>
+              <a:t>Helpen verbeteren</a:t>
             </a:r>
             <a:endParaRPr lang="en-US" dirty="0"/>
           </a:p>
@@ -8104,13 +8765,20 @@
     </p:spTree>
     <p:extLst>
       <p:ext uri="{BB962C8B-B14F-4D97-AF65-F5344CB8AC3E}">
-        <p14:creationId xmlns:p14="http://schemas.microsoft.com/office/powerpoint/2010/main" val="848964369"/>
+        <p14:creationId xmlns:p14="http://schemas.microsoft.com/office/powerpoint/2010/main" val="3063256929"/>
       </p:ext>
     </p:extLst>
   </p:cSld>
   <p:clrMapOvr>
     <a:masterClrMapping/>
   </p:clrMapOvr>
+  <p:timing>
+    <p:tnLst>
+      <p:par>
+        <p:cTn id="1" dur="indefinite" restart="never" nodeType="tmRoot"/>
+      </p:par>
+    </p:tnLst>
+  </p:timing>
 </p:sld>
 </file>
 
@@ -8391,7 +9059,7 @@
   <a:extraClrSchemeLst/>
   <a:extLst>
     <a:ext uri="{05A4C25C-085E-4340-85A3-A5531E510DB2}">
-      <thm15:themeFamily xmlns:thm15="http://schemas.microsoft.com/office/thememl/2012/main" xmlns="" name="Retrospect" id="{5F128B03-DCCA-4EEB-AB3B-CF2899314A46}" vid="{3F1AAB62-24C6-49D2-8E01-B56FAC9A3DCD}"/>
+      <thm15:themeFamily xmlns:thm15="http://schemas.microsoft.com/office/thememl/2012/main" name="Retrospect" id="{5F128B03-DCCA-4EEB-AB3B-CF2899314A46}" vid="{3F1AAB62-24C6-49D2-8E01-B56FAC9A3DCD}"/>
     </a:ext>
   </a:extLst>
 </a:theme>

--- a/Opdracht 2/Literatuurstudie.pptx
+++ b/Opdracht 2/Literatuurstudie.pptx
@@ -16,22 +16,21 @@
     <p:sldId id="290" r:id="rId10"/>
     <p:sldId id="266" r:id="rId11"/>
     <p:sldId id="267" r:id="rId12"/>
-    <p:sldId id="271" r:id="rId13"/>
-    <p:sldId id="268" r:id="rId14"/>
-    <p:sldId id="269" r:id="rId15"/>
-    <p:sldId id="272" r:id="rId16"/>
-    <p:sldId id="270" r:id="rId17"/>
-    <p:sldId id="273" r:id="rId18"/>
-    <p:sldId id="274" r:id="rId19"/>
-    <p:sldId id="275" r:id="rId20"/>
-    <p:sldId id="276" r:id="rId21"/>
-    <p:sldId id="277" r:id="rId22"/>
-    <p:sldId id="278" r:id="rId23"/>
-    <p:sldId id="279" r:id="rId24"/>
-    <p:sldId id="280" r:id="rId25"/>
-    <p:sldId id="281" r:id="rId26"/>
-    <p:sldId id="282" r:id="rId27"/>
-    <p:sldId id="283" r:id="rId28"/>
+    <p:sldId id="275" r:id="rId13"/>
+    <p:sldId id="274" r:id="rId14"/>
+    <p:sldId id="271" r:id="rId15"/>
+    <p:sldId id="268" r:id="rId16"/>
+    <p:sldId id="269" r:id="rId17"/>
+    <p:sldId id="270" r:id="rId18"/>
+    <p:sldId id="273" r:id="rId19"/>
+    <p:sldId id="276" r:id="rId20"/>
+    <p:sldId id="277" r:id="rId21"/>
+    <p:sldId id="278" r:id="rId22"/>
+    <p:sldId id="279" r:id="rId23"/>
+    <p:sldId id="280" r:id="rId24"/>
+    <p:sldId id="281" r:id="rId25"/>
+    <p:sldId id="282" r:id="rId26"/>
+    <p:sldId id="291" r:id="rId27"/>
   </p:sldIdLst>
   <p:sldSz cx="12192000" cy="6858000"/>
   <p:notesSz cx="6858000" cy="9144000"/>
@@ -149,6 +148,43 @@
 </p:presentation>
 </file>
 
+<file path=ppt/commentAuthors.xml><?xml version="1.0" encoding="utf-8"?>
+<p:cmAuthorLst xmlns:a="http://schemas.openxmlformats.org/drawingml/2006/main" xmlns:r="http://schemas.openxmlformats.org/officeDocument/2006/relationships" xmlns:p="http://schemas.openxmlformats.org/presentationml/2006/main">
+  <p:cmAuthor id="1" name="Tom" initials="tdg" lastIdx="2" clrIdx="0">
+    <p:extLst>
+      <p:ext uri="{19B8F6BF-5375-455C-9EA6-DF929625EA0E}">
+        <p15:presenceInfo xmlns:p15="http://schemas.microsoft.com/office/powerpoint/2012/main" userId="Tom" providerId="None"/>
+      </p:ext>
+    </p:extLst>
+  </p:cmAuthor>
+</p:cmAuthorLst>
+</file>
+
+<file path=ppt/comments/comment1.xml><?xml version="1.0" encoding="utf-8"?>
+<p:cmLst xmlns:a="http://schemas.openxmlformats.org/drawingml/2006/main" xmlns:r="http://schemas.openxmlformats.org/officeDocument/2006/relationships" xmlns:p="http://schemas.openxmlformats.org/presentationml/2006/main">
+  <p:cm authorId="1" dt="2014-10-22T15:15:14.476" idx="1">
+    <p:pos x="10" y="10"/>
+    <p:text>Applicaties toelichten tijdens presentatie!</p:text>
+    <p:extLst>
+      <p:ext uri="{C676402C-5697-4E1C-873F-D02D1690AC5C}">
+        <p15:threadingInfo xmlns:p15="http://schemas.microsoft.com/office/powerpoint/2012/main" timeZoneBias="-120"/>
+      </p:ext>
+    </p:extLst>
+  </p:cm>
+  <p:cm authorId="1" dt="2014-10-22T15:15:49.725" idx="2">
+    <p:pos x="10" y="146"/>
+    <p:text>(y)</p:text>
+    <p:extLst>
+      <p:ext uri="{C676402C-5697-4E1C-873F-D02D1690AC5C}">
+        <p15:threadingInfo xmlns:p15="http://schemas.microsoft.com/office/powerpoint/2012/main" timeZoneBias="-120">
+          <p15:parentCm authorId="1" idx="1"/>
+        </p15:threadingInfo>
+      </p:ext>
+    </p:extLst>
+  </p:cm>
+</p:cmLst>
+</file>
+
 <file path=ppt/slideLayouts/slideLayout1.xml><?xml version="1.0" encoding="utf-8"?>
 <p:sldLayout xmlns:a="http://schemas.openxmlformats.org/drawingml/2006/main" xmlns:r="http://schemas.openxmlformats.org/officeDocument/2006/relationships" xmlns:p="http://schemas.openxmlformats.org/presentationml/2006/main" showMasterSp="0" type="title" preserve="1">
   <p:cSld name="Title Slide">
@@ -377,7 +413,7 @@
               <a:rPr lang="nl-BE" smtClean="0"/>
               <a:t>22/10/2014</a:t>
             </a:fld>
-            <a:endParaRPr lang="nl-BE"/>
+            <a:endParaRPr lang="nl-BE" dirty="0"/>
           </a:p>
         </p:txBody>
       </p:sp>
@@ -396,7 +432,7 @@
           <a:bodyPr/>
           <a:lstStyle/>
           <a:p>
-            <a:endParaRPr lang="nl-BE"/>
+            <a:endParaRPr lang="nl-BE" dirty="0"/>
           </a:p>
         </p:txBody>
       </p:sp>
@@ -419,7 +455,7 @@
               <a:rPr lang="nl-BE" smtClean="0"/>
               <a:t>‹#›</a:t>
             </a:fld>
-            <a:endParaRPr lang="nl-BE"/>
+            <a:endParaRPr lang="nl-BE" dirty="0"/>
           </a:p>
         </p:txBody>
       </p:sp>
@@ -585,7 +621,7 @@
               <a:rPr lang="nl-BE" smtClean="0"/>
               <a:t>22/10/2014</a:t>
             </a:fld>
-            <a:endParaRPr lang="nl-BE"/>
+            <a:endParaRPr lang="nl-BE" dirty="0"/>
           </a:p>
         </p:txBody>
       </p:sp>
@@ -604,7 +640,7 @@
           <a:bodyPr/>
           <a:lstStyle/>
           <a:p>
-            <a:endParaRPr lang="nl-BE"/>
+            <a:endParaRPr lang="nl-BE" dirty="0"/>
           </a:p>
         </p:txBody>
       </p:sp>
@@ -627,7 +663,7 @@
               <a:rPr lang="nl-BE" smtClean="0"/>
               <a:t>‹#›</a:t>
             </a:fld>
-            <a:endParaRPr lang="nl-BE"/>
+            <a:endParaRPr lang="nl-BE" dirty="0"/>
           </a:p>
         </p:txBody>
       </p:sp>
@@ -841,7 +877,7 @@
               <a:rPr lang="nl-BE" smtClean="0"/>
               <a:t>22/10/2014</a:t>
             </a:fld>
-            <a:endParaRPr lang="nl-BE"/>
+            <a:endParaRPr lang="nl-BE" dirty="0"/>
           </a:p>
         </p:txBody>
       </p:sp>
@@ -860,7 +896,7 @@
           <a:bodyPr/>
           <a:lstStyle/>
           <a:p>
-            <a:endParaRPr lang="nl-BE"/>
+            <a:endParaRPr lang="nl-BE" dirty="0"/>
           </a:p>
         </p:txBody>
       </p:sp>
@@ -883,7 +919,7 @@
               <a:rPr lang="nl-BE" smtClean="0"/>
               <a:t>‹#›</a:t>
             </a:fld>
-            <a:endParaRPr lang="nl-BE"/>
+            <a:endParaRPr lang="nl-BE" dirty="0"/>
           </a:p>
         </p:txBody>
       </p:sp>
@@ -1015,7 +1051,7 @@
               <a:rPr lang="nl-BE" smtClean="0"/>
               <a:t>22/10/2014</a:t>
             </a:fld>
-            <a:endParaRPr lang="nl-BE"/>
+            <a:endParaRPr lang="nl-BE" dirty="0"/>
           </a:p>
         </p:txBody>
       </p:sp>
@@ -1034,7 +1070,7 @@
           <a:bodyPr/>
           <a:lstStyle/>
           <a:p>
-            <a:endParaRPr lang="nl-BE"/>
+            <a:endParaRPr lang="nl-BE" dirty="0"/>
           </a:p>
         </p:txBody>
       </p:sp>
@@ -1057,7 +1093,7 @@
               <a:rPr lang="nl-BE" smtClean="0"/>
               <a:t>‹#›</a:t>
             </a:fld>
-            <a:endParaRPr lang="nl-BE"/>
+            <a:endParaRPr lang="nl-BE" dirty="0"/>
           </a:p>
         </p:txBody>
       </p:sp>
@@ -1358,7 +1394,7 @@
               <a:rPr lang="nl-BE" smtClean="0"/>
               <a:t>22/10/2014</a:t>
             </a:fld>
-            <a:endParaRPr lang="nl-BE"/>
+            <a:endParaRPr lang="nl-BE" dirty="0"/>
           </a:p>
         </p:txBody>
       </p:sp>
@@ -1377,7 +1413,7 @@
           <a:bodyPr/>
           <a:lstStyle/>
           <a:p>
-            <a:endParaRPr lang="nl-BE"/>
+            <a:endParaRPr lang="nl-BE" dirty="0"/>
           </a:p>
         </p:txBody>
       </p:sp>
@@ -1400,7 +1436,7 @@
               <a:rPr lang="nl-BE" smtClean="0"/>
               <a:t>‹#›</a:t>
             </a:fld>
-            <a:endParaRPr lang="nl-BE"/>
+            <a:endParaRPr lang="nl-BE" dirty="0"/>
           </a:p>
         </p:txBody>
       </p:sp>
@@ -1633,7 +1669,7 @@
               <a:rPr lang="nl-BE" smtClean="0"/>
               <a:t>22/10/2014</a:t>
             </a:fld>
-            <a:endParaRPr lang="nl-BE"/>
+            <a:endParaRPr lang="nl-BE" dirty="0"/>
           </a:p>
         </p:txBody>
       </p:sp>
@@ -1652,7 +1688,7 @@
           <a:bodyPr/>
           <a:lstStyle/>
           <a:p>
-            <a:endParaRPr lang="nl-BE"/>
+            <a:endParaRPr lang="nl-BE" dirty="0"/>
           </a:p>
         </p:txBody>
       </p:sp>
@@ -1675,7 +1711,7 @@
               <a:rPr lang="nl-BE" smtClean="0"/>
               <a:t>‹#›</a:t>
             </a:fld>
-            <a:endParaRPr lang="nl-BE"/>
+            <a:endParaRPr lang="nl-BE" dirty="0"/>
           </a:p>
         </p:txBody>
       </p:sp>
@@ -2012,7 +2048,7 @@
               <a:rPr lang="nl-BE" smtClean="0"/>
               <a:t>22/10/2014</a:t>
             </a:fld>
-            <a:endParaRPr lang="nl-BE"/>
+            <a:endParaRPr lang="nl-BE" dirty="0"/>
           </a:p>
         </p:txBody>
       </p:sp>
@@ -2031,7 +2067,7 @@
           <a:bodyPr/>
           <a:lstStyle/>
           <a:p>
-            <a:endParaRPr lang="nl-BE"/>
+            <a:endParaRPr lang="nl-BE" dirty="0"/>
           </a:p>
         </p:txBody>
       </p:sp>
@@ -2054,7 +2090,7 @@
               <a:rPr lang="nl-BE" smtClean="0"/>
               <a:t>‹#›</a:t>
             </a:fld>
-            <a:endParaRPr lang="nl-BE"/>
+            <a:endParaRPr lang="nl-BE" dirty="0"/>
           </a:p>
         </p:txBody>
       </p:sp>
@@ -2130,7 +2166,7 @@
               <a:rPr lang="nl-BE" smtClean="0"/>
               <a:t>22/10/2014</a:t>
             </a:fld>
-            <a:endParaRPr lang="nl-BE"/>
+            <a:endParaRPr lang="nl-BE" dirty="0"/>
           </a:p>
         </p:txBody>
       </p:sp>
@@ -2149,7 +2185,7 @@
           <a:bodyPr/>
           <a:lstStyle/>
           <a:p>
-            <a:endParaRPr lang="nl-BE"/>
+            <a:endParaRPr lang="nl-BE" dirty="0"/>
           </a:p>
         </p:txBody>
       </p:sp>
@@ -2172,7 +2208,7 @@
               <a:rPr lang="nl-BE" smtClean="0"/>
               <a:t>‹#›</a:t>
             </a:fld>
-            <a:endParaRPr lang="nl-BE"/>
+            <a:endParaRPr lang="nl-BE" dirty="0"/>
           </a:p>
         </p:txBody>
       </p:sp>
@@ -2301,7 +2337,7 @@
               <a:rPr lang="nl-BE" smtClean="0"/>
               <a:t>22/10/2014</a:t>
             </a:fld>
-            <a:endParaRPr lang="nl-BE"/>
+            <a:endParaRPr lang="nl-BE" dirty="0"/>
           </a:p>
         </p:txBody>
       </p:sp>
@@ -2328,7 +2364,7 @@
             </a:lvl1pPr>
           </a:lstStyle>
           <a:p>
-            <a:endParaRPr lang="nl-BE"/>
+            <a:endParaRPr lang="nl-BE" dirty="0"/>
           </a:p>
         </p:txBody>
       </p:sp>
@@ -2351,7 +2387,7 @@
               <a:rPr lang="nl-BE" smtClean="0"/>
               <a:t>‹#›</a:t>
             </a:fld>
-            <a:endParaRPr lang="nl-BE"/>
+            <a:endParaRPr lang="nl-BE" dirty="0"/>
           </a:p>
         </p:txBody>
       </p:sp>
@@ -2655,7 +2691,7 @@
               <a:rPr lang="nl-BE" smtClean="0"/>
               <a:t>22/10/2014</a:t>
             </a:fld>
-            <a:endParaRPr lang="nl-BE"/>
+            <a:endParaRPr lang="nl-BE" dirty="0"/>
           </a:p>
         </p:txBody>
       </p:sp>
@@ -2687,7 +2723,7 @@
             </a:lvl1pPr>
           </a:lstStyle>
           <a:p>
-            <a:endParaRPr lang="nl-BE"/>
+            <a:endParaRPr lang="nl-BE" dirty="0"/>
           </a:p>
         </p:txBody>
       </p:sp>
@@ -2718,7 +2754,7 @@
               <a:rPr lang="nl-BE" smtClean="0"/>
               <a:t>‹#›</a:t>
             </a:fld>
-            <a:endParaRPr lang="nl-BE"/>
+            <a:endParaRPr lang="nl-BE" dirty="0"/>
           </a:p>
         </p:txBody>
       </p:sp>
@@ -2934,7 +2970,7 @@
           </a:lstStyle>
           <a:p>
             <a:r>
-              <a:rPr lang="en-US" smtClean="0"/>
+              <a:rPr lang="en-US" dirty="0" smtClean="0"/>
               <a:t>Click icon to add picture</a:t>
             </a:r>
             <a:endParaRPr lang="en-US" dirty="0"/>
@@ -3037,7 +3073,7 @@
               <a:rPr lang="nl-BE" smtClean="0"/>
               <a:t>22/10/2014</a:t>
             </a:fld>
-            <a:endParaRPr lang="nl-BE"/>
+            <a:endParaRPr lang="nl-BE" dirty="0"/>
           </a:p>
         </p:txBody>
       </p:sp>
@@ -3056,7 +3092,7 @@
           <a:bodyPr/>
           <a:lstStyle/>
           <a:p>
-            <a:endParaRPr lang="nl-BE"/>
+            <a:endParaRPr lang="nl-BE" dirty="0"/>
           </a:p>
         </p:txBody>
       </p:sp>
@@ -3079,7 +3115,7 @@
               <a:rPr lang="nl-BE" smtClean="0"/>
               <a:t>‹#›</a:t>
             </a:fld>
-            <a:endParaRPr lang="nl-BE"/>
+            <a:endParaRPr lang="nl-BE" dirty="0"/>
           </a:p>
         </p:txBody>
       </p:sp>
@@ -3324,7 +3360,7 @@
               <a:rPr lang="nl-BE" smtClean="0"/>
               <a:t>22/10/2014</a:t>
             </a:fld>
-            <a:endParaRPr lang="nl-BE"/>
+            <a:endParaRPr lang="nl-BE" dirty="0"/>
           </a:p>
         </p:txBody>
       </p:sp>
@@ -3359,7 +3395,7 @@
             </a:lvl1pPr>
           </a:lstStyle>
           <a:p>
-            <a:endParaRPr lang="nl-BE"/>
+            <a:endParaRPr lang="nl-BE" dirty="0"/>
           </a:p>
         </p:txBody>
       </p:sp>
@@ -3398,7 +3434,7 @@
               <a:rPr lang="nl-BE" smtClean="0"/>
               <a:t>‹#›</a:t>
             </a:fld>
-            <a:endParaRPr lang="nl-BE"/>
+            <a:endParaRPr lang="nl-BE" dirty="0"/>
           </a:p>
         </p:txBody>
       </p:sp>
@@ -4021,15 +4057,11 @@
             </a:r>
             <a:r>
               <a:rPr lang="nl-BE" dirty="0" smtClean="0"/>
-              <a:t> Domein kennis</a:t>
-            </a:r>
-            <a:r>
-              <a:rPr lang="nl-BE" dirty="0" smtClean="0">
-                <a:solidFill>
-                  <a:srgbClr val="FF0000"/>
-                </a:solidFill>
-              </a:rPr>
-              <a:t>(&lt;- vertalen?)</a:t>
+              <a:t> </a:t>
+            </a:r>
+            <a:r>
+              <a:rPr lang="nl-BE" dirty="0" smtClean="0"/>
+              <a:t>Grammatica</a:t>
             </a:r>
           </a:p>
           <a:p>
@@ -4043,25 +4075,37 @@
             </a:r>
             <a:r>
               <a:rPr lang="nl-BE" dirty="0" smtClean="0"/>
-              <a:t> End-User programming</a:t>
-            </a:r>
-            <a:r>
-              <a:rPr lang="nl-BE" dirty="0" smtClean="0">
-                <a:solidFill>
-                  <a:srgbClr val="FF0000"/>
-                </a:solidFill>
-              </a:rPr>
-              <a:t>(</a:t>
-            </a:r>
-            <a:r>
-              <a:rPr lang="nl-BE" dirty="0">
-                <a:solidFill>
-                  <a:srgbClr val="FF0000"/>
-                </a:solidFill>
-              </a:rPr>
-              <a:t>&lt;- vertalen?)</a:t>
-            </a:r>
-            <a:endParaRPr lang="en-US" dirty="0"/>
+              <a:t> </a:t>
+            </a:r>
+            <a:r>
+              <a:rPr lang="nl-BE" dirty="0" smtClean="0"/>
+              <a:t>Domein kennis </a:t>
+            </a:r>
+          </a:p>
+          <a:p>
+            <a:pPr>
+              <a:buFont typeface="Arial" panose="020B0604020202020204" pitchFamily="34" charset="0"/>
+              <a:buChar char="•"/>
+            </a:pPr>
+            <a:r>
+              <a:rPr lang="nl-BE" dirty="0" smtClean="0"/>
+              <a:t>  End-User </a:t>
+            </a:r>
+            <a:r>
+              <a:rPr lang="nl-BE" dirty="0" err="1" smtClean="0"/>
+              <a:t>programming</a:t>
+            </a:r>
+            <a:endParaRPr lang="nl-BE" dirty="0" smtClean="0"/>
+          </a:p>
+          <a:p>
+            <a:pPr marL="0" indent="0">
+              <a:buNone/>
+            </a:pPr>
+            <a:endParaRPr lang="nl-BE" dirty="0">
+              <a:solidFill>
+                <a:srgbClr val="FF0000"/>
+              </a:solidFill>
+            </a:endParaRPr>
           </a:p>
         </p:txBody>
       </p:sp>
@@ -4129,80 +4173,6 @@
           </a:p>
         </p:txBody>
       </p:sp>
-      <p:pic>
-        <p:nvPicPr>
-          <p:cNvPr id="5" name="Picture 4" descr="spreadsheet 2.png"/>
-          <p:cNvPicPr>
-            <a:picLocks noChangeAspect="1"/>
-          </p:cNvPicPr>
-          <p:nvPr/>
-        </p:nvPicPr>
-        <p:blipFill>
-          <a:blip r:embed="rId2">
-            <a:extLst>
-              <a:ext uri="{BEBA8EAE-BF5A-486C-A8C5-ECC9F3942E4B}">
-                <a14:imgProps xmlns:a14="http://schemas.microsoft.com/office/drawing/2010/main">
-                  <a14:imgLayer r:embed="rId3">
-                    <a14:imgEffect>
-                      <a14:backgroundRemoval t="0" b="96206" l="3268" r="94935">
-                        <a14:foregroundMark x1="21078" y1="19512" x2="29248" y2="24932"/>
-                        <a14:foregroundMark x1="31373" y1="74255" x2="74346" y2="91057"/>
-                        <a14:foregroundMark x1="26961" y1="88347" x2="33007" y2="90244"/>
-                        <a14:foregroundMark x1="3758" y1="13279" x2="92484" y2="82114"/>
-                      </a14:backgroundRemoval>
-                    </a14:imgEffect>
-                  </a14:imgLayer>
-                </a14:imgProps>
-              </a:ext>
-              <a:ext uri="{28A0092B-C50C-407E-A947-70E740481C1C}">
-                <a14:useLocalDpi xmlns:a14="http://schemas.microsoft.com/office/drawing/2010/main" val="0"/>
-              </a:ext>
-            </a:extLst>
-          </a:blip>
-          <a:stretch>
-            <a:fillRect/>
-          </a:stretch>
-        </p:blipFill>
-        <p:spPr>
-          <a:xfrm>
-            <a:off x="6570655" y="2893422"/>
-            <a:ext cx="5491746" cy="3311200"/>
-          </a:xfrm>
-          <a:prstGeom prst="rect">
-            <a:avLst/>
-          </a:prstGeom>
-        </p:spPr>
-      </p:pic>
-      <p:pic>
-        <p:nvPicPr>
-          <p:cNvPr id="4" name="Picture 3" descr="spreadsheet 1.png"/>
-          <p:cNvPicPr>
-            <a:picLocks noChangeAspect="1"/>
-          </p:cNvPicPr>
-          <p:nvPr/>
-        </p:nvPicPr>
-        <p:blipFill>
-          <a:blip r:embed="rId4">
-            <a:extLst>
-              <a:ext uri="{28A0092B-C50C-407E-A947-70E740481C1C}">
-                <a14:useLocalDpi xmlns:a14="http://schemas.microsoft.com/office/drawing/2010/main" val="0"/>
-              </a:ext>
-            </a:extLst>
-          </a:blip>
-          <a:stretch>
-            <a:fillRect/>
-          </a:stretch>
-        </p:blipFill>
-        <p:spPr>
-          <a:xfrm>
-            <a:off x="0" y="1836688"/>
-            <a:ext cx="6752094" cy="1941303"/>
-          </a:xfrm>
-          <a:prstGeom prst="rect">
-            <a:avLst/>
-          </a:prstGeom>
-        </p:spPr>
-      </p:pic>
       <p:sp>
         <p:nvSpPr>
           <p:cNvPr id="7" name="Bent-Up Arrow 6"/>
@@ -4259,6 +4229,126 @@
           </a:fontRef>
         </p:style>
       </p:sp>
+      <p:pic>
+        <p:nvPicPr>
+          <p:cNvPr id="3" name="Picture 2"/>
+          <p:cNvPicPr>
+            <a:picLocks noChangeAspect="1"/>
+          </p:cNvPicPr>
+          <p:nvPr/>
+        </p:nvPicPr>
+        <p:blipFill>
+          <a:blip r:embed="rId2">
+            <a:extLst>
+              <a:ext uri="{28A0092B-C50C-407E-A947-70E740481C1C}">
+                <a14:useLocalDpi xmlns:a14="http://schemas.microsoft.com/office/drawing/2010/main" val="0"/>
+              </a:ext>
+            </a:extLst>
+          </a:blip>
+          <a:stretch>
+            <a:fillRect/>
+          </a:stretch>
+        </p:blipFill>
+        <p:spPr>
+          <a:xfrm>
+            <a:off x="217709" y="2402237"/>
+            <a:ext cx="6089057" cy="1287974"/>
+          </a:xfrm>
+          <a:prstGeom prst="rect">
+            <a:avLst/>
+          </a:prstGeom>
+        </p:spPr>
+      </p:pic>
+      <p:pic>
+        <p:nvPicPr>
+          <p:cNvPr id="6" name="Picture 5"/>
+          <p:cNvPicPr>
+            <a:picLocks noChangeAspect="1"/>
+          </p:cNvPicPr>
+          <p:nvPr/>
+        </p:nvPicPr>
+        <p:blipFill>
+          <a:blip r:embed="rId3">
+            <a:extLst>
+              <a:ext uri="{28A0092B-C50C-407E-A947-70E740481C1C}">
+                <a14:useLocalDpi xmlns:a14="http://schemas.microsoft.com/office/drawing/2010/main" val="0"/>
+              </a:ext>
+            </a:extLst>
+          </a:blip>
+          <a:stretch>
+            <a:fillRect/>
+          </a:stretch>
+        </p:blipFill>
+        <p:spPr>
+          <a:xfrm>
+            <a:off x="6288656" y="3921044"/>
+            <a:ext cx="4090701" cy="2270903"/>
+          </a:xfrm>
+          <a:prstGeom prst="rect">
+            <a:avLst/>
+          </a:prstGeom>
+        </p:spPr>
+      </p:pic>
+      <p:sp>
+        <p:nvSpPr>
+          <p:cNvPr id="8" name="TextBox 7"/>
+          <p:cNvSpPr txBox="1"/>
+          <p:nvPr/>
+        </p:nvSpPr>
+        <p:spPr>
+          <a:xfrm>
+            <a:off x="1766827" y="1971644"/>
+            <a:ext cx="2990819" cy="461665"/>
+          </a:xfrm>
+          <a:prstGeom prst="rect">
+            <a:avLst/>
+          </a:prstGeom>
+          <a:noFill/>
+        </p:spPr>
+        <p:txBody>
+          <a:bodyPr wrap="none" rtlCol="0">
+            <a:spAutoFit/>
+          </a:bodyPr>
+          <a:lstStyle/>
+          <a:p>
+            <a:r>
+              <a:rPr lang="nl-BE" sz="2400" dirty="0" smtClean="0"/>
+              <a:t>Voorbeeld input tabel:</a:t>
+            </a:r>
+            <a:endParaRPr lang="en-US" sz="2400" dirty="0"/>
+          </a:p>
+        </p:txBody>
+      </p:sp>
+      <p:sp>
+        <p:nvSpPr>
+          <p:cNvPr id="9" name="TextBox 8"/>
+          <p:cNvSpPr txBox="1"/>
+          <p:nvPr/>
+        </p:nvSpPr>
+        <p:spPr>
+          <a:xfrm>
+            <a:off x="6838596" y="3459379"/>
+            <a:ext cx="3184783" cy="461665"/>
+          </a:xfrm>
+          <a:prstGeom prst="rect">
+            <a:avLst/>
+          </a:prstGeom>
+          <a:noFill/>
+        </p:spPr>
+        <p:txBody>
+          <a:bodyPr wrap="none" rtlCol="0">
+            <a:spAutoFit/>
+          </a:bodyPr>
+          <a:lstStyle/>
+          <a:p>
+            <a:r>
+              <a:rPr lang="nl-BE" sz="2400" dirty="0" smtClean="0"/>
+              <a:t>Voorbeeld output tabel:</a:t>
+            </a:r>
+            <a:endParaRPr lang="en-US" sz="2400" dirty="0"/>
+          </a:p>
+        </p:txBody>
+      </p:sp>
     </p:spTree>
     <p:extLst>
       <p:ext uri="{BB962C8B-B14F-4D97-AF65-F5344CB8AC3E}">
@@ -4311,11 +4401,165 @@
           <a:bodyPr/>
           <a:lstStyle/>
           <a:p>
-            <a:r>
-              <a:rPr lang="en-US" dirty="0" err="1" smtClean="0"/>
-              <a:t>Structuur</a:t>
-            </a:r>
-            <a:endParaRPr lang="en-US" dirty="0"/>
+            <a:endParaRPr lang="en-US"/>
+          </a:p>
+        </p:txBody>
+      </p:sp>
+      <p:sp>
+        <p:nvSpPr>
+          <p:cNvPr id="3" name="Content Placeholder 2"/>
+          <p:cNvSpPr>
+            <a:spLocks noGrp="1"/>
+          </p:cNvSpPr>
+          <p:nvPr>
+            <p:ph idx="1"/>
+          </p:nvPr>
+        </p:nvSpPr>
+        <p:spPr/>
+        <p:txBody>
+          <a:bodyPr/>
+          <a:lstStyle/>
+          <a:p>
+            <a:endParaRPr lang="en-US"/>
+          </a:p>
+        </p:txBody>
+      </p:sp>
+    </p:spTree>
+    <p:extLst>
+      <p:ext uri="{BB962C8B-B14F-4D97-AF65-F5344CB8AC3E}">
+        <p14:creationId xmlns:p14="http://schemas.microsoft.com/office/powerpoint/2010/main" val="3344689338"/>
+      </p:ext>
+    </p:extLst>
+  </p:cSld>
+  <p:clrMapOvr>
+    <a:masterClrMapping/>
+  </p:clrMapOvr>
+  <p:timing>
+    <p:tnLst>
+      <p:par>
+        <p:cTn id="1" dur="indefinite" restart="never" nodeType="tmRoot"/>
+      </p:par>
+    </p:tnLst>
+  </p:timing>
+</p:sld>
+</file>
+
+<file path=ppt/slides/slide13.xml><?xml version="1.0" encoding="utf-8"?>
+<p:sld xmlns:a="http://schemas.openxmlformats.org/drawingml/2006/main" xmlns:r="http://schemas.openxmlformats.org/officeDocument/2006/relationships" xmlns:p="http://schemas.openxmlformats.org/presentationml/2006/main">
+  <p:cSld>
+    <p:spTree>
+      <p:nvGrpSpPr>
+        <p:cNvPr id="1" name=""/>
+        <p:cNvGrpSpPr/>
+        <p:nvPr/>
+      </p:nvGrpSpPr>
+      <p:grpSpPr>
+        <a:xfrm>
+          <a:off x="0" y="0"/>
+          <a:ext cx="0" cy="0"/>
+          <a:chOff x="0" y="0"/>
+          <a:chExt cx="0" cy="0"/>
+        </a:xfrm>
+      </p:grpSpPr>
+      <p:sp>
+        <p:nvSpPr>
+          <p:cNvPr id="2" name="Title 1"/>
+          <p:cNvSpPr>
+            <a:spLocks noGrp="1"/>
+          </p:cNvSpPr>
+          <p:nvPr>
+            <p:ph type="title"/>
+          </p:nvPr>
+        </p:nvSpPr>
+        <p:spPr/>
+        <p:txBody>
+          <a:bodyPr/>
+          <a:lstStyle/>
+          <a:p>
+            <a:endParaRPr lang="en-US"/>
+          </a:p>
+        </p:txBody>
+      </p:sp>
+      <p:sp>
+        <p:nvSpPr>
+          <p:cNvPr id="3" name="Content Placeholder 2"/>
+          <p:cNvSpPr>
+            <a:spLocks noGrp="1"/>
+          </p:cNvSpPr>
+          <p:nvPr>
+            <p:ph idx="1"/>
+          </p:nvPr>
+        </p:nvSpPr>
+        <p:spPr/>
+        <p:txBody>
+          <a:bodyPr/>
+          <a:lstStyle/>
+          <a:p>
+            <a:endParaRPr lang="en-US"/>
+          </a:p>
+        </p:txBody>
+      </p:sp>
+    </p:spTree>
+    <p:extLst>
+      <p:ext uri="{BB962C8B-B14F-4D97-AF65-F5344CB8AC3E}">
+        <p14:creationId xmlns:p14="http://schemas.microsoft.com/office/powerpoint/2010/main" val="2428817191"/>
+      </p:ext>
+    </p:extLst>
+  </p:cSld>
+  <p:clrMapOvr>
+    <a:masterClrMapping/>
+  </p:clrMapOvr>
+  <p:timing>
+    <p:tnLst>
+      <p:par>
+        <p:cTn id="1" dur="indefinite" restart="never" nodeType="tmRoot"/>
+      </p:par>
+    </p:tnLst>
+  </p:timing>
+</p:sld>
+</file>
+
+<file path=ppt/slides/slide14.xml><?xml version="1.0" encoding="utf-8"?>
+<p:sld xmlns:a="http://schemas.openxmlformats.org/drawingml/2006/main" xmlns:r="http://schemas.openxmlformats.org/officeDocument/2006/relationships" xmlns:p="http://schemas.openxmlformats.org/presentationml/2006/main">
+  <p:cSld>
+    <p:spTree>
+      <p:nvGrpSpPr>
+        <p:cNvPr id="1" name=""/>
+        <p:cNvGrpSpPr/>
+        <p:nvPr/>
+      </p:nvGrpSpPr>
+      <p:grpSpPr>
+        <a:xfrm>
+          <a:off x="0" y="0"/>
+          <a:ext cx="0" cy="0"/>
+          <a:chOff x="0" y="0"/>
+          <a:chExt cx="0" cy="0"/>
+        </a:xfrm>
+      </p:grpSpPr>
+      <p:sp>
+        <p:nvSpPr>
+          <p:cNvPr id="2" name="Title 1"/>
+          <p:cNvSpPr>
+            <a:spLocks noGrp="1"/>
+          </p:cNvSpPr>
+          <p:nvPr>
+            <p:ph type="title"/>
+          </p:nvPr>
+        </p:nvSpPr>
+        <p:spPr/>
+        <p:txBody>
+          <a:bodyPr/>
+          <a:lstStyle/>
+          <a:p>
+            <a:r>
+              <a:rPr lang="nl-BE" dirty="0" smtClean="0"/>
+              <a:t>Grammatica</a:t>
+            </a:r>
+            <a:endParaRPr lang="nl-BE" dirty="0">
+              <a:solidFill>
+                <a:srgbClr val="FF0000"/>
+              </a:solidFill>
+            </a:endParaRPr>
           </a:p>
         </p:txBody>
       </p:sp>
@@ -4369,7 +4613,7 @@
 </p:sld>
 </file>
 
-<file path=ppt/slides/slide13.xml><?xml version="1.0" encoding="utf-8"?>
+<file path=ppt/slides/slide15.xml><?xml version="1.0" encoding="utf-8"?>
 <p:sld xmlns:a="http://schemas.openxmlformats.org/drawingml/2006/main" xmlns:r="http://schemas.openxmlformats.org/officeDocument/2006/relationships" xmlns:p="http://schemas.openxmlformats.org/presentationml/2006/main">
   <p:cSld>
     <p:spTree>
@@ -4403,31 +4647,11 @@
           <a:p>
             <a:r>
               <a:rPr lang="nl-BE" dirty="0" smtClean="0"/>
-              <a:t>Domein kennis </a:t>
-            </a:r>
-            <a:r>
-              <a:rPr lang="nl-BE" dirty="0" smtClean="0">
-                <a:solidFill>
-                  <a:srgbClr val="FF0000"/>
-                </a:solidFill>
-              </a:rPr>
-              <a:t>(&lt;- </a:t>
-            </a:r>
-            <a:r>
-              <a:rPr lang="nl-BE" dirty="0">
-                <a:solidFill>
-                  <a:srgbClr val="FF0000"/>
-                </a:solidFill>
-              </a:rPr>
-              <a:t>vertalen</a:t>
-            </a:r>
-            <a:r>
-              <a:rPr lang="nl-BE" dirty="0" smtClean="0">
-                <a:solidFill>
-                  <a:srgbClr val="FF0000"/>
-                </a:solidFill>
-              </a:rPr>
-              <a:t>?)</a:t>
+              <a:t>Domein </a:t>
+            </a:r>
+            <a:r>
+              <a:rPr lang="nl-BE" dirty="0" smtClean="0"/>
+              <a:t>kennis</a:t>
             </a:r>
             <a:endParaRPr lang="en-US" dirty="0"/>
           </a:p>
@@ -4513,7 +4737,7 @@
 </p:sld>
 </file>
 
-<file path=ppt/slides/slide14.xml><?xml version="1.0" encoding="utf-8"?>
+<file path=ppt/slides/slide16.xml><?xml version="1.0" encoding="utf-8"?>
 <p:sld xmlns:a="http://schemas.openxmlformats.org/drawingml/2006/main" xmlns:r="http://schemas.openxmlformats.org/officeDocument/2006/relationships" xmlns:p="http://schemas.openxmlformats.org/presentationml/2006/main">
   <p:cSld>
     <p:spTree>
@@ -4656,82 +4880,7 @@
 </p:sld>
 </file>
 
-<file path=ppt/slides/slide15.xml><?xml version="1.0" encoding="utf-8"?>
-<p:sld xmlns:a="http://schemas.openxmlformats.org/drawingml/2006/main" xmlns:r="http://schemas.openxmlformats.org/officeDocument/2006/relationships" xmlns:p="http://schemas.openxmlformats.org/presentationml/2006/main">
-  <p:cSld>
-    <p:spTree>
-      <p:nvGrpSpPr>
-        <p:cNvPr id="1" name=""/>
-        <p:cNvGrpSpPr/>
-        <p:nvPr/>
-      </p:nvGrpSpPr>
-      <p:grpSpPr>
-        <a:xfrm>
-          <a:off x="0" y="0"/>
-          <a:ext cx="0" cy="0"/>
-          <a:chOff x="0" y="0"/>
-          <a:chExt cx="0" cy="0"/>
-        </a:xfrm>
-      </p:grpSpPr>
-      <p:sp>
-        <p:nvSpPr>
-          <p:cNvPr id="2" name="Title 1"/>
-          <p:cNvSpPr>
-            <a:spLocks noGrp="1"/>
-          </p:cNvSpPr>
-          <p:nvPr>
-            <p:ph type="title"/>
-          </p:nvPr>
-        </p:nvSpPr>
-        <p:spPr/>
-        <p:txBody>
-          <a:bodyPr/>
-          <a:lstStyle/>
-          <a:p>
-            <a:endParaRPr lang="en-US"/>
-          </a:p>
-        </p:txBody>
-      </p:sp>
-      <p:sp>
-        <p:nvSpPr>
-          <p:cNvPr id="5" name="Content Placeholder 4"/>
-          <p:cNvSpPr>
-            <a:spLocks noGrp="1"/>
-          </p:cNvSpPr>
-          <p:nvPr>
-            <p:ph idx="1"/>
-          </p:nvPr>
-        </p:nvSpPr>
-        <p:spPr/>
-        <p:txBody>
-          <a:bodyPr/>
-          <a:lstStyle/>
-          <a:p>
-            <a:endParaRPr lang="en-US"/>
-          </a:p>
-        </p:txBody>
-      </p:sp>
-    </p:spTree>
-    <p:extLst>
-      <p:ext uri="{BB962C8B-B14F-4D97-AF65-F5344CB8AC3E}">
-        <p14:creationId xmlns:p14="http://schemas.microsoft.com/office/powerpoint/2010/main" val="2473371501"/>
-      </p:ext>
-    </p:extLst>
-  </p:cSld>
-  <p:clrMapOvr>
-    <a:masterClrMapping/>
-  </p:clrMapOvr>
-  <p:timing>
-    <p:tnLst>
-      <p:par>
-        <p:cTn id="1" dur="indefinite" restart="never" nodeType="tmRoot"/>
-      </p:par>
-    </p:tnLst>
-  </p:timing>
-</p:sld>
-</file>
-
-<file path=ppt/slides/slide16.xml><?xml version="1.0" encoding="utf-8"?>
+<file path=ppt/slides/slide17.xml><?xml version="1.0" encoding="utf-8"?>
 <p:sld xmlns:a="http://schemas.openxmlformats.org/drawingml/2006/main" xmlns:r="http://schemas.openxmlformats.org/officeDocument/2006/relationships" xmlns:p="http://schemas.openxmlformats.org/presentationml/2006/main">
   <p:cSld>
     <p:spTree>
@@ -4991,7 +5140,7 @@
         </p:nvCxnSpPr>
         <p:spPr>
           <a:xfrm flipV="1">
-            <a:off x="4780613" y="3857414"/>
+            <a:off x="4780613" y="3794519"/>
             <a:ext cx="1259456" cy="8626"/>
           </a:xfrm>
           <a:prstGeom prst="straightConnector1">
@@ -5025,13 +5174,13 @@
           <p:nvPr>
             <p:extLst>
               <p:ext uri="{D42A27DB-BD31-4B8C-83A1-F6EECF244321}">
-                <p14:modId xmlns:p14="http://schemas.microsoft.com/office/powerpoint/2010/main" val="3188795779"/>
+                <p14:modId xmlns:p14="http://schemas.microsoft.com/office/powerpoint/2010/main" val="3581662332"/>
               </p:ext>
             </p:extLst>
           </p:nvPr>
         </p:nvGraphicFramePr>
         <p:xfrm>
-          <a:off x="492472" y="3187659"/>
+          <a:off x="423082" y="3564616"/>
           <a:ext cx="4276760" cy="2452302"/>
         </p:xfrm>
         <a:graphic>
@@ -5611,13 +5760,13 @@
           <p:nvPr>
             <p:extLst>
               <p:ext uri="{D42A27DB-BD31-4B8C-83A1-F6EECF244321}">
-                <p14:modId xmlns:p14="http://schemas.microsoft.com/office/powerpoint/2010/main" val="888372690"/>
+                <p14:modId xmlns:p14="http://schemas.microsoft.com/office/powerpoint/2010/main" val="3411121713"/>
               </p:ext>
             </p:extLst>
           </p:nvPr>
         </p:nvGraphicFramePr>
         <p:xfrm>
-          <a:off x="6139858" y="3184563"/>
+          <a:off x="6165359" y="3564616"/>
           <a:ext cx="4276760" cy="2452302"/>
         </p:xfrm>
         <a:graphic>
@@ -6224,146 +6373,6 @@
 </p:sld>
 </file>
 
-<file path=ppt/slides/slide17.xml><?xml version="1.0" encoding="utf-8"?>
-<p:sld xmlns:a="http://schemas.openxmlformats.org/drawingml/2006/main" xmlns:r="http://schemas.openxmlformats.org/officeDocument/2006/relationships" xmlns:p="http://schemas.openxmlformats.org/presentationml/2006/main">
-  <p:cSld>
-    <p:spTree>
-      <p:nvGrpSpPr>
-        <p:cNvPr id="1" name=""/>
-        <p:cNvGrpSpPr/>
-        <p:nvPr/>
-      </p:nvGrpSpPr>
-      <p:grpSpPr>
-        <a:xfrm>
-          <a:off x="0" y="0"/>
-          <a:ext cx="0" cy="0"/>
-          <a:chOff x="0" y="0"/>
-          <a:chExt cx="0" cy="0"/>
-        </a:xfrm>
-      </p:grpSpPr>
-      <p:sp>
-        <p:nvSpPr>
-          <p:cNvPr id="2" name="Title 1"/>
-          <p:cNvSpPr>
-            <a:spLocks noGrp="1"/>
-          </p:cNvSpPr>
-          <p:nvPr>
-            <p:ph type="title"/>
-          </p:nvPr>
-        </p:nvSpPr>
-        <p:spPr/>
-        <p:txBody>
-          <a:bodyPr/>
-          <a:lstStyle/>
-          <a:p>
-            <a:r>
-              <a:rPr lang="nl-BE" dirty="0" smtClean="0"/>
-              <a:t>Overzicht:</a:t>
-            </a:r>
-            <a:br>
-              <a:rPr lang="nl-BE" dirty="0" smtClean="0"/>
-            </a:br>
-            <a:r>
-              <a:rPr lang="nl-BE" dirty="0" err="1" smtClean="0"/>
-              <a:t>Equation</a:t>
-            </a:r>
-            <a:r>
-              <a:rPr lang="nl-BE" dirty="0" smtClean="0"/>
-              <a:t> Discovery</a:t>
-            </a:r>
-            <a:endParaRPr lang="en-US" dirty="0"/>
-          </a:p>
-        </p:txBody>
-      </p:sp>
-      <p:sp>
-        <p:nvSpPr>
-          <p:cNvPr id="3" name="Content Placeholder 2"/>
-          <p:cNvSpPr>
-            <a:spLocks noGrp="1"/>
-          </p:cNvSpPr>
-          <p:nvPr>
-            <p:ph idx="1"/>
-          </p:nvPr>
-        </p:nvSpPr>
-        <p:spPr/>
-        <p:txBody>
-          <a:bodyPr/>
-          <a:lstStyle/>
-          <a:p>
-            <a:pPr>
-              <a:buFont typeface="Arial" panose="020B0604020202020204" pitchFamily="34" charset="0"/>
-              <a:buChar char="•"/>
-            </a:pPr>
-            <a:r>
-              <a:rPr lang="nl-BE" dirty="0" smtClean="0"/>
-              <a:t>  </a:t>
-            </a:r>
-            <a:r>
-              <a:rPr lang="nl-BE" dirty="0" err="1" smtClean="0"/>
-              <a:t>Inductive</a:t>
-            </a:r>
-            <a:r>
-              <a:rPr lang="nl-BE" dirty="0" smtClean="0"/>
-              <a:t> Language Bias</a:t>
-            </a:r>
-          </a:p>
-          <a:p>
-            <a:pPr>
-              <a:buFont typeface="Arial" panose="020B0604020202020204" pitchFamily="34" charset="0"/>
-              <a:buChar char="•"/>
-            </a:pPr>
-            <a:r>
-              <a:rPr lang="nl-BE" dirty="0"/>
-              <a:t> </a:t>
-            </a:r>
-            <a:r>
-              <a:rPr lang="nl-BE" dirty="0" smtClean="0"/>
-              <a:t> </a:t>
-            </a:r>
-            <a:r>
-              <a:rPr lang="nl-BE" dirty="0" err="1" smtClean="0"/>
-              <a:t>Lagrambe</a:t>
-            </a:r>
-            <a:r>
-              <a:rPr lang="nl-BE" dirty="0" smtClean="0"/>
-              <a:t> </a:t>
-            </a:r>
-            <a:r>
-              <a:rPr lang="nl-BE" dirty="0" smtClean="0">
-                <a:solidFill>
-                  <a:srgbClr val="FF0000"/>
-                </a:solidFill>
-              </a:rPr>
-              <a:t>(&lt;- Verander)</a:t>
-            </a:r>
-            <a:endParaRPr lang="en-US" dirty="0">
-              <a:solidFill>
-                <a:srgbClr val="FF0000"/>
-              </a:solidFill>
-            </a:endParaRPr>
-          </a:p>
-        </p:txBody>
-      </p:sp>
-    </p:spTree>
-    <p:extLst>
-      <p:ext uri="{BB962C8B-B14F-4D97-AF65-F5344CB8AC3E}">
-        <p14:creationId xmlns:p14="http://schemas.microsoft.com/office/powerpoint/2010/main" val="2060028207"/>
-      </p:ext>
-    </p:extLst>
-  </p:cSld>
-  <p:clrMapOvr>
-    <a:masterClrMapping/>
-  </p:clrMapOvr>
-  <p:timing>
-    <p:tnLst>
-      <p:par>
-        <p:cTn id="1" dur="indefinite" restart="never" nodeType="tmRoot"/>
-      </p:par>
-    </p:tnLst>
-  </p:timing>
-</p:sld>
-</file>
-
 <file path=ppt/slides/slide18.xml><?xml version="1.0" encoding="utf-8"?>
 <p:sld xmlns:a="http://schemas.openxmlformats.org/drawingml/2006/main" xmlns:r="http://schemas.openxmlformats.org/officeDocument/2006/relationships" xmlns:p="http://schemas.openxmlformats.org/presentationml/2006/main">
   <p:cSld>
@@ -6396,7 +6405,22 @@
           <a:bodyPr/>
           <a:lstStyle/>
           <a:p>
-            <a:endParaRPr lang="en-US"/>
+            <a:r>
+              <a:rPr lang="nl-BE" dirty="0" smtClean="0"/>
+              <a:t>Overzicht:</a:t>
+            </a:r>
+            <a:br>
+              <a:rPr lang="nl-BE" dirty="0" smtClean="0"/>
+            </a:br>
+            <a:r>
+              <a:rPr lang="nl-BE" dirty="0" err="1" smtClean="0"/>
+              <a:t>Equation</a:t>
+            </a:r>
+            <a:r>
+              <a:rPr lang="nl-BE" dirty="0" smtClean="0"/>
+              <a:t> Discovery</a:t>
+            </a:r>
+            <a:endParaRPr lang="en-US" dirty="0"/>
           </a:p>
         </p:txBody>
       </p:sp>
@@ -6415,14 +6439,119 @@
           <a:bodyPr/>
           <a:lstStyle/>
           <a:p>
-            <a:endParaRPr lang="en-US"/>
+            <a:pPr>
+              <a:buFont typeface="Arial" panose="020B0604020202020204" pitchFamily="34" charset="0"/>
+              <a:buChar char="•"/>
+            </a:pPr>
+            <a:r>
+              <a:rPr lang="nl-BE" dirty="0" smtClean="0"/>
+              <a:t>  Definitie: </a:t>
+            </a:r>
+            <a:r>
+              <a:rPr lang="nl-BE" dirty="0" err="1" smtClean="0"/>
+              <a:t>Equation</a:t>
+            </a:r>
+            <a:r>
+              <a:rPr lang="nl-BE" dirty="0" smtClean="0"/>
+              <a:t> </a:t>
+            </a:r>
+            <a:r>
+              <a:rPr lang="nl-BE" dirty="0" err="1" smtClean="0"/>
+              <a:t>discovery</a:t>
+            </a:r>
+            <a:endParaRPr lang="nl-BE" dirty="0" smtClean="0"/>
+          </a:p>
+          <a:p>
+            <a:pPr>
+              <a:buFont typeface="Arial" panose="020B0604020202020204" pitchFamily="34" charset="0"/>
+              <a:buChar char="•"/>
+            </a:pPr>
+            <a:r>
+              <a:rPr lang="nl-BE" dirty="0"/>
+              <a:t>  </a:t>
+            </a:r>
+            <a:r>
+              <a:rPr lang="nl-BE" dirty="0" err="1" smtClean="0"/>
+              <a:t>Inductive</a:t>
+            </a:r>
+            <a:r>
+              <a:rPr lang="nl-BE" dirty="0" smtClean="0"/>
+              <a:t> </a:t>
+            </a:r>
+            <a:r>
+              <a:rPr lang="nl-BE" dirty="0"/>
+              <a:t>Language </a:t>
+            </a:r>
+            <a:r>
+              <a:rPr lang="nl-BE" dirty="0" smtClean="0"/>
+              <a:t>Bias</a:t>
+            </a:r>
+          </a:p>
+          <a:p>
+            <a:pPr>
+              <a:buFont typeface="Arial" panose="020B0604020202020204" pitchFamily="34" charset="0"/>
+              <a:buChar char="•"/>
+            </a:pPr>
+            <a:r>
+              <a:rPr lang="nl-BE" dirty="0" smtClean="0"/>
+              <a:t>  Context vrije grammatica</a:t>
+            </a:r>
+          </a:p>
+          <a:p>
+            <a:pPr>
+              <a:buFont typeface="Arial" panose="020B0604020202020204" pitchFamily="34" charset="0"/>
+              <a:buChar char="•"/>
+            </a:pPr>
+            <a:r>
+              <a:rPr lang="nl-BE" dirty="0"/>
+              <a:t> </a:t>
+            </a:r>
+            <a:r>
+              <a:rPr lang="nl-BE" dirty="0" smtClean="0"/>
+              <a:t> Toepassing: Modellering populatie dynamiek</a:t>
+            </a:r>
+          </a:p>
+          <a:p>
+            <a:pPr>
+              <a:buFont typeface="Arial" panose="020B0604020202020204" pitchFamily="34" charset="0"/>
+              <a:buChar char="•"/>
+            </a:pPr>
+            <a:r>
+              <a:rPr lang="nl-BE" dirty="0"/>
+              <a:t> </a:t>
+            </a:r>
+            <a:r>
+              <a:rPr lang="nl-BE" dirty="0" smtClean="0"/>
+              <a:t> </a:t>
+            </a:r>
+            <a:r>
+              <a:rPr lang="nl-BE" dirty="0" smtClean="0"/>
+              <a:t>Lagramge</a:t>
+            </a:r>
+            <a:r>
+              <a:rPr lang="nl-BE" dirty="0" smtClean="0"/>
+              <a:t> </a:t>
+            </a:r>
+            <a:r>
+              <a:rPr lang="nl-BE" dirty="0" smtClean="0">
+                <a:solidFill>
+                  <a:srgbClr val="FF0000"/>
+                </a:solidFill>
+              </a:rPr>
+              <a:t>(&lt;- Verander)</a:t>
+            </a:r>
+            <a:endParaRPr lang="en-US" dirty="0">
+              <a:solidFill>
+                <a:srgbClr val="FF0000"/>
+              </a:solidFill>
+            </a:endParaRPr>
           </a:p>
         </p:txBody>
       </p:sp>
     </p:spTree>
     <p:extLst>
       <p:ext uri="{BB962C8B-B14F-4D97-AF65-F5344CB8AC3E}">
-        <p14:creationId xmlns:p14="http://schemas.microsoft.com/office/powerpoint/2010/main" val="2428817191"/>
+        <p14:creationId xmlns:p14="http://schemas.microsoft.com/office/powerpoint/2010/main" val="2060028207"/>
       </p:ext>
     </p:extLst>
   </p:cSld>
@@ -6471,7 +6600,11 @@
           <a:bodyPr/>
           <a:lstStyle/>
           <a:p>
-            <a:endParaRPr lang="en-US"/>
+            <a:r>
+              <a:rPr lang="nl-BE" dirty="0" smtClean="0"/>
+              <a:t>Definitie</a:t>
+            </a:r>
+            <a:endParaRPr lang="en-US" dirty="0"/>
           </a:p>
         </p:txBody>
       </p:sp>
@@ -6485,19 +6618,86 @@
             <p:ph idx="1"/>
           </p:nvPr>
         </p:nvSpPr>
-        <p:spPr/>
-        <p:txBody>
-          <a:bodyPr/>
-          <a:lstStyle/>
-          <a:p>
-            <a:endParaRPr lang="en-US"/>
+        <p:spPr>
+          <a:xfrm>
+            <a:off x="1097280" y="2600705"/>
+            <a:ext cx="10058400" cy="1656591"/>
+          </a:xfrm>
+        </p:spPr>
+        <p:txBody>
+          <a:bodyPr>
+            <a:normAutofit/>
+          </a:bodyPr>
+          <a:lstStyle/>
+          <a:p>
+            <a:pPr marL="0" indent="0" algn="ctr">
+              <a:spcBef>
+                <a:spcPts val="0"/>
+              </a:spcBef>
+              <a:spcAft>
+                <a:spcPts val="0"/>
+              </a:spcAft>
+              <a:buNone/>
+            </a:pPr>
+            <a:r>
+              <a:rPr lang="en-US" sz="2800" i="1" dirty="0" smtClean="0"/>
+              <a:t>“</a:t>
+            </a:r>
+            <a:r>
+              <a:rPr lang="en-US" sz="2800" b="1" i="1" dirty="0" smtClean="0"/>
+              <a:t>Equation </a:t>
+            </a:r>
+            <a:r>
+              <a:rPr lang="en-US" sz="2800" b="1" i="1" dirty="0"/>
+              <a:t>discovery </a:t>
+            </a:r>
+            <a:r>
+              <a:rPr lang="en-US" sz="2800" i="1" dirty="0"/>
+              <a:t>is a machine learning task that deals with the problem of learning </a:t>
+            </a:r>
+            <a:r>
+              <a:rPr lang="en-US" sz="2800" b="1" i="1" dirty="0"/>
+              <a:t>quantitative laws and models</a:t>
+            </a:r>
+            <a:r>
+              <a:rPr lang="en-US" sz="2800" i="1" dirty="0"/>
+              <a:t>, expressed in the form of equations, in collections of measured </a:t>
+            </a:r>
+            <a:r>
+              <a:rPr lang="en-US" sz="2800" b="1" i="1" dirty="0"/>
+              <a:t>numeric data</a:t>
+            </a:r>
+            <a:r>
+              <a:rPr lang="en-US" sz="2800" i="1" dirty="0" smtClean="0"/>
+              <a:t>.” </a:t>
+            </a:r>
+          </a:p>
+          <a:p>
+            <a:pPr marL="0" indent="0" algn="ctr">
+              <a:spcBef>
+                <a:spcPts val="0"/>
+              </a:spcBef>
+              <a:spcAft>
+                <a:spcPts val="0"/>
+              </a:spcAft>
+              <a:buNone/>
+            </a:pPr>
+            <a:r>
+              <a:rPr lang="en-US" sz="2800" i="1" dirty="0" smtClean="0"/>
+              <a:t>– </a:t>
+            </a:r>
+            <a:r>
+              <a:rPr lang="en-US" sz="2800" dirty="0" smtClean="0"/>
+              <a:t>Encyclopedia of machine learning</a:t>
+            </a:r>
+            <a:endParaRPr lang="en-US" sz="2800" dirty="0"/>
           </a:p>
         </p:txBody>
       </p:sp>
     </p:spTree>
     <p:extLst>
       <p:ext uri="{BB962C8B-B14F-4D97-AF65-F5344CB8AC3E}">
-        <p14:creationId xmlns:p14="http://schemas.microsoft.com/office/powerpoint/2010/main" val="3344689338"/>
+        <p14:creationId xmlns:p14="http://schemas.microsoft.com/office/powerpoint/2010/main" val="3033113370"/>
       </p:ext>
     </p:extLst>
   </p:cSld>
@@ -6874,7 +7074,19 @@
           <a:bodyPr/>
           <a:lstStyle/>
           <a:p>
-            <a:endParaRPr lang="en-US"/>
+            <a:r>
+              <a:rPr lang="nl-BE" dirty="0" err="1"/>
+              <a:t>Inductive</a:t>
+            </a:r>
+            <a:r>
+              <a:rPr lang="nl-BE" dirty="0"/>
+              <a:t> Language </a:t>
+            </a:r>
+            <a:r>
+              <a:rPr lang="nl-BE" dirty="0" smtClean="0"/>
+              <a:t>Bias</a:t>
+            </a:r>
+            <a:endParaRPr lang="en-US" dirty="0"/>
           </a:p>
         </p:txBody>
       </p:sp>
@@ -6893,14 +7105,14 @@
           <a:bodyPr/>
           <a:lstStyle/>
           <a:p>
-            <a:endParaRPr lang="en-US"/>
+            <a:endParaRPr lang="en-US" dirty="0"/>
           </a:p>
         </p:txBody>
       </p:sp>
     </p:spTree>
     <p:extLst>
       <p:ext uri="{BB962C8B-B14F-4D97-AF65-F5344CB8AC3E}">
-        <p14:creationId xmlns:p14="http://schemas.microsoft.com/office/powerpoint/2010/main" val="3033113370"/>
+        <p14:creationId xmlns:p14="http://schemas.microsoft.com/office/powerpoint/2010/main" val="2786214848"/>
       </p:ext>
     </p:extLst>
   </p:cSld>
@@ -6949,7 +7161,7 @@
           <a:bodyPr/>
           <a:lstStyle/>
           <a:p>
-            <a:endParaRPr lang="en-US"/>
+            <a:endParaRPr lang="en-US" dirty="0"/>
           </a:p>
         </p:txBody>
       </p:sp>
@@ -6968,14 +7180,14 @@
           <a:bodyPr/>
           <a:lstStyle/>
           <a:p>
-            <a:endParaRPr lang="en-US"/>
+            <a:endParaRPr lang="en-US" dirty="0"/>
           </a:p>
         </p:txBody>
       </p:sp>
     </p:spTree>
     <p:extLst>
       <p:ext uri="{BB962C8B-B14F-4D97-AF65-F5344CB8AC3E}">
-        <p14:creationId xmlns:p14="http://schemas.microsoft.com/office/powerpoint/2010/main" val="2786214848"/>
+        <p14:creationId xmlns:p14="http://schemas.microsoft.com/office/powerpoint/2010/main" val="2352575886"/>
       </p:ext>
     </p:extLst>
   </p:cSld>
@@ -7024,7 +7236,7 @@
           <a:bodyPr/>
           <a:lstStyle/>
           <a:p>
-            <a:endParaRPr lang="en-US"/>
+            <a:endParaRPr lang="en-US" dirty="0"/>
           </a:p>
         </p:txBody>
       </p:sp>
@@ -7043,14 +7255,14 @@
           <a:bodyPr/>
           <a:lstStyle/>
           <a:p>
-            <a:endParaRPr lang="en-US"/>
+            <a:endParaRPr lang="en-US" dirty="0"/>
           </a:p>
         </p:txBody>
       </p:sp>
     </p:spTree>
     <p:extLst>
       <p:ext uri="{BB962C8B-B14F-4D97-AF65-F5344CB8AC3E}">
-        <p14:creationId xmlns:p14="http://schemas.microsoft.com/office/powerpoint/2010/main" val="2352575886"/>
+        <p14:creationId xmlns:p14="http://schemas.microsoft.com/office/powerpoint/2010/main" val="270768509"/>
       </p:ext>
     </p:extLst>
   </p:cSld>
@@ -7099,7 +7311,7 @@
           <a:bodyPr/>
           <a:lstStyle/>
           <a:p>
-            <a:endParaRPr lang="en-US"/>
+            <a:endParaRPr lang="en-US" dirty="0"/>
           </a:p>
         </p:txBody>
       </p:sp>
@@ -7118,14 +7330,14 @@
           <a:bodyPr/>
           <a:lstStyle/>
           <a:p>
-            <a:endParaRPr lang="en-US"/>
+            <a:endParaRPr lang="en-US" dirty="0"/>
           </a:p>
         </p:txBody>
       </p:sp>
     </p:spTree>
     <p:extLst>
       <p:ext uri="{BB962C8B-B14F-4D97-AF65-F5344CB8AC3E}">
-        <p14:creationId xmlns:p14="http://schemas.microsoft.com/office/powerpoint/2010/main" val="270768509"/>
+        <p14:creationId xmlns:p14="http://schemas.microsoft.com/office/powerpoint/2010/main" val="4075701538"/>
       </p:ext>
     </p:extLst>
   </p:cSld>
@@ -7174,7 +7386,7 @@
           <a:bodyPr/>
           <a:lstStyle/>
           <a:p>
-            <a:endParaRPr lang="en-US"/>
+            <a:endParaRPr lang="en-US" dirty="0"/>
           </a:p>
         </p:txBody>
       </p:sp>
@@ -7193,14 +7405,14 @@
           <a:bodyPr/>
           <a:lstStyle/>
           <a:p>
-            <a:endParaRPr lang="en-US"/>
+            <a:endParaRPr lang="en-US" dirty="0"/>
           </a:p>
         </p:txBody>
       </p:sp>
     </p:spTree>
     <p:extLst>
       <p:ext uri="{BB962C8B-B14F-4D97-AF65-F5344CB8AC3E}">
-        <p14:creationId xmlns:p14="http://schemas.microsoft.com/office/powerpoint/2010/main" val="4075701538"/>
+        <p14:creationId xmlns:p14="http://schemas.microsoft.com/office/powerpoint/2010/main" val="3335377810"/>
       </p:ext>
     </p:extLst>
   </p:cSld>
@@ -7249,7 +7461,11 @@
           <a:bodyPr/>
           <a:lstStyle/>
           <a:p>
-            <a:endParaRPr lang="en-US"/>
+            <a:r>
+              <a:rPr lang="nl-BE" dirty="0" smtClean="0"/>
+              <a:t>Conclusie</a:t>
+            </a:r>
+            <a:endParaRPr lang="en-US" dirty="0"/>
           </a:p>
         </p:txBody>
       </p:sp>
@@ -7268,14 +7484,14 @@
           <a:bodyPr/>
           <a:lstStyle/>
           <a:p>
-            <a:endParaRPr lang="en-US"/>
+            <a:endParaRPr lang="en-US" dirty="0"/>
           </a:p>
         </p:txBody>
       </p:sp>
     </p:spTree>
     <p:extLst>
       <p:ext uri="{BB962C8B-B14F-4D97-AF65-F5344CB8AC3E}">
-        <p14:creationId xmlns:p14="http://schemas.microsoft.com/office/powerpoint/2010/main" val="3335377810"/>
+        <p14:creationId xmlns:p14="http://schemas.microsoft.com/office/powerpoint/2010/main" val="2029372312"/>
       </p:ext>
     </p:extLst>
   </p:cSld>
@@ -7316,7 +7532,7 @@
             <a:spLocks noGrp="1"/>
           </p:cNvSpPr>
           <p:nvPr>
-            <p:ph type="title"/>
+            <p:ph type="ctrTitle"/>
           </p:nvPr>
         </p:nvSpPr>
         <p:spPr/>
@@ -7324,18 +7540,22 @@
           <a:bodyPr/>
           <a:lstStyle/>
           <a:p>
-            <a:endParaRPr lang="en-US"/>
-          </a:p>
-        </p:txBody>
-      </p:sp>
-      <p:sp>
-        <p:nvSpPr>
-          <p:cNvPr id="3" name="Content Placeholder 2"/>
-          <p:cNvSpPr>
-            <a:spLocks noGrp="1"/>
-          </p:cNvSpPr>
-          <p:nvPr>
-            <p:ph idx="1"/>
+            <a:r>
+              <a:rPr lang="nl-BE" dirty="0" smtClean="0"/>
+              <a:t>Vragen?</a:t>
+            </a:r>
+            <a:endParaRPr lang="en-US" dirty="0"/>
+          </a:p>
+        </p:txBody>
+      </p:sp>
+      <p:sp>
+        <p:nvSpPr>
+          <p:cNvPr id="3" name="Subtitle 2"/>
+          <p:cNvSpPr>
+            <a:spLocks noGrp="1"/>
+          </p:cNvSpPr>
+          <p:nvPr>
+            <p:ph type="subTitle" idx="1"/>
           </p:nvPr>
         </p:nvSpPr>
         <p:spPr/>
@@ -7343,102 +7563,20 @@
           <a:bodyPr/>
           <a:lstStyle/>
           <a:p>
-            <a:endParaRPr lang="en-US"/>
+            <a:endParaRPr lang="en-US" dirty="0"/>
           </a:p>
         </p:txBody>
       </p:sp>
     </p:spTree>
     <p:extLst>
       <p:ext uri="{BB962C8B-B14F-4D97-AF65-F5344CB8AC3E}">
-        <p14:creationId xmlns:p14="http://schemas.microsoft.com/office/powerpoint/2010/main" val="2029372312"/>
+        <p14:creationId xmlns:p14="http://schemas.microsoft.com/office/powerpoint/2010/main" val="432546618"/>
       </p:ext>
     </p:extLst>
   </p:cSld>
   <p:clrMapOvr>
     <a:masterClrMapping/>
   </p:clrMapOvr>
-  <p:timing>
-    <p:tnLst>
-      <p:par>
-        <p:cTn id="1" dur="indefinite" restart="never" nodeType="tmRoot"/>
-      </p:par>
-    </p:tnLst>
-  </p:timing>
-</p:sld>
-</file>
-
-<file path=ppt/slides/slide27.xml><?xml version="1.0" encoding="utf-8"?>
-<p:sld xmlns:a="http://schemas.openxmlformats.org/drawingml/2006/main" xmlns:r="http://schemas.openxmlformats.org/officeDocument/2006/relationships" xmlns:p="http://schemas.openxmlformats.org/presentationml/2006/main">
-  <p:cSld>
-    <p:spTree>
-      <p:nvGrpSpPr>
-        <p:cNvPr id="1" name=""/>
-        <p:cNvGrpSpPr/>
-        <p:nvPr/>
-      </p:nvGrpSpPr>
-      <p:grpSpPr>
-        <a:xfrm>
-          <a:off x="0" y="0"/>
-          <a:ext cx="0" cy="0"/>
-          <a:chOff x="0" y="0"/>
-          <a:chExt cx="0" cy="0"/>
-        </a:xfrm>
-      </p:grpSpPr>
-      <p:sp>
-        <p:nvSpPr>
-          <p:cNvPr id="2" name="Title 1"/>
-          <p:cNvSpPr>
-            <a:spLocks noGrp="1"/>
-          </p:cNvSpPr>
-          <p:nvPr>
-            <p:ph type="title"/>
-          </p:nvPr>
-        </p:nvSpPr>
-        <p:spPr/>
-        <p:txBody>
-          <a:bodyPr/>
-          <a:lstStyle/>
-          <a:p>
-            <a:endParaRPr lang="en-US"/>
-          </a:p>
-        </p:txBody>
-      </p:sp>
-      <p:sp>
-        <p:nvSpPr>
-          <p:cNvPr id="3" name="Content Placeholder 2"/>
-          <p:cNvSpPr>
-            <a:spLocks noGrp="1"/>
-          </p:cNvSpPr>
-          <p:nvPr>
-            <p:ph idx="1"/>
-          </p:nvPr>
-        </p:nvSpPr>
-        <p:spPr/>
-        <p:txBody>
-          <a:bodyPr/>
-          <a:lstStyle/>
-          <a:p>
-            <a:endParaRPr lang="en-US"/>
-          </a:p>
-        </p:txBody>
-      </p:sp>
-    </p:spTree>
-    <p:extLst>
-      <p:ext uri="{BB962C8B-B14F-4D97-AF65-F5344CB8AC3E}">
-        <p14:creationId xmlns:p14="http://schemas.microsoft.com/office/powerpoint/2010/main" val="2613201793"/>
-      </p:ext>
-    </p:extLst>
-  </p:cSld>
-  <p:clrMapOvr>
-    <a:masterClrMapping/>
-  </p:clrMapOvr>
-  <p:timing>
-    <p:tnLst>
-      <p:par>
-        <p:cTn id="1" dur="indefinite" restart="never" nodeType="tmRoot"/>
-      </p:par>
-    </p:tnLst>
-  </p:timing>
 </p:sld>
 </file>
 
@@ -8137,11 +8275,7 @@
             </a:pPr>
             <a:r>
               <a:rPr lang="nl-BE" dirty="0" smtClean="0"/>
-              <a:t>Copyright </a:t>
-            </a:r>
-            <a:r>
-              <a:rPr lang="nl-BE" dirty="0" smtClean="0"/>
-              <a:t>problemen vermijden</a:t>
+              <a:t>Copyright problemen vermijden</a:t>
             </a:r>
           </a:p>
           <a:p>
@@ -8512,13 +8646,8 @@
             </a:r>
             <a:r>
               <a:rPr lang="nl-BE" dirty="0" smtClean="0"/>
-              <a:t> Hint </a:t>
-            </a:r>
-            <a:r>
-              <a:rPr lang="nl-BE" dirty="0" smtClean="0"/>
-              <a:t>in verband met gemaakte fout</a:t>
-            </a:r>
-            <a:endParaRPr lang="nl-BE" dirty="0" smtClean="0"/>
+              <a:t> Hint in verband met gemaakte fout</a:t>
+            </a:r>
           </a:p>
           <a:p>
             <a:pPr>
@@ -8531,13 +8660,8 @@
             </a:r>
             <a:r>
               <a:rPr lang="nl-BE" dirty="0" smtClean="0"/>
-              <a:t> Iedereen gelijke </a:t>
-            </a:r>
-            <a:r>
-              <a:rPr lang="nl-BE" dirty="0" smtClean="0"/>
-              <a:t>beoordeling</a:t>
-            </a:r>
-            <a:endParaRPr lang="nl-BE" dirty="0" smtClean="0"/>
+              <a:t> Iedereen gelijke beoordeling</a:t>
+            </a:r>
           </a:p>
           <a:p>
             <a:pPr>

--- a/Opdracht 2/Literatuurstudie.pptx
+++ b/Opdracht 2/Literatuurstudie.pptx
@@ -27,10 +27,9 @@
     <p:sldId id="277" r:id="rId21"/>
     <p:sldId id="278" r:id="rId22"/>
     <p:sldId id="279" r:id="rId23"/>
-    <p:sldId id="280" r:id="rId24"/>
-    <p:sldId id="281" r:id="rId25"/>
-    <p:sldId id="282" r:id="rId26"/>
-    <p:sldId id="291" r:id="rId27"/>
+    <p:sldId id="281" r:id="rId24"/>
+    <p:sldId id="282" r:id="rId25"/>
+    <p:sldId id="291" r:id="rId26"/>
   </p:sldIdLst>
   <p:sldSz cx="12192000" cy="6858000"/>
   <p:notesSz cx="6858000" cy="9144000"/>
@@ -4057,11 +4056,7 @@
             </a:r>
             <a:r>
               <a:rPr lang="nl-BE" dirty="0" smtClean="0"/>
-              <a:t> </a:t>
-            </a:r>
-            <a:r>
-              <a:rPr lang="nl-BE" dirty="0" smtClean="0"/>
-              <a:t>Grammatica</a:t>
+              <a:t> Grammatica</a:t>
             </a:r>
           </a:p>
           <a:p>
@@ -4075,11 +4070,7 @@
             </a:r>
             <a:r>
               <a:rPr lang="nl-BE" dirty="0" smtClean="0"/>
-              <a:t> </a:t>
-            </a:r>
-            <a:r>
-              <a:rPr lang="nl-BE" dirty="0" smtClean="0"/>
-              <a:t>Domein kennis </a:t>
+              <a:t> Domein kennis </a:t>
             </a:r>
           </a:p>
           <a:p>
@@ -4647,11 +4638,7 @@
           <a:p>
             <a:r>
               <a:rPr lang="nl-BE" dirty="0" smtClean="0"/>
-              <a:t>Domein </a:t>
-            </a:r>
-            <a:r>
-              <a:rPr lang="nl-BE" dirty="0" smtClean="0"/>
-              <a:t>kennis</a:t>
+              <a:t>Domein kennis</a:t>
             </a:r>
             <a:endParaRPr lang="en-US" dirty="0"/>
           </a:p>
@@ -6508,37 +6495,11 @@
             </a:r>
             <a:r>
               <a:rPr lang="nl-BE" dirty="0" smtClean="0"/>
-              <a:t> Toepassing: Modellering populatie dynamiek</a:t>
-            </a:r>
-          </a:p>
-          <a:p>
-            <a:pPr>
-              <a:buFont typeface="Arial" panose="020B0604020202020204" pitchFamily="34" charset="0"/>
-              <a:buChar char="•"/>
-            </a:pPr>
-            <a:r>
-              <a:rPr lang="nl-BE" dirty="0"/>
-              <a:t> </a:t>
-            </a:r>
-            <a:r>
-              <a:rPr lang="nl-BE" dirty="0" smtClean="0"/>
-              <a:t> </a:t>
-            </a:r>
-            <a:r>
-              <a:rPr lang="nl-BE" dirty="0" smtClean="0"/>
-              <a:t>Lagramge</a:t>
-            </a:r>
-            <a:r>
-              <a:rPr lang="nl-BE" dirty="0" smtClean="0"/>
-              <a:t> </a:t>
-            </a:r>
-            <a:r>
-              <a:rPr lang="nl-BE" dirty="0" smtClean="0">
-                <a:solidFill>
-                  <a:srgbClr val="FF0000"/>
-                </a:solidFill>
-              </a:rPr>
-              <a:t>(&lt;- Verander)</a:t>
+              <a:t> Toepassing: Modellering populatie </a:t>
+            </a:r>
+            <a:r>
+              <a:rPr lang="nl-BE" dirty="0" smtClean="0"/>
+              <a:t>dynamiek</a:t>
             </a:r>
             <a:endParaRPr lang="en-US" dirty="0">
               <a:solidFill>
@@ -7105,6 +7066,31 @@
           <a:bodyPr/>
           <a:lstStyle/>
           <a:p>
+            <a:pPr>
+              <a:buFont typeface="Arial" panose="020B0604020202020204" pitchFamily="34" charset="0"/>
+              <a:buChar char="•"/>
+            </a:pPr>
+            <a:r>
+              <a:rPr lang="nl-BE" dirty="0" smtClean="0"/>
+              <a:t>  Huidige domein kennis integratie</a:t>
+            </a:r>
+          </a:p>
+          <a:p>
+            <a:pPr>
+              <a:buFont typeface="Arial" panose="020B0604020202020204" pitchFamily="34" charset="0"/>
+              <a:buChar char="•"/>
+            </a:pPr>
+            <a:r>
+              <a:rPr lang="nl-BE" dirty="0"/>
+              <a:t> </a:t>
+            </a:r>
+            <a:r>
+              <a:rPr lang="nl-BE" dirty="0" smtClean="0"/>
+              <a:t> </a:t>
+            </a:r>
+            <a:endParaRPr lang="nl-BE" dirty="0" smtClean="0"/>
+          </a:p>
+          <a:p>
             <a:endParaRPr lang="en-US" dirty="0"/>
           </a:p>
         </p:txBody>
@@ -7161,6 +7147,14 @@
           <a:bodyPr/>
           <a:lstStyle/>
           <a:p>
+            <a:r>
+              <a:rPr lang="nl-BE" dirty="0"/>
+              <a:t>Context vrije </a:t>
+            </a:r>
+            <a:r>
+              <a:rPr lang="nl-BE" dirty="0" smtClean="0"/>
+              <a:t>grammatica</a:t>
+            </a:r>
             <a:endParaRPr lang="en-US" dirty="0"/>
           </a:p>
         </p:txBody>
@@ -7236,6 +7230,10 @@
           <a:bodyPr/>
           <a:lstStyle/>
           <a:p>
+            <a:r>
+              <a:rPr lang="nl-BE" dirty="0" smtClean="0"/>
+              <a:t>Toepassing</a:t>
+            </a:r>
             <a:endParaRPr lang="en-US" dirty="0"/>
           </a:p>
         </p:txBody>
@@ -7337,7 +7335,7 @@
     </p:spTree>
     <p:extLst>
       <p:ext uri="{BB962C8B-B14F-4D97-AF65-F5344CB8AC3E}">
-        <p14:creationId xmlns:p14="http://schemas.microsoft.com/office/powerpoint/2010/main" val="4075701538"/>
+        <p14:creationId xmlns:p14="http://schemas.microsoft.com/office/powerpoint/2010/main" val="3335377810"/>
       </p:ext>
     </p:extLst>
   </p:cSld>
@@ -7386,81 +7384,6 @@
           <a:bodyPr/>
           <a:lstStyle/>
           <a:p>
-            <a:endParaRPr lang="en-US" dirty="0"/>
-          </a:p>
-        </p:txBody>
-      </p:sp>
-      <p:sp>
-        <p:nvSpPr>
-          <p:cNvPr id="3" name="Content Placeholder 2"/>
-          <p:cNvSpPr>
-            <a:spLocks noGrp="1"/>
-          </p:cNvSpPr>
-          <p:nvPr>
-            <p:ph idx="1"/>
-          </p:nvPr>
-        </p:nvSpPr>
-        <p:spPr/>
-        <p:txBody>
-          <a:bodyPr/>
-          <a:lstStyle/>
-          <a:p>
-            <a:endParaRPr lang="en-US" dirty="0"/>
-          </a:p>
-        </p:txBody>
-      </p:sp>
-    </p:spTree>
-    <p:extLst>
-      <p:ext uri="{BB962C8B-B14F-4D97-AF65-F5344CB8AC3E}">
-        <p14:creationId xmlns:p14="http://schemas.microsoft.com/office/powerpoint/2010/main" val="3335377810"/>
-      </p:ext>
-    </p:extLst>
-  </p:cSld>
-  <p:clrMapOvr>
-    <a:masterClrMapping/>
-  </p:clrMapOvr>
-  <p:timing>
-    <p:tnLst>
-      <p:par>
-        <p:cTn id="1" dur="indefinite" restart="never" nodeType="tmRoot"/>
-      </p:par>
-    </p:tnLst>
-  </p:timing>
-</p:sld>
-</file>
-
-<file path=ppt/slides/slide25.xml><?xml version="1.0" encoding="utf-8"?>
-<p:sld xmlns:a="http://schemas.openxmlformats.org/drawingml/2006/main" xmlns:r="http://schemas.openxmlformats.org/officeDocument/2006/relationships" xmlns:p="http://schemas.openxmlformats.org/presentationml/2006/main">
-  <p:cSld>
-    <p:spTree>
-      <p:nvGrpSpPr>
-        <p:cNvPr id="1" name=""/>
-        <p:cNvGrpSpPr/>
-        <p:nvPr/>
-      </p:nvGrpSpPr>
-      <p:grpSpPr>
-        <a:xfrm>
-          <a:off x="0" y="0"/>
-          <a:ext cx="0" cy="0"/>
-          <a:chOff x="0" y="0"/>
-          <a:chExt cx="0" cy="0"/>
-        </a:xfrm>
-      </p:grpSpPr>
-      <p:sp>
-        <p:nvSpPr>
-          <p:cNvPr id="2" name="Title 1"/>
-          <p:cNvSpPr>
-            <a:spLocks noGrp="1"/>
-          </p:cNvSpPr>
-          <p:nvPr>
-            <p:ph type="title"/>
-          </p:nvPr>
-        </p:nvSpPr>
-        <p:spPr/>
-        <p:txBody>
-          <a:bodyPr/>
-          <a:lstStyle/>
-          <a:p>
             <a:r>
               <a:rPr lang="nl-BE" dirty="0" smtClean="0"/>
               <a:t>Conclusie</a:t>
@@ -7508,7 +7431,7 @@
 </p:sld>
 </file>
 
-<file path=ppt/slides/slide26.xml><?xml version="1.0" encoding="utf-8"?>
+<file path=ppt/slides/slide25.xml><?xml version="1.0" encoding="utf-8"?>
 <p:sld xmlns:a="http://schemas.openxmlformats.org/drawingml/2006/main" xmlns:r="http://schemas.openxmlformats.org/officeDocument/2006/relationships" xmlns:p="http://schemas.openxmlformats.org/presentationml/2006/main">
   <p:cSld>
     <p:spTree>

--- a/Opdracht 2/Literatuurstudie.pptx
+++ b/Opdracht 2/Literatuurstudie.pptx
@@ -18,16 +18,16 @@
     <p:sldId id="267" r:id="rId12"/>
     <p:sldId id="275" r:id="rId13"/>
     <p:sldId id="274" r:id="rId14"/>
-    <p:sldId id="271" r:id="rId15"/>
-    <p:sldId id="268" r:id="rId16"/>
-    <p:sldId id="269" r:id="rId17"/>
-    <p:sldId id="270" r:id="rId18"/>
-    <p:sldId id="273" r:id="rId19"/>
-    <p:sldId id="276" r:id="rId20"/>
-    <p:sldId id="277" r:id="rId21"/>
-    <p:sldId id="278" r:id="rId22"/>
-    <p:sldId id="279" r:id="rId23"/>
-    <p:sldId id="281" r:id="rId24"/>
+    <p:sldId id="281" r:id="rId15"/>
+    <p:sldId id="271" r:id="rId16"/>
+    <p:sldId id="268" r:id="rId17"/>
+    <p:sldId id="269" r:id="rId18"/>
+    <p:sldId id="270" r:id="rId19"/>
+    <p:sldId id="273" r:id="rId20"/>
+    <p:sldId id="276" r:id="rId21"/>
+    <p:sldId id="277" r:id="rId22"/>
+    <p:sldId id="278" r:id="rId23"/>
+    <p:sldId id="279" r:id="rId24"/>
     <p:sldId id="282" r:id="rId25"/>
     <p:sldId id="291" r:id="rId26"/>
   </p:sldIdLst>
@@ -4392,7 +4392,11 @@
           <a:bodyPr/>
           <a:lstStyle/>
           <a:p>
-            <a:endParaRPr lang="en-US"/>
+            <a:r>
+              <a:rPr lang="nl-BE" dirty="0" smtClean="0"/>
+              <a:t>Voorbeeldprogramma</a:t>
+            </a:r>
+            <a:endParaRPr lang="en-US" dirty="0"/>
           </a:p>
         </p:txBody>
       </p:sp>
@@ -4411,7 +4415,46 @@
           <a:bodyPr/>
           <a:lstStyle/>
           <a:p>
-            <a:endParaRPr lang="en-US"/>
+            <a:pPr marL="457200" indent="-457200">
+              <a:buFont typeface="+mj-lt"/>
+              <a:buAutoNum type="arabicPeriod"/>
+            </a:pPr>
+            <a:r>
+              <a:rPr lang="nl-BE" dirty="0" smtClean="0"/>
+              <a:t>Filterprogramma</a:t>
+            </a:r>
+          </a:p>
+          <a:p>
+            <a:pPr marL="457200" indent="-457200">
+              <a:buFont typeface="+mj-lt"/>
+              <a:buAutoNum type="arabicPeriod"/>
+            </a:pPr>
+            <a:r>
+              <a:rPr lang="nl-BE" dirty="0" err="1" smtClean="0"/>
+              <a:t>Mapping</a:t>
+            </a:r>
+            <a:endParaRPr lang="nl-BE" dirty="0" smtClean="0"/>
+          </a:p>
+          <a:p>
+            <a:pPr marL="457200" indent="-457200">
+              <a:buFont typeface="+mj-lt"/>
+              <a:buAutoNum type="arabicPeriod"/>
+            </a:pPr>
+            <a:r>
+              <a:rPr lang="nl-BE" dirty="0" smtClean="0"/>
+              <a:t>Relatieve functies</a:t>
+            </a:r>
+          </a:p>
+          <a:p>
+            <a:pPr marL="457200" indent="-457200">
+              <a:buFont typeface="+mj-lt"/>
+              <a:buAutoNum type="arabicPeriod"/>
+            </a:pPr>
+            <a:r>
+              <a:rPr lang="nl-BE" dirty="0" err="1" smtClean="0"/>
+              <a:t>ProgFromEx</a:t>
+            </a:r>
+            <a:endParaRPr lang="en-US" dirty="0"/>
           </a:p>
         </p:txBody>
       </p:sp>
@@ -4467,7 +4510,11 @@
           <a:bodyPr/>
           <a:lstStyle/>
           <a:p>
-            <a:endParaRPr lang="en-US"/>
+            <a:r>
+              <a:rPr lang="nl-BE" dirty="0" smtClean="0"/>
+              <a:t>Experimenten (1)	</a:t>
+            </a:r>
+            <a:endParaRPr lang="en-US" dirty="0"/>
           </a:p>
         </p:txBody>
       </p:sp>
@@ -4486,7 +4533,42 @@
           <a:bodyPr/>
           <a:lstStyle/>
           <a:p>
-            <a:endParaRPr lang="en-US"/>
+            <a:pPr>
+              <a:buFont typeface="Arial" panose="020B0604020202020204" pitchFamily="34" charset="0"/>
+              <a:buChar char="•"/>
+            </a:pPr>
+            <a:r>
+              <a:rPr lang="nl-BE" dirty="0" smtClean="0"/>
+              <a:t>  Expressief genoeg?</a:t>
+            </a:r>
+          </a:p>
+          <a:p>
+            <a:pPr>
+              <a:buFont typeface="Arial" panose="020B0604020202020204" pitchFamily="34" charset="0"/>
+              <a:buChar char="•"/>
+            </a:pPr>
+            <a:r>
+              <a:rPr lang="nl-BE" dirty="0"/>
+              <a:t> </a:t>
+            </a:r>
+            <a:r>
+              <a:rPr lang="nl-BE" dirty="0" smtClean="0"/>
+              <a:t> Snel genoeg?</a:t>
+            </a:r>
+          </a:p>
+          <a:p>
+            <a:pPr>
+              <a:buFont typeface="Arial" panose="020B0604020202020204" pitchFamily="34" charset="0"/>
+              <a:buChar char="•"/>
+            </a:pPr>
+            <a:r>
+              <a:rPr lang="nl-BE" dirty="0"/>
+              <a:t> </a:t>
+            </a:r>
+            <a:r>
+              <a:rPr lang="nl-BE" dirty="0" smtClean="0"/>
+              <a:t> Hoeveel extra voorbeelden?</a:t>
+            </a:r>
           </a:p>
         </p:txBody>
       </p:sp>
@@ -4511,6 +4593,85 @@
 </file>
 
 <file path=ppt/slides/slide14.xml><?xml version="1.0" encoding="utf-8"?>
+<p:sld xmlns:a="http://schemas.openxmlformats.org/drawingml/2006/main" xmlns:r="http://schemas.openxmlformats.org/officeDocument/2006/relationships" xmlns:p="http://schemas.openxmlformats.org/presentationml/2006/main">
+  <p:cSld>
+    <p:spTree>
+      <p:nvGrpSpPr>
+        <p:cNvPr id="1" name=""/>
+        <p:cNvGrpSpPr/>
+        <p:nvPr/>
+      </p:nvGrpSpPr>
+      <p:grpSpPr>
+        <a:xfrm>
+          <a:off x="0" y="0"/>
+          <a:ext cx="0" cy="0"/>
+          <a:chOff x="0" y="0"/>
+          <a:chExt cx="0" cy="0"/>
+        </a:xfrm>
+      </p:grpSpPr>
+      <p:sp>
+        <p:nvSpPr>
+          <p:cNvPr id="2" name="Title 1"/>
+          <p:cNvSpPr>
+            <a:spLocks noGrp="1"/>
+          </p:cNvSpPr>
+          <p:nvPr>
+            <p:ph type="title"/>
+          </p:nvPr>
+        </p:nvSpPr>
+        <p:spPr/>
+        <p:txBody>
+          <a:bodyPr/>
+          <a:lstStyle/>
+          <a:p>
+            <a:r>
+              <a:rPr lang="nl-BE" dirty="0" smtClean="0"/>
+              <a:t>Experimenten (2)</a:t>
+            </a:r>
+            <a:endParaRPr lang="en-US" dirty="0"/>
+          </a:p>
+        </p:txBody>
+      </p:sp>
+      <p:sp>
+        <p:nvSpPr>
+          <p:cNvPr id="3" name="Content Placeholder 2"/>
+          <p:cNvSpPr>
+            <a:spLocks noGrp="1"/>
+          </p:cNvSpPr>
+          <p:nvPr>
+            <p:ph idx="1"/>
+          </p:nvPr>
+        </p:nvSpPr>
+        <p:spPr/>
+        <p:txBody>
+          <a:bodyPr/>
+          <a:lstStyle/>
+          <a:p>
+            <a:endParaRPr lang="en-US" dirty="0"/>
+          </a:p>
+        </p:txBody>
+      </p:sp>
+    </p:spTree>
+    <p:extLst>
+      <p:ext uri="{BB962C8B-B14F-4D97-AF65-F5344CB8AC3E}">
+        <p14:creationId xmlns:p14="http://schemas.microsoft.com/office/powerpoint/2010/main" val="3335377810"/>
+      </p:ext>
+    </p:extLst>
+  </p:cSld>
+  <p:clrMapOvr>
+    <a:masterClrMapping/>
+  </p:clrMapOvr>
+  <p:timing>
+    <p:tnLst>
+      <p:par>
+        <p:cTn id="1" dur="indefinite" restart="never" nodeType="tmRoot"/>
+      </p:par>
+    </p:tnLst>
+  </p:timing>
+</p:sld>
+</file>
+
+<file path=ppt/slides/slide15.xml><?xml version="1.0" encoding="utf-8"?>
 <p:sld xmlns:a="http://schemas.openxmlformats.org/drawingml/2006/main" xmlns:r="http://schemas.openxmlformats.org/officeDocument/2006/relationships" xmlns:p="http://schemas.openxmlformats.org/presentationml/2006/main">
   <p:cSld>
     <p:spTree>
@@ -4604,7 +4765,7 @@
 </p:sld>
 </file>
 
-<file path=ppt/slides/slide15.xml><?xml version="1.0" encoding="utf-8"?>
+<file path=ppt/slides/slide16.xml><?xml version="1.0" encoding="utf-8"?>
 <p:sld xmlns:a="http://schemas.openxmlformats.org/drawingml/2006/main" xmlns:r="http://schemas.openxmlformats.org/officeDocument/2006/relationships" xmlns:p="http://schemas.openxmlformats.org/presentationml/2006/main">
   <p:cSld>
     <p:spTree>
@@ -4724,7 +4885,7 @@
 </p:sld>
 </file>
 
-<file path=ppt/slides/slide16.xml><?xml version="1.0" encoding="utf-8"?>
+<file path=ppt/slides/slide17.xml><?xml version="1.0" encoding="utf-8"?>
 <p:sld xmlns:a="http://schemas.openxmlformats.org/drawingml/2006/main" xmlns:r="http://schemas.openxmlformats.org/officeDocument/2006/relationships" xmlns:p="http://schemas.openxmlformats.org/presentationml/2006/main">
   <p:cSld>
     <p:spTree>
@@ -4867,7 +5028,7 @@
 </p:sld>
 </file>
 
-<file path=ppt/slides/slide17.xml><?xml version="1.0" encoding="utf-8"?>
+<file path=ppt/slides/slide18.xml><?xml version="1.0" encoding="utf-8"?>
 <p:sld xmlns:a="http://schemas.openxmlformats.org/drawingml/2006/main" xmlns:r="http://schemas.openxmlformats.org/officeDocument/2006/relationships" xmlns:p="http://schemas.openxmlformats.org/presentationml/2006/main">
   <p:cSld>
     <p:spTree>
@@ -6360,175 +6521,6 @@
 </p:sld>
 </file>
 
-<file path=ppt/slides/slide18.xml><?xml version="1.0" encoding="utf-8"?>
-<p:sld xmlns:a="http://schemas.openxmlformats.org/drawingml/2006/main" xmlns:r="http://schemas.openxmlformats.org/officeDocument/2006/relationships" xmlns:p="http://schemas.openxmlformats.org/presentationml/2006/main">
-  <p:cSld>
-    <p:spTree>
-      <p:nvGrpSpPr>
-        <p:cNvPr id="1" name=""/>
-        <p:cNvGrpSpPr/>
-        <p:nvPr/>
-      </p:nvGrpSpPr>
-      <p:grpSpPr>
-        <a:xfrm>
-          <a:off x="0" y="0"/>
-          <a:ext cx="0" cy="0"/>
-          <a:chOff x="0" y="0"/>
-          <a:chExt cx="0" cy="0"/>
-        </a:xfrm>
-      </p:grpSpPr>
-      <p:sp>
-        <p:nvSpPr>
-          <p:cNvPr id="2" name="Title 1"/>
-          <p:cNvSpPr>
-            <a:spLocks noGrp="1"/>
-          </p:cNvSpPr>
-          <p:nvPr>
-            <p:ph type="title"/>
-          </p:nvPr>
-        </p:nvSpPr>
-        <p:spPr/>
-        <p:txBody>
-          <a:bodyPr/>
-          <a:lstStyle/>
-          <a:p>
-            <a:r>
-              <a:rPr lang="nl-BE" dirty="0" smtClean="0"/>
-              <a:t>Overzicht:</a:t>
-            </a:r>
-            <a:br>
-              <a:rPr lang="nl-BE" dirty="0" smtClean="0"/>
-            </a:br>
-            <a:r>
-              <a:rPr lang="nl-BE" dirty="0" err="1" smtClean="0"/>
-              <a:t>Equation</a:t>
-            </a:r>
-            <a:r>
-              <a:rPr lang="nl-BE" dirty="0" smtClean="0"/>
-              <a:t> Discovery</a:t>
-            </a:r>
-            <a:endParaRPr lang="en-US" dirty="0"/>
-          </a:p>
-        </p:txBody>
-      </p:sp>
-      <p:sp>
-        <p:nvSpPr>
-          <p:cNvPr id="3" name="Content Placeholder 2"/>
-          <p:cNvSpPr>
-            <a:spLocks noGrp="1"/>
-          </p:cNvSpPr>
-          <p:nvPr>
-            <p:ph idx="1"/>
-          </p:nvPr>
-        </p:nvSpPr>
-        <p:spPr/>
-        <p:txBody>
-          <a:bodyPr/>
-          <a:lstStyle/>
-          <a:p>
-            <a:pPr>
-              <a:buFont typeface="Arial" panose="020B0604020202020204" pitchFamily="34" charset="0"/>
-              <a:buChar char="•"/>
-            </a:pPr>
-            <a:r>
-              <a:rPr lang="nl-BE" dirty="0" smtClean="0"/>
-              <a:t>  Definitie: </a:t>
-            </a:r>
-            <a:r>
-              <a:rPr lang="nl-BE" dirty="0" err="1" smtClean="0"/>
-              <a:t>Equation</a:t>
-            </a:r>
-            <a:r>
-              <a:rPr lang="nl-BE" dirty="0" smtClean="0"/>
-              <a:t> </a:t>
-            </a:r>
-            <a:r>
-              <a:rPr lang="nl-BE" dirty="0" err="1" smtClean="0"/>
-              <a:t>discovery</a:t>
-            </a:r>
-            <a:endParaRPr lang="nl-BE" dirty="0" smtClean="0"/>
-          </a:p>
-          <a:p>
-            <a:pPr>
-              <a:buFont typeface="Arial" panose="020B0604020202020204" pitchFamily="34" charset="0"/>
-              <a:buChar char="•"/>
-            </a:pPr>
-            <a:r>
-              <a:rPr lang="nl-BE" dirty="0"/>
-              <a:t>  </a:t>
-            </a:r>
-            <a:r>
-              <a:rPr lang="nl-BE" dirty="0" err="1" smtClean="0"/>
-              <a:t>Inductive</a:t>
-            </a:r>
-            <a:r>
-              <a:rPr lang="nl-BE" dirty="0" smtClean="0"/>
-              <a:t> </a:t>
-            </a:r>
-            <a:r>
-              <a:rPr lang="nl-BE" dirty="0"/>
-              <a:t>Language </a:t>
-            </a:r>
-            <a:r>
-              <a:rPr lang="nl-BE" dirty="0" smtClean="0"/>
-              <a:t>Bias</a:t>
-            </a:r>
-          </a:p>
-          <a:p>
-            <a:pPr>
-              <a:buFont typeface="Arial" panose="020B0604020202020204" pitchFamily="34" charset="0"/>
-              <a:buChar char="•"/>
-            </a:pPr>
-            <a:r>
-              <a:rPr lang="nl-BE" dirty="0" smtClean="0"/>
-              <a:t>  Context vrije grammatica</a:t>
-            </a:r>
-          </a:p>
-          <a:p>
-            <a:pPr>
-              <a:buFont typeface="Arial" panose="020B0604020202020204" pitchFamily="34" charset="0"/>
-              <a:buChar char="•"/>
-            </a:pPr>
-            <a:r>
-              <a:rPr lang="nl-BE" dirty="0"/>
-              <a:t> </a:t>
-            </a:r>
-            <a:r>
-              <a:rPr lang="nl-BE" dirty="0" smtClean="0"/>
-              <a:t> Toepassing: Modellering populatie </a:t>
-            </a:r>
-            <a:r>
-              <a:rPr lang="nl-BE" dirty="0" smtClean="0"/>
-              <a:t>dynamiek</a:t>
-            </a:r>
-            <a:endParaRPr lang="en-US" dirty="0">
-              <a:solidFill>
-                <a:srgbClr val="FF0000"/>
-              </a:solidFill>
-            </a:endParaRPr>
-          </a:p>
-        </p:txBody>
-      </p:sp>
-    </p:spTree>
-    <p:extLst>
-      <p:ext uri="{BB962C8B-B14F-4D97-AF65-F5344CB8AC3E}">
-        <p14:creationId xmlns:p14="http://schemas.microsoft.com/office/powerpoint/2010/main" val="2060028207"/>
-      </p:ext>
-    </p:extLst>
-  </p:cSld>
-  <p:clrMapOvr>
-    <a:masterClrMapping/>
-  </p:clrMapOvr>
-  <p:timing>
-    <p:tnLst>
-      <p:par>
-        <p:cTn id="1" dur="indefinite" restart="never" nodeType="tmRoot"/>
-      </p:par>
-    </p:tnLst>
-  </p:timing>
-</p:sld>
-</file>
-
 <file path=ppt/slides/slide19.xml><?xml version="1.0" encoding="utf-8"?>
 <p:sld xmlns:a="http://schemas.openxmlformats.org/drawingml/2006/main" xmlns:r="http://schemas.openxmlformats.org/officeDocument/2006/relationships" xmlns:p="http://schemas.openxmlformats.org/presentationml/2006/main">
   <p:cSld>
@@ -6563,7 +6555,18 @@
           <a:p>
             <a:r>
               <a:rPr lang="nl-BE" dirty="0" smtClean="0"/>
-              <a:t>Definitie</a:t>
+              <a:t>Overzicht:</a:t>
+            </a:r>
+            <a:br>
+              <a:rPr lang="nl-BE" dirty="0" smtClean="0"/>
+            </a:br>
+            <a:r>
+              <a:rPr lang="nl-BE" dirty="0" err="1" smtClean="0"/>
+              <a:t>Equation</a:t>
+            </a:r>
+            <a:r>
+              <a:rPr lang="nl-BE" dirty="0" smtClean="0"/>
+              <a:t> Discovery</a:t>
             </a:r>
             <a:endParaRPr lang="en-US" dirty="0"/>
           </a:p>
@@ -6579,86 +6582,94 @@
             <p:ph idx="1"/>
           </p:nvPr>
         </p:nvSpPr>
-        <p:spPr>
-          <a:xfrm>
-            <a:off x="1097280" y="2600705"/>
-            <a:ext cx="10058400" cy="1656591"/>
-          </a:xfrm>
-        </p:spPr>
-        <p:txBody>
-          <a:bodyPr>
-            <a:normAutofit/>
-          </a:bodyPr>
-          <a:lstStyle/>
-          <a:p>
-            <a:pPr marL="0" indent="0" algn="ctr">
-              <a:spcBef>
-                <a:spcPts val="0"/>
-              </a:spcBef>
-              <a:spcAft>
-                <a:spcPts val="0"/>
-              </a:spcAft>
-              <a:buNone/>
+        <p:spPr/>
+        <p:txBody>
+          <a:bodyPr/>
+          <a:lstStyle/>
+          <a:p>
+            <a:pPr>
+              <a:buFont typeface="Arial" panose="020B0604020202020204" pitchFamily="34" charset="0"/>
+              <a:buChar char="•"/>
             </a:pPr>
             <a:r>
-              <a:rPr lang="en-US" sz="2800" i="1" dirty="0" smtClean="0"/>
-              <a:t>“</a:t>
-            </a:r>
-            <a:r>
-              <a:rPr lang="en-US" sz="2800" b="1" i="1" dirty="0" smtClean="0"/>
-              <a:t>Equation </a:t>
-            </a:r>
-            <a:r>
-              <a:rPr lang="en-US" sz="2800" b="1" i="1" dirty="0"/>
-              <a:t>discovery </a:t>
-            </a:r>
-            <a:r>
-              <a:rPr lang="en-US" sz="2800" i="1" dirty="0"/>
-              <a:t>is a machine learning task that deals with the problem of learning </a:t>
-            </a:r>
-            <a:r>
-              <a:rPr lang="en-US" sz="2800" b="1" i="1" dirty="0"/>
-              <a:t>quantitative laws and models</a:t>
-            </a:r>
-            <a:r>
-              <a:rPr lang="en-US" sz="2800" i="1" dirty="0"/>
-              <a:t>, expressed in the form of equations, in collections of measured </a:t>
-            </a:r>
-            <a:r>
-              <a:rPr lang="en-US" sz="2800" b="1" i="1" dirty="0"/>
-              <a:t>numeric data</a:t>
-            </a:r>
-            <a:r>
-              <a:rPr lang="en-US" sz="2800" i="1" dirty="0" smtClean="0"/>
-              <a:t>.” </a:t>
-            </a:r>
-          </a:p>
-          <a:p>
-            <a:pPr marL="0" indent="0" algn="ctr">
-              <a:spcBef>
-                <a:spcPts val="0"/>
-              </a:spcBef>
-              <a:spcAft>
-                <a:spcPts val="0"/>
-              </a:spcAft>
-              <a:buNone/>
+              <a:rPr lang="nl-BE" dirty="0" smtClean="0"/>
+              <a:t>  Definitie: </a:t>
+            </a:r>
+            <a:r>
+              <a:rPr lang="nl-BE" dirty="0" err="1" smtClean="0"/>
+              <a:t>Equation</a:t>
+            </a:r>
+            <a:r>
+              <a:rPr lang="nl-BE" dirty="0" smtClean="0"/>
+              <a:t> </a:t>
+            </a:r>
+            <a:r>
+              <a:rPr lang="nl-BE" dirty="0" err="1" smtClean="0"/>
+              <a:t>discovery</a:t>
+            </a:r>
+            <a:endParaRPr lang="nl-BE" dirty="0" smtClean="0"/>
+          </a:p>
+          <a:p>
+            <a:pPr>
+              <a:buFont typeface="Arial" panose="020B0604020202020204" pitchFamily="34" charset="0"/>
+              <a:buChar char="•"/>
             </a:pPr>
             <a:r>
-              <a:rPr lang="en-US" sz="2800" i="1" dirty="0" smtClean="0"/>
-              <a:t>– </a:t>
-            </a:r>
-            <a:r>
-              <a:rPr lang="en-US" sz="2800" dirty="0" smtClean="0"/>
-              <a:t>Encyclopedia of machine learning</a:t>
-            </a:r>
-            <a:endParaRPr lang="en-US" sz="2800" dirty="0"/>
+              <a:rPr lang="nl-BE" dirty="0"/>
+              <a:t>  </a:t>
+            </a:r>
+            <a:r>
+              <a:rPr lang="nl-BE" dirty="0" err="1" smtClean="0"/>
+              <a:t>Inductive</a:t>
+            </a:r>
+            <a:r>
+              <a:rPr lang="nl-BE" dirty="0" smtClean="0"/>
+              <a:t> </a:t>
+            </a:r>
+            <a:r>
+              <a:rPr lang="nl-BE" dirty="0"/>
+              <a:t>Language </a:t>
+            </a:r>
+            <a:r>
+              <a:rPr lang="nl-BE" dirty="0" smtClean="0"/>
+              <a:t>Bias</a:t>
+            </a:r>
+          </a:p>
+          <a:p>
+            <a:pPr>
+              <a:buFont typeface="Arial" panose="020B0604020202020204" pitchFamily="34" charset="0"/>
+              <a:buChar char="•"/>
+            </a:pPr>
+            <a:r>
+              <a:rPr lang="nl-BE" dirty="0" smtClean="0"/>
+              <a:t>  Context vrije grammatica</a:t>
+            </a:r>
+          </a:p>
+          <a:p>
+            <a:pPr>
+              <a:buFont typeface="Arial" panose="020B0604020202020204" pitchFamily="34" charset="0"/>
+              <a:buChar char="•"/>
+            </a:pPr>
+            <a:r>
+              <a:rPr lang="nl-BE" dirty="0"/>
+              <a:t> </a:t>
+            </a:r>
+            <a:r>
+              <a:rPr lang="nl-BE" dirty="0" smtClean="0"/>
+              <a:t> Toepassing: Modellering populatie dynamiek</a:t>
+            </a:r>
+            <a:endParaRPr lang="en-US" dirty="0">
+              <a:solidFill>
+                <a:srgbClr val="FF0000"/>
+              </a:solidFill>
+            </a:endParaRPr>
           </a:p>
         </p:txBody>
       </p:sp>
     </p:spTree>
     <p:extLst>
       <p:ext uri="{BB962C8B-B14F-4D97-AF65-F5344CB8AC3E}">
-        <p14:creationId xmlns:p14="http://schemas.microsoft.com/office/powerpoint/2010/main" val="3033113370"/>
+        <p14:creationId xmlns:p14="http://schemas.microsoft.com/office/powerpoint/2010/main" val="2060028207"/>
       </p:ext>
     </p:extLst>
   </p:cSld>
@@ -7036,16 +7047,8 @@
           <a:lstStyle/>
           <a:p>
             <a:r>
-              <a:rPr lang="nl-BE" dirty="0" err="1"/>
-              <a:t>Inductive</a:t>
-            </a:r>
-            <a:r>
-              <a:rPr lang="nl-BE" dirty="0"/>
-              <a:t> Language </a:t>
-            </a:r>
-            <a:r>
-              <a:rPr lang="nl-BE" dirty="0" smtClean="0"/>
-              <a:t>Bias</a:t>
+              <a:rPr lang="nl-BE" dirty="0" smtClean="0"/>
+              <a:t>Definitie</a:t>
             </a:r>
             <a:endParaRPr lang="en-US" dirty="0"/>
           </a:p>
@@ -7061,44 +7064,86 @@
             <p:ph idx="1"/>
           </p:nvPr>
         </p:nvSpPr>
-        <p:spPr/>
-        <p:txBody>
-          <a:bodyPr/>
-          <a:lstStyle/>
-          <a:p>
-            <a:pPr>
-              <a:buFont typeface="Arial" panose="020B0604020202020204" pitchFamily="34" charset="0"/>
-              <a:buChar char="•"/>
+        <p:spPr>
+          <a:xfrm>
+            <a:off x="1097280" y="2600705"/>
+            <a:ext cx="10058400" cy="1656591"/>
+          </a:xfrm>
+        </p:spPr>
+        <p:txBody>
+          <a:bodyPr>
+            <a:normAutofit/>
+          </a:bodyPr>
+          <a:lstStyle/>
+          <a:p>
+            <a:pPr marL="0" indent="0" algn="ctr">
+              <a:spcBef>
+                <a:spcPts val="0"/>
+              </a:spcBef>
+              <a:spcAft>
+                <a:spcPts val="0"/>
+              </a:spcAft>
+              <a:buNone/>
             </a:pPr>
             <a:r>
-              <a:rPr lang="nl-BE" dirty="0" smtClean="0"/>
-              <a:t>  Huidige domein kennis integratie</a:t>
-            </a:r>
-          </a:p>
-          <a:p>
-            <a:pPr>
-              <a:buFont typeface="Arial" panose="020B0604020202020204" pitchFamily="34" charset="0"/>
-              <a:buChar char="•"/>
+              <a:rPr lang="en-US" sz="2800" i="1" dirty="0" smtClean="0"/>
+              <a:t>“</a:t>
+            </a:r>
+            <a:r>
+              <a:rPr lang="en-US" sz="2800" b="1" i="1" dirty="0" smtClean="0"/>
+              <a:t>Equation </a:t>
+            </a:r>
+            <a:r>
+              <a:rPr lang="en-US" sz="2800" b="1" i="1" dirty="0"/>
+              <a:t>discovery </a:t>
+            </a:r>
+            <a:r>
+              <a:rPr lang="en-US" sz="2800" i="1" dirty="0"/>
+              <a:t>is a machine learning task that deals with the problem of learning </a:t>
+            </a:r>
+            <a:r>
+              <a:rPr lang="en-US" sz="2800" b="1" i="1" dirty="0"/>
+              <a:t>quantitative laws and models</a:t>
+            </a:r>
+            <a:r>
+              <a:rPr lang="en-US" sz="2800" i="1" dirty="0"/>
+              <a:t>, expressed in the form of equations, in collections of measured </a:t>
+            </a:r>
+            <a:r>
+              <a:rPr lang="en-US" sz="2800" b="1" i="1" dirty="0"/>
+              <a:t>numeric data</a:t>
+            </a:r>
+            <a:r>
+              <a:rPr lang="en-US" sz="2800" i="1" dirty="0" smtClean="0"/>
+              <a:t>.” </a:t>
+            </a:r>
+          </a:p>
+          <a:p>
+            <a:pPr marL="0" indent="0" algn="ctr">
+              <a:spcBef>
+                <a:spcPts val="0"/>
+              </a:spcBef>
+              <a:spcAft>
+                <a:spcPts val="0"/>
+              </a:spcAft>
+              <a:buNone/>
             </a:pPr>
             <a:r>
-              <a:rPr lang="nl-BE" dirty="0"/>
-              <a:t> </a:t>
-            </a:r>
-            <a:r>
-              <a:rPr lang="nl-BE" dirty="0" smtClean="0"/>
-              <a:t> </a:t>
-            </a:r>
-            <a:endParaRPr lang="nl-BE" dirty="0" smtClean="0"/>
-          </a:p>
-          <a:p>
-            <a:endParaRPr lang="en-US" dirty="0"/>
+              <a:rPr lang="en-US" sz="2800" i="1" dirty="0" smtClean="0"/>
+              <a:t>– </a:t>
+            </a:r>
+            <a:r>
+              <a:rPr lang="en-US" sz="2800" dirty="0" smtClean="0"/>
+              <a:t>Encyclopedia of machine learning</a:t>
+            </a:r>
+            <a:endParaRPr lang="en-US" sz="2800" dirty="0"/>
           </a:p>
         </p:txBody>
       </p:sp>
     </p:spTree>
     <p:extLst>
       <p:ext uri="{BB962C8B-B14F-4D97-AF65-F5344CB8AC3E}">
-        <p14:creationId xmlns:p14="http://schemas.microsoft.com/office/powerpoint/2010/main" val="2786214848"/>
+        <p14:creationId xmlns:p14="http://schemas.microsoft.com/office/powerpoint/2010/main" val="3033113370"/>
       </p:ext>
     </p:extLst>
   </p:cSld>
@@ -7148,12 +7193,16 @@
           <a:lstStyle/>
           <a:p>
             <a:r>
+              <a:rPr lang="nl-BE" dirty="0" err="1"/>
+              <a:t>Inductive</a:t>
+            </a:r>
+            <a:r>
               <a:rPr lang="nl-BE" dirty="0"/>
-              <a:t>Context vrije </a:t>
-            </a:r>
-            <a:r>
-              <a:rPr lang="nl-BE" dirty="0" smtClean="0"/>
-              <a:t>grammatica</a:t>
+              <a:t> Language </a:t>
+            </a:r>
+            <a:r>
+              <a:rPr lang="nl-BE" dirty="0" smtClean="0"/>
+              <a:t>Bias</a:t>
             </a:r>
             <a:endParaRPr lang="en-US" dirty="0"/>
           </a:p>
@@ -7173,6 +7222,30 @@
         <p:txBody>
           <a:bodyPr/>
           <a:lstStyle/>
+          <a:p>
+            <a:pPr>
+              <a:buFont typeface="Arial" panose="020B0604020202020204" pitchFamily="34" charset="0"/>
+              <a:buChar char="•"/>
+            </a:pPr>
+            <a:r>
+              <a:rPr lang="nl-BE" dirty="0" smtClean="0"/>
+              <a:t>  Huidige domein kennis integratie</a:t>
+            </a:r>
+          </a:p>
+          <a:p>
+            <a:pPr>
+              <a:buFont typeface="Arial" panose="020B0604020202020204" pitchFamily="34" charset="0"/>
+              <a:buChar char="•"/>
+            </a:pPr>
+            <a:r>
+              <a:rPr lang="nl-BE" dirty="0"/>
+              <a:t> </a:t>
+            </a:r>
+            <a:r>
+              <a:rPr lang="nl-BE" dirty="0" smtClean="0"/>
+              <a:t> </a:t>
+            </a:r>
+          </a:p>
           <a:p>
             <a:endParaRPr lang="en-US" dirty="0"/>
           </a:p>
@@ -7181,7 +7254,7 @@
     </p:spTree>
     <p:extLst>
       <p:ext uri="{BB962C8B-B14F-4D97-AF65-F5344CB8AC3E}">
-        <p14:creationId xmlns:p14="http://schemas.microsoft.com/office/powerpoint/2010/main" val="2352575886"/>
+        <p14:creationId xmlns:p14="http://schemas.microsoft.com/office/powerpoint/2010/main" val="2786214848"/>
       </p:ext>
     </p:extLst>
   </p:cSld>
@@ -7231,8 +7304,12 @@
           <a:lstStyle/>
           <a:p>
             <a:r>
-              <a:rPr lang="nl-BE" dirty="0" smtClean="0"/>
-              <a:t>Toepassing</a:t>
+              <a:rPr lang="nl-BE" dirty="0"/>
+              <a:t>Context vrije </a:t>
+            </a:r>
+            <a:r>
+              <a:rPr lang="nl-BE" dirty="0" smtClean="0"/>
+              <a:t>grammatica</a:t>
             </a:r>
             <a:endParaRPr lang="en-US" dirty="0"/>
           </a:p>
@@ -7260,7 +7337,7 @@
     </p:spTree>
     <p:extLst>
       <p:ext uri="{BB962C8B-B14F-4D97-AF65-F5344CB8AC3E}">
-        <p14:creationId xmlns:p14="http://schemas.microsoft.com/office/powerpoint/2010/main" val="270768509"/>
+        <p14:creationId xmlns:p14="http://schemas.microsoft.com/office/powerpoint/2010/main" val="2352575886"/>
       </p:ext>
     </p:extLst>
   </p:cSld>
@@ -7309,6 +7386,10 @@
           <a:bodyPr/>
           <a:lstStyle/>
           <a:p>
+            <a:r>
+              <a:rPr lang="nl-BE" dirty="0" smtClean="0"/>
+              <a:t>Toepassing</a:t>
+            </a:r>
             <a:endParaRPr lang="en-US" dirty="0"/>
           </a:p>
         </p:txBody>
@@ -7335,7 +7416,7 @@
     </p:spTree>
     <p:extLst>
       <p:ext uri="{BB962C8B-B14F-4D97-AF65-F5344CB8AC3E}">
-        <p14:creationId xmlns:p14="http://schemas.microsoft.com/office/powerpoint/2010/main" val="3335377810"/>
+        <p14:creationId xmlns:p14="http://schemas.microsoft.com/office/powerpoint/2010/main" val="270768509"/>
       </p:ext>
     </p:extLst>
   </p:cSld>

--- a/Opdracht 2/Literatuurstudie.pptx
+++ b/Opdracht 2/Literatuurstudie.pptx
@@ -17,17 +17,17 @@
     <p:sldId id="266" r:id="rId11"/>
     <p:sldId id="267" r:id="rId12"/>
     <p:sldId id="275" r:id="rId13"/>
-    <p:sldId id="274" r:id="rId14"/>
-    <p:sldId id="281" r:id="rId15"/>
-    <p:sldId id="271" r:id="rId16"/>
-    <p:sldId id="268" r:id="rId17"/>
+    <p:sldId id="271" r:id="rId14"/>
+    <p:sldId id="268" r:id="rId15"/>
+    <p:sldId id="274" r:id="rId16"/>
+    <p:sldId id="281" r:id="rId17"/>
     <p:sldId id="269" r:id="rId18"/>
     <p:sldId id="270" r:id="rId19"/>
     <p:sldId id="273" r:id="rId20"/>
     <p:sldId id="276" r:id="rId21"/>
     <p:sldId id="277" r:id="rId22"/>
     <p:sldId id="278" r:id="rId23"/>
-    <p:sldId id="279" r:id="rId24"/>
+    <p:sldId id="292" r:id="rId24"/>
     <p:sldId id="282" r:id="rId25"/>
     <p:sldId id="291" r:id="rId26"/>
   </p:sldIdLst>
@@ -4512,199 +4512,6 @@
           <a:p>
             <a:r>
               <a:rPr lang="nl-BE" dirty="0" smtClean="0"/>
-              <a:t>Experimenten (1)	</a:t>
-            </a:r>
-            <a:endParaRPr lang="en-US" dirty="0"/>
-          </a:p>
-        </p:txBody>
-      </p:sp>
-      <p:sp>
-        <p:nvSpPr>
-          <p:cNvPr id="3" name="Content Placeholder 2"/>
-          <p:cNvSpPr>
-            <a:spLocks noGrp="1"/>
-          </p:cNvSpPr>
-          <p:nvPr>
-            <p:ph idx="1"/>
-          </p:nvPr>
-        </p:nvSpPr>
-        <p:spPr/>
-        <p:txBody>
-          <a:bodyPr/>
-          <a:lstStyle/>
-          <a:p>
-            <a:pPr>
-              <a:buFont typeface="Arial" panose="020B0604020202020204" pitchFamily="34" charset="0"/>
-              <a:buChar char="•"/>
-            </a:pPr>
-            <a:r>
-              <a:rPr lang="nl-BE" dirty="0" smtClean="0"/>
-              <a:t>  Expressief genoeg?</a:t>
-            </a:r>
-          </a:p>
-          <a:p>
-            <a:pPr>
-              <a:buFont typeface="Arial" panose="020B0604020202020204" pitchFamily="34" charset="0"/>
-              <a:buChar char="•"/>
-            </a:pPr>
-            <a:r>
-              <a:rPr lang="nl-BE" dirty="0"/>
-              <a:t> </a:t>
-            </a:r>
-            <a:r>
-              <a:rPr lang="nl-BE" dirty="0" smtClean="0"/>
-              <a:t> Snel genoeg?</a:t>
-            </a:r>
-          </a:p>
-          <a:p>
-            <a:pPr>
-              <a:buFont typeface="Arial" panose="020B0604020202020204" pitchFamily="34" charset="0"/>
-              <a:buChar char="•"/>
-            </a:pPr>
-            <a:r>
-              <a:rPr lang="nl-BE" dirty="0"/>
-              <a:t> </a:t>
-            </a:r>
-            <a:r>
-              <a:rPr lang="nl-BE" dirty="0" smtClean="0"/>
-              <a:t> Hoeveel extra voorbeelden?</a:t>
-            </a:r>
-          </a:p>
-        </p:txBody>
-      </p:sp>
-    </p:spTree>
-    <p:extLst>
-      <p:ext uri="{BB962C8B-B14F-4D97-AF65-F5344CB8AC3E}">
-        <p14:creationId xmlns:p14="http://schemas.microsoft.com/office/powerpoint/2010/main" val="2428817191"/>
-      </p:ext>
-    </p:extLst>
-  </p:cSld>
-  <p:clrMapOvr>
-    <a:masterClrMapping/>
-  </p:clrMapOvr>
-  <p:timing>
-    <p:tnLst>
-      <p:par>
-        <p:cTn id="1" dur="indefinite" restart="never" nodeType="tmRoot"/>
-      </p:par>
-    </p:tnLst>
-  </p:timing>
-</p:sld>
-</file>
-
-<file path=ppt/slides/slide14.xml><?xml version="1.0" encoding="utf-8"?>
-<p:sld xmlns:a="http://schemas.openxmlformats.org/drawingml/2006/main" xmlns:r="http://schemas.openxmlformats.org/officeDocument/2006/relationships" xmlns:p="http://schemas.openxmlformats.org/presentationml/2006/main">
-  <p:cSld>
-    <p:spTree>
-      <p:nvGrpSpPr>
-        <p:cNvPr id="1" name=""/>
-        <p:cNvGrpSpPr/>
-        <p:nvPr/>
-      </p:nvGrpSpPr>
-      <p:grpSpPr>
-        <a:xfrm>
-          <a:off x="0" y="0"/>
-          <a:ext cx="0" cy="0"/>
-          <a:chOff x="0" y="0"/>
-          <a:chExt cx="0" cy="0"/>
-        </a:xfrm>
-      </p:grpSpPr>
-      <p:sp>
-        <p:nvSpPr>
-          <p:cNvPr id="2" name="Title 1"/>
-          <p:cNvSpPr>
-            <a:spLocks noGrp="1"/>
-          </p:cNvSpPr>
-          <p:nvPr>
-            <p:ph type="title"/>
-          </p:nvPr>
-        </p:nvSpPr>
-        <p:spPr/>
-        <p:txBody>
-          <a:bodyPr/>
-          <a:lstStyle/>
-          <a:p>
-            <a:r>
-              <a:rPr lang="nl-BE" dirty="0" smtClean="0"/>
-              <a:t>Experimenten (2)</a:t>
-            </a:r>
-            <a:endParaRPr lang="en-US" dirty="0"/>
-          </a:p>
-        </p:txBody>
-      </p:sp>
-      <p:sp>
-        <p:nvSpPr>
-          <p:cNvPr id="3" name="Content Placeholder 2"/>
-          <p:cNvSpPr>
-            <a:spLocks noGrp="1"/>
-          </p:cNvSpPr>
-          <p:nvPr>
-            <p:ph idx="1"/>
-          </p:nvPr>
-        </p:nvSpPr>
-        <p:spPr/>
-        <p:txBody>
-          <a:bodyPr/>
-          <a:lstStyle/>
-          <a:p>
-            <a:endParaRPr lang="en-US" dirty="0"/>
-          </a:p>
-        </p:txBody>
-      </p:sp>
-    </p:spTree>
-    <p:extLst>
-      <p:ext uri="{BB962C8B-B14F-4D97-AF65-F5344CB8AC3E}">
-        <p14:creationId xmlns:p14="http://schemas.microsoft.com/office/powerpoint/2010/main" val="3335377810"/>
-      </p:ext>
-    </p:extLst>
-  </p:cSld>
-  <p:clrMapOvr>
-    <a:masterClrMapping/>
-  </p:clrMapOvr>
-  <p:timing>
-    <p:tnLst>
-      <p:par>
-        <p:cTn id="1" dur="indefinite" restart="never" nodeType="tmRoot"/>
-      </p:par>
-    </p:tnLst>
-  </p:timing>
-</p:sld>
-</file>
-
-<file path=ppt/slides/slide15.xml><?xml version="1.0" encoding="utf-8"?>
-<p:sld xmlns:a="http://schemas.openxmlformats.org/drawingml/2006/main" xmlns:r="http://schemas.openxmlformats.org/officeDocument/2006/relationships" xmlns:p="http://schemas.openxmlformats.org/presentationml/2006/main">
-  <p:cSld>
-    <p:spTree>
-      <p:nvGrpSpPr>
-        <p:cNvPr id="1" name=""/>
-        <p:cNvGrpSpPr/>
-        <p:nvPr/>
-      </p:nvGrpSpPr>
-      <p:grpSpPr>
-        <a:xfrm>
-          <a:off x="0" y="0"/>
-          <a:ext cx="0" cy="0"/>
-          <a:chOff x="0" y="0"/>
-          <a:chExt cx="0" cy="0"/>
-        </a:xfrm>
-      </p:grpSpPr>
-      <p:sp>
-        <p:nvSpPr>
-          <p:cNvPr id="2" name="Title 1"/>
-          <p:cNvSpPr>
-            <a:spLocks noGrp="1"/>
-          </p:cNvSpPr>
-          <p:nvPr>
-            <p:ph type="title"/>
-          </p:nvPr>
-        </p:nvSpPr>
-        <p:spPr/>
-        <p:txBody>
-          <a:bodyPr/>
-          <a:lstStyle/>
-          <a:p>
-            <a:r>
-              <a:rPr lang="nl-BE" dirty="0" smtClean="0"/>
               <a:t>Grammatica</a:t>
             </a:r>
             <a:endParaRPr lang="nl-BE" dirty="0">
@@ -4765,7 +4572,7 @@
 </p:sld>
 </file>
 
-<file path=ppt/slides/slide16.xml><?xml version="1.0" encoding="utf-8"?>
+<file path=ppt/slides/slide14.xml><?xml version="1.0" encoding="utf-8"?>
 <p:sld xmlns:a="http://schemas.openxmlformats.org/drawingml/2006/main" xmlns:r="http://schemas.openxmlformats.org/officeDocument/2006/relationships" xmlns:p="http://schemas.openxmlformats.org/presentationml/2006/main">
   <p:cSld>
     <p:spTree>
@@ -4885,6 +4692,331 @@
 </p:sld>
 </file>
 
+<file path=ppt/slides/slide15.xml><?xml version="1.0" encoding="utf-8"?>
+<p:sld xmlns:a="http://schemas.openxmlformats.org/drawingml/2006/main" xmlns:r="http://schemas.openxmlformats.org/officeDocument/2006/relationships" xmlns:p="http://schemas.openxmlformats.org/presentationml/2006/main">
+  <p:cSld>
+    <p:spTree>
+      <p:nvGrpSpPr>
+        <p:cNvPr id="1" name=""/>
+        <p:cNvGrpSpPr/>
+        <p:nvPr/>
+      </p:nvGrpSpPr>
+      <p:grpSpPr>
+        <a:xfrm>
+          <a:off x="0" y="0"/>
+          <a:ext cx="0" cy="0"/>
+          <a:chOff x="0" y="0"/>
+          <a:chExt cx="0" cy="0"/>
+        </a:xfrm>
+      </p:grpSpPr>
+      <p:sp>
+        <p:nvSpPr>
+          <p:cNvPr id="2" name="Title 1"/>
+          <p:cNvSpPr>
+            <a:spLocks noGrp="1"/>
+          </p:cNvSpPr>
+          <p:nvPr>
+            <p:ph type="title"/>
+          </p:nvPr>
+        </p:nvSpPr>
+        <p:spPr/>
+        <p:txBody>
+          <a:bodyPr/>
+          <a:lstStyle/>
+          <a:p>
+            <a:r>
+              <a:rPr lang="nl-BE" dirty="0" smtClean="0"/>
+              <a:t>Experimenten (1)	</a:t>
+            </a:r>
+            <a:endParaRPr lang="en-US" dirty="0"/>
+          </a:p>
+        </p:txBody>
+      </p:sp>
+      <p:sp>
+        <p:nvSpPr>
+          <p:cNvPr id="3" name="Content Placeholder 2"/>
+          <p:cNvSpPr>
+            <a:spLocks noGrp="1"/>
+          </p:cNvSpPr>
+          <p:nvPr>
+            <p:ph idx="1"/>
+          </p:nvPr>
+        </p:nvSpPr>
+        <p:spPr/>
+        <p:txBody>
+          <a:bodyPr/>
+          <a:lstStyle/>
+          <a:p>
+            <a:pPr>
+              <a:buFont typeface="Arial" panose="020B0604020202020204" pitchFamily="34" charset="0"/>
+              <a:buChar char="•"/>
+            </a:pPr>
+            <a:r>
+              <a:rPr lang="nl-BE" dirty="0" smtClean="0"/>
+              <a:t>  Expressief genoeg?</a:t>
+            </a:r>
+          </a:p>
+          <a:p>
+            <a:pPr>
+              <a:buFont typeface="Arial" panose="020B0604020202020204" pitchFamily="34" charset="0"/>
+              <a:buChar char="•"/>
+            </a:pPr>
+            <a:r>
+              <a:rPr lang="nl-BE" dirty="0"/>
+              <a:t> </a:t>
+            </a:r>
+            <a:r>
+              <a:rPr lang="nl-BE" dirty="0" smtClean="0"/>
+              <a:t> Snel genoeg?</a:t>
+            </a:r>
+          </a:p>
+          <a:p>
+            <a:pPr>
+              <a:buFont typeface="Arial" panose="020B0604020202020204" pitchFamily="34" charset="0"/>
+              <a:buChar char="•"/>
+            </a:pPr>
+            <a:r>
+              <a:rPr lang="nl-BE" dirty="0"/>
+              <a:t> </a:t>
+            </a:r>
+            <a:r>
+              <a:rPr lang="nl-BE" dirty="0" smtClean="0"/>
+              <a:t> Hoeveel extra voorbeelden?</a:t>
+            </a:r>
+          </a:p>
+        </p:txBody>
+      </p:sp>
+      <p:pic>
+        <p:nvPicPr>
+          <p:cNvPr id="4" name="Picture 3"/>
+          <p:cNvPicPr>
+            <a:picLocks noChangeAspect="1"/>
+          </p:cNvPicPr>
+          <p:nvPr/>
+        </p:nvPicPr>
+        <p:blipFill>
+          <a:blip r:embed="rId2">
+            <a:extLst>
+              <a:ext uri="{28A0092B-C50C-407E-A947-70E740481C1C}">
+                <a14:useLocalDpi xmlns:a14="http://schemas.microsoft.com/office/drawing/2010/main" val="0"/>
+              </a:ext>
+            </a:extLst>
+          </a:blip>
+          <a:stretch>
+            <a:fillRect/>
+          </a:stretch>
+        </p:blipFill>
+        <p:spPr>
+          <a:xfrm>
+            <a:off x="1097280" y="3364465"/>
+            <a:ext cx="8814471" cy="2924839"/>
+          </a:xfrm>
+          <a:prstGeom prst="rect">
+            <a:avLst/>
+          </a:prstGeom>
+        </p:spPr>
+      </p:pic>
+    </p:spTree>
+    <p:extLst>
+      <p:ext uri="{BB962C8B-B14F-4D97-AF65-F5344CB8AC3E}">
+        <p14:creationId xmlns:p14="http://schemas.microsoft.com/office/powerpoint/2010/main" val="2428817191"/>
+      </p:ext>
+    </p:extLst>
+  </p:cSld>
+  <p:clrMapOvr>
+    <a:masterClrMapping/>
+  </p:clrMapOvr>
+  <p:timing>
+    <p:tnLst>
+      <p:par>
+        <p:cTn id="1" dur="indefinite" restart="never" nodeType="tmRoot"/>
+      </p:par>
+    </p:tnLst>
+  </p:timing>
+</p:sld>
+</file>
+
+<file path=ppt/slides/slide16.xml><?xml version="1.0" encoding="utf-8"?>
+<p:sld xmlns:a="http://schemas.openxmlformats.org/drawingml/2006/main" xmlns:r="http://schemas.openxmlformats.org/officeDocument/2006/relationships" xmlns:p="http://schemas.openxmlformats.org/presentationml/2006/main">
+  <p:cSld>
+    <p:spTree>
+      <p:nvGrpSpPr>
+        <p:cNvPr id="1" name=""/>
+        <p:cNvGrpSpPr/>
+        <p:nvPr/>
+      </p:nvGrpSpPr>
+      <p:grpSpPr>
+        <a:xfrm>
+          <a:off x="0" y="0"/>
+          <a:ext cx="0" cy="0"/>
+          <a:chOff x="0" y="0"/>
+          <a:chExt cx="0" cy="0"/>
+        </a:xfrm>
+      </p:grpSpPr>
+      <p:sp>
+        <p:nvSpPr>
+          <p:cNvPr id="2" name="Title 1"/>
+          <p:cNvSpPr>
+            <a:spLocks noGrp="1"/>
+          </p:cNvSpPr>
+          <p:nvPr>
+            <p:ph type="title"/>
+          </p:nvPr>
+        </p:nvSpPr>
+        <p:spPr/>
+        <p:txBody>
+          <a:bodyPr/>
+          <a:lstStyle/>
+          <a:p>
+            <a:r>
+              <a:rPr lang="nl-BE" dirty="0" smtClean="0"/>
+              <a:t>Experimenten (2)</a:t>
+            </a:r>
+            <a:endParaRPr lang="en-US" dirty="0"/>
+          </a:p>
+        </p:txBody>
+      </p:sp>
+      <p:pic>
+        <p:nvPicPr>
+          <p:cNvPr id="4" name="Content Placeholder 3"/>
+          <p:cNvPicPr>
+            <a:picLocks noGrp="1" noChangeAspect="1"/>
+          </p:cNvPicPr>
+          <p:nvPr>
+            <p:ph idx="1"/>
+          </p:nvPr>
+        </p:nvPicPr>
+        <p:blipFill>
+          <a:blip r:embed="rId2">
+            <a:extLst>
+              <a:ext uri="{28A0092B-C50C-407E-A947-70E740481C1C}">
+                <a14:useLocalDpi xmlns:a14="http://schemas.microsoft.com/office/drawing/2010/main" val="0"/>
+              </a:ext>
+            </a:extLst>
+          </a:blip>
+          <a:stretch>
+            <a:fillRect/>
+          </a:stretch>
+        </p:blipFill>
+        <p:spPr>
+          <a:xfrm>
+            <a:off x="6517005" y="2716422"/>
+            <a:ext cx="4638675" cy="3162300"/>
+          </a:xfrm>
+        </p:spPr>
+      </p:pic>
+      <p:pic>
+        <p:nvPicPr>
+          <p:cNvPr id="5" name="Picture 4"/>
+          <p:cNvPicPr>
+            <a:picLocks noChangeAspect="1"/>
+          </p:cNvPicPr>
+          <p:nvPr/>
+        </p:nvPicPr>
+        <p:blipFill>
+          <a:blip r:embed="rId3">
+            <a:extLst>
+              <a:ext uri="{28A0092B-C50C-407E-A947-70E740481C1C}">
+                <a14:useLocalDpi xmlns:a14="http://schemas.microsoft.com/office/drawing/2010/main" val="0"/>
+              </a:ext>
+            </a:extLst>
+          </a:blip>
+          <a:stretch>
+            <a:fillRect/>
+          </a:stretch>
+        </p:blipFill>
+        <p:spPr>
+          <a:xfrm>
+            <a:off x="674590" y="2716422"/>
+            <a:ext cx="4752975" cy="1104900"/>
+          </a:xfrm>
+          <a:prstGeom prst="rect">
+            <a:avLst/>
+          </a:prstGeom>
+        </p:spPr>
+      </p:pic>
+      <p:sp>
+        <p:nvSpPr>
+          <p:cNvPr id="6" name="TextBox 5"/>
+          <p:cNvSpPr txBox="1"/>
+          <p:nvPr/>
+        </p:nvSpPr>
+        <p:spPr>
+          <a:xfrm>
+            <a:off x="2186718" y="2249393"/>
+            <a:ext cx="1728717" cy="461665"/>
+          </a:xfrm>
+          <a:prstGeom prst="rect">
+            <a:avLst/>
+          </a:prstGeom>
+          <a:noFill/>
+        </p:spPr>
+        <p:txBody>
+          <a:bodyPr wrap="square" rtlCol="0">
+            <a:spAutoFit/>
+          </a:bodyPr>
+          <a:lstStyle/>
+          <a:p>
+            <a:pPr algn="ctr"/>
+            <a:r>
+              <a:rPr lang="nl-BE" sz="2400" b="1" dirty="0" smtClean="0"/>
+              <a:t>Voorbeeld 1</a:t>
+            </a:r>
+            <a:endParaRPr lang="en-US" sz="2400" b="1" dirty="0"/>
+          </a:p>
+        </p:txBody>
+      </p:sp>
+      <p:sp>
+        <p:nvSpPr>
+          <p:cNvPr id="7" name="TextBox 6"/>
+          <p:cNvSpPr txBox="1"/>
+          <p:nvPr/>
+        </p:nvSpPr>
+        <p:spPr>
+          <a:xfrm>
+            <a:off x="7971983" y="2249393"/>
+            <a:ext cx="1728717" cy="461665"/>
+          </a:xfrm>
+          <a:prstGeom prst="rect">
+            <a:avLst/>
+          </a:prstGeom>
+          <a:noFill/>
+        </p:spPr>
+        <p:txBody>
+          <a:bodyPr wrap="square" rtlCol="0">
+            <a:spAutoFit/>
+          </a:bodyPr>
+          <a:lstStyle/>
+          <a:p>
+            <a:pPr algn="ctr"/>
+            <a:r>
+              <a:rPr lang="nl-BE" sz="2400" b="1" dirty="0" smtClean="0"/>
+              <a:t>Voorbeeld 2</a:t>
+            </a:r>
+            <a:endParaRPr lang="en-US" sz="2400" b="1" dirty="0"/>
+          </a:p>
+        </p:txBody>
+      </p:sp>
+    </p:spTree>
+    <p:extLst>
+      <p:ext uri="{BB962C8B-B14F-4D97-AF65-F5344CB8AC3E}">
+        <p14:creationId xmlns:p14="http://schemas.microsoft.com/office/powerpoint/2010/main" val="3335377810"/>
+      </p:ext>
+    </p:extLst>
+  </p:cSld>
+  <p:clrMapOvr>
+    <a:masterClrMapping/>
+  </p:clrMapOvr>
+  <p:timing>
+    <p:tnLst>
+      <p:par>
+        <p:cTn id="1" dur="indefinite" restart="never" nodeType="tmRoot"/>
+      </p:par>
+    </p:tnLst>
+  </p:timing>
+</p:sld>
+</file>
+
 <file path=ppt/slides/slide17.xml><?xml version="1.0" encoding="utf-8"?>
 <p:sld xmlns:a="http://schemas.openxmlformats.org/drawingml/2006/main" xmlns:r="http://schemas.openxmlformats.org/officeDocument/2006/relationships" xmlns:p="http://schemas.openxmlformats.org/presentationml/2006/main">
   <p:cSld>
@@ -4919,23 +5051,23 @@
           <a:p>
             <a:r>
               <a:rPr lang="nl-BE" dirty="0" smtClean="0"/>
-              <a:t>End-User Programming </a:t>
-            </a:r>
-            <a:r>
-              <a:rPr lang="nl-BE" dirty="0">
-                <a:solidFill>
-                  <a:srgbClr val="FF0000"/>
-                </a:solidFill>
-              </a:rPr>
-              <a:t>(&lt;- vertalen</a:t>
-            </a:r>
-            <a:r>
-              <a:rPr lang="nl-BE" dirty="0" smtClean="0">
-                <a:solidFill>
-                  <a:srgbClr val="FF0000"/>
-                </a:solidFill>
-              </a:rPr>
-              <a:t>?)</a:t>
+              <a:t>End-</a:t>
+            </a:r>
+            <a:r>
+              <a:rPr lang="nl-BE" dirty="0" smtClean="0"/>
+              <a:t>us</a:t>
+            </a:r>
+            <a:r>
+              <a:rPr lang="nl-BE" dirty="0" smtClean="0"/>
+              <a:t>er </a:t>
+            </a:r>
+            <a:r>
+              <a:rPr lang="nl-BE" dirty="0" err="1"/>
+              <a:t>p</a:t>
+            </a:r>
+            <a:r>
+              <a:rPr lang="nl-BE" dirty="0" err="1" smtClean="0"/>
+              <a:t>rogramming</a:t>
             </a:r>
             <a:endParaRPr lang="en-US" dirty="0"/>
           </a:p>
@@ -4956,29 +5088,47 @@
           <a:bodyPr/>
           <a:lstStyle/>
           <a:p>
-            <a:pPr marL="0" indent="0">
-              <a:buNone/>
+            <a:pPr>
+              <a:buFont typeface="Arial" panose="020B0604020202020204" pitchFamily="34" charset="0"/>
+              <a:buChar char="•"/>
             </a:pPr>
+            <a:r>
+              <a:rPr lang="en-US" dirty="0" smtClean="0"/>
+              <a:t>  </a:t>
+            </a:r>
             <a:r>
               <a:rPr lang="en-US" dirty="0" err="1" smtClean="0"/>
               <a:t>Repetitieve</a:t>
             </a:r>
             <a:r>
               <a:rPr lang="en-US" dirty="0" smtClean="0"/>
-              <a:t> taken</a:t>
-            </a:r>
-          </a:p>
-          <a:p>
-            <a:pPr marL="0" indent="0">
-              <a:buNone/>
+              <a:t> </a:t>
+            </a:r>
+            <a:r>
+              <a:rPr lang="en-US" dirty="0" smtClean="0"/>
+              <a:t>taken</a:t>
+            </a:r>
+          </a:p>
+          <a:p>
+            <a:pPr>
+              <a:buFont typeface="Arial" panose="020B0604020202020204" pitchFamily="34" charset="0"/>
+              <a:buChar char="•"/>
             </a:pPr>
+            <a:r>
+              <a:rPr lang="en-US" dirty="0" smtClean="0"/>
+              <a:t>  </a:t>
+            </a:r>
             <a:r>
               <a:rPr lang="en-US" dirty="0" err="1" smtClean="0"/>
               <a:t>Weinig</a:t>
             </a:r>
             <a:r>
               <a:rPr lang="en-US" dirty="0" smtClean="0"/>
-              <a:t> tot </a:t>
+              <a:t> </a:t>
+            </a:r>
+            <a:r>
+              <a:rPr lang="en-US" dirty="0" smtClean="0"/>
+              <a:t>tot </a:t>
             </a:r>
             <a:r>
               <a:rPr lang="en-US" dirty="0" err="1" smtClean="0"/>
@@ -4995,8 +5145,24 @@
             <a:endParaRPr lang="en-US" dirty="0" smtClean="0"/>
           </a:p>
           <a:p>
-            <a:pPr marL="0" indent="0">
-              <a:buNone/>
+            <a:pPr>
+              <a:buFont typeface="Arial" panose="020B0604020202020204" pitchFamily="34" charset="0"/>
+              <a:buChar char="•"/>
+            </a:pPr>
+            <a:r>
+              <a:rPr lang="nl-BE" dirty="0"/>
+              <a:t> </a:t>
+            </a:r>
+            <a:r>
+              <a:rPr lang="nl-BE" dirty="0" smtClean="0"/>
+              <a:t> Non-triviale transformaties</a:t>
+            </a:r>
+            <a:endParaRPr lang="en-US" dirty="0" smtClean="0"/>
+          </a:p>
+          <a:p>
+            <a:pPr>
+              <a:buFont typeface="Arial" panose="020B0604020202020204" pitchFamily="34" charset="0"/>
+              <a:buChar char="•"/>
             </a:pPr>
             <a:endParaRPr lang="en-US" dirty="0" smtClean="0"/>
           </a:p>
@@ -6566,7 +6732,11 @@
             </a:r>
             <a:r>
               <a:rPr lang="nl-BE" dirty="0" smtClean="0"/>
-              <a:t> Discovery</a:t>
+              <a:t> </a:t>
+            </a:r>
+            <a:r>
+              <a:rPr lang="nl-BE" dirty="0" err="1" smtClean="0"/>
+              <a:t>discovery</a:t>
             </a:r>
             <a:endParaRPr lang="en-US" dirty="0"/>
           </a:p>
@@ -6642,27 +6812,13 @@
             </a:pPr>
             <a:r>
               <a:rPr lang="nl-BE" dirty="0" smtClean="0"/>
-              <a:t>  Context vrije grammatica</a:t>
-            </a:r>
-          </a:p>
-          <a:p>
-            <a:pPr>
-              <a:buFont typeface="Arial" panose="020B0604020202020204" pitchFamily="34" charset="0"/>
-              <a:buChar char="•"/>
-            </a:pPr>
-            <a:r>
-              <a:rPr lang="nl-BE" dirty="0"/>
-              <a:t> </a:t>
-            </a:r>
-            <a:r>
-              <a:rPr lang="nl-BE" dirty="0" smtClean="0"/>
-              <a:t> Toepassing: Modellering populatie dynamiek</a:t>
-            </a:r>
-            <a:endParaRPr lang="en-US" dirty="0">
-              <a:solidFill>
-                <a:srgbClr val="FF0000"/>
-              </a:solidFill>
-            </a:endParaRPr>
+              <a:t>  Context vrije </a:t>
+            </a:r>
+            <a:r>
+              <a:rPr lang="nl-BE" dirty="0" smtClean="0"/>
+              <a:t>grammatica</a:t>
+            </a:r>
+            <a:endParaRPr lang="nl-BE" dirty="0" smtClean="0"/>
           </a:p>
         </p:txBody>
       </p:sp>
@@ -7198,11 +7354,23 @@
             </a:r>
             <a:r>
               <a:rPr lang="nl-BE" dirty="0"/>
-              <a:t> Language </a:t>
-            </a:r>
-            <a:r>
-              <a:rPr lang="nl-BE" dirty="0" smtClean="0"/>
-              <a:t>Bias</a:t>
+              <a:t> </a:t>
+            </a:r>
+            <a:r>
+              <a:rPr lang="nl-BE" dirty="0" err="1" smtClean="0"/>
+              <a:t>language</a:t>
+            </a:r>
+            <a:r>
+              <a:rPr lang="nl-BE" dirty="0" smtClean="0"/>
+              <a:t> </a:t>
+            </a:r>
+            <a:r>
+              <a:rPr lang="nl-BE" dirty="0"/>
+              <a:t>b</a:t>
+            </a:r>
+            <a:r>
+              <a:rPr lang="nl-BE" dirty="0" smtClean="0"/>
+              <a:t>ias</a:t>
             </a:r>
             <a:endParaRPr lang="en-US" dirty="0"/>
           </a:p>
@@ -7229,7 +7397,15 @@
             </a:pPr>
             <a:r>
               <a:rPr lang="nl-BE" dirty="0" smtClean="0"/>
-              <a:t>  Huidige domein kennis integratie</a:t>
+              <a:t>  </a:t>
+            </a:r>
+            <a:r>
+              <a:rPr lang="nl-BE" dirty="0" err="1" smtClean="0"/>
+              <a:t>Inductive</a:t>
+            </a:r>
+            <a:r>
+              <a:rPr lang="nl-BE" dirty="0" smtClean="0"/>
+              <a:t> bias</a:t>
             </a:r>
           </a:p>
           <a:p>
@@ -7243,8 +7419,65 @@
             </a:r>
             <a:r>
               <a:rPr lang="nl-BE" dirty="0" smtClean="0"/>
+              <a:t> 3 Types</a:t>
+            </a:r>
+          </a:p>
+          <a:p>
+            <a:pPr lvl="1">
+              <a:buFont typeface="Arial" panose="020B0604020202020204" pitchFamily="34" charset="0"/>
+              <a:buChar char="•"/>
+            </a:pPr>
+            <a:r>
+              <a:rPr lang="nl-BE" dirty="0" smtClean="0"/>
+              <a:t>Language bias</a:t>
+            </a:r>
+          </a:p>
+          <a:p>
+            <a:pPr lvl="1">
+              <a:buFont typeface="Arial" panose="020B0604020202020204" pitchFamily="34" charset="0"/>
+              <a:buChar char="•"/>
+            </a:pPr>
+            <a:r>
+              <a:rPr lang="nl-BE" dirty="0" smtClean="0"/>
+              <a:t>Search bias</a:t>
+            </a:r>
+          </a:p>
+          <a:p>
+            <a:pPr lvl="1">
+              <a:buFont typeface="Arial" panose="020B0604020202020204" pitchFamily="34" charset="0"/>
+              <a:buChar char="•"/>
+            </a:pPr>
+            <a:r>
+              <a:rPr lang="nl-BE" dirty="0" err="1" smtClean="0"/>
+              <a:t>Validation</a:t>
+            </a:r>
+            <a:r>
+              <a:rPr lang="nl-BE" dirty="0" smtClean="0"/>
+              <a:t> bias</a:t>
+            </a:r>
+          </a:p>
+          <a:p>
+            <a:pPr>
+              <a:buFont typeface="Arial" panose="020B0604020202020204" pitchFamily="34" charset="0"/>
+              <a:buChar char="•"/>
+            </a:pPr>
+            <a:r>
+              <a:rPr lang="nl-BE" dirty="0"/>
               <a:t> </a:t>
             </a:r>
+            <a:r>
+              <a:rPr lang="nl-BE" dirty="0" smtClean="0"/>
+              <a:t> </a:t>
+            </a:r>
+            <a:r>
+              <a:rPr lang="nl-BE" dirty="0" err="1" smtClean="0"/>
+              <a:t>Declaratief</a:t>
+            </a:r>
+            <a:r>
+              <a:rPr lang="nl-BE" dirty="0" smtClean="0"/>
+              <a:t>  </a:t>
+            </a:r>
+            <a:endParaRPr lang="nl-BE" dirty="0" smtClean="0"/>
           </a:p>
           <a:p>
             <a:endParaRPr lang="en-US" dirty="0"/>
@@ -7309,7 +7542,7 @@
             </a:r>
             <a:r>
               <a:rPr lang="nl-BE" dirty="0" smtClean="0"/>
-              <a:t>grammatica</a:t>
+              <a:t>grammatica (1)</a:t>
             </a:r>
             <a:endParaRPr lang="en-US" dirty="0"/>
           </a:p>
@@ -7317,7 +7550,7 @@
       </p:sp>
       <p:sp>
         <p:nvSpPr>
-          <p:cNvPr id="3" name="Content Placeholder 2"/>
+          <p:cNvPr id="4" name="Content Placeholder 2"/>
           <p:cNvSpPr>
             <a:spLocks noGrp="1"/>
           </p:cNvSpPr>
@@ -7325,12 +7558,75 @@
             <p:ph idx="1"/>
           </p:nvPr>
         </p:nvSpPr>
-        <p:spPr/>
-        <p:txBody>
-          <a:bodyPr/>
+        <p:spPr>
+          <a:xfrm>
+            <a:off x="1097280" y="2600705"/>
+            <a:ext cx="10058400" cy="1656591"/>
+          </a:xfrm>
+        </p:spPr>
+        <p:txBody>
+          <a:bodyPr>
+            <a:normAutofit/>
+          </a:bodyPr>
           <a:lstStyle/>
           <a:p>
-            <a:endParaRPr lang="en-US" dirty="0"/>
+            <a:pPr marL="0" indent="0" algn="ctr">
+              <a:spcBef>
+                <a:spcPts val="0"/>
+              </a:spcBef>
+              <a:spcAft>
+                <a:spcPts val="0"/>
+              </a:spcAft>
+              <a:buNone/>
+            </a:pPr>
+            <a:r>
+              <a:rPr lang="en-US" sz="2800" i="1" dirty="0" smtClean="0"/>
+              <a:t>“A </a:t>
+            </a:r>
+            <a:r>
+              <a:rPr lang="en-US" sz="2800" b="1" i="1" dirty="0" smtClean="0"/>
+              <a:t>context free grammar </a:t>
+            </a:r>
+            <a:r>
+              <a:rPr lang="en-US" sz="2800" i="1" dirty="0" smtClean="0"/>
+              <a:t>consists of a finite set of variables , each of them representing a subclass of </a:t>
+            </a:r>
+            <a:r>
+              <a:rPr lang="en-US" sz="2800" i="1" dirty="0" err="1" smtClean="0"/>
+              <a:t>subexpressions</a:t>
+            </a:r>
+            <a:r>
+              <a:rPr lang="en-US" sz="2800" i="1" dirty="0" smtClean="0"/>
+              <a:t> or phrases in the language represented by the grammar.”</a:t>
+            </a:r>
+          </a:p>
+          <a:p>
+            <a:pPr marL="0" indent="0" algn="ctr">
+              <a:spcBef>
+                <a:spcPts val="0"/>
+              </a:spcBef>
+              <a:spcAft>
+                <a:spcPts val="0"/>
+              </a:spcAft>
+              <a:buNone/>
+            </a:pPr>
+            <a:r>
+              <a:rPr lang="nl-BE" sz="2800" i="1" dirty="0" smtClean="0"/>
+              <a:t>- </a:t>
+            </a:r>
+            <a:r>
+              <a:rPr lang="nl-BE" sz="2800" i="1" dirty="0" err="1" smtClean="0"/>
+              <a:t>Todorovski</a:t>
+            </a:r>
+            <a:r>
+              <a:rPr lang="nl-BE" sz="2800" i="1" dirty="0" smtClean="0"/>
+              <a:t> &amp; </a:t>
+            </a:r>
+            <a:r>
+              <a:rPr lang="nl-BE" sz="2800" i="1" dirty="0" err="1" smtClean="0"/>
+              <a:t>Džeroski</a:t>
+            </a:r>
+            <a:endParaRPr lang="en-US" sz="2800" i="1" dirty="0" smtClean="0"/>
           </a:p>
         </p:txBody>
       </p:sp>
@@ -7387,8 +7683,12 @@
           <a:lstStyle/>
           <a:p>
             <a:r>
-              <a:rPr lang="nl-BE" dirty="0" smtClean="0"/>
-              <a:t>Toepassing</a:t>
+              <a:rPr lang="nl-BE" dirty="0"/>
+              <a:t>Context vrije grammatica </a:t>
+            </a:r>
+            <a:r>
+              <a:rPr lang="nl-BE" dirty="0" smtClean="0"/>
+              <a:t>(2)</a:t>
             </a:r>
             <a:endParaRPr lang="en-US" dirty="0"/>
           </a:p>
@@ -7409,27 +7709,157 @@
           <a:bodyPr/>
           <a:lstStyle/>
           <a:p>
-            <a:endParaRPr lang="en-US" dirty="0"/>
-          </a:p>
-        </p:txBody>
-      </p:sp>
+            <a:pPr>
+              <a:buFont typeface="Arial" panose="020B0604020202020204" pitchFamily="34" charset="0"/>
+              <a:buChar char="•"/>
+            </a:pPr>
+            <a:r>
+              <a:rPr lang="nl-BE" dirty="0" smtClean="0"/>
+              <a:t>  Voorbeeld context vrije grammatica</a:t>
+            </a:r>
+          </a:p>
+          <a:p>
+            <a:pPr>
+              <a:buFont typeface="Arial" panose="020B0604020202020204" pitchFamily="34" charset="0"/>
+              <a:buChar char="•"/>
+            </a:pPr>
+            <a:endParaRPr lang="nl-BE" dirty="0"/>
+          </a:p>
+          <a:p>
+            <a:pPr marL="0" indent="0">
+              <a:buNone/>
+            </a:pPr>
+            <a:endParaRPr lang="nl-BE" dirty="0"/>
+          </a:p>
+          <a:p>
+            <a:pPr>
+              <a:buFont typeface="Arial" panose="020B0604020202020204" pitchFamily="34" charset="0"/>
+              <a:buChar char="•"/>
+            </a:pPr>
+            <a:r>
+              <a:rPr lang="nl-BE" dirty="0" smtClean="0"/>
+              <a:t>  </a:t>
+            </a:r>
+            <a:r>
+              <a:rPr lang="nl-BE" dirty="0" err="1" smtClean="0"/>
+              <a:t>Parse</a:t>
+            </a:r>
+            <a:r>
+              <a:rPr lang="nl-BE" dirty="0" smtClean="0"/>
+              <a:t> tree</a:t>
+            </a:r>
+            <a:endParaRPr lang="nl-BE" dirty="0"/>
+          </a:p>
+          <a:p>
+            <a:pPr lvl="1">
+              <a:buFont typeface="Arial" panose="020B0604020202020204" pitchFamily="34" charset="0"/>
+              <a:buChar char="•"/>
+            </a:pPr>
+            <a:r>
+              <a:rPr lang="nl-BE" dirty="0" err="1" smtClean="0"/>
+              <a:t>Parse</a:t>
+            </a:r>
+            <a:r>
+              <a:rPr lang="nl-BE" dirty="0" smtClean="0"/>
+              <a:t> </a:t>
+            </a:r>
+            <a:r>
+              <a:rPr lang="nl-BE" dirty="0" err="1" smtClean="0"/>
+              <a:t>task</a:t>
+            </a:r>
+            <a:endParaRPr lang="nl-BE" dirty="0" smtClean="0"/>
+          </a:p>
+          <a:p>
+            <a:pPr lvl="1">
+              <a:buFont typeface="Arial" panose="020B0604020202020204" pitchFamily="34" charset="0"/>
+              <a:buChar char="•"/>
+            </a:pPr>
+            <a:r>
+              <a:rPr lang="nl-BE" dirty="0" err="1" smtClean="0"/>
+              <a:t>Parse</a:t>
+            </a:r>
+            <a:r>
+              <a:rPr lang="nl-BE" dirty="0" smtClean="0"/>
+              <a:t> </a:t>
+            </a:r>
+            <a:r>
+              <a:rPr lang="nl-BE" dirty="0" err="1" smtClean="0"/>
+              <a:t>generation</a:t>
+            </a:r>
+            <a:endParaRPr lang="nl-BE" dirty="0" smtClean="0"/>
+          </a:p>
+        </p:txBody>
+      </p:sp>
+      <p:pic>
+        <p:nvPicPr>
+          <p:cNvPr id="6" name="Picture 5"/>
+          <p:cNvPicPr>
+            <a:picLocks noChangeAspect="1"/>
+          </p:cNvPicPr>
+          <p:nvPr/>
+        </p:nvPicPr>
+        <p:blipFill>
+          <a:blip r:embed="rId2">
+            <a:extLst>
+              <a:ext uri="{28A0092B-C50C-407E-A947-70E740481C1C}">
+                <a14:useLocalDpi xmlns:a14="http://schemas.microsoft.com/office/drawing/2010/main" val="0"/>
+              </a:ext>
+            </a:extLst>
+          </a:blip>
+          <a:stretch>
+            <a:fillRect/>
+          </a:stretch>
+        </p:blipFill>
+        <p:spPr>
+          <a:xfrm>
+            <a:off x="5054074" y="3192137"/>
+            <a:ext cx="3972994" cy="2456983"/>
+          </a:xfrm>
+          <a:prstGeom prst="rect">
+            <a:avLst/>
+          </a:prstGeom>
+        </p:spPr>
+      </p:pic>
+      <p:pic>
+        <p:nvPicPr>
+          <p:cNvPr id="7" name="Picture 6"/>
+          <p:cNvPicPr>
+            <a:picLocks noChangeAspect="1"/>
+          </p:cNvPicPr>
+          <p:nvPr/>
+        </p:nvPicPr>
+        <p:blipFill>
+          <a:blip r:embed="rId3">
+            <a:extLst>
+              <a:ext uri="{28A0092B-C50C-407E-A947-70E740481C1C}">
+                <a14:useLocalDpi xmlns:a14="http://schemas.microsoft.com/office/drawing/2010/main" val="0"/>
+              </a:ext>
+            </a:extLst>
+          </a:blip>
+          <a:stretch>
+            <a:fillRect/>
+          </a:stretch>
+        </p:blipFill>
+        <p:spPr>
+          <a:xfrm>
+            <a:off x="5054074" y="2259844"/>
+            <a:ext cx="2674852" cy="746825"/>
+          </a:xfrm>
+          <a:prstGeom prst="rect">
+            <a:avLst/>
+          </a:prstGeom>
+        </p:spPr>
+      </p:pic>
     </p:spTree>
     <p:extLst>
       <p:ext uri="{BB962C8B-B14F-4D97-AF65-F5344CB8AC3E}">
-        <p14:creationId xmlns:p14="http://schemas.microsoft.com/office/powerpoint/2010/main" val="270768509"/>
+        <p14:creationId xmlns:p14="http://schemas.microsoft.com/office/powerpoint/2010/main" val="2584579861"/>
       </p:ext>
     </p:extLst>
   </p:cSld>
   <p:clrMapOvr>
     <a:masterClrMapping/>
   </p:clrMapOvr>
-  <p:timing>
-    <p:tnLst>
-      <p:par>
-        <p:cTn id="1" dur="indefinite" restart="never" nodeType="tmRoot"/>
-      </p:par>
-    </p:tnLst>
-  </p:timing>
 </p:sld>
 </file>
 
@@ -7488,7 +7918,25 @@
           <a:bodyPr/>
           <a:lstStyle/>
           <a:p>
-            <a:endParaRPr lang="en-US" dirty="0"/>
+            <a:pPr marL="0" indent="0">
+              <a:buNone/>
+            </a:pPr>
+            <a:r>
+              <a:rPr lang="nl-BE" dirty="0" smtClean="0">
+                <a:solidFill>
+                  <a:srgbClr val="FF0000"/>
+                </a:solidFill>
+              </a:rPr>
+              <a:t>(</a:t>
+            </a:r>
+            <a:r>
+              <a:rPr lang="nl-BE" dirty="0" smtClean="0">
+                <a:solidFill>
+                  <a:srgbClr val="FF0000"/>
+                </a:solidFill>
+              </a:rPr>
+              <a:t>NOG TE DOEN)</a:t>
+            </a:r>
           </a:p>
         </p:txBody>
       </p:sp>
@@ -7779,7 +8227,15 @@
             </a:r>
             <a:r>
               <a:rPr lang="nl-BE" dirty="0" smtClean="0"/>
-              <a:t> Learning</a:t>
+              <a:t> </a:t>
+            </a:r>
+            <a:r>
+              <a:rPr lang="nl-BE" dirty="0" err="1"/>
+              <a:t>l</a:t>
+            </a:r>
+            <a:r>
+              <a:rPr lang="nl-BE" dirty="0" err="1" smtClean="0"/>
+              <a:t>earning</a:t>
             </a:r>
             <a:endParaRPr lang="en-US" dirty="0"/>
           </a:p>
@@ -7924,7 +8380,15 @@
           <a:p>
             <a:r>
               <a:rPr lang="nl-BE" dirty="0" smtClean="0"/>
-              <a:t>Een vergelijking</a:t>
+              <a:t>Een </a:t>
+            </a:r>
+            <a:r>
+              <a:rPr lang="nl-BE" dirty="0"/>
+              <a:t>v</a:t>
+            </a:r>
+            <a:r>
+              <a:rPr lang="nl-BE" dirty="0" smtClean="0"/>
+              <a:t>ergelijking</a:t>
             </a:r>
             <a:endParaRPr lang="en-US" dirty="0"/>
           </a:p>
@@ -8188,7 +8652,15 @@
           <a:p>
             <a:r>
               <a:rPr lang="nl-BE" dirty="0" smtClean="0"/>
-              <a:t>Probleem generatie</a:t>
+              <a:t>Probleem </a:t>
+            </a:r>
+            <a:r>
+              <a:rPr lang="nl-BE" dirty="0" smtClean="0"/>
+              <a:t>ge</a:t>
+            </a:r>
+            <a:r>
+              <a:rPr lang="nl-BE" dirty="0" smtClean="0"/>
+              <a:t>neratie</a:t>
             </a:r>
             <a:endParaRPr lang="en-US" dirty="0">
               <a:solidFill>

--- a/Opdracht 2/Literatuurstudie.pptx
+++ b/Opdracht 2/Literatuurstudie.pptx
@@ -4,32 +4,34 @@
   <p:sldMasterIdLst>
     <p:sldMasterId id="2147483690" r:id="rId1"/>
   </p:sldMasterIdLst>
+  <p:notesMasterIdLst>
+    <p:notesMasterId r:id="rId26"/>
+  </p:notesMasterIdLst>
   <p:sldIdLst>
     <p:sldId id="256" r:id="rId2"/>
-    <p:sldId id="259" r:id="rId3"/>
-    <p:sldId id="257" r:id="rId4"/>
-    <p:sldId id="285" r:id="rId5"/>
-    <p:sldId id="286" r:id="rId6"/>
-    <p:sldId id="287" r:id="rId7"/>
-    <p:sldId id="288" r:id="rId8"/>
-    <p:sldId id="289" r:id="rId9"/>
-    <p:sldId id="290" r:id="rId10"/>
-    <p:sldId id="266" r:id="rId11"/>
-    <p:sldId id="267" r:id="rId12"/>
-    <p:sldId id="275" r:id="rId13"/>
-    <p:sldId id="271" r:id="rId14"/>
-    <p:sldId id="268" r:id="rId15"/>
-    <p:sldId id="274" r:id="rId16"/>
-    <p:sldId id="281" r:id="rId17"/>
-    <p:sldId id="269" r:id="rId18"/>
-    <p:sldId id="270" r:id="rId19"/>
-    <p:sldId id="273" r:id="rId20"/>
-    <p:sldId id="276" r:id="rId21"/>
-    <p:sldId id="277" r:id="rId22"/>
-    <p:sldId id="278" r:id="rId23"/>
-    <p:sldId id="292" r:id="rId24"/>
-    <p:sldId id="282" r:id="rId25"/>
-    <p:sldId id="291" r:id="rId26"/>
+    <p:sldId id="257" r:id="rId3"/>
+    <p:sldId id="294" r:id="rId4"/>
+    <p:sldId id="269" r:id="rId5"/>
+    <p:sldId id="270" r:id="rId6"/>
+    <p:sldId id="293" r:id="rId7"/>
+    <p:sldId id="286" r:id="rId8"/>
+    <p:sldId id="287" r:id="rId9"/>
+    <p:sldId id="288" r:id="rId10"/>
+    <p:sldId id="289" r:id="rId11"/>
+    <p:sldId id="290" r:id="rId12"/>
+    <p:sldId id="296" r:id="rId13"/>
+    <p:sldId id="267" r:id="rId14"/>
+    <p:sldId id="275" r:id="rId15"/>
+    <p:sldId id="271" r:id="rId16"/>
+    <p:sldId id="268" r:id="rId17"/>
+    <p:sldId id="295" r:id="rId18"/>
+    <p:sldId id="276" r:id="rId19"/>
+    <p:sldId id="277" r:id="rId20"/>
+    <p:sldId id="278" r:id="rId21"/>
+    <p:sldId id="292" r:id="rId22"/>
+    <p:sldId id="282" r:id="rId23"/>
+    <p:sldId id="259" r:id="rId24"/>
+    <p:sldId id="291" r:id="rId25"/>
   </p:sldIdLst>
   <p:sldSz cx="12192000" cy="6858000"/>
   <p:notesSz cx="6858000" cy="9144000"/>
@@ -184,6 +186,1573 @@
 </p:cmLst>
 </file>
 
+<file path=ppt/notesMasters/notesMaster1.xml><?xml version="1.0" encoding="utf-8"?>
+<p:notesMaster xmlns:a="http://schemas.openxmlformats.org/drawingml/2006/main" xmlns:r="http://schemas.openxmlformats.org/officeDocument/2006/relationships" xmlns:p="http://schemas.openxmlformats.org/presentationml/2006/main">
+  <p:cSld>
+    <p:bg>
+      <p:bgRef idx="1001">
+        <a:schemeClr val="bg1"/>
+      </p:bgRef>
+    </p:bg>
+    <p:spTree>
+      <p:nvGrpSpPr>
+        <p:cNvPr id="1" name=""/>
+        <p:cNvGrpSpPr/>
+        <p:nvPr/>
+      </p:nvGrpSpPr>
+      <p:grpSpPr>
+        <a:xfrm>
+          <a:off x="0" y="0"/>
+          <a:ext cx="0" cy="0"/>
+          <a:chOff x="0" y="0"/>
+          <a:chExt cx="0" cy="0"/>
+        </a:xfrm>
+      </p:grpSpPr>
+      <p:sp>
+        <p:nvSpPr>
+          <p:cNvPr id="2" name="Header Placeholder 1"/>
+          <p:cNvSpPr>
+            <a:spLocks noGrp="1"/>
+          </p:cNvSpPr>
+          <p:nvPr>
+            <p:ph type="hdr" sz="quarter"/>
+          </p:nvPr>
+        </p:nvSpPr>
+        <p:spPr>
+          <a:xfrm>
+            <a:off x="0" y="0"/>
+            <a:ext cx="2971800" cy="458788"/>
+          </a:xfrm>
+          <a:prstGeom prst="rect">
+            <a:avLst/>
+          </a:prstGeom>
+        </p:spPr>
+        <p:txBody>
+          <a:bodyPr vert="horz" lIns="91440" tIns="45720" rIns="91440" bIns="45720" rtlCol="0"/>
+          <a:lstStyle>
+            <a:lvl1pPr algn="l">
+              <a:defRPr sz="1200"/>
+            </a:lvl1pPr>
+          </a:lstStyle>
+          <a:p>
+            <a:endParaRPr lang="en-US"/>
+          </a:p>
+        </p:txBody>
+      </p:sp>
+      <p:sp>
+        <p:nvSpPr>
+          <p:cNvPr id="3" name="Date Placeholder 2"/>
+          <p:cNvSpPr>
+            <a:spLocks noGrp="1"/>
+          </p:cNvSpPr>
+          <p:nvPr>
+            <p:ph type="dt" idx="1"/>
+          </p:nvPr>
+        </p:nvSpPr>
+        <p:spPr>
+          <a:xfrm>
+            <a:off x="3884613" y="0"/>
+            <a:ext cx="2971800" cy="458788"/>
+          </a:xfrm>
+          <a:prstGeom prst="rect">
+            <a:avLst/>
+          </a:prstGeom>
+        </p:spPr>
+        <p:txBody>
+          <a:bodyPr vert="horz" lIns="91440" tIns="45720" rIns="91440" bIns="45720" rtlCol="0"/>
+          <a:lstStyle>
+            <a:lvl1pPr algn="r">
+              <a:defRPr sz="1200"/>
+            </a:lvl1pPr>
+          </a:lstStyle>
+          <a:p>
+            <a:fld id="{14549C10-D531-4FCD-A662-C6531279F0A5}" type="datetimeFigureOut">
+              <a:rPr lang="en-US" smtClean="0"/>
+              <a:t>10/24/2014</a:t>
+            </a:fld>
+            <a:endParaRPr lang="en-US"/>
+          </a:p>
+        </p:txBody>
+      </p:sp>
+      <p:sp>
+        <p:nvSpPr>
+          <p:cNvPr id="4" name="Slide Image Placeholder 3"/>
+          <p:cNvSpPr>
+            <a:spLocks noGrp="1" noRot="1" noChangeAspect="1"/>
+          </p:cNvSpPr>
+          <p:nvPr>
+            <p:ph type="sldImg" idx="2"/>
+          </p:nvPr>
+        </p:nvSpPr>
+        <p:spPr>
+          <a:xfrm>
+            <a:off x="685800" y="1143000"/>
+            <a:ext cx="5486400" cy="3086100"/>
+          </a:xfrm>
+          <a:prstGeom prst="rect">
+            <a:avLst/>
+          </a:prstGeom>
+          <a:noFill/>
+          <a:ln w="12700">
+            <a:solidFill>
+              <a:prstClr val="black"/>
+            </a:solidFill>
+          </a:ln>
+        </p:spPr>
+        <p:txBody>
+          <a:bodyPr vert="horz" lIns="91440" tIns="45720" rIns="91440" bIns="45720" rtlCol="0" anchor="ctr"/>
+          <a:lstStyle/>
+          <a:p>
+            <a:endParaRPr lang="en-US"/>
+          </a:p>
+        </p:txBody>
+      </p:sp>
+      <p:sp>
+        <p:nvSpPr>
+          <p:cNvPr id="5" name="Notes Placeholder 4"/>
+          <p:cNvSpPr>
+            <a:spLocks noGrp="1"/>
+          </p:cNvSpPr>
+          <p:nvPr>
+            <p:ph type="body" sz="quarter" idx="3"/>
+          </p:nvPr>
+        </p:nvSpPr>
+        <p:spPr>
+          <a:xfrm>
+            <a:off x="685800" y="4400550"/>
+            <a:ext cx="5486400" cy="3600450"/>
+          </a:xfrm>
+          <a:prstGeom prst="rect">
+            <a:avLst/>
+          </a:prstGeom>
+        </p:spPr>
+        <p:txBody>
+          <a:bodyPr vert="horz" lIns="91440" tIns="45720" rIns="91440" bIns="45720" rtlCol="0"/>
+          <a:lstStyle/>
+          <a:p>
+            <a:pPr lvl="0"/>
+            <a:r>
+              <a:rPr lang="en-US" smtClean="0"/>
+              <a:t>Click to edit Master text styles</a:t>
+            </a:r>
+          </a:p>
+          <a:p>
+            <a:pPr lvl="1"/>
+            <a:r>
+              <a:rPr lang="en-US" smtClean="0"/>
+              <a:t>Second level</a:t>
+            </a:r>
+          </a:p>
+          <a:p>
+            <a:pPr lvl="2"/>
+            <a:r>
+              <a:rPr lang="en-US" smtClean="0"/>
+              <a:t>Third level</a:t>
+            </a:r>
+          </a:p>
+          <a:p>
+            <a:pPr lvl="3"/>
+            <a:r>
+              <a:rPr lang="en-US" smtClean="0"/>
+              <a:t>Fourth level</a:t>
+            </a:r>
+          </a:p>
+          <a:p>
+            <a:pPr lvl="4"/>
+            <a:r>
+              <a:rPr lang="en-US" smtClean="0"/>
+              <a:t>Fifth level</a:t>
+            </a:r>
+            <a:endParaRPr lang="en-US"/>
+          </a:p>
+        </p:txBody>
+      </p:sp>
+      <p:sp>
+        <p:nvSpPr>
+          <p:cNvPr id="6" name="Footer Placeholder 5"/>
+          <p:cNvSpPr>
+            <a:spLocks noGrp="1"/>
+          </p:cNvSpPr>
+          <p:nvPr>
+            <p:ph type="ftr" sz="quarter" idx="4"/>
+          </p:nvPr>
+        </p:nvSpPr>
+        <p:spPr>
+          <a:xfrm>
+            <a:off x="0" y="8685213"/>
+            <a:ext cx="2971800" cy="458787"/>
+          </a:xfrm>
+          <a:prstGeom prst="rect">
+            <a:avLst/>
+          </a:prstGeom>
+        </p:spPr>
+        <p:txBody>
+          <a:bodyPr vert="horz" lIns="91440" tIns="45720" rIns="91440" bIns="45720" rtlCol="0" anchor="b"/>
+          <a:lstStyle>
+            <a:lvl1pPr algn="l">
+              <a:defRPr sz="1200"/>
+            </a:lvl1pPr>
+          </a:lstStyle>
+          <a:p>
+            <a:endParaRPr lang="en-US"/>
+          </a:p>
+        </p:txBody>
+      </p:sp>
+      <p:sp>
+        <p:nvSpPr>
+          <p:cNvPr id="7" name="Slide Number Placeholder 6"/>
+          <p:cNvSpPr>
+            <a:spLocks noGrp="1"/>
+          </p:cNvSpPr>
+          <p:nvPr>
+            <p:ph type="sldNum" sz="quarter" idx="5"/>
+          </p:nvPr>
+        </p:nvSpPr>
+        <p:spPr>
+          <a:xfrm>
+            <a:off x="3884613" y="8685213"/>
+            <a:ext cx="2971800" cy="458787"/>
+          </a:xfrm>
+          <a:prstGeom prst="rect">
+            <a:avLst/>
+          </a:prstGeom>
+        </p:spPr>
+        <p:txBody>
+          <a:bodyPr vert="horz" lIns="91440" tIns="45720" rIns="91440" bIns="45720" rtlCol="0" anchor="b"/>
+          <a:lstStyle>
+            <a:lvl1pPr algn="r">
+              <a:defRPr sz="1200"/>
+            </a:lvl1pPr>
+          </a:lstStyle>
+          <a:p>
+            <a:fld id="{4E765FFB-E928-41F7-9C48-EAAB8C6B32DB}" type="slidenum">
+              <a:rPr lang="en-US" smtClean="0"/>
+              <a:t>‹#›</a:t>
+            </a:fld>
+            <a:endParaRPr lang="en-US"/>
+          </a:p>
+        </p:txBody>
+      </p:sp>
+    </p:spTree>
+    <p:extLst>
+      <p:ext uri="{BB962C8B-B14F-4D97-AF65-F5344CB8AC3E}">
+        <p14:creationId xmlns:p14="http://schemas.microsoft.com/office/powerpoint/2010/main" val="744058665"/>
+      </p:ext>
+    </p:extLst>
+  </p:cSld>
+  <p:clrMap bg1="lt1" tx1="dk1" bg2="lt2" tx2="dk2" accent1="accent1" accent2="accent2" accent3="accent3" accent4="accent4" accent5="accent5" accent6="accent6" hlink="hlink" folHlink="folHlink"/>
+  <p:notesStyle>
+    <a:lvl1pPr marL="0" algn="l" defTabSz="914400" rtl="0" eaLnBrk="1" latinLnBrk="0" hangingPunct="1">
+      <a:defRPr sz="1200" kern="1200">
+        <a:solidFill>
+          <a:schemeClr val="tx1"/>
+        </a:solidFill>
+        <a:latin typeface="+mn-lt"/>
+        <a:ea typeface="+mn-ea"/>
+        <a:cs typeface="+mn-cs"/>
+      </a:defRPr>
+    </a:lvl1pPr>
+    <a:lvl2pPr marL="457200" algn="l" defTabSz="914400" rtl="0" eaLnBrk="1" latinLnBrk="0" hangingPunct="1">
+      <a:defRPr sz="1200" kern="1200">
+        <a:solidFill>
+          <a:schemeClr val="tx1"/>
+        </a:solidFill>
+        <a:latin typeface="+mn-lt"/>
+        <a:ea typeface="+mn-ea"/>
+        <a:cs typeface="+mn-cs"/>
+      </a:defRPr>
+    </a:lvl2pPr>
+    <a:lvl3pPr marL="914400" algn="l" defTabSz="914400" rtl="0" eaLnBrk="1" latinLnBrk="0" hangingPunct="1">
+      <a:defRPr sz="1200" kern="1200">
+        <a:solidFill>
+          <a:schemeClr val="tx1"/>
+        </a:solidFill>
+        <a:latin typeface="+mn-lt"/>
+        <a:ea typeface="+mn-ea"/>
+        <a:cs typeface="+mn-cs"/>
+      </a:defRPr>
+    </a:lvl3pPr>
+    <a:lvl4pPr marL="1371600" algn="l" defTabSz="914400" rtl="0" eaLnBrk="1" latinLnBrk="0" hangingPunct="1">
+      <a:defRPr sz="1200" kern="1200">
+        <a:solidFill>
+          <a:schemeClr val="tx1"/>
+        </a:solidFill>
+        <a:latin typeface="+mn-lt"/>
+        <a:ea typeface="+mn-ea"/>
+        <a:cs typeface="+mn-cs"/>
+      </a:defRPr>
+    </a:lvl4pPr>
+    <a:lvl5pPr marL="1828800" algn="l" defTabSz="914400" rtl="0" eaLnBrk="1" latinLnBrk="0" hangingPunct="1">
+      <a:defRPr sz="1200" kern="1200">
+        <a:solidFill>
+          <a:schemeClr val="tx1"/>
+        </a:solidFill>
+        <a:latin typeface="+mn-lt"/>
+        <a:ea typeface="+mn-ea"/>
+        <a:cs typeface="+mn-cs"/>
+      </a:defRPr>
+    </a:lvl5pPr>
+    <a:lvl6pPr marL="2286000" algn="l" defTabSz="914400" rtl="0" eaLnBrk="1" latinLnBrk="0" hangingPunct="1">
+      <a:defRPr sz="1200" kern="1200">
+        <a:solidFill>
+          <a:schemeClr val="tx1"/>
+        </a:solidFill>
+        <a:latin typeface="+mn-lt"/>
+        <a:ea typeface="+mn-ea"/>
+        <a:cs typeface="+mn-cs"/>
+      </a:defRPr>
+    </a:lvl6pPr>
+    <a:lvl7pPr marL="2743200" algn="l" defTabSz="914400" rtl="0" eaLnBrk="1" latinLnBrk="0" hangingPunct="1">
+      <a:defRPr sz="1200" kern="1200">
+        <a:solidFill>
+          <a:schemeClr val="tx1"/>
+        </a:solidFill>
+        <a:latin typeface="+mn-lt"/>
+        <a:ea typeface="+mn-ea"/>
+        <a:cs typeface="+mn-cs"/>
+      </a:defRPr>
+    </a:lvl7pPr>
+    <a:lvl8pPr marL="3200400" algn="l" defTabSz="914400" rtl="0" eaLnBrk="1" latinLnBrk="0" hangingPunct="1">
+      <a:defRPr sz="1200" kern="1200">
+        <a:solidFill>
+          <a:schemeClr val="tx1"/>
+        </a:solidFill>
+        <a:latin typeface="+mn-lt"/>
+        <a:ea typeface="+mn-ea"/>
+        <a:cs typeface="+mn-cs"/>
+      </a:defRPr>
+    </a:lvl8pPr>
+    <a:lvl9pPr marL="3657600" algn="l" defTabSz="914400" rtl="0" eaLnBrk="1" latinLnBrk="0" hangingPunct="1">
+      <a:defRPr sz="1200" kern="1200">
+        <a:solidFill>
+          <a:schemeClr val="tx1"/>
+        </a:solidFill>
+        <a:latin typeface="+mn-lt"/>
+        <a:ea typeface="+mn-ea"/>
+        <a:cs typeface="+mn-cs"/>
+      </a:defRPr>
+    </a:lvl9pPr>
+  </p:notesStyle>
+</p:notesMaster>
+</file>
+
+<file path=ppt/notesSlides/notesSlide1.xml><?xml version="1.0" encoding="utf-8"?>
+<p:notes xmlns:a="http://schemas.openxmlformats.org/drawingml/2006/main" xmlns:r="http://schemas.openxmlformats.org/officeDocument/2006/relationships" xmlns:p="http://schemas.openxmlformats.org/presentationml/2006/main">
+  <p:cSld>
+    <p:spTree>
+      <p:nvGrpSpPr>
+        <p:cNvPr id="1" name=""/>
+        <p:cNvGrpSpPr/>
+        <p:nvPr/>
+      </p:nvGrpSpPr>
+      <p:grpSpPr>
+        <a:xfrm>
+          <a:off x="0" y="0"/>
+          <a:ext cx="0" cy="0"/>
+          <a:chOff x="0" y="0"/>
+          <a:chExt cx="0" cy="0"/>
+        </a:xfrm>
+      </p:grpSpPr>
+      <p:sp>
+        <p:nvSpPr>
+          <p:cNvPr id="2" name="Slide Image Placeholder 1"/>
+          <p:cNvSpPr>
+            <a:spLocks noGrp="1" noRot="1" noChangeAspect="1"/>
+          </p:cNvSpPr>
+          <p:nvPr>
+            <p:ph type="sldImg"/>
+          </p:nvPr>
+        </p:nvSpPr>
+        <p:spPr/>
+      </p:sp>
+      <mc:AlternateContent xmlns:mc="http://schemas.openxmlformats.org/markup-compatibility/2006">
+        <mc:Choice xmlns:a14="http://schemas.microsoft.com/office/drawing/2010/main" Requires="a14">
+          <p:sp>
+            <p:nvSpPr>
+              <p:cNvPr id="3" name="Notes Placeholder 2"/>
+              <p:cNvSpPr>
+                <a:spLocks noGrp="1"/>
+              </p:cNvSpPr>
+              <p:nvPr>
+                <p:ph type="body" idx="1"/>
+              </p:nvPr>
+            </p:nvSpPr>
+            <p:spPr/>
+            <p:txBody>
+              <a:bodyPr/>
+              <a:lstStyle/>
+              <a:p>
+                <a:r>
+                  <a:rPr lang="nl-BE" sz="1200" dirty="0" smtClean="0"/>
+                  <a:t> Gevonden vergelijking: </a:t>
+                </a:r>
+                <a14:m>
+                  <m:oMath xmlns:m="http://schemas.openxmlformats.org/officeDocument/2006/math">
+                    <m:sSup>
+                      <m:sSupPr>
+                        <m:ctrlPr>
+                          <a:rPr lang="nl-BE" sz="1200" b="0" i="1" smtClean="0">
+                            <a:latin typeface="Cambria Math" panose="02040503050406030204" pitchFamily="18" charset="0"/>
+                          </a:rPr>
+                        </m:ctrlPr>
+                      </m:sSupPr>
+                      <m:e>
+                        <m:r>
+                          <a:rPr lang="nl-BE" sz="1200">
+                            <a:latin typeface="Cambria Math" panose="02040503050406030204" pitchFamily="18" charset="0"/>
+                          </a:rPr>
+                          <m:t>(</m:t>
+                        </m:r>
+                        <m:r>
+                          <a:rPr lang="nl-BE" sz="1200" i="1">
+                            <a:latin typeface="Cambria Math" panose="02040503050406030204" pitchFamily="18" charset="0"/>
+                          </a:rPr>
+                          <m:t>𝑋</m:t>
+                        </m:r>
+                        <m:r>
+                          <a:rPr lang="nl-BE" sz="1200" i="1">
+                            <a:latin typeface="Cambria Math" panose="02040503050406030204" pitchFamily="18" charset="0"/>
+                          </a:rPr>
+                          <m:t>1 ∗</m:t>
+                        </m:r>
+                        <m:r>
+                          <a:rPr lang="nl-BE" sz="1200" i="1">
+                            <a:latin typeface="Cambria Math" panose="02040503050406030204" pitchFamily="18" charset="0"/>
+                          </a:rPr>
+                          <m:t>𝑋</m:t>
+                        </m:r>
+                        <m:r>
+                          <a:rPr lang="nl-BE" sz="1200" i="1">
+                            <a:latin typeface="Cambria Math" panose="02040503050406030204" pitchFamily="18" charset="0"/>
+                          </a:rPr>
+                          <m:t>2)</m:t>
+                        </m:r>
+                      </m:e>
+                      <m:sup>
+                        <m:r>
+                          <a:rPr lang="nl-BE" sz="1200" b="0" i="1" smtClean="0">
+                            <a:latin typeface="Cambria Math" panose="02040503050406030204" pitchFamily="18" charset="0"/>
+                          </a:rPr>
+                          <m:t>𝑋</m:t>
+                        </m:r>
+                        <m:r>
+                          <a:rPr lang="nl-BE" sz="1200" b="0" i="1" smtClean="0">
+                            <a:latin typeface="Cambria Math" panose="02040503050406030204" pitchFamily="18" charset="0"/>
+                          </a:rPr>
+                          <m:t>3</m:t>
+                        </m:r>
+                      </m:sup>
+                    </m:sSup>
+                  </m:oMath>
+                </a14:m>
+                <a:endParaRPr lang="en-US" dirty="0" smtClean="0"/>
+              </a:p>
+              <a:p>
+                <a:r>
+                  <a:rPr lang="nl-BE" dirty="0" smtClean="0"/>
+                  <a:t>Flash </a:t>
+                </a:r>
+                <a:r>
+                  <a:rPr lang="nl-BE" dirty="0" err="1" smtClean="0"/>
+                  <a:t>fill</a:t>
+                </a:r>
+                <a:r>
+                  <a:rPr lang="nl-BE" dirty="0" smtClean="0"/>
+                  <a:t> log</a:t>
+                </a:r>
+                <a:r>
+                  <a:rPr lang="nl-BE" baseline="0" dirty="0" smtClean="0"/>
+                  <a:t>o mooier!</a:t>
+                </a:r>
+                <a:endParaRPr lang="en-US" dirty="0"/>
+              </a:p>
+            </p:txBody>
+          </p:sp>
+        </mc:Choice>
+        <mc:Fallback>
+          <p:sp>
+            <p:nvSpPr>
+              <p:cNvPr id="3" name="Notes Placeholder 2"/>
+              <p:cNvSpPr>
+                <a:spLocks noGrp="1"/>
+              </p:cNvSpPr>
+              <p:nvPr>
+                <p:ph type="body" idx="1"/>
+              </p:nvPr>
+            </p:nvSpPr>
+            <p:spPr/>
+            <p:txBody>
+              <a:bodyPr/>
+              <a:lstStyle/>
+              <a:p>
+                <a:r>
+                  <a:rPr lang="nl-BE" sz="1200" dirty="0" smtClean="0"/>
+                  <a:t> Gevonden vergelijking: </a:t>
+                </a:r>
+                <a:r>
+                  <a:rPr lang="nl-BE" sz="1200" b="0" i="0" smtClean="0">
+                    <a:latin typeface="Cambria Math" panose="02040503050406030204" pitchFamily="18" charset="0"/>
+                  </a:rPr>
+                  <a:t>〖</a:t>
+                </a:r>
+                <a:r>
+                  <a:rPr lang="nl-BE" sz="1200" i="0">
+                    <a:latin typeface="Cambria Math" panose="02040503050406030204" pitchFamily="18" charset="0"/>
+                  </a:rPr>
+                  <a:t>(𝑋1 ∗𝑋2)</a:t>
+                </a:r>
+                <a:r>
+                  <a:rPr lang="nl-BE" sz="1200" b="0" i="0" smtClean="0">
+                    <a:latin typeface="Cambria Math" panose="02040503050406030204" pitchFamily="18" charset="0"/>
+                  </a:rPr>
+                  <a:t>〗^𝑋3</a:t>
+                </a:r>
+                <a:endParaRPr lang="en-US" dirty="0" smtClean="0"/>
+              </a:p>
+              <a:p>
+                <a:r>
+                  <a:rPr lang="nl-BE" dirty="0" smtClean="0"/>
+                  <a:t>Flash </a:t>
+                </a:r>
+                <a:r>
+                  <a:rPr lang="nl-BE" dirty="0" err="1" smtClean="0"/>
+                  <a:t>fill</a:t>
+                </a:r>
+                <a:r>
+                  <a:rPr lang="nl-BE" dirty="0" smtClean="0"/>
+                  <a:t> log</a:t>
+                </a:r>
+                <a:r>
+                  <a:rPr lang="nl-BE" baseline="0" dirty="0" smtClean="0"/>
+                  <a:t>o mooier!</a:t>
+                </a:r>
+                <a:endParaRPr lang="en-US" dirty="0"/>
+              </a:p>
+            </p:txBody>
+          </p:sp>
+        </mc:Fallback>
+      </mc:AlternateContent>
+      <p:sp>
+        <p:nvSpPr>
+          <p:cNvPr id="4" name="Slide Number Placeholder 3"/>
+          <p:cNvSpPr>
+            <a:spLocks noGrp="1"/>
+          </p:cNvSpPr>
+          <p:nvPr>
+            <p:ph type="sldNum" sz="quarter" idx="10"/>
+          </p:nvPr>
+        </p:nvSpPr>
+        <p:spPr/>
+        <p:txBody>
+          <a:bodyPr/>
+          <a:lstStyle/>
+          <a:p>
+            <a:fld id="{4E765FFB-E928-41F7-9C48-EAAB8C6B32DB}" type="slidenum">
+              <a:rPr lang="en-US" smtClean="0"/>
+              <a:t>5</a:t>
+            </a:fld>
+            <a:endParaRPr lang="en-US"/>
+          </a:p>
+        </p:txBody>
+      </p:sp>
+    </p:spTree>
+    <p:extLst>
+      <p:ext uri="{BB962C8B-B14F-4D97-AF65-F5344CB8AC3E}">
+        <p14:creationId xmlns:p14="http://schemas.microsoft.com/office/powerpoint/2010/main" val="2657191854"/>
+      </p:ext>
+    </p:extLst>
+  </p:cSld>
+  <p:clrMapOvr>
+    <a:masterClrMapping/>
+  </p:clrMapOvr>
+</p:notes>
+</file>
+
+<file path=ppt/notesSlides/notesSlide10.xml><?xml version="1.0" encoding="utf-8"?>
+<p:notes xmlns:a="http://schemas.openxmlformats.org/drawingml/2006/main" xmlns:r="http://schemas.openxmlformats.org/officeDocument/2006/relationships" xmlns:p="http://schemas.openxmlformats.org/presentationml/2006/main">
+  <p:cSld>
+    <p:spTree>
+      <p:nvGrpSpPr>
+        <p:cNvPr id="1" name=""/>
+        <p:cNvGrpSpPr/>
+        <p:nvPr/>
+      </p:nvGrpSpPr>
+      <p:grpSpPr>
+        <a:xfrm>
+          <a:off x="0" y="0"/>
+          <a:ext cx="0" cy="0"/>
+          <a:chOff x="0" y="0"/>
+          <a:chExt cx="0" cy="0"/>
+        </a:xfrm>
+      </p:grpSpPr>
+      <p:sp>
+        <p:nvSpPr>
+          <p:cNvPr id="2" name="Slide Image Placeholder 1"/>
+          <p:cNvSpPr>
+            <a:spLocks noGrp="1" noRot="1" noChangeAspect="1"/>
+          </p:cNvSpPr>
+          <p:nvPr>
+            <p:ph type="sldImg"/>
+          </p:nvPr>
+        </p:nvSpPr>
+        <p:spPr/>
+      </p:sp>
+      <p:sp>
+        <p:nvSpPr>
+          <p:cNvPr id="3" name="Notes Placeholder 2"/>
+          <p:cNvSpPr>
+            <a:spLocks noGrp="1"/>
+          </p:cNvSpPr>
+          <p:nvPr>
+            <p:ph type="body" idx="1"/>
+          </p:nvPr>
+        </p:nvSpPr>
+        <p:spPr/>
+        <p:txBody>
+          <a:bodyPr/>
+          <a:lstStyle/>
+          <a:p>
+            <a:r>
+              <a:rPr lang="nl-BE" dirty="0" smtClean="0"/>
+              <a:t>Bedankt</a:t>
+            </a:r>
+            <a:r>
+              <a:rPr lang="nl-BE" baseline="0" dirty="0" smtClean="0"/>
+              <a:t> voor </a:t>
+            </a:r>
+            <a:r>
+              <a:rPr lang="nl-BE" baseline="0" smtClean="0"/>
+              <a:t>u aandacht?</a:t>
+            </a:r>
+            <a:endParaRPr lang="en-US"/>
+          </a:p>
+        </p:txBody>
+      </p:sp>
+      <p:sp>
+        <p:nvSpPr>
+          <p:cNvPr id="4" name="Slide Number Placeholder 3"/>
+          <p:cNvSpPr>
+            <a:spLocks noGrp="1"/>
+          </p:cNvSpPr>
+          <p:nvPr>
+            <p:ph type="sldNum" sz="quarter" idx="10"/>
+          </p:nvPr>
+        </p:nvSpPr>
+        <p:spPr/>
+        <p:txBody>
+          <a:bodyPr/>
+          <a:lstStyle/>
+          <a:p>
+            <a:fld id="{4E765FFB-E928-41F7-9C48-EAAB8C6B32DB}" type="slidenum">
+              <a:rPr lang="en-US" smtClean="0"/>
+              <a:t>24</a:t>
+            </a:fld>
+            <a:endParaRPr lang="en-US"/>
+          </a:p>
+        </p:txBody>
+      </p:sp>
+    </p:spTree>
+    <p:extLst>
+      <p:ext uri="{BB962C8B-B14F-4D97-AF65-F5344CB8AC3E}">
+        <p14:creationId xmlns:p14="http://schemas.microsoft.com/office/powerpoint/2010/main" val="2419712584"/>
+      </p:ext>
+    </p:extLst>
+  </p:cSld>
+  <p:clrMapOvr>
+    <a:masterClrMapping/>
+  </p:clrMapOvr>
+</p:notes>
+</file>
+
+<file path=ppt/notesSlides/notesSlide2.xml><?xml version="1.0" encoding="utf-8"?>
+<p:notes xmlns:a="http://schemas.openxmlformats.org/drawingml/2006/main" xmlns:r="http://schemas.openxmlformats.org/officeDocument/2006/relationships" xmlns:p="http://schemas.openxmlformats.org/presentationml/2006/main">
+  <p:cSld>
+    <p:spTree>
+      <p:nvGrpSpPr>
+        <p:cNvPr id="1" name=""/>
+        <p:cNvGrpSpPr/>
+        <p:nvPr/>
+      </p:nvGrpSpPr>
+      <p:grpSpPr>
+        <a:xfrm>
+          <a:off x="0" y="0"/>
+          <a:ext cx="0" cy="0"/>
+          <a:chOff x="0" y="0"/>
+          <a:chExt cx="0" cy="0"/>
+        </a:xfrm>
+      </p:grpSpPr>
+      <p:sp>
+        <p:nvSpPr>
+          <p:cNvPr id="2" name="Slide Image Placeholder 1"/>
+          <p:cNvSpPr>
+            <a:spLocks noGrp="1" noRot="1" noChangeAspect="1"/>
+          </p:cNvSpPr>
+          <p:nvPr>
+            <p:ph type="sldImg"/>
+          </p:nvPr>
+        </p:nvSpPr>
+        <p:spPr/>
+      </p:sp>
+      <p:sp>
+        <p:nvSpPr>
+          <p:cNvPr id="3" name="Notes Placeholder 2"/>
+          <p:cNvSpPr>
+            <a:spLocks noGrp="1"/>
+          </p:cNvSpPr>
+          <p:nvPr>
+            <p:ph type="body" idx="1"/>
+          </p:nvPr>
+        </p:nvSpPr>
+        <p:spPr/>
+        <p:txBody>
+          <a:bodyPr/>
+          <a:lstStyle/>
+          <a:p>
+            <a:pPr eaLnBrk="1" hangingPunct="1">
+              <a:defRPr/>
+            </a:pPr>
+            <a:r>
+              <a:rPr lang="en-US" dirty="0" smtClean="0">
+                <a:latin typeface="Helvetica" charset="0"/>
+                <a:ea typeface="ＭＳ Ｐゴシック" charset="0"/>
+                <a:cs typeface="Helvetica" charset="0"/>
+                <a:sym typeface="Helvetica" charset="0"/>
+              </a:rPr>
+              <a:t>make the focus statement visually, e.g., by adding a frame around the corresponding text, or an arrow pointing to it</a:t>
+            </a:r>
+          </a:p>
+          <a:p>
+            <a:pPr eaLnBrk="1" hangingPunct="1">
+              <a:defRPr/>
+            </a:pPr>
+            <a:endParaRPr lang="en-US" dirty="0" smtClean="0">
+              <a:latin typeface="Helvetica" charset="0"/>
+              <a:ea typeface="ＭＳ Ｐゴシック" charset="0"/>
+              <a:cs typeface="Helvetica" charset="0"/>
+              <a:sym typeface="Helvetica" charset="0"/>
+            </a:endParaRPr>
+          </a:p>
+          <a:p>
+            <a:pPr eaLnBrk="1" hangingPunct="1">
+              <a:defRPr/>
+            </a:pPr>
+            <a:r>
+              <a:rPr lang="en-US" dirty="0" smtClean="0">
+                <a:latin typeface="Helvetica" charset="0"/>
+                <a:ea typeface="ＭＳ Ｐゴシック" charset="0"/>
+                <a:cs typeface="Helvetica" charset="0"/>
+                <a:sym typeface="Helvetica" charset="0"/>
+              </a:rPr>
+              <a:t>what are you comparing? not clear from this slide -&gt; e.g., make the title more specific </a:t>
+            </a:r>
+          </a:p>
+          <a:p>
+            <a:pPr eaLnBrk="1" hangingPunct="1">
+              <a:defRPr/>
+            </a:pPr>
+            <a:endParaRPr lang="en-US" dirty="0" smtClean="0">
+              <a:latin typeface="Helvetica" charset="0"/>
+              <a:ea typeface="ＭＳ Ｐゴシック" charset="0"/>
+              <a:cs typeface="Helvetica" charset="0"/>
+              <a:sym typeface="Helvetica" charset="0"/>
+            </a:endParaRPr>
+          </a:p>
+          <a:p>
+            <a:pPr eaLnBrk="1" hangingPunct="1">
+              <a:defRPr/>
+            </a:pPr>
+            <a:r>
+              <a:rPr lang="en-US" dirty="0" smtClean="0">
+                <a:latin typeface="Helvetica" charset="0"/>
+                <a:ea typeface="ＭＳ Ｐゴシック" charset="0"/>
+                <a:cs typeface="Helvetica" charset="0"/>
+                <a:sym typeface="Helvetica" charset="0"/>
+              </a:rPr>
+              <a:t>mention an example for each type</a:t>
+            </a:r>
+          </a:p>
+          <a:p>
+            <a:endParaRPr lang="en-US" dirty="0"/>
+          </a:p>
+        </p:txBody>
+      </p:sp>
+      <p:sp>
+        <p:nvSpPr>
+          <p:cNvPr id="4" name="Slide Number Placeholder 3"/>
+          <p:cNvSpPr>
+            <a:spLocks noGrp="1"/>
+          </p:cNvSpPr>
+          <p:nvPr>
+            <p:ph type="sldNum" sz="quarter" idx="10"/>
+          </p:nvPr>
+        </p:nvSpPr>
+        <p:spPr/>
+        <p:txBody>
+          <a:bodyPr/>
+          <a:lstStyle/>
+          <a:p>
+            <a:fld id="{4E765FFB-E928-41F7-9C48-EAAB8C6B32DB}" type="slidenum">
+              <a:rPr lang="en-US" smtClean="0"/>
+              <a:t>7</a:t>
+            </a:fld>
+            <a:endParaRPr lang="en-US"/>
+          </a:p>
+        </p:txBody>
+      </p:sp>
+    </p:spTree>
+    <p:extLst>
+      <p:ext uri="{BB962C8B-B14F-4D97-AF65-F5344CB8AC3E}">
+        <p14:creationId xmlns:p14="http://schemas.microsoft.com/office/powerpoint/2010/main" val="657431453"/>
+      </p:ext>
+    </p:extLst>
+  </p:cSld>
+  <p:clrMapOvr>
+    <a:masterClrMapping/>
+  </p:clrMapOvr>
+</p:notes>
+</file>
+
+<file path=ppt/notesSlides/notesSlide3.xml><?xml version="1.0" encoding="utf-8"?>
+<p:notes xmlns:a="http://schemas.openxmlformats.org/drawingml/2006/main" xmlns:r="http://schemas.openxmlformats.org/officeDocument/2006/relationships" xmlns:p="http://schemas.openxmlformats.org/presentationml/2006/main">
+  <p:cSld>
+    <p:spTree>
+      <p:nvGrpSpPr>
+        <p:cNvPr id="1" name=""/>
+        <p:cNvGrpSpPr/>
+        <p:nvPr/>
+      </p:nvGrpSpPr>
+      <p:grpSpPr>
+        <a:xfrm>
+          <a:off x="0" y="0"/>
+          <a:ext cx="0" cy="0"/>
+          <a:chOff x="0" y="0"/>
+          <a:chExt cx="0" cy="0"/>
+        </a:xfrm>
+      </p:grpSpPr>
+      <p:sp>
+        <p:nvSpPr>
+          <p:cNvPr id="2" name="Slide Image Placeholder 1"/>
+          <p:cNvSpPr>
+            <a:spLocks noGrp="1" noRot="1" noChangeAspect="1"/>
+          </p:cNvSpPr>
+          <p:nvPr>
+            <p:ph type="sldImg"/>
+          </p:nvPr>
+        </p:nvSpPr>
+        <p:spPr/>
+      </p:sp>
+      <p:sp>
+        <p:nvSpPr>
+          <p:cNvPr id="3" name="Notes Placeholder 2"/>
+          <p:cNvSpPr>
+            <a:spLocks noGrp="1"/>
+          </p:cNvSpPr>
+          <p:nvPr>
+            <p:ph type="body" idx="1"/>
+          </p:nvPr>
+        </p:nvSpPr>
+        <p:spPr/>
+        <p:txBody>
+          <a:bodyPr/>
+          <a:lstStyle/>
+          <a:p>
+            <a:r>
+              <a:rPr lang="nl-BE" dirty="0" smtClean="0"/>
+              <a:t>Bron</a:t>
+            </a:r>
+            <a:endParaRPr lang="en-US" dirty="0"/>
+          </a:p>
+        </p:txBody>
+      </p:sp>
+      <p:sp>
+        <p:nvSpPr>
+          <p:cNvPr id="4" name="Slide Number Placeholder 3"/>
+          <p:cNvSpPr>
+            <a:spLocks noGrp="1"/>
+          </p:cNvSpPr>
+          <p:nvPr>
+            <p:ph type="sldNum" sz="quarter" idx="10"/>
+          </p:nvPr>
+        </p:nvSpPr>
+        <p:spPr/>
+        <p:txBody>
+          <a:bodyPr/>
+          <a:lstStyle/>
+          <a:p>
+            <a:fld id="{4E765FFB-E928-41F7-9C48-EAAB8C6B32DB}" type="slidenum">
+              <a:rPr lang="en-US" smtClean="0"/>
+              <a:t>13</a:t>
+            </a:fld>
+            <a:endParaRPr lang="en-US"/>
+          </a:p>
+        </p:txBody>
+      </p:sp>
+    </p:spTree>
+    <p:extLst>
+      <p:ext uri="{BB962C8B-B14F-4D97-AF65-F5344CB8AC3E}">
+        <p14:creationId xmlns:p14="http://schemas.microsoft.com/office/powerpoint/2010/main" val="3524843601"/>
+      </p:ext>
+    </p:extLst>
+  </p:cSld>
+  <p:clrMapOvr>
+    <a:masterClrMapping/>
+  </p:clrMapOvr>
+</p:notes>
+</file>
+
+<file path=ppt/notesSlides/notesSlide4.xml><?xml version="1.0" encoding="utf-8"?>
+<p:notes xmlns:a="http://schemas.openxmlformats.org/drawingml/2006/main" xmlns:r="http://schemas.openxmlformats.org/officeDocument/2006/relationships" xmlns:p="http://schemas.openxmlformats.org/presentationml/2006/main">
+  <p:cSld>
+    <p:spTree>
+      <p:nvGrpSpPr>
+        <p:cNvPr id="1" name=""/>
+        <p:cNvGrpSpPr/>
+        <p:nvPr/>
+      </p:nvGrpSpPr>
+      <p:grpSpPr>
+        <a:xfrm>
+          <a:off x="0" y="0"/>
+          <a:ext cx="0" cy="0"/>
+          <a:chOff x="0" y="0"/>
+          <a:chExt cx="0" cy="0"/>
+        </a:xfrm>
+      </p:grpSpPr>
+      <p:sp>
+        <p:nvSpPr>
+          <p:cNvPr id="2" name="Slide Image Placeholder 1"/>
+          <p:cNvSpPr>
+            <a:spLocks noGrp="1" noRot="1" noChangeAspect="1"/>
+          </p:cNvSpPr>
+          <p:nvPr>
+            <p:ph type="sldImg"/>
+          </p:nvPr>
+        </p:nvSpPr>
+        <p:spPr/>
+      </p:sp>
+      <p:sp>
+        <p:nvSpPr>
+          <p:cNvPr id="3" name="Notes Placeholder 2"/>
+          <p:cNvSpPr>
+            <a:spLocks noGrp="1"/>
+          </p:cNvSpPr>
+          <p:nvPr>
+            <p:ph type="body" idx="1"/>
+          </p:nvPr>
+        </p:nvSpPr>
+        <p:spPr/>
+        <p:txBody>
+          <a:bodyPr/>
+          <a:lstStyle/>
+          <a:p>
+            <a:pPr marL="0" marR="0" indent="0" algn="l" defTabSz="914400" rtl="0" eaLnBrk="1" fontAlgn="auto" latinLnBrk="0" hangingPunct="1">
+              <a:lnSpc>
+                <a:spcPct val="100000"/>
+              </a:lnSpc>
+              <a:spcBef>
+                <a:spcPts val="0"/>
+              </a:spcBef>
+              <a:spcAft>
+                <a:spcPts val="0"/>
+              </a:spcAft>
+              <a:buClrTx/>
+              <a:buSzTx/>
+              <a:buFontTx/>
+              <a:buNone/>
+              <a:tabLst/>
+              <a:defRPr/>
+            </a:pPr>
+            <a:r>
+              <a:rPr lang="en-US" dirty="0" smtClean="0">
+                <a:latin typeface="Helvetica" charset="0"/>
+                <a:ea typeface="ＭＳ Ｐゴシック" charset="0"/>
+                <a:cs typeface="Helvetica" charset="0"/>
+                <a:sym typeface="Helvetica" charset="0"/>
+              </a:rPr>
+              <a:t>this slide and the following two will very much depend on what you are saying; from the text alone, I have no idea what the point you want to make here is</a:t>
+            </a:r>
+          </a:p>
+        </p:txBody>
+      </p:sp>
+      <p:sp>
+        <p:nvSpPr>
+          <p:cNvPr id="4" name="Slide Number Placeholder 3"/>
+          <p:cNvSpPr>
+            <a:spLocks noGrp="1"/>
+          </p:cNvSpPr>
+          <p:nvPr>
+            <p:ph type="sldNum" sz="quarter" idx="10"/>
+          </p:nvPr>
+        </p:nvSpPr>
+        <p:spPr/>
+        <p:txBody>
+          <a:bodyPr/>
+          <a:lstStyle/>
+          <a:p>
+            <a:fld id="{4E765FFB-E928-41F7-9C48-EAAB8C6B32DB}" type="slidenum">
+              <a:rPr lang="en-US" smtClean="0"/>
+              <a:t>14</a:t>
+            </a:fld>
+            <a:endParaRPr lang="en-US"/>
+          </a:p>
+        </p:txBody>
+      </p:sp>
+    </p:spTree>
+    <p:extLst>
+      <p:ext uri="{BB962C8B-B14F-4D97-AF65-F5344CB8AC3E}">
+        <p14:creationId xmlns:p14="http://schemas.microsoft.com/office/powerpoint/2010/main" val="161280319"/>
+      </p:ext>
+    </p:extLst>
+  </p:cSld>
+  <p:clrMapOvr>
+    <a:masterClrMapping/>
+  </p:clrMapOvr>
+</p:notes>
+</file>
+
+<file path=ppt/notesSlides/notesSlide5.xml><?xml version="1.0" encoding="utf-8"?>
+<p:notes xmlns:a="http://schemas.openxmlformats.org/drawingml/2006/main" xmlns:r="http://schemas.openxmlformats.org/officeDocument/2006/relationships" xmlns:p="http://schemas.openxmlformats.org/presentationml/2006/main">
+  <p:cSld>
+    <p:spTree>
+      <p:nvGrpSpPr>
+        <p:cNvPr id="1" name=""/>
+        <p:cNvGrpSpPr/>
+        <p:nvPr/>
+      </p:nvGrpSpPr>
+      <p:grpSpPr>
+        <a:xfrm>
+          <a:off x="0" y="0"/>
+          <a:ext cx="0" cy="0"/>
+          <a:chOff x="0" y="0"/>
+          <a:chExt cx="0" cy="0"/>
+        </a:xfrm>
+      </p:grpSpPr>
+      <p:sp>
+        <p:nvSpPr>
+          <p:cNvPr id="2" name="Slide Image Placeholder 1"/>
+          <p:cNvSpPr>
+            <a:spLocks noGrp="1" noRot="1" noChangeAspect="1"/>
+          </p:cNvSpPr>
+          <p:nvPr>
+            <p:ph type="sldImg"/>
+          </p:nvPr>
+        </p:nvSpPr>
+        <p:spPr/>
+      </p:sp>
+      <p:sp>
+        <p:nvSpPr>
+          <p:cNvPr id="3" name="Notes Placeholder 2"/>
+          <p:cNvSpPr>
+            <a:spLocks noGrp="1"/>
+          </p:cNvSpPr>
+          <p:nvPr>
+            <p:ph type="body" idx="1"/>
+          </p:nvPr>
+        </p:nvSpPr>
+        <p:spPr/>
+        <p:txBody>
+          <a:bodyPr/>
+          <a:lstStyle/>
+          <a:p>
+            <a:endParaRPr lang="en-US" dirty="0"/>
+          </a:p>
+        </p:txBody>
+      </p:sp>
+      <p:sp>
+        <p:nvSpPr>
+          <p:cNvPr id="4" name="Slide Number Placeholder 3"/>
+          <p:cNvSpPr>
+            <a:spLocks noGrp="1"/>
+          </p:cNvSpPr>
+          <p:nvPr>
+            <p:ph type="sldNum" sz="quarter" idx="10"/>
+          </p:nvPr>
+        </p:nvSpPr>
+        <p:spPr/>
+        <p:txBody>
+          <a:bodyPr/>
+          <a:lstStyle/>
+          <a:p>
+            <a:fld id="{4E765FFB-E928-41F7-9C48-EAAB8C6B32DB}" type="slidenum">
+              <a:rPr lang="en-US" smtClean="0"/>
+              <a:t>15</a:t>
+            </a:fld>
+            <a:endParaRPr lang="en-US"/>
+          </a:p>
+        </p:txBody>
+      </p:sp>
+    </p:spTree>
+    <p:extLst>
+      <p:ext uri="{BB962C8B-B14F-4D97-AF65-F5344CB8AC3E}">
+        <p14:creationId xmlns:p14="http://schemas.microsoft.com/office/powerpoint/2010/main" val="2519410006"/>
+      </p:ext>
+    </p:extLst>
+  </p:cSld>
+  <p:clrMapOvr>
+    <a:masterClrMapping/>
+  </p:clrMapOvr>
+</p:notes>
+</file>
+
+<file path=ppt/notesSlides/notesSlide6.xml><?xml version="1.0" encoding="utf-8"?>
+<p:notes xmlns:a="http://schemas.openxmlformats.org/drawingml/2006/main" xmlns:r="http://schemas.openxmlformats.org/officeDocument/2006/relationships" xmlns:p="http://schemas.openxmlformats.org/presentationml/2006/main">
+  <p:cSld>
+    <p:spTree>
+      <p:nvGrpSpPr>
+        <p:cNvPr id="1" name=""/>
+        <p:cNvGrpSpPr/>
+        <p:nvPr/>
+      </p:nvGrpSpPr>
+      <p:grpSpPr>
+        <a:xfrm>
+          <a:off x="0" y="0"/>
+          <a:ext cx="0" cy="0"/>
+          <a:chOff x="0" y="0"/>
+          <a:chExt cx="0" cy="0"/>
+        </a:xfrm>
+      </p:grpSpPr>
+      <p:sp>
+        <p:nvSpPr>
+          <p:cNvPr id="2" name="Slide Image Placeholder 1"/>
+          <p:cNvSpPr>
+            <a:spLocks noGrp="1" noRot="1" noChangeAspect="1"/>
+          </p:cNvSpPr>
+          <p:nvPr>
+            <p:ph type="sldImg"/>
+          </p:nvPr>
+        </p:nvSpPr>
+        <p:spPr/>
+      </p:sp>
+      <p:sp>
+        <p:nvSpPr>
+          <p:cNvPr id="3" name="Notes Placeholder 2"/>
+          <p:cNvSpPr>
+            <a:spLocks noGrp="1"/>
+          </p:cNvSpPr>
+          <p:nvPr>
+            <p:ph type="body" idx="1"/>
+          </p:nvPr>
+        </p:nvSpPr>
+        <p:spPr/>
+        <p:txBody>
+          <a:bodyPr/>
+          <a:lstStyle/>
+          <a:p>
+            <a:r>
+              <a:rPr lang="nl-BE" dirty="0" smtClean="0"/>
+              <a:t>Bron</a:t>
+            </a:r>
+            <a:endParaRPr lang="en-US" dirty="0"/>
+          </a:p>
+        </p:txBody>
+      </p:sp>
+      <p:sp>
+        <p:nvSpPr>
+          <p:cNvPr id="4" name="Slide Number Placeholder 3"/>
+          <p:cNvSpPr>
+            <a:spLocks noGrp="1"/>
+          </p:cNvSpPr>
+          <p:nvPr>
+            <p:ph type="sldNum" sz="quarter" idx="10"/>
+          </p:nvPr>
+        </p:nvSpPr>
+        <p:spPr/>
+        <p:txBody>
+          <a:bodyPr/>
+          <a:lstStyle/>
+          <a:p>
+            <a:fld id="{4E765FFB-E928-41F7-9C48-EAAB8C6B32DB}" type="slidenum">
+              <a:rPr lang="en-US" smtClean="0"/>
+              <a:t>16</a:t>
+            </a:fld>
+            <a:endParaRPr lang="en-US"/>
+          </a:p>
+        </p:txBody>
+      </p:sp>
+    </p:spTree>
+    <p:extLst>
+      <p:ext uri="{BB962C8B-B14F-4D97-AF65-F5344CB8AC3E}">
+        <p14:creationId xmlns:p14="http://schemas.microsoft.com/office/powerpoint/2010/main" val="329373397"/>
+      </p:ext>
+    </p:extLst>
+  </p:cSld>
+  <p:clrMapOvr>
+    <a:masterClrMapping/>
+  </p:clrMapOvr>
+</p:notes>
+</file>
+
+<file path=ppt/notesSlides/notesSlide7.xml><?xml version="1.0" encoding="utf-8"?>
+<p:notes xmlns:a="http://schemas.openxmlformats.org/drawingml/2006/main" xmlns:r="http://schemas.openxmlformats.org/officeDocument/2006/relationships" xmlns:p="http://schemas.openxmlformats.org/presentationml/2006/main">
+  <p:cSld>
+    <p:spTree>
+      <p:nvGrpSpPr>
+        <p:cNvPr id="1" name=""/>
+        <p:cNvGrpSpPr/>
+        <p:nvPr/>
+      </p:nvGrpSpPr>
+      <p:grpSpPr>
+        <a:xfrm>
+          <a:off x="0" y="0"/>
+          <a:ext cx="0" cy="0"/>
+          <a:chOff x="0" y="0"/>
+          <a:chExt cx="0" cy="0"/>
+        </a:xfrm>
+      </p:grpSpPr>
+      <p:sp>
+        <p:nvSpPr>
+          <p:cNvPr id="2" name="Slide Image Placeholder 1"/>
+          <p:cNvSpPr>
+            <a:spLocks noGrp="1" noRot="1" noChangeAspect="1"/>
+          </p:cNvSpPr>
+          <p:nvPr>
+            <p:ph type="sldImg"/>
+          </p:nvPr>
+        </p:nvSpPr>
+        <p:spPr/>
+      </p:sp>
+      <p:sp>
+        <p:nvSpPr>
+          <p:cNvPr id="3" name="Notes Placeholder 2"/>
+          <p:cNvSpPr>
+            <a:spLocks noGrp="1"/>
+          </p:cNvSpPr>
+          <p:nvPr>
+            <p:ph type="body" idx="1"/>
+          </p:nvPr>
+        </p:nvSpPr>
+        <p:spPr/>
+        <p:txBody>
+          <a:bodyPr/>
+          <a:lstStyle/>
+          <a:p>
+            <a:pPr marL="0" marR="0" indent="0" algn="l" defTabSz="914400" rtl="0" eaLnBrk="1" fontAlgn="auto" latinLnBrk="0" hangingPunct="1">
+              <a:lnSpc>
+                <a:spcPct val="100000"/>
+              </a:lnSpc>
+              <a:spcBef>
+                <a:spcPts val="0"/>
+              </a:spcBef>
+              <a:spcAft>
+                <a:spcPts val="0"/>
+              </a:spcAft>
+              <a:buClrTx/>
+              <a:buSzTx/>
+              <a:buFontTx/>
+              <a:buNone/>
+              <a:tabLst/>
+              <a:defRPr/>
+            </a:pPr>
+            <a:r>
+              <a:rPr lang="en-US" dirty="0" err="1" smtClean="0">
+                <a:latin typeface="Arial" charset="0"/>
+                <a:ea typeface="ＭＳ Ｐゴシック" charset="0"/>
+                <a:cs typeface="Arial" charset="0"/>
+                <a:sym typeface="Arial" charset="0"/>
+              </a:rPr>
+              <a:t>Applicaties</a:t>
+            </a:r>
+            <a:r>
+              <a:rPr lang="en-US" dirty="0" smtClean="0">
+                <a:latin typeface="Arial" charset="0"/>
+                <a:ea typeface="ＭＳ Ｐゴシック" charset="0"/>
+                <a:cs typeface="Arial" charset="0"/>
+                <a:sym typeface="Arial" charset="0"/>
+              </a:rPr>
+              <a:t> </a:t>
+            </a:r>
+            <a:r>
+              <a:rPr lang="en-US" dirty="0" err="1" smtClean="0">
+                <a:latin typeface="Arial" charset="0"/>
+                <a:ea typeface="ＭＳ Ｐゴシック" charset="0"/>
+                <a:cs typeface="Arial" charset="0"/>
+                <a:sym typeface="Arial" charset="0"/>
+              </a:rPr>
+              <a:t>toelichten</a:t>
+            </a:r>
+            <a:r>
+              <a:rPr lang="en-US" dirty="0" smtClean="0">
+                <a:latin typeface="Arial" charset="0"/>
+                <a:ea typeface="ＭＳ Ｐゴシック" charset="0"/>
+                <a:cs typeface="Arial" charset="0"/>
+                <a:sym typeface="Arial" charset="0"/>
+              </a:rPr>
+              <a:t> </a:t>
+            </a:r>
+            <a:r>
+              <a:rPr lang="en-US" dirty="0" err="1" smtClean="0">
+                <a:latin typeface="Arial" charset="0"/>
+                <a:ea typeface="ＭＳ Ｐゴシック" charset="0"/>
+                <a:cs typeface="Arial" charset="0"/>
+                <a:sym typeface="Arial" charset="0"/>
+              </a:rPr>
+              <a:t>tijdens</a:t>
+            </a:r>
+            <a:r>
+              <a:rPr lang="en-US" dirty="0" smtClean="0">
+                <a:latin typeface="Arial" charset="0"/>
+                <a:ea typeface="ＭＳ Ｐゴシック" charset="0"/>
+                <a:cs typeface="Arial" charset="0"/>
+                <a:sym typeface="Arial" charset="0"/>
+              </a:rPr>
+              <a:t> </a:t>
+            </a:r>
+            <a:r>
+              <a:rPr lang="en-US" dirty="0" err="1" smtClean="0">
+                <a:latin typeface="Arial" charset="0"/>
+                <a:ea typeface="ＭＳ Ｐゴシック" charset="0"/>
+                <a:cs typeface="Arial" charset="0"/>
+                <a:sym typeface="Arial" charset="0"/>
+              </a:rPr>
+              <a:t>presentatie</a:t>
+            </a:r>
+            <a:r>
+              <a:rPr lang="en-US" dirty="0" smtClean="0">
+                <a:latin typeface="Arial" charset="0"/>
+                <a:ea typeface="ＭＳ Ｐゴシック" charset="0"/>
+                <a:cs typeface="Arial" charset="0"/>
+                <a:sym typeface="Arial" charset="0"/>
+              </a:rPr>
+              <a:t>!</a:t>
+            </a:r>
+          </a:p>
+        </p:txBody>
+      </p:sp>
+      <p:sp>
+        <p:nvSpPr>
+          <p:cNvPr id="4" name="Slide Number Placeholder 3"/>
+          <p:cNvSpPr>
+            <a:spLocks noGrp="1"/>
+          </p:cNvSpPr>
+          <p:nvPr>
+            <p:ph type="sldNum" sz="quarter" idx="10"/>
+          </p:nvPr>
+        </p:nvSpPr>
+        <p:spPr/>
+        <p:txBody>
+          <a:bodyPr/>
+          <a:lstStyle/>
+          <a:p>
+            <a:fld id="{4E765FFB-E928-41F7-9C48-EAAB8C6B32DB}" type="slidenum">
+              <a:rPr lang="en-US" smtClean="0"/>
+              <a:t>19</a:t>
+            </a:fld>
+            <a:endParaRPr lang="en-US"/>
+          </a:p>
+        </p:txBody>
+      </p:sp>
+    </p:spTree>
+    <p:extLst>
+      <p:ext uri="{BB962C8B-B14F-4D97-AF65-F5344CB8AC3E}">
+        <p14:creationId xmlns:p14="http://schemas.microsoft.com/office/powerpoint/2010/main" val="3878043876"/>
+      </p:ext>
+    </p:extLst>
+  </p:cSld>
+  <p:clrMapOvr>
+    <a:masterClrMapping/>
+  </p:clrMapOvr>
+</p:notes>
+</file>
+
+<file path=ppt/notesSlides/notesSlide8.xml><?xml version="1.0" encoding="utf-8"?>
+<p:notes xmlns:a="http://schemas.openxmlformats.org/drawingml/2006/main" xmlns:r="http://schemas.openxmlformats.org/officeDocument/2006/relationships" xmlns:p="http://schemas.openxmlformats.org/presentationml/2006/main">
+  <p:cSld>
+    <p:spTree>
+      <p:nvGrpSpPr>
+        <p:cNvPr id="1" name=""/>
+        <p:cNvGrpSpPr/>
+        <p:nvPr/>
+      </p:nvGrpSpPr>
+      <p:grpSpPr>
+        <a:xfrm>
+          <a:off x="0" y="0"/>
+          <a:ext cx="0" cy="0"/>
+          <a:chOff x="0" y="0"/>
+          <a:chExt cx="0" cy="0"/>
+        </a:xfrm>
+      </p:grpSpPr>
+      <p:sp>
+        <p:nvSpPr>
+          <p:cNvPr id="2" name="Slide Image Placeholder 1"/>
+          <p:cNvSpPr>
+            <a:spLocks noGrp="1" noRot="1" noChangeAspect="1"/>
+          </p:cNvSpPr>
+          <p:nvPr>
+            <p:ph type="sldImg"/>
+          </p:nvPr>
+        </p:nvSpPr>
+        <p:spPr/>
+      </p:sp>
+      <p:sp>
+        <p:nvSpPr>
+          <p:cNvPr id="3" name="Notes Placeholder 2"/>
+          <p:cNvSpPr>
+            <a:spLocks noGrp="1"/>
+          </p:cNvSpPr>
+          <p:nvPr>
+            <p:ph type="body" idx="1"/>
+          </p:nvPr>
+        </p:nvSpPr>
+        <p:spPr/>
+        <p:txBody>
+          <a:bodyPr/>
+          <a:lstStyle/>
+          <a:p>
+            <a:r>
+              <a:rPr lang="nl-BE" dirty="0" smtClean="0"/>
+              <a:t>Valt definitie te vervangen?</a:t>
+            </a:r>
+            <a:endParaRPr lang="en-US" dirty="0"/>
+          </a:p>
+        </p:txBody>
+      </p:sp>
+      <p:sp>
+        <p:nvSpPr>
+          <p:cNvPr id="4" name="Slide Number Placeholder 3"/>
+          <p:cNvSpPr>
+            <a:spLocks noGrp="1"/>
+          </p:cNvSpPr>
+          <p:nvPr>
+            <p:ph type="sldNum" sz="quarter" idx="10"/>
+          </p:nvPr>
+        </p:nvSpPr>
+        <p:spPr/>
+        <p:txBody>
+          <a:bodyPr/>
+          <a:lstStyle/>
+          <a:p>
+            <a:fld id="{4E765FFB-E928-41F7-9C48-EAAB8C6B32DB}" type="slidenum">
+              <a:rPr lang="en-US" smtClean="0"/>
+              <a:t>20</a:t>
+            </a:fld>
+            <a:endParaRPr lang="en-US"/>
+          </a:p>
+        </p:txBody>
+      </p:sp>
+    </p:spTree>
+    <p:extLst>
+      <p:ext uri="{BB962C8B-B14F-4D97-AF65-F5344CB8AC3E}">
+        <p14:creationId xmlns:p14="http://schemas.microsoft.com/office/powerpoint/2010/main" val="399981581"/>
+      </p:ext>
+    </p:extLst>
+  </p:cSld>
+  <p:clrMapOvr>
+    <a:masterClrMapping/>
+  </p:clrMapOvr>
+</p:notes>
+</file>
+
+<file path=ppt/notesSlides/notesSlide9.xml><?xml version="1.0" encoding="utf-8"?>
+<p:notes xmlns:a="http://schemas.openxmlformats.org/drawingml/2006/main" xmlns:r="http://schemas.openxmlformats.org/officeDocument/2006/relationships" xmlns:p="http://schemas.openxmlformats.org/presentationml/2006/main">
+  <p:cSld>
+    <p:spTree>
+      <p:nvGrpSpPr>
+        <p:cNvPr id="1" name=""/>
+        <p:cNvGrpSpPr/>
+        <p:nvPr/>
+      </p:nvGrpSpPr>
+      <p:grpSpPr>
+        <a:xfrm>
+          <a:off x="0" y="0"/>
+          <a:ext cx="0" cy="0"/>
+          <a:chOff x="0" y="0"/>
+          <a:chExt cx="0" cy="0"/>
+        </a:xfrm>
+      </p:grpSpPr>
+      <p:sp>
+        <p:nvSpPr>
+          <p:cNvPr id="2" name="Slide Image Placeholder 1"/>
+          <p:cNvSpPr>
+            <a:spLocks noGrp="1" noRot="1" noChangeAspect="1"/>
+          </p:cNvSpPr>
+          <p:nvPr>
+            <p:ph type="sldImg"/>
+          </p:nvPr>
+        </p:nvSpPr>
+        <p:spPr/>
+      </p:sp>
+      <p:sp>
+        <p:nvSpPr>
+          <p:cNvPr id="3" name="Notes Placeholder 2"/>
+          <p:cNvSpPr>
+            <a:spLocks noGrp="1"/>
+          </p:cNvSpPr>
+          <p:nvPr>
+            <p:ph type="body" idx="1"/>
+          </p:nvPr>
+        </p:nvSpPr>
+        <p:spPr/>
+        <p:txBody>
+          <a:bodyPr/>
+          <a:lstStyle/>
+          <a:p>
+            <a:pPr marL="0" marR="0" indent="0" algn="l" defTabSz="914400" rtl="0" eaLnBrk="1" fontAlgn="auto" latinLnBrk="0" hangingPunct="1">
+              <a:lnSpc>
+                <a:spcPct val="100000"/>
+              </a:lnSpc>
+              <a:spcBef>
+                <a:spcPts val="0"/>
+              </a:spcBef>
+              <a:spcAft>
+                <a:spcPts val="0"/>
+              </a:spcAft>
+              <a:buClrTx/>
+              <a:buSzTx/>
+              <a:buFontTx/>
+              <a:buNone/>
+              <a:tabLst/>
+              <a:defRPr/>
+            </a:pPr>
+            <a:r>
+              <a:rPr lang="en-US" dirty="0" smtClean="0">
+                <a:latin typeface="Helvetica" charset="0"/>
+                <a:ea typeface="ＭＳ Ｐゴシック" charset="0"/>
+                <a:cs typeface="Helvetica" charset="0"/>
+                <a:sym typeface="Helvetica" charset="0"/>
+              </a:rPr>
+              <a:t>link back to the type of bias this specifies </a:t>
+            </a:r>
+          </a:p>
+          <a:p>
+            <a:endParaRPr lang="en-US" dirty="0"/>
+          </a:p>
+        </p:txBody>
+      </p:sp>
+      <p:sp>
+        <p:nvSpPr>
+          <p:cNvPr id="4" name="Slide Number Placeholder 3"/>
+          <p:cNvSpPr>
+            <a:spLocks noGrp="1"/>
+          </p:cNvSpPr>
+          <p:nvPr>
+            <p:ph type="sldNum" sz="quarter" idx="10"/>
+          </p:nvPr>
+        </p:nvSpPr>
+        <p:spPr/>
+        <p:txBody>
+          <a:bodyPr/>
+          <a:lstStyle/>
+          <a:p>
+            <a:fld id="{4E765FFB-E928-41F7-9C48-EAAB8C6B32DB}" type="slidenum">
+              <a:rPr lang="en-US" smtClean="0"/>
+              <a:t>21</a:t>
+            </a:fld>
+            <a:endParaRPr lang="en-US"/>
+          </a:p>
+        </p:txBody>
+      </p:sp>
+    </p:spTree>
+    <p:extLst>
+      <p:ext uri="{BB962C8B-B14F-4D97-AF65-F5344CB8AC3E}">
+        <p14:creationId xmlns:p14="http://schemas.microsoft.com/office/powerpoint/2010/main" val="232502043"/>
+      </p:ext>
+    </p:extLst>
+  </p:cSld>
+  <p:clrMapOvr>
+    <a:masterClrMapping/>
+  </p:clrMapOvr>
+</p:notes>
+</file>
+
 <file path=ppt/slideLayouts/slideLayout1.xml><?xml version="1.0" encoding="utf-8"?>
 <p:sldLayout xmlns:a="http://schemas.openxmlformats.org/drawingml/2006/main" xmlns:r="http://schemas.openxmlformats.org/officeDocument/2006/relationships" xmlns:p="http://schemas.openxmlformats.org/presentationml/2006/main" showMasterSp="0" type="title" preserve="1">
   <p:cSld name="Title Slide">
@@ -410,7 +1979,7 @@
           <a:p>
             <a:fld id="{19DCFD5E-870D-4395-9E30-B29FE39655A2}" type="datetimeFigureOut">
               <a:rPr lang="nl-BE" smtClean="0"/>
-              <a:t>22/10/2014</a:t>
+              <a:t>24/10/2014</a:t>
             </a:fld>
             <a:endParaRPr lang="nl-BE" dirty="0"/>
           </a:p>
@@ -618,7 +2187,7 @@
           <a:p>
             <a:fld id="{19DCFD5E-870D-4395-9E30-B29FE39655A2}" type="datetimeFigureOut">
               <a:rPr lang="nl-BE" smtClean="0"/>
-              <a:t>22/10/2014</a:t>
+              <a:t>24/10/2014</a:t>
             </a:fld>
             <a:endParaRPr lang="nl-BE" dirty="0"/>
           </a:p>
@@ -874,7 +2443,7 @@
           <a:p>
             <a:fld id="{19DCFD5E-870D-4395-9E30-B29FE39655A2}" type="datetimeFigureOut">
               <a:rPr lang="nl-BE" smtClean="0"/>
-              <a:t>22/10/2014</a:t>
+              <a:t>24/10/2014</a:t>
             </a:fld>
             <a:endParaRPr lang="nl-BE" dirty="0"/>
           </a:p>
@@ -1048,7 +2617,7 @@
           <a:p>
             <a:fld id="{19DCFD5E-870D-4395-9E30-B29FE39655A2}" type="datetimeFigureOut">
               <a:rPr lang="nl-BE" smtClean="0"/>
-              <a:t>22/10/2014</a:t>
+              <a:t>24/10/2014</a:t>
             </a:fld>
             <a:endParaRPr lang="nl-BE" dirty="0"/>
           </a:p>
@@ -1391,7 +2960,7 @@
           <a:p>
             <a:fld id="{19DCFD5E-870D-4395-9E30-B29FE39655A2}" type="datetimeFigureOut">
               <a:rPr lang="nl-BE" smtClean="0"/>
-              <a:t>22/10/2014</a:t>
+              <a:t>24/10/2014</a:t>
             </a:fld>
             <a:endParaRPr lang="nl-BE" dirty="0"/>
           </a:p>
@@ -1666,7 +3235,7 @@
           <a:p>
             <a:fld id="{19DCFD5E-870D-4395-9E30-B29FE39655A2}" type="datetimeFigureOut">
               <a:rPr lang="nl-BE" smtClean="0"/>
-              <a:t>22/10/2014</a:t>
+              <a:t>24/10/2014</a:t>
             </a:fld>
             <a:endParaRPr lang="nl-BE" dirty="0"/>
           </a:p>
@@ -2045,7 +3614,7 @@
           <a:p>
             <a:fld id="{19DCFD5E-870D-4395-9E30-B29FE39655A2}" type="datetimeFigureOut">
               <a:rPr lang="nl-BE" smtClean="0"/>
-              <a:t>22/10/2014</a:t>
+              <a:t>24/10/2014</a:t>
             </a:fld>
             <a:endParaRPr lang="nl-BE" dirty="0"/>
           </a:p>
@@ -2163,7 +3732,7 @@
           <a:p>
             <a:fld id="{19DCFD5E-870D-4395-9E30-B29FE39655A2}" type="datetimeFigureOut">
               <a:rPr lang="nl-BE" smtClean="0"/>
-              <a:t>22/10/2014</a:t>
+              <a:t>24/10/2014</a:t>
             </a:fld>
             <a:endParaRPr lang="nl-BE" dirty="0"/>
           </a:p>
@@ -2334,7 +3903,7 @@
           <a:p>
             <a:fld id="{19DCFD5E-870D-4395-9E30-B29FE39655A2}" type="datetimeFigureOut">
               <a:rPr lang="nl-BE" smtClean="0"/>
-              <a:t>22/10/2014</a:t>
+              <a:t>24/10/2014</a:t>
             </a:fld>
             <a:endParaRPr lang="nl-BE" dirty="0"/>
           </a:p>
@@ -2688,7 +4257,7 @@
           <a:p>
             <a:fld id="{19DCFD5E-870D-4395-9E30-B29FE39655A2}" type="datetimeFigureOut">
               <a:rPr lang="nl-BE" smtClean="0"/>
-              <a:t>22/10/2014</a:t>
+              <a:t>24/10/2014</a:t>
             </a:fld>
             <a:endParaRPr lang="nl-BE" dirty="0"/>
           </a:p>
@@ -3070,7 +4639,7 @@
           <a:p>
             <a:fld id="{19DCFD5E-870D-4395-9E30-B29FE39655A2}" type="datetimeFigureOut">
               <a:rPr lang="nl-BE" smtClean="0"/>
-              <a:t>22/10/2014</a:t>
+              <a:t>24/10/2014</a:t>
             </a:fld>
             <a:endParaRPr lang="nl-BE" dirty="0"/>
           </a:p>
@@ -3357,7 +4926,7 @@
           <a:p>
             <a:fld id="{19DCFD5E-870D-4395-9E30-B29FE39655A2}" type="datetimeFigureOut">
               <a:rPr lang="nl-BE" smtClean="0"/>
-              <a:t>22/10/2014</a:t>
+              <a:t>24/10/2014</a:t>
             </a:fld>
             <a:endParaRPr lang="nl-BE" dirty="0"/>
           </a:p>
@@ -3893,41 +5462,43 @@
         </p:nvSpPr>
         <p:spPr/>
         <p:txBody>
-          <a:bodyPr/>
+          <a:bodyPr>
+            <a:normAutofit/>
+          </a:bodyPr>
           <a:lstStyle/>
           <a:p>
             <a:r>
-              <a:rPr lang="nl-BE" dirty="0" smtClean="0"/>
+              <a:rPr lang="nl-BE" sz="9600" dirty="0" smtClean="0"/>
               <a:t>Flash </a:t>
             </a:r>
             <a:r>
-              <a:rPr lang="nl-BE" dirty="0" err="1" smtClean="0"/>
+              <a:rPr lang="nl-BE" sz="9600" dirty="0" err="1" smtClean="0"/>
               <a:t>Fill</a:t>
             </a:r>
             <a:r>
-              <a:rPr lang="nl-BE" dirty="0" smtClean="0"/>
+              <a:rPr lang="nl-BE" sz="9600" dirty="0" smtClean="0"/>
               <a:t> </a:t>
             </a:r>
             <a:r>
-              <a:rPr lang="nl-BE" dirty="0" err="1" smtClean="0"/>
+              <a:rPr lang="nl-BE" sz="9600" dirty="0" err="1" smtClean="0"/>
               <a:t>and</a:t>
             </a:r>
             <a:r>
-              <a:rPr lang="nl-BE" dirty="0" smtClean="0"/>
+              <a:rPr lang="nl-BE" sz="9600" dirty="0" smtClean="0"/>
               <a:t> </a:t>
             </a:r>
             <a:br>
-              <a:rPr lang="nl-BE" dirty="0" smtClean="0"/>
+              <a:rPr lang="nl-BE" sz="9600" dirty="0" smtClean="0"/>
             </a:br>
             <a:r>
-              <a:rPr lang="en-US" dirty="0" smtClean="0"/>
+              <a:rPr lang="en-US" sz="9600" dirty="0" smtClean="0"/>
               <a:t>Equation</a:t>
             </a:r>
             <a:r>
-              <a:rPr lang="nl-BE" dirty="0" smtClean="0"/>
+              <a:rPr lang="nl-BE" sz="9600" dirty="0" smtClean="0"/>
               <a:t> Discovery</a:t>
             </a:r>
-            <a:endParaRPr lang="nl-BE" dirty="0"/>
+            <a:endParaRPr lang="nl-BE" sz="9600" dirty="0"/>
           </a:p>
         </p:txBody>
       </p:sp>
@@ -3943,8 +5514,62 @@
         </p:nvSpPr>
         <p:spPr/>
         <p:txBody>
-          <a:bodyPr/>
+          <a:bodyPr>
+            <a:normAutofit fontScale="92500" lnSpcReduction="20000"/>
+          </a:bodyPr>
           <a:lstStyle/>
+          <a:p>
+            <a:r>
+              <a:rPr lang="en-US" altLang="en-US" sz="3900" cap="none" dirty="0" smtClean="0"/>
+              <a:t>Craps </a:t>
+            </a:r>
+            <a:r>
+              <a:rPr lang="en-US" altLang="en-US" sz="3900" cap="none" dirty="0" err="1" smtClean="0"/>
+              <a:t>Jeroen</a:t>
+            </a:r>
+            <a:r>
+              <a:rPr lang="en-US" altLang="en-US" sz="3900" cap="none" dirty="0"/>
+              <a:t> </a:t>
+            </a:r>
+            <a:r>
+              <a:rPr lang="en-US" altLang="en-US" sz="3900" cap="none" dirty="0" err="1" smtClean="0"/>
+              <a:t>en</a:t>
+            </a:r>
+            <a:r>
+              <a:rPr lang="en-US" altLang="en-US" sz="3900" cap="none" dirty="0" smtClean="0"/>
+              <a:t> De </a:t>
+            </a:r>
+            <a:r>
+              <a:rPr lang="en-US" altLang="en-US" sz="3900" cap="none" dirty="0"/>
+              <a:t>G</a:t>
+            </a:r>
+            <a:r>
+              <a:rPr lang="en-US" altLang="en-US" sz="3900" cap="none" dirty="0" smtClean="0"/>
+              <a:t>roote </a:t>
+            </a:r>
+            <a:r>
+              <a:rPr lang="en-US" altLang="en-US" sz="3900" cap="none" dirty="0"/>
+              <a:t>T</a:t>
+            </a:r>
+            <a:r>
+              <a:rPr lang="en-US" altLang="en-US" sz="3900" cap="none" dirty="0" smtClean="0"/>
+              <a:t>om</a:t>
+            </a:r>
+          </a:p>
+          <a:p>
+            <a:r>
+              <a:rPr lang="en-US" altLang="en-US" sz="3900" cap="none" dirty="0" smtClean="0"/>
+              <a:t>27 </a:t>
+            </a:r>
+            <a:r>
+              <a:rPr lang="en-US" altLang="en-US" sz="3900" cap="none" dirty="0" err="1" smtClean="0"/>
+              <a:t>oktober</a:t>
+            </a:r>
+            <a:r>
+              <a:rPr lang="en-US" altLang="en-US" sz="3900" cap="none" dirty="0" smtClean="0"/>
+              <a:t> 2014</a:t>
+            </a:r>
+          </a:p>
           <a:p>
             <a:endParaRPr lang="nl-BE" dirty="0"/>
           </a:p>
@@ -3999,25 +5624,16 @@
         </p:nvSpPr>
         <p:spPr/>
         <p:txBody>
-          <a:bodyPr/>
+          <a:bodyPr>
+            <a:normAutofit/>
+          </a:bodyPr>
           <a:lstStyle/>
           <a:p>
             <a:r>
-              <a:rPr lang="nl-BE" dirty="0" smtClean="0"/>
-              <a:t>Overzicht: </a:t>
-            </a:r>
-            <a:br>
-              <a:rPr lang="nl-BE" dirty="0" smtClean="0"/>
-            </a:br>
-            <a:r>
-              <a:rPr lang="nl-BE" dirty="0" smtClean="0"/>
-              <a:t>Spreadsheet </a:t>
-            </a:r>
-            <a:r>
-              <a:rPr lang="nl-BE" dirty="0"/>
-              <a:t>tabel transformaties</a:t>
-            </a:r>
-            <a:endParaRPr lang="en-US" dirty="0"/>
+              <a:rPr lang="nl-BE" sz="6000" dirty="0" smtClean="0"/>
+              <a:t>Feedback generatie</a:t>
+            </a:r>
+            <a:endParaRPr lang="en-US" sz="6000" dirty="0"/>
           </a:p>
         </p:txBody>
       </p:sp>
@@ -4031,18 +5647,85 @@
             <p:ph idx="1"/>
           </p:nvPr>
         </p:nvSpPr>
-        <p:spPr/>
-        <p:txBody>
-          <a:bodyPr/>
+        <p:spPr>
+          <a:xfrm>
+            <a:off x="1097280" y="1845733"/>
+            <a:ext cx="10058400" cy="4866565"/>
+          </a:xfrm>
+        </p:spPr>
+        <p:txBody>
+          <a:bodyPr>
+            <a:noAutofit/>
+          </a:bodyPr>
           <a:lstStyle/>
+          <a:p>
+            <a:pPr>
+              <a:spcBef>
+                <a:spcPts val="0"/>
+              </a:spcBef>
+              <a:buFont typeface="Arial" panose="020B0604020202020204" pitchFamily="34" charset="0"/>
+              <a:buChar char="•"/>
+            </a:pPr>
+            <a:r>
+              <a:rPr lang="nl-BE" sz="3600" dirty="0"/>
+              <a:t> Controleren</a:t>
+            </a:r>
+            <a:r>
+              <a:rPr lang="nl-BE" sz="3600" dirty="0"/>
+              <a:t> </a:t>
+            </a:r>
+            <a:r>
+              <a:rPr lang="nl-BE" sz="3600" dirty="0"/>
+              <a:t>correctheid oplossing</a:t>
+            </a:r>
+          </a:p>
+          <a:p>
+            <a:pPr lvl="2">
+              <a:spcBef>
+                <a:spcPts val="0"/>
+              </a:spcBef>
+              <a:buFont typeface="Arial" panose="020B0604020202020204" pitchFamily="34" charset="0"/>
+              <a:buChar char="•"/>
+            </a:pPr>
+            <a:r>
+              <a:rPr lang="nl-BE" sz="2800" dirty="0"/>
+              <a:t>Waarom</a:t>
+            </a:r>
+            <a:r>
+              <a:rPr lang="nl-BE" sz="2800" dirty="0"/>
+              <a:t> incorrect</a:t>
+            </a:r>
+          </a:p>
+          <a:p>
+            <a:pPr lvl="2">
+              <a:spcBef>
+                <a:spcPts val="0"/>
+              </a:spcBef>
+              <a:buFont typeface="Arial" panose="020B0604020202020204" pitchFamily="34" charset="0"/>
+              <a:buChar char="•"/>
+            </a:pPr>
+            <a:r>
+              <a:rPr lang="nl-BE" sz="2800" dirty="0"/>
+              <a:t>Waar en hoe fout </a:t>
+            </a:r>
+            <a:r>
+              <a:rPr lang="nl-BE" sz="2800" dirty="0" smtClean="0"/>
+              <a:t>verbeteren (hint)</a:t>
+            </a:r>
+            <a:endParaRPr lang="nl-BE" sz="2800" dirty="0"/>
+          </a:p>
           <a:p>
             <a:pPr>
               <a:buFont typeface="Arial" panose="020B0604020202020204" pitchFamily="34" charset="0"/>
               <a:buChar char="•"/>
             </a:pPr>
             <a:r>
-              <a:rPr lang="nl-BE" dirty="0" smtClean="0"/>
-              <a:t>  Concept oplossing generatie</a:t>
+              <a:rPr lang="nl-BE" sz="3600" dirty="0" smtClean="0"/>
+              <a:t> Iedereen </a:t>
+            </a:r>
+            <a:r>
+              <a:rPr lang="nl-BE" sz="3600" dirty="0"/>
+              <a:t>gelijke beoordeling</a:t>
             </a:r>
           </a:p>
           <a:p>
@@ -4051,12 +5734,8 @@
               <a:buChar char="•"/>
             </a:pPr>
             <a:r>
-              <a:rPr lang="nl-BE" dirty="0"/>
-              <a:t> </a:t>
-            </a:r>
-            <a:r>
-              <a:rPr lang="nl-BE" dirty="0" smtClean="0"/>
-              <a:t> Grammatica</a:t>
+              <a:rPr lang="nl-BE" sz="3600" dirty="0"/>
+              <a:t> Handmatig analyseren fouten tijdrovend</a:t>
             </a:r>
           </a:p>
           <a:p>
@@ -4065,45 +5744,43 @@
               <a:buChar char="•"/>
             </a:pPr>
             <a:r>
-              <a:rPr lang="nl-BE" dirty="0"/>
-              <a:t> </a:t>
-            </a:r>
-            <a:r>
-              <a:rPr lang="nl-BE" dirty="0" smtClean="0"/>
-              <a:t> Domein kennis </a:t>
-            </a:r>
-          </a:p>
-          <a:p>
-            <a:pPr>
+              <a:rPr lang="nl-BE" sz="3600" dirty="0"/>
+              <a:t> 2 principes feedback conceptuele problemen</a:t>
+            </a:r>
+          </a:p>
+          <a:p>
+            <a:pPr lvl="2">
+              <a:spcBef>
+                <a:spcPts val="0"/>
+              </a:spcBef>
               <a:buFont typeface="Arial" panose="020B0604020202020204" pitchFamily="34" charset="0"/>
               <a:buChar char="•"/>
             </a:pPr>
             <a:r>
-              <a:rPr lang="nl-BE" dirty="0" smtClean="0"/>
-              <a:t>  End-User </a:t>
-            </a:r>
-            <a:r>
-              <a:rPr lang="nl-BE" dirty="0" err="1" smtClean="0"/>
-              <a:t>programming</a:t>
-            </a:r>
-            <a:endParaRPr lang="nl-BE" dirty="0" smtClean="0"/>
-          </a:p>
-          <a:p>
-            <a:pPr marL="0" indent="0">
-              <a:buNone/>
+              <a:rPr lang="nl-BE" sz="2800" dirty="0"/>
+              <a:t>Aanpassingsafstand</a:t>
+            </a:r>
+          </a:p>
+          <a:p>
+            <a:pPr lvl="2">
+              <a:spcBef>
+                <a:spcPts val="0"/>
+              </a:spcBef>
+              <a:buFont typeface="Arial" panose="020B0604020202020204" pitchFamily="34" charset="0"/>
+              <a:buChar char="•"/>
             </a:pPr>
-            <a:endParaRPr lang="nl-BE" dirty="0">
-              <a:solidFill>
-                <a:srgbClr val="FF0000"/>
-              </a:solidFill>
-            </a:endParaRPr>
+            <a:r>
+              <a:rPr lang="nl-BE" sz="2800" dirty="0"/>
+              <a:t>Tegenvoorbeeld</a:t>
+            </a:r>
+            <a:endParaRPr lang="en-US" sz="2800" dirty="0"/>
           </a:p>
         </p:txBody>
       </p:sp>
     </p:spTree>
     <p:extLst>
       <p:ext uri="{BB962C8B-B14F-4D97-AF65-F5344CB8AC3E}">
-        <p14:creationId xmlns:p14="http://schemas.microsoft.com/office/powerpoint/2010/main" val="848964369"/>
+        <p14:creationId xmlns:p14="http://schemas.microsoft.com/office/powerpoint/2010/main" val="4111356232"/>
       </p:ext>
     </p:extLst>
   </p:cSld>
@@ -4149,18 +5826,387 @@
         </p:nvSpPr>
         <p:spPr/>
         <p:txBody>
-          <a:bodyPr/>
+          <a:bodyPr>
+            <a:noAutofit/>
+          </a:bodyPr>
           <a:lstStyle/>
           <a:p>
             <a:r>
-              <a:rPr lang="nl-BE" dirty="0"/>
+              <a:rPr lang="nl-BE" sz="6000" dirty="0" smtClean="0"/>
+              <a:t>Toepassing: </a:t>
+            </a:r>
+            <a:br>
+              <a:rPr lang="nl-BE" sz="6000" dirty="0" smtClean="0"/>
+            </a:br>
+            <a:r>
+              <a:rPr lang="nl-BE" sz="6000" dirty="0" smtClean="0"/>
+              <a:t>Voorbereiden examen</a:t>
+            </a:r>
+            <a:endParaRPr lang="en-US" sz="6000" dirty="0"/>
+          </a:p>
+        </p:txBody>
+      </p:sp>
+      <p:sp>
+        <p:nvSpPr>
+          <p:cNvPr id="3" name="Content Placeholder 2"/>
+          <p:cNvSpPr>
+            <a:spLocks noGrp="1"/>
+          </p:cNvSpPr>
+          <p:nvPr>
+            <p:ph idx="1"/>
+          </p:nvPr>
+        </p:nvSpPr>
+        <p:spPr/>
+        <p:txBody>
+          <a:bodyPr>
+            <a:normAutofit lnSpcReduction="10000"/>
+          </a:bodyPr>
+          <a:lstStyle/>
+          <a:p>
+            <a:pPr>
+              <a:buFont typeface="Arial" panose="020B0604020202020204" pitchFamily="34" charset="0"/>
+              <a:buChar char="•"/>
+            </a:pPr>
+            <a:r>
+              <a:rPr lang="nl-BE" sz="3600" dirty="0"/>
+              <a:t>  </a:t>
+            </a:r>
+            <a:r>
+              <a:rPr lang="nl-BE" sz="3600" dirty="0"/>
+              <a:t>Automatisch</a:t>
+            </a:r>
+            <a:r>
+              <a:rPr lang="nl-BE" sz="3600" dirty="0"/>
+              <a:t> generatie probleem </a:t>
+            </a:r>
+          </a:p>
+          <a:p>
+            <a:pPr lvl="2">
+              <a:buFont typeface="Arial" panose="020B0604020202020204" pitchFamily="34" charset="0"/>
+              <a:buChar char="•"/>
+            </a:pPr>
+            <a:r>
+              <a:rPr lang="nl-BE" sz="2800" dirty="0" smtClean="0"/>
+              <a:t>Moeilijkheidsgraad kiezen</a:t>
+            </a:r>
+          </a:p>
+          <a:p>
+            <a:pPr>
+              <a:buFont typeface="Arial" panose="020B0604020202020204" pitchFamily="34" charset="0"/>
+              <a:buChar char="•"/>
+            </a:pPr>
+            <a:r>
+              <a:rPr lang="nl-BE" sz="3600" dirty="0"/>
+              <a:t> </a:t>
+            </a:r>
+            <a:r>
+              <a:rPr lang="nl-BE" sz="3600" dirty="0"/>
+              <a:t> </a:t>
+            </a:r>
+            <a:r>
+              <a:rPr lang="nl-BE" sz="3600" dirty="0"/>
+              <a:t>Oplossing</a:t>
+            </a:r>
+          </a:p>
+          <a:p>
+            <a:pPr lvl="2">
+              <a:buFont typeface="Arial" panose="020B0604020202020204" pitchFamily="34" charset="0"/>
+              <a:buChar char="•"/>
+            </a:pPr>
+            <a:r>
+              <a:rPr lang="nl-BE" sz="2800" dirty="0" smtClean="0"/>
+              <a:t>Verdergaand eigen deeloplossing</a:t>
+            </a:r>
+          </a:p>
+          <a:p>
+            <a:pPr lvl="2">
+              <a:buFont typeface="Arial" panose="020B0604020202020204" pitchFamily="34" charset="0"/>
+              <a:buChar char="•"/>
+            </a:pPr>
+            <a:r>
+              <a:rPr lang="nl-BE" sz="2800" dirty="0" smtClean="0"/>
+              <a:t>Hints</a:t>
+            </a:r>
+          </a:p>
+          <a:p>
+            <a:pPr>
+              <a:buFont typeface="Arial" panose="020B0604020202020204" pitchFamily="34" charset="0"/>
+              <a:buChar char="•"/>
+            </a:pPr>
+            <a:r>
+              <a:rPr lang="nl-BE" sz="3600" dirty="0"/>
+              <a:t> </a:t>
+            </a:r>
+            <a:r>
+              <a:rPr lang="nl-BE" sz="3600" dirty="0"/>
+              <a:t> </a:t>
+            </a:r>
+            <a:r>
+              <a:rPr lang="nl-BE" sz="3600" dirty="0"/>
+              <a:t>Feedback</a:t>
+            </a:r>
+          </a:p>
+          <a:p>
+            <a:pPr lvl="2">
+              <a:buFont typeface="Arial" panose="020B0604020202020204" pitchFamily="34" charset="0"/>
+              <a:buChar char="•"/>
+            </a:pPr>
+            <a:r>
+              <a:rPr lang="nl-BE" sz="2800" dirty="0" smtClean="0"/>
+              <a:t>Score</a:t>
+            </a:r>
+          </a:p>
+          <a:p>
+            <a:pPr lvl="2">
+              <a:buFont typeface="Arial" panose="020B0604020202020204" pitchFamily="34" charset="0"/>
+              <a:buChar char="•"/>
+            </a:pPr>
+            <a:r>
+              <a:rPr lang="nl-BE" sz="2800" dirty="0" smtClean="0"/>
+              <a:t>Helpen verbeteren</a:t>
+            </a:r>
+            <a:endParaRPr lang="en-US" sz="2800" dirty="0"/>
+          </a:p>
+        </p:txBody>
+      </p:sp>
+    </p:spTree>
+    <p:extLst>
+      <p:ext uri="{BB962C8B-B14F-4D97-AF65-F5344CB8AC3E}">
+        <p14:creationId xmlns:p14="http://schemas.microsoft.com/office/powerpoint/2010/main" val="3063256929"/>
+      </p:ext>
+    </p:extLst>
+  </p:cSld>
+  <p:clrMapOvr>
+    <a:masterClrMapping/>
+  </p:clrMapOvr>
+  <p:timing>
+    <p:tnLst>
+      <p:par>
+        <p:cTn id="1" dur="indefinite" restart="never" nodeType="tmRoot"/>
+      </p:par>
+    </p:tnLst>
+  </p:timing>
+</p:sld>
+</file>
+
+<file path=ppt/slides/slide12.xml><?xml version="1.0" encoding="utf-8"?>
+<p:sld xmlns:a="http://schemas.openxmlformats.org/drawingml/2006/main" xmlns:r="http://schemas.openxmlformats.org/officeDocument/2006/relationships" xmlns:p="http://schemas.openxmlformats.org/presentationml/2006/main">
+  <p:cSld>
+    <p:spTree>
+      <p:nvGrpSpPr>
+        <p:cNvPr id="1" name=""/>
+        <p:cNvGrpSpPr/>
+        <p:nvPr/>
+      </p:nvGrpSpPr>
+      <p:grpSpPr>
+        <a:xfrm>
+          <a:off x="0" y="0"/>
+          <a:ext cx="0" cy="0"/>
+          <a:chOff x="0" y="0"/>
+          <a:chExt cx="0" cy="0"/>
+        </a:xfrm>
+      </p:grpSpPr>
+      <p:sp>
+        <p:nvSpPr>
+          <p:cNvPr id="2" name="Title 1"/>
+          <p:cNvSpPr>
+            <a:spLocks noGrp="1"/>
+          </p:cNvSpPr>
+          <p:nvPr>
+            <p:ph type="title"/>
+          </p:nvPr>
+        </p:nvSpPr>
+        <p:spPr/>
+        <p:txBody>
+          <a:bodyPr>
+            <a:normAutofit/>
+          </a:bodyPr>
+          <a:lstStyle/>
+          <a:p>
+            <a:r>
+              <a:rPr lang="nl-BE" sz="6000" dirty="0" smtClean="0"/>
+              <a:t>Overzicht</a:t>
+            </a:r>
+            <a:endParaRPr lang="nl-BE" sz="6000" dirty="0"/>
+          </a:p>
+        </p:txBody>
+      </p:sp>
+      <p:sp>
+        <p:nvSpPr>
+          <p:cNvPr id="3" name="Content Placeholder 2"/>
+          <p:cNvSpPr>
+            <a:spLocks noGrp="1"/>
+          </p:cNvSpPr>
+          <p:nvPr>
+            <p:ph idx="1"/>
+          </p:nvPr>
+        </p:nvSpPr>
+        <p:spPr/>
+        <p:txBody>
+          <a:bodyPr>
+            <a:normAutofit/>
+          </a:bodyPr>
+          <a:lstStyle/>
+          <a:p>
+            <a:pPr>
+              <a:buFont typeface="Arial" panose="020B0604020202020204" pitchFamily="34" charset="0"/>
+              <a:buChar char="•"/>
+            </a:pPr>
+            <a:r>
+              <a:rPr lang="nl-BE" sz="3600" dirty="0" smtClean="0"/>
+              <a:t> </a:t>
+            </a:r>
+            <a:r>
+              <a:rPr lang="nl-BE" sz="3600" dirty="0" smtClean="0"/>
+              <a:t>Ons </a:t>
+            </a:r>
+            <a:r>
+              <a:rPr lang="nl-BE" sz="3600" dirty="0"/>
+              <a:t>doel</a:t>
+            </a:r>
+            <a:endParaRPr lang="nl-BE" sz="3600" dirty="0" smtClean="0"/>
+          </a:p>
+          <a:p>
+            <a:pPr>
+              <a:buFont typeface="Arial" panose="020B0604020202020204" pitchFamily="34" charset="0"/>
+              <a:buChar char="•"/>
+            </a:pPr>
+            <a:r>
+              <a:rPr lang="nl-BE" sz="3600" dirty="0"/>
+              <a:t> </a:t>
+            </a:r>
+            <a:r>
+              <a:rPr lang="nl-BE" sz="3600" dirty="0" err="1" smtClean="0"/>
+              <a:t>Example-based</a:t>
+            </a:r>
+            <a:r>
+              <a:rPr lang="nl-BE" sz="3600" dirty="0" smtClean="0"/>
+              <a:t> </a:t>
+            </a:r>
+            <a:r>
+              <a:rPr lang="nl-BE" sz="3600" dirty="0" err="1" smtClean="0"/>
+              <a:t>learning</a:t>
+            </a:r>
+            <a:endParaRPr lang="nl-BE" sz="3600" dirty="0" smtClean="0"/>
+          </a:p>
+          <a:p>
+            <a:pPr>
+              <a:buFont typeface="Arial" panose="020B0604020202020204" pitchFamily="34" charset="0"/>
+              <a:buChar char="•"/>
+            </a:pPr>
+            <a:r>
+              <a:rPr lang="nl-BE" sz="3600" b="1" dirty="0" smtClean="0"/>
+              <a:t> </a:t>
+            </a:r>
+            <a:r>
+              <a:rPr lang="nl-BE" sz="3600" b="1" dirty="0" smtClean="0"/>
+              <a:t>Spreadsheet </a:t>
+            </a:r>
+            <a:r>
+              <a:rPr lang="nl-BE" sz="3600" b="1" dirty="0" smtClean="0"/>
+              <a:t>tabel transformaties </a:t>
+            </a:r>
+            <a:endParaRPr lang="nl-BE" sz="3600" b="1" dirty="0"/>
+          </a:p>
+          <a:p>
+            <a:pPr>
+              <a:buFont typeface="Arial" panose="020B0604020202020204" pitchFamily="34" charset="0"/>
+              <a:buChar char="•"/>
+            </a:pPr>
+            <a:r>
+              <a:rPr lang="nl-BE" sz="3600" dirty="0" smtClean="0"/>
+              <a:t> </a:t>
+            </a:r>
+            <a:r>
+              <a:rPr lang="nl-BE" sz="3600" dirty="0" err="1" smtClean="0"/>
+              <a:t>Equation</a:t>
+            </a:r>
+            <a:r>
+              <a:rPr lang="nl-BE" sz="3600" dirty="0" smtClean="0"/>
+              <a:t> </a:t>
+            </a:r>
+            <a:r>
+              <a:rPr lang="nl-BE" sz="3600" dirty="0" err="1" smtClean="0"/>
+              <a:t>discovery</a:t>
+            </a:r>
+            <a:endParaRPr lang="nl-BE" sz="3600" dirty="0"/>
+          </a:p>
+          <a:p>
+            <a:pPr>
+              <a:buFont typeface="Arial" panose="020B0604020202020204" pitchFamily="34" charset="0"/>
+              <a:buChar char="•"/>
+            </a:pPr>
+            <a:r>
+              <a:rPr lang="nl-BE" sz="3600" dirty="0" smtClean="0"/>
+              <a:t> Conclusie</a:t>
+            </a:r>
+            <a:endParaRPr lang="nl-BE" sz="3600" dirty="0"/>
+          </a:p>
+        </p:txBody>
+      </p:sp>
+    </p:spTree>
+    <p:extLst>
+      <p:ext uri="{BB962C8B-B14F-4D97-AF65-F5344CB8AC3E}">
+        <p14:creationId xmlns:p14="http://schemas.microsoft.com/office/powerpoint/2010/main" val="2187252757"/>
+      </p:ext>
+    </p:extLst>
+  </p:cSld>
+  <p:clrMapOvr>
+    <a:masterClrMapping/>
+  </p:clrMapOvr>
+  <p:timing>
+    <p:tnLst>
+      <p:par>
+        <p:cTn id="1" dur="indefinite" restart="never" nodeType="tmRoot"/>
+      </p:par>
+    </p:tnLst>
+  </p:timing>
+</p:sld>
+</file>
+
+<file path=ppt/slides/slide13.xml><?xml version="1.0" encoding="utf-8"?>
+<p:sld xmlns:a="http://schemas.openxmlformats.org/drawingml/2006/main" xmlns:r="http://schemas.openxmlformats.org/officeDocument/2006/relationships" xmlns:p="http://schemas.openxmlformats.org/presentationml/2006/main">
+  <p:cSld>
+    <p:spTree>
+      <p:nvGrpSpPr>
+        <p:cNvPr id="1" name=""/>
+        <p:cNvGrpSpPr/>
+        <p:nvPr/>
+      </p:nvGrpSpPr>
+      <p:grpSpPr>
+        <a:xfrm>
+          <a:off x="0" y="0"/>
+          <a:ext cx="0" cy="0"/>
+          <a:chOff x="0" y="0"/>
+          <a:chExt cx="0" cy="0"/>
+        </a:xfrm>
+      </p:grpSpPr>
+      <p:sp>
+        <p:nvSpPr>
+          <p:cNvPr id="2" name="Title 1"/>
+          <p:cNvSpPr>
+            <a:spLocks noGrp="1"/>
+          </p:cNvSpPr>
+          <p:nvPr>
+            <p:ph type="title"/>
+          </p:nvPr>
+        </p:nvSpPr>
+        <p:spPr/>
+        <p:txBody>
+          <a:bodyPr>
+            <a:normAutofit/>
+          </a:bodyPr>
+          <a:lstStyle/>
+          <a:p>
+            <a:r>
+              <a:rPr lang="nl-BE" sz="6000" dirty="0"/>
               <a:t>Concept oplossing </a:t>
             </a:r>
             <a:r>
-              <a:rPr lang="nl-BE" dirty="0" smtClean="0"/>
+              <a:rPr lang="nl-BE" sz="6000" dirty="0" smtClean="0"/>
               <a:t>generatie</a:t>
             </a:r>
-            <a:endParaRPr lang="en-US" dirty="0"/>
+            <a:endParaRPr lang="en-US" sz="6000" dirty="0"/>
           </a:p>
         </p:txBody>
       </p:sp>
@@ -4229,7 +6275,7 @@
           <p:nvPr/>
         </p:nvPicPr>
         <p:blipFill>
-          <a:blip r:embed="rId2">
+          <a:blip r:embed="rId3">
             <a:extLst>
               <a:ext uri="{28A0092B-C50C-407E-A947-70E740481C1C}">
                 <a14:useLocalDpi xmlns:a14="http://schemas.microsoft.com/office/drawing/2010/main" val="0"/>
@@ -4259,7 +6305,7 @@
           <p:nvPr/>
         </p:nvPicPr>
         <p:blipFill>
-          <a:blip r:embed="rId3">
+          <a:blip r:embed="rId4">
             <a:extLst>
               <a:ext uri="{28A0092B-C50C-407E-A947-70E740481C1C}">
                 <a14:useLocalDpi xmlns:a14="http://schemas.microsoft.com/office/drawing/2010/main" val="0"/>
@@ -4360,7 +6406,7 @@
 </p:sld>
 </file>
 
-<file path=ppt/slides/slide12.xml><?xml version="1.0" encoding="utf-8"?>
+<file path=ppt/slides/slide14.xml><?xml version="1.0" encoding="utf-8"?>
 <p:sld xmlns:a="http://schemas.openxmlformats.org/drawingml/2006/main" xmlns:r="http://schemas.openxmlformats.org/officeDocument/2006/relationships" xmlns:p="http://schemas.openxmlformats.org/presentationml/2006/main">
   <p:cSld>
     <p:spTree>
@@ -4389,14 +6435,16 @@
         </p:nvSpPr>
         <p:spPr/>
         <p:txBody>
-          <a:bodyPr/>
+          <a:bodyPr>
+            <a:normAutofit/>
+          </a:bodyPr>
           <a:lstStyle/>
           <a:p>
             <a:r>
-              <a:rPr lang="nl-BE" dirty="0" smtClean="0"/>
+              <a:rPr lang="nl-BE" sz="6000" dirty="0" smtClean="0"/>
               <a:t>Voorbeeldprogramma</a:t>
             </a:r>
-            <a:endParaRPr lang="en-US" dirty="0"/>
+            <a:endParaRPr lang="en-US" sz="6000" dirty="0"/>
           </a:p>
         </p:txBody>
       </p:sp>
@@ -4412,7 +6460,9 @@
         </p:nvSpPr>
         <p:spPr/>
         <p:txBody>
-          <a:bodyPr/>
+          <a:bodyPr>
+            <a:normAutofit/>
+          </a:bodyPr>
           <a:lstStyle/>
           <a:p>
             <a:pPr marL="457200" indent="-457200">
@@ -4420,7 +6470,7 @@
               <a:buAutoNum type="arabicPeriod"/>
             </a:pPr>
             <a:r>
-              <a:rPr lang="nl-BE" dirty="0" smtClean="0"/>
+              <a:rPr lang="nl-BE" sz="3600" dirty="0" smtClean="0"/>
               <a:t>Filterprogramma</a:t>
             </a:r>
           </a:p>
@@ -4430,10 +6480,10 @@
               <a:buAutoNum type="arabicPeriod"/>
             </a:pPr>
             <a:r>
-              <a:rPr lang="nl-BE" dirty="0" err="1" smtClean="0"/>
+              <a:rPr lang="nl-BE" sz="3600" dirty="0" err="1" smtClean="0"/>
               <a:t>Mapping</a:t>
             </a:r>
-            <a:endParaRPr lang="nl-BE" dirty="0" smtClean="0"/>
+            <a:endParaRPr lang="nl-BE" sz="3600" dirty="0" smtClean="0"/>
           </a:p>
           <a:p>
             <a:pPr marL="457200" indent="-457200">
@@ -4441,7 +6491,7 @@
               <a:buAutoNum type="arabicPeriod"/>
             </a:pPr>
             <a:r>
-              <a:rPr lang="nl-BE" dirty="0" smtClean="0"/>
+              <a:rPr lang="nl-BE" sz="3600" dirty="0" smtClean="0"/>
               <a:t>Relatieve functies</a:t>
             </a:r>
           </a:p>
@@ -4451,10 +6501,10 @@
               <a:buAutoNum type="arabicPeriod"/>
             </a:pPr>
             <a:r>
-              <a:rPr lang="nl-BE" dirty="0" err="1" smtClean="0"/>
+              <a:rPr lang="nl-BE" sz="3600" dirty="0" err="1" smtClean="0"/>
               <a:t>ProgFromEx</a:t>
             </a:r>
-            <a:endParaRPr lang="en-US" dirty="0"/>
+            <a:endParaRPr lang="en-US" sz="3600" dirty="0"/>
           </a:p>
         </p:txBody>
       </p:sp>
@@ -4478,7 +6528,7 @@
 </p:sld>
 </file>
 
-<file path=ppt/slides/slide13.xml><?xml version="1.0" encoding="utf-8"?>
+<file path=ppt/slides/slide15.xml><?xml version="1.0" encoding="utf-8"?>
 <p:sld xmlns:a="http://schemas.openxmlformats.org/drawingml/2006/main" xmlns:r="http://schemas.openxmlformats.org/officeDocument/2006/relationships" xmlns:p="http://schemas.openxmlformats.org/presentationml/2006/main">
   <p:cSld>
     <p:spTree>
@@ -4511,7 +6561,7 @@
           <a:lstStyle/>
           <a:p>
             <a:r>
-              <a:rPr lang="nl-BE" dirty="0" smtClean="0"/>
+              <a:rPr lang="nl-BE" sz="6000" dirty="0" smtClean="0"/>
               <a:t>Grammatica</a:t>
             </a:r>
             <a:endParaRPr lang="nl-BE" dirty="0">
@@ -4531,7 +6581,7 @@
           <p:nvPr/>
         </p:nvPicPr>
         <p:blipFill>
-          <a:blip r:embed="rId2">
+          <a:blip r:embed="rId3">
             <a:extLst>
               <a:ext uri="{28A0092B-C50C-407E-A947-70E740481C1C}">
                 <a14:useLocalDpi xmlns:a14="http://schemas.microsoft.com/office/drawing/2010/main" val="0"/>
@@ -4572,7 +6622,7 @@
 </p:sld>
 </file>
 
-<file path=ppt/slides/slide14.xml><?xml version="1.0" encoding="utf-8"?>
+<file path=ppt/slides/slide16.xml><?xml version="1.0" encoding="utf-8"?>
 <p:sld xmlns:a="http://schemas.openxmlformats.org/drawingml/2006/main" xmlns:r="http://schemas.openxmlformats.org/officeDocument/2006/relationships" xmlns:p="http://schemas.openxmlformats.org/presentationml/2006/main">
   <p:cSld>
     <p:spTree>
@@ -4601,14 +6651,16 @@
         </p:nvSpPr>
         <p:spPr/>
         <p:txBody>
-          <a:bodyPr/>
+          <a:bodyPr>
+            <a:normAutofit/>
+          </a:bodyPr>
           <a:lstStyle/>
           <a:p>
             <a:r>
-              <a:rPr lang="nl-BE" dirty="0" smtClean="0"/>
+              <a:rPr lang="nl-BE" sz="6000" dirty="0" smtClean="0"/>
               <a:t>Domein kennis</a:t>
             </a:r>
-            <a:endParaRPr lang="en-US" dirty="0"/>
+            <a:endParaRPr lang="en-US" sz="6000" dirty="0"/>
           </a:p>
         </p:txBody>
       </p:sp>
@@ -4621,7 +6673,7 @@
           <p:nvPr/>
         </p:nvPicPr>
         <p:blipFill>
-          <a:blip r:embed="rId2">
+          <a:blip r:embed="rId3">
             <a:extLst>
               <a:ext uri="{28A0092B-C50C-407E-A947-70E740481C1C}">
                 <a14:useLocalDpi xmlns:a14="http://schemas.microsoft.com/office/drawing/2010/main" val="0"/>
@@ -4651,7 +6703,7 @@
           <p:nvPr/>
         </p:nvPicPr>
         <p:blipFill>
-          <a:blip r:embed="rId3">
+          <a:blip r:embed="rId4">
             <a:extLst>
               <a:ext uri="{28A0092B-C50C-407E-A947-70E740481C1C}">
                 <a14:useLocalDpi xmlns:a14="http://schemas.microsoft.com/office/drawing/2010/main" val="0"/>
@@ -4692,331 +6744,6 @@
 </p:sld>
 </file>
 
-<file path=ppt/slides/slide15.xml><?xml version="1.0" encoding="utf-8"?>
-<p:sld xmlns:a="http://schemas.openxmlformats.org/drawingml/2006/main" xmlns:r="http://schemas.openxmlformats.org/officeDocument/2006/relationships" xmlns:p="http://schemas.openxmlformats.org/presentationml/2006/main">
-  <p:cSld>
-    <p:spTree>
-      <p:nvGrpSpPr>
-        <p:cNvPr id="1" name=""/>
-        <p:cNvGrpSpPr/>
-        <p:nvPr/>
-      </p:nvGrpSpPr>
-      <p:grpSpPr>
-        <a:xfrm>
-          <a:off x="0" y="0"/>
-          <a:ext cx="0" cy="0"/>
-          <a:chOff x="0" y="0"/>
-          <a:chExt cx="0" cy="0"/>
-        </a:xfrm>
-      </p:grpSpPr>
-      <p:sp>
-        <p:nvSpPr>
-          <p:cNvPr id="2" name="Title 1"/>
-          <p:cNvSpPr>
-            <a:spLocks noGrp="1"/>
-          </p:cNvSpPr>
-          <p:nvPr>
-            <p:ph type="title"/>
-          </p:nvPr>
-        </p:nvSpPr>
-        <p:spPr/>
-        <p:txBody>
-          <a:bodyPr/>
-          <a:lstStyle/>
-          <a:p>
-            <a:r>
-              <a:rPr lang="nl-BE" dirty="0" smtClean="0"/>
-              <a:t>Experimenten (1)	</a:t>
-            </a:r>
-            <a:endParaRPr lang="en-US" dirty="0"/>
-          </a:p>
-        </p:txBody>
-      </p:sp>
-      <p:sp>
-        <p:nvSpPr>
-          <p:cNvPr id="3" name="Content Placeholder 2"/>
-          <p:cNvSpPr>
-            <a:spLocks noGrp="1"/>
-          </p:cNvSpPr>
-          <p:nvPr>
-            <p:ph idx="1"/>
-          </p:nvPr>
-        </p:nvSpPr>
-        <p:spPr/>
-        <p:txBody>
-          <a:bodyPr/>
-          <a:lstStyle/>
-          <a:p>
-            <a:pPr>
-              <a:buFont typeface="Arial" panose="020B0604020202020204" pitchFamily="34" charset="0"/>
-              <a:buChar char="•"/>
-            </a:pPr>
-            <a:r>
-              <a:rPr lang="nl-BE" dirty="0" smtClean="0"/>
-              <a:t>  Expressief genoeg?</a:t>
-            </a:r>
-          </a:p>
-          <a:p>
-            <a:pPr>
-              <a:buFont typeface="Arial" panose="020B0604020202020204" pitchFamily="34" charset="0"/>
-              <a:buChar char="•"/>
-            </a:pPr>
-            <a:r>
-              <a:rPr lang="nl-BE" dirty="0"/>
-              <a:t> </a:t>
-            </a:r>
-            <a:r>
-              <a:rPr lang="nl-BE" dirty="0" smtClean="0"/>
-              <a:t> Snel genoeg?</a:t>
-            </a:r>
-          </a:p>
-          <a:p>
-            <a:pPr>
-              <a:buFont typeface="Arial" panose="020B0604020202020204" pitchFamily="34" charset="0"/>
-              <a:buChar char="•"/>
-            </a:pPr>
-            <a:r>
-              <a:rPr lang="nl-BE" dirty="0"/>
-              <a:t> </a:t>
-            </a:r>
-            <a:r>
-              <a:rPr lang="nl-BE" dirty="0" smtClean="0"/>
-              <a:t> Hoeveel extra voorbeelden?</a:t>
-            </a:r>
-          </a:p>
-        </p:txBody>
-      </p:sp>
-      <p:pic>
-        <p:nvPicPr>
-          <p:cNvPr id="4" name="Picture 3"/>
-          <p:cNvPicPr>
-            <a:picLocks noChangeAspect="1"/>
-          </p:cNvPicPr>
-          <p:nvPr/>
-        </p:nvPicPr>
-        <p:blipFill>
-          <a:blip r:embed="rId2">
-            <a:extLst>
-              <a:ext uri="{28A0092B-C50C-407E-A947-70E740481C1C}">
-                <a14:useLocalDpi xmlns:a14="http://schemas.microsoft.com/office/drawing/2010/main" val="0"/>
-              </a:ext>
-            </a:extLst>
-          </a:blip>
-          <a:stretch>
-            <a:fillRect/>
-          </a:stretch>
-        </p:blipFill>
-        <p:spPr>
-          <a:xfrm>
-            <a:off x="1097280" y="3364465"/>
-            <a:ext cx="8814471" cy="2924839"/>
-          </a:xfrm>
-          <a:prstGeom prst="rect">
-            <a:avLst/>
-          </a:prstGeom>
-        </p:spPr>
-      </p:pic>
-    </p:spTree>
-    <p:extLst>
-      <p:ext uri="{BB962C8B-B14F-4D97-AF65-F5344CB8AC3E}">
-        <p14:creationId xmlns:p14="http://schemas.microsoft.com/office/powerpoint/2010/main" val="2428817191"/>
-      </p:ext>
-    </p:extLst>
-  </p:cSld>
-  <p:clrMapOvr>
-    <a:masterClrMapping/>
-  </p:clrMapOvr>
-  <p:timing>
-    <p:tnLst>
-      <p:par>
-        <p:cTn id="1" dur="indefinite" restart="never" nodeType="tmRoot"/>
-      </p:par>
-    </p:tnLst>
-  </p:timing>
-</p:sld>
-</file>
-
-<file path=ppt/slides/slide16.xml><?xml version="1.0" encoding="utf-8"?>
-<p:sld xmlns:a="http://schemas.openxmlformats.org/drawingml/2006/main" xmlns:r="http://schemas.openxmlformats.org/officeDocument/2006/relationships" xmlns:p="http://schemas.openxmlformats.org/presentationml/2006/main">
-  <p:cSld>
-    <p:spTree>
-      <p:nvGrpSpPr>
-        <p:cNvPr id="1" name=""/>
-        <p:cNvGrpSpPr/>
-        <p:nvPr/>
-      </p:nvGrpSpPr>
-      <p:grpSpPr>
-        <a:xfrm>
-          <a:off x="0" y="0"/>
-          <a:ext cx="0" cy="0"/>
-          <a:chOff x="0" y="0"/>
-          <a:chExt cx="0" cy="0"/>
-        </a:xfrm>
-      </p:grpSpPr>
-      <p:sp>
-        <p:nvSpPr>
-          <p:cNvPr id="2" name="Title 1"/>
-          <p:cNvSpPr>
-            <a:spLocks noGrp="1"/>
-          </p:cNvSpPr>
-          <p:nvPr>
-            <p:ph type="title"/>
-          </p:nvPr>
-        </p:nvSpPr>
-        <p:spPr/>
-        <p:txBody>
-          <a:bodyPr/>
-          <a:lstStyle/>
-          <a:p>
-            <a:r>
-              <a:rPr lang="nl-BE" dirty="0" smtClean="0"/>
-              <a:t>Experimenten (2)</a:t>
-            </a:r>
-            <a:endParaRPr lang="en-US" dirty="0"/>
-          </a:p>
-        </p:txBody>
-      </p:sp>
-      <p:pic>
-        <p:nvPicPr>
-          <p:cNvPr id="4" name="Content Placeholder 3"/>
-          <p:cNvPicPr>
-            <a:picLocks noGrp="1" noChangeAspect="1"/>
-          </p:cNvPicPr>
-          <p:nvPr>
-            <p:ph idx="1"/>
-          </p:nvPr>
-        </p:nvPicPr>
-        <p:blipFill>
-          <a:blip r:embed="rId2">
-            <a:extLst>
-              <a:ext uri="{28A0092B-C50C-407E-A947-70E740481C1C}">
-                <a14:useLocalDpi xmlns:a14="http://schemas.microsoft.com/office/drawing/2010/main" val="0"/>
-              </a:ext>
-            </a:extLst>
-          </a:blip>
-          <a:stretch>
-            <a:fillRect/>
-          </a:stretch>
-        </p:blipFill>
-        <p:spPr>
-          <a:xfrm>
-            <a:off x="6517005" y="2716422"/>
-            <a:ext cx="4638675" cy="3162300"/>
-          </a:xfrm>
-        </p:spPr>
-      </p:pic>
-      <p:pic>
-        <p:nvPicPr>
-          <p:cNvPr id="5" name="Picture 4"/>
-          <p:cNvPicPr>
-            <a:picLocks noChangeAspect="1"/>
-          </p:cNvPicPr>
-          <p:nvPr/>
-        </p:nvPicPr>
-        <p:blipFill>
-          <a:blip r:embed="rId3">
-            <a:extLst>
-              <a:ext uri="{28A0092B-C50C-407E-A947-70E740481C1C}">
-                <a14:useLocalDpi xmlns:a14="http://schemas.microsoft.com/office/drawing/2010/main" val="0"/>
-              </a:ext>
-            </a:extLst>
-          </a:blip>
-          <a:stretch>
-            <a:fillRect/>
-          </a:stretch>
-        </p:blipFill>
-        <p:spPr>
-          <a:xfrm>
-            <a:off x="674590" y="2716422"/>
-            <a:ext cx="4752975" cy="1104900"/>
-          </a:xfrm>
-          <a:prstGeom prst="rect">
-            <a:avLst/>
-          </a:prstGeom>
-        </p:spPr>
-      </p:pic>
-      <p:sp>
-        <p:nvSpPr>
-          <p:cNvPr id="6" name="TextBox 5"/>
-          <p:cNvSpPr txBox="1"/>
-          <p:nvPr/>
-        </p:nvSpPr>
-        <p:spPr>
-          <a:xfrm>
-            <a:off x="2186718" y="2249393"/>
-            <a:ext cx="1728717" cy="461665"/>
-          </a:xfrm>
-          <a:prstGeom prst="rect">
-            <a:avLst/>
-          </a:prstGeom>
-          <a:noFill/>
-        </p:spPr>
-        <p:txBody>
-          <a:bodyPr wrap="square" rtlCol="0">
-            <a:spAutoFit/>
-          </a:bodyPr>
-          <a:lstStyle/>
-          <a:p>
-            <a:pPr algn="ctr"/>
-            <a:r>
-              <a:rPr lang="nl-BE" sz="2400" b="1" dirty="0" smtClean="0"/>
-              <a:t>Voorbeeld 1</a:t>
-            </a:r>
-            <a:endParaRPr lang="en-US" sz="2400" b="1" dirty="0"/>
-          </a:p>
-        </p:txBody>
-      </p:sp>
-      <p:sp>
-        <p:nvSpPr>
-          <p:cNvPr id="7" name="TextBox 6"/>
-          <p:cNvSpPr txBox="1"/>
-          <p:nvPr/>
-        </p:nvSpPr>
-        <p:spPr>
-          <a:xfrm>
-            <a:off x="7971983" y="2249393"/>
-            <a:ext cx="1728717" cy="461665"/>
-          </a:xfrm>
-          <a:prstGeom prst="rect">
-            <a:avLst/>
-          </a:prstGeom>
-          <a:noFill/>
-        </p:spPr>
-        <p:txBody>
-          <a:bodyPr wrap="square" rtlCol="0">
-            <a:spAutoFit/>
-          </a:bodyPr>
-          <a:lstStyle/>
-          <a:p>
-            <a:pPr algn="ctr"/>
-            <a:r>
-              <a:rPr lang="nl-BE" sz="2400" b="1" dirty="0" smtClean="0"/>
-              <a:t>Voorbeeld 2</a:t>
-            </a:r>
-            <a:endParaRPr lang="en-US" sz="2400" b="1" dirty="0"/>
-          </a:p>
-        </p:txBody>
-      </p:sp>
-    </p:spTree>
-    <p:extLst>
-      <p:ext uri="{BB962C8B-B14F-4D97-AF65-F5344CB8AC3E}">
-        <p14:creationId xmlns:p14="http://schemas.microsoft.com/office/powerpoint/2010/main" val="3335377810"/>
-      </p:ext>
-    </p:extLst>
-  </p:cSld>
-  <p:clrMapOvr>
-    <a:masterClrMapping/>
-  </p:clrMapOvr>
-  <p:timing>
-    <p:tnLst>
-      <p:par>
-        <p:cTn id="1" dur="indefinite" restart="never" nodeType="tmRoot"/>
-      </p:par>
-    </p:tnLst>
-  </p:timing>
-</p:sld>
-</file>
-
 <file path=ppt/slides/slide17.xml><?xml version="1.0" encoding="utf-8"?>
 <p:sld xmlns:a="http://schemas.openxmlformats.org/drawingml/2006/main" xmlns:r="http://schemas.openxmlformats.org/officeDocument/2006/relationships" xmlns:p="http://schemas.openxmlformats.org/presentationml/2006/main">
   <p:cSld>
@@ -5046,30 +6773,16 @@
         </p:nvSpPr>
         <p:spPr/>
         <p:txBody>
-          <a:bodyPr/>
+          <a:bodyPr>
+            <a:normAutofit/>
+          </a:bodyPr>
           <a:lstStyle/>
           <a:p>
             <a:r>
-              <a:rPr lang="nl-BE" dirty="0" smtClean="0"/>
-              <a:t>End-</a:t>
-            </a:r>
-            <a:r>
-              <a:rPr lang="nl-BE" dirty="0" smtClean="0"/>
-              <a:t>us</a:t>
-            </a:r>
-            <a:r>
-              <a:rPr lang="nl-BE" dirty="0" smtClean="0"/>
-              <a:t>er </a:t>
-            </a:r>
-            <a:r>
-              <a:rPr lang="nl-BE" dirty="0" err="1"/>
-              <a:t>p</a:t>
-            </a:r>
-            <a:r>
-              <a:rPr lang="nl-BE" dirty="0" err="1" smtClean="0"/>
-              <a:t>rogramming</a:t>
-            </a:r>
-            <a:endParaRPr lang="en-US" dirty="0"/>
+              <a:rPr lang="nl-BE" sz="6000" dirty="0" smtClean="0"/>
+              <a:t>Overzicht</a:t>
+            </a:r>
+            <a:endParaRPr lang="nl-BE" sz="6000" dirty="0"/>
           </a:p>
         </p:txBody>
       </p:sp>
@@ -5085,7 +6798,9 @@
         </p:nvSpPr>
         <p:spPr/>
         <p:txBody>
-          <a:bodyPr/>
+          <a:bodyPr>
+            <a:normAutofit/>
+          </a:bodyPr>
           <a:lstStyle/>
           <a:p>
             <a:pPr>
@@ -5093,21 +6808,18 @@
               <a:buChar char="•"/>
             </a:pPr>
             <a:r>
-              <a:rPr lang="en-US" dirty="0" smtClean="0"/>
-              <a:t>  </a:t>
-            </a:r>
-            <a:r>
-              <a:rPr lang="en-US" dirty="0" err="1" smtClean="0"/>
-              <a:t>Repetitieve</a:t>
-            </a:r>
-            <a:r>
-              <a:rPr lang="en-US" dirty="0" smtClean="0"/>
+              <a:rPr lang="nl-BE" sz="3600" dirty="0" smtClean="0"/>
               <a:t> </a:t>
             </a:r>
             <a:r>
-              <a:rPr lang="en-US" dirty="0" smtClean="0"/>
-              <a:t>taken</a:t>
-            </a:r>
+              <a:rPr lang="nl-BE" sz="3600" dirty="0" smtClean="0"/>
+              <a:t>Ons </a:t>
+            </a:r>
+            <a:r>
+              <a:rPr lang="nl-BE" sz="3600" dirty="0"/>
+              <a:t>doel</a:t>
+            </a:r>
+            <a:endParaRPr lang="nl-BE" sz="3600" dirty="0" smtClean="0"/>
           </a:p>
           <a:p>
             <a:pPr>
@@ -5115,34 +6827,22 @@
               <a:buChar char="•"/>
             </a:pPr>
             <a:r>
-              <a:rPr lang="en-US" dirty="0" smtClean="0"/>
-              <a:t>  </a:t>
-            </a:r>
-            <a:r>
-              <a:rPr lang="en-US" dirty="0" err="1" smtClean="0"/>
-              <a:t>Weinig</a:t>
-            </a:r>
-            <a:r>
-              <a:rPr lang="en-US" dirty="0" smtClean="0"/>
+              <a:rPr lang="nl-BE" sz="3600" dirty="0"/>
               <a:t> </a:t>
             </a:r>
             <a:r>
-              <a:rPr lang="en-US" dirty="0" smtClean="0"/>
-              <a:t>tot </a:t>
-            </a:r>
-            <a:r>
-              <a:rPr lang="en-US" dirty="0" err="1" smtClean="0"/>
-              <a:t>geen</a:t>
-            </a:r>
-            <a:r>
-              <a:rPr lang="en-US" dirty="0" smtClean="0"/>
+              <a:rPr lang="nl-BE" sz="3600" dirty="0" err="1" smtClean="0"/>
+              <a:t>Example-based</a:t>
+            </a:r>
+            <a:r>
+              <a:rPr lang="nl-BE" sz="3600" dirty="0" smtClean="0"/>
               <a:t> </a:t>
             </a:r>
             <a:r>
-              <a:rPr lang="en-US" dirty="0" err="1" smtClean="0"/>
-              <a:t>programmeerkennis</a:t>
-            </a:r>
-            <a:endParaRPr lang="en-US" dirty="0" smtClean="0"/>
+              <a:rPr lang="nl-BE" sz="3600" dirty="0" err="1" smtClean="0"/>
+              <a:t>learning</a:t>
+            </a:r>
+            <a:endParaRPr lang="nl-BE" sz="3600" dirty="0" smtClean="0"/>
           </a:p>
           <a:p>
             <a:pPr>
@@ -5150,34 +6850,59 @@
               <a:buChar char="•"/>
             </a:pPr>
             <a:r>
-              <a:rPr lang="nl-BE" dirty="0"/>
+              <a:rPr lang="nl-BE" sz="3600" dirty="0" smtClean="0"/>
               <a:t> </a:t>
             </a:r>
             <a:r>
-              <a:rPr lang="nl-BE" dirty="0" smtClean="0"/>
-              <a:t> Non-triviale transformaties</a:t>
-            </a:r>
-            <a:endParaRPr lang="en-US" dirty="0" smtClean="0"/>
+              <a:rPr lang="nl-BE" sz="3600" dirty="0" smtClean="0"/>
+              <a:t>Spreadsheet </a:t>
+            </a:r>
+            <a:r>
+              <a:rPr lang="nl-BE" sz="3600" dirty="0" smtClean="0"/>
+              <a:t>tabel transformaties </a:t>
+            </a:r>
+            <a:endParaRPr lang="nl-BE" sz="3600" dirty="0"/>
           </a:p>
           <a:p>
             <a:pPr>
               <a:buFont typeface="Arial" panose="020B0604020202020204" pitchFamily="34" charset="0"/>
               <a:buChar char="•"/>
             </a:pPr>
-            <a:endParaRPr lang="en-US" dirty="0" smtClean="0"/>
-          </a:p>
-          <a:p>
-            <a:pPr marL="0" indent="0">
-              <a:buNone/>
+            <a:r>
+              <a:rPr lang="nl-BE" sz="3600" b="1" dirty="0" smtClean="0"/>
+              <a:t> </a:t>
+            </a:r>
+            <a:r>
+              <a:rPr lang="nl-BE" sz="3600" b="1" dirty="0" err="1" smtClean="0"/>
+              <a:t>Equation</a:t>
+            </a:r>
+            <a:r>
+              <a:rPr lang="nl-BE" sz="3600" b="1" dirty="0" smtClean="0"/>
+              <a:t> </a:t>
+            </a:r>
+            <a:r>
+              <a:rPr lang="nl-BE" sz="3600" b="1" dirty="0" err="1" smtClean="0"/>
+              <a:t>discovery</a:t>
+            </a:r>
+            <a:endParaRPr lang="nl-BE" sz="3600" b="1" dirty="0"/>
+          </a:p>
+          <a:p>
+            <a:pPr>
+              <a:buFont typeface="Arial" panose="020B0604020202020204" pitchFamily="34" charset="0"/>
+              <a:buChar char="•"/>
             </a:pPr>
-            <a:endParaRPr lang="en-US" dirty="0"/>
+            <a:r>
+              <a:rPr lang="nl-BE" sz="3600" dirty="0" smtClean="0"/>
+              <a:t> Conclusie</a:t>
+            </a:r>
+            <a:endParaRPr lang="nl-BE" sz="3600" dirty="0"/>
           </a:p>
         </p:txBody>
       </p:sp>
     </p:spTree>
     <p:extLst>
       <p:ext uri="{BB962C8B-B14F-4D97-AF65-F5344CB8AC3E}">
-        <p14:creationId xmlns:p14="http://schemas.microsoft.com/office/powerpoint/2010/main" val="239212845"/>
+        <p14:creationId xmlns:p14="http://schemas.microsoft.com/office/powerpoint/2010/main" val="3555704593"/>
       </p:ext>
     </p:extLst>
   </p:cSld>
@@ -5211,188 +6936,6 @@
           <a:chExt cx="0" cy="0"/>
         </a:xfrm>
       </p:grpSpPr>
-      <mc:AlternateContent xmlns:mc="http://schemas.openxmlformats.org/markup-compatibility/2006" xmlns:a14="http://schemas.microsoft.com/office/drawing/2010/main">
-        <mc:Choice Requires="a14">
-          <p:sp>
-            <p:nvSpPr>
-              <p:cNvPr id="3" name="Content Placeholder 2"/>
-              <p:cNvSpPr>
-                <a:spLocks noGrp="1"/>
-              </p:cNvSpPr>
-              <p:nvPr>
-                <p:ph idx="1"/>
-              </p:nvPr>
-            </p:nvSpPr>
-            <p:spPr>
-              <a:xfrm>
-                <a:off x="1136159" y="1755028"/>
-                <a:ext cx="10058400" cy="4023360"/>
-              </a:xfrm>
-            </p:spPr>
-            <p:txBody>
-              <a:bodyPr/>
-              <a:lstStyle/>
-              <a:p>
-                <a:pPr>
-                  <a:buFont typeface="Arial" panose="020B0604020202020204" pitchFamily="34" charset="0"/>
-                  <a:buChar char="•"/>
-                </a:pPr>
-                <a:r>
-                  <a:rPr lang="nl-BE" dirty="0" smtClean="0"/>
-                  <a:t>  Flash </a:t>
-                </a:r>
-                <a:r>
-                  <a:rPr lang="nl-BE" dirty="0" err="1" smtClean="0"/>
-                  <a:t>fill</a:t>
-                </a:r>
-                <a:r>
-                  <a:rPr lang="nl-BE" dirty="0" smtClean="0"/>
-                  <a:t> voor getallen</a:t>
-                </a:r>
-              </a:p>
-              <a:p>
-                <a:pPr lvl="1">
-                  <a:buFont typeface="Arial" panose="020B0604020202020204" pitchFamily="34" charset="0"/>
-                  <a:buChar char="•"/>
-                </a:pPr>
-                <a:r>
-                  <a:rPr lang="nl-BE" dirty="0" err="1" smtClean="0"/>
-                  <a:t>Equation</a:t>
-                </a:r>
-                <a:r>
-                  <a:rPr lang="nl-BE" dirty="0" smtClean="0"/>
-                  <a:t> </a:t>
-                </a:r>
-                <a:r>
-                  <a:rPr lang="nl-BE" dirty="0" err="1" smtClean="0"/>
-                  <a:t>discovery</a:t>
-                </a:r>
-                <a:r>
-                  <a:rPr lang="nl-BE" dirty="0" smtClean="0"/>
-                  <a:t> voor nodig</a:t>
-                </a:r>
-              </a:p>
-              <a:p>
-                <a:pPr>
-                  <a:buFont typeface="Arial" panose="020B0604020202020204" pitchFamily="34" charset="0"/>
-                  <a:buChar char="•"/>
-                </a:pPr>
-                <a:r>
-                  <a:rPr lang="nl-BE" dirty="0" smtClean="0"/>
-                  <a:t>  Voorbeeld</a:t>
-                </a:r>
-                <a:endParaRPr lang="en-US" dirty="0" smtClean="0"/>
-              </a:p>
-              <a:p>
-                <a:pPr marL="201168" lvl="1" indent="0">
-                  <a:buNone/>
-                </a:pPr>
-                <a:r>
-                  <a:rPr lang="nl-BE" dirty="0" smtClean="0"/>
-                  <a:t>					         Gevonden vergelijking: </a:t>
-                </a:r>
-                <a14:m>
-                  <m:oMath xmlns:m="http://schemas.openxmlformats.org/officeDocument/2006/math">
-                    <m:sSup>
-                      <m:sSupPr>
-                        <m:ctrlPr>
-                          <a:rPr lang="nl-BE" b="0" i="1" smtClean="0">
-                            <a:latin typeface="Cambria Math" panose="02040503050406030204" pitchFamily="18" charset="0"/>
-                          </a:rPr>
-                        </m:ctrlPr>
-                      </m:sSupPr>
-                      <m:e>
-                        <m:r>
-                          <a:rPr lang="nl-BE">
-                            <a:latin typeface="Cambria Math" panose="02040503050406030204" pitchFamily="18" charset="0"/>
-                          </a:rPr>
-                          <m:t>(</m:t>
-                        </m:r>
-                        <m:r>
-                          <a:rPr lang="nl-BE" i="1">
-                            <a:latin typeface="Cambria Math" panose="02040503050406030204" pitchFamily="18" charset="0"/>
-                          </a:rPr>
-                          <m:t>𝑋</m:t>
-                        </m:r>
-                        <m:r>
-                          <a:rPr lang="nl-BE" i="1">
-                            <a:latin typeface="Cambria Math" panose="02040503050406030204" pitchFamily="18" charset="0"/>
-                          </a:rPr>
-                          <m:t>1 ∗</m:t>
-                        </m:r>
-                        <m:r>
-                          <a:rPr lang="nl-BE" i="1">
-                            <a:latin typeface="Cambria Math" panose="02040503050406030204" pitchFamily="18" charset="0"/>
-                          </a:rPr>
-                          <m:t>𝑋</m:t>
-                        </m:r>
-                        <m:r>
-                          <a:rPr lang="nl-BE" i="1">
-                            <a:latin typeface="Cambria Math" panose="02040503050406030204" pitchFamily="18" charset="0"/>
-                          </a:rPr>
-                          <m:t>2)</m:t>
-                        </m:r>
-                      </m:e>
-                      <m:sup>
-                        <m:r>
-                          <a:rPr lang="nl-BE" b="0" i="1" smtClean="0">
-                            <a:latin typeface="Cambria Math" panose="02040503050406030204" pitchFamily="18" charset="0"/>
-                          </a:rPr>
-                          <m:t>𝑋</m:t>
-                        </m:r>
-                        <m:r>
-                          <a:rPr lang="nl-BE" b="0" i="1" smtClean="0">
-                            <a:latin typeface="Cambria Math" panose="02040503050406030204" pitchFamily="18" charset="0"/>
-                          </a:rPr>
-                          <m:t>3</m:t>
-                        </m:r>
-                      </m:sup>
-                    </m:sSup>
-                  </m:oMath>
-                </a14:m>
-                <a:endParaRPr lang="nl-BE" dirty="0" smtClean="0"/>
-              </a:p>
-            </p:txBody>
-          </p:sp>
-        </mc:Choice>
-        <mc:Fallback xmlns="">
-          <p:sp>
-            <p:nvSpPr>
-              <p:cNvPr id="3" name="Content Placeholder 2"/>
-              <p:cNvSpPr>
-                <a:spLocks noGrp="1" noRot="1" noChangeAspect="1" noMove="1" noResize="1" noEditPoints="1" noAdjustHandles="1" noChangeArrowheads="1" noChangeShapeType="1" noTextEdit="1"/>
-              </p:cNvSpPr>
-              <p:nvPr>
-                <p:ph idx="1"/>
-              </p:nvPr>
-            </p:nvSpPr>
-            <p:spPr>
-              <a:xfrm>
-                <a:off x="1136159" y="1755028"/>
-                <a:ext cx="10058400" cy="4023360"/>
-              </a:xfrm>
-              <a:blipFill rotWithShape="1">
-                <a:blip r:embed="rId2"/>
-                <a:stretch>
-                  <a:fillRect l="-242"/>
-                </a:stretch>
-              </a:blipFill>
-            </p:spPr>
-            <p:txBody>
-              <a:bodyPr/>
-              <a:lstStyle/>
-              <a:p>
-                <a:r>
-                  <a:rPr lang="en-US">
-                    <a:noFill/>
-                  </a:rPr>
-                  <a:t> </a:t>
-                </a:r>
-              </a:p>
-            </p:txBody>
-          </p:sp>
-        </mc:Fallback>
-      </mc:AlternateContent>
       <p:sp>
         <p:nvSpPr>
           <p:cNvPr id="2" name="Title 1"/>
@@ -5409,10 +6952,1961 @@
           <a:lstStyle/>
           <a:p>
             <a:r>
-              <a:rPr lang="nl-BE" dirty="0" smtClean="0"/>
+              <a:rPr lang="nl-BE" sz="6000" dirty="0" smtClean="0"/>
+              <a:t>Definitie</a:t>
+            </a:r>
+            <a:endParaRPr lang="en-US" dirty="0"/>
+          </a:p>
+        </p:txBody>
+      </p:sp>
+      <p:sp>
+        <p:nvSpPr>
+          <p:cNvPr id="3" name="Content Placeholder 2"/>
+          <p:cNvSpPr>
+            <a:spLocks noGrp="1"/>
+          </p:cNvSpPr>
+          <p:nvPr>
+            <p:ph idx="1"/>
+          </p:nvPr>
+        </p:nvSpPr>
+        <p:spPr>
+          <a:xfrm>
+            <a:off x="1097280" y="2167023"/>
+            <a:ext cx="10058400" cy="2523954"/>
+          </a:xfrm>
+        </p:spPr>
+        <p:txBody>
+          <a:bodyPr>
+            <a:noAutofit/>
+          </a:bodyPr>
+          <a:lstStyle/>
+          <a:p>
+            <a:pPr marL="0" indent="0" algn="ctr">
+              <a:spcBef>
+                <a:spcPts val="0"/>
+              </a:spcBef>
+              <a:spcAft>
+                <a:spcPts val="0"/>
+              </a:spcAft>
+              <a:buNone/>
+            </a:pPr>
+            <a:r>
+              <a:rPr lang="en-US" sz="3600" i="1" dirty="0" smtClean="0"/>
+              <a:t>“</a:t>
+            </a:r>
+            <a:r>
+              <a:rPr lang="en-US" sz="3600" b="1" i="1" dirty="0" smtClean="0"/>
+              <a:t>Equation </a:t>
+            </a:r>
+            <a:r>
+              <a:rPr lang="en-US" sz="3600" b="1" i="1" dirty="0"/>
+              <a:t>discovery </a:t>
+            </a:r>
+            <a:r>
+              <a:rPr lang="en-US" sz="3600" i="1" dirty="0"/>
+              <a:t>is a machine learning task that deals with the problem of learning </a:t>
+            </a:r>
+            <a:r>
+              <a:rPr lang="en-US" sz="3600" b="1" i="1" dirty="0"/>
+              <a:t>quantitative laws and models</a:t>
+            </a:r>
+            <a:r>
+              <a:rPr lang="en-US" sz="3600" i="1" dirty="0"/>
+              <a:t>, expressed in the form of equations, in collections of measured </a:t>
+            </a:r>
+            <a:r>
+              <a:rPr lang="en-US" sz="3600" b="1" i="1" dirty="0"/>
+              <a:t>numeric data</a:t>
+            </a:r>
+            <a:r>
+              <a:rPr lang="en-US" sz="3600" i="1" dirty="0" smtClean="0"/>
+              <a:t>.” </a:t>
+            </a:r>
+          </a:p>
+          <a:p>
+            <a:pPr marL="0" indent="0" algn="ctr">
+              <a:spcBef>
+                <a:spcPts val="0"/>
+              </a:spcBef>
+              <a:spcAft>
+                <a:spcPts val="0"/>
+              </a:spcAft>
+              <a:buNone/>
+            </a:pPr>
+            <a:r>
+              <a:rPr lang="en-US" sz="3600" i="1" dirty="0" smtClean="0"/>
+              <a:t>– </a:t>
+            </a:r>
+            <a:r>
+              <a:rPr lang="en-US" sz="3600" dirty="0" smtClean="0"/>
+              <a:t>Encyclopedia of machine learning</a:t>
+            </a:r>
+            <a:endParaRPr lang="en-US" sz="3600" dirty="0"/>
+          </a:p>
+        </p:txBody>
+      </p:sp>
+    </p:spTree>
+    <p:extLst>
+      <p:ext uri="{BB962C8B-B14F-4D97-AF65-F5344CB8AC3E}">
+        <p14:creationId xmlns:p14="http://schemas.microsoft.com/office/powerpoint/2010/main" val="3033113370"/>
+      </p:ext>
+    </p:extLst>
+  </p:cSld>
+  <p:clrMapOvr>
+    <a:masterClrMapping/>
+  </p:clrMapOvr>
+  <p:timing>
+    <p:tnLst>
+      <p:par>
+        <p:cTn id="1" dur="indefinite" restart="never" nodeType="tmRoot"/>
+      </p:par>
+    </p:tnLst>
+  </p:timing>
+</p:sld>
+</file>
+
+<file path=ppt/slides/slide19.xml><?xml version="1.0" encoding="utf-8"?>
+<p:sld xmlns:a="http://schemas.openxmlformats.org/drawingml/2006/main" xmlns:r="http://schemas.openxmlformats.org/officeDocument/2006/relationships" xmlns:p="http://schemas.openxmlformats.org/presentationml/2006/main">
+  <p:cSld>
+    <p:spTree>
+      <p:nvGrpSpPr>
+        <p:cNvPr id="1" name=""/>
+        <p:cNvGrpSpPr/>
+        <p:nvPr/>
+      </p:nvGrpSpPr>
+      <p:grpSpPr>
+        <a:xfrm>
+          <a:off x="0" y="0"/>
+          <a:ext cx="0" cy="0"/>
+          <a:chOff x="0" y="0"/>
+          <a:chExt cx="0" cy="0"/>
+        </a:xfrm>
+      </p:grpSpPr>
+      <p:sp>
+        <p:nvSpPr>
+          <p:cNvPr id="2" name="Title 1"/>
+          <p:cNvSpPr>
+            <a:spLocks noGrp="1"/>
+          </p:cNvSpPr>
+          <p:nvPr>
+            <p:ph type="title"/>
+          </p:nvPr>
+        </p:nvSpPr>
+        <p:spPr/>
+        <p:txBody>
+          <a:bodyPr>
+            <a:normAutofit/>
+          </a:bodyPr>
+          <a:lstStyle/>
+          <a:p>
+            <a:r>
+              <a:rPr lang="nl-BE" sz="6000" dirty="0" err="1">
+                <a:solidFill>
+                  <a:schemeClr val="tx1"/>
+                </a:solidFill>
+              </a:rPr>
+              <a:t>Inductive</a:t>
+            </a:r>
+            <a:r>
+              <a:rPr lang="nl-BE" sz="6000" dirty="0">
+                <a:solidFill>
+                  <a:schemeClr val="tx1"/>
+                </a:solidFill>
+              </a:rPr>
+              <a:t> </a:t>
+            </a:r>
+            <a:r>
+              <a:rPr lang="nl-BE" sz="6000" dirty="0" err="1" smtClean="0">
+                <a:solidFill>
+                  <a:schemeClr val="tx1"/>
+                </a:solidFill>
+              </a:rPr>
+              <a:t>language</a:t>
+            </a:r>
+            <a:r>
+              <a:rPr lang="nl-BE" sz="6000" dirty="0" smtClean="0">
+                <a:solidFill>
+                  <a:schemeClr val="tx1"/>
+                </a:solidFill>
+              </a:rPr>
+              <a:t> </a:t>
+            </a:r>
+            <a:r>
+              <a:rPr lang="nl-BE" sz="6000" dirty="0">
+                <a:solidFill>
+                  <a:schemeClr val="tx1"/>
+                </a:solidFill>
+              </a:rPr>
+              <a:t>b</a:t>
+            </a:r>
+            <a:r>
+              <a:rPr lang="nl-BE" sz="6000" dirty="0" smtClean="0">
+                <a:solidFill>
+                  <a:schemeClr val="tx1"/>
+                </a:solidFill>
+              </a:rPr>
+              <a:t>ias</a:t>
+            </a:r>
+            <a:endParaRPr lang="en-US" sz="6000" dirty="0">
+              <a:solidFill>
+                <a:schemeClr val="tx1"/>
+              </a:solidFill>
+            </a:endParaRPr>
+          </a:p>
+        </p:txBody>
+      </p:sp>
+      <p:sp>
+        <p:nvSpPr>
+          <p:cNvPr id="3" name="Content Placeholder 2"/>
+          <p:cNvSpPr>
+            <a:spLocks noGrp="1"/>
+          </p:cNvSpPr>
+          <p:nvPr>
+            <p:ph idx="1"/>
+          </p:nvPr>
+        </p:nvSpPr>
+        <p:spPr/>
+        <p:txBody>
+          <a:bodyPr/>
+          <a:lstStyle/>
+          <a:p>
+            <a:pPr>
+              <a:buFont typeface="Arial" panose="020B0604020202020204" pitchFamily="34" charset="0"/>
+              <a:buChar char="•"/>
+            </a:pPr>
+            <a:r>
+              <a:rPr lang="nl-BE" sz="3600" dirty="0" smtClean="0"/>
+              <a:t> </a:t>
+            </a:r>
+            <a:r>
+              <a:rPr lang="nl-BE" sz="3600" dirty="0" err="1" smtClean="0"/>
+              <a:t>Inductive</a:t>
+            </a:r>
+            <a:r>
+              <a:rPr lang="nl-BE" sz="3600" dirty="0" smtClean="0"/>
+              <a:t> </a:t>
+            </a:r>
+            <a:r>
+              <a:rPr lang="nl-BE" sz="3600" dirty="0" smtClean="0"/>
+              <a:t>bias</a:t>
+            </a:r>
+          </a:p>
+          <a:p>
+            <a:pPr>
+              <a:buFont typeface="Arial" panose="020B0604020202020204" pitchFamily="34" charset="0"/>
+              <a:buChar char="•"/>
+            </a:pPr>
+            <a:r>
+              <a:rPr lang="nl-BE" sz="3600" dirty="0"/>
+              <a:t> </a:t>
+            </a:r>
+            <a:r>
+              <a:rPr lang="nl-BE" sz="3600" dirty="0" smtClean="0"/>
+              <a:t>3 </a:t>
+            </a:r>
+            <a:r>
+              <a:rPr lang="nl-BE" sz="3600" dirty="0" smtClean="0"/>
+              <a:t>Types</a:t>
+            </a:r>
+          </a:p>
+          <a:p>
+            <a:pPr lvl="2">
+              <a:buFont typeface="Arial" panose="020B0604020202020204" pitchFamily="34" charset="0"/>
+              <a:buChar char="•"/>
+            </a:pPr>
+            <a:r>
+              <a:rPr lang="nl-BE" sz="2800" dirty="0" smtClean="0"/>
+              <a:t>Language bias</a:t>
+            </a:r>
+          </a:p>
+          <a:p>
+            <a:pPr lvl="2">
+              <a:buFont typeface="Arial" panose="020B0604020202020204" pitchFamily="34" charset="0"/>
+              <a:buChar char="•"/>
+            </a:pPr>
+            <a:r>
+              <a:rPr lang="nl-BE" sz="2800" dirty="0" smtClean="0"/>
+              <a:t>Search bias</a:t>
+            </a:r>
+          </a:p>
+          <a:p>
+            <a:pPr lvl="2">
+              <a:buFont typeface="Arial" panose="020B0604020202020204" pitchFamily="34" charset="0"/>
+              <a:buChar char="•"/>
+            </a:pPr>
+            <a:r>
+              <a:rPr lang="nl-BE" sz="2800" dirty="0" err="1" smtClean="0"/>
+              <a:t>Validation</a:t>
+            </a:r>
+            <a:r>
+              <a:rPr lang="nl-BE" sz="2800" dirty="0" smtClean="0"/>
+              <a:t> bias</a:t>
+            </a:r>
+          </a:p>
+          <a:p>
+            <a:pPr>
+              <a:buFont typeface="Arial" panose="020B0604020202020204" pitchFamily="34" charset="0"/>
+              <a:buChar char="•"/>
+            </a:pPr>
+            <a:r>
+              <a:rPr lang="nl-BE" sz="3600" dirty="0"/>
+              <a:t> </a:t>
+            </a:r>
+            <a:r>
+              <a:rPr lang="nl-BE" sz="3600" dirty="0" err="1" smtClean="0"/>
+              <a:t>Declaratief</a:t>
+            </a:r>
+            <a:r>
+              <a:rPr lang="nl-BE" sz="3600" dirty="0" smtClean="0"/>
+              <a:t>  </a:t>
+            </a:r>
+            <a:endParaRPr lang="nl-BE" sz="3600" dirty="0" smtClean="0"/>
+          </a:p>
+          <a:p>
+            <a:endParaRPr lang="en-US" dirty="0"/>
+          </a:p>
+        </p:txBody>
+      </p:sp>
+    </p:spTree>
+    <p:extLst>
+      <p:ext uri="{BB962C8B-B14F-4D97-AF65-F5344CB8AC3E}">
+        <p14:creationId xmlns:p14="http://schemas.microsoft.com/office/powerpoint/2010/main" val="2786214848"/>
+      </p:ext>
+    </p:extLst>
+  </p:cSld>
+  <p:clrMapOvr>
+    <a:masterClrMapping/>
+  </p:clrMapOvr>
+  <p:timing>
+    <p:tnLst>
+      <p:par>
+        <p:cTn id="1" dur="indefinite" restart="never" nodeType="tmRoot"/>
+      </p:par>
+    </p:tnLst>
+  </p:timing>
+</p:sld>
+</file>
+
+<file path=ppt/slides/slide2.xml><?xml version="1.0" encoding="utf-8"?>
+<p:sld xmlns:a="http://schemas.openxmlformats.org/drawingml/2006/main" xmlns:r="http://schemas.openxmlformats.org/officeDocument/2006/relationships" xmlns:p="http://schemas.openxmlformats.org/presentationml/2006/main">
+  <p:cSld>
+    <p:spTree>
+      <p:nvGrpSpPr>
+        <p:cNvPr id="1" name=""/>
+        <p:cNvGrpSpPr/>
+        <p:nvPr/>
+      </p:nvGrpSpPr>
+      <p:grpSpPr>
+        <a:xfrm>
+          <a:off x="0" y="0"/>
+          <a:ext cx="0" cy="0"/>
+          <a:chOff x="0" y="0"/>
+          <a:chExt cx="0" cy="0"/>
+        </a:xfrm>
+      </p:grpSpPr>
+      <p:sp>
+        <p:nvSpPr>
+          <p:cNvPr id="2" name="Title 1"/>
+          <p:cNvSpPr>
+            <a:spLocks noGrp="1"/>
+          </p:cNvSpPr>
+          <p:nvPr>
+            <p:ph type="title"/>
+          </p:nvPr>
+        </p:nvSpPr>
+        <p:spPr/>
+        <p:txBody>
+          <a:bodyPr>
+            <a:normAutofit/>
+          </a:bodyPr>
+          <a:lstStyle/>
+          <a:p>
+            <a:r>
+              <a:rPr lang="nl-BE" sz="6000" dirty="0" smtClean="0"/>
+              <a:t>Overzicht</a:t>
+            </a:r>
+            <a:endParaRPr lang="nl-BE" sz="6000" dirty="0"/>
+          </a:p>
+        </p:txBody>
+      </p:sp>
+      <p:sp>
+        <p:nvSpPr>
+          <p:cNvPr id="3" name="Content Placeholder 2"/>
+          <p:cNvSpPr>
+            <a:spLocks noGrp="1"/>
+          </p:cNvSpPr>
+          <p:nvPr>
+            <p:ph idx="1"/>
+          </p:nvPr>
+        </p:nvSpPr>
+        <p:spPr/>
+        <p:txBody>
+          <a:bodyPr>
+            <a:normAutofit/>
+          </a:bodyPr>
+          <a:lstStyle/>
+          <a:p>
+            <a:pPr>
+              <a:buFont typeface="Arial" panose="020B0604020202020204" pitchFamily="34" charset="0"/>
+              <a:buChar char="•"/>
+            </a:pPr>
+            <a:r>
+              <a:rPr lang="nl-BE" sz="3600" dirty="0" smtClean="0"/>
+              <a:t> </a:t>
+            </a:r>
+            <a:r>
+              <a:rPr lang="nl-BE" sz="3600" dirty="0" smtClean="0"/>
+              <a:t>Ons </a:t>
+            </a:r>
+            <a:r>
+              <a:rPr lang="nl-BE" sz="3600" dirty="0"/>
+              <a:t>doel</a:t>
+            </a:r>
+            <a:endParaRPr lang="nl-BE" sz="3600" dirty="0" smtClean="0"/>
+          </a:p>
+          <a:p>
+            <a:pPr>
+              <a:buFont typeface="Arial" panose="020B0604020202020204" pitchFamily="34" charset="0"/>
+              <a:buChar char="•"/>
+            </a:pPr>
+            <a:r>
+              <a:rPr lang="nl-BE" sz="3600" dirty="0"/>
+              <a:t> </a:t>
+            </a:r>
+            <a:r>
+              <a:rPr lang="nl-BE" sz="3600" dirty="0" err="1" smtClean="0"/>
+              <a:t>Example-based</a:t>
+            </a:r>
+            <a:r>
+              <a:rPr lang="nl-BE" sz="3600" dirty="0" smtClean="0"/>
+              <a:t> </a:t>
+            </a:r>
+            <a:r>
+              <a:rPr lang="nl-BE" sz="3600" dirty="0" err="1" smtClean="0"/>
+              <a:t>learning</a:t>
+            </a:r>
+            <a:endParaRPr lang="nl-BE" sz="3600" dirty="0" smtClean="0"/>
+          </a:p>
+          <a:p>
+            <a:pPr>
+              <a:buFont typeface="Arial" panose="020B0604020202020204" pitchFamily="34" charset="0"/>
+              <a:buChar char="•"/>
+            </a:pPr>
+            <a:r>
+              <a:rPr lang="nl-BE" sz="3600" dirty="0" smtClean="0"/>
+              <a:t> </a:t>
+            </a:r>
+            <a:r>
+              <a:rPr lang="nl-BE" sz="3600" dirty="0" smtClean="0"/>
+              <a:t>Spreadsheet </a:t>
+            </a:r>
+            <a:r>
+              <a:rPr lang="nl-BE" sz="3600" dirty="0" smtClean="0"/>
+              <a:t>tabel transformaties </a:t>
+            </a:r>
+            <a:endParaRPr lang="nl-BE" sz="3600" dirty="0"/>
+          </a:p>
+          <a:p>
+            <a:pPr>
+              <a:buFont typeface="Arial" panose="020B0604020202020204" pitchFamily="34" charset="0"/>
+              <a:buChar char="•"/>
+            </a:pPr>
+            <a:r>
+              <a:rPr lang="nl-BE" sz="3600" dirty="0" smtClean="0"/>
+              <a:t> </a:t>
+            </a:r>
+            <a:r>
+              <a:rPr lang="nl-BE" sz="3600" dirty="0" err="1" smtClean="0"/>
+              <a:t>Equation</a:t>
+            </a:r>
+            <a:r>
+              <a:rPr lang="nl-BE" sz="3600" dirty="0" smtClean="0"/>
+              <a:t> </a:t>
+            </a:r>
+            <a:r>
+              <a:rPr lang="nl-BE" sz="3600" dirty="0" err="1" smtClean="0"/>
+              <a:t>discovery</a:t>
+            </a:r>
+            <a:endParaRPr lang="nl-BE" sz="3600" dirty="0" smtClean="0"/>
+          </a:p>
+          <a:p>
+            <a:pPr>
+              <a:buFont typeface="Arial" panose="020B0604020202020204" pitchFamily="34" charset="0"/>
+              <a:buChar char="•"/>
+            </a:pPr>
+            <a:r>
+              <a:rPr lang="nl-BE" sz="3600" dirty="0"/>
+              <a:t> </a:t>
+            </a:r>
+            <a:r>
+              <a:rPr lang="nl-BE" sz="3600" dirty="0" smtClean="0"/>
+              <a:t>Conclusie</a:t>
+            </a:r>
+            <a:endParaRPr lang="nl-BE" sz="3600" dirty="0"/>
+          </a:p>
+        </p:txBody>
+      </p:sp>
+    </p:spTree>
+    <p:extLst>
+      <p:ext uri="{BB962C8B-B14F-4D97-AF65-F5344CB8AC3E}">
+        <p14:creationId xmlns:p14="http://schemas.microsoft.com/office/powerpoint/2010/main" val="3727844137"/>
+      </p:ext>
+    </p:extLst>
+  </p:cSld>
+  <p:clrMapOvr>
+    <a:masterClrMapping/>
+  </p:clrMapOvr>
+  <p:timing>
+    <p:tnLst>
+      <p:par>
+        <p:cTn id="1" dur="indefinite" restart="never" nodeType="tmRoot"/>
+      </p:par>
+    </p:tnLst>
+  </p:timing>
+</p:sld>
+</file>
+
+<file path=ppt/slides/slide20.xml><?xml version="1.0" encoding="utf-8"?>
+<p:sld xmlns:a="http://schemas.openxmlformats.org/drawingml/2006/main" xmlns:r="http://schemas.openxmlformats.org/officeDocument/2006/relationships" xmlns:p="http://schemas.openxmlformats.org/presentationml/2006/main">
+  <p:cSld>
+    <p:spTree>
+      <p:nvGrpSpPr>
+        <p:cNvPr id="1" name=""/>
+        <p:cNvGrpSpPr/>
+        <p:nvPr/>
+      </p:nvGrpSpPr>
+      <p:grpSpPr>
+        <a:xfrm>
+          <a:off x="0" y="0"/>
+          <a:ext cx="0" cy="0"/>
+          <a:chOff x="0" y="0"/>
+          <a:chExt cx="0" cy="0"/>
+        </a:xfrm>
+      </p:grpSpPr>
+      <p:sp>
+        <p:nvSpPr>
+          <p:cNvPr id="2" name="Title 1"/>
+          <p:cNvSpPr>
+            <a:spLocks noGrp="1"/>
+          </p:cNvSpPr>
+          <p:nvPr>
+            <p:ph type="title"/>
+          </p:nvPr>
+        </p:nvSpPr>
+        <p:spPr/>
+        <p:txBody>
+          <a:bodyPr>
+            <a:normAutofit/>
+          </a:bodyPr>
+          <a:lstStyle/>
+          <a:p>
+            <a:r>
+              <a:rPr lang="nl-BE" sz="6000" dirty="0"/>
+              <a:t>Context vrije </a:t>
+            </a:r>
+            <a:r>
+              <a:rPr lang="nl-BE" sz="6000" dirty="0" smtClean="0"/>
+              <a:t>grammatica (1)</a:t>
+            </a:r>
+            <a:endParaRPr lang="en-US" sz="6000" dirty="0"/>
+          </a:p>
+        </p:txBody>
+      </p:sp>
+      <p:sp>
+        <p:nvSpPr>
+          <p:cNvPr id="4" name="Content Placeholder 2"/>
+          <p:cNvSpPr>
+            <a:spLocks noGrp="1"/>
+          </p:cNvSpPr>
+          <p:nvPr>
+            <p:ph idx="1"/>
+          </p:nvPr>
+        </p:nvSpPr>
+        <p:spPr>
+          <a:xfrm>
+            <a:off x="821620" y="2182096"/>
+            <a:ext cx="10548761" cy="2493809"/>
+          </a:xfrm>
+        </p:spPr>
+        <p:txBody>
+          <a:bodyPr>
+            <a:noAutofit/>
+          </a:bodyPr>
+          <a:lstStyle/>
+          <a:p>
+            <a:pPr marL="0" indent="0" algn="ctr">
+              <a:spcBef>
+                <a:spcPts val="0"/>
+              </a:spcBef>
+              <a:spcAft>
+                <a:spcPts val="0"/>
+              </a:spcAft>
+              <a:buNone/>
+            </a:pPr>
+            <a:r>
+              <a:rPr lang="en-US" sz="3600" i="1" dirty="0" smtClean="0"/>
+              <a:t>“A </a:t>
+            </a:r>
+            <a:r>
+              <a:rPr lang="en-US" sz="3600" b="1" i="1" dirty="0" smtClean="0"/>
+              <a:t>context free grammar </a:t>
+            </a:r>
+            <a:r>
+              <a:rPr lang="en-US" sz="3600" i="1" dirty="0" smtClean="0"/>
+              <a:t>consists of a finite set of variables , each of them representing a subclass of </a:t>
+            </a:r>
+            <a:r>
+              <a:rPr lang="en-US" sz="3600" i="1" dirty="0" err="1" smtClean="0"/>
+              <a:t>subexpressions</a:t>
+            </a:r>
+            <a:r>
+              <a:rPr lang="en-US" sz="3600" i="1" dirty="0" smtClean="0"/>
+              <a:t> or phrases in the language represented by the grammar.”</a:t>
+            </a:r>
+          </a:p>
+          <a:p>
+            <a:pPr marL="0" indent="0" algn="ctr">
+              <a:spcBef>
+                <a:spcPts val="0"/>
+              </a:spcBef>
+              <a:spcAft>
+                <a:spcPts val="0"/>
+              </a:spcAft>
+              <a:buNone/>
+            </a:pPr>
+            <a:r>
+              <a:rPr lang="nl-BE" sz="3600" i="1" dirty="0" smtClean="0"/>
+              <a:t>- </a:t>
+            </a:r>
+            <a:r>
+              <a:rPr lang="nl-BE" sz="3600" i="1" dirty="0" err="1" smtClean="0"/>
+              <a:t>Todorovski</a:t>
+            </a:r>
+            <a:r>
+              <a:rPr lang="nl-BE" sz="3600" i="1" dirty="0" smtClean="0"/>
+              <a:t> &amp; </a:t>
+            </a:r>
+            <a:r>
+              <a:rPr lang="nl-BE" sz="3600" i="1" dirty="0" err="1" smtClean="0"/>
+              <a:t>Džeroski</a:t>
+            </a:r>
+            <a:endParaRPr lang="en-US" sz="3600" i="1" dirty="0" smtClean="0"/>
+          </a:p>
+        </p:txBody>
+      </p:sp>
+    </p:spTree>
+    <p:extLst>
+      <p:ext uri="{BB962C8B-B14F-4D97-AF65-F5344CB8AC3E}">
+        <p14:creationId xmlns:p14="http://schemas.microsoft.com/office/powerpoint/2010/main" val="2352575886"/>
+      </p:ext>
+    </p:extLst>
+  </p:cSld>
+  <p:clrMapOvr>
+    <a:masterClrMapping/>
+  </p:clrMapOvr>
+  <p:timing>
+    <p:tnLst>
+      <p:par>
+        <p:cTn id="1" dur="indefinite" restart="never" nodeType="tmRoot"/>
+      </p:par>
+    </p:tnLst>
+  </p:timing>
+</p:sld>
+</file>
+
+<file path=ppt/slides/slide21.xml><?xml version="1.0" encoding="utf-8"?>
+<p:sld xmlns:a="http://schemas.openxmlformats.org/drawingml/2006/main" xmlns:r="http://schemas.openxmlformats.org/officeDocument/2006/relationships" xmlns:p="http://schemas.openxmlformats.org/presentationml/2006/main">
+  <p:cSld>
+    <p:spTree>
+      <p:nvGrpSpPr>
+        <p:cNvPr id="1" name=""/>
+        <p:cNvGrpSpPr/>
+        <p:nvPr/>
+      </p:nvGrpSpPr>
+      <p:grpSpPr>
+        <a:xfrm>
+          <a:off x="0" y="0"/>
+          <a:ext cx="0" cy="0"/>
+          <a:chOff x="0" y="0"/>
+          <a:chExt cx="0" cy="0"/>
+        </a:xfrm>
+      </p:grpSpPr>
+      <p:sp>
+        <p:nvSpPr>
+          <p:cNvPr id="2" name="Title 1"/>
+          <p:cNvSpPr>
+            <a:spLocks noGrp="1"/>
+          </p:cNvSpPr>
+          <p:nvPr>
+            <p:ph type="title"/>
+          </p:nvPr>
+        </p:nvSpPr>
+        <p:spPr/>
+        <p:txBody>
+          <a:bodyPr>
+            <a:normAutofit/>
+          </a:bodyPr>
+          <a:lstStyle/>
+          <a:p>
+            <a:r>
+              <a:rPr lang="nl-BE" sz="6000" dirty="0"/>
+              <a:t>Context vrije grammatica </a:t>
+            </a:r>
+            <a:r>
+              <a:rPr lang="nl-BE" sz="6000" dirty="0" smtClean="0"/>
+              <a:t>(2)</a:t>
+            </a:r>
+            <a:endParaRPr lang="en-US" sz="6000" dirty="0"/>
+          </a:p>
+        </p:txBody>
+      </p:sp>
+      <p:sp>
+        <p:nvSpPr>
+          <p:cNvPr id="3" name="Content Placeholder 2"/>
+          <p:cNvSpPr>
+            <a:spLocks noGrp="1"/>
+          </p:cNvSpPr>
+          <p:nvPr>
+            <p:ph idx="1"/>
+          </p:nvPr>
+        </p:nvSpPr>
+        <p:spPr/>
+        <p:txBody>
+          <a:bodyPr/>
+          <a:lstStyle/>
+          <a:p>
+            <a:pPr>
+              <a:spcBef>
+                <a:spcPts val="0"/>
+              </a:spcBef>
+              <a:spcAft>
+                <a:spcPts val="1200"/>
+              </a:spcAft>
+              <a:buFont typeface="Arial" panose="020B0604020202020204" pitchFamily="34" charset="0"/>
+              <a:buChar char="•"/>
+            </a:pPr>
+            <a:r>
+              <a:rPr lang="nl-BE" sz="3600" dirty="0" smtClean="0"/>
+              <a:t>  Voorbeeld </a:t>
+            </a:r>
+            <a:r>
+              <a:rPr lang="nl-BE" sz="3600" dirty="0" err="1" smtClean="0">
+                <a:solidFill>
+                  <a:srgbClr val="FF0000"/>
+                </a:solidFill>
+              </a:rPr>
+              <a:t>language</a:t>
+            </a:r>
+            <a:r>
+              <a:rPr lang="nl-BE" sz="3600" dirty="0" smtClean="0">
+                <a:solidFill>
+                  <a:srgbClr val="FF0000"/>
+                </a:solidFill>
+              </a:rPr>
+              <a:t> bias</a:t>
+            </a:r>
+            <a:r>
+              <a:rPr lang="nl-BE" sz="3600" dirty="0" smtClean="0"/>
+              <a:t>: </a:t>
+            </a:r>
+            <a:br>
+              <a:rPr lang="nl-BE" sz="3600" dirty="0" smtClean="0"/>
+            </a:br>
+            <a:r>
+              <a:rPr lang="nl-BE" sz="3600" dirty="0" smtClean="0"/>
+              <a:t>	context </a:t>
+            </a:r>
+            <a:r>
+              <a:rPr lang="nl-BE" sz="3600" dirty="0" smtClean="0"/>
+              <a:t>vrije </a:t>
+            </a:r>
+            <a:r>
+              <a:rPr lang="nl-BE" sz="3600" dirty="0" smtClean="0"/>
+              <a:t>grammatica</a:t>
+            </a:r>
+          </a:p>
+          <a:p>
+            <a:pPr>
+              <a:buFont typeface="Arial" panose="020B0604020202020204" pitchFamily="34" charset="0"/>
+              <a:buChar char="•"/>
+            </a:pPr>
+            <a:r>
+              <a:rPr lang="nl-BE" sz="3600" dirty="0" smtClean="0"/>
+              <a:t>  </a:t>
+            </a:r>
+            <a:r>
+              <a:rPr lang="nl-BE" sz="3600" dirty="0" err="1" smtClean="0"/>
+              <a:t>Parse</a:t>
+            </a:r>
+            <a:r>
+              <a:rPr lang="nl-BE" sz="3600" dirty="0" smtClean="0"/>
+              <a:t> tree</a:t>
+            </a:r>
+            <a:endParaRPr lang="nl-BE" sz="3600" dirty="0"/>
+          </a:p>
+          <a:p>
+            <a:pPr lvl="2">
+              <a:buFont typeface="Arial" panose="020B0604020202020204" pitchFamily="34" charset="0"/>
+              <a:buChar char="•"/>
+            </a:pPr>
+            <a:r>
+              <a:rPr lang="nl-BE" sz="2800" dirty="0" err="1" smtClean="0"/>
+              <a:t>Parse</a:t>
+            </a:r>
+            <a:r>
+              <a:rPr lang="nl-BE" sz="2800" dirty="0" smtClean="0"/>
+              <a:t> </a:t>
+            </a:r>
+            <a:r>
+              <a:rPr lang="nl-BE" sz="2800" dirty="0" err="1" smtClean="0"/>
+              <a:t>task</a:t>
+            </a:r>
+            <a:endParaRPr lang="nl-BE" sz="2800" dirty="0" smtClean="0"/>
+          </a:p>
+          <a:p>
+            <a:pPr lvl="2">
+              <a:buFont typeface="Arial" panose="020B0604020202020204" pitchFamily="34" charset="0"/>
+              <a:buChar char="•"/>
+            </a:pPr>
+            <a:r>
+              <a:rPr lang="nl-BE" sz="2800" dirty="0" err="1" smtClean="0"/>
+              <a:t>Parse</a:t>
+            </a:r>
+            <a:r>
+              <a:rPr lang="nl-BE" sz="2800" dirty="0" smtClean="0"/>
+              <a:t> </a:t>
+            </a:r>
+            <a:r>
+              <a:rPr lang="nl-BE" sz="2800" dirty="0" err="1" smtClean="0"/>
+              <a:t>generation</a:t>
+            </a:r>
+            <a:endParaRPr lang="nl-BE" sz="2800" dirty="0" smtClean="0"/>
+          </a:p>
+        </p:txBody>
+      </p:sp>
+      <p:pic>
+        <p:nvPicPr>
+          <p:cNvPr id="6" name="Picture 5"/>
+          <p:cNvPicPr>
+            <a:picLocks noChangeAspect="1"/>
+          </p:cNvPicPr>
+          <p:nvPr/>
+        </p:nvPicPr>
+        <p:blipFill>
+          <a:blip r:embed="rId3">
+            <a:extLst>
+              <a:ext uri="{28A0092B-C50C-407E-A947-70E740481C1C}">
+                <a14:useLocalDpi xmlns:a14="http://schemas.microsoft.com/office/drawing/2010/main" val="0"/>
+              </a:ext>
+            </a:extLst>
+          </a:blip>
+          <a:stretch>
+            <a:fillRect/>
+          </a:stretch>
+        </p:blipFill>
+        <p:spPr>
+          <a:xfrm>
+            <a:off x="7063053" y="3322765"/>
+            <a:ext cx="4652279" cy="2877067"/>
+          </a:xfrm>
+          <a:prstGeom prst="rect">
+            <a:avLst/>
+          </a:prstGeom>
+        </p:spPr>
+      </p:pic>
+      <p:pic>
+        <p:nvPicPr>
+          <p:cNvPr id="7" name="Picture 6"/>
+          <p:cNvPicPr>
+            <a:picLocks noChangeAspect="1"/>
+          </p:cNvPicPr>
+          <p:nvPr/>
+        </p:nvPicPr>
+        <p:blipFill>
+          <a:blip r:embed="rId4">
+            <a:extLst>
+              <a:ext uri="{28A0092B-C50C-407E-A947-70E740481C1C}">
+                <a14:useLocalDpi xmlns:a14="http://schemas.microsoft.com/office/drawing/2010/main" val="0"/>
+              </a:ext>
+            </a:extLst>
+          </a:blip>
+          <a:stretch>
+            <a:fillRect/>
+          </a:stretch>
+        </p:blipFill>
+        <p:spPr>
+          <a:xfrm>
+            <a:off x="7616402" y="1827732"/>
+            <a:ext cx="4098930" cy="1144431"/>
+          </a:xfrm>
+          <a:prstGeom prst="rect">
+            <a:avLst/>
+          </a:prstGeom>
+        </p:spPr>
+      </p:pic>
+    </p:spTree>
+    <p:extLst>
+      <p:ext uri="{BB962C8B-B14F-4D97-AF65-F5344CB8AC3E}">
+        <p14:creationId xmlns:p14="http://schemas.microsoft.com/office/powerpoint/2010/main" val="2584579861"/>
+      </p:ext>
+    </p:extLst>
+  </p:cSld>
+  <p:clrMapOvr>
+    <a:masterClrMapping/>
+  </p:clrMapOvr>
+  <p:timing>
+    <p:tnLst>
+      <p:par>
+        <p:cTn id="1" dur="indefinite" restart="never" nodeType="tmRoot"/>
+      </p:par>
+    </p:tnLst>
+  </p:timing>
+</p:sld>
+</file>
+
+<file path=ppt/slides/slide22.xml><?xml version="1.0" encoding="utf-8"?>
+<p:sld xmlns:a="http://schemas.openxmlformats.org/drawingml/2006/main" xmlns:r="http://schemas.openxmlformats.org/officeDocument/2006/relationships" xmlns:p="http://schemas.openxmlformats.org/presentationml/2006/main">
+  <p:cSld>
+    <p:spTree>
+      <p:nvGrpSpPr>
+        <p:cNvPr id="1" name=""/>
+        <p:cNvGrpSpPr/>
+        <p:nvPr/>
+      </p:nvGrpSpPr>
+      <p:grpSpPr>
+        <a:xfrm>
+          <a:off x="0" y="0"/>
+          <a:ext cx="0" cy="0"/>
+          <a:chOff x="0" y="0"/>
+          <a:chExt cx="0" cy="0"/>
+        </a:xfrm>
+      </p:grpSpPr>
+      <p:sp>
+        <p:nvSpPr>
+          <p:cNvPr id="2" name="Title 1"/>
+          <p:cNvSpPr>
+            <a:spLocks noGrp="1"/>
+          </p:cNvSpPr>
+          <p:nvPr>
+            <p:ph type="title"/>
+          </p:nvPr>
+        </p:nvSpPr>
+        <p:spPr/>
+        <p:txBody>
+          <a:bodyPr>
+            <a:normAutofit/>
+          </a:bodyPr>
+          <a:lstStyle/>
+          <a:p>
+            <a:r>
+              <a:rPr lang="nl-BE" sz="6000" dirty="0" smtClean="0"/>
+              <a:t>Conclusie</a:t>
+            </a:r>
+            <a:endParaRPr lang="en-US" sz="6000" dirty="0"/>
+          </a:p>
+        </p:txBody>
+      </p:sp>
+      <p:sp>
+        <p:nvSpPr>
+          <p:cNvPr id="3" name="Content Placeholder 2"/>
+          <p:cNvSpPr>
+            <a:spLocks noGrp="1"/>
+          </p:cNvSpPr>
+          <p:nvPr>
+            <p:ph idx="1"/>
+          </p:nvPr>
+        </p:nvSpPr>
+        <p:spPr/>
+        <p:txBody>
+          <a:bodyPr>
+            <a:normAutofit/>
+          </a:bodyPr>
+          <a:lstStyle/>
+          <a:p>
+            <a:pPr marL="0" indent="0">
+              <a:buNone/>
+            </a:pPr>
+            <a:r>
+              <a:rPr lang="nl-BE" sz="3600" dirty="0" smtClean="0">
+                <a:solidFill>
+                  <a:srgbClr val="FF0000"/>
+                </a:solidFill>
+              </a:rPr>
+              <a:t>(NOG TE DOEN)</a:t>
+            </a:r>
+          </a:p>
+        </p:txBody>
+      </p:sp>
+    </p:spTree>
+    <p:extLst>
+      <p:ext uri="{BB962C8B-B14F-4D97-AF65-F5344CB8AC3E}">
+        <p14:creationId xmlns:p14="http://schemas.microsoft.com/office/powerpoint/2010/main" val="2029372312"/>
+      </p:ext>
+    </p:extLst>
+  </p:cSld>
+  <p:clrMapOvr>
+    <a:masterClrMapping/>
+  </p:clrMapOvr>
+  <p:timing>
+    <p:tnLst>
+      <p:par>
+        <p:cTn id="1" dur="indefinite" restart="never" nodeType="tmRoot"/>
+      </p:par>
+    </p:tnLst>
+  </p:timing>
+</p:sld>
+</file>
+
+<file path=ppt/slides/slide23.xml><?xml version="1.0" encoding="utf-8"?>
+<p:sld xmlns:a="http://schemas.openxmlformats.org/drawingml/2006/main" xmlns:r="http://schemas.openxmlformats.org/officeDocument/2006/relationships" xmlns:p="http://schemas.openxmlformats.org/presentationml/2006/main">
+  <p:cSld>
+    <p:spTree>
+      <p:nvGrpSpPr>
+        <p:cNvPr id="1" name=""/>
+        <p:cNvGrpSpPr/>
+        <p:nvPr/>
+      </p:nvGrpSpPr>
+      <p:grpSpPr>
+        <a:xfrm>
+          <a:off x="0" y="0"/>
+          <a:ext cx="0" cy="0"/>
+          <a:chOff x="0" y="0"/>
+          <a:chExt cx="0" cy="0"/>
+        </a:xfrm>
+      </p:grpSpPr>
+      <p:sp>
+        <p:nvSpPr>
+          <p:cNvPr id="2" name="Title 1"/>
+          <p:cNvSpPr>
+            <a:spLocks noGrp="1"/>
+          </p:cNvSpPr>
+          <p:nvPr>
+            <p:ph type="title"/>
+          </p:nvPr>
+        </p:nvSpPr>
+        <p:spPr/>
+        <p:txBody>
+          <a:bodyPr>
+            <a:normAutofit/>
+          </a:bodyPr>
+          <a:lstStyle/>
+          <a:p>
+            <a:r>
+              <a:rPr lang="nl-BE" sz="6000" dirty="0" smtClean="0"/>
+              <a:t>Papers</a:t>
+            </a:r>
+            <a:endParaRPr lang="nl-BE" sz="6000" dirty="0"/>
+          </a:p>
+        </p:txBody>
+      </p:sp>
+      <p:sp>
+        <p:nvSpPr>
+          <p:cNvPr id="3" name="Content Placeholder 2"/>
+          <p:cNvSpPr>
+            <a:spLocks noGrp="1"/>
+          </p:cNvSpPr>
+          <p:nvPr>
+            <p:ph idx="1"/>
+          </p:nvPr>
+        </p:nvSpPr>
+        <p:spPr/>
+        <p:txBody>
+          <a:bodyPr>
+            <a:noAutofit/>
+          </a:bodyPr>
+          <a:lstStyle/>
+          <a:p>
+            <a:pPr>
+              <a:spcBef>
+                <a:spcPts val="600"/>
+              </a:spcBef>
+              <a:buFont typeface="Arial" panose="020B0604020202020204" pitchFamily="34" charset="0"/>
+              <a:buChar char="•"/>
+            </a:pPr>
+            <a:r>
+              <a:rPr lang="nl-BE" sz="3200" b="1" dirty="0" smtClean="0"/>
+              <a:t> </a:t>
+            </a:r>
+            <a:r>
+              <a:rPr lang="nl-BE" sz="3200" b="1" dirty="0" smtClean="0"/>
+              <a:t>Spreadsheet </a:t>
+            </a:r>
+            <a:r>
+              <a:rPr lang="nl-BE" sz="3200" b="1" dirty="0" err="1"/>
+              <a:t>Table</a:t>
+            </a:r>
+            <a:r>
+              <a:rPr lang="nl-BE" sz="3200" b="1" dirty="0"/>
+              <a:t> </a:t>
+            </a:r>
+            <a:r>
+              <a:rPr lang="nl-BE" sz="3200" b="1" dirty="0" err="1"/>
+              <a:t>Transformations</a:t>
+            </a:r>
+            <a:r>
+              <a:rPr lang="nl-BE" sz="3200" b="1" dirty="0"/>
+              <a:t> </a:t>
+            </a:r>
+            <a:r>
+              <a:rPr lang="nl-BE" sz="3200" b="1" dirty="0" err="1"/>
+              <a:t>from</a:t>
+            </a:r>
+            <a:r>
+              <a:rPr lang="nl-BE" sz="3200" b="1" dirty="0"/>
+              <a:t> </a:t>
+            </a:r>
+            <a:r>
+              <a:rPr lang="nl-BE" sz="3200" b="1" dirty="0" err="1"/>
+              <a:t>Examples</a:t>
+            </a:r>
+            <a:r>
+              <a:rPr lang="nl-BE" sz="3200" dirty="0" smtClean="0"/>
+              <a:t>,</a:t>
+            </a:r>
+            <a:br>
+              <a:rPr lang="nl-BE" sz="3200" dirty="0" smtClean="0"/>
+            </a:br>
+            <a:r>
+              <a:rPr lang="nl-BE" sz="3200" dirty="0" smtClean="0"/>
+              <a:t>   </a:t>
+            </a:r>
+            <a:r>
+              <a:rPr lang="nl-BE" sz="3200" dirty="0" smtClean="0"/>
+              <a:t>CACM</a:t>
+            </a:r>
+            <a:r>
+              <a:rPr lang="nl-BE" sz="3200" dirty="0" smtClean="0"/>
+              <a:t>, </a:t>
+            </a:r>
+            <a:r>
+              <a:rPr lang="nl-BE" sz="3200" dirty="0"/>
+              <a:t>W.R. Harris, S. </a:t>
+            </a:r>
+            <a:r>
+              <a:rPr lang="nl-BE" sz="3200" dirty="0" err="1" smtClean="0"/>
+              <a:t>Gulwani</a:t>
+            </a:r>
+            <a:endParaRPr lang="nl-BE" sz="3200" dirty="0"/>
+          </a:p>
+          <a:p>
+            <a:pPr>
+              <a:spcBef>
+                <a:spcPts val="600"/>
+              </a:spcBef>
+              <a:buFont typeface="Arial" panose="020B0604020202020204" pitchFamily="34" charset="0"/>
+              <a:buChar char="•"/>
+            </a:pPr>
+            <a:r>
+              <a:rPr lang="nl-BE" sz="3200" b="1" dirty="0" smtClean="0"/>
+              <a:t> </a:t>
+            </a:r>
+            <a:r>
+              <a:rPr lang="nl-BE" sz="3200" b="1" dirty="0" err="1" smtClean="0"/>
+              <a:t>Example-Based</a:t>
+            </a:r>
+            <a:r>
+              <a:rPr lang="nl-BE" sz="3200" b="1" dirty="0" smtClean="0"/>
+              <a:t> </a:t>
+            </a:r>
+            <a:r>
+              <a:rPr lang="nl-BE" sz="3200" b="1" dirty="0"/>
+              <a:t>Learning in Computer-</a:t>
+            </a:r>
+            <a:r>
+              <a:rPr lang="nl-BE" sz="3200" b="1" dirty="0" err="1"/>
+              <a:t>Aided</a:t>
+            </a:r>
+            <a:r>
+              <a:rPr lang="nl-BE" sz="3200" b="1" dirty="0"/>
+              <a:t> </a:t>
+            </a:r>
+            <a:r>
+              <a:rPr lang="nl-BE" sz="3200" b="1" dirty="0" smtClean="0"/>
+              <a:t>STEM</a:t>
+            </a:r>
+            <a:br>
+              <a:rPr lang="nl-BE" sz="3200" b="1" dirty="0" smtClean="0"/>
+            </a:br>
+            <a:r>
+              <a:rPr lang="nl-BE" sz="3200" b="1" dirty="0" smtClean="0"/>
+              <a:t>  </a:t>
+            </a:r>
+            <a:r>
+              <a:rPr lang="nl-BE" sz="3200" b="1" dirty="0" err="1" smtClean="0"/>
+              <a:t>Education</a:t>
+            </a:r>
+            <a:r>
+              <a:rPr lang="nl-BE" sz="3200" dirty="0"/>
+              <a:t>, </a:t>
+            </a:r>
+            <a:r>
+              <a:rPr lang="nl-BE" sz="3200" dirty="0" smtClean="0"/>
+              <a:t>CACM </a:t>
+            </a:r>
+            <a:r>
+              <a:rPr lang="nl-BE" sz="3200" dirty="0" smtClean="0"/>
+              <a:t>2014, </a:t>
+            </a:r>
+            <a:r>
+              <a:rPr lang="nl-BE" sz="3200" dirty="0" err="1"/>
+              <a:t>Sumit</a:t>
+            </a:r>
+            <a:r>
+              <a:rPr lang="nl-BE" sz="3200" dirty="0"/>
+              <a:t> </a:t>
+            </a:r>
+            <a:r>
+              <a:rPr lang="nl-BE" sz="3200" dirty="0" err="1" smtClean="0"/>
+              <a:t>Gulwani</a:t>
+            </a:r>
+            <a:endParaRPr lang="nl-BE" sz="3200" dirty="0"/>
+          </a:p>
+          <a:p>
+            <a:pPr>
+              <a:spcBef>
+                <a:spcPts val="600"/>
+              </a:spcBef>
+              <a:buFont typeface="Arial" panose="020B0604020202020204" pitchFamily="34" charset="0"/>
+              <a:buChar char="•"/>
+            </a:pPr>
+            <a:r>
+              <a:rPr lang="nl-BE" sz="3200" b="1" dirty="0" smtClean="0"/>
+              <a:t> </a:t>
+            </a:r>
+            <a:r>
+              <a:rPr lang="nl-BE" sz="3200" b="1" dirty="0" err="1" smtClean="0"/>
+              <a:t>Integrating</a:t>
+            </a:r>
+            <a:r>
+              <a:rPr lang="nl-BE" sz="3200" b="1" dirty="0" smtClean="0"/>
+              <a:t> </a:t>
+            </a:r>
+            <a:r>
+              <a:rPr lang="nl-BE" sz="3200" b="1" dirty="0"/>
+              <a:t>domain </a:t>
+            </a:r>
+            <a:r>
+              <a:rPr lang="nl-BE" sz="3200" b="1" dirty="0" err="1"/>
+              <a:t>knowledge</a:t>
+            </a:r>
+            <a:r>
+              <a:rPr lang="nl-BE" sz="3200" b="1" dirty="0"/>
+              <a:t> in </a:t>
+            </a:r>
+            <a:r>
+              <a:rPr lang="nl-BE" sz="3200" b="1" dirty="0" err="1"/>
+              <a:t>equation</a:t>
+            </a:r>
+            <a:r>
+              <a:rPr lang="nl-BE" sz="3200" b="1" dirty="0"/>
+              <a:t> </a:t>
+            </a:r>
+            <a:r>
+              <a:rPr lang="nl-BE" sz="3200" b="1" dirty="0" err="1" smtClean="0"/>
+              <a:t>discovery</a:t>
+            </a:r>
+            <a:r>
+              <a:rPr lang="nl-BE" sz="3200" dirty="0" smtClean="0"/>
+              <a:t>, </a:t>
+            </a:r>
+            <a:br>
+              <a:rPr lang="nl-BE" sz="3200" dirty="0" smtClean="0"/>
+            </a:br>
+            <a:r>
+              <a:rPr lang="nl-BE" sz="3200" dirty="0" smtClean="0"/>
+              <a:t> </a:t>
+            </a:r>
+            <a:r>
+              <a:rPr lang="nl-BE" sz="3200" dirty="0" smtClean="0"/>
+              <a:t>  LNCS </a:t>
+            </a:r>
+            <a:r>
+              <a:rPr lang="nl-BE" sz="3200" dirty="0"/>
+              <a:t>4660, Springer Berlin </a:t>
+            </a:r>
+            <a:r>
+              <a:rPr lang="nl-BE" sz="3200" dirty="0" smtClean="0"/>
+              <a:t>Heidelberg, 2007, </a:t>
+            </a:r>
+            <a:r>
+              <a:rPr lang="nl-BE" sz="3200" dirty="0" err="1" smtClean="0"/>
+              <a:t>Todorovski</a:t>
+            </a:r>
+            <a:r>
+              <a:rPr lang="nl-BE" sz="3200" dirty="0" smtClean="0"/>
+              <a:t>,</a:t>
+            </a:r>
+            <a:br>
+              <a:rPr lang="nl-BE" sz="3200" dirty="0" smtClean="0"/>
+            </a:br>
+            <a:r>
+              <a:rPr lang="nl-BE" sz="3200" dirty="0" smtClean="0"/>
+              <a:t>   </a:t>
+            </a:r>
+            <a:r>
+              <a:rPr lang="nl-BE" sz="3200" dirty="0" err="1" smtClean="0"/>
+              <a:t>Ljupčo</a:t>
+            </a:r>
+            <a:r>
+              <a:rPr lang="nl-BE" sz="3200" dirty="0"/>
+              <a:t>, </a:t>
+            </a:r>
+            <a:r>
+              <a:rPr lang="nl-BE" sz="3200" dirty="0" err="1"/>
+              <a:t>and</a:t>
+            </a:r>
+            <a:r>
+              <a:rPr lang="nl-BE" sz="3200" dirty="0"/>
+              <a:t> </a:t>
+            </a:r>
+            <a:r>
+              <a:rPr lang="nl-BE" sz="3200" dirty="0" err="1"/>
+              <a:t>Sašo</a:t>
+            </a:r>
+            <a:r>
+              <a:rPr lang="nl-BE" sz="3200" dirty="0"/>
+              <a:t> </a:t>
+            </a:r>
+            <a:r>
+              <a:rPr lang="nl-BE" sz="3200" dirty="0" err="1" smtClean="0"/>
+              <a:t>Džeroski</a:t>
+            </a:r>
+            <a:endParaRPr lang="nl-BE" sz="3200" dirty="0"/>
+          </a:p>
+          <a:p>
+            <a:pPr>
+              <a:spcBef>
+                <a:spcPts val="600"/>
+              </a:spcBef>
+              <a:buFont typeface="Arial" panose="020B0604020202020204" pitchFamily="34" charset="0"/>
+              <a:buChar char="•"/>
+            </a:pPr>
+            <a:r>
+              <a:rPr lang="nl-BE" sz="3200" dirty="0"/>
+              <a:t> </a:t>
+            </a:r>
+            <a:r>
+              <a:rPr lang="nl-BE" sz="3200" b="1" dirty="0" err="1" smtClean="0"/>
+              <a:t>Equation</a:t>
+            </a:r>
+            <a:r>
+              <a:rPr lang="nl-BE" sz="3200" b="1" dirty="0" smtClean="0"/>
+              <a:t> </a:t>
+            </a:r>
+            <a:r>
+              <a:rPr lang="nl-BE" sz="3200" b="1" dirty="0"/>
+              <a:t>Discovery</a:t>
+            </a:r>
+            <a:r>
+              <a:rPr lang="nl-BE" sz="3200" dirty="0"/>
+              <a:t>, </a:t>
+            </a:r>
+            <a:r>
+              <a:rPr lang="nl-BE" sz="3200" dirty="0" err="1"/>
+              <a:t>Enclyclopedia</a:t>
+            </a:r>
+            <a:r>
+              <a:rPr lang="nl-BE" sz="3200" dirty="0"/>
+              <a:t> of Machine </a:t>
+            </a:r>
+            <a:r>
+              <a:rPr lang="nl-BE" sz="3200" dirty="0" smtClean="0"/>
+              <a:t>Learning</a:t>
+            </a:r>
+            <a:endParaRPr lang="nl-BE" sz="3200" dirty="0"/>
+          </a:p>
+        </p:txBody>
+      </p:sp>
+    </p:spTree>
+    <p:extLst>
+      <p:ext uri="{BB962C8B-B14F-4D97-AF65-F5344CB8AC3E}">
+        <p14:creationId xmlns:p14="http://schemas.microsoft.com/office/powerpoint/2010/main" val="2358326544"/>
+      </p:ext>
+    </p:extLst>
+  </p:cSld>
+  <p:clrMapOvr>
+    <a:masterClrMapping/>
+  </p:clrMapOvr>
+  <p:timing>
+    <p:tnLst>
+      <p:par>
+        <p:cTn id="1" dur="indefinite" restart="never" nodeType="tmRoot"/>
+      </p:par>
+    </p:tnLst>
+  </p:timing>
+</p:sld>
+</file>
+
+<file path=ppt/slides/slide24.xml><?xml version="1.0" encoding="utf-8"?>
+<p:sld xmlns:a="http://schemas.openxmlformats.org/drawingml/2006/main" xmlns:r="http://schemas.openxmlformats.org/officeDocument/2006/relationships" xmlns:p="http://schemas.openxmlformats.org/presentationml/2006/main">
+  <p:cSld>
+    <p:spTree>
+      <p:nvGrpSpPr>
+        <p:cNvPr id="1" name=""/>
+        <p:cNvGrpSpPr/>
+        <p:nvPr/>
+      </p:nvGrpSpPr>
+      <p:grpSpPr>
+        <a:xfrm>
+          <a:off x="0" y="0"/>
+          <a:ext cx="0" cy="0"/>
+          <a:chOff x="0" y="0"/>
+          <a:chExt cx="0" cy="0"/>
+        </a:xfrm>
+      </p:grpSpPr>
+      <p:sp>
+        <p:nvSpPr>
+          <p:cNvPr id="2" name="Title 1"/>
+          <p:cNvSpPr>
+            <a:spLocks noGrp="1"/>
+          </p:cNvSpPr>
+          <p:nvPr>
+            <p:ph type="ctrTitle"/>
+          </p:nvPr>
+        </p:nvSpPr>
+        <p:spPr/>
+        <p:txBody>
+          <a:bodyPr>
+            <a:normAutofit/>
+          </a:bodyPr>
+          <a:lstStyle/>
+          <a:p>
+            <a:r>
+              <a:rPr lang="nl-BE" sz="11500" dirty="0" smtClean="0"/>
+              <a:t>Vragen?</a:t>
+            </a:r>
+            <a:endParaRPr lang="en-US" sz="11500" dirty="0"/>
+          </a:p>
+        </p:txBody>
+      </p:sp>
+      <p:sp>
+        <p:nvSpPr>
+          <p:cNvPr id="3" name="Subtitle 2"/>
+          <p:cNvSpPr>
+            <a:spLocks noGrp="1"/>
+          </p:cNvSpPr>
+          <p:nvPr>
+            <p:ph type="subTitle" idx="1"/>
+          </p:nvPr>
+        </p:nvSpPr>
+        <p:spPr/>
+        <p:txBody>
+          <a:bodyPr/>
+          <a:lstStyle/>
+          <a:p>
+            <a:endParaRPr lang="en-US" dirty="0"/>
+          </a:p>
+        </p:txBody>
+      </p:sp>
+    </p:spTree>
+    <p:extLst>
+      <p:ext uri="{BB962C8B-B14F-4D97-AF65-F5344CB8AC3E}">
+        <p14:creationId xmlns:p14="http://schemas.microsoft.com/office/powerpoint/2010/main" val="432546618"/>
+      </p:ext>
+    </p:extLst>
+  </p:cSld>
+  <p:clrMapOvr>
+    <a:masterClrMapping/>
+  </p:clrMapOvr>
+  <p:timing>
+    <p:tnLst>
+      <p:par>
+        <p:cTn id="1" dur="indefinite" restart="never" nodeType="tmRoot"/>
+      </p:par>
+    </p:tnLst>
+  </p:timing>
+</p:sld>
+</file>
+
+<file path=ppt/slides/slide3.xml><?xml version="1.0" encoding="utf-8"?>
+<p:sld xmlns:a="http://schemas.openxmlformats.org/drawingml/2006/main" xmlns:r="http://schemas.openxmlformats.org/officeDocument/2006/relationships" xmlns:p="http://schemas.openxmlformats.org/presentationml/2006/main">
+  <p:cSld>
+    <p:spTree>
+      <p:nvGrpSpPr>
+        <p:cNvPr id="1" name=""/>
+        <p:cNvGrpSpPr/>
+        <p:nvPr/>
+      </p:nvGrpSpPr>
+      <p:grpSpPr>
+        <a:xfrm>
+          <a:off x="0" y="0"/>
+          <a:ext cx="0" cy="0"/>
+          <a:chOff x="0" y="0"/>
+          <a:chExt cx="0" cy="0"/>
+        </a:xfrm>
+      </p:grpSpPr>
+      <p:sp>
+        <p:nvSpPr>
+          <p:cNvPr id="2" name="Title 1"/>
+          <p:cNvSpPr>
+            <a:spLocks noGrp="1"/>
+          </p:cNvSpPr>
+          <p:nvPr>
+            <p:ph type="title"/>
+          </p:nvPr>
+        </p:nvSpPr>
+        <p:spPr/>
+        <p:txBody>
+          <a:bodyPr>
+            <a:normAutofit/>
+          </a:bodyPr>
+          <a:lstStyle/>
+          <a:p>
+            <a:r>
+              <a:rPr lang="nl-BE" sz="6000" dirty="0" smtClean="0"/>
+              <a:t>Overzicht</a:t>
+            </a:r>
+            <a:endParaRPr lang="nl-BE" sz="6000" dirty="0"/>
+          </a:p>
+        </p:txBody>
+      </p:sp>
+      <p:sp>
+        <p:nvSpPr>
+          <p:cNvPr id="3" name="Content Placeholder 2"/>
+          <p:cNvSpPr>
+            <a:spLocks noGrp="1"/>
+          </p:cNvSpPr>
+          <p:nvPr>
+            <p:ph idx="1"/>
+          </p:nvPr>
+        </p:nvSpPr>
+        <p:spPr/>
+        <p:txBody>
+          <a:bodyPr>
+            <a:normAutofit/>
+          </a:bodyPr>
+          <a:lstStyle/>
+          <a:p>
+            <a:pPr>
+              <a:buFont typeface="Arial" panose="020B0604020202020204" pitchFamily="34" charset="0"/>
+              <a:buChar char="•"/>
+            </a:pPr>
+            <a:r>
+              <a:rPr lang="nl-BE" sz="3600" b="1" dirty="0" smtClean="0"/>
+              <a:t> </a:t>
+            </a:r>
+            <a:r>
+              <a:rPr lang="nl-BE" sz="3600" b="1" dirty="0" smtClean="0"/>
+              <a:t>Ons </a:t>
+            </a:r>
+            <a:r>
+              <a:rPr lang="nl-BE" sz="3600" b="1" dirty="0"/>
+              <a:t>doel</a:t>
+            </a:r>
+            <a:endParaRPr lang="nl-BE" sz="3600" b="1" dirty="0" smtClean="0"/>
+          </a:p>
+          <a:p>
+            <a:pPr>
+              <a:buFont typeface="Arial" panose="020B0604020202020204" pitchFamily="34" charset="0"/>
+              <a:buChar char="•"/>
+            </a:pPr>
+            <a:r>
+              <a:rPr lang="nl-BE" sz="3600" dirty="0"/>
+              <a:t> </a:t>
+            </a:r>
+            <a:r>
+              <a:rPr lang="nl-BE" sz="3600" dirty="0" err="1" smtClean="0"/>
+              <a:t>Example-based</a:t>
+            </a:r>
+            <a:r>
+              <a:rPr lang="nl-BE" sz="3600" dirty="0" smtClean="0"/>
+              <a:t> </a:t>
+            </a:r>
+            <a:r>
+              <a:rPr lang="nl-BE" sz="3600" dirty="0" err="1" smtClean="0"/>
+              <a:t>learning</a:t>
+            </a:r>
+            <a:endParaRPr lang="nl-BE" sz="3600" dirty="0" smtClean="0"/>
+          </a:p>
+          <a:p>
+            <a:pPr>
+              <a:buFont typeface="Arial" panose="020B0604020202020204" pitchFamily="34" charset="0"/>
+              <a:buChar char="•"/>
+            </a:pPr>
+            <a:r>
+              <a:rPr lang="nl-BE" sz="3600" dirty="0" smtClean="0"/>
+              <a:t> </a:t>
+            </a:r>
+            <a:r>
+              <a:rPr lang="nl-BE" sz="3600" dirty="0" smtClean="0"/>
+              <a:t>Spreadsheet </a:t>
+            </a:r>
+            <a:r>
+              <a:rPr lang="nl-BE" sz="3600" dirty="0" smtClean="0"/>
+              <a:t>tabel transformaties </a:t>
+            </a:r>
+            <a:endParaRPr lang="nl-BE" sz="3600" dirty="0"/>
+          </a:p>
+          <a:p>
+            <a:pPr>
+              <a:buFont typeface="Arial" panose="020B0604020202020204" pitchFamily="34" charset="0"/>
+              <a:buChar char="•"/>
+            </a:pPr>
+            <a:r>
+              <a:rPr lang="nl-BE" sz="3600" dirty="0" smtClean="0"/>
+              <a:t> </a:t>
+            </a:r>
+            <a:r>
+              <a:rPr lang="nl-BE" sz="3600" dirty="0" err="1" smtClean="0"/>
+              <a:t>Equation</a:t>
+            </a:r>
+            <a:r>
+              <a:rPr lang="nl-BE" sz="3600" dirty="0" smtClean="0"/>
+              <a:t> </a:t>
+            </a:r>
+            <a:r>
+              <a:rPr lang="nl-BE" sz="3600" dirty="0" err="1" smtClean="0"/>
+              <a:t>discovery</a:t>
+            </a:r>
+            <a:endParaRPr lang="nl-BE" sz="3600" dirty="0" smtClean="0"/>
+          </a:p>
+          <a:p>
+            <a:pPr>
+              <a:buFont typeface="Arial" panose="020B0604020202020204" pitchFamily="34" charset="0"/>
+              <a:buChar char="•"/>
+            </a:pPr>
+            <a:r>
+              <a:rPr lang="nl-BE" sz="3600" dirty="0"/>
+              <a:t> </a:t>
+            </a:r>
+            <a:r>
+              <a:rPr lang="nl-BE" sz="3600" dirty="0" smtClean="0"/>
+              <a:t>Conclusie</a:t>
+            </a:r>
+            <a:endParaRPr lang="nl-BE" sz="3600" dirty="0"/>
+          </a:p>
+        </p:txBody>
+      </p:sp>
+    </p:spTree>
+    <p:extLst>
+      <p:ext uri="{BB962C8B-B14F-4D97-AF65-F5344CB8AC3E}">
+        <p14:creationId xmlns:p14="http://schemas.microsoft.com/office/powerpoint/2010/main" val="2403740357"/>
+      </p:ext>
+    </p:extLst>
+  </p:cSld>
+  <p:clrMapOvr>
+    <a:masterClrMapping/>
+  </p:clrMapOvr>
+  <p:timing>
+    <p:tnLst>
+      <p:par>
+        <p:cTn id="1" dur="indefinite" restart="never" nodeType="tmRoot"/>
+      </p:par>
+    </p:tnLst>
+  </p:timing>
+</p:sld>
+</file>
+
+<file path=ppt/slides/slide4.xml><?xml version="1.0" encoding="utf-8"?>
+<p:sld xmlns:a="http://schemas.openxmlformats.org/drawingml/2006/main" xmlns:r="http://schemas.openxmlformats.org/officeDocument/2006/relationships" xmlns:p="http://schemas.openxmlformats.org/presentationml/2006/main">
+  <p:cSld>
+    <p:spTree>
+      <p:nvGrpSpPr>
+        <p:cNvPr id="1" name=""/>
+        <p:cNvGrpSpPr/>
+        <p:nvPr/>
+      </p:nvGrpSpPr>
+      <p:grpSpPr>
+        <a:xfrm>
+          <a:off x="0" y="0"/>
+          <a:ext cx="0" cy="0"/>
+          <a:chOff x="0" y="0"/>
+          <a:chExt cx="0" cy="0"/>
+        </a:xfrm>
+      </p:grpSpPr>
+      <p:sp>
+        <p:nvSpPr>
+          <p:cNvPr id="2" name="Title 1"/>
+          <p:cNvSpPr>
+            <a:spLocks noGrp="1"/>
+          </p:cNvSpPr>
+          <p:nvPr>
+            <p:ph type="title"/>
+          </p:nvPr>
+        </p:nvSpPr>
+        <p:spPr/>
+        <p:txBody>
+          <a:bodyPr>
+            <a:normAutofit/>
+          </a:bodyPr>
+          <a:lstStyle/>
+          <a:p>
+            <a:r>
+              <a:rPr lang="nl-BE" sz="6000" dirty="0" smtClean="0"/>
+              <a:t>End-user </a:t>
+            </a:r>
+            <a:r>
+              <a:rPr lang="nl-BE" sz="6000" dirty="0" err="1"/>
+              <a:t>p</a:t>
+            </a:r>
+            <a:r>
+              <a:rPr lang="nl-BE" sz="6000" dirty="0" err="1" smtClean="0"/>
+              <a:t>rogramming</a:t>
+            </a:r>
+            <a:endParaRPr lang="en-US" sz="6000" dirty="0"/>
+          </a:p>
+        </p:txBody>
+      </p:sp>
+      <p:sp>
+        <p:nvSpPr>
+          <p:cNvPr id="3" name="Content Placeholder 2"/>
+          <p:cNvSpPr>
+            <a:spLocks noGrp="1"/>
+          </p:cNvSpPr>
+          <p:nvPr>
+            <p:ph idx="1"/>
+          </p:nvPr>
+        </p:nvSpPr>
+        <p:spPr/>
+        <p:txBody>
+          <a:bodyPr/>
+          <a:lstStyle/>
+          <a:p>
+            <a:pPr>
+              <a:buFont typeface="Arial" panose="020B0604020202020204" pitchFamily="34" charset="0"/>
+              <a:buChar char="•"/>
+            </a:pPr>
+            <a:r>
+              <a:rPr lang="en-US" sz="3600" dirty="0" smtClean="0"/>
+              <a:t> </a:t>
+            </a:r>
+            <a:r>
+              <a:rPr lang="en-US" sz="3600" dirty="0" err="1" smtClean="0"/>
+              <a:t>Repetitieve</a:t>
+            </a:r>
+            <a:r>
+              <a:rPr lang="en-US" sz="3600" dirty="0" smtClean="0"/>
+              <a:t> </a:t>
+            </a:r>
+            <a:r>
+              <a:rPr lang="en-US" sz="3600" dirty="0" smtClean="0"/>
+              <a:t>taken</a:t>
+            </a:r>
+          </a:p>
+          <a:p>
+            <a:pPr>
+              <a:buFont typeface="Arial" panose="020B0604020202020204" pitchFamily="34" charset="0"/>
+              <a:buChar char="•"/>
+            </a:pPr>
+            <a:r>
+              <a:rPr lang="en-US" sz="3600" dirty="0" smtClean="0"/>
+              <a:t> </a:t>
+            </a:r>
+            <a:r>
+              <a:rPr lang="en-US" sz="3600" dirty="0" err="1" smtClean="0"/>
+              <a:t>Weinig</a:t>
+            </a:r>
+            <a:r>
+              <a:rPr lang="en-US" sz="3600" dirty="0" smtClean="0"/>
+              <a:t> </a:t>
+            </a:r>
+            <a:r>
+              <a:rPr lang="en-US" sz="3600" dirty="0" smtClean="0"/>
+              <a:t>tot </a:t>
+            </a:r>
+            <a:r>
+              <a:rPr lang="en-US" sz="3600" dirty="0" err="1" smtClean="0"/>
+              <a:t>geen</a:t>
+            </a:r>
+            <a:r>
+              <a:rPr lang="en-US" sz="3600" dirty="0" smtClean="0"/>
+              <a:t> </a:t>
+            </a:r>
+            <a:r>
+              <a:rPr lang="en-US" sz="3600" dirty="0" err="1" smtClean="0"/>
+              <a:t>programmeerkennis</a:t>
+            </a:r>
+            <a:endParaRPr lang="en-US" sz="3600" dirty="0" smtClean="0"/>
+          </a:p>
+          <a:p>
+            <a:pPr>
+              <a:buFont typeface="Arial" panose="020B0604020202020204" pitchFamily="34" charset="0"/>
+              <a:buChar char="•"/>
+            </a:pPr>
+            <a:r>
+              <a:rPr lang="nl-BE" sz="3600" dirty="0"/>
+              <a:t> </a:t>
+            </a:r>
+            <a:r>
+              <a:rPr lang="nl-BE" sz="3600" dirty="0" smtClean="0"/>
+              <a:t>Non-triviale </a:t>
+            </a:r>
+            <a:r>
+              <a:rPr lang="nl-BE" sz="3600" dirty="0" smtClean="0"/>
+              <a:t>transformaties</a:t>
+            </a:r>
+            <a:endParaRPr lang="en-US" sz="3600" dirty="0" smtClean="0"/>
+          </a:p>
+          <a:p>
+            <a:pPr>
+              <a:buFont typeface="Arial" panose="020B0604020202020204" pitchFamily="34" charset="0"/>
+              <a:buChar char="•"/>
+            </a:pPr>
+            <a:endParaRPr lang="en-US" dirty="0" smtClean="0"/>
+          </a:p>
+          <a:p>
+            <a:pPr marL="0" indent="0">
+              <a:buNone/>
+            </a:pPr>
+            <a:endParaRPr lang="en-US" dirty="0"/>
+          </a:p>
+        </p:txBody>
+      </p:sp>
+    </p:spTree>
+    <p:extLst>
+      <p:ext uri="{BB962C8B-B14F-4D97-AF65-F5344CB8AC3E}">
+        <p14:creationId xmlns:p14="http://schemas.microsoft.com/office/powerpoint/2010/main" val="239212845"/>
+      </p:ext>
+    </p:extLst>
+  </p:cSld>
+  <p:clrMapOvr>
+    <a:masterClrMapping/>
+  </p:clrMapOvr>
+  <p:timing>
+    <p:tnLst>
+      <p:par>
+        <p:cTn id="1" dur="indefinite" restart="never" nodeType="tmRoot"/>
+      </p:par>
+    </p:tnLst>
+  </p:timing>
+</p:sld>
+</file>
+
+<file path=ppt/slides/slide5.xml><?xml version="1.0" encoding="utf-8"?>
+<p:sld xmlns:a="http://schemas.openxmlformats.org/drawingml/2006/main" xmlns:r="http://schemas.openxmlformats.org/officeDocument/2006/relationships" xmlns:p="http://schemas.openxmlformats.org/presentationml/2006/main">
+  <p:cSld>
+    <p:spTree>
+      <p:nvGrpSpPr>
+        <p:cNvPr id="1" name=""/>
+        <p:cNvGrpSpPr/>
+        <p:nvPr/>
+      </p:nvGrpSpPr>
+      <p:grpSpPr>
+        <a:xfrm>
+          <a:off x="0" y="0"/>
+          <a:ext cx="0" cy="0"/>
+          <a:chOff x="0" y="0"/>
+          <a:chExt cx="0" cy="0"/>
+        </a:xfrm>
+      </p:grpSpPr>
+      <p:sp>
+        <p:nvSpPr>
+          <p:cNvPr id="3" name="Content Placeholder 2"/>
+          <p:cNvSpPr>
+            <a:spLocks noGrp="1"/>
+          </p:cNvSpPr>
+          <p:nvPr>
+            <p:ph idx="1"/>
+          </p:nvPr>
+        </p:nvSpPr>
+        <p:spPr>
+          <a:xfrm>
+            <a:off x="1136159" y="1755028"/>
+            <a:ext cx="10058400" cy="4023360"/>
+          </a:xfrm>
+        </p:spPr>
+        <p:txBody>
+          <a:bodyPr/>
+          <a:lstStyle/>
+          <a:p>
+            <a:pPr>
+              <a:buFont typeface="Arial" panose="020B0604020202020204" pitchFamily="34" charset="0"/>
+              <a:buChar char="•"/>
+            </a:pPr>
+            <a:r>
+              <a:rPr lang="nl-BE" sz="3600" dirty="0" smtClean="0"/>
+              <a:t> </a:t>
+            </a:r>
+            <a:r>
+              <a:rPr lang="nl-BE" sz="3600" dirty="0" smtClean="0"/>
+              <a:t>Flash </a:t>
+            </a:r>
+            <a:r>
+              <a:rPr lang="nl-BE" sz="3600" dirty="0" err="1" smtClean="0"/>
+              <a:t>fill</a:t>
+            </a:r>
+            <a:r>
+              <a:rPr lang="nl-BE" sz="3600" dirty="0" smtClean="0"/>
+              <a:t> voor getallen</a:t>
+            </a:r>
+          </a:p>
+          <a:p>
+            <a:pPr lvl="2">
+              <a:spcAft>
+                <a:spcPts val="0"/>
+              </a:spcAft>
+              <a:buFont typeface="Arial" panose="020B0604020202020204" pitchFamily="34" charset="0"/>
+              <a:buChar char="•"/>
+            </a:pPr>
+            <a:r>
+              <a:rPr lang="nl-BE" sz="2800" dirty="0" err="1" smtClean="0"/>
+              <a:t>Equation</a:t>
+            </a:r>
+            <a:r>
+              <a:rPr lang="nl-BE" sz="2800" dirty="0" smtClean="0"/>
+              <a:t> </a:t>
+            </a:r>
+            <a:r>
+              <a:rPr lang="nl-BE" sz="2800" dirty="0" err="1" smtClean="0"/>
+              <a:t>discovery</a:t>
+            </a:r>
+            <a:r>
+              <a:rPr lang="nl-BE" sz="2800" dirty="0" smtClean="0"/>
+              <a:t> voor nodig</a:t>
+            </a:r>
+          </a:p>
+          <a:p>
+            <a:pPr>
+              <a:spcBef>
+                <a:spcPts val="600"/>
+              </a:spcBef>
+              <a:buFont typeface="Arial" panose="020B0604020202020204" pitchFamily="34" charset="0"/>
+              <a:buChar char="•"/>
+            </a:pPr>
+            <a:r>
+              <a:rPr lang="nl-BE" sz="3600" dirty="0" smtClean="0"/>
+              <a:t> </a:t>
+            </a:r>
+            <a:r>
+              <a:rPr lang="nl-BE" sz="3600" dirty="0" smtClean="0"/>
+              <a:t>Voorbeeld</a:t>
+            </a:r>
+            <a:endParaRPr lang="en-US" sz="3600" dirty="0" smtClean="0"/>
+          </a:p>
+          <a:p>
+            <a:pPr marL="201168" lvl="1" indent="0">
+              <a:buNone/>
+            </a:pPr>
+            <a:r>
+              <a:rPr lang="nl-BE" sz="3200" dirty="0" smtClean="0"/>
+              <a:t>					</a:t>
+            </a:r>
+            <a:endParaRPr lang="nl-BE" dirty="0" smtClean="0"/>
+          </a:p>
+        </p:txBody>
+      </p:sp>
+      <p:sp>
+        <p:nvSpPr>
+          <p:cNvPr id="2" name="Title 1"/>
+          <p:cNvSpPr>
+            <a:spLocks noGrp="1"/>
+          </p:cNvSpPr>
+          <p:nvPr>
+            <p:ph type="title"/>
+          </p:nvPr>
+        </p:nvSpPr>
+        <p:spPr/>
+        <p:txBody>
+          <a:bodyPr>
+            <a:normAutofit/>
+          </a:bodyPr>
+          <a:lstStyle/>
+          <a:p>
+            <a:r>
+              <a:rPr lang="nl-BE" sz="6000" dirty="0" smtClean="0"/>
               <a:t>Ons doel</a:t>
             </a:r>
-            <a:endParaRPr lang="en-US" dirty="0"/>
+            <a:endParaRPr lang="en-US" sz="6000" dirty="0"/>
           </a:p>
         </p:txBody>
       </p:sp>
@@ -5438,8 +8932,8 @@
         </p:blipFill>
         <p:spPr>
           <a:xfrm>
-            <a:off x="5265549" y="3961456"/>
-            <a:ext cx="289585" cy="304826"/>
+            <a:off x="5792476" y="3997412"/>
+            <a:ext cx="658199" cy="692840"/>
           </a:xfrm>
           <a:prstGeom prst="rect">
             <a:avLst/>
@@ -5453,14 +8947,14 @@
           <p:nvPr/>
         </p:nvCxnSpPr>
         <p:spPr>
-          <a:xfrm flipV="1">
-            <a:off x="4780613" y="3794519"/>
-            <a:ext cx="1259456" cy="8626"/>
+          <a:xfrm>
+            <a:off x="5364469" y="3766708"/>
+            <a:ext cx="1514215" cy="0"/>
           </a:xfrm>
           <a:prstGeom prst="straightConnector1">
             <a:avLst/>
           </a:prstGeom>
-          <a:ln>
+          <a:ln w="76200">
             <a:tailEnd type="triangle"/>
           </a:ln>
         </p:spPr>
@@ -5488,14 +8982,14 @@
           <p:nvPr>
             <p:extLst>
               <p:ext uri="{D42A27DB-BD31-4B8C-83A1-F6EECF244321}">
-                <p14:modId xmlns:p14="http://schemas.microsoft.com/office/powerpoint/2010/main" val="3581662332"/>
+                <p14:modId xmlns:p14="http://schemas.microsoft.com/office/powerpoint/2010/main" val="1185889981"/>
               </p:ext>
             </p:extLst>
           </p:nvPr>
         </p:nvGraphicFramePr>
         <p:xfrm>
-          <a:off x="423082" y="3564616"/>
-          <a:ext cx="4276760" cy="2452302"/>
+          <a:off x="384049" y="3465576"/>
+          <a:ext cx="4561156" cy="2743200"/>
         </p:xfrm>
         <a:graphic>
           <a:graphicData uri="http://schemas.openxmlformats.org/drawingml/2006/table">
@@ -5504,12 +8998,12 @@
                 <a:tableStyleId>{72833802-FEF1-4C79-8D5D-14CF1EAF98D9}</a:tableStyleId>
               </a:tblPr>
               <a:tblGrid>
-                <a:gridCol w="1069190"/>
-                <a:gridCol w="1069190"/>
-                <a:gridCol w="1069190"/>
-                <a:gridCol w="1069190"/>
+                <a:gridCol w="1140289"/>
+                <a:gridCol w="1140289"/>
+                <a:gridCol w="1140289"/>
+                <a:gridCol w="1140289"/>
               </a:tblGrid>
-              <a:tr h="408717">
+              <a:tr h="446777">
                 <a:tc>
                   <a:txBody>
                     <a:bodyPr/>
@@ -5517,10 +9011,10 @@
                     <a:p>
                       <a:pPr algn="ctr"/>
                       <a:r>
-                        <a:rPr lang="en-US" dirty="0" smtClean="0"/>
+                        <a:rPr lang="en-US" sz="2400" dirty="0" smtClean="0"/>
                         <a:t>X1</a:t>
                       </a:r>
-                      <a:endParaRPr lang="en-US" dirty="0"/>
+                      <a:endParaRPr lang="en-US" sz="2400" dirty="0"/>
                     </a:p>
                   </a:txBody>
                   <a:tcPr>
@@ -5542,10 +9036,10 @@
                     <a:p>
                       <a:pPr algn="ctr"/>
                       <a:r>
-                        <a:rPr lang="en-US" dirty="0" smtClean="0"/>
+                        <a:rPr lang="en-US" sz="2400" dirty="0" smtClean="0"/>
                         <a:t>X2</a:t>
                       </a:r>
-                      <a:endParaRPr lang="en-US" dirty="0"/>
+                      <a:endParaRPr lang="en-US" sz="2400" dirty="0"/>
                     </a:p>
                   </a:txBody>
                   <a:tcPr>
@@ -5567,10 +9061,10 @@
                     <a:p>
                       <a:pPr algn="ctr"/>
                       <a:r>
-                        <a:rPr lang="en-US" dirty="0" smtClean="0"/>
+                        <a:rPr lang="en-US" sz="2400" dirty="0" smtClean="0"/>
                         <a:t>X3</a:t>
                       </a:r>
-                      <a:endParaRPr lang="en-US" dirty="0"/>
+                      <a:endParaRPr lang="en-US" sz="2400" dirty="0"/>
                     </a:p>
                   </a:txBody>
                   <a:tcPr>
@@ -5601,10 +9095,10 @@
                     <a:p>
                       <a:pPr algn="ctr"/>
                       <a:r>
-                        <a:rPr lang="en-US" dirty="0" smtClean="0"/>
+                        <a:rPr lang="en-US" sz="2400" dirty="0" smtClean="0"/>
                         <a:t>Y</a:t>
                       </a:r>
-                      <a:endParaRPr lang="en-US" dirty="0"/>
+                      <a:endParaRPr lang="en-US" sz="2400" dirty="0"/>
                     </a:p>
                   </a:txBody>
                   <a:tcPr>
@@ -5629,7 +9123,7 @@
                   </a:tcPr>
                 </a:tc>
               </a:tr>
-              <a:tr h="408717">
+              <a:tr h="446777">
                 <a:tc>
                   <a:txBody>
                     <a:bodyPr/>
@@ -5637,10 +9131,10 @@
                     <a:p>
                       <a:pPr algn="ctr"/>
                       <a:r>
-                        <a:rPr lang="en-US" dirty="0" smtClean="0"/>
+                        <a:rPr lang="en-US" sz="2400" dirty="0" smtClean="0"/>
                         <a:t>1</a:t>
                       </a:r>
-                      <a:endParaRPr lang="en-US" dirty="0"/>
+                      <a:endParaRPr lang="en-US" sz="2400" dirty="0"/>
                     </a:p>
                   </a:txBody>
                   <a:tcPr>
@@ -5662,10 +9156,10 @@
                     <a:p>
                       <a:pPr algn="ctr"/>
                       <a:r>
-                        <a:rPr lang="en-US" dirty="0" smtClean="0"/>
+                        <a:rPr lang="en-US" sz="2400" dirty="0" smtClean="0"/>
                         <a:t>2</a:t>
                       </a:r>
-                      <a:endParaRPr lang="en-US" dirty="0"/>
+                      <a:endParaRPr lang="en-US" sz="2400" dirty="0"/>
                     </a:p>
                   </a:txBody>
                   <a:tcPr>
@@ -5687,10 +9181,10 @@
                     <a:p>
                       <a:pPr algn="ctr"/>
                       <a:r>
-                        <a:rPr lang="en-US" dirty="0" smtClean="0"/>
+                        <a:rPr lang="en-US" sz="2400" dirty="0" smtClean="0"/>
                         <a:t>2</a:t>
                       </a:r>
-                      <a:endParaRPr lang="en-US" dirty="0"/>
+                      <a:endParaRPr lang="en-US" sz="2400" dirty="0"/>
                     </a:p>
                   </a:txBody>
                   <a:tcPr>
@@ -5721,10 +9215,10 @@
                     <a:p>
                       <a:pPr algn="ctr"/>
                       <a:r>
-                        <a:rPr lang="en-US" dirty="0" smtClean="0"/>
+                        <a:rPr lang="en-US" sz="2400" dirty="0" smtClean="0"/>
                         <a:t>9</a:t>
                       </a:r>
-                      <a:endParaRPr lang="en-US" dirty="0"/>
+                      <a:endParaRPr lang="en-US" sz="2400" dirty="0"/>
                     </a:p>
                   </a:txBody>
                   <a:tcPr>
@@ -5749,7 +9243,7 @@
                   </a:tcPr>
                 </a:tc>
               </a:tr>
-              <a:tr h="408717">
+              <a:tr h="446777">
                 <a:tc>
                   <a:txBody>
                     <a:bodyPr/>
@@ -5757,10 +9251,10 @@
                     <a:p>
                       <a:pPr algn="ctr"/>
                       <a:r>
-                        <a:rPr lang="en-US" dirty="0" smtClean="0"/>
+                        <a:rPr lang="en-US" sz="2400" dirty="0" smtClean="0"/>
                         <a:t>4</a:t>
                       </a:r>
-                      <a:endParaRPr lang="en-US" dirty="0"/>
+                      <a:endParaRPr lang="en-US" sz="2400" dirty="0"/>
                     </a:p>
                   </a:txBody>
                   <a:tcPr/>
@@ -5772,10 +9266,10 @@
                     <a:p>
                       <a:pPr algn="ctr"/>
                       <a:r>
-                        <a:rPr lang="en-US" dirty="0" smtClean="0"/>
+                        <a:rPr lang="en-US" sz="2400" dirty="0" smtClean="0"/>
                         <a:t>3</a:t>
                       </a:r>
-                      <a:endParaRPr lang="en-US" dirty="0"/>
+                      <a:endParaRPr lang="en-US" sz="2400" dirty="0"/>
                     </a:p>
                   </a:txBody>
                   <a:tcPr/>
@@ -5787,10 +9281,10 @@
                     <a:p>
                       <a:pPr algn="ctr"/>
                       <a:r>
-                        <a:rPr lang="en-US" dirty="0" smtClean="0"/>
+                        <a:rPr lang="en-US" sz="2400" dirty="0" smtClean="0"/>
                         <a:t>3</a:t>
                       </a:r>
-                      <a:endParaRPr lang="en-US" dirty="0"/>
+                      <a:endParaRPr lang="en-US" sz="2400" dirty="0"/>
                     </a:p>
                   </a:txBody>
                   <a:tcPr>
@@ -5811,7 +9305,7 @@
                     <a:lstStyle/>
                     <a:p>
                       <a:pPr algn="ctr"/>
-                      <a:endParaRPr lang="en-US" dirty="0"/>
+                      <a:endParaRPr lang="en-US" sz="2400" dirty="0"/>
                     </a:p>
                   </a:txBody>
                   <a:tcPr>
@@ -5827,7 +9321,7 @@
                   </a:tcPr>
                 </a:tc>
               </a:tr>
-              <a:tr h="408717">
+              <a:tr h="446777">
                 <a:tc>
                   <a:txBody>
                     <a:bodyPr/>
@@ -5835,10 +9329,10 @@
                     <a:p>
                       <a:pPr algn="ctr"/>
                       <a:r>
-                        <a:rPr lang="en-US" dirty="0" smtClean="0"/>
+                        <a:rPr lang="en-US" sz="2400" dirty="0" smtClean="0"/>
                         <a:t>1</a:t>
                       </a:r>
-                      <a:endParaRPr lang="en-US" dirty="0"/>
+                      <a:endParaRPr lang="en-US" sz="2400" dirty="0"/>
                     </a:p>
                   </a:txBody>
                   <a:tcPr/>
@@ -5850,10 +9344,10 @@
                     <a:p>
                       <a:pPr algn="ctr"/>
                       <a:r>
-                        <a:rPr lang="en-US" dirty="0" smtClean="0"/>
+                        <a:rPr lang="en-US" sz="2400" dirty="0" smtClean="0"/>
                         <a:t>8</a:t>
                       </a:r>
-                      <a:endParaRPr lang="en-US" dirty="0"/>
+                      <a:endParaRPr lang="en-US" sz="2400" dirty="0"/>
                     </a:p>
                   </a:txBody>
                   <a:tcPr/>
@@ -5865,10 +9359,10 @@
                     <a:p>
                       <a:pPr algn="ctr"/>
                       <a:r>
-                        <a:rPr lang="en-US" dirty="0" smtClean="0"/>
+                        <a:rPr lang="en-US" sz="2400" dirty="0" smtClean="0"/>
                         <a:t>2</a:t>
                       </a:r>
-                      <a:endParaRPr lang="en-US" dirty="0"/>
+                      <a:endParaRPr lang="en-US" sz="2400" dirty="0"/>
                     </a:p>
                   </a:txBody>
                   <a:tcPr>
@@ -5889,7 +9383,7 @@
                     <a:lstStyle/>
                     <a:p>
                       <a:pPr algn="ctr"/>
-                      <a:endParaRPr lang="en-US" dirty="0"/>
+                      <a:endParaRPr lang="en-US" sz="2400" dirty="0"/>
                     </a:p>
                   </a:txBody>
                   <a:tcPr>
@@ -5905,7 +9399,7 @@
                   </a:tcPr>
                 </a:tc>
               </a:tr>
-              <a:tr h="408717">
+              <a:tr h="446777">
                 <a:tc>
                   <a:txBody>
                     <a:bodyPr/>
@@ -5913,10 +9407,10 @@
                     <a:p>
                       <a:pPr algn="ctr"/>
                       <a:r>
-                        <a:rPr lang="en-US" dirty="0" smtClean="0"/>
+                        <a:rPr lang="en-US" sz="2400" dirty="0" smtClean="0"/>
                         <a:t>8</a:t>
                       </a:r>
-                      <a:endParaRPr lang="en-US" dirty="0"/>
+                      <a:endParaRPr lang="en-US" sz="2400" dirty="0"/>
                     </a:p>
                   </a:txBody>
                   <a:tcPr/>
@@ -5928,10 +9422,10 @@
                     <a:p>
                       <a:pPr algn="ctr"/>
                       <a:r>
-                        <a:rPr lang="en-US" dirty="0" smtClean="0"/>
+                        <a:rPr lang="en-US" sz="2400" dirty="0" smtClean="0"/>
                         <a:t>9</a:t>
                       </a:r>
-                      <a:endParaRPr lang="en-US" dirty="0"/>
+                      <a:endParaRPr lang="en-US" sz="2400" dirty="0"/>
                     </a:p>
                   </a:txBody>
                   <a:tcPr/>
@@ -5943,10 +9437,10 @@
                     <a:p>
                       <a:pPr algn="ctr"/>
                       <a:r>
-                        <a:rPr lang="en-US" dirty="0" smtClean="0"/>
+                        <a:rPr lang="en-US" sz="2400" dirty="0" smtClean="0"/>
                         <a:t>2</a:t>
                       </a:r>
-                      <a:endParaRPr lang="en-US" dirty="0"/>
+                      <a:endParaRPr lang="en-US" sz="2400" dirty="0"/>
                     </a:p>
                   </a:txBody>
                   <a:tcPr>
@@ -5967,7 +9461,7 @@
                     <a:lstStyle/>
                     <a:p>
                       <a:pPr algn="ctr"/>
-                      <a:endParaRPr lang="en-US" dirty="0"/>
+                      <a:endParaRPr lang="en-US" sz="2400" dirty="0"/>
                     </a:p>
                   </a:txBody>
                   <a:tcPr>
@@ -5983,7 +9477,7 @@
                   </a:tcPr>
                 </a:tc>
               </a:tr>
-              <a:tr h="408717">
+              <a:tr h="446777">
                 <a:tc>
                   <a:txBody>
                     <a:bodyPr/>
@@ -5991,10 +9485,10 @@
                     <a:p>
                       <a:pPr algn="ctr"/>
                       <a:r>
-                        <a:rPr lang="en-US" dirty="0" smtClean="0"/>
+                        <a:rPr lang="en-US" sz="2400" dirty="0" smtClean="0"/>
                         <a:t>2</a:t>
                       </a:r>
-                      <a:endParaRPr lang="en-US" dirty="0"/>
+                      <a:endParaRPr lang="en-US" sz="2400" dirty="0"/>
                     </a:p>
                   </a:txBody>
                   <a:tcPr/>
@@ -6006,10 +9500,10 @@
                     <a:p>
                       <a:pPr algn="ctr"/>
                       <a:r>
-                        <a:rPr lang="en-US" dirty="0" smtClean="0"/>
+                        <a:rPr lang="en-US" sz="2400" dirty="0" smtClean="0"/>
                         <a:t>2</a:t>
                       </a:r>
-                      <a:endParaRPr lang="en-US" dirty="0"/>
+                      <a:endParaRPr lang="en-US" sz="2400" dirty="0"/>
                     </a:p>
                   </a:txBody>
                   <a:tcPr/>
@@ -6021,10 +9515,10 @@
                     <a:p>
                       <a:pPr algn="ctr"/>
                       <a:r>
-                        <a:rPr lang="en-US" dirty="0" smtClean="0"/>
+                        <a:rPr lang="en-US" sz="2400" dirty="0" smtClean="0"/>
                         <a:t>2</a:t>
                       </a:r>
-                      <a:endParaRPr lang="en-US" dirty="0"/>
+                      <a:endParaRPr lang="en-US" sz="2400" dirty="0"/>
                     </a:p>
                   </a:txBody>
                   <a:tcPr>
@@ -6045,7 +9539,7 @@
                     <a:lstStyle/>
                     <a:p>
                       <a:pPr algn="ctr"/>
-                      <a:endParaRPr lang="en-US" dirty="0"/>
+                      <a:endParaRPr lang="en-US" sz="2400" dirty="0"/>
                     </a:p>
                   </a:txBody>
                   <a:tcPr>
@@ -6074,14 +9568,14 @@
           <p:nvPr>
             <p:extLst>
               <p:ext uri="{D42A27DB-BD31-4B8C-83A1-F6EECF244321}">
-                <p14:modId xmlns:p14="http://schemas.microsoft.com/office/powerpoint/2010/main" val="3411121713"/>
+                <p14:modId xmlns:p14="http://schemas.microsoft.com/office/powerpoint/2010/main" val="1694477751"/>
               </p:ext>
             </p:extLst>
           </p:nvPr>
         </p:nvGraphicFramePr>
         <p:xfrm>
-          <a:off x="6165359" y="3564616"/>
-          <a:ext cx="4276760" cy="2452302"/>
+          <a:off x="7152911" y="3465576"/>
+          <a:ext cx="4568000" cy="2743200"/>
         </p:xfrm>
         <a:graphic>
           <a:graphicData uri="http://schemas.openxmlformats.org/drawingml/2006/table">
@@ -6090,12 +9584,12 @@
                 <a:tableStyleId>{72833802-FEF1-4C79-8D5D-14CF1EAF98D9}</a:tableStyleId>
               </a:tblPr>
               <a:tblGrid>
-                <a:gridCol w="1069190"/>
-                <a:gridCol w="1069190"/>
-                <a:gridCol w="1069190"/>
-                <a:gridCol w="1069190"/>
+                <a:gridCol w="1142000"/>
+                <a:gridCol w="1142000"/>
+                <a:gridCol w="1142000"/>
+                <a:gridCol w="1142000"/>
               </a:tblGrid>
-              <a:tr h="408717">
+              <a:tr h="455933">
                 <a:tc>
                   <a:txBody>
                     <a:bodyPr/>
@@ -6103,10 +9597,10 @@
                     <a:p>
                       <a:pPr algn="ctr"/>
                       <a:r>
-                        <a:rPr lang="en-US" dirty="0" smtClean="0"/>
+                        <a:rPr lang="en-US" sz="2400" dirty="0" smtClean="0"/>
                         <a:t>X1</a:t>
                       </a:r>
-                      <a:endParaRPr lang="en-US" dirty="0"/>
+                      <a:endParaRPr lang="en-US" sz="2400" dirty="0"/>
                     </a:p>
                   </a:txBody>
                   <a:tcPr>
@@ -6128,10 +9622,10 @@
                     <a:p>
                       <a:pPr algn="ctr"/>
                       <a:r>
-                        <a:rPr lang="en-US" dirty="0" smtClean="0"/>
+                        <a:rPr lang="en-US" sz="2400" dirty="0" smtClean="0"/>
                         <a:t>X2</a:t>
                       </a:r>
-                      <a:endParaRPr lang="en-US" dirty="0"/>
+                      <a:endParaRPr lang="en-US" sz="2400" dirty="0"/>
                     </a:p>
                   </a:txBody>
                   <a:tcPr>
@@ -6153,10 +9647,10 @@
                     <a:p>
                       <a:pPr algn="ctr"/>
                       <a:r>
-                        <a:rPr lang="en-US" dirty="0" smtClean="0"/>
+                        <a:rPr lang="en-US" sz="2400" dirty="0" smtClean="0"/>
                         <a:t>X3</a:t>
                       </a:r>
-                      <a:endParaRPr lang="en-US" dirty="0"/>
+                      <a:endParaRPr lang="en-US" sz="2400" dirty="0"/>
                     </a:p>
                   </a:txBody>
                   <a:tcPr>
@@ -6187,10 +9681,10 @@
                     <a:p>
                       <a:pPr algn="ctr"/>
                       <a:r>
-                        <a:rPr lang="en-US" dirty="0" smtClean="0"/>
+                        <a:rPr lang="en-US" sz="2400" dirty="0" smtClean="0"/>
                         <a:t>Y</a:t>
                       </a:r>
-                      <a:endParaRPr lang="en-US" dirty="0"/>
+                      <a:endParaRPr lang="en-US" sz="2400" dirty="0"/>
                     </a:p>
                   </a:txBody>
                   <a:tcPr>
@@ -6215,7 +9709,7 @@
                   </a:tcPr>
                 </a:tc>
               </a:tr>
-              <a:tr h="408717">
+              <a:tr h="455933">
                 <a:tc>
                   <a:txBody>
                     <a:bodyPr/>
@@ -6223,10 +9717,10 @@
                     <a:p>
                       <a:pPr algn="ctr"/>
                       <a:r>
-                        <a:rPr lang="en-US" dirty="0" smtClean="0"/>
+                        <a:rPr lang="en-US" sz="2400" dirty="0" smtClean="0"/>
                         <a:t>1</a:t>
                       </a:r>
-                      <a:endParaRPr lang="en-US" dirty="0"/>
+                      <a:endParaRPr lang="en-US" sz="2400" dirty="0"/>
                     </a:p>
                   </a:txBody>
                   <a:tcPr>
@@ -6248,10 +9742,10 @@
                     <a:p>
                       <a:pPr algn="ctr"/>
                       <a:r>
-                        <a:rPr lang="en-US" dirty="0" smtClean="0"/>
+                        <a:rPr lang="en-US" sz="2400" dirty="0" smtClean="0"/>
                         <a:t>2</a:t>
                       </a:r>
-                      <a:endParaRPr lang="en-US" dirty="0"/>
+                      <a:endParaRPr lang="en-US" sz="2400" dirty="0"/>
                     </a:p>
                   </a:txBody>
                   <a:tcPr>
@@ -6273,10 +9767,10 @@
                     <a:p>
                       <a:pPr algn="ctr"/>
                       <a:r>
-                        <a:rPr lang="en-US" dirty="0" smtClean="0"/>
+                        <a:rPr lang="en-US" sz="2400" dirty="0" smtClean="0"/>
                         <a:t>2</a:t>
                       </a:r>
-                      <a:endParaRPr lang="en-US" dirty="0"/>
+                      <a:endParaRPr lang="en-US" sz="2400" dirty="0"/>
                     </a:p>
                   </a:txBody>
                   <a:tcPr>
@@ -6307,10 +9801,10 @@
                     <a:p>
                       <a:pPr algn="ctr"/>
                       <a:r>
-                        <a:rPr lang="en-US" dirty="0" smtClean="0"/>
+                        <a:rPr lang="en-US" sz="2400" dirty="0" smtClean="0"/>
                         <a:t>9</a:t>
                       </a:r>
-                      <a:endParaRPr lang="en-US" dirty="0"/>
+                      <a:endParaRPr lang="en-US" sz="2400" dirty="0"/>
                     </a:p>
                   </a:txBody>
                   <a:tcPr>
@@ -6335,7 +9829,7 @@
                   </a:tcPr>
                 </a:tc>
               </a:tr>
-              <a:tr h="408717">
+              <a:tr h="455933">
                 <a:tc>
                   <a:txBody>
                     <a:bodyPr/>
@@ -6343,10 +9837,10 @@
                     <a:p>
                       <a:pPr algn="ctr"/>
                       <a:r>
-                        <a:rPr lang="en-US" dirty="0" smtClean="0"/>
+                        <a:rPr lang="en-US" sz="2400" dirty="0" smtClean="0"/>
                         <a:t>4</a:t>
                       </a:r>
-                      <a:endParaRPr lang="en-US" dirty="0"/>
+                      <a:endParaRPr lang="en-US" sz="2400" dirty="0"/>
                     </a:p>
                   </a:txBody>
                   <a:tcPr/>
@@ -6358,10 +9852,10 @@
                     <a:p>
                       <a:pPr algn="ctr"/>
                       <a:r>
-                        <a:rPr lang="en-US" dirty="0" smtClean="0"/>
+                        <a:rPr lang="en-US" sz="2400" dirty="0" smtClean="0"/>
                         <a:t>3</a:t>
                       </a:r>
-                      <a:endParaRPr lang="en-US" dirty="0"/>
+                      <a:endParaRPr lang="en-US" sz="2400" dirty="0"/>
                     </a:p>
                   </a:txBody>
                   <a:tcPr/>
@@ -6373,10 +9867,10 @@
                     <a:p>
                       <a:pPr algn="ctr"/>
                       <a:r>
-                        <a:rPr lang="en-US" dirty="0" smtClean="0"/>
+                        <a:rPr lang="en-US" sz="2400" dirty="0" smtClean="0"/>
                         <a:t>3</a:t>
                       </a:r>
-                      <a:endParaRPr lang="en-US" dirty="0"/>
+                      <a:endParaRPr lang="en-US" sz="2400" dirty="0"/>
                     </a:p>
                   </a:txBody>
                   <a:tcPr>
@@ -6398,10 +9892,10 @@
                     <a:p>
                       <a:pPr algn="ctr"/>
                       <a:r>
-                        <a:rPr lang="en-US" dirty="0" smtClean="0"/>
+                        <a:rPr lang="en-US" sz="2400" dirty="0" smtClean="0"/>
                         <a:t>343</a:t>
                       </a:r>
-                      <a:endParaRPr lang="en-US" dirty="0"/>
+                      <a:endParaRPr lang="en-US" sz="2400" dirty="0"/>
                     </a:p>
                   </a:txBody>
                   <a:tcPr>
@@ -6417,7 +9911,7 @@
                   </a:tcPr>
                 </a:tc>
               </a:tr>
-              <a:tr h="408717">
+              <a:tr h="455933">
                 <a:tc>
                   <a:txBody>
                     <a:bodyPr/>
@@ -6425,10 +9919,10 @@
                     <a:p>
                       <a:pPr algn="ctr"/>
                       <a:r>
-                        <a:rPr lang="en-US" dirty="0" smtClean="0"/>
+                        <a:rPr lang="en-US" sz="2400" dirty="0" smtClean="0"/>
                         <a:t>1</a:t>
                       </a:r>
-                      <a:endParaRPr lang="en-US" dirty="0"/>
+                      <a:endParaRPr lang="en-US" sz="2400" dirty="0"/>
                     </a:p>
                   </a:txBody>
                   <a:tcPr/>
@@ -6440,10 +9934,10 @@
                     <a:p>
                       <a:pPr algn="ctr"/>
                       <a:r>
-                        <a:rPr lang="en-US" dirty="0" smtClean="0"/>
+                        <a:rPr lang="en-US" sz="2400" dirty="0" smtClean="0"/>
                         <a:t>8</a:t>
                       </a:r>
-                      <a:endParaRPr lang="en-US" dirty="0"/>
+                      <a:endParaRPr lang="en-US" sz="2400" dirty="0"/>
                     </a:p>
                   </a:txBody>
                   <a:tcPr/>
@@ -6455,10 +9949,10 @@
                     <a:p>
                       <a:pPr algn="ctr"/>
                       <a:r>
-                        <a:rPr lang="en-US" dirty="0" smtClean="0"/>
+                        <a:rPr lang="en-US" sz="2400" dirty="0" smtClean="0"/>
                         <a:t>2</a:t>
                       </a:r>
-                      <a:endParaRPr lang="en-US" dirty="0"/>
+                      <a:endParaRPr lang="en-US" sz="2400" dirty="0"/>
                     </a:p>
                   </a:txBody>
                   <a:tcPr>
@@ -6480,10 +9974,10 @@
                     <a:p>
                       <a:pPr algn="ctr"/>
                       <a:r>
-                        <a:rPr lang="en-US" dirty="0" smtClean="0"/>
+                        <a:rPr lang="en-US" sz="2400" dirty="0" smtClean="0"/>
                         <a:t>81</a:t>
                       </a:r>
-                      <a:endParaRPr lang="en-US" dirty="0"/>
+                      <a:endParaRPr lang="en-US" sz="2400" dirty="0"/>
                     </a:p>
                   </a:txBody>
                   <a:tcPr>
@@ -6499,7 +9993,7 @@
                   </a:tcPr>
                 </a:tc>
               </a:tr>
-              <a:tr h="408717">
+              <a:tr h="455933">
                 <a:tc>
                   <a:txBody>
                     <a:bodyPr/>
@@ -6507,10 +10001,10 @@
                     <a:p>
                       <a:pPr algn="ctr"/>
                       <a:r>
-                        <a:rPr lang="en-US" dirty="0" smtClean="0"/>
+                        <a:rPr lang="en-US" sz="2400" dirty="0" smtClean="0"/>
                         <a:t>8</a:t>
                       </a:r>
-                      <a:endParaRPr lang="en-US" dirty="0"/>
+                      <a:endParaRPr lang="en-US" sz="2400" dirty="0"/>
                     </a:p>
                   </a:txBody>
                   <a:tcPr/>
@@ -6522,10 +10016,10 @@
                     <a:p>
                       <a:pPr algn="ctr"/>
                       <a:r>
-                        <a:rPr lang="en-US" dirty="0" smtClean="0"/>
+                        <a:rPr lang="en-US" sz="2400" dirty="0" smtClean="0"/>
                         <a:t>9</a:t>
                       </a:r>
-                      <a:endParaRPr lang="en-US" dirty="0"/>
+                      <a:endParaRPr lang="en-US" sz="2400" dirty="0"/>
                     </a:p>
                   </a:txBody>
                   <a:tcPr/>
@@ -6537,10 +10031,10 @@
                     <a:p>
                       <a:pPr algn="ctr"/>
                       <a:r>
-                        <a:rPr lang="en-US" dirty="0" smtClean="0"/>
+                        <a:rPr lang="en-US" sz="2400" dirty="0" smtClean="0"/>
                         <a:t>2</a:t>
                       </a:r>
-                      <a:endParaRPr lang="en-US" dirty="0"/>
+                      <a:endParaRPr lang="en-US" sz="2400" dirty="0"/>
                     </a:p>
                   </a:txBody>
                   <a:tcPr>
@@ -6562,10 +10056,10 @@
                     <a:p>
                       <a:pPr algn="ctr"/>
                       <a:r>
-                        <a:rPr lang="en-US" dirty="0" smtClean="0"/>
+                        <a:rPr lang="en-US" sz="2400" dirty="0" smtClean="0"/>
                         <a:t>289</a:t>
                       </a:r>
-                      <a:endParaRPr lang="en-US" dirty="0"/>
+                      <a:endParaRPr lang="en-US" sz="2400" dirty="0"/>
                     </a:p>
                   </a:txBody>
                   <a:tcPr>
@@ -6581,7 +10075,7 @@
                   </a:tcPr>
                 </a:tc>
               </a:tr>
-              <a:tr h="408717">
+              <a:tr h="455933">
                 <a:tc>
                   <a:txBody>
                     <a:bodyPr/>
@@ -6589,10 +10083,10 @@
                     <a:p>
                       <a:pPr algn="ctr"/>
                       <a:r>
-                        <a:rPr lang="en-US" dirty="0" smtClean="0"/>
+                        <a:rPr lang="en-US" sz="2400" dirty="0" smtClean="0"/>
                         <a:t>2</a:t>
                       </a:r>
-                      <a:endParaRPr lang="en-US" dirty="0"/>
+                      <a:endParaRPr lang="en-US" sz="2400" dirty="0"/>
                     </a:p>
                   </a:txBody>
                   <a:tcPr/>
@@ -6604,10 +10098,10 @@
                     <a:p>
                       <a:pPr algn="ctr"/>
                       <a:r>
-                        <a:rPr lang="en-US" dirty="0" smtClean="0"/>
+                        <a:rPr lang="en-US" sz="2400" dirty="0" smtClean="0"/>
                         <a:t>2</a:t>
                       </a:r>
-                      <a:endParaRPr lang="en-US" dirty="0"/>
+                      <a:endParaRPr lang="en-US" sz="2400" dirty="0"/>
                     </a:p>
                   </a:txBody>
                   <a:tcPr/>
@@ -6619,10 +10113,10 @@
                     <a:p>
                       <a:pPr algn="ctr"/>
                       <a:r>
-                        <a:rPr lang="en-US" dirty="0" smtClean="0"/>
+                        <a:rPr lang="en-US" sz="2400" dirty="0" smtClean="0"/>
                         <a:t>2</a:t>
                       </a:r>
-                      <a:endParaRPr lang="en-US" dirty="0"/>
+                      <a:endParaRPr lang="en-US" sz="2400" dirty="0"/>
                     </a:p>
                   </a:txBody>
                   <a:tcPr>
@@ -6644,10 +10138,10 @@
                     <a:p>
                       <a:pPr algn="ctr"/>
                       <a:r>
-                        <a:rPr lang="en-US" dirty="0" smtClean="0"/>
+                        <a:rPr lang="en-US" sz="2400" dirty="0" smtClean="0"/>
                         <a:t>16</a:t>
                       </a:r>
-                      <a:endParaRPr lang="en-US" dirty="0"/>
+                      <a:endParaRPr lang="en-US" sz="2400" dirty="0"/>
                     </a:p>
                   </a:txBody>
                   <a:tcPr>
@@ -6687,1937 +10181,6 @@
 </p:sld>
 </file>
 
-<file path=ppt/slides/slide19.xml><?xml version="1.0" encoding="utf-8"?>
-<p:sld xmlns:a="http://schemas.openxmlformats.org/drawingml/2006/main" xmlns:r="http://schemas.openxmlformats.org/officeDocument/2006/relationships" xmlns:p="http://schemas.openxmlformats.org/presentationml/2006/main">
-  <p:cSld>
-    <p:spTree>
-      <p:nvGrpSpPr>
-        <p:cNvPr id="1" name=""/>
-        <p:cNvGrpSpPr/>
-        <p:nvPr/>
-      </p:nvGrpSpPr>
-      <p:grpSpPr>
-        <a:xfrm>
-          <a:off x="0" y="0"/>
-          <a:ext cx="0" cy="0"/>
-          <a:chOff x="0" y="0"/>
-          <a:chExt cx="0" cy="0"/>
-        </a:xfrm>
-      </p:grpSpPr>
-      <p:sp>
-        <p:nvSpPr>
-          <p:cNvPr id="2" name="Title 1"/>
-          <p:cNvSpPr>
-            <a:spLocks noGrp="1"/>
-          </p:cNvSpPr>
-          <p:nvPr>
-            <p:ph type="title"/>
-          </p:nvPr>
-        </p:nvSpPr>
-        <p:spPr/>
-        <p:txBody>
-          <a:bodyPr/>
-          <a:lstStyle/>
-          <a:p>
-            <a:r>
-              <a:rPr lang="nl-BE" dirty="0" smtClean="0"/>
-              <a:t>Overzicht:</a:t>
-            </a:r>
-            <a:br>
-              <a:rPr lang="nl-BE" dirty="0" smtClean="0"/>
-            </a:br>
-            <a:r>
-              <a:rPr lang="nl-BE" dirty="0" err="1" smtClean="0"/>
-              <a:t>Equation</a:t>
-            </a:r>
-            <a:r>
-              <a:rPr lang="nl-BE" dirty="0" smtClean="0"/>
-              <a:t> </a:t>
-            </a:r>
-            <a:r>
-              <a:rPr lang="nl-BE" dirty="0" err="1" smtClean="0"/>
-              <a:t>discovery</a:t>
-            </a:r>
-            <a:endParaRPr lang="en-US" dirty="0"/>
-          </a:p>
-        </p:txBody>
-      </p:sp>
-      <p:sp>
-        <p:nvSpPr>
-          <p:cNvPr id="3" name="Content Placeholder 2"/>
-          <p:cNvSpPr>
-            <a:spLocks noGrp="1"/>
-          </p:cNvSpPr>
-          <p:nvPr>
-            <p:ph idx="1"/>
-          </p:nvPr>
-        </p:nvSpPr>
-        <p:spPr/>
-        <p:txBody>
-          <a:bodyPr/>
-          <a:lstStyle/>
-          <a:p>
-            <a:pPr>
-              <a:buFont typeface="Arial" panose="020B0604020202020204" pitchFamily="34" charset="0"/>
-              <a:buChar char="•"/>
-            </a:pPr>
-            <a:r>
-              <a:rPr lang="nl-BE" dirty="0" smtClean="0"/>
-              <a:t>  Definitie: </a:t>
-            </a:r>
-            <a:r>
-              <a:rPr lang="nl-BE" dirty="0" err="1" smtClean="0"/>
-              <a:t>Equation</a:t>
-            </a:r>
-            <a:r>
-              <a:rPr lang="nl-BE" dirty="0" smtClean="0"/>
-              <a:t> </a:t>
-            </a:r>
-            <a:r>
-              <a:rPr lang="nl-BE" dirty="0" err="1" smtClean="0"/>
-              <a:t>discovery</a:t>
-            </a:r>
-            <a:endParaRPr lang="nl-BE" dirty="0" smtClean="0"/>
-          </a:p>
-          <a:p>
-            <a:pPr>
-              <a:buFont typeface="Arial" panose="020B0604020202020204" pitchFamily="34" charset="0"/>
-              <a:buChar char="•"/>
-            </a:pPr>
-            <a:r>
-              <a:rPr lang="nl-BE" dirty="0"/>
-              <a:t>  </a:t>
-            </a:r>
-            <a:r>
-              <a:rPr lang="nl-BE" dirty="0" err="1" smtClean="0"/>
-              <a:t>Inductive</a:t>
-            </a:r>
-            <a:r>
-              <a:rPr lang="nl-BE" dirty="0" smtClean="0"/>
-              <a:t> </a:t>
-            </a:r>
-            <a:r>
-              <a:rPr lang="nl-BE" dirty="0"/>
-              <a:t>Language </a:t>
-            </a:r>
-            <a:r>
-              <a:rPr lang="nl-BE" dirty="0" smtClean="0"/>
-              <a:t>Bias</a:t>
-            </a:r>
-          </a:p>
-          <a:p>
-            <a:pPr>
-              <a:buFont typeface="Arial" panose="020B0604020202020204" pitchFamily="34" charset="0"/>
-              <a:buChar char="•"/>
-            </a:pPr>
-            <a:r>
-              <a:rPr lang="nl-BE" dirty="0" smtClean="0"/>
-              <a:t>  Context vrije </a:t>
-            </a:r>
-            <a:r>
-              <a:rPr lang="nl-BE" dirty="0" smtClean="0"/>
-              <a:t>grammatica</a:t>
-            </a:r>
-            <a:endParaRPr lang="nl-BE" dirty="0" smtClean="0"/>
-          </a:p>
-        </p:txBody>
-      </p:sp>
-    </p:spTree>
-    <p:extLst>
-      <p:ext uri="{BB962C8B-B14F-4D97-AF65-F5344CB8AC3E}">
-        <p14:creationId xmlns:p14="http://schemas.microsoft.com/office/powerpoint/2010/main" val="2060028207"/>
-      </p:ext>
-    </p:extLst>
-  </p:cSld>
-  <p:clrMapOvr>
-    <a:masterClrMapping/>
-  </p:clrMapOvr>
-  <p:timing>
-    <p:tnLst>
-      <p:par>
-        <p:cTn id="1" dur="indefinite" restart="never" nodeType="tmRoot"/>
-      </p:par>
-    </p:tnLst>
-  </p:timing>
-</p:sld>
-</file>
-
-<file path=ppt/slides/slide2.xml><?xml version="1.0" encoding="utf-8"?>
-<p:sld xmlns:a="http://schemas.openxmlformats.org/drawingml/2006/main" xmlns:r="http://schemas.openxmlformats.org/officeDocument/2006/relationships" xmlns:p="http://schemas.openxmlformats.org/presentationml/2006/main">
-  <p:cSld>
-    <p:spTree>
-      <p:nvGrpSpPr>
-        <p:cNvPr id="1" name=""/>
-        <p:cNvGrpSpPr/>
-        <p:nvPr/>
-      </p:nvGrpSpPr>
-      <p:grpSpPr>
-        <a:xfrm>
-          <a:off x="0" y="0"/>
-          <a:ext cx="0" cy="0"/>
-          <a:chOff x="0" y="0"/>
-          <a:chExt cx="0" cy="0"/>
-        </a:xfrm>
-      </p:grpSpPr>
-      <p:sp>
-        <p:nvSpPr>
-          <p:cNvPr id="2" name="Title 1"/>
-          <p:cNvSpPr>
-            <a:spLocks noGrp="1"/>
-          </p:cNvSpPr>
-          <p:nvPr>
-            <p:ph type="title"/>
-          </p:nvPr>
-        </p:nvSpPr>
-        <p:spPr/>
-        <p:txBody>
-          <a:bodyPr/>
-          <a:lstStyle/>
-          <a:p>
-            <a:r>
-              <a:rPr lang="nl-BE" dirty="0" smtClean="0"/>
-              <a:t>Papers</a:t>
-            </a:r>
-            <a:endParaRPr lang="nl-BE" dirty="0"/>
-          </a:p>
-        </p:txBody>
-      </p:sp>
-      <p:sp>
-        <p:nvSpPr>
-          <p:cNvPr id="3" name="Content Placeholder 2"/>
-          <p:cNvSpPr>
-            <a:spLocks noGrp="1"/>
-          </p:cNvSpPr>
-          <p:nvPr>
-            <p:ph idx="1"/>
-          </p:nvPr>
-        </p:nvSpPr>
-        <p:spPr/>
-        <p:txBody>
-          <a:bodyPr/>
-          <a:lstStyle/>
-          <a:p>
-            <a:pPr>
-              <a:buFont typeface="Arial" panose="020B0604020202020204" pitchFamily="34" charset="0"/>
-              <a:buChar char="•"/>
-            </a:pPr>
-            <a:r>
-              <a:rPr lang="nl-BE" b="1" dirty="0" smtClean="0"/>
-              <a:t>  Spreadsheet </a:t>
-            </a:r>
-            <a:r>
-              <a:rPr lang="nl-BE" b="1" dirty="0" err="1"/>
-              <a:t>Table</a:t>
-            </a:r>
-            <a:r>
-              <a:rPr lang="nl-BE" b="1" dirty="0"/>
-              <a:t> </a:t>
-            </a:r>
-            <a:r>
-              <a:rPr lang="nl-BE" b="1" dirty="0" err="1"/>
-              <a:t>Transformations</a:t>
-            </a:r>
-            <a:r>
-              <a:rPr lang="nl-BE" b="1" dirty="0"/>
-              <a:t> </a:t>
-            </a:r>
-            <a:r>
-              <a:rPr lang="nl-BE" b="1" dirty="0" err="1"/>
-              <a:t>from</a:t>
-            </a:r>
-            <a:r>
-              <a:rPr lang="nl-BE" b="1" dirty="0"/>
-              <a:t> </a:t>
-            </a:r>
-            <a:r>
-              <a:rPr lang="nl-BE" b="1" dirty="0" err="1"/>
-              <a:t>Examples</a:t>
-            </a:r>
-            <a:r>
-              <a:rPr lang="nl-BE" dirty="0" smtClean="0"/>
-              <a:t>,</a:t>
-            </a:r>
-            <a:br>
-              <a:rPr lang="nl-BE" dirty="0" smtClean="0"/>
-            </a:br>
-            <a:r>
-              <a:rPr lang="nl-BE" dirty="0" smtClean="0"/>
-              <a:t>    CACM, </a:t>
-            </a:r>
-            <a:r>
-              <a:rPr lang="nl-BE" dirty="0"/>
-              <a:t>W.R. Harris, S. </a:t>
-            </a:r>
-            <a:r>
-              <a:rPr lang="nl-BE" dirty="0" err="1" smtClean="0"/>
-              <a:t>Gulwani</a:t>
-            </a:r>
-            <a:endParaRPr lang="nl-BE" dirty="0"/>
-          </a:p>
-          <a:p>
-            <a:pPr>
-              <a:buFont typeface="Arial" panose="020B0604020202020204" pitchFamily="34" charset="0"/>
-              <a:buChar char="•"/>
-            </a:pPr>
-            <a:r>
-              <a:rPr lang="nl-BE" b="1" dirty="0" smtClean="0"/>
-              <a:t>  </a:t>
-            </a:r>
-            <a:r>
-              <a:rPr lang="nl-BE" b="1" dirty="0" err="1" smtClean="0"/>
-              <a:t>Example-Based</a:t>
-            </a:r>
-            <a:r>
-              <a:rPr lang="nl-BE" b="1" dirty="0" smtClean="0"/>
-              <a:t> </a:t>
-            </a:r>
-            <a:r>
-              <a:rPr lang="nl-BE" b="1" dirty="0"/>
-              <a:t>Learning in Computer-</a:t>
-            </a:r>
-            <a:r>
-              <a:rPr lang="nl-BE" b="1" dirty="0" err="1"/>
-              <a:t>Aided</a:t>
-            </a:r>
-            <a:r>
-              <a:rPr lang="nl-BE" b="1" dirty="0"/>
-              <a:t> STEM </a:t>
-            </a:r>
-            <a:r>
-              <a:rPr lang="nl-BE" b="1" dirty="0" err="1"/>
-              <a:t>Education</a:t>
-            </a:r>
-            <a:r>
-              <a:rPr lang="nl-BE" dirty="0"/>
-              <a:t>, </a:t>
-            </a:r>
-            <a:r>
-              <a:rPr lang="nl-BE" dirty="0" smtClean="0"/>
-              <a:t/>
-            </a:r>
-            <a:br>
-              <a:rPr lang="nl-BE" dirty="0" smtClean="0"/>
-            </a:br>
-            <a:r>
-              <a:rPr lang="nl-BE" dirty="0" smtClean="0"/>
-              <a:t>    CACM 2014, </a:t>
-            </a:r>
-            <a:r>
-              <a:rPr lang="nl-BE" dirty="0" err="1"/>
-              <a:t>Sumit</a:t>
-            </a:r>
-            <a:r>
-              <a:rPr lang="nl-BE" dirty="0"/>
-              <a:t> </a:t>
-            </a:r>
-            <a:r>
-              <a:rPr lang="nl-BE" dirty="0" err="1" smtClean="0"/>
-              <a:t>Gulwani</a:t>
-            </a:r>
-            <a:endParaRPr lang="nl-BE" dirty="0"/>
-          </a:p>
-          <a:p>
-            <a:pPr>
-              <a:buFont typeface="Arial" panose="020B0604020202020204" pitchFamily="34" charset="0"/>
-              <a:buChar char="•"/>
-            </a:pPr>
-            <a:r>
-              <a:rPr lang="nl-BE" b="1" dirty="0" smtClean="0"/>
-              <a:t>  </a:t>
-            </a:r>
-            <a:r>
-              <a:rPr lang="nl-BE" b="1" dirty="0" err="1" smtClean="0"/>
-              <a:t>Integrating</a:t>
-            </a:r>
-            <a:r>
-              <a:rPr lang="nl-BE" b="1" dirty="0" smtClean="0"/>
-              <a:t> </a:t>
-            </a:r>
-            <a:r>
-              <a:rPr lang="nl-BE" b="1" dirty="0"/>
-              <a:t>domain </a:t>
-            </a:r>
-            <a:r>
-              <a:rPr lang="nl-BE" b="1" dirty="0" err="1"/>
-              <a:t>knowledge</a:t>
-            </a:r>
-            <a:r>
-              <a:rPr lang="nl-BE" b="1" dirty="0"/>
-              <a:t> in </a:t>
-            </a:r>
-            <a:r>
-              <a:rPr lang="nl-BE" b="1" dirty="0" err="1"/>
-              <a:t>equation</a:t>
-            </a:r>
-            <a:r>
-              <a:rPr lang="nl-BE" b="1" dirty="0"/>
-              <a:t> </a:t>
-            </a:r>
-            <a:r>
-              <a:rPr lang="nl-BE" b="1" dirty="0" err="1" smtClean="0"/>
-              <a:t>discovery</a:t>
-            </a:r>
-            <a:r>
-              <a:rPr lang="nl-BE" dirty="0" smtClean="0"/>
-              <a:t>, </a:t>
-            </a:r>
-            <a:br>
-              <a:rPr lang="nl-BE" dirty="0" smtClean="0"/>
-            </a:br>
-            <a:r>
-              <a:rPr lang="nl-BE" dirty="0" smtClean="0"/>
-              <a:t>    LNCS </a:t>
-            </a:r>
-            <a:r>
-              <a:rPr lang="nl-BE" dirty="0"/>
-              <a:t>4660, Springer Berlin </a:t>
-            </a:r>
-            <a:r>
-              <a:rPr lang="nl-BE" dirty="0" smtClean="0"/>
-              <a:t>Heidelberg, 2007, </a:t>
-            </a:r>
-            <a:r>
-              <a:rPr lang="nl-BE" dirty="0" err="1"/>
-              <a:t>Todorovski</a:t>
-            </a:r>
-            <a:r>
-              <a:rPr lang="nl-BE" dirty="0"/>
-              <a:t>, </a:t>
-            </a:r>
-            <a:r>
-              <a:rPr lang="nl-BE" dirty="0" err="1"/>
-              <a:t>Ljupčo</a:t>
-            </a:r>
-            <a:r>
-              <a:rPr lang="nl-BE" dirty="0"/>
-              <a:t>, </a:t>
-            </a:r>
-            <a:r>
-              <a:rPr lang="nl-BE" dirty="0" err="1"/>
-              <a:t>and</a:t>
-            </a:r>
-            <a:r>
-              <a:rPr lang="nl-BE" dirty="0"/>
-              <a:t> </a:t>
-            </a:r>
-            <a:r>
-              <a:rPr lang="nl-BE" dirty="0" err="1"/>
-              <a:t>Sašo</a:t>
-            </a:r>
-            <a:r>
-              <a:rPr lang="nl-BE" dirty="0"/>
-              <a:t> </a:t>
-            </a:r>
-            <a:r>
-              <a:rPr lang="nl-BE" dirty="0" err="1" smtClean="0"/>
-              <a:t>Džeroski</a:t>
-            </a:r>
-            <a:endParaRPr lang="nl-BE" dirty="0"/>
-          </a:p>
-          <a:p>
-            <a:pPr>
-              <a:buFont typeface="Arial" panose="020B0604020202020204" pitchFamily="34" charset="0"/>
-              <a:buChar char="•"/>
-            </a:pPr>
-            <a:r>
-              <a:rPr lang="nl-BE" dirty="0"/>
-              <a:t>  </a:t>
-            </a:r>
-            <a:r>
-              <a:rPr lang="nl-BE" b="1" dirty="0" err="1" smtClean="0"/>
-              <a:t>Equation</a:t>
-            </a:r>
-            <a:r>
-              <a:rPr lang="nl-BE" b="1" dirty="0" smtClean="0"/>
-              <a:t> </a:t>
-            </a:r>
-            <a:r>
-              <a:rPr lang="nl-BE" b="1" dirty="0"/>
-              <a:t>Discovery</a:t>
-            </a:r>
-            <a:r>
-              <a:rPr lang="nl-BE" dirty="0"/>
-              <a:t>, </a:t>
-            </a:r>
-            <a:r>
-              <a:rPr lang="nl-BE" dirty="0" err="1"/>
-              <a:t>Enclyclopedia</a:t>
-            </a:r>
-            <a:r>
-              <a:rPr lang="nl-BE" dirty="0"/>
-              <a:t> of Machine Learning.</a:t>
-            </a:r>
-          </a:p>
-        </p:txBody>
-      </p:sp>
-    </p:spTree>
-    <p:extLst>
-      <p:ext uri="{BB962C8B-B14F-4D97-AF65-F5344CB8AC3E}">
-        <p14:creationId xmlns:p14="http://schemas.microsoft.com/office/powerpoint/2010/main" val="2358326544"/>
-      </p:ext>
-    </p:extLst>
-  </p:cSld>
-  <p:clrMapOvr>
-    <a:masterClrMapping/>
-  </p:clrMapOvr>
-  <p:timing>
-    <p:tnLst>
-      <p:par>
-        <p:cTn id="1" dur="indefinite" restart="never" nodeType="tmRoot"/>
-      </p:par>
-    </p:tnLst>
-  </p:timing>
-</p:sld>
-</file>
-
-<file path=ppt/slides/slide20.xml><?xml version="1.0" encoding="utf-8"?>
-<p:sld xmlns:a="http://schemas.openxmlformats.org/drawingml/2006/main" xmlns:r="http://schemas.openxmlformats.org/officeDocument/2006/relationships" xmlns:p="http://schemas.openxmlformats.org/presentationml/2006/main">
-  <p:cSld>
-    <p:spTree>
-      <p:nvGrpSpPr>
-        <p:cNvPr id="1" name=""/>
-        <p:cNvGrpSpPr/>
-        <p:nvPr/>
-      </p:nvGrpSpPr>
-      <p:grpSpPr>
-        <a:xfrm>
-          <a:off x="0" y="0"/>
-          <a:ext cx="0" cy="0"/>
-          <a:chOff x="0" y="0"/>
-          <a:chExt cx="0" cy="0"/>
-        </a:xfrm>
-      </p:grpSpPr>
-      <p:sp>
-        <p:nvSpPr>
-          <p:cNvPr id="2" name="Title 1"/>
-          <p:cNvSpPr>
-            <a:spLocks noGrp="1"/>
-          </p:cNvSpPr>
-          <p:nvPr>
-            <p:ph type="title"/>
-          </p:nvPr>
-        </p:nvSpPr>
-        <p:spPr/>
-        <p:txBody>
-          <a:bodyPr/>
-          <a:lstStyle/>
-          <a:p>
-            <a:r>
-              <a:rPr lang="nl-BE" dirty="0" smtClean="0"/>
-              <a:t>Definitie</a:t>
-            </a:r>
-            <a:endParaRPr lang="en-US" dirty="0"/>
-          </a:p>
-        </p:txBody>
-      </p:sp>
-      <p:sp>
-        <p:nvSpPr>
-          <p:cNvPr id="3" name="Content Placeholder 2"/>
-          <p:cNvSpPr>
-            <a:spLocks noGrp="1"/>
-          </p:cNvSpPr>
-          <p:nvPr>
-            <p:ph idx="1"/>
-          </p:nvPr>
-        </p:nvSpPr>
-        <p:spPr>
-          <a:xfrm>
-            <a:off x="1097280" y="2600705"/>
-            <a:ext cx="10058400" cy="1656591"/>
-          </a:xfrm>
-        </p:spPr>
-        <p:txBody>
-          <a:bodyPr>
-            <a:normAutofit/>
-          </a:bodyPr>
-          <a:lstStyle/>
-          <a:p>
-            <a:pPr marL="0" indent="0" algn="ctr">
-              <a:spcBef>
-                <a:spcPts val="0"/>
-              </a:spcBef>
-              <a:spcAft>
-                <a:spcPts val="0"/>
-              </a:spcAft>
-              <a:buNone/>
-            </a:pPr>
-            <a:r>
-              <a:rPr lang="en-US" sz="2800" i="1" dirty="0" smtClean="0"/>
-              <a:t>“</a:t>
-            </a:r>
-            <a:r>
-              <a:rPr lang="en-US" sz="2800" b="1" i="1" dirty="0" smtClean="0"/>
-              <a:t>Equation </a:t>
-            </a:r>
-            <a:r>
-              <a:rPr lang="en-US" sz="2800" b="1" i="1" dirty="0"/>
-              <a:t>discovery </a:t>
-            </a:r>
-            <a:r>
-              <a:rPr lang="en-US" sz="2800" i="1" dirty="0"/>
-              <a:t>is a machine learning task that deals with the problem of learning </a:t>
-            </a:r>
-            <a:r>
-              <a:rPr lang="en-US" sz="2800" b="1" i="1" dirty="0"/>
-              <a:t>quantitative laws and models</a:t>
-            </a:r>
-            <a:r>
-              <a:rPr lang="en-US" sz="2800" i="1" dirty="0"/>
-              <a:t>, expressed in the form of equations, in collections of measured </a:t>
-            </a:r>
-            <a:r>
-              <a:rPr lang="en-US" sz="2800" b="1" i="1" dirty="0"/>
-              <a:t>numeric data</a:t>
-            </a:r>
-            <a:r>
-              <a:rPr lang="en-US" sz="2800" i="1" dirty="0" smtClean="0"/>
-              <a:t>.” </a:t>
-            </a:r>
-          </a:p>
-          <a:p>
-            <a:pPr marL="0" indent="0" algn="ctr">
-              <a:spcBef>
-                <a:spcPts val="0"/>
-              </a:spcBef>
-              <a:spcAft>
-                <a:spcPts val="0"/>
-              </a:spcAft>
-              <a:buNone/>
-            </a:pPr>
-            <a:r>
-              <a:rPr lang="en-US" sz="2800" i="1" dirty="0" smtClean="0"/>
-              <a:t>– </a:t>
-            </a:r>
-            <a:r>
-              <a:rPr lang="en-US" sz="2800" dirty="0" smtClean="0"/>
-              <a:t>Encyclopedia of machine learning</a:t>
-            </a:r>
-            <a:endParaRPr lang="en-US" sz="2800" dirty="0"/>
-          </a:p>
-        </p:txBody>
-      </p:sp>
-    </p:spTree>
-    <p:extLst>
-      <p:ext uri="{BB962C8B-B14F-4D97-AF65-F5344CB8AC3E}">
-        <p14:creationId xmlns:p14="http://schemas.microsoft.com/office/powerpoint/2010/main" val="3033113370"/>
-      </p:ext>
-    </p:extLst>
-  </p:cSld>
-  <p:clrMapOvr>
-    <a:masterClrMapping/>
-  </p:clrMapOvr>
-  <p:timing>
-    <p:tnLst>
-      <p:par>
-        <p:cTn id="1" dur="indefinite" restart="never" nodeType="tmRoot"/>
-      </p:par>
-    </p:tnLst>
-  </p:timing>
-</p:sld>
-</file>
-
-<file path=ppt/slides/slide21.xml><?xml version="1.0" encoding="utf-8"?>
-<p:sld xmlns:a="http://schemas.openxmlformats.org/drawingml/2006/main" xmlns:r="http://schemas.openxmlformats.org/officeDocument/2006/relationships" xmlns:p="http://schemas.openxmlformats.org/presentationml/2006/main">
-  <p:cSld>
-    <p:spTree>
-      <p:nvGrpSpPr>
-        <p:cNvPr id="1" name=""/>
-        <p:cNvGrpSpPr/>
-        <p:nvPr/>
-      </p:nvGrpSpPr>
-      <p:grpSpPr>
-        <a:xfrm>
-          <a:off x="0" y="0"/>
-          <a:ext cx="0" cy="0"/>
-          <a:chOff x="0" y="0"/>
-          <a:chExt cx="0" cy="0"/>
-        </a:xfrm>
-      </p:grpSpPr>
-      <p:sp>
-        <p:nvSpPr>
-          <p:cNvPr id="2" name="Title 1"/>
-          <p:cNvSpPr>
-            <a:spLocks noGrp="1"/>
-          </p:cNvSpPr>
-          <p:nvPr>
-            <p:ph type="title"/>
-          </p:nvPr>
-        </p:nvSpPr>
-        <p:spPr/>
-        <p:txBody>
-          <a:bodyPr/>
-          <a:lstStyle/>
-          <a:p>
-            <a:r>
-              <a:rPr lang="nl-BE" dirty="0" err="1"/>
-              <a:t>Inductive</a:t>
-            </a:r>
-            <a:r>
-              <a:rPr lang="nl-BE" dirty="0"/>
-              <a:t> </a:t>
-            </a:r>
-            <a:r>
-              <a:rPr lang="nl-BE" dirty="0" err="1" smtClean="0"/>
-              <a:t>language</a:t>
-            </a:r>
-            <a:r>
-              <a:rPr lang="nl-BE" dirty="0" smtClean="0"/>
-              <a:t> </a:t>
-            </a:r>
-            <a:r>
-              <a:rPr lang="nl-BE" dirty="0"/>
-              <a:t>b</a:t>
-            </a:r>
-            <a:r>
-              <a:rPr lang="nl-BE" dirty="0" smtClean="0"/>
-              <a:t>ias</a:t>
-            </a:r>
-            <a:endParaRPr lang="en-US" dirty="0"/>
-          </a:p>
-        </p:txBody>
-      </p:sp>
-      <p:sp>
-        <p:nvSpPr>
-          <p:cNvPr id="3" name="Content Placeholder 2"/>
-          <p:cNvSpPr>
-            <a:spLocks noGrp="1"/>
-          </p:cNvSpPr>
-          <p:nvPr>
-            <p:ph idx="1"/>
-          </p:nvPr>
-        </p:nvSpPr>
-        <p:spPr/>
-        <p:txBody>
-          <a:bodyPr/>
-          <a:lstStyle/>
-          <a:p>
-            <a:pPr>
-              <a:buFont typeface="Arial" panose="020B0604020202020204" pitchFamily="34" charset="0"/>
-              <a:buChar char="•"/>
-            </a:pPr>
-            <a:r>
-              <a:rPr lang="nl-BE" dirty="0" smtClean="0"/>
-              <a:t>  </a:t>
-            </a:r>
-            <a:r>
-              <a:rPr lang="nl-BE" dirty="0" err="1" smtClean="0"/>
-              <a:t>Inductive</a:t>
-            </a:r>
-            <a:r>
-              <a:rPr lang="nl-BE" dirty="0" smtClean="0"/>
-              <a:t> bias</a:t>
-            </a:r>
-          </a:p>
-          <a:p>
-            <a:pPr>
-              <a:buFont typeface="Arial" panose="020B0604020202020204" pitchFamily="34" charset="0"/>
-              <a:buChar char="•"/>
-            </a:pPr>
-            <a:r>
-              <a:rPr lang="nl-BE" dirty="0"/>
-              <a:t> </a:t>
-            </a:r>
-            <a:r>
-              <a:rPr lang="nl-BE" dirty="0" smtClean="0"/>
-              <a:t> 3 Types</a:t>
-            </a:r>
-          </a:p>
-          <a:p>
-            <a:pPr lvl="1">
-              <a:buFont typeface="Arial" panose="020B0604020202020204" pitchFamily="34" charset="0"/>
-              <a:buChar char="•"/>
-            </a:pPr>
-            <a:r>
-              <a:rPr lang="nl-BE" dirty="0" smtClean="0"/>
-              <a:t>Language bias</a:t>
-            </a:r>
-          </a:p>
-          <a:p>
-            <a:pPr lvl="1">
-              <a:buFont typeface="Arial" panose="020B0604020202020204" pitchFamily="34" charset="0"/>
-              <a:buChar char="•"/>
-            </a:pPr>
-            <a:r>
-              <a:rPr lang="nl-BE" dirty="0" smtClean="0"/>
-              <a:t>Search bias</a:t>
-            </a:r>
-          </a:p>
-          <a:p>
-            <a:pPr lvl="1">
-              <a:buFont typeface="Arial" panose="020B0604020202020204" pitchFamily="34" charset="0"/>
-              <a:buChar char="•"/>
-            </a:pPr>
-            <a:r>
-              <a:rPr lang="nl-BE" dirty="0" err="1" smtClean="0"/>
-              <a:t>Validation</a:t>
-            </a:r>
-            <a:r>
-              <a:rPr lang="nl-BE" dirty="0" smtClean="0"/>
-              <a:t> bias</a:t>
-            </a:r>
-          </a:p>
-          <a:p>
-            <a:pPr>
-              <a:buFont typeface="Arial" panose="020B0604020202020204" pitchFamily="34" charset="0"/>
-              <a:buChar char="•"/>
-            </a:pPr>
-            <a:r>
-              <a:rPr lang="nl-BE" dirty="0"/>
-              <a:t> </a:t>
-            </a:r>
-            <a:r>
-              <a:rPr lang="nl-BE" dirty="0" smtClean="0"/>
-              <a:t> </a:t>
-            </a:r>
-            <a:r>
-              <a:rPr lang="nl-BE" dirty="0" err="1" smtClean="0"/>
-              <a:t>Declaratief</a:t>
-            </a:r>
-            <a:r>
-              <a:rPr lang="nl-BE" dirty="0" smtClean="0"/>
-              <a:t>  </a:t>
-            </a:r>
-            <a:endParaRPr lang="nl-BE" dirty="0" smtClean="0"/>
-          </a:p>
-          <a:p>
-            <a:endParaRPr lang="en-US" dirty="0"/>
-          </a:p>
-        </p:txBody>
-      </p:sp>
-    </p:spTree>
-    <p:extLst>
-      <p:ext uri="{BB962C8B-B14F-4D97-AF65-F5344CB8AC3E}">
-        <p14:creationId xmlns:p14="http://schemas.microsoft.com/office/powerpoint/2010/main" val="2786214848"/>
-      </p:ext>
-    </p:extLst>
-  </p:cSld>
-  <p:clrMapOvr>
-    <a:masterClrMapping/>
-  </p:clrMapOvr>
-  <p:timing>
-    <p:tnLst>
-      <p:par>
-        <p:cTn id="1" dur="indefinite" restart="never" nodeType="tmRoot"/>
-      </p:par>
-    </p:tnLst>
-  </p:timing>
-</p:sld>
-</file>
-
-<file path=ppt/slides/slide22.xml><?xml version="1.0" encoding="utf-8"?>
-<p:sld xmlns:a="http://schemas.openxmlformats.org/drawingml/2006/main" xmlns:r="http://schemas.openxmlformats.org/officeDocument/2006/relationships" xmlns:p="http://schemas.openxmlformats.org/presentationml/2006/main">
-  <p:cSld>
-    <p:spTree>
-      <p:nvGrpSpPr>
-        <p:cNvPr id="1" name=""/>
-        <p:cNvGrpSpPr/>
-        <p:nvPr/>
-      </p:nvGrpSpPr>
-      <p:grpSpPr>
-        <a:xfrm>
-          <a:off x="0" y="0"/>
-          <a:ext cx="0" cy="0"/>
-          <a:chOff x="0" y="0"/>
-          <a:chExt cx="0" cy="0"/>
-        </a:xfrm>
-      </p:grpSpPr>
-      <p:sp>
-        <p:nvSpPr>
-          <p:cNvPr id="2" name="Title 1"/>
-          <p:cNvSpPr>
-            <a:spLocks noGrp="1"/>
-          </p:cNvSpPr>
-          <p:nvPr>
-            <p:ph type="title"/>
-          </p:nvPr>
-        </p:nvSpPr>
-        <p:spPr/>
-        <p:txBody>
-          <a:bodyPr/>
-          <a:lstStyle/>
-          <a:p>
-            <a:r>
-              <a:rPr lang="nl-BE" dirty="0"/>
-              <a:t>Context vrije </a:t>
-            </a:r>
-            <a:r>
-              <a:rPr lang="nl-BE" dirty="0" smtClean="0"/>
-              <a:t>grammatica (1)</a:t>
-            </a:r>
-            <a:endParaRPr lang="en-US" dirty="0"/>
-          </a:p>
-        </p:txBody>
-      </p:sp>
-      <p:sp>
-        <p:nvSpPr>
-          <p:cNvPr id="4" name="Content Placeholder 2"/>
-          <p:cNvSpPr>
-            <a:spLocks noGrp="1"/>
-          </p:cNvSpPr>
-          <p:nvPr>
-            <p:ph idx="1"/>
-          </p:nvPr>
-        </p:nvSpPr>
-        <p:spPr>
-          <a:xfrm>
-            <a:off x="1097280" y="2600705"/>
-            <a:ext cx="10058400" cy="1656591"/>
-          </a:xfrm>
-        </p:spPr>
-        <p:txBody>
-          <a:bodyPr>
-            <a:normAutofit/>
-          </a:bodyPr>
-          <a:lstStyle/>
-          <a:p>
-            <a:pPr marL="0" indent="0" algn="ctr">
-              <a:spcBef>
-                <a:spcPts val="0"/>
-              </a:spcBef>
-              <a:spcAft>
-                <a:spcPts val="0"/>
-              </a:spcAft>
-              <a:buNone/>
-            </a:pPr>
-            <a:r>
-              <a:rPr lang="en-US" sz="2800" i="1" dirty="0" smtClean="0"/>
-              <a:t>“A </a:t>
-            </a:r>
-            <a:r>
-              <a:rPr lang="en-US" sz="2800" b="1" i="1" dirty="0" smtClean="0"/>
-              <a:t>context free grammar </a:t>
-            </a:r>
-            <a:r>
-              <a:rPr lang="en-US" sz="2800" i="1" dirty="0" smtClean="0"/>
-              <a:t>consists of a finite set of variables , each of them representing a subclass of </a:t>
-            </a:r>
-            <a:r>
-              <a:rPr lang="en-US" sz="2800" i="1" dirty="0" err="1" smtClean="0"/>
-              <a:t>subexpressions</a:t>
-            </a:r>
-            <a:r>
-              <a:rPr lang="en-US" sz="2800" i="1" dirty="0" smtClean="0"/>
-              <a:t> or phrases in the language represented by the grammar.”</a:t>
-            </a:r>
-          </a:p>
-          <a:p>
-            <a:pPr marL="0" indent="0" algn="ctr">
-              <a:spcBef>
-                <a:spcPts val="0"/>
-              </a:spcBef>
-              <a:spcAft>
-                <a:spcPts val="0"/>
-              </a:spcAft>
-              <a:buNone/>
-            </a:pPr>
-            <a:r>
-              <a:rPr lang="nl-BE" sz="2800" i="1" dirty="0" smtClean="0"/>
-              <a:t>- </a:t>
-            </a:r>
-            <a:r>
-              <a:rPr lang="nl-BE" sz="2800" i="1" dirty="0" err="1" smtClean="0"/>
-              <a:t>Todorovski</a:t>
-            </a:r>
-            <a:r>
-              <a:rPr lang="nl-BE" sz="2800" i="1" dirty="0" smtClean="0"/>
-              <a:t> &amp; </a:t>
-            </a:r>
-            <a:r>
-              <a:rPr lang="nl-BE" sz="2800" i="1" dirty="0" err="1" smtClean="0"/>
-              <a:t>Džeroski</a:t>
-            </a:r>
-            <a:endParaRPr lang="en-US" sz="2800" i="1" dirty="0" smtClean="0"/>
-          </a:p>
-        </p:txBody>
-      </p:sp>
-    </p:spTree>
-    <p:extLst>
-      <p:ext uri="{BB962C8B-B14F-4D97-AF65-F5344CB8AC3E}">
-        <p14:creationId xmlns:p14="http://schemas.microsoft.com/office/powerpoint/2010/main" val="2352575886"/>
-      </p:ext>
-    </p:extLst>
-  </p:cSld>
-  <p:clrMapOvr>
-    <a:masterClrMapping/>
-  </p:clrMapOvr>
-  <p:timing>
-    <p:tnLst>
-      <p:par>
-        <p:cTn id="1" dur="indefinite" restart="never" nodeType="tmRoot"/>
-      </p:par>
-    </p:tnLst>
-  </p:timing>
-</p:sld>
-</file>
-
-<file path=ppt/slides/slide23.xml><?xml version="1.0" encoding="utf-8"?>
-<p:sld xmlns:a="http://schemas.openxmlformats.org/drawingml/2006/main" xmlns:r="http://schemas.openxmlformats.org/officeDocument/2006/relationships" xmlns:p="http://schemas.openxmlformats.org/presentationml/2006/main">
-  <p:cSld>
-    <p:spTree>
-      <p:nvGrpSpPr>
-        <p:cNvPr id="1" name=""/>
-        <p:cNvGrpSpPr/>
-        <p:nvPr/>
-      </p:nvGrpSpPr>
-      <p:grpSpPr>
-        <a:xfrm>
-          <a:off x="0" y="0"/>
-          <a:ext cx="0" cy="0"/>
-          <a:chOff x="0" y="0"/>
-          <a:chExt cx="0" cy="0"/>
-        </a:xfrm>
-      </p:grpSpPr>
-      <p:sp>
-        <p:nvSpPr>
-          <p:cNvPr id="2" name="Title 1"/>
-          <p:cNvSpPr>
-            <a:spLocks noGrp="1"/>
-          </p:cNvSpPr>
-          <p:nvPr>
-            <p:ph type="title"/>
-          </p:nvPr>
-        </p:nvSpPr>
-        <p:spPr/>
-        <p:txBody>
-          <a:bodyPr/>
-          <a:lstStyle/>
-          <a:p>
-            <a:r>
-              <a:rPr lang="nl-BE" dirty="0"/>
-              <a:t>Context vrije grammatica </a:t>
-            </a:r>
-            <a:r>
-              <a:rPr lang="nl-BE" dirty="0" smtClean="0"/>
-              <a:t>(2)</a:t>
-            </a:r>
-            <a:endParaRPr lang="en-US" dirty="0"/>
-          </a:p>
-        </p:txBody>
-      </p:sp>
-      <p:sp>
-        <p:nvSpPr>
-          <p:cNvPr id="3" name="Content Placeholder 2"/>
-          <p:cNvSpPr>
-            <a:spLocks noGrp="1"/>
-          </p:cNvSpPr>
-          <p:nvPr>
-            <p:ph idx="1"/>
-          </p:nvPr>
-        </p:nvSpPr>
-        <p:spPr/>
-        <p:txBody>
-          <a:bodyPr/>
-          <a:lstStyle/>
-          <a:p>
-            <a:pPr>
-              <a:buFont typeface="Arial" panose="020B0604020202020204" pitchFamily="34" charset="0"/>
-              <a:buChar char="•"/>
-            </a:pPr>
-            <a:r>
-              <a:rPr lang="nl-BE" dirty="0" smtClean="0"/>
-              <a:t>  Voorbeeld context vrije grammatica</a:t>
-            </a:r>
-          </a:p>
-          <a:p>
-            <a:pPr>
-              <a:buFont typeface="Arial" panose="020B0604020202020204" pitchFamily="34" charset="0"/>
-              <a:buChar char="•"/>
-            </a:pPr>
-            <a:endParaRPr lang="nl-BE" dirty="0"/>
-          </a:p>
-          <a:p>
-            <a:pPr marL="0" indent="0">
-              <a:buNone/>
-            </a:pPr>
-            <a:endParaRPr lang="nl-BE" dirty="0"/>
-          </a:p>
-          <a:p>
-            <a:pPr>
-              <a:buFont typeface="Arial" panose="020B0604020202020204" pitchFamily="34" charset="0"/>
-              <a:buChar char="•"/>
-            </a:pPr>
-            <a:r>
-              <a:rPr lang="nl-BE" dirty="0" smtClean="0"/>
-              <a:t>  </a:t>
-            </a:r>
-            <a:r>
-              <a:rPr lang="nl-BE" dirty="0" err="1" smtClean="0"/>
-              <a:t>Parse</a:t>
-            </a:r>
-            <a:r>
-              <a:rPr lang="nl-BE" dirty="0" smtClean="0"/>
-              <a:t> tree</a:t>
-            </a:r>
-            <a:endParaRPr lang="nl-BE" dirty="0"/>
-          </a:p>
-          <a:p>
-            <a:pPr lvl="1">
-              <a:buFont typeface="Arial" panose="020B0604020202020204" pitchFamily="34" charset="0"/>
-              <a:buChar char="•"/>
-            </a:pPr>
-            <a:r>
-              <a:rPr lang="nl-BE" dirty="0" err="1" smtClean="0"/>
-              <a:t>Parse</a:t>
-            </a:r>
-            <a:r>
-              <a:rPr lang="nl-BE" dirty="0" smtClean="0"/>
-              <a:t> </a:t>
-            </a:r>
-            <a:r>
-              <a:rPr lang="nl-BE" dirty="0" err="1" smtClean="0"/>
-              <a:t>task</a:t>
-            </a:r>
-            <a:endParaRPr lang="nl-BE" dirty="0" smtClean="0"/>
-          </a:p>
-          <a:p>
-            <a:pPr lvl="1">
-              <a:buFont typeface="Arial" panose="020B0604020202020204" pitchFamily="34" charset="0"/>
-              <a:buChar char="•"/>
-            </a:pPr>
-            <a:r>
-              <a:rPr lang="nl-BE" dirty="0" err="1" smtClean="0"/>
-              <a:t>Parse</a:t>
-            </a:r>
-            <a:r>
-              <a:rPr lang="nl-BE" dirty="0" smtClean="0"/>
-              <a:t> </a:t>
-            </a:r>
-            <a:r>
-              <a:rPr lang="nl-BE" dirty="0" err="1" smtClean="0"/>
-              <a:t>generation</a:t>
-            </a:r>
-            <a:endParaRPr lang="nl-BE" dirty="0" smtClean="0"/>
-          </a:p>
-        </p:txBody>
-      </p:sp>
-      <p:pic>
-        <p:nvPicPr>
-          <p:cNvPr id="6" name="Picture 5"/>
-          <p:cNvPicPr>
-            <a:picLocks noChangeAspect="1"/>
-          </p:cNvPicPr>
-          <p:nvPr/>
-        </p:nvPicPr>
-        <p:blipFill>
-          <a:blip r:embed="rId2">
-            <a:extLst>
-              <a:ext uri="{28A0092B-C50C-407E-A947-70E740481C1C}">
-                <a14:useLocalDpi xmlns:a14="http://schemas.microsoft.com/office/drawing/2010/main" val="0"/>
-              </a:ext>
-            </a:extLst>
-          </a:blip>
-          <a:stretch>
-            <a:fillRect/>
-          </a:stretch>
-        </p:blipFill>
-        <p:spPr>
-          <a:xfrm>
-            <a:off x="5054074" y="3192137"/>
-            <a:ext cx="3972994" cy="2456983"/>
-          </a:xfrm>
-          <a:prstGeom prst="rect">
-            <a:avLst/>
-          </a:prstGeom>
-        </p:spPr>
-      </p:pic>
-      <p:pic>
-        <p:nvPicPr>
-          <p:cNvPr id="7" name="Picture 6"/>
-          <p:cNvPicPr>
-            <a:picLocks noChangeAspect="1"/>
-          </p:cNvPicPr>
-          <p:nvPr/>
-        </p:nvPicPr>
-        <p:blipFill>
-          <a:blip r:embed="rId3">
-            <a:extLst>
-              <a:ext uri="{28A0092B-C50C-407E-A947-70E740481C1C}">
-                <a14:useLocalDpi xmlns:a14="http://schemas.microsoft.com/office/drawing/2010/main" val="0"/>
-              </a:ext>
-            </a:extLst>
-          </a:blip>
-          <a:stretch>
-            <a:fillRect/>
-          </a:stretch>
-        </p:blipFill>
-        <p:spPr>
-          <a:xfrm>
-            <a:off x="5054074" y="2259844"/>
-            <a:ext cx="2674852" cy="746825"/>
-          </a:xfrm>
-          <a:prstGeom prst="rect">
-            <a:avLst/>
-          </a:prstGeom>
-        </p:spPr>
-      </p:pic>
-    </p:spTree>
-    <p:extLst>
-      <p:ext uri="{BB962C8B-B14F-4D97-AF65-F5344CB8AC3E}">
-        <p14:creationId xmlns:p14="http://schemas.microsoft.com/office/powerpoint/2010/main" val="2584579861"/>
-      </p:ext>
-    </p:extLst>
-  </p:cSld>
-  <p:clrMapOvr>
-    <a:masterClrMapping/>
-  </p:clrMapOvr>
-</p:sld>
-</file>
-
-<file path=ppt/slides/slide24.xml><?xml version="1.0" encoding="utf-8"?>
-<p:sld xmlns:a="http://schemas.openxmlformats.org/drawingml/2006/main" xmlns:r="http://schemas.openxmlformats.org/officeDocument/2006/relationships" xmlns:p="http://schemas.openxmlformats.org/presentationml/2006/main">
-  <p:cSld>
-    <p:spTree>
-      <p:nvGrpSpPr>
-        <p:cNvPr id="1" name=""/>
-        <p:cNvGrpSpPr/>
-        <p:nvPr/>
-      </p:nvGrpSpPr>
-      <p:grpSpPr>
-        <a:xfrm>
-          <a:off x="0" y="0"/>
-          <a:ext cx="0" cy="0"/>
-          <a:chOff x="0" y="0"/>
-          <a:chExt cx="0" cy="0"/>
-        </a:xfrm>
-      </p:grpSpPr>
-      <p:sp>
-        <p:nvSpPr>
-          <p:cNvPr id="2" name="Title 1"/>
-          <p:cNvSpPr>
-            <a:spLocks noGrp="1"/>
-          </p:cNvSpPr>
-          <p:nvPr>
-            <p:ph type="title"/>
-          </p:nvPr>
-        </p:nvSpPr>
-        <p:spPr/>
-        <p:txBody>
-          <a:bodyPr/>
-          <a:lstStyle/>
-          <a:p>
-            <a:r>
-              <a:rPr lang="nl-BE" dirty="0" smtClean="0"/>
-              <a:t>Conclusie</a:t>
-            </a:r>
-            <a:endParaRPr lang="en-US" dirty="0"/>
-          </a:p>
-        </p:txBody>
-      </p:sp>
-      <p:sp>
-        <p:nvSpPr>
-          <p:cNvPr id="3" name="Content Placeholder 2"/>
-          <p:cNvSpPr>
-            <a:spLocks noGrp="1"/>
-          </p:cNvSpPr>
-          <p:nvPr>
-            <p:ph idx="1"/>
-          </p:nvPr>
-        </p:nvSpPr>
-        <p:spPr/>
-        <p:txBody>
-          <a:bodyPr/>
-          <a:lstStyle/>
-          <a:p>
-            <a:pPr marL="0" indent="0">
-              <a:buNone/>
-            </a:pPr>
-            <a:r>
-              <a:rPr lang="nl-BE" dirty="0" smtClean="0">
-                <a:solidFill>
-                  <a:srgbClr val="FF0000"/>
-                </a:solidFill>
-              </a:rPr>
-              <a:t>(</a:t>
-            </a:r>
-            <a:r>
-              <a:rPr lang="nl-BE" dirty="0" smtClean="0">
-                <a:solidFill>
-                  <a:srgbClr val="FF0000"/>
-                </a:solidFill>
-              </a:rPr>
-              <a:t>NOG TE DOEN)</a:t>
-            </a:r>
-          </a:p>
-        </p:txBody>
-      </p:sp>
-    </p:spTree>
-    <p:extLst>
-      <p:ext uri="{BB962C8B-B14F-4D97-AF65-F5344CB8AC3E}">
-        <p14:creationId xmlns:p14="http://schemas.microsoft.com/office/powerpoint/2010/main" val="2029372312"/>
-      </p:ext>
-    </p:extLst>
-  </p:cSld>
-  <p:clrMapOvr>
-    <a:masterClrMapping/>
-  </p:clrMapOvr>
-  <p:timing>
-    <p:tnLst>
-      <p:par>
-        <p:cTn id="1" dur="indefinite" restart="never" nodeType="tmRoot"/>
-      </p:par>
-    </p:tnLst>
-  </p:timing>
-</p:sld>
-</file>
-
-<file path=ppt/slides/slide25.xml><?xml version="1.0" encoding="utf-8"?>
-<p:sld xmlns:a="http://schemas.openxmlformats.org/drawingml/2006/main" xmlns:r="http://schemas.openxmlformats.org/officeDocument/2006/relationships" xmlns:p="http://schemas.openxmlformats.org/presentationml/2006/main">
-  <p:cSld>
-    <p:spTree>
-      <p:nvGrpSpPr>
-        <p:cNvPr id="1" name=""/>
-        <p:cNvGrpSpPr/>
-        <p:nvPr/>
-      </p:nvGrpSpPr>
-      <p:grpSpPr>
-        <a:xfrm>
-          <a:off x="0" y="0"/>
-          <a:ext cx="0" cy="0"/>
-          <a:chOff x="0" y="0"/>
-          <a:chExt cx="0" cy="0"/>
-        </a:xfrm>
-      </p:grpSpPr>
-      <p:sp>
-        <p:nvSpPr>
-          <p:cNvPr id="2" name="Title 1"/>
-          <p:cNvSpPr>
-            <a:spLocks noGrp="1"/>
-          </p:cNvSpPr>
-          <p:nvPr>
-            <p:ph type="ctrTitle"/>
-          </p:nvPr>
-        </p:nvSpPr>
-        <p:spPr/>
-        <p:txBody>
-          <a:bodyPr/>
-          <a:lstStyle/>
-          <a:p>
-            <a:r>
-              <a:rPr lang="nl-BE" dirty="0" smtClean="0"/>
-              <a:t>Vragen?</a:t>
-            </a:r>
-            <a:endParaRPr lang="en-US" dirty="0"/>
-          </a:p>
-        </p:txBody>
-      </p:sp>
-      <p:sp>
-        <p:nvSpPr>
-          <p:cNvPr id="3" name="Subtitle 2"/>
-          <p:cNvSpPr>
-            <a:spLocks noGrp="1"/>
-          </p:cNvSpPr>
-          <p:nvPr>
-            <p:ph type="subTitle" idx="1"/>
-          </p:nvPr>
-        </p:nvSpPr>
-        <p:spPr/>
-        <p:txBody>
-          <a:bodyPr/>
-          <a:lstStyle/>
-          <a:p>
-            <a:endParaRPr lang="en-US" dirty="0"/>
-          </a:p>
-        </p:txBody>
-      </p:sp>
-    </p:spTree>
-    <p:extLst>
-      <p:ext uri="{BB962C8B-B14F-4D97-AF65-F5344CB8AC3E}">
-        <p14:creationId xmlns:p14="http://schemas.microsoft.com/office/powerpoint/2010/main" val="432546618"/>
-      </p:ext>
-    </p:extLst>
-  </p:cSld>
-  <p:clrMapOvr>
-    <a:masterClrMapping/>
-  </p:clrMapOvr>
-</p:sld>
-</file>
-
-<file path=ppt/slides/slide3.xml><?xml version="1.0" encoding="utf-8"?>
-<p:sld xmlns:a="http://schemas.openxmlformats.org/drawingml/2006/main" xmlns:r="http://schemas.openxmlformats.org/officeDocument/2006/relationships" xmlns:p="http://schemas.openxmlformats.org/presentationml/2006/main">
-  <p:cSld>
-    <p:spTree>
-      <p:nvGrpSpPr>
-        <p:cNvPr id="1" name=""/>
-        <p:cNvGrpSpPr/>
-        <p:nvPr/>
-      </p:nvGrpSpPr>
-      <p:grpSpPr>
-        <a:xfrm>
-          <a:off x="0" y="0"/>
-          <a:ext cx="0" cy="0"/>
-          <a:chOff x="0" y="0"/>
-          <a:chExt cx="0" cy="0"/>
-        </a:xfrm>
-      </p:grpSpPr>
-      <p:sp>
-        <p:nvSpPr>
-          <p:cNvPr id="2" name="Title 1"/>
-          <p:cNvSpPr>
-            <a:spLocks noGrp="1"/>
-          </p:cNvSpPr>
-          <p:nvPr>
-            <p:ph type="title"/>
-          </p:nvPr>
-        </p:nvSpPr>
-        <p:spPr/>
-        <p:txBody>
-          <a:bodyPr/>
-          <a:lstStyle/>
-          <a:p>
-            <a:r>
-              <a:rPr lang="nl-BE" dirty="0" smtClean="0"/>
-              <a:t>Overzicht</a:t>
-            </a:r>
-            <a:endParaRPr lang="nl-BE" dirty="0"/>
-          </a:p>
-        </p:txBody>
-      </p:sp>
-      <p:sp>
-        <p:nvSpPr>
-          <p:cNvPr id="3" name="Content Placeholder 2"/>
-          <p:cNvSpPr>
-            <a:spLocks noGrp="1"/>
-          </p:cNvSpPr>
-          <p:nvPr>
-            <p:ph idx="1"/>
-          </p:nvPr>
-        </p:nvSpPr>
-        <p:spPr/>
-        <p:txBody>
-          <a:bodyPr/>
-          <a:lstStyle/>
-          <a:p>
-            <a:pPr>
-              <a:buFont typeface="Arial" panose="020B0604020202020204" pitchFamily="34" charset="0"/>
-              <a:buChar char="•"/>
-            </a:pPr>
-            <a:r>
-              <a:rPr lang="nl-BE" dirty="0" smtClean="0"/>
-              <a:t>  </a:t>
-            </a:r>
-            <a:r>
-              <a:rPr lang="nl-BE" dirty="0" err="1" smtClean="0"/>
-              <a:t>Example-based</a:t>
-            </a:r>
-            <a:r>
-              <a:rPr lang="nl-BE" dirty="0" smtClean="0"/>
-              <a:t> </a:t>
-            </a:r>
-            <a:r>
-              <a:rPr lang="nl-BE" dirty="0" err="1" smtClean="0"/>
-              <a:t>learning</a:t>
-            </a:r>
-            <a:endParaRPr lang="nl-BE" dirty="0" smtClean="0"/>
-          </a:p>
-          <a:p>
-            <a:pPr>
-              <a:buFont typeface="Arial" panose="020B0604020202020204" pitchFamily="34" charset="0"/>
-              <a:buChar char="•"/>
-            </a:pPr>
-            <a:r>
-              <a:rPr lang="nl-BE" dirty="0" smtClean="0"/>
-              <a:t>  Spreadsheet tabel transformaties aan de hand van voorbeelden</a:t>
-            </a:r>
-          </a:p>
-          <a:p>
-            <a:pPr>
-              <a:buFont typeface="Arial" panose="020B0604020202020204" pitchFamily="34" charset="0"/>
-              <a:buChar char="•"/>
-            </a:pPr>
-            <a:r>
-              <a:rPr lang="nl-BE" dirty="0"/>
-              <a:t> </a:t>
-            </a:r>
-            <a:r>
-              <a:rPr lang="nl-BE" dirty="0" smtClean="0"/>
-              <a:t> Ons doel</a:t>
-            </a:r>
-          </a:p>
-          <a:p>
-            <a:pPr>
-              <a:buFont typeface="Arial" panose="020B0604020202020204" pitchFamily="34" charset="0"/>
-              <a:buChar char="•"/>
-            </a:pPr>
-            <a:r>
-              <a:rPr lang="nl-BE" dirty="0"/>
-              <a:t> </a:t>
-            </a:r>
-            <a:r>
-              <a:rPr lang="nl-BE" dirty="0" smtClean="0"/>
-              <a:t> </a:t>
-            </a:r>
-            <a:r>
-              <a:rPr lang="nl-BE" dirty="0" err="1" smtClean="0"/>
-              <a:t>Equation</a:t>
-            </a:r>
-            <a:r>
-              <a:rPr lang="nl-BE" dirty="0" smtClean="0"/>
-              <a:t> </a:t>
-            </a:r>
-            <a:r>
-              <a:rPr lang="nl-BE" dirty="0" err="1" smtClean="0"/>
-              <a:t>discovery</a:t>
-            </a:r>
-            <a:endParaRPr lang="nl-BE" dirty="0"/>
-          </a:p>
-        </p:txBody>
-      </p:sp>
-    </p:spTree>
-    <p:extLst>
-      <p:ext uri="{BB962C8B-B14F-4D97-AF65-F5344CB8AC3E}">
-        <p14:creationId xmlns:p14="http://schemas.microsoft.com/office/powerpoint/2010/main" val="3727844137"/>
-      </p:ext>
-    </p:extLst>
-  </p:cSld>
-  <p:clrMapOvr>
-    <a:masterClrMapping/>
-  </p:clrMapOvr>
-  <p:timing>
-    <p:tnLst>
-      <p:par>
-        <p:cTn id="1" dur="indefinite" restart="never" nodeType="tmRoot"/>
-      </p:par>
-    </p:tnLst>
-  </p:timing>
-</p:sld>
-</file>
-
-<file path=ppt/slides/slide4.xml><?xml version="1.0" encoding="utf-8"?>
-<p:sld xmlns:a="http://schemas.openxmlformats.org/drawingml/2006/main" xmlns:r="http://schemas.openxmlformats.org/officeDocument/2006/relationships" xmlns:p="http://schemas.openxmlformats.org/presentationml/2006/main">
-  <p:cSld>
-    <p:spTree>
-      <p:nvGrpSpPr>
-        <p:cNvPr id="1" name=""/>
-        <p:cNvGrpSpPr/>
-        <p:nvPr/>
-      </p:nvGrpSpPr>
-      <p:grpSpPr>
-        <a:xfrm>
-          <a:off x="0" y="0"/>
-          <a:ext cx="0" cy="0"/>
-          <a:chOff x="0" y="0"/>
-          <a:chExt cx="0" cy="0"/>
-        </a:xfrm>
-      </p:grpSpPr>
-      <p:sp>
-        <p:nvSpPr>
-          <p:cNvPr id="2" name="Title 1"/>
-          <p:cNvSpPr>
-            <a:spLocks noGrp="1"/>
-          </p:cNvSpPr>
-          <p:nvPr>
-            <p:ph type="title"/>
-          </p:nvPr>
-        </p:nvSpPr>
-        <p:spPr/>
-        <p:txBody>
-          <a:bodyPr/>
-          <a:lstStyle/>
-          <a:p>
-            <a:r>
-              <a:rPr lang="nl-BE" dirty="0" smtClean="0"/>
-              <a:t>Overzicht: </a:t>
-            </a:r>
-            <a:br>
-              <a:rPr lang="nl-BE" dirty="0" smtClean="0"/>
-            </a:br>
-            <a:r>
-              <a:rPr lang="nl-BE" dirty="0" err="1" smtClean="0"/>
-              <a:t>Example-based</a:t>
-            </a:r>
-            <a:r>
-              <a:rPr lang="nl-BE" dirty="0" smtClean="0"/>
-              <a:t> </a:t>
-            </a:r>
-            <a:r>
-              <a:rPr lang="nl-BE" dirty="0" err="1"/>
-              <a:t>l</a:t>
-            </a:r>
-            <a:r>
-              <a:rPr lang="nl-BE" dirty="0" err="1" smtClean="0"/>
-              <a:t>earning</a:t>
-            </a:r>
-            <a:endParaRPr lang="en-US" dirty="0"/>
-          </a:p>
-        </p:txBody>
-      </p:sp>
-      <p:sp>
-        <p:nvSpPr>
-          <p:cNvPr id="3" name="Content Placeholder 2"/>
-          <p:cNvSpPr>
-            <a:spLocks noGrp="1"/>
-          </p:cNvSpPr>
-          <p:nvPr>
-            <p:ph idx="1"/>
-          </p:nvPr>
-        </p:nvSpPr>
-        <p:spPr/>
-        <p:txBody>
-          <a:bodyPr/>
-          <a:lstStyle/>
-          <a:p>
-            <a:pPr>
-              <a:buFont typeface="Arial" panose="020B0604020202020204" pitchFamily="34" charset="0"/>
-              <a:buChar char="•"/>
-            </a:pPr>
-            <a:r>
-              <a:rPr lang="nl-BE" dirty="0" smtClean="0"/>
-              <a:t>  Een vergelijking: conceptuele versus procedurele problemen</a:t>
-            </a:r>
-          </a:p>
-          <a:p>
-            <a:pPr>
-              <a:buFont typeface="Arial" panose="020B0604020202020204" pitchFamily="34" charset="0"/>
-              <a:buChar char="•"/>
-            </a:pPr>
-            <a:r>
-              <a:rPr lang="nl-BE" dirty="0" smtClean="0"/>
-              <a:t>  Probleem generatie</a:t>
-            </a:r>
-          </a:p>
-          <a:p>
-            <a:pPr>
-              <a:buFont typeface="Arial" panose="020B0604020202020204" pitchFamily="34" charset="0"/>
-              <a:buChar char="•"/>
-            </a:pPr>
-            <a:r>
-              <a:rPr lang="nl-BE" dirty="0" smtClean="0"/>
-              <a:t>  Oplossing generatie</a:t>
-            </a:r>
-          </a:p>
-          <a:p>
-            <a:pPr>
-              <a:buFont typeface="Arial" panose="020B0604020202020204" pitchFamily="34" charset="0"/>
-              <a:buChar char="•"/>
-            </a:pPr>
-            <a:r>
-              <a:rPr lang="nl-BE" dirty="0" smtClean="0"/>
-              <a:t>  Feedback generatie</a:t>
-            </a:r>
-          </a:p>
-          <a:p>
-            <a:pPr>
-              <a:buFont typeface="Arial" panose="020B0604020202020204" pitchFamily="34" charset="0"/>
-              <a:buChar char="•"/>
-            </a:pPr>
-            <a:r>
-              <a:rPr lang="nl-BE" dirty="0" smtClean="0"/>
-              <a:t>  Toepassing</a:t>
-            </a:r>
-            <a:endParaRPr lang="nl-BE" dirty="0">
-              <a:solidFill>
-                <a:srgbClr val="FF0000"/>
-              </a:solidFill>
-            </a:endParaRPr>
-          </a:p>
-          <a:p>
-            <a:pPr>
-              <a:buFont typeface="Arial" panose="020B0604020202020204" pitchFamily="34" charset="0"/>
-              <a:buChar char="•"/>
-            </a:pPr>
-            <a:endParaRPr lang="nl-BE" dirty="0"/>
-          </a:p>
-          <a:p>
-            <a:pPr>
-              <a:buFont typeface="Arial" panose="020B0604020202020204" pitchFamily="34" charset="0"/>
-              <a:buChar char="•"/>
-            </a:pPr>
-            <a:endParaRPr lang="en-US" dirty="0"/>
-          </a:p>
-        </p:txBody>
-      </p:sp>
-    </p:spTree>
-    <p:extLst>
-      <p:ext uri="{BB962C8B-B14F-4D97-AF65-F5344CB8AC3E}">
-        <p14:creationId xmlns:p14="http://schemas.microsoft.com/office/powerpoint/2010/main" val="1917917047"/>
-      </p:ext>
-    </p:extLst>
-  </p:cSld>
-  <p:clrMapOvr>
-    <a:masterClrMapping/>
-  </p:clrMapOvr>
-  <p:timing>
-    <p:tnLst>
-      <p:par>
-        <p:cTn id="1" dur="indefinite" restart="never" nodeType="tmRoot"/>
-      </p:par>
-    </p:tnLst>
-  </p:timing>
-</p:sld>
-</file>
-
-<file path=ppt/slides/slide5.xml><?xml version="1.0" encoding="utf-8"?>
-<p:sld xmlns:a="http://schemas.openxmlformats.org/drawingml/2006/main" xmlns:r="http://schemas.openxmlformats.org/officeDocument/2006/relationships" xmlns:p="http://schemas.openxmlformats.org/presentationml/2006/main">
-  <p:cSld>
-    <p:spTree>
-      <p:nvGrpSpPr>
-        <p:cNvPr id="1" name=""/>
-        <p:cNvGrpSpPr/>
-        <p:nvPr/>
-      </p:nvGrpSpPr>
-      <p:grpSpPr>
-        <a:xfrm>
-          <a:off x="0" y="0"/>
-          <a:ext cx="0" cy="0"/>
-          <a:chOff x="0" y="0"/>
-          <a:chExt cx="0" cy="0"/>
-        </a:xfrm>
-      </p:grpSpPr>
-      <p:sp>
-        <p:nvSpPr>
-          <p:cNvPr id="2" name="Title 1"/>
-          <p:cNvSpPr>
-            <a:spLocks noGrp="1"/>
-          </p:cNvSpPr>
-          <p:nvPr>
-            <p:ph type="title"/>
-          </p:nvPr>
-        </p:nvSpPr>
-        <p:spPr/>
-        <p:txBody>
-          <a:bodyPr/>
-          <a:lstStyle/>
-          <a:p>
-            <a:r>
-              <a:rPr lang="nl-BE" dirty="0" smtClean="0"/>
-              <a:t>Een </a:t>
-            </a:r>
-            <a:r>
-              <a:rPr lang="nl-BE" dirty="0"/>
-              <a:t>v</a:t>
-            </a:r>
-            <a:r>
-              <a:rPr lang="nl-BE" dirty="0" smtClean="0"/>
-              <a:t>ergelijking</a:t>
-            </a:r>
-            <a:endParaRPr lang="en-US" dirty="0"/>
-          </a:p>
-        </p:txBody>
-      </p:sp>
-      <p:sp>
-        <p:nvSpPr>
-          <p:cNvPr id="3" name="Text Placeholder 2"/>
-          <p:cNvSpPr>
-            <a:spLocks noGrp="1"/>
-          </p:cNvSpPr>
-          <p:nvPr>
-            <p:ph type="body" idx="1"/>
-          </p:nvPr>
-        </p:nvSpPr>
-        <p:spPr/>
-        <p:txBody>
-          <a:bodyPr/>
-          <a:lstStyle/>
-          <a:p>
-            <a:r>
-              <a:rPr lang="nl-BE" b="1" dirty="0" smtClean="0"/>
-              <a:t>Conceptueel</a:t>
-            </a:r>
-            <a:endParaRPr lang="en-US" b="1" dirty="0"/>
-          </a:p>
-        </p:txBody>
-      </p:sp>
-      <p:sp>
-        <p:nvSpPr>
-          <p:cNvPr id="4" name="Content Placeholder 3"/>
-          <p:cNvSpPr>
-            <a:spLocks noGrp="1"/>
-          </p:cNvSpPr>
-          <p:nvPr>
-            <p:ph sz="half" idx="2"/>
-          </p:nvPr>
-        </p:nvSpPr>
-        <p:spPr>
-          <a:xfrm>
-            <a:off x="1097280" y="2582333"/>
-            <a:ext cx="4937760" cy="2395109"/>
-          </a:xfrm>
-        </p:spPr>
-        <p:txBody>
-          <a:bodyPr/>
-          <a:lstStyle/>
-          <a:p>
-            <a:pPr>
-              <a:buFont typeface="Arial" panose="020B0604020202020204" pitchFamily="34" charset="0"/>
-              <a:buChar char="•"/>
-            </a:pPr>
-            <a:r>
-              <a:rPr lang="nl-BE" dirty="0" smtClean="0"/>
-              <a:t>  Geen beslissingsmethode</a:t>
-            </a:r>
-          </a:p>
-          <a:p>
-            <a:pPr>
-              <a:buFont typeface="Arial" panose="020B0604020202020204" pitchFamily="34" charset="0"/>
-              <a:buChar char="•"/>
-            </a:pPr>
-            <a:r>
-              <a:rPr lang="nl-BE" dirty="0" smtClean="0"/>
-              <a:t>  Creatief denken</a:t>
-            </a:r>
-          </a:p>
-          <a:p>
-            <a:pPr>
-              <a:buFont typeface="Arial" panose="020B0604020202020204" pitchFamily="34" charset="0"/>
-              <a:buChar char="•"/>
-            </a:pPr>
-            <a:r>
-              <a:rPr lang="nl-BE" dirty="0" smtClean="0"/>
-              <a:t>  Bewijs en Constructie problemen</a:t>
-            </a:r>
-          </a:p>
-          <a:p>
-            <a:pPr>
-              <a:buFont typeface="Arial" panose="020B0604020202020204" pitchFamily="34" charset="0"/>
-              <a:buChar char="•"/>
-            </a:pPr>
-            <a:r>
-              <a:rPr lang="nl-BE" dirty="0"/>
-              <a:t> </a:t>
-            </a:r>
-            <a:r>
-              <a:rPr lang="nl-BE" dirty="0" smtClean="0"/>
-              <a:t> Hier ligt onze focus</a:t>
-            </a:r>
-            <a:r>
-              <a:rPr lang="en-US" dirty="0"/>
-              <a:t> </a:t>
-            </a:r>
-            <a:r>
-              <a:rPr lang="en-US" dirty="0" smtClean="0">
-                <a:solidFill>
-                  <a:srgbClr val="FF0000"/>
-                </a:solidFill>
-              </a:rPr>
-              <a:t>(&lt;- </a:t>
-            </a:r>
-            <a:r>
-              <a:rPr lang="en-US" dirty="0" err="1" smtClean="0">
-                <a:solidFill>
-                  <a:srgbClr val="FF0000"/>
-                </a:solidFill>
-              </a:rPr>
-              <a:t>Hier</a:t>
-            </a:r>
-            <a:r>
-              <a:rPr lang="en-US" dirty="0" smtClean="0">
-                <a:solidFill>
-                  <a:srgbClr val="FF0000"/>
-                </a:solidFill>
-              </a:rPr>
-              <a:t> </a:t>
-            </a:r>
-            <a:r>
-              <a:rPr lang="en-US" dirty="0" err="1" smtClean="0">
-                <a:solidFill>
-                  <a:srgbClr val="FF0000"/>
-                </a:solidFill>
-              </a:rPr>
-              <a:t>zetten</a:t>
-            </a:r>
-            <a:r>
-              <a:rPr lang="en-US" dirty="0" smtClean="0">
-                <a:solidFill>
-                  <a:srgbClr val="FF0000"/>
-                </a:solidFill>
-              </a:rPr>
-              <a:t>?)</a:t>
-            </a:r>
-            <a:endParaRPr lang="nl-BE" dirty="0" smtClean="0">
-              <a:solidFill>
-                <a:srgbClr val="FF0000"/>
-              </a:solidFill>
-            </a:endParaRPr>
-          </a:p>
-        </p:txBody>
-      </p:sp>
-      <p:sp>
-        <p:nvSpPr>
-          <p:cNvPr id="5" name="Text Placeholder 4"/>
-          <p:cNvSpPr>
-            <a:spLocks noGrp="1"/>
-          </p:cNvSpPr>
-          <p:nvPr>
-            <p:ph type="body" sz="quarter" idx="3"/>
-          </p:nvPr>
-        </p:nvSpPr>
-        <p:spPr/>
-        <p:txBody>
-          <a:bodyPr/>
-          <a:lstStyle/>
-          <a:p>
-            <a:r>
-              <a:rPr lang="nl-BE" b="1" dirty="0" smtClean="0"/>
-              <a:t>procedureel</a:t>
-            </a:r>
-            <a:endParaRPr lang="en-US" b="1" dirty="0"/>
-          </a:p>
-        </p:txBody>
-      </p:sp>
-      <p:sp>
-        <p:nvSpPr>
-          <p:cNvPr id="6" name="Content Placeholder 5"/>
-          <p:cNvSpPr>
-            <a:spLocks noGrp="1"/>
-          </p:cNvSpPr>
-          <p:nvPr>
-            <p:ph sz="quarter" idx="4"/>
-          </p:nvPr>
-        </p:nvSpPr>
-        <p:spPr>
-          <a:xfrm>
-            <a:off x="6217920" y="2582334"/>
-            <a:ext cx="4937760" cy="1868896"/>
-          </a:xfrm>
-        </p:spPr>
-        <p:txBody>
-          <a:bodyPr/>
-          <a:lstStyle/>
-          <a:p>
-            <a:pPr>
-              <a:buFont typeface="Arial" panose="020B0604020202020204" pitchFamily="34" charset="0"/>
-              <a:buChar char="•"/>
-            </a:pPr>
-            <a:r>
-              <a:rPr lang="nl-BE" dirty="0" smtClean="0"/>
-              <a:t>  Beslissingsmethode</a:t>
-            </a:r>
-          </a:p>
-          <a:p>
-            <a:pPr>
-              <a:buFont typeface="Arial" panose="020B0604020202020204" pitchFamily="34" charset="0"/>
-              <a:buChar char="•"/>
-            </a:pPr>
-            <a:r>
-              <a:rPr lang="nl-BE" dirty="0" smtClean="0"/>
-              <a:t>  Memoriseren en toepassen</a:t>
-            </a:r>
-          </a:p>
-          <a:p>
-            <a:endParaRPr lang="en-US" dirty="0"/>
-          </a:p>
-        </p:txBody>
-      </p:sp>
-    </p:spTree>
-    <p:extLst>
-      <p:ext uri="{BB962C8B-B14F-4D97-AF65-F5344CB8AC3E}">
-        <p14:creationId xmlns:p14="http://schemas.microsoft.com/office/powerpoint/2010/main" val="1266960647"/>
-      </p:ext>
-    </p:extLst>
-  </p:cSld>
-  <p:clrMapOvr>
-    <a:masterClrMapping/>
-  </p:clrMapOvr>
-  <p:timing>
-    <p:tnLst>
-      <p:par>
-        <p:cTn id="1" dur="indefinite" restart="never" nodeType="tmRoot"/>
-      </p:par>
-    </p:tnLst>
-  </p:timing>
-</p:sld>
-</file>
-
 <file path=ppt/slides/slide6.xml><?xml version="1.0" encoding="utf-8"?>
 <p:sld xmlns:a="http://schemas.openxmlformats.org/drawingml/2006/main" xmlns:r="http://schemas.openxmlformats.org/officeDocument/2006/relationships" xmlns:p="http://schemas.openxmlformats.org/presentationml/2006/main">
   <p:cSld>
@@ -8647,26 +10210,16 @@
         </p:nvSpPr>
         <p:spPr/>
         <p:txBody>
-          <a:bodyPr/>
+          <a:bodyPr>
+            <a:normAutofit/>
+          </a:bodyPr>
           <a:lstStyle/>
           <a:p>
             <a:r>
-              <a:rPr lang="nl-BE" dirty="0" smtClean="0"/>
-              <a:t>Probleem </a:t>
-            </a:r>
-            <a:r>
-              <a:rPr lang="nl-BE" dirty="0" smtClean="0"/>
-              <a:t>ge</a:t>
-            </a:r>
-            <a:r>
-              <a:rPr lang="nl-BE" dirty="0" smtClean="0"/>
-              <a:t>neratie</a:t>
-            </a:r>
-            <a:endParaRPr lang="en-US" dirty="0">
-              <a:solidFill>
-                <a:srgbClr val="FF0000"/>
-              </a:solidFill>
-            </a:endParaRPr>
+              <a:rPr lang="nl-BE" sz="6000" dirty="0" smtClean="0"/>
+              <a:t>Overzicht</a:t>
+            </a:r>
+            <a:endParaRPr lang="nl-BE" sz="6000" dirty="0"/>
           </a:p>
         </p:txBody>
       </p:sp>
@@ -8682,7 +10235,9 @@
         </p:nvSpPr>
         <p:spPr/>
         <p:txBody>
-          <a:bodyPr/>
+          <a:bodyPr>
+            <a:normAutofit/>
+          </a:bodyPr>
           <a:lstStyle/>
           <a:p>
             <a:pPr>
@@ -8690,29 +10245,18 @@
               <a:buChar char="•"/>
             </a:pPr>
             <a:r>
-              <a:rPr lang="nl-BE" dirty="0" smtClean="0"/>
-              <a:t>  Genereren </a:t>
-            </a:r>
-            <a:r>
-              <a:rPr lang="nl-BE" dirty="0" err="1" smtClean="0"/>
-              <a:t>adhv</a:t>
-            </a:r>
-            <a:r>
-              <a:rPr lang="nl-BE" dirty="0"/>
+              <a:rPr lang="nl-BE" sz="3600" dirty="0" smtClean="0"/>
               <a:t> </a:t>
             </a:r>
             <a:r>
-              <a:rPr lang="nl-BE" dirty="0" smtClean="0">
-                <a:solidFill>
-                  <a:srgbClr val="FF0000"/>
-                </a:solidFill>
-              </a:rPr>
-              <a:t>(&lt;- afkorting?) </a:t>
-            </a:r>
-            <a:r>
-              <a:rPr lang="nl-BE" dirty="0" smtClean="0"/>
-              <a:t>voorbeeld problemen</a:t>
-            </a:r>
+              <a:rPr lang="nl-BE" sz="3600" dirty="0" smtClean="0"/>
+              <a:t>Ons </a:t>
+            </a:r>
+            <a:r>
+              <a:rPr lang="nl-BE" sz="3600" dirty="0"/>
+              <a:t>doel</a:t>
+            </a:r>
+            <a:endParaRPr lang="nl-BE" sz="3600" dirty="0" smtClean="0"/>
           </a:p>
           <a:p>
             <a:pPr>
@@ -8720,39 +10264,22 @@
               <a:buChar char="•"/>
             </a:pPr>
             <a:r>
-              <a:rPr lang="nl-BE" dirty="0" smtClean="0"/>
-              <a:t>  Voordelen</a:t>
-            </a:r>
-          </a:p>
-          <a:p>
-            <a:pPr lvl="1">
-              <a:buFont typeface="Arial" panose="020B0604020202020204" pitchFamily="34" charset="0"/>
-              <a:buChar char="•"/>
-            </a:pPr>
-            <a:r>
-              <a:rPr lang="nl-BE" dirty="0" smtClean="0"/>
-              <a:t>Moeilijkheidsgraad duidelijk bepalen</a:t>
-            </a:r>
-          </a:p>
-          <a:p>
-            <a:pPr lvl="1">
-              <a:buFont typeface="Arial" panose="020B0604020202020204" pitchFamily="34" charset="0"/>
-              <a:buChar char="•"/>
-            </a:pPr>
-            <a:r>
-              <a:rPr lang="nl-BE" dirty="0" smtClean="0"/>
-              <a:t>Voorkomen spieken</a:t>
-            </a:r>
-          </a:p>
-          <a:p>
-            <a:pPr lvl="1">
-              <a:buFont typeface="Arial" panose="020B0604020202020204" pitchFamily="34" charset="0"/>
-              <a:buChar char="•"/>
-            </a:pPr>
-            <a:r>
-              <a:rPr lang="nl-BE" dirty="0" smtClean="0"/>
-              <a:t>Copyright problemen vermijden</a:t>
-            </a:r>
+              <a:rPr lang="nl-BE" sz="3600" b="1" dirty="0"/>
+              <a:t> </a:t>
+            </a:r>
+            <a:r>
+              <a:rPr lang="nl-BE" sz="3600" b="1" dirty="0" err="1" smtClean="0"/>
+              <a:t>Example-based</a:t>
+            </a:r>
+            <a:r>
+              <a:rPr lang="nl-BE" sz="3600" b="1" dirty="0" smtClean="0"/>
+              <a:t> </a:t>
+            </a:r>
+            <a:r>
+              <a:rPr lang="nl-BE" sz="3600" b="1" dirty="0" err="1" smtClean="0"/>
+              <a:t>learning</a:t>
+            </a:r>
+            <a:endParaRPr lang="nl-BE" sz="3600" b="1" dirty="0" smtClean="0"/>
           </a:p>
           <a:p>
             <a:pPr>
@@ -8760,75 +10287,63 @@
               <a:buChar char="•"/>
             </a:pPr>
             <a:r>
-              <a:rPr lang="nl-BE" dirty="0"/>
+              <a:rPr lang="nl-BE" sz="3600" dirty="0" smtClean="0"/>
               <a:t> </a:t>
             </a:r>
             <a:r>
-              <a:rPr lang="nl-BE" dirty="0" smtClean="0"/>
-              <a:t> 2 principes conceptuele probleem generatie</a:t>
-            </a:r>
-          </a:p>
-          <a:p>
-            <a:pPr lvl="1">
+              <a:rPr lang="nl-BE" sz="3600" dirty="0" smtClean="0"/>
+              <a:t>Spreadsheet </a:t>
+            </a:r>
+            <a:r>
+              <a:rPr lang="nl-BE" sz="3600" dirty="0" smtClean="0"/>
+              <a:t>tabel transformaties </a:t>
+            </a:r>
+            <a:endParaRPr lang="nl-BE" sz="3600" dirty="0"/>
+          </a:p>
+          <a:p>
+            <a:pPr>
               <a:buFont typeface="Arial" panose="020B0604020202020204" pitchFamily="34" charset="0"/>
               <a:buChar char="•"/>
             </a:pPr>
             <a:r>
-              <a:rPr lang="nl-BE" dirty="0" err="1" smtClean="0"/>
-              <a:t>Examble</a:t>
-            </a:r>
-            <a:r>
-              <a:rPr lang="nl-BE" dirty="0" err="1"/>
-              <a:t>-</a:t>
-            </a:r>
-            <a:r>
-              <a:rPr lang="nl-BE" dirty="0" err="1" smtClean="0"/>
-              <a:t>based</a:t>
-            </a:r>
-            <a:r>
-              <a:rPr lang="nl-BE" dirty="0" smtClean="0"/>
-              <a:t> template generatie</a:t>
-            </a:r>
-          </a:p>
-          <a:p>
-            <a:pPr lvl="1">
+              <a:rPr lang="nl-BE" sz="3600" dirty="0" smtClean="0"/>
+              <a:t> </a:t>
+            </a:r>
+            <a:r>
+              <a:rPr lang="nl-BE" sz="3600" dirty="0" err="1" smtClean="0"/>
+              <a:t>Equation</a:t>
+            </a:r>
+            <a:r>
+              <a:rPr lang="nl-BE" sz="3600" dirty="0" smtClean="0"/>
+              <a:t> </a:t>
+            </a:r>
+            <a:r>
+              <a:rPr lang="nl-BE" sz="3600" dirty="0" err="1" smtClean="0"/>
+              <a:t>discovery</a:t>
+            </a:r>
+            <a:endParaRPr lang="nl-BE" sz="3600" dirty="0" smtClean="0"/>
+          </a:p>
+          <a:p>
+            <a:pPr>
               <a:buFont typeface="Arial" panose="020B0604020202020204" pitchFamily="34" charset="0"/>
               <a:buChar char="•"/>
             </a:pPr>
             <a:r>
-              <a:rPr lang="nl-BE" dirty="0" smtClean="0"/>
-              <a:t>Probleem genereren </a:t>
-            </a:r>
-            <a:r>
-              <a:rPr lang="nl-BE" dirty="0" err="1" smtClean="0"/>
-              <a:t>dmv</a:t>
-            </a:r>
-            <a:r>
-              <a:rPr lang="nl-BE" dirty="0">
-                <a:solidFill>
-                  <a:srgbClr val="FF0000"/>
-                </a:solidFill>
-              </a:rPr>
-              <a:t> (&lt;- afkorting?)</a:t>
-            </a:r>
-            <a:r>
-              <a:rPr lang="nl-BE" dirty="0" smtClean="0"/>
-              <a:t> oplossing</a:t>
-            </a:r>
-          </a:p>
-          <a:p>
-            <a:pPr lvl="1">
-              <a:buFont typeface="Arial" panose="020B0604020202020204" pitchFamily="34" charset="0"/>
-              <a:buChar char="•"/>
-            </a:pPr>
-            <a:endParaRPr lang="en-US" dirty="0"/>
+              <a:rPr lang="nl-BE" sz="3600" dirty="0"/>
+              <a:t> </a:t>
+            </a:r>
+            <a:r>
+              <a:rPr lang="nl-BE" sz="3600" dirty="0" err="1" smtClean="0"/>
+              <a:t>Conlusie</a:t>
+            </a:r>
+            <a:endParaRPr lang="nl-BE" sz="3600" dirty="0"/>
           </a:p>
         </p:txBody>
       </p:sp>
     </p:spTree>
     <p:extLst>
       <p:ext uri="{BB962C8B-B14F-4D97-AF65-F5344CB8AC3E}">
-        <p14:creationId xmlns:p14="http://schemas.microsoft.com/office/powerpoint/2010/main" val="348311213"/>
+        <p14:creationId xmlns:p14="http://schemas.microsoft.com/office/powerpoint/2010/main" val="1459479322"/>
       </p:ext>
     </p:extLst>
   </p:cSld>
@@ -8874,45 +10389,94 @@
         </p:nvSpPr>
         <p:spPr/>
         <p:txBody>
-          <a:bodyPr/>
-          <a:lstStyle/>
-          <a:p>
-            <a:r>
-              <a:rPr lang="nl-BE" dirty="0"/>
-              <a:t>O</a:t>
-            </a:r>
-            <a:r>
-              <a:rPr lang="nl-BE" dirty="0" smtClean="0"/>
-              <a:t>plossing generatie</a:t>
-            </a:r>
-            <a:endParaRPr lang="en-US" dirty="0"/>
-          </a:p>
-        </p:txBody>
-      </p:sp>
-      <p:sp>
-        <p:nvSpPr>
-          <p:cNvPr id="3" name="Content Placeholder 2"/>
-          <p:cNvSpPr>
-            <a:spLocks noGrp="1"/>
-          </p:cNvSpPr>
-          <p:nvPr>
-            <p:ph idx="1"/>
-          </p:nvPr>
-        </p:nvSpPr>
-        <p:spPr/>
-        <p:txBody>
           <a:bodyPr>
             <a:normAutofit/>
           </a:bodyPr>
           <a:lstStyle/>
           <a:p>
+            <a:r>
+              <a:rPr lang="nl-BE" sz="6000" dirty="0" smtClean="0"/>
+              <a:t>Vergelijking: soorten problemen</a:t>
+            </a:r>
+            <a:endParaRPr lang="en-US" sz="6000" dirty="0"/>
+          </a:p>
+        </p:txBody>
+      </p:sp>
+      <p:sp>
+        <p:nvSpPr>
+          <p:cNvPr id="3" name="Text Placeholder 2"/>
+          <p:cNvSpPr>
+            <a:spLocks noGrp="1"/>
+          </p:cNvSpPr>
+          <p:nvPr>
+            <p:ph type="body" idx="1"/>
+          </p:nvPr>
+        </p:nvSpPr>
+        <p:spPr>
+          <a:xfrm>
+            <a:off x="720306" y="1846052"/>
+            <a:ext cx="4937760" cy="736282"/>
+          </a:xfrm>
+        </p:spPr>
+        <p:txBody>
+          <a:bodyPr>
+            <a:normAutofit/>
+          </a:bodyPr>
+          <a:lstStyle/>
+          <a:p>
+            <a:r>
+              <a:rPr lang="nl-BE" sz="4000" dirty="0" smtClean="0">
+                <a:solidFill>
+                  <a:schemeClr val="bg2">
+                    <a:lumMod val="50000"/>
+                  </a:schemeClr>
+                </a:solidFill>
+              </a:rPr>
+              <a:t>Conceptueel</a:t>
+            </a:r>
+            <a:endParaRPr lang="en-US" sz="4000" dirty="0">
+              <a:solidFill>
+                <a:schemeClr val="bg2">
+                  <a:lumMod val="50000"/>
+                </a:schemeClr>
+              </a:solidFill>
+            </a:endParaRPr>
+          </a:p>
+        </p:txBody>
+      </p:sp>
+      <p:sp>
+        <p:nvSpPr>
+          <p:cNvPr id="4" name="Content Placeholder 3"/>
+          <p:cNvSpPr>
+            <a:spLocks noGrp="1"/>
+          </p:cNvSpPr>
+          <p:nvPr>
+            <p:ph sz="half" idx="2"/>
+          </p:nvPr>
+        </p:nvSpPr>
+        <p:spPr>
+          <a:xfrm>
+            <a:off x="720306" y="2518326"/>
+            <a:ext cx="5726214" cy="3378200"/>
+          </a:xfrm>
+        </p:spPr>
+        <p:txBody>
+          <a:bodyPr>
+            <a:noAutofit/>
+          </a:bodyPr>
+          <a:lstStyle/>
+          <a:p>
             <a:pPr>
               <a:buFont typeface="Arial" panose="020B0604020202020204" pitchFamily="34" charset="0"/>
               <a:buChar char="•"/>
             </a:pPr>
             <a:r>
-              <a:rPr lang="nl-BE" dirty="0" smtClean="0"/>
-              <a:t>  Automatisch generen oplossing</a:t>
+              <a:rPr lang="nl-BE" sz="3600" dirty="0" smtClean="0"/>
+              <a:t> </a:t>
+            </a:r>
+            <a:r>
+              <a:rPr lang="nl-BE" sz="3200" dirty="0" smtClean="0"/>
+              <a:t>Geen beslissingsmethode</a:t>
             </a:r>
           </a:p>
           <a:p>
@@ -8921,38 +10485,8 @@
               <a:buChar char="•"/>
             </a:pPr>
             <a:r>
-              <a:rPr lang="nl-BE" dirty="0" smtClean="0"/>
-              <a:t>  Belang</a:t>
-            </a:r>
-          </a:p>
-          <a:p>
-            <a:pPr lvl="1">
-              <a:buFont typeface="Arial" panose="020B0604020202020204" pitchFamily="34" charset="0"/>
-              <a:buChar char="•"/>
-            </a:pPr>
-            <a:r>
-              <a:rPr lang="nl-BE" dirty="0" smtClean="0"/>
-              <a:t>Voorbeeld oplossing</a:t>
-            </a:r>
-          </a:p>
-          <a:p>
-            <a:pPr lvl="1">
-              <a:buFont typeface="Arial" panose="020B0604020202020204" pitchFamily="34" charset="0"/>
-              <a:buChar char="•"/>
-            </a:pPr>
-            <a:r>
-              <a:rPr lang="nl-BE" dirty="0" smtClean="0"/>
-              <a:t>Oplossing op basis van deeloplossing</a:t>
-            </a:r>
-          </a:p>
-          <a:p>
-            <a:pPr lvl="1">
-              <a:buFont typeface="Arial" panose="020B0604020202020204" pitchFamily="34" charset="0"/>
-              <a:buChar char="•"/>
-            </a:pPr>
-            <a:r>
-              <a:rPr lang="nl-BE" dirty="0" smtClean="0"/>
-              <a:t>Hints</a:t>
+              <a:rPr lang="nl-BE" sz="3200" dirty="0" smtClean="0"/>
+              <a:t> Creatief denken</a:t>
             </a:r>
           </a:p>
           <a:p>
@@ -8961,56 +10495,109 @@
               <a:buChar char="•"/>
             </a:pPr>
             <a:r>
-              <a:rPr lang="nl-BE" dirty="0"/>
+              <a:rPr lang="nl-BE" sz="3200" dirty="0" smtClean="0"/>
+              <a:t> Bewijs en Constructie problemen</a:t>
+            </a:r>
+          </a:p>
+          <a:p>
+            <a:r>
+              <a:rPr lang="nl-BE" sz="3200" dirty="0" smtClean="0"/>
               <a:t> </a:t>
             </a:r>
-            <a:r>
-              <a:rPr lang="nl-BE" dirty="0" smtClean="0"/>
-              <a:t>2 principes conceptuele oplossing generatie</a:t>
-            </a:r>
-          </a:p>
-          <a:p>
-            <a:pPr lvl="1">
+            <a:endParaRPr lang="nl-BE" sz="3200" dirty="0" smtClean="0"/>
+          </a:p>
+        </p:txBody>
+      </p:sp>
+      <p:sp>
+        <p:nvSpPr>
+          <p:cNvPr id="5" name="Text Placeholder 4"/>
+          <p:cNvSpPr>
+            <a:spLocks noGrp="1"/>
+          </p:cNvSpPr>
+          <p:nvPr>
+            <p:ph type="body" sz="quarter" idx="3"/>
+          </p:nvPr>
+        </p:nvSpPr>
+        <p:spPr>
+          <a:xfrm>
+            <a:off x="6629400" y="1846052"/>
+            <a:ext cx="4937760" cy="736282"/>
+          </a:xfrm>
+        </p:spPr>
+        <p:txBody>
+          <a:bodyPr>
+            <a:normAutofit/>
+          </a:bodyPr>
+          <a:lstStyle/>
+          <a:p>
+            <a:r>
+              <a:rPr lang="nl-BE" sz="4000" dirty="0" smtClean="0">
+                <a:solidFill>
+                  <a:schemeClr val="bg2">
+                    <a:lumMod val="50000"/>
+                  </a:schemeClr>
+                </a:solidFill>
+              </a:rPr>
+              <a:t>procedureel</a:t>
+            </a:r>
+            <a:endParaRPr lang="en-US" sz="4000" dirty="0">
+              <a:solidFill>
+                <a:schemeClr val="bg2">
+                  <a:lumMod val="50000"/>
+                </a:schemeClr>
+              </a:solidFill>
+            </a:endParaRPr>
+          </a:p>
+        </p:txBody>
+      </p:sp>
+      <p:sp>
+        <p:nvSpPr>
+          <p:cNvPr id="6" name="Content Placeholder 5"/>
+          <p:cNvSpPr>
+            <a:spLocks noGrp="1"/>
+          </p:cNvSpPr>
+          <p:nvPr>
+            <p:ph sz="quarter" idx="4"/>
+          </p:nvPr>
+        </p:nvSpPr>
+        <p:spPr>
+          <a:xfrm>
+            <a:off x="6629400" y="2582334"/>
+            <a:ext cx="4937760" cy="3378200"/>
+          </a:xfrm>
+        </p:spPr>
+        <p:txBody>
+          <a:bodyPr/>
+          <a:lstStyle/>
+          <a:p>
+            <a:pPr>
               <a:buFont typeface="Arial" panose="020B0604020202020204" pitchFamily="34" charset="0"/>
               <a:buChar char="•"/>
             </a:pPr>
             <a:r>
-              <a:rPr lang="nl-BE" dirty="0" err="1" smtClean="0"/>
-              <a:t>Reasoning</a:t>
-            </a:r>
-            <a:r>
-              <a:rPr lang="nl-BE" dirty="0" smtClean="0"/>
-              <a:t> </a:t>
-            </a:r>
-            <a:r>
-              <a:rPr lang="nl-BE" dirty="0" smtClean="0">
-                <a:solidFill>
-                  <a:srgbClr val="FF0000"/>
-                </a:solidFill>
-              </a:rPr>
-              <a:t>(&lt;- Vertalen) </a:t>
-            </a:r>
-            <a:r>
-              <a:rPr lang="nl-BE" dirty="0" smtClean="0"/>
-              <a:t>over voorbeelden</a:t>
-            </a:r>
-          </a:p>
-          <a:p>
-            <a:pPr lvl="1">
+              <a:rPr lang="nl-BE" sz="3200" dirty="0" smtClean="0"/>
+              <a:t> Beslissingsmethode</a:t>
+            </a:r>
+          </a:p>
+          <a:p>
+            <a:pPr>
               <a:buFont typeface="Arial" panose="020B0604020202020204" pitchFamily="34" charset="0"/>
               <a:buChar char="•"/>
             </a:pPr>
             <a:r>
-              <a:rPr lang="nl-BE" dirty="0" smtClean="0"/>
-              <a:t>Enkel oplossingen met kleine oplossingslengte</a:t>
-            </a:r>
+              <a:rPr lang="nl-BE" sz="3200" dirty="0" smtClean="0"/>
+              <a:t> Memoriseren en toepassen</a:t>
+            </a:r>
+          </a:p>
+          <a:p>
+            <a:endParaRPr lang="en-US" dirty="0"/>
           </a:p>
         </p:txBody>
       </p:sp>
     </p:spTree>
     <p:extLst>
       <p:ext uri="{BB962C8B-B14F-4D97-AF65-F5344CB8AC3E}">
-        <p14:creationId xmlns:p14="http://schemas.microsoft.com/office/powerpoint/2010/main" val="2065792714"/>
+        <p14:creationId xmlns:p14="http://schemas.microsoft.com/office/powerpoint/2010/main" val="1266960647"/>
       </p:ext>
     </p:extLst>
   </p:cSld>
@@ -9056,14 +10643,20 @@
         </p:nvSpPr>
         <p:spPr/>
         <p:txBody>
-          <a:bodyPr/>
+          <a:bodyPr>
+            <a:normAutofit/>
+          </a:bodyPr>
           <a:lstStyle/>
           <a:p>
             <a:r>
-              <a:rPr lang="nl-BE" dirty="0" smtClean="0"/>
-              <a:t>Feedback generatie</a:t>
-            </a:r>
-            <a:endParaRPr lang="en-US" dirty="0"/>
+              <a:rPr lang="nl-BE" sz="6000" dirty="0" smtClean="0"/>
+              <a:t>Probleem generatie</a:t>
+            </a:r>
+            <a:endParaRPr lang="en-US" sz="6000" dirty="0">
+              <a:solidFill>
+                <a:srgbClr val="FF0000"/>
+              </a:solidFill>
+            </a:endParaRPr>
           </a:p>
         </p:txBody>
       </p:sp>
@@ -9079,7 +10672,9 @@
         </p:nvSpPr>
         <p:spPr/>
         <p:txBody>
-          <a:bodyPr/>
+          <a:bodyPr>
+            <a:normAutofit lnSpcReduction="10000"/>
+          </a:bodyPr>
           <a:lstStyle/>
           <a:p>
             <a:pPr>
@@ -9087,8 +10682,127 @@
               <a:buChar char="•"/>
             </a:pPr>
             <a:r>
-              <a:rPr lang="nl-BE" dirty="0" smtClean="0"/>
-              <a:t>  Controleren correctheid oplossing</a:t>
+              <a:rPr lang="nl-BE" sz="3600" dirty="0"/>
+              <a:t> </a:t>
+            </a:r>
+            <a:r>
+              <a:rPr lang="nl-BE" sz="3600" dirty="0" smtClean="0"/>
+              <a:t>Genereren </a:t>
+            </a:r>
+            <a:r>
+              <a:rPr lang="nl-BE" sz="3600" dirty="0" err="1"/>
+              <a:t>adhv</a:t>
+            </a:r>
+            <a:r>
+              <a:rPr lang="nl-BE" sz="3600" dirty="0"/>
+              <a:t> </a:t>
+            </a:r>
+            <a:r>
+              <a:rPr lang="nl-BE" sz="3600" dirty="0"/>
+              <a:t>voorbeeld problemen</a:t>
+            </a:r>
+          </a:p>
+          <a:p>
+            <a:pPr>
+              <a:buFont typeface="Arial" panose="020B0604020202020204" pitchFamily="34" charset="0"/>
+              <a:buChar char="•"/>
+            </a:pPr>
+            <a:r>
+              <a:rPr lang="nl-BE" sz="3600" dirty="0" smtClean="0"/>
+              <a:t> Voordelen</a:t>
+            </a:r>
+            <a:endParaRPr lang="nl-BE" sz="3600" dirty="0"/>
+          </a:p>
+          <a:p>
+            <a:pPr lvl="2">
+              <a:buFont typeface="Arial" panose="020B0604020202020204" pitchFamily="34" charset="0"/>
+              <a:buChar char="•"/>
+            </a:pPr>
+            <a:r>
+              <a:rPr lang="nl-BE" sz="2800" dirty="0" smtClean="0"/>
+              <a:t>Moeilijkheidsgraad duidelijk bepalen</a:t>
+            </a:r>
+          </a:p>
+          <a:p>
+            <a:pPr lvl="2">
+              <a:buFont typeface="Arial" panose="020B0604020202020204" pitchFamily="34" charset="0"/>
+              <a:buChar char="•"/>
+            </a:pPr>
+            <a:r>
+              <a:rPr lang="nl-BE" sz="2800" dirty="0" smtClean="0"/>
+              <a:t>Voorkomen spieken</a:t>
+            </a:r>
+          </a:p>
+          <a:p>
+            <a:pPr lvl="2">
+              <a:buFont typeface="Arial" panose="020B0604020202020204" pitchFamily="34" charset="0"/>
+              <a:buChar char="•"/>
+            </a:pPr>
+            <a:r>
+              <a:rPr lang="nl-BE" sz="2800" dirty="0" smtClean="0"/>
+              <a:t>Copyright problemen vermijden</a:t>
+            </a:r>
+          </a:p>
+          <a:p>
+            <a:pPr>
+              <a:buFont typeface="Arial" panose="020B0604020202020204" pitchFamily="34" charset="0"/>
+              <a:buChar char="•"/>
+            </a:pPr>
+            <a:r>
+              <a:rPr lang="nl-BE" sz="3600" dirty="0"/>
+              <a:t> </a:t>
+            </a:r>
+            <a:r>
+              <a:rPr lang="nl-BE" sz="3600" dirty="0" smtClean="0"/>
+              <a:t>2 </a:t>
+            </a:r>
+            <a:r>
+              <a:rPr lang="nl-BE" sz="3600" dirty="0"/>
+              <a:t>principes conceptuele probleem generatie</a:t>
+            </a:r>
+          </a:p>
+          <a:p>
+            <a:pPr lvl="2">
+              <a:buFont typeface="Arial" panose="020B0604020202020204" pitchFamily="34" charset="0"/>
+              <a:buChar char="•"/>
+            </a:pPr>
+            <a:r>
+              <a:rPr lang="nl-BE" sz="2800" dirty="0" err="1" smtClean="0"/>
+              <a:t>Example-based</a:t>
+            </a:r>
+            <a:r>
+              <a:rPr lang="nl-BE" sz="2800" dirty="0" smtClean="0"/>
+              <a:t> </a:t>
+            </a:r>
+            <a:r>
+              <a:rPr lang="nl-BE" sz="2800" dirty="0"/>
+              <a:t>template generatie</a:t>
+            </a:r>
+          </a:p>
+          <a:p>
+            <a:pPr lvl="2">
+              <a:buFont typeface="Arial" panose="020B0604020202020204" pitchFamily="34" charset="0"/>
+              <a:buChar char="•"/>
+            </a:pPr>
+            <a:r>
+              <a:rPr lang="nl-BE" sz="2800" dirty="0"/>
+              <a:t>Probleem</a:t>
+            </a:r>
+            <a:r>
+              <a:rPr lang="nl-BE" sz="2800" dirty="0"/>
+              <a:t> genereren </a:t>
+            </a:r>
+            <a:r>
+              <a:rPr lang="nl-BE" sz="2800" dirty="0" err="1"/>
+              <a:t>dmv</a:t>
+            </a:r>
+            <a:r>
+              <a:rPr lang="nl-BE" sz="2800" dirty="0"/>
+              <a:t> </a:t>
+            </a:r>
+            <a:r>
+              <a:rPr lang="nl-BE" sz="2800" dirty="0"/>
+              <a:t>oplossing</a:t>
             </a:r>
           </a:p>
           <a:p>
@@ -9096,96 +10810,6 @@
               <a:buFont typeface="Arial" panose="020B0604020202020204" pitchFamily="34" charset="0"/>
               <a:buChar char="•"/>
             </a:pPr>
-            <a:r>
-              <a:rPr lang="nl-BE" dirty="0" smtClean="0"/>
-              <a:t>Waarom incorrect</a:t>
-            </a:r>
-          </a:p>
-          <a:p>
-            <a:pPr lvl="1">
-              <a:buFont typeface="Arial" panose="020B0604020202020204" pitchFamily="34" charset="0"/>
-              <a:buChar char="•"/>
-            </a:pPr>
-            <a:r>
-              <a:rPr lang="nl-BE" dirty="0" smtClean="0"/>
-              <a:t>Waar en hoe fout verbeteren</a:t>
-            </a:r>
-          </a:p>
-          <a:p>
-            <a:pPr>
-              <a:buFont typeface="Arial" panose="020B0604020202020204" pitchFamily="34" charset="0"/>
-              <a:buChar char="•"/>
-            </a:pPr>
-            <a:r>
-              <a:rPr lang="nl-BE" dirty="0"/>
-              <a:t> </a:t>
-            </a:r>
-            <a:r>
-              <a:rPr lang="nl-BE" dirty="0" smtClean="0"/>
-              <a:t> Hint in verband met gemaakte fout</a:t>
-            </a:r>
-          </a:p>
-          <a:p>
-            <a:pPr>
-              <a:buFont typeface="Arial" panose="020B0604020202020204" pitchFamily="34" charset="0"/>
-              <a:buChar char="•"/>
-            </a:pPr>
-            <a:r>
-              <a:rPr lang="nl-BE" dirty="0"/>
-              <a:t> </a:t>
-            </a:r>
-            <a:r>
-              <a:rPr lang="nl-BE" dirty="0" smtClean="0"/>
-              <a:t> Iedereen gelijke beoordeling</a:t>
-            </a:r>
-          </a:p>
-          <a:p>
-            <a:pPr>
-              <a:buFont typeface="Arial" panose="020B0604020202020204" pitchFamily="34" charset="0"/>
-              <a:buChar char="•"/>
-            </a:pPr>
-            <a:r>
-              <a:rPr lang="nl-BE" dirty="0"/>
-              <a:t> </a:t>
-            </a:r>
-            <a:r>
-              <a:rPr lang="nl-BE" dirty="0" smtClean="0"/>
-              <a:t> Handmatig analyseren fouten tijdrovend</a:t>
-            </a:r>
-          </a:p>
-          <a:p>
-            <a:pPr>
-              <a:buFont typeface="Arial" panose="020B0604020202020204" pitchFamily="34" charset="0"/>
-              <a:buChar char="•"/>
-            </a:pPr>
-            <a:r>
-              <a:rPr lang="nl-BE" dirty="0"/>
-              <a:t> </a:t>
-            </a:r>
-            <a:r>
-              <a:rPr lang="nl-BE" dirty="0" smtClean="0"/>
-              <a:t> 2 principes feedback conceptuele problemen</a:t>
-            </a:r>
-          </a:p>
-          <a:p>
-            <a:pPr lvl="1">
-              <a:buFont typeface="Arial" panose="020B0604020202020204" pitchFamily="34" charset="0"/>
-              <a:buChar char="•"/>
-            </a:pPr>
-            <a:r>
-              <a:rPr lang="nl-BE" dirty="0" smtClean="0"/>
-              <a:t>Aanpassingsafstand</a:t>
-            </a:r>
-          </a:p>
-          <a:p>
-            <a:pPr lvl="1">
-              <a:buFont typeface="Arial" panose="020B0604020202020204" pitchFamily="34" charset="0"/>
-              <a:buChar char="•"/>
-            </a:pPr>
-            <a:r>
-              <a:rPr lang="nl-BE" dirty="0" smtClean="0"/>
-              <a:t>Tegenvoorbeeld</a:t>
-            </a:r>
             <a:endParaRPr lang="en-US" dirty="0"/>
           </a:p>
         </p:txBody>
@@ -9193,7 +10817,7 @@
     </p:spTree>
     <p:extLst>
       <p:ext uri="{BB962C8B-B14F-4D97-AF65-F5344CB8AC3E}">
-        <p14:creationId xmlns:p14="http://schemas.microsoft.com/office/powerpoint/2010/main" val="4111356232"/>
+        <p14:creationId xmlns:p14="http://schemas.microsoft.com/office/powerpoint/2010/main" val="348311213"/>
       </p:ext>
     </p:extLst>
   </p:cSld>
@@ -9239,21 +10863,20 @@
         </p:nvSpPr>
         <p:spPr/>
         <p:txBody>
-          <a:bodyPr/>
+          <a:bodyPr>
+            <a:normAutofit/>
+          </a:bodyPr>
           <a:lstStyle/>
           <a:p>
             <a:r>
-              <a:rPr lang="nl-BE" dirty="0" smtClean="0"/>
-              <a:t>Toepassing: </a:t>
-            </a:r>
-            <a:br>
-              <a:rPr lang="nl-BE" dirty="0" smtClean="0"/>
-            </a:br>
-            <a:r>
-              <a:rPr lang="nl-BE" dirty="0" smtClean="0"/>
-              <a:t>Voorbereiden examen</a:t>
-            </a:r>
-            <a:endParaRPr lang="en-US" dirty="0"/>
+              <a:rPr lang="nl-BE" sz="6000" dirty="0"/>
+              <a:t>O</a:t>
+            </a:r>
+            <a:r>
+              <a:rPr lang="nl-BE" sz="6000" dirty="0" smtClean="0"/>
+              <a:t>plossing generatie</a:t>
+            </a:r>
+            <a:endParaRPr lang="en-US" sz="6000" dirty="0"/>
           </a:p>
         </p:txBody>
       </p:sp>
@@ -9269,7 +10892,9 @@
         </p:nvSpPr>
         <p:spPr/>
         <p:txBody>
-          <a:bodyPr/>
+          <a:bodyPr>
+            <a:normAutofit lnSpcReduction="10000"/>
+          </a:bodyPr>
           <a:lstStyle/>
           <a:p>
             <a:pPr>
@@ -9277,18 +10902,12 @@
               <a:buChar char="•"/>
             </a:pPr>
             <a:r>
-              <a:rPr lang="nl-BE" dirty="0" smtClean="0"/>
-              <a:t>  Automatisch generatie probleem </a:t>
-            </a:r>
-          </a:p>
-          <a:p>
-            <a:pPr lvl="1">
-              <a:buFont typeface="Arial" panose="020B0604020202020204" pitchFamily="34" charset="0"/>
-              <a:buChar char="•"/>
-            </a:pPr>
-            <a:r>
-              <a:rPr lang="nl-BE" dirty="0" smtClean="0"/>
-              <a:t>Moeilijkheidsgraad kiezen</a:t>
+              <a:rPr lang="nl-BE" sz="3600" dirty="0" smtClean="0"/>
+              <a:t> Automatisch </a:t>
+            </a:r>
+            <a:r>
+              <a:rPr lang="nl-BE" sz="3600" dirty="0"/>
+              <a:t>generen oplossing</a:t>
             </a:r>
           </a:p>
           <a:p>
@@ -9297,31 +10916,42 @@
               <a:buChar char="•"/>
             </a:pPr>
             <a:r>
-              <a:rPr lang="nl-BE" dirty="0"/>
+              <a:rPr lang="nl-BE" sz="3600" dirty="0"/>
               <a:t> </a:t>
             </a:r>
             <a:r>
-              <a:rPr lang="nl-BE" dirty="0" smtClean="0"/>
-              <a:t> Oplossing</a:t>
-            </a:r>
-          </a:p>
-          <a:p>
-            <a:pPr lvl="1">
+              <a:rPr lang="nl-BE" sz="3600" dirty="0" smtClean="0"/>
+              <a:t>Belang</a:t>
+            </a:r>
+            <a:endParaRPr lang="nl-BE" sz="3600" dirty="0"/>
+          </a:p>
+          <a:p>
+            <a:pPr lvl="2">
               <a:buFont typeface="Arial" panose="020B0604020202020204" pitchFamily="34" charset="0"/>
               <a:buChar char="•"/>
             </a:pPr>
             <a:r>
-              <a:rPr lang="nl-BE" dirty="0" smtClean="0"/>
-              <a:t>Verdergaand eigen deeloplossing</a:t>
-            </a:r>
-          </a:p>
-          <a:p>
-            <a:pPr lvl="1">
+              <a:rPr lang="nl-BE" sz="2800" dirty="0" smtClean="0"/>
+              <a:t>Voorbeeld oplossing</a:t>
+            </a:r>
+          </a:p>
+          <a:p>
+            <a:pPr lvl="2">
               <a:buFont typeface="Arial" panose="020B0604020202020204" pitchFamily="34" charset="0"/>
               <a:buChar char="•"/>
             </a:pPr>
             <a:r>
-              <a:rPr lang="nl-BE" dirty="0" smtClean="0"/>
+              <a:rPr lang="nl-BE" sz="2800" dirty="0" smtClean="0"/>
+              <a:t>Oplossing op basis van deeloplossing</a:t>
+            </a:r>
+          </a:p>
+          <a:p>
+            <a:pPr lvl="2">
+              <a:buFont typeface="Arial" panose="020B0604020202020204" pitchFamily="34" charset="0"/>
+              <a:buChar char="•"/>
+            </a:pPr>
+            <a:r>
+              <a:rPr lang="nl-BE" sz="2800" dirty="0" smtClean="0"/>
               <a:t>Hints</a:t>
             </a:r>
           </a:p>
@@ -9331,41 +10961,52 @@
               <a:buChar char="•"/>
             </a:pPr>
             <a:r>
-              <a:rPr lang="nl-BE" dirty="0"/>
+              <a:rPr lang="nl-BE" sz="3600" dirty="0"/>
               <a:t> </a:t>
             </a:r>
             <a:r>
-              <a:rPr lang="nl-BE" dirty="0" smtClean="0"/>
-              <a:t> Feedback</a:t>
-            </a:r>
-          </a:p>
-          <a:p>
-            <a:pPr lvl="1">
+              <a:rPr lang="nl-BE" sz="3600" dirty="0" smtClean="0"/>
+              <a:t>2 </a:t>
+            </a:r>
+            <a:r>
+              <a:rPr lang="nl-BE" sz="3600" dirty="0"/>
+              <a:t>principes</a:t>
+            </a:r>
+            <a:r>
+              <a:rPr lang="nl-BE" sz="3600" dirty="0"/>
+              <a:t> conceptuele oplossing generatie</a:t>
+            </a:r>
+          </a:p>
+          <a:p>
+            <a:pPr lvl="2">
               <a:buFont typeface="Arial" panose="020B0604020202020204" pitchFamily="34" charset="0"/>
               <a:buChar char="•"/>
             </a:pPr>
             <a:r>
-              <a:rPr lang="nl-BE" dirty="0" smtClean="0"/>
-              <a:t>Score</a:t>
-            </a:r>
-          </a:p>
-          <a:p>
-            <a:pPr lvl="1">
+              <a:rPr lang="nl-BE" sz="2800" dirty="0" smtClean="0"/>
+              <a:t>Redeneren over </a:t>
+            </a:r>
+            <a:r>
+              <a:rPr lang="nl-BE" sz="2800" dirty="0" smtClean="0"/>
+              <a:t>voorbeelden</a:t>
+            </a:r>
+          </a:p>
+          <a:p>
+            <a:pPr lvl="2">
               <a:buFont typeface="Arial" panose="020B0604020202020204" pitchFamily="34" charset="0"/>
               <a:buChar char="•"/>
             </a:pPr>
             <a:r>
-              <a:rPr lang="nl-BE" dirty="0" smtClean="0"/>
-              <a:t>Helpen verbeteren</a:t>
-            </a:r>
-            <a:endParaRPr lang="en-US" dirty="0"/>
+              <a:rPr lang="nl-BE" sz="2800" dirty="0" smtClean="0"/>
+              <a:t>Enkel oplossingen met kleine oplossingslengte</a:t>
+            </a:r>
           </a:p>
         </p:txBody>
       </p:sp>
     </p:spTree>
     <p:extLst>
       <p:ext uri="{BB962C8B-B14F-4D97-AF65-F5344CB8AC3E}">
-        <p14:creationId xmlns:p14="http://schemas.microsoft.com/office/powerpoint/2010/main" val="3063256929"/>
+        <p14:creationId xmlns:p14="http://schemas.microsoft.com/office/powerpoint/2010/main" val="2065792714"/>
       </p:ext>
     </p:extLst>
   </p:cSld>
@@ -9663,4 +11304,265 @@
     </a:ext>
   </a:extLst>
 </a:theme>
+</file>
+
+<file path=ppt/theme/theme2.xml><?xml version="1.0" encoding="utf-8"?>
+<a:theme xmlns:a="http://schemas.openxmlformats.org/drawingml/2006/main" name="Office Theme">
+  <a:themeElements>
+    <a:clrScheme name="Office">
+      <a:dk1>
+        <a:sysClr val="windowText" lastClr="000000"/>
+      </a:dk1>
+      <a:lt1>
+        <a:sysClr val="window" lastClr="FFFFFF"/>
+      </a:lt1>
+      <a:dk2>
+        <a:srgbClr val="44546A"/>
+      </a:dk2>
+      <a:lt2>
+        <a:srgbClr val="E7E6E6"/>
+      </a:lt2>
+      <a:accent1>
+        <a:srgbClr val="5B9BD5"/>
+      </a:accent1>
+      <a:accent2>
+        <a:srgbClr val="ED7D31"/>
+      </a:accent2>
+      <a:accent3>
+        <a:srgbClr val="A5A5A5"/>
+      </a:accent3>
+      <a:accent4>
+        <a:srgbClr val="FFC000"/>
+      </a:accent4>
+      <a:accent5>
+        <a:srgbClr val="4472C4"/>
+      </a:accent5>
+      <a:accent6>
+        <a:srgbClr val="70AD47"/>
+      </a:accent6>
+      <a:hlink>
+        <a:srgbClr val="0563C1"/>
+      </a:hlink>
+      <a:folHlink>
+        <a:srgbClr val="954F72"/>
+      </a:folHlink>
+    </a:clrScheme>
+    <a:fontScheme name="Office">
+      <a:majorFont>
+        <a:latin typeface="Calibri Light" panose="020F0302020204030204"/>
+        <a:ea typeface=""/>
+        <a:cs typeface=""/>
+        <a:font script="Jpan" typeface="ＭＳ Ｐゴシック"/>
+        <a:font script="Hang" typeface="맑은 고딕"/>
+        <a:font script="Hans" typeface="宋体"/>
+        <a:font script="Hant" typeface="新細明體"/>
+        <a:font script="Arab" typeface="Times New Roman"/>
+        <a:font script="Hebr" typeface="Times New Roman"/>
+        <a:font script="Thai" typeface="Angsana New"/>
+        <a:font script="Ethi" typeface="Nyala"/>
+        <a:font script="Beng" typeface="Vrinda"/>
+        <a:font script="Gujr" typeface="Shruti"/>
+        <a:font script="Khmr" typeface="MoolBoran"/>
+        <a:font script="Knda" typeface="Tunga"/>
+        <a:font script="Guru" typeface="Raavi"/>
+        <a:font script="Cans" typeface="Euphemia"/>
+        <a:font script="Cher" typeface="Plantagenet Cherokee"/>
+        <a:font script="Yiii" typeface="Microsoft Yi Baiti"/>
+        <a:font script="Tibt" typeface="Microsoft Himalaya"/>
+        <a:font script="Thaa" typeface="MV Boli"/>
+        <a:font script="Deva" typeface="Mangal"/>
+        <a:font script="Telu" typeface="Gautami"/>
+        <a:font script="Taml" typeface="Latha"/>
+        <a:font script="Syrc" typeface="Estrangelo Edessa"/>
+        <a:font script="Orya" typeface="Kalinga"/>
+        <a:font script="Mlym" typeface="Kartika"/>
+        <a:font script="Laoo" typeface="DokChampa"/>
+        <a:font script="Sinh" typeface="Iskoola Pota"/>
+        <a:font script="Mong" typeface="Mongolian Baiti"/>
+        <a:font script="Viet" typeface="Times New Roman"/>
+        <a:font script="Uigh" typeface="Microsoft Uighur"/>
+        <a:font script="Geor" typeface="Sylfaen"/>
+      </a:majorFont>
+      <a:minorFont>
+        <a:latin typeface="Calibri" panose="020F0502020204030204"/>
+        <a:ea typeface=""/>
+        <a:cs typeface=""/>
+        <a:font script="Jpan" typeface="ＭＳ Ｐゴシック"/>
+        <a:font script="Hang" typeface="맑은 고딕"/>
+        <a:font script="Hans" typeface="宋体"/>
+        <a:font script="Hant" typeface="新細明體"/>
+        <a:font script="Arab" typeface="Arial"/>
+        <a:font script="Hebr" typeface="Arial"/>
+        <a:font script="Thai" typeface="Cordia New"/>
+        <a:font script="Ethi" typeface="Nyala"/>
+        <a:font script="Beng" typeface="Vrinda"/>
+        <a:font script="Gujr" typeface="Shruti"/>
+        <a:font script="Khmr" typeface="DaunPenh"/>
+        <a:font script="Knda" typeface="Tunga"/>
+        <a:font script="Guru" typeface="Raavi"/>
+        <a:font script="Cans" typeface="Euphemia"/>
+        <a:font script="Cher" typeface="Plantagenet Cherokee"/>
+        <a:font script="Yiii" typeface="Microsoft Yi Baiti"/>
+        <a:font script="Tibt" typeface="Microsoft Himalaya"/>
+        <a:font script="Thaa" typeface="MV Boli"/>
+        <a:font script="Deva" typeface="Mangal"/>
+        <a:font script="Telu" typeface="Gautami"/>
+        <a:font script="Taml" typeface="Latha"/>
+        <a:font script="Syrc" typeface="Estrangelo Edessa"/>
+        <a:font script="Orya" typeface="Kalinga"/>
+        <a:font script="Mlym" typeface="Kartika"/>
+        <a:font script="Laoo" typeface="DokChampa"/>
+        <a:font script="Sinh" typeface="Iskoola Pota"/>
+        <a:font script="Mong" typeface="Mongolian Baiti"/>
+        <a:font script="Viet" typeface="Arial"/>
+        <a:font script="Uigh" typeface="Microsoft Uighur"/>
+        <a:font script="Geor" typeface="Sylfaen"/>
+      </a:minorFont>
+    </a:fontScheme>
+    <a:fmtScheme name="Office">
+      <a:fillStyleLst>
+        <a:solidFill>
+          <a:schemeClr val="phClr"/>
+        </a:solidFill>
+        <a:gradFill rotWithShape="1">
+          <a:gsLst>
+            <a:gs pos="0">
+              <a:schemeClr val="phClr">
+                <a:lumMod val="110000"/>
+                <a:satMod val="105000"/>
+                <a:tint val="67000"/>
+              </a:schemeClr>
+            </a:gs>
+            <a:gs pos="50000">
+              <a:schemeClr val="phClr">
+                <a:lumMod val="105000"/>
+                <a:satMod val="103000"/>
+                <a:tint val="73000"/>
+              </a:schemeClr>
+            </a:gs>
+            <a:gs pos="100000">
+              <a:schemeClr val="phClr">
+                <a:lumMod val="105000"/>
+                <a:satMod val="109000"/>
+                <a:tint val="81000"/>
+              </a:schemeClr>
+            </a:gs>
+          </a:gsLst>
+          <a:lin ang="5400000" scaled="0"/>
+        </a:gradFill>
+        <a:gradFill rotWithShape="1">
+          <a:gsLst>
+            <a:gs pos="0">
+              <a:schemeClr val="phClr">
+                <a:satMod val="103000"/>
+                <a:lumMod val="102000"/>
+                <a:tint val="94000"/>
+              </a:schemeClr>
+            </a:gs>
+            <a:gs pos="50000">
+              <a:schemeClr val="phClr">
+                <a:satMod val="110000"/>
+                <a:lumMod val="100000"/>
+                <a:shade val="100000"/>
+              </a:schemeClr>
+            </a:gs>
+            <a:gs pos="100000">
+              <a:schemeClr val="phClr">
+                <a:lumMod val="99000"/>
+                <a:satMod val="120000"/>
+                <a:shade val="78000"/>
+              </a:schemeClr>
+            </a:gs>
+          </a:gsLst>
+          <a:lin ang="5400000" scaled="0"/>
+        </a:gradFill>
+      </a:fillStyleLst>
+      <a:lnStyleLst>
+        <a:ln w="6350" cap="flat" cmpd="sng" algn="ctr">
+          <a:solidFill>
+            <a:schemeClr val="phClr"/>
+          </a:solidFill>
+          <a:prstDash val="solid"/>
+          <a:miter lim="800000"/>
+        </a:ln>
+        <a:ln w="12700" cap="flat" cmpd="sng" algn="ctr">
+          <a:solidFill>
+            <a:schemeClr val="phClr"/>
+          </a:solidFill>
+          <a:prstDash val="solid"/>
+          <a:miter lim="800000"/>
+        </a:ln>
+        <a:ln w="19050" cap="flat" cmpd="sng" algn="ctr">
+          <a:solidFill>
+            <a:schemeClr val="phClr"/>
+          </a:solidFill>
+          <a:prstDash val="solid"/>
+          <a:miter lim="800000"/>
+        </a:ln>
+      </a:lnStyleLst>
+      <a:effectStyleLst>
+        <a:effectStyle>
+          <a:effectLst/>
+        </a:effectStyle>
+        <a:effectStyle>
+          <a:effectLst/>
+        </a:effectStyle>
+        <a:effectStyle>
+          <a:effectLst>
+            <a:outerShdw blurRad="57150" dist="19050" dir="5400000" algn="ctr" rotWithShape="0">
+              <a:srgbClr val="000000">
+                <a:alpha val="63000"/>
+              </a:srgbClr>
+            </a:outerShdw>
+          </a:effectLst>
+        </a:effectStyle>
+      </a:effectStyleLst>
+      <a:bgFillStyleLst>
+        <a:solidFill>
+          <a:schemeClr val="phClr"/>
+        </a:solidFill>
+        <a:solidFill>
+          <a:schemeClr val="phClr">
+            <a:tint val="95000"/>
+            <a:satMod val="170000"/>
+          </a:schemeClr>
+        </a:solidFill>
+        <a:gradFill rotWithShape="1">
+          <a:gsLst>
+            <a:gs pos="0">
+              <a:schemeClr val="phClr">
+                <a:tint val="93000"/>
+                <a:satMod val="150000"/>
+                <a:shade val="98000"/>
+                <a:lumMod val="102000"/>
+              </a:schemeClr>
+            </a:gs>
+            <a:gs pos="50000">
+              <a:schemeClr val="phClr">
+                <a:tint val="98000"/>
+                <a:satMod val="130000"/>
+                <a:shade val="90000"/>
+                <a:lumMod val="103000"/>
+              </a:schemeClr>
+            </a:gs>
+            <a:gs pos="100000">
+              <a:schemeClr val="phClr">
+                <a:shade val="63000"/>
+                <a:satMod val="120000"/>
+              </a:schemeClr>
+            </a:gs>
+          </a:gsLst>
+          <a:lin ang="5400000" scaled="0"/>
+        </a:gradFill>
+      </a:bgFillStyleLst>
+    </a:fmtScheme>
+  </a:themeElements>
+  <a:objectDefaults/>
+  <a:extraClrSchemeLst/>
+  <a:extLst>
+    <a:ext uri="{05A4C25C-085E-4340-85A3-A5531E510DB2}">
+      <thm15:themeFamily xmlns:thm15="http://schemas.microsoft.com/office/thememl/2012/main" name="Office Theme" id="{62F939B6-93AF-4DB8-9C6B-D6C7DFDC589F}" vid="{4A3C46E8-61CC-4603-A589-7422A47A8E4A}"/>
+    </a:ext>
+  </a:extLst>
+</a:theme>
 </file>
--- a/Opdracht 2/Literatuurstudie.pptx
+++ b/Opdracht 2/Literatuurstudie.pptx
@@ -5,7 +5,7 @@
     <p:sldMasterId id="2147483690" r:id="rId1"/>
   </p:sldMasterIdLst>
   <p:notesMasterIdLst>
-    <p:notesMasterId r:id="rId26"/>
+    <p:notesMasterId r:id="rId27"/>
   </p:notesMasterIdLst>
   <p:sldIdLst>
     <p:sldId id="256" r:id="rId2"/>
@@ -29,9 +29,10 @@
     <p:sldId id="277" r:id="rId20"/>
     <p:sldId id="278" r:id="rId21"/>
     <p:sldId id="292" r:id="rId22"/>
-    <p:sldId id="282" r:id="rId23"/>
-    <p:sldId id="259" r:id="rId24"/>
-    <p:sldId id="291" r:id="rId25"/>
+    <p:sldId id="297" r:id="rId23"/>
+    <p:sldId id="282" r:id="rId24"/>
+    <p:sldId id="259" r:id="rId25"/>
+    <p:sldId id="291" r:id="rId26"/>
   </p:sldIdLst>
   <p:sldSz cx="12192000" cy="6858000"/>
   <p:notesSz cx="6858000" cy="9144000"/>
@@ -565,8 +566,793 @@
         </p:nvSpPr>
         <p:spPr/>
       </p:sp>
-      <mc:AlternateContent xmlns:mc="http://schemas.openxmlformats.org/markup-compatibility/2006">
-        <mc:Choice xmlns:a14="http://schemas.microsoft.com/office/drawing/2010/main" Requires="a14">
+      <p:sp>
+        <p:nvSpPr>
+          <p:cNvPr id="3" name="Notes Placeholder 2"/>
+          <p:cNvSpPr>
+            <a:spLocks noGrp="1"/>
+          </p:cNvSpPr>
+          <p:nvPr>
+            <p:ph type="body" idx="1"/>
+          </p:nvPr>
+        </p:nvSpPr>
+        <p:spPr/>
+        <p:txBody>
+          <a:bodyPr/>
+          <a:lstStyle/>
+          <a:p>
+            <a:pPr>
+              <a:buFont typeface="Arial" panose="020B0604020202020204" pitchFamily="34" charset="0"/>
+              <a:buChar char="•"/>
+            </a:pPr>
+            <a:r>
+              <a:rPr lang="nl-BE" sz="1200" dirty="0" smtClean="0"/>
+              <a:t> Ons doel		</a:t>
+            </a:r>
+            <a:r>
+              <a:rPr lang="nl-BE" sz="1200" baseline="0" dirty="0" smtClean="0"/>
+              <a:t>	-&gt; Jeroen</a:t>
+            </a:r>
+            <a:endParaRPr lang="nl-BE" sz="1200" dirty="0" smtClean="0"/>
+          </a:p>
+          <a:p>
+            <a:pPr>
+              <a:buFont typeface="Arial" panose="020B0604020202020204" pitchFamily="34" charset="0"/>
+              <a:buChar char="•"/>
+            </a:pPr>
+            <a:r>
+              <a:rPr lang="nl-BE" sz="1200" dirty="0" smtClean="0"/>
+              <a:t> </a:t>
+            </a:r>
+            <a:r>
+              <a:rPr lang="nl-BE" sz="1200" dirty="0" err="1" smtClean="0"/>
+              <a:t>Example-based</a:t>
+            </a:r>
+            <a:r>
+              <a:rPr lang="nl-BE" sz="1200" dirty="0" smtClean="0"/>
+              <a:t> </a:t>
+            </a:r>
+            <a:r>
+              <a:rPr lang="nl-BE" sz="1200" dirty="0" err="1" smtClean="0"/>
+              <a:t>learning</a:t>
+            </a:r>
+            <a:r>
+              <a:rPr lang="nl-BE" sz="1200" dirty="0" smtClean="0"/>
+              <a:t>		-&gt; Tom</a:t>
+            </a:r>
+          </a:p>
+          <a:p>
+            <a:pPr>
+              <a:buFont typeface="Arial" panose="020B0604020202020204" pitchFamily="34" charset="0"/>
+              <a:buChar char="•"/>
+            </a:pPr>
+            <a:r>
+              <a:rPr lang="nl-BE" sz="1200" dirty="0" smtClean="0"/>
+              <a:t> Spreadsheet tabel transformaties 	-&gt; Jeroen</a:t>
+            </a:r>
+          </a:p>
+          <a:p>
+            <a:pPr>
+              <a:buFont typeface="Arial" panose="020B0604020202020204" pitchFamily="34" charset="0"/>
+              <a:buChar char="•"/>
+            </a:pPr>
+            <a:r>
+              <a:rPr lang="nl-BE" sz="1200" dirty="0" smtClean="0"/>
+              <a:t> </a:t>
+            </a:r>
+            <a:r>
+              <a:rPr lang="nl-BE" sz="1200" dirty="0" err="1" smtClean="0"/>
+              <a:t>Equation</a:t>
+            </a:r>
+            <a:r>
+              <a:rPr lang="nl-BE" sz="1200" dirty="0" smtClean="0"/>
+              <a:t> </a:t>
+            </a:r>
+            <a:r>
+              <a:rPr lang="nl-BE" sz="1200" dirty="0" err="1" smtClean="0"/>
+              <a:t>discovery</a:t>
+            </a:r>
+            <a:r>
+              <a:rPr lang="nl-BE" sz="1200" dirty="0" smtClean="0"/>
+              <a:t>		-&gt; Tom</a:t>
+            </a:r>
+          </a:p>
+          <a:p>
+            <a:pPr>
+              <a:buFont typeface="Arial" panose="020B0604020202020204" pitchFamily="34" charset="0"/>
+              <a:buChar char="•"/>
+            </a:pPr>
+            <a:r>
+              <a:rPr lang="nl-BE" sz="1200" dirty="0" smtClean="0"/>
+              <a:t> Conclusie			-&gt; Jeroen</a:t>
+            </a:r>
+          </a:p>
+          <a:p>
+            <a:endParaRPr lang="en-US" dirty="0"/>
+          </a:p>
+        </p:txBody>
+      </p:sp>
+      <p:sp>
+        <p:nvSpPr>
+          <p:cNvPr id="4" name="Slide Number Placeholder 3"/>
+          <p:cNvSpPr>
+            <a:spLocks noGrp="1"/>
+          </p:cNvSpPr>
+          <p:nvPr>
+            <p:ph type="sldNum" sz="quarter" idx="10"/>
+          </p:nvPr>
+        </p:nvSpPr>
+        <p:spPr/>
+        <p:txBody>
+          <a:bodyPr/>
+          <a:lstStyle/>
+          <a:p>
+            <a:fld id="{4E765FFB-E928-41F7-9C48-EAAB8C6B32DB}" type="slidenum">
+              <a:rPr lang="en-US" smtClean="0"/>
+              <a:t>2</a:t>
+            </a:fld>
+            <a:endParaRPr lang="en-US"/>
+          </a:p>
+        </p:txBody>
+      </p:sp>
+    </p:spTree>
+    <p:extLst>
+      <p:ext uri="{BB962C8B-B14F-4D97-AF65-F5344CB8AC3E}">
+        <p14:creationId xmlns:p14="http://schemas.microsoft.com/office/powerpoint/2010/main" val="2047346154"/>
+      </p:ext>
+    </p:extLst>
+  </p:cSld>
+  <p:clrMapOvr>
+    <a:masterClrMapping/>
+  </p:clrMapOvr>
+</p:notes>
+</file>
+
+<file path=ppt/notesSlides/notesSlide10.xml><?xml version="1.0" encoding="utf-8"?>
+<p:notes xmlns:a="http://schemas.openxmlformats.org/drawingml/2006/main" xmlns:r="http://schemas.openxmlformats.org/officeDocument/2006/relationships" xmlns:p="http://schemas.openxmlformats.org/presentationml/2006/main">
+  <p:cSld>
+    <p:spTree>
+      <p:nvGrpSpPr>
+        <p:cNvPr id="1" name=""/>
+        <p:cNvGrpSpPr/>
+        <p:nvPr/>
+      </p:nvGrpSpPr>
+      <p:grpSpPr>
+        <a:xfrm>
+          <a:off x="0" y="0"/>
+          <a:ext cx="0" cy="0"/>
+          <a:chOff x="0" y="0"/>
+          <a:chExt cx="0" cy="0"/>
+        </a:xfrm>
+      </p:grpSpPr>
+      <p:sp>
+        <p:nvSpPr>
+          <p:cNvPr id="2" name="Slide Image Placeholder 1"/>
+          <p:cNvSpPr>
+            <a:spLocks noGrp="1" noRot="1" noChangeAspect="1"/>
+          </p:cNvSpPr>
+          <p:nvPr>
+            <p:ph type="sldImg"/>
+          </p:nvPr>
+        </p:nvSpPr>
+        <p:spPr/>
+      </p:sp>
+      <p:sp>
+        <p:nvSpPr>
+          <p:cNvPr id="3" name="Notes Placeholder 2"/>
+          <p:cNvSpPr>
+            <a:spLocks noGrp="1"/>
+          </p:cNvSpPr>
+          <p:nvPr>
+            <p:ph type="body" idx="1"/>
+          </p:nvPr>
+        </p:nvSpPr>
+        <p:spPr/>
+        <p:txBody>
+          <a:bodyPr/>
+          <a:lstStyle/>
+          <a:p>
+            <a:pPr marL="0" marR="0" indent="0" algn="l" defTabSz="914400" rtl="0" eaLnBrk="1" fontAlgn="auto" latinLnBrk="0" hangingPunct="1">
+              <a:lnSpc>
+                <a:spcPct val="100000"/>
+              </a:lnSpc>
+              <a:spcBef>
+                <a:spcPts val="0"/>
+              </a:spcBef>
+              <a:spcAft>
+                <a:spcPts val="0"/>
+              </a:spcAft>
+              <a:buClrTx/>
+              <a:buSzTx/>
+              <a:buFontTx/>
+              <a:buNone/>
+              <a:tabLst/>
+              <a:defRPr/>
+            </a:pPr>
+            <a:r>
+              <a:rPr lang="en-US" dirty="0" err="1" smtClean="0">
+                <a:latin typeface="Arial" charset="0"/>
+                <a:ea typeface="ＭＳ Ｐゴシック" charset="0"/>
+                <a:cs typeface="Arial" charset="0"/>
+                <a:sym typeface="Arial" charset="0"/>
+              </a:rPr>
+              <a:t>Applicaties</a:t>
+            </a:r>
+            <a:r>
+              <a:rPr lang="en-US" dirty="0" smtClean="0">
+                <a:latin typeface="Arial" charset="0"/>
+                <a:ea typeface="ＭＳ Ｐゴシック" charset="0"/>
+                <a:cs typeface="Arial" charset="0"/>
+                <a:sym typeface="Arial" charset="0"/>
+              </a:rPr>
+              <a:t> </a:t>
+            </a:r>
+            <a:r>
+              <a:rPr lang="en-US" dirty="0" err="1" smtClean="0">
+                <a:latin typeface="Arial" charset="0"/>
+                <a:ea typeface="ＭＳ Ｐゴシック" charset="0"/>
+                <a:cs typeface="Arial" charset="0"/>
+                <a:sym typeface="Arial" charset="0"/>
+              </a:rPr>
+              <a:t>toelichten</a:t>
+            </a:r>
+            <a:r>
+              <a:rPr lang="en-US" dirty="0" smtClean="0">
+                <a:latin typeface="Arial" charset="0"/>
+                <a:ea typeface="ＭＳ Ｐゴシック" charset="0"/>
+                <a:cs typeface="Arial" charset="0"/>
+                <a:sym typeface="Arial" charset="0"/>
+              </a:rPr>
+              <a:t> </a:t>
+            </a:r>
+            <a:r>
+              <a:rPr lang="en-US" dirty="0" err="1" smtClean="0">
+                <a:latin typeface="Arial" charset="0"/>
+                <a:ea typeface="ＭＳ Ｐゴシック" charset="0"/>
+                <a:cs typeface="Arial" charset="0"/>
+                <a:sym typeface="Arial" charset="0"/>
+              </a:rPr>
+              <a:t>tijdens</a:t>
+            </a:r>
+            <a:r>
+              <a:rPr lang="en-US" dirty="0" smtClean="0">
+                <a:latin typeface="Arial" charset="0"/>
+                <a:ea typeface="ＭＳ Ｐゴシック" charset="0"/>
+                <a:cs typeface="Arial" charset="0"/>
+                <a:sym typeface="Arial" charset="0"/>
+              </a:rPr>
+              <a:t> </a:t>
+            </a:r>
+            <a:r>
+              <a:rPr lang="en-US" dirty="0" err="1" smtClean="0">
+                <a:latin typeface="Arial" charset="0"/>
+                <a:ea typeface="ＭＳ Ｐゴシック" charset="0"/>
+                <a:cs typeface="Arial" charset="0"/>
+                <a:sym typeface="Arial" charset="0"/>
+              </a:rPr>
+              <a:t>presentatie</a:t>
+            </a:r>
+            <a:r>
+              <a:rPr lang="en-US" dirty="0" smtClean="0">
+                <a:latin typeface="Arial" charset="0"/>
+                <a:ea typeface="ＭＳ Ｐゴシック" charset="0"/>
+                <a:cs typeface="Arial" charset="0"/>
+                <a:sym typeface="Arial" charset="0"/>
+              </a:rPr>
+              <a:t>!</a:t>
+            </a:r>
+          </a:p>
+        </p:txBody>
+      </p:sp>
+      <p:sp>
+        <p:nvSpPr>
+          <p:cNvPr id="4" name="Slide Number Placeholder 3"/>
+          <p:cNvSpPr>
+            <a:spLocks noGrp="1"/>
+          </p:cNvSpPr>
+          <p:nvPr>
+            <p:ph type="sldNum" sz="quarter" idx="10"/>
+          </p:nvPr>
+        </p:nvSpPr>
+        <p:spPr/>
+        <p:txBody>
+          <a:bodyPr/>
+          <a:lstStyle/>
+          <a:p>
+            <a:fld id="{4E765FFB-E928-41F7-9C48-EAAB8C6B32DB}" type="slidenum">
+              <a:rPr lang="en-US" smtClean="0"/>
+              <a:t>19</a:t>
+            </a:fld>
+            <a:endParaRPr lang="en-US"/>
+          </a:p>
+        </p:txBody>
+      </p:sp>
+    </p:spTree>
+    <p:extLst>
+      <p:ext uri="{BB962C8B-B14F-4D97-AF65-F5344CB8AC3E}">
+        <p14:creationId xmlns:p14="http://schemas.microsoft.com/office/powerpoint/2010/main" val="3878043876"/>
+      </p:ext>
+    </p:extLst>
+  </p:cSld>
+  <p:clrMapOvr>
+    <a:masterClrMapping/>
+  </p:clrMapOvr>
+</p:notes>
+</file>
+
+<file path=ppt/notesSlides/notesSlide11.xml><?xml version="1.0" encoding="utf-8"?>
+<p:notes xmlns:a="http://schemas.openxmlformats.org/drawingml/2006/main" xmlns:r="http://schemas.openxmlformats.org/officeDocument/2006/relationships" xmlns:p="http://schemas.openxmlformats.org/presentationml/2006/main">
+  <p:cSld>
+    <p:spTree>
+      <p:nvGrpSpPr>
+        <p:cNvPr id="1" name=""/>
+        <p:cNvGrpSpPr/>
+        <p:nvPr/>
+      </p:nvGrpSpPr>
+      <p:grpSpPr>
+        <a:xfrm>
+          <a:off x="0" y="0"/>
+          <a:ext cx="0" cy="0"/>
+          <a:chOff x="0" y="0"/>
+          <a:chExt cx="0" cy="0"/>
+        </a:xfrm>
+      </p:grpSpPr>
+      <p:sp>
+        <p:nvSpPr>
+          <p:cNvPr id="2" name="Slide Image Placeholder 1"/>
+          <p:cNvSpPr>
+            <a:spLocks noGrp="1" noRot="1" noChangeAspect="1"/>
+          </p:cNvSpPr>
+          <p:nvPr>
+            <p:ph type="sldImg"/>
+          </p:nvPr>
+        </p:nvSpPr>
+        <p:spPr/>
+      </p:sp>
+      <p:sp>
+        <p:nvSpPr>
+          <p:cNvPr id="3" name="Notes Placeholder 2"/>
+          <p:cNvSpPr>
+            <a:spLocks noGrp="1"/>
+          </p:cNvSpPr>
+          <p:nvPr>
+            <p:ph type="body" idx="1"/>
+          </p:nvPr>
+        </p:nvSpPr>
+        <p:spPr/>
+        <p:txBody>
+          <a:bodyPr/>
+          <a:lstStyle/>
+          <a:p>
+            <a:r>
+              <a:rPr lang="nl-BE" dirty="0" smtClean="0"/>
+              <a:t>Valt definitie te vervangen?</a:t>
+            </a:r>
+            <a:endParaRPr lang="en-US" dirty="0"/>
+          </a:p>
+        </p:txBody>
+      </p:sp>
+      <p:sp>
+        <p:nvSpPr>
+          <p:cNvPr id="4" name="Slide Number Placeholder 3"/>
+          <p:cNvSpPr>
+            <a:spLocks noGrp="1"/>
+          </p:cNvSpPr>
+          <p:nvPr>
+            <p:ph type="sldNum" sz="quarter" idx="10"/>
+          </p:nvPr>
+        </p:nvSpPr>
+        <p:spPr/>
+        <p:txBody>
+          <a:bodyPr/>
+          <a:lstStyle/>
+          <a:p>
+            <a:fld id="{4E765FFB-E928-41F7-9C48-EAAB8C6B32DB}" type="slidenum">
+              <a:rPr lang="en-US" smtClean="0"/>
+              <a:t>20</a:t>
+            </a:fld>
+            <a:endParaRPr lang="en-US"/>
+          </a:p>
+        </p:txBody>
+      </p:sp>
+    </p:spTree>
+    <p:extLst>
+      <p:ext uri="{BB962C8B-B14F-4D97-AF65-F5344CB8AC3E}">
+        <p14:creationId xmlns:p14="http://schemas.microsoft.com/office/powerpoint/2010/main" val="399981581"/>
+      </p:ext>
+    </p:extLst>
+  </p:cSld>
+  <p:clrMapOvr>
+    <a:masterClrMapping/>
+  </p:clrMapOvr>
+</p:notes>
+</file>
+
+<file path=ppt/notesSlides/notesSlide12.xml><?xml version="1.0" encoding="utf-8"?>
+<p:notes xmlns:a="http://schemas.openxmlformats.org/drawingml/2006/main" xmlns:r="http://schemas.openxmlformats.org/officeDocument/2006/relationships" xmlns:p="http://schemas.openxmlformats.org/presentationml/2006/main">
+  <p:cSld>
+    <p:spTree>
+      <p:nvGrpSpPr>
+        <p:cNvPr id="1" name=""/>
+        <p:cNvGrpSpPr/>
+        <p:nvPr/>
+      </p:nvGrpSpPr>
+      <p:grpSpPr>
+        <a:xfrm>
+          <a:off x="0" y="0"/>
+          <a:ext cx="0" cy="0"/>
+          <a:chOff x="0" y="0"/>
+          <a:chExt cx="0" cy="0"/>
+        </a:xfrm>
+      </p:grpSpPr>
+      <p:sp>
+        <p:nvSpPr>
+          <p:cNvPr id="2" name="Slide Image Placeholder 1"/>
+          <p:cNvSpPr>
+            <a:spLocks noGrp="1" noRot="1" noChangeAspect="1"/>
+          </p:cNvSpPr>
+          <p:nvPr>
+            <p:ph type="sldImg"/>
+          </p:nvPr>
+        </p:nvSpPr>
+        <p:spPr/>
+      </p:sp>
+      <p:sp>
+        <p:nvSpPr>
+          <p:cNvPr id="3" name="Notes Placeholder 2"/>
+          <p:cNvSpPr>
+            <a:spLocks noGrp="1"/>
+          </p:cNvSpPr>
+          <p:nvPr>
+            <p:ph type="body" idx="1"/>
+          </p:nvPr>
+        </p:nvSpPr>
+        <p:spPr/>
+        <p:txBody>
+          <a:bodyPr/>
+          <a:lstStyle/>
+          <a:p>
+            <a:pPr marL="0" marR="0" indent="0" algn="l" defTabSz="914400" rtl="0" eaLnBrk="1" fontAlgn="auto" latinLnBrk="0" hangingPunct="1">
+              <a:lnSpc>
+                <a:spcPct val="100000"/>
+              </a:lnSpc>
+              <a:spcBef>
+                <a:spcPts val="0"/>
+              </a:spcBef>
+              <a:spcAft>
+                <a:spcPts val="0"/>
+              </a:spcAft>
+              <a:buClrTx/>
+              <a:buSzTx/>
+              <a:buFontTx/>
+              <a:buNone/>
+              <a:tabLst/>
+              <a:defRPr/>
+            </a:pPr>
+            <a:r>
+              <a:rPr lang="en-US" dirty="0" smtClean="0">
+                <a:latin typeface="Helvetica" charset="0"/>
+                <a:ea typeface="ＭＳ Ｐゴシック" charset="0"/>
+                <a:cs typeface="Helvetica" charset="0"/>
+                <a:sym typeface="Helvetica" charset="0"/>
+              </a:rPr>
+              <a:t>link back to the </a:t>
+            </a:r>
+            <a:r>
+              <a:rPr lang="en-US" dirty="0" smtClean="0">
+                <a:latin typeface="Helvetica" charset="0"/>
+                <a:ea typeface="ＭＳ Ｐゴシック" charset="0"/>
+                <a:cs typeface="Helvetica" charset="0"/>
+                <a:sym typeface="Helvetica" charset="0"/>
+              </a:rPr>
+              <a:t>type </a:t>
+            </a:r>
+            <a:r>
+              <a:rPr lang="en-US" dirty="0" smtClean="0">
+                <a:latin typeface="Helvetica" charset="0"/>
+                <a:ea typeface="ＭＳ Ｐゴシック" charset="0"/>
+                <a:cs typeface="Helvetica" charset="0"/>
+                <a:sym typeface="Helvetica" charset="0"/>
+              </a:rPr>
+              <a:t>of bias this specifies </a:t>
+            </a:r>
+            <a:endParaRPr lang="en-US" dirty="0" smtClean="0">
+              <a:latin typeface="Helvetica" charset="0"/>
+              <a:ea typeface="ＭＳ Ｐゴシック" charset="0"/>
+              <a:cs typeface="Helvetica" charset="0"/>
+              <a:sym typeface="Helvetica" charset="0"/>
+            </a:endParaRPr>
+          </a:p>
+          <a:p>
+            <a:pPr marL="0" marR="0" indent="0" algn="l" defTabSz="914400" rtl="0" eaLnBrk="1" fontAlgn="auto" latinLnBrk="0" hangingPunct="1">
+              <a:lnSpc>
+                <a:spcPct val="100000"/>
+              </a:lnSpc>
+              <a:spcBef>
+                <a:spcPts val="0"/>
+              </a:spcBef>
+              <a:spcAft>
+                <a:spcPts val="0"/>
+              </a:spcAft>
+              <a:buClrTx/>
+              <a:buSzTx/>
+              <a:buFontTx/>
+              <a:buNone/>
+              <a:tabLst/>
+              <a:defRPr/>
+            </a:pPr>
+            <a:r>
+              <a:rPr lang="nl-BE" dirty="0" smtClean="0">
+                <a:latin typeface="Helvetica" charset="0"/>
+                <a:ea typeface="ＭＳ Ｐゴシック" charset="0"/>
+                <a:cs typeface="Helvetica" charset="0"/>
+                <a:sym typeface="Helvetica" charset="0"/>
+              </a:rPr>
+              <a:t>Bron</a:t>
+            </a:r>
+            <a:endParaRPr lang="en-US" dirty="0" smtClean="0">
+              <a:latin typeface="Helvetica" charset="0"/>
+              <a:ea typeface="ＭＳ Ｐゴシック" charset="0"/>
+              <a:cs typeface="Helvetica" charset="0"/>
+              <a:sym typeface="Helvetica" charset="0"/>
+            </a:endParaRPr>
+          </a:p>
+          <a:p>
+            <a:endParaRPr lang="en-US" dirty="0"/>
+          </a:p>
+        </p:txBody>
+      </p:sp>
+      <p:sp>
+        <p:nvSpPr>
+          <p:cNvPr id="4" name="Slide Number Placeholder 3"/>
+          <p:cNvSpPr>
+            <a:spLocks noGrp="1"/>
+          </p:cNvSpPr>
+          <p:nvPr>
+            <p:ph type="sldNum" sz="quarter" idx="10"/>
+          </p:nvPr>
+        </p:nvSpPr>
+        <p:spPr/>
+        <p:txBody>
+          <a:bodyPr/>
+          <a:lstStyle/>
+          <a:p>
+            <a:fld id="{4E765FFB-E928-41F7-9C48-EAAB8C6B32DB}" type="slidenum">
+              <a:rPr lang="en-US" smtClean="0"/>
+              <a:t>21</a:t>
+            </a:fld>
+            <a:endParaRPr lang="en-US"/>
+          </a:p>
+        </p:txBody>
+      </p:sp>
+    </p:spTree>
+    <p:extLst>
+      <p:ext uri="{BB962C8B-B14F-4D97-AF65-F5344CB8AC3E}">
+        <p14:creationId xmlns:p14="http://schemas.microsoft.com/office/powerpoint/2010/main" val="232502043"/>
+      </p:ext>
+    </p:extLst>
+  </p:cSld>
+  <p:clrMapOvr>
+    <a:masterClrMapping/>
+  </p:clrMapOvr>
+</p:notes>
+</file>
+
+<file path=ppt/notesSlides/notesSlide13.xml><?xml version="1.0" encoding="utf-8"?>
+<p:notes xmlns:a="http://schemas.openxmlformats.org/drawingml/2006/main" xmlns:r="http://schemas.openxmlformats.org/officeDocument/2006/relationships" xmlns:p="http://schemas.openxmlformats.org/presentationml/2006/main">
+  <p:cSld>
+    <p:spTree>
+      <p:nvGrpSpPr>
+        <p:cNvPr id="1" name=""/>
+        <p:cNvGrpSpPr/>
+        <p:nvPr/>
+      </p:nvGrpSpPr>
+      <p:grpSpPr>
+        <a:xfrm>
+          <a:off x="0" y="0"/>
+          <a:ext cx="0" cy="0"/>
+          <a:chOff x="0" y="0"/>
+          <a:chExt cx="0" cy="0"/>
+        </a:xfrm>
+      </p:grpSpPr>
+      <p:sp>
+        <p:nvSpPr>
+          <p:cNvPr id="2" name="Slide Image Placeholder 1"/>
+          <p:cNvSpPr>
+            <a:spLocks noGrp="1" noRot="1" noChangeAspect="1"/>
+          </p:cNvSpPr>
+          <p:nvPr>
+            <p:ph type="sldImg"/>
+          </p:nvPr>
+        </p:nvSpPr>
+        <p:spPr/>
+      </p:sp>
+      <p:sp>
+        <p:nvSpPr>
+          <p:cNvPr id="3" name="Notes Placeholder 2"/>
+          <p:cNvSpPr>
+            <a:spLocks noGrp="1"/>
+          </p:cNvSpPr>
+          <p:nvPr>
+            <p:ph type="body" idx="1"/>
+          </p:nvPr>
+        </p:nvSpPr>
+        <p:spPr/>
+        <p:txBody>
+          <a:bodyPr/>
+          <a:lstStyle/>
+          <a:p>
+            <a:r>
+              <a:rPr lang="nl-BE" dirty="0" smtClean="0"/>
+              <a:t>Bedankt</a:t>
+            </a:r>
+            <a:r>
+              <a:rPr lang="nl-BE" baseline="0" dirty="0" smtClean="0"/>
+              <a:t> voor </a:t>
+            </a:r>
+            <a:r>
+              <a:rPr lang="nl-BE" baseline="0" smtClean="0"/>
+              <a:t>u aandacht?</a:t>
+            </a:r>
+            <a:endParaRPr lang="en-US"/>
+          </a:p>
+        </p:txBody>
+      </p:sp>
+      <p:sp>
+        <p:nvSpPr>
+          <p:cNvPr id="4" name="Slide Number Placeholder 3"/>
+          <p:cNvSpPr>
+            <a:spLocks noGrp="1"/>
+          </p:cNvSpPr>
+          <p:nvPr>
+            <p:ph type="sldNum" sz="quarter" idx="10"/>
+          </p:nvPr>
+        </p:nvSpPr>
+        <p:spPr/>
+        <p:txBody>
+          <a:bodyPr/>
+          <a:lstStyle/>
+          <a:p>
+            <a:fld id="{4E765FFB-E928-41F7-9C48-EAAB8C6B32DB}" type="slidenum">
+              <a:rPr lang="en-US" smtClean="0"/>
+              <a:t>25</a:t>
+            </a:fld>
+            <a:endParaRPr lang="en-US"/>
+          </a:p>
+        </p:txBody>
+      </p:sp>
+    </p:spTree>
+    <p:extLst>
+      <p:ext uri="{BB962C8B-B14F-4D97-AF65-F5344CB8AC3E}">
+        <p14:creationId xmlns:p14="http://schemas.microsoft.com/office/powerpoint/2010/main" val="2419712584"/>
+      </p:ext>
+    </p:extLst>
+  </p:cSld>
+  <p:clrMapOvr>
+    <a:masterClrMapping/>
+  </p:clrMapOvr>
+</p:notes>
+</file>
+
+<file path=ppt/notesSlides/notesSlide2.xml><?xml version="1.0" encoding="utf-8"?>
+<p:notes xmlns:a="http://schemas.openxmlformats.org/drawingml/2006/main" xmlns:r="http://schemas.openxmlformats.org/officeDocument/2006/relationships" xmlns:p="http://schemas.openxmlformats.org/presentationml/2006/main">
+  <p:cSld>
+    <p:spTree>
+      <p:nvGrpSpPr>
+        <p:cNvPr id="1" name=""/>
+        <p:cNvGrpSpPr/>
+        <p:nvPr/>
+      </p:nvGrpSpPr>
+      <p:grpSpPr>
+        <a:xfrm>
+          <a:off x="0" y="0"/>
+          <a:ext cx="0" cy="0"/>
+          <a:chOff x="0" y="0"/>
+          <a:chExt cx="0" cy="0"/>
+        </a:xfrm>
+      </p:grpSpPr>
+      <p:sp>
+        <p:nvSpPr>
+          <p:cNvPr id="2" name="Slide Image Placeholder 1"/>
+          <p:cNvSpPr>
+            <a:spLocks noGrp="1" noRot="1" noChangeAspect="1"/>
+          </p:cNvSpPr>
+          <p:nvPr>
+            <p:ph type="sldImg"/>
+          </p:nvPr>
+        </p:nvSpPr>
+        <p:spPr/>
+      </p:sp>
+      <p:sp>
+        <p:nvSpPr>
+          <p:cNvPr id="3" name="Notes Placeholder 2"/>
+          <p:cNvSpPr>
+            <a:spLocks noGrp="1"/>
+          </p:cNvSpPr>
+          <p:nvPr>
+            <p:ph type="body" idx="1"/>
+          </p:nvPr>
+        </p:nvSpPr>
+        <p:spPr/>
+        <p:txBody>
+          <a:bodyPr/>
+          <a:lstStyle/>
+          <a:p>
+            <a:r>
+              <a:rPr lang="nl-BE" dirty="0" smtClean="0"/>
+              <a:t>Figuurtje</a:t>
+            </a:r>
+            <a:endParaRPr lang="en-US" dirty="0"/>
+          </a:p>
+        </p:txBody>
+      </p:sp>
+      <p:sp>
+        <p:nvSpPr>
+          <p:cNvPr id="4" name="Slide Number Placeholder 3"/>
+          <p:cNvSpPr>
+            <a:spLocks noGrp="1"/>
+          </p:cNvSpPr>
+          <p:nvPr>
+            <p:ph type="sldNum" sz="quarter" idx="10"/>
+          </p:nvPr>
+        </p:nvSpPr>
+        <p:spPr/>
+        <p:txBody>
+          <a:bodyPr/>
+          <a:lstStyle/>
+          <a:p>
+            <a:fld id="{4E765FFB-E928-41F7-9C48-EAAB8C6B32DB}" type="slidenum">
+              <a:rPr lang="en-US" smtClean="0"/>
+              <a:t>4</a:t>
+            </a:fld>
+            <a:endParaRPr lang="en-US"/>
+          </a:p>
+        </p:txBody>
+      </p:sp>
+    </p:spTree>
+    <p:extLst>
+      <p:ext uri="{BB962C8B-B14F-4D97-AF65-F5344CB8AC3E}">
+        <p14:creationId xmlns:p14="http://schemas.microsoft.com/office/powerpoint/2010/main" val="589568002"/>
+      </p:ext>
+    </p:extLst>
+  </p:cSld>
+  <p:clrMapOvr>
+    <a:masterClrMapping/>
+  </p:clrMapOvr>
+</p:notes>
+</file>
+
+<file path=ppt/notesSlides/notesSlide3.xml><?xml version="1.0" encoding="utf-8"?>
+<p:notes xmlns:a="http://schemas.openxmlformats.org/drawingml/2006/main" xmlns:r="http://schemas.openxmlformats.org/officeDocument/2006/relationships" xmlns:p="http://schemas.openxmlformats.org/presentationml/2006/main">
+  <p:cSld>
+    <p:spTree>
+      <p:nvGrpSpPr>
+        <p:cNvPr id="1" name=""/>
+        <p:cNvGrpSpPr/>
+        <p:nvPr/>
+      </p:nvGrpSpPr>
+      <p:grpSpPr>
+        <a:xfrm>
+          <a:off x="0" y="0"/>
+          <a:ext cx="0" cy="0"/>
+          <a:chOff x="0" y="0"/>
+          <a:chExt cx="0" cy="0"/>
+        </a:xfrm>
+      </p:grpSpPr>
+      <p:sp>
+        <p:nvSpPr>
+          <p:cNvPr id="2" name="Slide Image Placeholder 1"/>
+          <p:cNvSpPr>
+            <a:spLocks noGrp="1" noRot="1" noChangeAspect="1"/>
+          </p:cNvSpPr>
+          <p:nvPr>
+            <p:ph type="sldImg"/>
+          </p:nvPr>
+        </p:nvSpPr>
+        <p:spPr/>
+      </p:sp>
+      <mc:AlternateContent xmlns:mc="http://schemas.openxmlformats.org/markup-compatibility/2006" xmlns:a14="http://schemas.microsoft.com/office/drawing/2010/main">
+        <mc:Choice Requires="a14">
           <p:sp>
             <p:nvSpPr>
               <p:cNvPr id="3" name="Notes Placeholder 2"/>
@@ -669,7 +1455,7 @@
             </p:txBody>
           </p:sp>
         </mc:Choice>
-        <mc:Fallback>
+        <mc:Fallback xmlns="">
           <p:sp>
             <p:nvSpPr>
               <p:cNvPr id="3" name="Notes Placeholder 2"/>
@@ -768,338 +1554,6 @@
 </p:notes>
 </file>
 
-<file path=ppt/notesSlides/notesSlide10.xml><?xml version="1.0" encoding="utf-8"?>
-<p:notes xmlns:a="http://schemas.openxmlformats.org/drawingml/2006/main" xmlns:r="http://schemas.openxmlformats.org/officeDocument/2006/relationships" xmlns:p="http://schemas.openxmlformats.org/presentationml/2006/main">
-  <p:cSld>
-    <p:spTree>
-      <p:nvGrpSpPr>
-        <p:cNvPr id="1" name=""/>
-        <p:cNvGrpSpPr/>
-        <p:nvPr/>
-      </p:nvGrpSpPr>
-      <p:grpSpPr>
-        <a:xfrm>
-          <a:off x="0" y="0"/>
-          <a:ext cx="0" cy="0"/>
-          <a:chOff x="0" y="0"/>
-          <a:chExt cx="0" cy="0"/>
-        </a:xfrm>
-      </p:grpSpPr>
-      <p:sp>
-        <p:nvSpPr>
-          <p:cNvPr id="2" name="Slide Image Placeholder 1"/>
-          <p:cNvSpPr>
-            <a:spLocks noGrp="1" noRot="1" noChangeAspect="1"/>
-          </p:cNvSpPr>
-          <p:nvPr>
-            <p:ph type="sldImg"/>
-          </p:nvPr>
-        </p:nvSpPr>
-        <p:spPr/>
-      </p:sp>
-      <p:sp>
-        <p:nvSpPr>
-          <p:cNvPr id="3" name="Notes Placeholder 2"/>
-          <p:cNvSpPr>
-            <a:spLocks noGrp="1"/>
-          </p:cNvSpPr>
-          <p:nvPr>
-            <p:ph type="body" idx="1"/>
-          </p:nvPr>
-        </p:nvSpPr>
-        <p:spPr/>
-        <p:txBody>
-          <a:bodyPr/>
-          <a:lstStyle/>
-          <a:p>
-            <a:r>
-              <a:rPr lang="nl-BE" dirty="0" smtClean="0"/>
-              <a:t>Bedankt</a:t>
-            </a:r>
-            <a:r>
-              <a:rPr lang="nl-BE" baseline="0" dirty="0" smtClean="0"/>
-              <a:t> voor </a:t>
-            </a:r>
-            <a:r>
-              <a:rPr lang="nl-BE" baseline="0" smtClean="0"/>
-              <a:t>u aandacht?</a:t>
-            </a:r>
-            <a:endParaRPr lang="en-US"/>
-          </a:p>
-        </p:txBody>
-      </p:sp>
-      <p:sp>
-        <p:nvSpPr>
-          <p:cNvPr id="4" name="Slide Number Placeholder 3"/>
-          <p:cNvSpPr>
-            <a:spLocks noGrp="1"/>
-          </p:cNvSpPr>
-          <p:nvPr>
-            <p:ph type="sldNum" sz="quarter" idx="10"/>
-          </p:nvPr>
-        </p:nvSpPr>
-        <p:spPr/>
-        <p:txBody>
-          <a:bodyPr/>
-          <a:lstStyle/>
-          <a:p>
-            <a:fld id="{4E765FFB-E928-41F7-9C48-EAAB8C6B32DB}" type="slidenum">
-              <a:rPr lang="en-US" smtClean="0"/>
-              <a:t>24</a:t>
-            </a:fld>
-            <a:endParaRPr lang="en-US"/>
-          </a:p>
-        </p:txBody>
-      </p:sp>
-    </p:spTree>
-    <p:extLst>
-      <p:ext uri="{BB962C8B-B14F-4D97-AF65-F5344CB8AC3E}">
-        <p14:creationId xmlns:p14="http://schemas.microsoft.com/office/powerpoint/2010/main" val="2419712584"/>
-      </p:ext>
-    </p:extLst>
-  </p:cSld>
-  <p:clrMapOvr>
-    <a:masterClrMapping/>
-  </p:clrMapOvr>
-</p:notes>
-</file>
-
-<file path=ppt/notesSlides/notesSlide2.xml><?xml version="1.0" encoding="utf-8"?>
-<p:notes xmlns:a="http://schemas.openxmlformats.org/drawingml/2006/main" xmlns:r="http://schemas.openxmlformats.org/officeDocument/2006/relationships" xmlns:p="http://schemas.openxmlformats.org/presentationml/2006/main">
-  <p:cSld>
-    <p:spTree>
-      <p:nvGrpSpPr>
-        <p:cNvPr id="1" name=""/>
-        <p:cNvGrpSpPr/>
-        <p:nvPr/>
-      </p:nvGrpSpPr>
-      <p:grpSpPr>
-        <a:xfrm>
-          <a:off x="0" y="0"/>
-          <a:ext cx="0" cy="0"/>
-          <a:chOff x="0" y="0"/>
-          <a:chExt cx="0" cy="0"/>
-        </a:xfrm>
-      </p:grpSpPr>
-      <p:sp>
-        <p:nvSpPr>
-          <p:cNvPr id="2" name="Slide Image Placeholder 1"/>
-          <p:cNvSpPr>
-            <a:spLocks noGrp="1" noRot="1" noChangeAspect="1"/>
-          </p:cNvSpPr>
-          <p:nvPr>
-            <p:ph type="sldImg"/>
-          </p:nvPr>
-        </p:nvSpPr>
-        <p:spPr/>
-      </p:sp>
-      <p:sp>
-        <p:nvSpPr>
-          <p:cNvPr id="3" name="Notes Placeholder 2"/>
-          <p:cNvSpPr>
-            <a:spLocks noGrp="1"/>
-          </p:cNvSpPr>
-          <p:nvPr>
-            <p:ph type="body" idx="1"/>
-          </p:nvPr>
-        </p:nvSpPr>
-        <p:spPr/>
-        <p:txBody>
-          <a:bodyPr/>
-          <a:lstStyle/>
-          <a:p>
-            <a:pPr eaLnBrk="1" hangingPunct="1">
-              <a:defRPr/>
-            </a:pPr>
-            <a:r>
-              <a:rPr lang="en-US" dirty="0" smtClean="0">
-                <a:latin typeface="Helvetica" charset="0"/>
-                <a:ea typeface="ＭＳ Ｐゴシック" charset="0"/>
-                <a:cs typeface="Helvetica" charset="0"/>
-                <a:sym typeface="Helvetica" charset="0"/>
-              </a:rPr>
-              <a:t>make the focus statement visually, e.g., by adding a frame around the corresponding text, or an arrow pointing to it</a:t>
-            </a:r>
-          </a:p>
-          <a:p>
-            <a:pPr eaLnBrk="1" hangingPunct="1">
-              <a:defRPr/>
-            </a:pPr>
-            <a:endParaRPr lang="en-US" dirty="0" smtClean="0">
-              <a:latin typeface="Helvetica" charset="0"/>
-              <a:ea typeface="ＭＳ Ｐゴシック" charset="0"/>
-              <a:cs typeface="Helvetica" charset="0"/>
-              <a:sym typeface="Helvetica" charset="0"/>
-            </a:endParaRPr>
-          </a:p>
-          <a:p>
-            <a:pPr eaLnBrk="1" hangingPunct="1">
-              <a:defRPr/>
-            </a:pPr>
-            <a:r>
-              <a:rPr lang="en-US" dirty="0" smtClean="0">
-                <a:latin typeface="Helvetica" charset="0"/>
-                <a:ea typeface="ＭＳ Ｐゴシック" charset="0"/>
-                <a:cs typeface="Helvetica" charset="0"/>
-                <a:sym typeface="Helvetica" charset="0"/>
-              </a:rPr>
-              <a:t>what are you comparing? not clear from this slide -&gt; e.g., make the title more specific </a:t>
-            </a:r>
-          </a:p>
-          <a:p>
-            <a:pPr eaLnBrk="1" hangingPunct="1">
-              <a:defRPr/>
-            </a:pPr>
-            <a:endParaRPr lang="en-US" dirty="0" smtClean="0">
-              <a:latin typeface="Helvetica" charset="0"/>
-              <a:ea typeface="ＭＳ Ｐゴシック" charset="0"/>
-              <a:cs typeface="Helvetica" charset="0"/>
-              <a:sym typeface="Helvetica" charset="0"/>
-            </a:endParaRPr>
-          </a:p>
-          <a:p>
-            <a:pPr eaLnBrk="1" hangingPunct="1">
-              <a:defRPr/>
-            </a:pPr>
-            <a:r>
-              <a:rPr lang="en-US" dirty="0" smtClean="0">
-                <a:latin typeface="Helvetica" charset="0"/>
-                <a:ea typeface="ＭＳ Ｐゴシック" charset="0"/>
-                <a:cs typeface="Helvetica" charset="0"/>
-                <a:sym typeface="Helvetica" charset="0"/>
-              </a:rPr>
-              <a:t>mention an example for each type</a:t>
-            </a:r>
-          </a:p>
-          <a:p>
-            <a:endParaRPr lang="en-US" dirty="0"/>
-          </a:p>
-        </p:txBody>
-      </p:sp>
-      <p:sp>
-        <p:nvSpPr>
-          <p:cNvPr id="4" name="Slide Number Placeholder 3"/>
-          <p:cNvSpPr>
-            <a:spLocks noGrp="1"/>
-          </p:cNvSpPr>
-          <p:nvPr>
-            <p:ph type="sldNum" sz="quarter" idx="10"/>
-          </p:nvPr>
-        </p:nvSpPr>
-        <p:spPr/>
-        <p:txBody>
-          <a:bodyPr/>
-          <a:lstStyle/>
-          <a:p>
-            <a:fld id="{4E765FFB-E928-41F7-9C48-EAAB8C6B32DB}" type="slidenum">
-              <a:rPr lang="en-US" smtClean="0"/>
-              <a:t>7</a:t>
-            </a:fld>
-            <a:endParaRPr lang="en-US"/>
-          </a:p>
-        </p:txBody>
-      </p:sp>
-    </p:spTree>
-    <p:extLst>
-      <p:ext uri="{BB962C8B-B14F-4D97-AF65-F5344CB8AC3E}">
-        <p14:creationId xmlns:p14="http://schemas.microsoft.com/office/powerpoint/2010/main" val="657431453"/>
-      </p:ext>
-    </p:extLst>
-  </p:cSld>
-  <p:clrMapOvr>
-    <a:masterClrMapping/>
-  </p:clrMapOvr>
-</p:notes>
-</file>
-
-<file path=ppt/notesSlides/notesSlide3.xml><?xml version="1.0" encoding="utf-8"?>
-<p:notes xmlns:a="http://schemas.openxmlformats.org/drawingml/2006/main" xmlns:r="http://schemas.openxmlformats.org/officeDocument/2006/relationships" xmlns:p="http://schemas.openxmlformats.org/presentationml/2006/main">
-  <p:cSld>
-    <p:spTree>
-      <p:nvGrpSpPr>
-        <p:cNvPr id="1" name=""/>
-        <p:cNvGrpSpPr/>
-        <p:nvPr/>
-      </p:nvGrpSpPr>
-      <p:grpSpPr>
-        <a:xfrm>
-          <a:off x="0" y="0"/>
-          <a:ext cx="0" cy="0"/>
-          <a:chOff x="0" y="0"/>
-          <a:chExt cx="0" cy="0"/>
-        </a:xfrm>
-      </p:grpSpPr>
-      <p:sp>
-        <p:nvSpPr>
-          <p:cNvPr id="2" name="Slide Image Placeholder 1"/>
-          <p:cNvSpPr>
-            <a:spLocks noGrp="1" noRot="1" noChangeAspect="1"/>
-          </p:cNvSpPr>
-          <p:nvPr>
-            <p:ph type="sldImg"/>
-          </p:nvPr>
-        </p:nvSpPr>
-        <p:spPr/>
-      </p:sp>
-      <p:sp>
-        <p:nvSpPr>
-          <p:cNvPr id="3" name="Notes Placeholder 2"/>
-          <p:cNvSpPr>
-            <a:spLocks noGrp="1"/>
-          </p:cNvSpPr>
-          <p:nvPr>
-            <p:ph type="body" idx="1"/>
-          </p:nvPr>
-        </p:nvSpPr>
-        <p:spPr/>
-        <p:txBody>
-          <a:bodyPr/>
-          <a:lstStyle/>
-          <a:p>
-            <a:r>
-              <a:rPr lang="nl-BE" dirty="0" smtClean="0"/>
-              <a:t>Bron</a:t>
-            </a:r>
-            <a:endParaRPr lang="en-US" dirty="0"/>
-          </a:p>
-        </p:txBody>
-      </p:sp>
-      <p:sp>
-        <p:nvSpPr>
-          <p:cNvPr id="4" name="Slide Number Placeholder 3"/>
-          <p:cNvSpPr>
-            <a:spLocks noGrp="1"/>
-          </p:cNvSpPr>
-          <p:nvPr>
-            <p:ph type="sldNum" sz="quarter" idx="10"/>
-          </p:nvPr>
-        </p:nvSpPr>
-        <p:spPr/>
-        <p:txBody>
-          <a:bodyPr/>
-          <a:lstStyle/>
-          <a:p>
-            <a:fld id="{4E765FFB-E928-41F7-9C48-EAAB8C6B32DB}" type="slidenum">
-              <a:rPr lang="en-US" smtClean="0"/>
-              <a:t>13</a:t>
-            </a:fld>
-            <a:endParaRPr lang="en-US"/>
-          </a:p>
-        </p:txBody>
-      </p:sp>
-    </p:spTree>
-    <p:extLst>
-      <p:ext uri="{BB962C8B-B14F-4D97-AF65-F5344CB8AC3E}">
-        <p14:creationId xmlns:p14="http://schemas.microsoft.com/office/powerpoint/2010/main" val="3524843601"/>
-      </p:ext>
-    </p:extLst>
-  </p:cSld>
-  <p:clrMapOvr>
-    <a:masterClrMapping/>
-  </p:clrMapOvr>
-</p:notes>
-</file>
-
 <file path=ppt/notesSlides/notesSlide4.xml><?xml version="1.0" encoding="utf-8"?>
 <p:notes xmlns:a="http://schemas.openxmlformats.org/drawingml/2006/main" xmlns:r="http://schemas.openxmlformats.org/officeDocument/2006/relationships" xmlns:p="http://schemas.openxmlformats.org/presentationml/2006/main">
   <p:cSld>
@@ -1144,21 +1598,7 @@
           <a:bodyPr/>
           <a:lstStyle/>
           <a:p>
-            <a:pPr marL="0" marR="0" indent="0" algn="l" defTabSz="914400" rtl="0" eaLnBrk="1" fontAlgn="auto" latinLnBrk="0" hangingPunct="1">
-              <a:lnSpc>
-                <a:spcPct val="100000"/>
-              </a:lnSpc>
-              <a:spcBef>
-                <a:spcPts val="0"/>
-              </a:spcBef>
-              <a:spcAft>
-                <a:spcPts val="0"/>
-              </a:spcAft>
-              <a:buClrTx/>
-              <a:buSzTx/>
-              <a:buFontTx/>
-              <a:buNone/>
-              <a:tabLst/>
+            <a:pPr eaLnBrk="1" hangingPunct="1">
               <a:defRPr/>
             </a:pPr>
             <a:r>
@@ -1168,8 +1608,27 @@
                 <a:cs typeface="Helvetica" charset="0"/>
                 <a:sym typeface="Helvetica" charset="0"/>
               </a:rPr>
-              <a:t>this slide and the following two will very much depend on what you are saying; from the text alone, I have no idea what the point you want to make here is</a:t>
-            </a:r>
+              <a:t>mention </a:t>
+            </a:r>
+            <a:r>
+              <a:rPr lang="en-US" dirty="0" smtClean="0">
+                <a:latin typeface="Helvetica" charset="0"/>
+                <a:ea typeface="ＭＳ Ｐゴシック" charset="0"/>
+                <a:cs typeface="Helvetica" charset="0"/>
+                <a:sym typeface="Helvetica" charset="0"/>
+              </a:rPr>
+              <a:t>an example for each </a:t>
+            </a:r>
+            <a:r>
+              <a:rPr lang="en-US" dirty="0" smtClean="0">
+                <a:latin typeface="Helvetica" charset="0"/>
+                <a:ea typeface="ＭＳ Ｐゴシック" charset="0"/>
+                <a:cs typeface="Helvetica" charset="0"/>
+                <a:sym typeface="Helvetica" charset="0"/>
+              </a:rPr>
+              <a:t>type</a:t>
+            </a:r>
+            <a:endParaRPr lang="en-US" dirty="0"/>
           </a:p>
         </p:txBody>
       </p:sp>
@@ -1190,7 +1649,7 @@
           <a:p>
             <a:fld id="{4E765FFB-E928-41F7-9C48-EAAB8C6B32DB}" type="slidenum">
               <a:rPr lang="en-US" smtClean="0"/>
-              <a:t>14</a:t>
+              <a:t>7</a:t>
             </a:fld>
             <a:endParaRPr lang="en-US"/>
           </a:p>
@@ -1199,7 +1658,7 @@
     </p:spTree>
     <p:extLst>
       <p:ext uri="{BB962C8B-B14F-4D97-AF65-F5344CB8AC3E}">
-        <p14:creationId xmlns:p14="http://schemas.microsoft.com/office/powerpoint/2010/main" val="161280319"/>
+        <p14:creationId xmlns:p14="http://schemas.microsoft.com/office/powerpoint/2010/main" val="657431453"/>
       </p:ext>
     </p:extLst>
   </p:cSld>
@@ -1253,6 +1712,10 @@
           <a:bodyPr/>
           <a:lstStyle/>
           <a:p>
+            <a:r>
+              <a:rPr lang="nl-BE" dirty="0" smtClean="0"/>
+              <a:t>Veel tekst?</a:t>
+            </a:r>
             <a:endParaRPr lang="en-US" dirty="0"/>
           </a:p>
         </p:txBody>
@@ -1274,7 +1737,7 @@
           <a:p>
             <a:fld id="{4E765FFB-E928-41F7-9C48-EAAB8C6B32DB}" type="slidenum">
               <a:rPr lang="en-US" smtClean="0"/>
-              <a:t>15</a:t>
+              <a:t>8</a:t>
             </a:fld>
             <a:endParaRPr lang="en-US"/>
           </a:p>
@@ -1283,7 +1746,7 @@
     </p:spTree>
     <p:extLst>
       <p:ext uri="{BB962C8B-B14F-4D97-AF65-F5344CB8AC3E}">
-        <p14:creationId xmlns:p14="http://schemas.microsoft.com/office/powerpoint/2010/main" val="2519410006"/>
+        <p14:creationId xmlns:p14="http://schemas.microsoft.com/office/powerpoint/2010/main" val="3069853286"/>
       </p:ext>
     </p:extLst>
   </p:cSld>
@@ -1362,7 +1825,7 @@
           <a:p>
             <a:fld id="{4E765FFB-E928-41F7-9C48-EAAB8C6B32DB}" type="slidenum">
               <a:rPr lang="en-US" smtClean="0"/>
-              <a:t>16</a:t>
+              <a:t>13</a:t>
             </a:fld>
             <a:endParaRPr lang="en-US"/>
           </a:p>
@@ -1371,7 +1834,7 @@
     </p:spTree>
     <p:extLst>
       <p:ext uri="{BB962C8B-B14F-4D97-AF65-F5344CB8AC3E}">
-        <p14:creationId xmlns:p14="http://schemas.microsoft.com/office/powerpoint/2010/main" val="329373397"/>
+        <p14:creationId xmlns:p14="http://schemas.microsoft.com/office/powerpoint/2010/main" val="3524843601"/>
       </p:ext>
     </p:extLst>
   </p:cSld>
@@ -1443,76 +1906,13 @@
               <a:defRPr/>
             </a:pPr>
             <a:r>
-              <a:rPr lang="en-US" dirty="0" err="1" smtClean="0">
-                <a:latin typeface="Arial" charset="0"/>
+              <a:rPr lang="en-US" dirty="0" smtClean="0">
+                <a:latin typeface="Helvetica" charset="0"/>
                 <a:ea typeface="ＭＳ Ｐゴシック" charset="0"/>
-                <a:cs typeface="Arial" charset="0"/>
-                <a:sym typeface="Arial" charset="0"/>
+                <a:cs typeface="Helvetica" charset="0"/>
+                <a:sym typeface="Helvetica" charset="0"/>
               </a:rPr>
-              <a:t>Applicaties</a:t>
-            </a:r>
-            <a:r>
-              <a:rPr lang="en-US" dirty="0" smtClean="0">
-                <a:latin typeface="Arial" charset="0"/>
-                <a:ea typeface="ＭＳ Ｐゴシック" charset="0"/>
-                <a:cs typeface="Arial" charset="0"/>
-                <a:sym typeface="Arial" charset="0"/>
-              </a:rPr>
-              <a:t> </a:t>
-            </a:r>
-            <a:r>
-              <a:rPr lang="en-US" dirty="0" err="1" smtClean="0">
-                <a:latin typeface="Arial" charset="0"/>
-                <a:ea typeface="ＭＳ Ｐゴシック" charset="0"/>
-                <a:cs typeface="Arial" charset="0"/>
-                <a:sym typeface="Arial" charset="0"/>
-              </a:rPr>
-              <a:t>toelichten</a:t>
-            </a:r>
-            <a:r>
-              <a:rPr lang="en-US" dirty="0" smtClean="0">
-                <a:latin typeface="Arial" charset="0"/>
-                <a:ea typeface="ＭＳ Ｐゴシック" charset="0"/>
-                <a:cs typeface="Arial" charset="0"/>
-                <a:sym typeface="Arial" charset="0"/>
-              </a:rPr>
-              <a:t> </a:t>
-            </a:r>
-            <a:r>
-              <a:rPr lang="en-US" dirty="0" err="1" smtClean="0">
-                <a:latin typeface="Arial" charset="0"/>
-                <a:ea typeface="ＭＳ Ｐゴシック" charset="0"/>
-                <a:cs typeface="Arial" charset="0"/>
-                <a:sym typeface="Arial" charset="0"/>
-              </a:rPr>
-              <a:t>tijdens</a:t>
-            </a:r>
-            <a:r>
-              <a:rPr lang="en-US" dirty="0" smtClean="0">
-                <a:latin typeface="Arial" charset="0"/>
-                <a:ea typeface="ＭＳ Ｐゴシック" charset="0"/>
-                <a:cs typeface="Arial" charset="0"/>
-                <a:sym typeface="Arial" charset="0"/>
-              </a:rPr>
-              <a:t> </a:t>
-            </a:r>
-            <a:r>
-              <a:rPr lang="en-US" dirty="0" err="1" smtClean="0">
-                <a:latin typeface="Arial" charset="0"/>
-                <a:ea typeface="ＭＳ Ｐゴシック" charset="0"/>
-                <a:cs typeface="Arial" charset="0"/>
-                <a:sym typeface="Arial" charset="0"/>
-              </a:rPr>
-              <a:t>presentatie</a:t>
-            </a:r>
-            <a:r>
-              <a:rPr lang="en-US" dirty="0" smtClean="0">
-                <a:latin typeface="Arial" charset="0"/>
-                <a:ea typeface="ＭＳ Ｐゴシック" charset="0"/>
-                <a:cs typeface="Arial" charset="0"/>
-                <a:sym typeface="Arial" charset="0"/>
-              </a:rPr>
-              <a:t>!</a:t>
+              <a:t>this slide and the following two will very much depend on what you are saying; from the text alone, I have no idea what the point you want to make here is</a:t>
             </a:r>
           </a:p>
         </p:txBody>
@@ -1534,7 +1934,7 @@
           <a:p>
             <a:fld id="{4E765FFB-E928-41F7-9C48-EAAB8C6B32DB}" type="slidenum">
               <a:rPr lang="en-US" smtClean="0"/>
-              <a:t>19</a:t>
+              <a:t>14</a:t>
             </a:fld>
             <a:endParaRPr lang="en-US"/>
           </a:p>
@@ -1543,7 +1943,7 @@
     </p:spTree>
     <p:extLst>
       <p:ext uri="{BB962C8B-B14F-4D97-AF65-F5344CB8AC3E}">
-        <p14:creationId xmlns:p14="http://schemas.microsoft.com/office/powerpoint/2010/main" val="3878043876"/>
+        <p14:creationId xmlns:p14="http://schemas.microsoft.com/office/powerpoint/2010/main" val="161280319"/>
       </p:ext>
     </p:extLst>
   </p:cSld>
@@ -1599,7 +1999,7 @@
           <a:p>
             <a:r>
               <a:rPr lang="nl-BE" dirty="0" smtClean="0"/>
-              <a:t>Valt definitie te vervangen?</a:t>
+              <a:t>Bron</a:t>
             </a:r>
             <a:endParaRPr lang="en-US" dirty="0"/>
           </a:p>
@@ -1622,7 +2022,7 @@
           <a:p>
             <a:fld id="{4E765FFB-E928-41F7-9C48-EAAB8C6B32DB}" type="slidenum">
               <a:rPr lang="en-US" smtClean="0"/>
-              <a:t>20</a:t>
+              <a:t>15</a:t>
             </a:fld>
             <a:endParaRPr lang="en-US"/>
           </a:p>
@@ -1631,7 +2031,7 @@
     </p:spTree>
     <p:extLst>
       <p:ext uri="{BB962C8B-B14F-4D97-AF65-F5344CB8AC3E}">
-        <p14:creationId xmlns:p14="http://schemas.microsoft.com/office/powerpoint/2010/main" val="399981581"/>
+        <p14:creationId xmlns:p14="http://schemas.microsoft.com/office/powerpoint/2010/main" val="2519410006"/>
       </p:ext>
     </p:extLst>
   </p:cSld>
@@ -1685,34 +2085,10 @@
           <a:bodyPr/>
           <a:lstStyle/>
           <a:p>
-            <a:pPr marL="0" marR="0" indent="0" algn="l" defTabSz="914400" rtl="0" eaLnBrk="1" fontAlgn="auto" latinLnBrk="0" hangingPunct="1">
-              <a:lnSpc>
-                <a:spcPct val="100000"/>
-              </a:lnSpc>
-              <a:spcBef>
-                <a:spcPts val="0"/>
-              </a:spcBef>
-              <a:spcAft>
-                <a:spcPts val="0"/>
-              </a:spcAft>
-              <a:buClrTx/>
-              <a:buSzTx/>
-              <a:buFontTx/>
-              <a:buNone/>
-              <a:tabLst/>
-              <a:defRPr/>
-            </a:pPr>
-            <a:r>
-              <a:rPr lang="en-US" dirty="0" smtClean="0">
-                <a:latin typeface="Helvetica" charset="0"/>
-                <a:ea typeface="ＭＳ Ｐゴシック" charset="0"/>
-                <a:cs typeface="Helvetica" charset="0"/>
-                <a:sym typeface="Helvetica" charset="0"/>
-              </a:rPr>
-              <a:t>link back to the type of bias this specifies </a:t>
-            </a:r>
-          </a:p>
-          <a:p>
+            <a:r>
+              <a:rPr lang="nl-BE" dirty="0" smtClean="0"/>
+              <a:t>Bron</a:t>
+            </a:r>
             <a:endParaRPr lang="en-US" dirty="0"/>
           </a:p>
         </p:txBody>
@@ -1734,7 +2110,7 @@
           <a:p>
             <a:fld id="{4E765FFB-E928-41F7-9C48-EAAB8C6B32DB}" type="slidenum">
               <a:rPr lang="en-US" smtClean="0"/>
-              <a:t>21</a:t>
+              <a:t>16</a:t>
             </a:fld>
             <a:endParaRPr lang="en-US"/>
           </a:p>
@@ -1743,7 +2119,7 @@
     </p:spTree>
     <p:extLst>
       <p:ext uri="{BB962C8B-B14F-4D97-AF65-F5344CB8AC3E}">
-        <p14:creationId xmlns:p14="http://schemas.microsoft.com/office/powerpoint/2010/main" val="232502043"/>
+        <p14:creationId xmlns:p14="http://schemas.microsoft.com/office/powerpoint/2010/main" val="329373397"/>
       </p:ext>
     </p:extLst>
   </p:cSld>
@@ -5668,15 +6044,7 @@
             </a:pPr>
             <a:r>
               <a:rPr lang="nl-BE" sz="3600" dirty="0"/>
-              <a:t> Controleren</a:t>
-            </a:r>
-            <a:r>
-              <a:rPr lang="nl-BE" sz="3600" dirty="0"/>
-              <a:t> </a:t>
-            </a:r>
-            <a:r>
-              <a:rPr lang="nl-BE" sz="3600" dirty="0"/>
-              <a:t>correctheid oplossing</a:t>
+              <a:t> Controleren correctheid oplossing</a:t>
             </a:r>
           </a:p>
           <a:p>
@@ -5689,11 +6057,7 @@
             </a:pPr>
             <a:r>
               <a:rPr lang="nl-BE" sz="2800" dirty="0"/>
-              <a:t>Waarom</a:t>
-            </a:r>
-            <a:r>
-              <a:rPr lang="nl-BE" sz="2800" dirty="0"/>
-              <a:t> incorrect</a:t>
+              <a:t>Waarom incorrect</a:t>
             </a:r>
           </a:p>
           <a:p>
@@ -5790,9 +6154,355 @@
   <p:timing>
     <p:tnLst>
       <p:par>
-        <p:cTn id="1" dur="indefinite" restart="never" nodeType="tmRoot"/>
+        <p:cTn id="1" dur="indefinite" restart="never" nodeType="tmRoot">
+          <p:childTnLst>
+            <p:seq concurrent="1" nextAc="seek">
+              <p:cTn id="2" dur="indefinite" nodeType="mainSeq">
+                <p:childTnLst>
+                  <p:par>
+                    <p:cTn id="3" fill="hold">
+                      <p:stCondLst>
+                        <p:cond delay="indefinite"/>
+                      </p:stCondLst>
+                      <p:childTnLst>
+                        <p:par>
+                          <p:cTn id="4" fill="hold">
+                            <p:stCondLst>
+                              <p:cond delay="0"/>
+                            </p:stCondLst>
+                            <p:childTnLst>
+                              <p:par>
+                                <p:cTn id="5" presetID="1" presetClass="entr" presetSubtype="0" fill="hold" grpId="0" nodeType="clickEffect">
+                                  <p:stCondLst>
+                                    <p:cond delay="0"/>
+                                  </p:stCondLst>
+                                  <p:childTnLst>
+                                    <p:set>
+                                      <p:cBhvr>
+                                        <p:cTn id="6" dur="1" fill="hold">
+                                          <p:stCondLst>
+                                            <p:cond delay="0"/>
+                                          </p:stCondLst>
+                                        </p:cTn>
+                                        <p:tgtEl>
+                                          <p:spTgt spid="3">
+                                            <p:txEl>
+                                              <p:pRg st="0" end="0"/>
+                                            </p:txEl>
+                                          </p:spTgt>
+                                        </p:tgtEl>
+                                        <p:attrNameLst>
+                                          <p:attrName>style.visibility</p:attrName>
+                                        </p:attrNameLst>
+                                      </p:cBhvr>
+                                      <p:to>
+                                        <p:strVal val="visible"/>
+                                      </p:to>
+                                    </p:set>
+                                  </p:childTnLst>
+                                </p:cTn>
+                              </p:par>
+                              <p:par>
+                                <p:cTn id="7" presetID="1" presetClass="entr" presetSubtype="0" fill="hold" grpId="0" nodeType="withEffect">
+                                  <p:stCondLst>
+                                    <p:cond delay="0"/>
+                                  </p:stCondLst>
+                                  <p:childTnLst>
+                                    <p:set>
+                                      <p:cBhvr>
+                                        <p:cTn id="8" dur="1" fill="hold">
+                                          <p:stCondLst>
+                                            <p:cond delay="0"/>
+                                          </p:stCondLst>
+                                        </p:cTn>
+                                        <p:tgtEl>
+                                          <p:spTgt spid="3">
+                                            <p:txEl>
+                                              <p:pRg st="1" end="1"/>
+                                            </p:txEl>
+                                          </p:spTgt>
+                                        </p:tgtEl>
+                                        <p:attrNameLst>
+                                          <p:attrName>style.visibility</p:attrName>
+                                        </p:attrNameLst>
+                                      </p:cBhvr>
+                                      <p:to>
+                                        <p:strVal val="visible"/>
+                                      </p:to>
+                                    </p:set>
+                                  </p:childTnLst>
+                                </p:cTn>
+                              </p:par>
+                              <p:par>
+                                <p:cTn id="9" presetID="1" presetClass="entr" presetSubtype="0" fill="hold" grpId="0" nodeType="withEffect">
+                                  <p:stCondLst>
+                                    <p:cond delay="0"/>
+                                  </p:stCondLst>
+                                  <p:childTnLst>
+                                    <p:set>
+                                      <p:cBhvr>
+                                        <p:cTn id="10" dur="1" fill="hold">
+                                          <p:stCondLst>
+                                            <p:cond delay="0"/>
+                                          </p:stCondLst>
+                                        </p:cTn>
+                                        <p:tgtEl>
+                                          <p:spTgt spid="3">
+                                            <p:txEl>
+                                              <p:pRg st="2" end="2"/>
+                                            </p:txEl>
+                                          </p:spTgt>
+                                        </p:tgtEl>
+                                        <p:attrNameLst>
+                                          <p:attrName>style.visibility</p:attrName>
+                                        </p:attrNameLst>
+                                      </p:cBhvr>
+                                      <p:to>
+                                        <p:strVal val="visible"/>
+                                      </p:to>
+                                    </p:set>
+                                  </p:childTnLst>
+                                </p:cTn>
+                              </p:par>
+                            </p:childTnLst>
+                          </p:cTn>
+                        </p:par>
+                      </p:childTnLst>
+                    </p:cTn>
+                  </p:par>
+                  <p:par>
+                    <p:cTn id="11" fill="hold">
+                      <p:stCondLst>
+                        <p:cond delay="indefinite"/>
+                      </p:stCondLst>
+                      <p:childTnLst>
+                        <p:par>
+                          <p:cTn id="12" fill="hold">
+                            <p:stCondLst>
+                              <p:cond delay="0"/>
+                            </p:stCondLst>
+                            <p:childTnLst>
+                              <p:par>
+                                <p:cTn id="13" presetID="1" presetClass="entr" presetSubtype="0" fill="hold" grpId="0" nodeType="clickEffect">
+                                  <p:stCondLst>
+                                    <p:cond delay="0"/>
+                                  </p:stCondLst>
+                                  <p:childTnLst>
+                                    <p:set>
+                                      <p:cBhvr>
+                                        <p:cTn id="14" dur="1" fill="hold">
+                                          <p:stCondLst>
+                                            <p:cond delay="0"/>
+                                          </p:stCondLst>
+                                        </p:cTn>
+                                        <p:tgtEl>
+                                          <p:spTgt spid="3">
+                                            <p:txEl>
+                                              <p:pRg st="3" end="3"/>
+                                            </p:txEl>
+                                          </p:spTgt>
+                                        </p:tgtEl>
+                                        <p:attrNameLst>
+                                          <p:attrName>style.visibility</p:attrName>
+                                        </p:attrNameLst>
+                                      </p:cBhvr>
+                                      <p:to>
+                                        <p:strVal val="visible"/>
+                                      </p:to>
+                                    </p:set>
+                                  </p:childTnLst>
+                                </p:cTn>
+                              </p:par>
+                            </p:childTnLst>
+                          </p:cTn>
+                        </p:par>
+                      </p:childTnLst>
+                    </p:cTn>
+                  </p:par>
+                  <p:par>
+                    <p:cTn id="15" fill="hold">
+                      <p:stCondLst>
+                        <p:cond delay="indefinite"/>
+                      </p:stCondLst>
+                      <p:childTnLst>
+                        <p:par>
+                          <p:cTn id="16" fill="hold">
+                            <p:stCondLst>
+                              <p:cond delay="0"/>
+                            </p:stCondLst>
+                            <p:childTnLst>
+                              <p:par>
+                                <p:cTn id="17" presetID="1" presetClass="entr" presetSubtype="0" fill="hold" grpId="0" nodeType="clickEffect">
+                                  <p:stCondLst>
+                                    <p:cond delay="0"/>
+                                  </p:stCondLst>
+                                  <p:childTnLst>
+                                    <p:set>
+                                      <p:cBhvr>
+                                        <p:cTn id="18" dur="1" fill="hold">
+                                          <p:stCondLst>
+                                            <p:cond delay="0"/>
+                                          </p:stCondLst>
+                                        </p:cTn>
+                                        <p:tgtEl>
+                                          <p:spTgt spid="3">
+                                            <p:txEl>
+                                              <p:pRg st="4" end="4"/>
+                                            </p:txEl>
+                                          </p:spTgt>
+                                        </p:tgtEl>
+                                        <p:attrNameLst>
+                                          <p:attrName>style.visibility</p:attrName>
+                                        </p:attrNameLst>
+                                      </p:cBhvr>
+                                      <p:to>
+                                        <p:strVal val="visible"/>
+                                      </p:to>
+                                    </p:set>
+                                  </p:childTnLst>
+                                </p:cTn>
+                              </p:par>
+                            </p:childTnLst>
+                          </p:cTn>
+                        </p:par>
+                      </p:childTnLst>
+                    </p:cTn>
+                  </p:par>
+                  <p:par>
+                    <p:cTn id="19" fill="hold">
+                      <p:stCondLst>
+                        <p:cond delay="indefinite"/>
+                      </p:stCondLst>
+                      <p:childTnLst>
+                        <p:par>
+                          <p:cTn id="20" fill="hold">
+                            <p:stCondLst>
+                              <p:cond delay="0"/>
+                            </p:stCondLst>
+                            <p:childTnLst>
+                              <p:par>
+                                <p:cTn id="21" presetID="1" presetClass="entr" presetSubtype="0" fill="hold" grpId="0" nodeType="clickEffect">
+                                  <p:stCondLst>
+                                    <p:cond delay="0"/>
+                                  </p:stCondLst>
+                                  <p:childTnLst>
+                                    <p:set>
+                                      <p:cBhvr>
+                                        <p:cTn id="22" dur="1" fill="hold">
+                                          <p:stCondLst>
+                                            <p:cond delay="0"/>
+                                          </p:stCondLst>
+                                        </p:cTn>
+                                        <p:tgtEl>
+                                          <p:spTgt spid="3">
+                                            <p:txEl>
+                                              <p:pRg st="5" end="5"/>
+                                            </p:txEl>
+                                          </p:spTgt>
+                                        </p:tgtEl>
+                                        <p:attrNameLst>
+                                          <p:attrName>style.visibility</p:attrName>
+                                        </p:attrNameLst>
+                                      </p:cBhvr>
+                                      <p:to>
+                                        <p:strVal val="visible"/>
+                                      </p:to>
+                                    </p:set>
+                                  </p:childTnLst>
+                                </p:cTn>
+                              </p:par>
+                              <p:par>
+                                <p:cTn id="23" presetID="1" presetClass="entr" presetSubtype="0" fill="hold" grpId="0" nodeType="withEffect">
+                                  <p:stCondLst>
+                                    <p:cond delay="0"/>
+                                  </p:stCondLst>
+                                  <p:childTnLst>
+                                    <p:set>
+                                      <p:cBhvr>
+                                        <p:cTn id="24" dur="1" fill="hold">
+                                          <p:stCondLst>
+                                            <p:cond delay="0"/>
+                                          </p:stCondLst>
+                                        </p:cTn>
+                                        <p:tgtEl>
+                                          <p:spTgt spid="3">
+                                            <p:txEl>
+                                              <p:pRg st="6" end="6"/>
+                                            </p:txEl>
+                                          </p:spTgt>
+                                        </p:tgtEl>
+                                        <p:attrNameLst>
+                                          <p:attrName>style.visibility</p:attrName>
+                                        </p:attrNameLst>
+                                      </p:cBhvr>
+                                      <p:to>
+                                        <p:strVal val="visible"/>
+                                      </p:to>
+                                    </p:set>
+                                  </p:childTnLst>
+                                </p:cTn>
+                              </p:par>
+                              <p:par>
+                                <p:cTn id="25" presetID="1" presetClass="entr" presetSubtype="0" fill="hold" grpId="0" nodeType="withEffect">
+                                  <p:stCondLst>
+                                    <p:cond delay="0"/>
+                                  </p:stCondLst>
+                                  <p:childTnLst>
+                                    <p:set>
+                                      <p:cBhvr>
+                                        <p:cTn id="26" dur="1" fill="hold">
+                                          <p:stCondLst>
+                                            <p:cond delay="0"/>
+                                          </p:stCondLst>
+                                        </p:cTn>
+                                        <p:tgtEl>
+                                          <p:spTgt spid="3">
+                                            <p:txEl>
+                                              <p:pRg st="7" end="7"/>
+                                            </p:txEl>
+                                          </p:spTgt>
+                                        </p:tgtEl>
+                                        <p:attrNameLst>
+                                          <p:attrName>style.visibility</p:attrName>
+                                        </p:attrNameLst>
+                                      </p:cBhvr>
+                                      <p:to>
+                                        <p:strVal val="visible"/>
+                                      </p:to>
+                                    </p:set>
+                                  </p:childTnLst>
+                                </p:cTn>
+                              </p:par>
+                            </p:childTnLst>
+                          </p:cTn>
+                        </p:par>
+                      </p:childTnLst>
+                    </p:cTn>
+                  </p:par>
+                </p:childTnLst>
+              </p:cTn>
+              <p:prevCondLst>
+                <p:cond evt="onPrev" delay="0">
+                  <p:tgtEl>
+                    <p:sldTgt/>
+                  </p:tgtEl>
+                </p:cond>
+              </p:prevCondLst>
+              <p:nextCondLst>
+                <p:cond evt="onNext" delay="0">
+                  <p:tgtEl>
+                    <p:sldTgt/>
+                  </p:tgtEl>
+                </p:cond>
+              </p:nextCondLst>
+            </p:seq>
+          </p:childTnLst>
+        </p:cTn>
       </p:par>
     </p:tnLst>
+    <p:bldLst>
+      <p:bldP spid="3" grpId="0" build="p"/>
+    </p:bldLst>
   </p:timing>
 </p:sld>
 </file>
@@ -5833,14 +6543,7 @@
           <a:p>
             <a:r>
               <a:rPr lang="nl-BE" sz="6000" dirty="0" smtClean="0"/>
-              <a:t>Toepassing: </a:t>
-            </a:r>
-            <a:br>
-              <a:rPr lang="nl-BE" sz="6000" dirty="0" smtClean="0"/>
-            </a:br>
-            <a:r>
-              <a:rPr lang="nl-BE" sz="6000" dirty="0" smtClean="0"/>
-              <a:t>Voorbereiden examen</a:t>
+              <a:t>Toepassing: Examens</a:t>
             </a:r>
             <a:endParaRPr lang="en-US" sz="6000" dirty="0"/>
           </a:p>
@@ -5869,15 +6572,7 @@
             </a:pPr>
             <a:r>
               <a:rPr lang="nl-BE" sz="3600" dirty="0"/>
-              <a:t>  </a:t>
-            </a:r>
-            <a:r>
-              <a:rPr lang="nl-BE" sz="3600" dirty="0"/>
-              <a:t>Automatisch</a:t>
-            </a:r>
-            <a:r>
-              <a:rPr lang="nl-BE" sz="3600" dirty="0"/>
-              <a:t> generatie probleem </a:t>
+              <a:t>  Automatisch generatie probleem </a:t>
             </a:r>
           </a:p>
           <a:p>
@@ -5897,15 +6592,7 @@
             </a:pPr>
             <a:r>
               <a:rPr lang="nl-BE" sz="3600" dirty="0"/>
-              <a:t> </a:t>
-            </a:r>
-            <a:r>
-              <a:rPr lang="nl-BE" sz="3600" dirty="0"/>
-              <a:t> </a:t>
-            </a:r>
-            <a:r>
-              <a:rPr lang="nl-BE" sz="3600" dirty="0"/>
-              <a:t>Oplossing</a:t>
+              <a:t>  Oplossing</a:t>
             </a:r>
           </a:p>
           <a:p>
@@ -5935,15 +6622,7 @@
             </a:pPr>
             <a:r>
               <a:rPr lang="nl-BE" sz="3600" dirty="0"/>
-              <a:t> </a:t>
-            </a:r>
-            <a:r>
-              <a:rPr lang="nl-BE" sz="3600" dirty="0"/>
-              <a:t> </a:t>
-            </a:r>
-            <a:r>
-              <a:rPr lang="nl-BE" sz="3600" dirty="0"/>
-              <a:t>Feedback</a:t>
+              <a:t>  Feedback</a:t>
             </a:r>
           </a:p>
           <a:p>
@@ -5982,9 +6661,337 @@
   <p:timing>
     <p:tnLst>
       <p:par>
-        <p:cTn id="1" dur="indefinite" restart="never" nodeType="tmRoot"/>
+        <p:cTn id="1" dur="indefinite" restart="never" nodeType="tmRoot">
+          <p:childTnLst>
+            <p:seq concurrent="1" nextAc="seek">
+              <p:cTn id="2" dur="indefinite" nodeType="mainSeq">
+                <p:childTnLst>
+                  <p:par>
+                    <p:cTn id="3" fill="hold">
+                      <p:stCondLst>
+                        <p:cond delay="indefinite"/>
+                      </p:stCondLst>
+                      <p:childTnLst>
+                        <p:par>
+                          <p:cTn id="4" fill="hold">
+                            <p:stCondLst>
+                              <p:cond delay="0"/>
+                            </p:stCondLst>
+                            <p:childTnLst>
+                              <p:par>
+                                <p:cTn id="5" presetID="1" presetClass="entr" presetSubtype="0" fill="hold" grpId="0" nodeType="clickEffect">
+                                  <p:stCondLst>
+                                    <p:cond delay="0"/>
+                                  </p:stCondLst>
+                                  <p:childTnLst>
+                                    <p:set>
+                                      <p:cBhvr>
+                                        <p:cTn id="6" dur="1" fill="hold">
+                                          <p:stCondLst>
+                                            <p:cond delay="0"/>
+                                          </p:stCondLst>
+                                        </p:cTn>
+                                        <p:tgtEl>
+                                          <p:spTgt spid="3">
+                                            <p:txEl>
+                                              <p:pRg st="0" end="0"/>
+                                            </p:txEl>
+                                          </p:spTgt>
+                                        </p:tgtEl>
+                                        <p:attrNameLst>
+                                          <p:attrName>style.visibility</p:attrName>
+                                        </p:attrNameLst>
+                                      </p:cBhvr>
+                                      <p:to>
+                                        <p:strVal val="visible"/>
+                                      </p:to>
+                                    </p:set>
+                                  </p:childTnLst>
+                                </p:cTn>
+                              </p:par>
+                              <p:par>
+                                <p:cTn id="7" presetID="1" presetClass="entr" presetSubtype="0" fill="hold" grpId="0" nodeType="withEffect">
+                                  <p:stCondLst>
+                                    <p:cond delay="0"/>
+                                  </p:stCondLst>
+                                  <p:childTnLst>
+                                    <p:set>
+                                      <p:cBhvr>
+                                        <p:cTn id="8" dur="1" fill="hold">
+                                          <p:stCondLst>
+                                            <p:cond delay="0"/>
+                                          </p:stCondLst>
+                                        </p:cTn>
+                                        <p:tgtEl>
+                                          <p:spTgt spid="3">
+                                            <p:txEl>
+                                              <p:pRg st="1" end="1"/>
+                                            </p:txEl>
+                                          </p:spTgt>
+                                        </p:tgtEl>
+                                        <p:attrNameLst>
+                                          <p:attrName>style.visibility</p:attrName>
+                                        </p:attrNameLst>
+                                      </p:cBhvr>
+                                      <p:to>
+                                        <p:strVal val="visible"/>
+                                      </p:to>
+                                    </p:set>
+                                  </p:childTnLst>
+                                </p:cTn>
+                              </p:par>
+                            </p:childTnLst>
+                          </p:cTn>
+                        </p:par>
+                      </p:childTnLst>
+                    </p:cTn>
+                  </p:par>
+                  <p:par>
+                    <p:cTn id="9" fill="hold">
+                      <p:stCondLst>
+                        <p:cond delay="indefinite"/>
+                      </p:stCondLst>
+                      <p:childTnLst>
+                        <p:par>
+                          <p:cTn id="10" fill="hold">
+                            <p:stCondLst>
+                              <p:cond delay="0"/>
+                            </p:stCondLst>
+                            <p:childTnLst>
+                              <p:par>
+                                <p:cTn id="11" presetID="1" presetClass="entr" presetSubtype="0" fill="hold" grpId="0" nodeType="clickEffect">
+                                  <p:stCondLst>
+                                    <p:cond delay="0"/>
+                                  </p:stCondLst>
+                                  <p:childTnLst>
+                                    <p:set>
+                                      <p:cBhvr>
+                                        <p:cTn id="12" dur="1" fill="hold">
+                                          <p:stCondLst>
+                                            <p:cond delay="0"/>
+                                          </p:stCondLst>
+                                        </p:cTn>
+                                        <p:tgtEl>
+                                          <p:spTgt spid="3">
+                                            <p:txEl>
+                                              <p:pRg st="2" end="2"/>
+                                            </p:txEl>
+                                          </p:spTgt>
+                                        </p:tgtEl>
+                                        <p:attrNameLst>
+                                          <p:attrName>style.visibility</p:attrName>
+                                        </p:attrNameLst>
+                                      </p:cBhvr>
+                                      <p:to>
+                                        <p:strVal val="visible"/>
+                                      </p:to>
+                                    </p:set>
+                                  </p:childTnLst>
+                                </p:cTn>
+                              </p:par>
+                              <p:par>
+                                <p:cTn id="13" presetID="1" presetClass="entr" presetSubtype="0" fill="hold" grpId="0" nodeType="withEffect">
+                                  <p:stCondLst>
+                                    <p:cond delay="0"/>
+                                  </p:stCondLst>
+                                  <p:childTnLst>
+                                    <p:set>
+                                      <p:cBhvr>
+                                        <p:cTn id="14" dur="1" fill="hold">
+                                          <p:stCondLst>
+                                            <p:cond delay="0"/>
+                                          </p:stCondLst>
+                                        </p:cTn>
+                                        <p:tgtEl>
+                                          <p:spTgt spid="3">
+                                            <p:txEl>
+                                              <p:pRg st="3" end="3"/>
+                                            </p:txEl>
+                                          </p:spTgt>
+                                        </p:tgtEl>
+                                        <p:attrNameLst>
+                                          <p:attrName>style.visibility</p:attrName>
+                                        </p:attrNameLst>
+                                      </p:cBhvr>
+                                      <p:to>
+                                        <p:strVal val="visible"/>
+                                      </p:to>
+                                    </p:set>
+                                  </p:childTnLst>
+                                </p:cTn>
+                              </p:par>
+                              <p:par>
+                                <p:cTn id="15" presetID="1" presetClass="entr" presetSubtype="0" fill="hold" grpId="0" nodeType="withEffect">
+                                  <p:stCondLst>
+                                    <p:cond delay="0"/>
+                                  </p:stCondLst>
+                                  <p:childTnLst>
+                                    <p:set>
+                                      <p:cBhvr>
+                                        <p:cTn id="16" dur="1" fill="hold">
+                                          <p:stCondLst>
+                                            <p:cond delay="0"/>
+                                          </p:stCondLst>
+                                        </p:cTn>
+                                        <p:tgtEl>
+                                          <p:spTgt spid="3">
+                                            <p:txEl>
+                                              <p:pRg st="4" end="4"/>
+                                            </p:txEl>
+                                          </p:spTgt>
+                                        </p:tgtEl>
+                                        <p:attrNameLst>
+                                          <p:attrName>style.visibility</p:attrName>
+                                        </p:attrNameLst>
+                                      </p:cBhvr>
+                                      <p:to>
+                                        <p:strVal val="visible"/>
+                                      </p:to>
+                                    </p:set>
+                                  </p:childTnLst>
+                                </p:cTn>
+                              </p:par>
+                            </p:childTnLst>
+                          </p:cTn>
+                        </p:par>
+                      </p:childTnLst>
+                    </p:cTn>
+                  </p:par>
+                  <p:par>
+                    <p:cTn id="17" fill="hold">
+                      <p:stCondLst>
+                        <p:cond delay="indefinite"/>
+                      </p:stCondLst>
+                      <p:childTnLst>
+                        <p:par>
+                          <p:cTn id="18" fill="hold">
+                            <p:stCondLst>
+                              <p:cond delay="0"/>
+                            </p:stCondLst>
+                            <p:childTnLst>
+                              <p:par>
+                                <p:cTn id="19" presetID="1" presetClass="entr" presetSubtype="0" fill="hold" grpId="0" nodeType="clickEffect">
+                                  <p:stCondLst>
+                                    <p:cond delay="0"/>
+                                  </p:stCondLst>
+                                  <p:childTnLst>
+                                    <p:set>
+                                      <p:cBhvr>
+                                        <p:cTn id="20" dur="1" fill="hold">
+                                          <p:stCondLst>
+                                            <p:cond delay="0"/>
+                                          </p:stCondLst>
+                                        </p:cTn>
+                                        <p:tgtEl>
+                                          <p:spTgt spid="3">
+                                            <p:txEl>
+                                              <p:pRg st="5" end="5"/>
+                                            </p:txEl>
+                                          </p:spTgt>
+                                        </p:tgtEl>
+                                        <p:attrNameLst>
+                                          <p:attrName>style.visibility</p:attrName>
+                                        </p:attrNameLst>
+                                      </p:cBhvr>
+                                      <p:to>
+                                        <p:strVal val="visible"/>
+                                      </p:to>
+                                    </p:set>
+                                  </p:childTnLst>
+                                </p:cTn>
+                              </p:par>
+                              <p:par>
+                                <p:cTn id="21" presetID="1" presetClass="entr" presetSubtype="0" fill="hold" grpId="0" nodeType="withEffect">
+                                  <p:stCondLst>
+                                    <p:cond delay="0"/>
+                                  </p:stCondLst>
+                                  <p:childTnLst>
+                                    <p:set>
+                                      <p:cBhvr>
+                                        <p:cTn id="22" dur="1" fill="hold">
+                                          <p:stCondLst>
+                                            <p:cond delay="0"/>
+                                          </p:stCondLst>
+                                        </p:cTn>
+                                        <p:tgtEl>
+                                          <p:spTgt spid="3">
+                                            <p:txEl>
+                                              <p:pRg st="6" end="6"/>
+                                            </p:txEl>
+                                          </p:spTgt>
+                                        </p:tgtEl>
+                                        <p:attrNameLst>
+                                          <p:attrName>style.visibility</p:attrName>
+                                        </p:attrNameLst>
+                                      </p:cBhvr>
+                                      <p:to>
+                                        <p:strVal val="visible"/>
+                                      </p:to>
+                                    </p:set>
+                                  </p:childTnLst>
+                                </p:cTn>
+                              </p:par>
+                              <p:par>
+                                <p:cTn id="23" presetID="1" presetClass="entr" presetSubtype="0" fill="hold" grpId="0" nodeType="withEffect">
+                                  <p:stCondLst>
+                                    <p:cond delay="0"/>
+                                  </p:stCondLst>
+                                  <p:childTnLst>
+                                    <p:set>
+                                      <p:cBhvr>
+                                        <p:cTn id="24" dur="1" fill="hold">
+                                          <p:stCondLst>
+                                            <p:cond delay="0"/>
+                                          </p:stCondLst>
+                                        </p:cTn>
+                                        <p:tgtEl>
+                                          <p:spTgt spid="3">
+                                            <p:txEl>
+                                              <p:pRg st="7" end="7"/>
+                                            </p:txEl>
+                                          </p:spTgt>
+                                        </p:tgtEl>
+                                        <p:attrNameLst>
+                                          <p:attrName>style.visibility</p:attrName>
+                                        </p:attrNameLst>
+                                      </p:cBhvr>
+                                      <p:to>
+                                        <p:strVal val="visible"/>
+                                      </p:to>
+                                    </p:set>
+                                  </p:childTnLst>
+                                </p:cTn>
+                              </p:par>
+                            </p:childTnLst>
+                          </p:cTn>
+                        </p:par>
+                      </p:childTnLst>
+                    </p:cTn>
+                  </p:par>
+                </p:childTnLst>
+              </p:cTn>
+              <p:prevCondLst>
+                <p:cond evt="onPrev" delay="0">
+                  <p:tgtEl>
+                    <p:sldTgt/>
+                  </p:tgtEl>
+                </p:cond>
+              </p:prevCondLst>
+              <p:nextCondLst>
+                <p:cond evt="onNext" delay="0">
+                  <p:tgtEl>
+                    <p:sldTgt/>
+                  </p:tgtEl>
+                </p:cond>
+              </p:nextCondLst>
+            </p:seq>
+          </p:childTnLst>
+        </p:cTn>
       </p:par>
     </p:tnLst>
+    <p:bldLst>
+      <p:bldP spid="3" grpId="0" build="p"/>
+    </p:bldLst>
   </p:timing>
 </p:sld>
 </file>
@@ -6041,7 +7048,12 @@
             <p:ph idx="1"/>
           </p:nvPr>
         </p:nvSpPr>
-        <p:spPr/>
+        <p:spPr>
+          <a:xfrm>
+            <a:off x="1097279" y="1845734"/>
+            <a:ext cx="10987883" cy="4023360"/>
+          </a:xfrm>
+        </p:spPr>
         <p:txBody>
           <a:bodyPr>
             <a:normAutofit/>
@@ -6054,11 +7066,7 @@
             </a:pPr>
             <a:r>
               <a:rPr lang="nl-BE" sz="3600" dirty="0" smtClean="0"/>
-              <a:t> </a:t>
-            </a:r>
-            <a:r>
-              <a:rPr lang="nl-BE" sz="3600" dirty="0" smtClean="0"/>
-              <a:t>Ons </a:t>
+              <a:t> Ons </a:t>
             </a:r>
             <a:r>
               <a:rPr lang="nl-BE" sz="3600" dirty="0"/>
@@ -6096,17 +7104,29 @@
             </a:pPr>
             <a:r>
               <a:rPr lang="nl-BE" sz="3600" b="1" dirty="0" smtClean="0"/>
+              <a:t> Spreadsheet tabel </a:t>
+            </a:r>
+            <a:r>
+              <a:rPr lang="nl-BE" sz="3600" b="1" dirty="0" smtClean="0"/>
+              <a:t>transformaties    </a:t>
+            </a:r>
+            <a:r>
+              <a:rPr lang="nl-BE" sz="2600" dirty="0" smtClean="0"/>
+              <a:t>[Harris en </a:t>
+            </a:r>
+            <a:r>
+              <a:rPr lang="nl-BE" sz="2600" dirty="0" err="1" smtClean="0"/>
+              <a:t>Gulwani</a:t>
+            </a:r>
+            <a:r>
+              <a:rPr lang="nl-BE" sz="2600" dirty="0" smtClean="0"/>
+              <a:t>, CACM 11]</a:t>
+            </a:r>
+            <a:r>
+              <a:rPr lang="nl-BE" sz="2600" b="1" dirty="0" smtClean="0"/>
               <a:t> </a:t>
             </a:r>
-            <a:r>
-              <a:rPr lang="nl-BE" sz="3600" b="1" dirty="0" smtClean="0"/>
-              <a:t>Spreadsheet </a:t>
-            </a:r>
-            <a:r>
-              <a:rPr lang="nl-BE" sz="3600" b="1" dirty="0" smtClean="0"/>
-              <a:t>tabel transformaties </a:t>
-            </a:r>
-            <a:endParaRPr lang="nl-BE" sz="3600" b="1" dirty="0"/>
+            <a:endParaRPr lang="nl-BE" sz="2600" b="1" dirty="0"/>
           </a:p>
           <a:p>
             <a:pPr>
@@ -6521,9 +7541,231 @@
   <p:timing>
     <p:tnLst>
       <p:par>
-        <p:cTn id="1" dur="indefinite" restart="never" nodeType="tmRoot"/>
+        <p:cTn id="1" dur="indefinite" restart="never" nodeType="tmRoot">
+          <p:childTnLst>
+            <p:seq concurrent="1" nextAc="seek">
+              <p:cTn id="2" dur="indefinite" nodeType="mainSeq">
+                <p:childTnLst>
+                  <p:par>
+                    <p:cTn id="3" fill="hold">
+                      <p:stCondLst>
+                        <p:cond delay="indefinite"/>
+                      </p:stCondLst>
+                      <p:childTnLst>
+                        <p:par>
+                          <p:cTn id="4" fill="hold">
+                            <p:stCondLst>
+                              <p:cond delay="0"/>
+                            </p:stCondLst>
+                            <p:childTnLst>
+                              <p:par>
+                                <p:cTn id="5" presetID="1" presetClass="entr" presetSubtype="0" fill="hold" grpId="0" nodeType="clickEffect">
+                                  <p:stCondLst>
+                                    <p:cond delay="0"/>
+                                  </p:stCondLst>
+                                  <p:childTnLst>
+                                    <p:set>
+                                      <p:cBhvr>
+                                        <p:cTn id="6" dur="1" fill="hold">
+                                          <p:stCondLst>
+                                            <p:cond delay="0"/>
+                                          </p:stCondLst>
+                                        </p:cTn>
+                                        <p:tgtEl>
+                                          <p:spTgt spid="3">
+                                            <p:txEl>
+                                              <p:pRg st="0" end="0"/>
+                                            </p:txEl>
+                                          </p:spTgt>
+                                        </p:tgtEl>
+                                        <p:attrNameLst>
+                                          <p:attrName>style.visibility</p:attrName>
+                                        </p:attrNameLst>
+                                      </p:cBhvr>
+                                      <p:to>
+                                        <p:strVal val="visible"/>
+                                      </p:to>
+                                    </p:set>
+                                  </p:childTnLst>
+                                </p:cTn>
+                              </p:par>
+                            </p:childTnLst>
+                          </p:cTn>
+                        </p:par>
+                      </p:childTnLst>
+                    </p:cTn>
+                  </p:par>
+                  <p:par>
+                    <p:cTn id="7" fill="hold">
+                      <p:stCondLst>
+                        <p:cond delay="indefinite"/>
+                      </p:stCondLst>
+                      <p:childTnLst>
+                        <p:par>
+                          <p:cTn id="8" fill="hold">
+                            <p:stCondLst>
+                              <p:cond delay="0"/>
+                            </p:stCondLst>
+                            <p:childTnLst>
+                              <p:par>
+                                <p:cTn id="9" presetID="1" presetClass="entr" presetSubtype="0" fill="hold" grpId="0" nodeType="clickEffect">
+                                  <p:stCondLst>
+                                    <p:cond delay="0"/>
+                                  </p:stCondLst>
+                                  <p:childTnLst>
+                                    <p:set>
+                                      <p:cBhvr>
+                                        <p:cTn id="10" dur="1" fill="hold">
+                                          <p:stCondLst>
+                                            <p:cond delay="0"/>
+                                          </p:stCondLst>
+                                        </p:cTn>
+                                        <p:tgtEl>
+                                          <p:spTgt spid="3">
+                                            <p:txEl>
+                                              <p:pRg st="1" end="1"/>
+                                            </p:txEl>
+                                          </p:spTgt>
+                                        </p:tgtEl>
+                                        <p:attrNameLst>
+                                          <p:attrName>style.visibility</p:attrName>
+                                        </p:attrNameLst>
+                                      </p:cBhvr>
+                                      <p:to>
+                                        <p:strVal val="visible"/>
+                                      </p:to>
+                                    </p:set>
+                                  </p:childTnLst>
+                                </p:cTn>
+                              </p:par>
+                            </p:childTnLst>
+                          </p:cTn>
+                        </p:par>
+                      </p:childTnLst>
+                    </p:cTn>
+                  </p:par>
+                  <p:par>
+                    <p:cTn id="11" fill="hold">
+                      <p:stCondLst>
+                        <p:cond delay="indefinite"/>
+                      </p:stCondLst>
+                      <p:childTnLst>
+                        <p:par>
+                          <p:cTn id="12" fill="hold">
+                            <p:stCondLst>
+                              <p:cond delay="0"/>
+                            </p:stCondLst>
+                            <p:childTnLst>
+                              <p:par>
+                                <p:cTn id="13" presetID="1" presetClass="entr" presetSubtype="0" fill="hold" grpId="0" nodeType="clickEffect">
+                                  <p:stCondLst>
+                                    <p:cond delay="0"/>
+                                  </p:stCondLst>
+                                  <p:childTnLst>
+                                    <p:set>
+                                      <p:cBhvr>
+                                        <p:cTn id="14" dur="1" fill="hold">
+                                          <p:stCondLst>
+                                            <p:cond delay="0"/>
+                                          </p:stCondLst>
+                                        </p:cTn>
+                                        <p:tgtEl>
+                                          <p:spTgt spid="3">
+                                            <p:txEl>
+                                              <p:pRg st="2" end="2"/>
+                                            </p:txEl>
+                                          </p:spTgt>
+                                        </p:tgtEl>
+                                        <p:attrNameLst>
+                                          <p:attrName>style.visibility</p:attrName>
+                                        </p:attrNameLst>
+                                      </p:cBhvr>
+                                      <p:to>
+                                        <p:strVal val="visible"/>
+                                      </p:to>
+                                    </p:set>
+                                  </p:childTnLst>
+                                </p:cTn>
+                              </p:par>
+                            </p:childTnLst>
+                          </p:cTn>
+                        </p:par>
+                      </p:childTnLst>
+                    </p:cTn>
+                  </p:par>
+                  <p:par>
+                    <p:cTn id="15" fill="hold">
+                      <p:stCondLst>
+                        <p:cond delay="indefinite"/>
+                      </p:stCondLst>
+                      <p:childTnLst>
+                        <p:par>
+                          <p:cTn id="16" fill="hold">
+                            <p:stCondLst>
+                              <p:cond delay="0"/>
+                            </p:stCondLst>
+                            <p:childTnLst>
+                              <p:par>
+                                <p:cTn id="17" presetID="1" presetClass="entr" presetSubtype="0" fill="hold" grpId="0" nodeType="clickEffect">
+                                  <p:stCondLst>
+                                    <p:cond delay="0"/>
+                                  </p:stCondLst>
+                                  <p:childTnLst>
+                                    <p:set>
+                                      <p:cBhvr>
+                                        <p:cTn id="18" dur="1" fill="hold">
+                                          <p:stCondLst>
+                                            <p:cond delay="0"/>
+                                          </p:stCondLst>
+                                        </p:cTn>
+                                        <p:tgtEl>
+                                          <p:spTgt spid="3">
+                                            <p:txEl>
+                                              <p:pRg st="3" end="3"/>
+                                            </p:txEl>
+                                          </p:spTgt>
+                                        </p:tgtEl>
+                                        <p:attrNameLst>
+                                          <p:attrName>style.visibility</p:attrName>
+                                        </p:attrNameLst>
+                                      </p:cBhvr>
+                                      <p:to>
+                                        <p:strVal val="visible"/>
+                                      </p:to>
+                                    </p:set>
+                                  </p:childTnLst>
+                                </p:cTn>
+                              </p:par>
+                            </p:childTnLst>
+                          </p:cTn>
+                        </p:par>
+                      </p:childTnLst>
+                    </p:cTn>
+                  </p:par>
+                </p:childTnLst>
+              </p:cTn>
+              <p:prevCondLst>
+                <p:cond evt="onPrev" delay="0">
+                  <p:tgtEl>
+                    <p:sldTgt/>
+                  </p:tgtEl>
+                </p:cond>
+              </p:prevCondLst>
+              <p:nextCondLst>
+                <p:cond evt="onNext" delay="0">
+                  <p:tgtEl>
+                    <p:sldTgt/>
+                  </p:tgtEl>
+                </p:cond>
+              </p:nextCondLst>
+            </p:seq>
+          </p:childTnLst>
+        </p:cTn>
       </p:par>
     </p:tnLst>
+    <p:bldLst>
+      <p:bldP spid="3" grpId="0" build="p"/>
+    </p:bldLst>
   </p:timing>
 </p:sld>
 </file>
@@ -6809,11 +8051,7 @@
             </a:pPr>
             <a:r>
               <a:rPr lang="nl-BE" sz="3600" dirty="0" smtClean="0"/>
-              <a:t> </a:t>
-            </a:r>
-            <a:r>
-              <a:rPr lang="nl-BE" sz="3600" dirty="0" smtClean="0"/>
-              <a:t>Ons </a:t>
+              <a:t> Ons </a:t>
             </a:r>
             <a:r>
               <a:rPr lang="nl-BE" sz="3600" dirty="0"/>
@@ -6851,15 +8089,7 @@
             </a:pPr>
             <a:r>
               <a:rPr lang="nl-BE" sz="3600" dirty="0" smtClean="0"/>
-              <a:t> </a:t>
-            </a:r>
-            <a:r>
-              <a:rPr lang="nl-BE" sz="3600" dirty="0" smtClean="0"/>
-              <a:t>Spreadsheet </a:t>
-            </a:r>
-            <a:r>
-              <a:rPr lang="nl-BE" sz="3600" dirty="0" smtClean="0"/>
-              <a:t>tabel transformaties </a:t>
+              <a:t> Spreadsheet tabel transformaties </a:t>
             </a:r>
             <a:endParaRPr lang="nl-BE" sz="3600" dirty="0"/>
           </a:p>
@@ -6884,7 +8114,23 @@
               <a:rPr lang="nl-BE" sz="3600" b="1" dirty="0" err="1" smtClean="0"/>
               <a:t>discovery</a:t>
             </a:r>
-            <a:endParaRPr lang="nl-BE" sz="3600" b="1" dirty="0"/>
+            <a:r>
+              <a:rPr lang="nl-BE" sz="3600" b="1" dirty="0" smtClean="0"/>
+              <a:t> 			       </a:t>
+            </a:r>
+            <a:r>
+              <a:rPr lang="nl-BE" sz="2600" dirty="0" smtClean="0"/>
+              <a:t>[</a:t>
+            </a:r>
+            <a:r>
+              <a:rPr lang="nl-BE" sz="2600" dirty="0" err="1" smtClean="0"/>
+              <a:t>Todorovski</a:t>
+            </a:r>
+            <a:r>
+              <a:rPr lang="nl-BE" sz="2600" dirty="0" smtClean="0"/>
+              <a:t>, LNAI 07]</a:t>
+            </a:r>
+            <a:endParaRPr lang="nl-BE" sz="2600" b="1" dirty="0"/>
           </a:p>
           <a:p>
             <a:pPr>
@@ -7184,11 +8430,7 @@
             </a:r>
             <a:r>
               <a:rPr lang="nl-BE" sz="3600" dirty="0" smtClean="0"/>
-              <a:t> </a:t>
-            </a:r>
-            <a:r>
-              <a:rPr lang="nl-BE" sz="3600" dirty="0" smtClean="0"/>
-              <a:t>bias</a:t>
+              <a:t> bias</a:t>
             </a:r>
           </a:p>
           <a:p>
@@ -7202,11 +8444,7 @@
             </a:r>
             <a:r>
               <a:rPr lang="nl-BE" sz="3600" dirty="0" smtClean="0"/>
-              <a:t>3 </a:t>
-            </a:r>
-            <a:r>
-              <a:rPr lang="nl-BE" sz="3600" dirty="0" smtClean="0"/>
-              <a:t>Types</a:t>
+              <a:t>3 Types</a:t>
             </a:r>
           </a:p>
           <a:p>
@@ -7260,7 +8498,6 @@
               <a:rPr lang="nl-BE" sz="3600" dirty="0" smtClean="0"/>
               <a:t>  </a:t>
             </a:r>
-            <a:endParaRPr lang="nl-BE" sz="3600" dirty="0" smtClean="0"/>
           </a:p>
           <a:p>
             <a:endParaRPr lang="en-US" dirty="0"/>
@@ -7280,9 +8517,275 @@
   <p:timing>
     <p:tnLst>
       <p:par>
-        <p:cTn id="1" dur="indefinite" restart="never" nodeType="tmRoot"/>
+        <p:cTn id="1" dur="indefinite" restart="never" nodeType="tmRoot">
+          <p:childTnLst>
+            <p:seq concurrent="1" nextAc="seek">
+              <p:cTn id="2" dur="indefinite" nodeType="mainSeq">
+                <p:childTnLst>
+                  <p:par>
+                    <p:cTn id="3" fill="hold">
+                      <p:stCondLst>
+                        <p:cond delay="indefinite"/>
+                      </p:stCondLst>
+                      <p:childTnLst>
+                        <p:par>
+                          <p:cTn id="4" fill="hold">
+                            <p:stCondLst>
+                              <p:cond delay="0"/>
+                            </p:stCondLst>
+                            <p:childTnLst>
+                              <p:par>
+                                <p:cTn id="5" presetID="1" presetClass="entr" presetSubtype="0" fill="hold" grpId="0" nodeType="clickEffect">
+                                  <p:stCondLst>
+                                    <p:cond delay="0"/>
+                                  </p:stCondLst>
+                                  <p:childTnLst>
+                                    <p:set>
+                                      <p:cBhvr>
+                                        <p:cTn id="6" dur="1" fill="hold">
+                                          <p:stCondLst>
+                                            <p:cond delay="0"/>
+                                          </p:stCondLst>
+                                        </p:cTn>
+                                        <p:tgtEl>
+                                          <p:spTgt spid="3">
+                                            <p:txEl>
+                                              <p:pRg st="0" end="0"/>
+                                            </p:txEl>
+                                          </p:spTgt>
+                                        </p:tgtEl>
+                                        <p:attrNameLst>
+                                          <p:attrName>style.visibility</p:attrName>
+                                        </p:attrNameLst>
+                                      </p:cBhvr>
+                                      <p:to>
+                                        <p:strVal val="visible"/>
+                                      </p:to>
+                                    </p:set>
+                                  </p:childTnLst>
+                                </p:cTn>
+                              </p:par>
+                            </p:childTnLst>
+                          </p:cTn>
+                        </p:par>
+                      </p:childTnLst>
+                    </p:cTn>
+                  </p:par>
+                  <p:par>
+                    <p:cTn id="7" fill="hold">
+                      <p:stCondLst>
+                        <p:cond delay="indefinite"/>
+                      </p:stCondLst>
+                      <p:childTnLst>
+                        <p:par>
+                          <p:cTn id="8" fill="hold">
+                            <p:stCondLst>
+                              <p:cond delay="0"/>
+                            </p:stCondLst>
+                            <p:childTnLst>
+                              <p:par>
+                                <p:cTn id="9" presetID="1" presetClass="entr" presetSubtype="0" fill="hold" grpId="0" nodeType="clickEffect">
+                                  <p:stCondLst>
+                                    <p:cond delay="0"/>
+                                  </p:stCondLst>
+                                  <p:childTnLst>
+                                    <p:set>
+                                      <p:cBhvr>
+                                        <p:cTn id="10" dur="1" fill="hold">
+                                          <p:stCondLst>
+                                            <p:cond delay="0"/>
+                                          </p:stCondLst>
+                                        </p:cTn>
+                                        <p:tgtEl>
+                                          <p:spTgt spid="3">
+                                            <p:txEl>
+                                              <p:pRg st="1" end="1"/>
+                                            </p:txEl>
+                                          </p:spTgt>
+                                        </p:tgtEl>
+                                        <p:attrNameLst>
+                                          <p:attrName>style.visibility</p:attrName>
+                                        </p:attrNameLst>
+                                      </p:cBhvr>
+                                      <p:to>
+                                        <p:strVal val="visible"/>
+                                      </p:to>
+                                    </p:set>
+                                  </p:childTnLst>
+                                </p:cTn>
+                              </p:par>
+                              <p:par>
+                                <p:cTn id="11" presetID="1" presetClass="entr" presetSubtype="0" fill="hold" grpId="0" nodeType="withEffect">
+                                  <p:stCondLst>
+                                    <p:cond delay="0"/>
+                                  </p:stCondLst>
+                                  <p:childTnLst>
+                                    <p:set>
+                                      <p:cBhvr>
+                                        <p:cTn id="12" dur="1" fill="hold">
+                                          <p:stCondLst>
+                                            <p:cond delay="0"/>
+                                          </p:stCondLst>
+                                        </p:cTn>
+                                        <p:tgtEl>
+                                          <p:spTgt spid="3">
+                                            <p:txEl>
+                                              <p:pRg st="2" end="2"/>
+                                            </p:txEl>
+                                          </p:spTgt>
+                                        </p:tgtEl>
+                                        <p:attrNameLst>
+                                          <p:attrName>style.visibility</p:attrName>
+                                        </p:attrNameLst>
+                                      </p:cBhvr>
+                                      <p:to>
+                                        <p:strVal val="visible"/>
+                                      </p:to>
+                                    </p:set>
+                                  </p:childTnLst>
+                                </p:cTn>
+                              </p:par>
+                              <p:par>
+                                <p:cTn id="13" presetID="1" presetClass="entr" presetSubtype="0" fill="hold" grpId="0" nodeType="withEffect">
+                                  <p:stCondLst>
+                                    <p:cond delay="0"/>
+                                  </p:stCondLst>
+                                  <p:childTnLst>
+                                    <p:set>
+                                      <p:cBhvr>
+                                        <p:cTn id="14" dur="1" fill="hold">
+                                          <p:stCondLst>
+                                            <p:cond delay="0"/>
+                                          </p:stCondLst>
+                                        </p:cTn>
+                                        <p:tgtEl>
+                                          <p:spTgt spid="3">
+                                            <p:txEl>
+                                              <p:pRg st="3" end="3"/>
+                                            </p:txEl>
+                                          </p:spTgt>
+                                        </p:tgtEl>
+                                        <p:attrNameLst>
+                                          <p:attrName>style.visibility</p:attrName>
+                                        </p:attrNameLst>
+                                      </p:cBhvr>
+                                      <p:to>
+                                        <p:strVal val="visible"/>
+                                      </p:to>
+                                    </p:set>
+                                  </p:childTnLst>
+                                </p:cTn>
+                              </p:par>
+                              <p:par>
+                                <p:cTn id="15" presetID="1" presetClass="entr" presetSubtype="0" fill="hold" grpId="0" nodeType="withEffect">
+                                  <p:stCondLst>
+                                    <p:cond delay="0"/>
+                                  </p:stCondLst>
+                                  <p:childTnLst>
+                                    <p:set>
+                                      <p:cBhvr>
+                                        <p:cTn id="16" dur="1" fill="hold">
+                                          <p:stCondLst>
+                                            <p:cond delay="0"/>
+                                          </p:stCondLst>
+                                        </p:cTn>
+                                        <p:tgtEl>
+                                          <p:spTgt spid="3">
+                                            <p:txEl>
+                                              <p:pRg st="4" end="4"/>
+                                            </p:txEl>
+                                          </p:spTgt>
+                                        </p:tgtEl>
+                                        <p:attrNameLst>
+                                          <p:attrName>style.visibility</p:attrName>
+                                        </p:attrNameLst>
+                                      </p:cBhvr>
+                                      <p:to>
+                                        <p:strVal val="visible"/>
+                                      </p:to>
+                                    </p:set>
+                                  </p:childTnLst>
+                                </p:cTn>
+                              </p:par>
+                            </p:childTnLst>
+                          </p:cTn>
+                        </p:par>
+                      </p:childTnLst>
+                    </p:cTn>
+                  </p:par>
+                  <p:par>
+                    <p:cTn id="17" fill="hold">
+                      <p:stCondLst>
+                        <p:cond delay="indefinite"/>
+                      </p:stCondLst>
+                      <p:childTnLst>
+                        <p:par>
+                          <p:cTn id="18" fill="hold">
+                            <p:stCondLst>
+                              <p:cond delay="0"/>
+                            </p:stCondLst>
+                            <p:childTnLst>
+                              <p:par>
+                                <p:cTn id="19" presetID="1" presetClass="entr" presetSubtype="0" fill="hold" grpId="0" nodeType="clickEffect">
+                                  <p:stCondLst>
+                                    <p:cond delay="0"/>
+                                  </p:stCondLst>
+                                  <p:childTnLst>
+                                    <p:set>
+                                      <p:cBhvr>
+                                        <p:cTn id="20" dur="1" fill="hold">
+                                          <p:stCondLst>
+                                            <p:cond delay="0"/>
+                                          </p:stCondLst>
+                                        </p:cTn>
+                                        <p:tgtEl>
+                                          <p:spTgt spid="3">
+                                            <p:txEl>
+                                              <p:pRg st="5" end="5"/>
+                                            </p:txEl>
+                                          </p:spTgt>
+                                        </p:tgtEl>
+                                        <p:attrNameLst>
+                                          <p:attrName>style.visibility</p:attrName>
+                                        </p:attrNameLst>
+                                      </p:cBhvr>
+                                      <p:to>
+                                        <p:strVal val="visible"/>
+                                      </p:to>
+                                    </p:set>
+                                  </p:childTnLst>
+                                </p:cTn>
+                              </p:par>
+                            </p:childTnLst>
+                          </p:cTn>
+                        </p:par>
+                      </p:childTnLst>
+                    </p:cTn>
+                  </p:par>
+                </p:childTnLst>
+              </p:cTn>
+              <p:prevCondLst>
+                <p:cond evt="onPrev" delay="0">
+                  <p:tgtEl>
+                    <p:sldTgt/>
+                  </p:tgtEl>
+                </p:cond>
+              </p:prevCondLst>
+              <p:nextCondLst>
+                <p:cond evt="onNext" delay="0">
+                  <p:tgtEl>
+                    <p:sldTgt/>
+                  </p:tgtEl>
+                </p:cond>
+              </p:nextCondLst>
+            </p:seq>
+          </p:childTnLst>
+        </p:cTn>
       </p:par>
     </p:tnLst>
+    <p:bldLst>
+      <p:bldP spid="3" grpId="0" build="p"/>
+    </p:bldLst>
   </p:timing>
 </p:sld>
 </file>
@@ -7352,15 +8855,11 @@
             </a:pPr>
             <a:r>
               <a:rPr lang="nl-BE" sz="3600" dirty="0" smtClean="0"/>
-              <a:t> </a:t>
+              <a:t> Ons </a:t>
             </a:r>
             <a:r>
               <a:rPr lang="nl-BE" sz="3600" dirty="0" smtClean="0"/>
-              <a:t>Ons </a:t>
-            </a:r>
-            <a:r>
-              <a:rPr lang="nl-BE" sz="3600" dirty="0"/>
-              <a:t>doel</a:t>
+              <a:t>doel </a:t>
             </a:r>
             <a:endParaRPr lang="nl-BE" sz="3600" dirty="0" smtClean="0"/>
           </a:p>
@@ -7394,15 +8893,7 @@
             </a:pPr>
             <a:r>
               <a:rPr lang="nl-BE" sz="3600" dirty="0" smtClean="0"/>
-              <a:t> </a:t>
-            </a:r>
-            <a:r>
-              <a:rPr lang="nl-BE" sz="3600" dirty="0" smtClean="0"/>
-              <a:t>Spreadsheet </a:t>
-            </a:r>
-            <a:r>
-              <a:rPr lang="nl-BE" sz="3600" dirty="0" smtClean="0"/>
-              <a:t>tabel transformaties </a:t>
+              <a:t> Spreadsheet tabel transformaties </a:t>
             </a:r>
             <a:endParaRPr lang="nl-BE" sz="3600" dirty="0"/>
           </a:p>
@@ -7714,15 +9205,7 @@
             </a:br>
             <a:r>
               <a:rPr lang="nl-BE" sz="3600" dirty="0" smtClean="0"/>
-              <a:t>	context </a:t>
-            </a:r>
-            <a:r>
-              <a:rPr lang="nl-BE" sz="3600" dirty="0" smtClean="0"/>
-              <a:t>vrije </a:t>
-            </a:r>
-            <a:r>
-              <a:rPr lang="nl-BE" sz="3600" dirty="0" smtClean="0"/>
-              <a:t>grammatica</a:t>
+              <a:t>	context vrije grammatica</a:t>
             </a:r>
           </a:p>
           <a:p>
@@ -7857,9 +9340,249 @@
   <p:timing>
     <p:tnLst>
       <p:par>
-        <p:cTn id="1" dur="indefinite" restart="never" nodeType="tmRoot"/>
+        <p:cTn id="1" dur="indefinite" restart="never" nodeType="tmRoot">
+          <p:childTnLst>
+            <p:seq concurrent="1" nextAc="seek">
+              <p:cTn id="2" dur="indefinite" nodeType="mainSeq">
+                <p:childTnLst>
+                  <p:par>
+                    <p:cTn id="3" fill="hold">
+                      <p:stCondLst>
+                        <p:cond delay="indefinite"/>
+                      </p:stCondLst>
+                      <p:childTnLst>
+                        <p:par>
+                          <p:cTn id="4" fill="hold">
+                            <p:stCondLst>
+                              <p:cond delay="0"/>
+                            </p:stCondLst>
+                            <p:childTnLst>
+                              <p:par>
+                                <p:cTn id="5" presetID="1" presetClass="entr" presetSubtype="0" fill="hold" grpId="0" nodeType="clickEffect">
+                                  <p:stCondLst>
+                                    <p:cond delay="0"/>
+                                  </p:stCondLst>
+                                  <p:childTnLst>
+                                    <p:set>
+                                      <p:cBhvr>
+                                        <p:cTn id="6" dur="1" fill="hold">
+                                          <p:stCondLst>
+                                            <p:cond delay="0"/>
+                                          </p:stCondLst>
+                                        </p:cTn>
+                                        <p:tgtEl>
+                                          <p:spTgt spid="3">
+                                            <p:txEl>
+                                              <p:pRg st="0" end="0"/>
+                                            </p:txEl>
+                                          </p:spTgt>
+                                        </p:tgtEl>
+                                        <p:attrNameLst>
+                                          <p:attrName>style.visibility</p:attrName>
+                                        </p:attrNameLst>
+                                      </p:cBhvr>
+                                      <p:to>
+                                        <p:strVal val="visible"/>
+                                      </p:to>
+                                    </p:set>
+                                  </p:childTnLst>
+                                </p:cTn>
+                              </p:par>
+                              <p:par>
+                                <p:cTn id="7" presetID="1" presetClass="entr" presetSubtype="0" fill="hold" nodeType="withEffect">
+                                  <p:stCondLst>
+                                    <p:cond delay="0"/>
+                                  </p:stCondLst>
+                                  <p:childTnLst>
+                                    <p:set>
+                                      <p:cBhvr>
+                                        <p:cTn id="8" dur="1" fill="hold">
+                                          <p:stCondLst>
+                                            <p:cond delay="0"/>
+                                          </p:stCondLst>
+                                        </p:cTn>
+                                        <p:tgtEl>
+                                          <p:spTgt spid="7"/>
+                                        </p:tgtEl>
+                                        <p:attrNameLst>
+                                          <p:attrName>style.visibility</p:attrName>
+                                        </p:attrNameLst>
+                                      </p:cBhvr>
+                                      <p:to>
+                                        <p:strVal val="visible"/>
+                                      </p:to>
+                                    </p:set>
+                                  </p:childTnLst>
+                                </p:cTn>
+                              </p:par>
+                            </p:childTnLst>
+                          </p:cTn>
+                        </p:par>
+                      </p:childTnLst>
+                    </p:cTn>
+                  </p:par>
+                  <p:par>
+                    <p:cTn id="9" fill="hold">
+                      <p:stCondLst>
+                        <p:cond delay="indefinite"/>
+                      </p:stCondLst>
+                      <p:childTnLst>
+                        <p:par>
+                          <p:cTn id="10" fill="hold">
+                            <p:stCondLst>
+                              <p:cond delay="0"/>
+                            </p:stCondLst>
+                            <p:childTnLst>
+                              <p:par>
+                                <p:cTn id="11" presetID="1" presetClass="entr" presetSubtype="0" fill="hold" grpId="0" nodeType="clickEffect">
+                                  <p:stCondLst>
+                                    <p:cond delay="0"/>
+                                  </p:stCondLst>
+                                  <p:childTnLst>
+                                    <p:set>
+                                      <p:cBhvr>
+                                        <p:cTn id="12" dur="1" fill="hold">
+                                          <p:stCondLst>
+                                            <p:cond delay="0"/>
+                                          </p:stCondLst>
+                                        </p:cTn>
+                                        <p:tgtEl>
+                                          <p:spTgt spid="3">
+                                            <p:txEl>
+                                              <p:pRg st="1" end="1"/>
+                                            </p:txEl>
+                                          </p:spTgt>
+                                        </p:tgtEl>
+                                        <p:attrNameLst>
+                                          <p:attrName>style.visibility</p:attrName>
+                                        </p:attrNameLst>
+                                      </p:cBhvr>
+                                      <p:to>
+                                        <p:strVal val="visible"/>
+                                      </p:to>
+                                    </p:set>
+                                  </p:childTnLst>
+                                </p:cTn>
+                              </p:par>
+                              <p:par>
+                                <p:cTn id="13" presetID="1" presetClass="entr" presetSubtype="0" fill="hold" grpId="0" nodeType="withEffect">
+                                  <p:stCondLst>
+                                    <p:cond delay="0"/>
+                                  </p:stCondLst>
+                                  <p:childTnLst>
+                                    <p:set>
+                                      <p:cBhvr>
+                                        <p:cTn id="14" dur="1" fill="hold">
+                                          <p:stCondLst>
+                                            <p:cond delay="0"/>
+                                          </p:stCondLst>
+                                        </p:cTn>
+                                        <p:tgtEl>
+                                          <p:spTgt spid="3">
+                                            <p:txEl>
+                                              <p:pRg st="2" end="2"/>
+                                            </p:txEl>
+                                          </p:spTgt>
+                                        </p:tgtEl>
+                                        <p:attrNameLst>
+                                          <p:attrName>style.visibility</p:attrName>
+                                        </p:attrNameLst>
+                                      </p:cBhvr>
+                                      <p:to>
+                                        <p:strVal val="visible"/>
+                                      </p:to>
+                                    </p:set>
+                                  </p:childTnLst>
+                                </p:cTn>
+                              </p:par>
+                              <p:par>
+                                <p:cTn id="15" presetID="1" presetClass="entr" presetSubtype="0" fill="hold" grpId="0" nodeType="withEffect">
+                                  <p:stCondLst>
+                                    <p:cond delay="0"/>
+                                  </p:stCondLst>
+                                  <p:childTnLst>
+                                    <p:set>
+                                      <p:cBhvr>
+                                        <p:cTn id="16" dur="1" fill="hold">
+                                          <p:stCondLst>
+                                            <p:cond delay="0"/>
+                                          </p:stCondLst>
+                                        </p:cTn>
+                                        <p:tgtEl>
+                                          <p:spTgt spid="3">
+                                            <p:txEl>
+                                              <p:pRg st="3" end="3"/>
+                                            </p:txEl>
+                                          </p:spTgt>
+                                        </p:tgtEl>
+                                        <p:attrNameLst>
+                                          <p:attrName>style.visibility</p:attrName>
+                                        </p:attrNameLst>
+                                      </p:cBhvr>
+                                      <p:to>
+                                        <p:strVal val="visible"/>
+                                      </p:to>
+                                    </p:set>
+                                  </p:childTnLst>
+                                </p:cTn>
+                              </p:par>
+                              <p:par>
+                                <p:cTn id="17" presetID="1" presetClass="entr" presetSubtype="0" fill="hold" nodeType="withEffect">
+                                  <p:stCondLst>
+                                    <p:cond delay="0"/>
+                                  </p:stCondLst>
+                                  <p:childTnLst>
+                                    <p:set>
+                                      <p:cBhvr>
+                                        <p:cTn id="18" dur="1" fill="hold">
+                                          <p:stCondLst>
+                                            <p:cond delay="0"/>
+                                          </p:stCondLst>
+                                        </p:cTn>
+                                        <p:tgtEl>
+                                          <p:spTgt spid="6"/>
+                                        </p:tgtEl>
+                                        <p:attrNameLst>
+                                          <p:attrName>style.visibility</p:attrName>
+                                        </p:attrNameLst>
+                                      </p:cBhvr>
+                                      <p:to>
+                                        <p:strVal val="visible"/>
+                                      </p:to>
+                                    </p:set>
+                                  </p:childTnLst>
+                                </p:cTn>
+                              </p:par>
+                            </p:childTnLst>
+                          </p:cTn>
+                        </p:par>
+                      </p:childTnLst>
+                    </p:cTn>
+                  </p:par>
+                </p:childTnLst>
+              </p:cTn>
+              <p:prevCondLst>
+                <p:cond evt="onPrev" delay="0">
+                  <p:tgtEl>
+                    <p:sldTgt/>
+                  </p:tgtEl>
+                </p:cond>
+              </p:prevCondLst>
+              <p:nextCondLst>
+                <p:cond evt="onNext" delay="0">
+                  <p:tgtEl>
+                    <p:sldTgt/>
+                  </p:tgtEl>
+                </p:cond>
+              </p:nextCondLst>
+            </p:seq>
+          </p:childTnLst>
+        </p:cTn>
       </p:par>
     </p:tnLst>
+    <p:bldLst>
+      <p:bldP spid="3" grpId="0" uiExpand="1" build="p"/>
+    </p:bldLst>
   </p:timing>
 </p:sld>
 </file>
@@ -7900,9 +9623,9 @@
           <a:p>
             <a:r>
               <a:rPr lang="nl-BE" sz="6000" dirty="0" smtClean="0"/>
-              <a:t>Conclusie</a:t>
-            </a:r>
-            <a:endParaRPr lang="en-US" sz="6000" dirty="0"/>
+              <a:t>Overzicht</a:t>
+            </a:r>
+            <a:endParaRPr lang="nl-BE" sz="6000" dirty="0"/>
           </a:p>
         </p:txBody>
       </p:sp>
@@ -7923,24 +9646,94 @@
           </a:bodyPr>
           <a:lstStyle/>
           <a:p>
-            <a:pPr marL="0" indent="0">
-              <a:buNone/>
+            <a:pPr>
+              <a:buFont typeface="Arial" panose="020B0604020202020204" pitchFamily="34" charset="0"/>
+              <a:buChar char="•"/>
             </a:pPr>
             <a:r>
-              <a:rPr lang="nl-BE" sz="3600" dirty="0" smtClean="0">
-                <a:solidFill>
-                  <a:srgbClr val="FF0000"/>
-                </a:solidFill>
-              </a:rPr>
-              <a:t>(NOG TE DOEN)</a:t>
-            </a:r>
+              <a:rPr lang="nl-BE" sz="3600" dirty="0" smtClean="0"/>
+              <a:t> Ons </a:t>
+            </a:r>
+            <a:r>
+              <a:rPr lang="nl-BE" sz="3600" dirty="0"/>
+              <a:t>doel</a:t>
+            </a:r>
+            <a:endParaRPr lang="nl-BE" sz="3600" dirty="0" smtClean="0"/>
+          </a:p>
+          <a:p>
+            <a:pPr>
+              <a:buFont typeface="Arial" panose="020B0604020202020204" pitchFamily="34" charset="0"/>
+              <a:buChar char="•"/>
+            </a:pPr>
+            <a:r>
+              <a:rPr lang="nl-BE" sz="3600" dirty="0"/>
+              <a:t> </a:t>
+            </a:r>
+            <a:r>
+              <a:rPr lang="nl-BE" sz="3600" dirty="0" err="1" smtClean="0"/>
+              <a:t>Example-based</a:t>
+            </a:r>
+            <a:r>
+              <a:rPr lang="nl-BE" sz="3600" dirty="0" smtClean="0"/>
+              <a:t> </a:t>
+            </a:r>
+            <a:r>
+              <a:rPr lang="nl-BE" sz="3600" dirty="0" err="1" smtClean="0"/>
+              <a:t>learning</a:t>
+            </a:r>
+            <a:endParaRPr lang="nl-BE" sz="3600" dirty="0" smtClean="0"/>
+          </a:p>
+          <a:p>
+            <a:pPr>
+              <a:buFont typeface="Arial" panose="020B0604020202020204" pitchFamily="34" charset="0"/>
+              <a:buChar char="•"/>
+            </a:pPr>
+            <a:r>
+              <a:rPr lang="nl-BE" sz="3600" dirty="0" smtClean="0"/>
+              <a:t> Spreadsheet tabel transformaties </a:t>
+            </a:r>
+            <a:endParaRPr lang="nl-BE" sz="3600" dirty="0"/>
+          </a:p>
+          <a:p>
+            <a:pPr>
+              <a:buFont typeface="Arial" panose="020B0604020202020204" pitchFamily="34" charset="0"/>
+              <a:buChar char="•"/>
+            </a:pPr>
+            <a:r>
+              <a:rPr lang="nl-BE" sz="3600" dirty="0" smtClean="0"/>
+              <a:t> </a:t>
+            </a:r>
+            <a:r>
+              <a:rPr lang="nl-BE" sz="3600" dirty="0" err="1" smtClean="0"/>
+              <a:t>Equation</a:t>
+            </a:r>
+            <a:r>
+              <a:rPr lang="nl-BE" sz="3600" dirty="0" smtClean="0"/>
+              <a:t> </a:t>
+            </a:r>
+            <a:r>
+              <a:rPr lang="nl-BE" sz="3600" dirty="0" err="1" smtClean="0"/>
+              <a:t>discovery</a:t>
+            </a:r>
+            <a:endParaRPr lang="nl-BE" sz="3600" dirty="0"/>
+          </a:p>
+          <a:p>
+            <a:pPr>
+              <a:buFont typeface="Arial" panose="020B0604020202020204" pitchFamily="34" charset="0"/>
+              <a:buChar char="•"/>
+            </a:pPr>
+            <a:r>
+              <a:rPr lang="nl-BE" sz="3600" b="1" dirty="0" smtClean="0"/>
+              <a:t> Conclusie</a:t>
+            </a:r>
+            <a:endParaRPr lang="nl-BE" sz="3600" b="1" dirty="0"/>
           </a:p>
         </p:txBody>
       </p:sp>
     </p:spTree>
     <p:extLst>
       <p:ext uri="{BB962C8B-B14F-4D97-AF65-F5344CB8AC3E}">
-        <p14:creationId xmlns:p14="http://schemas.microsoft.com/office/powerpoint/2010/main" val="2029372312"/>
+        <p14:creationId xmlns:p14="http://schemas.microsoft.com/office/powerpoint/2010/main" val="3246322184"/>
       </p:ext>
     </p:extLst>
   </p:cSld>
@@ -7993,6 +9786,99 @@
           <a:p>
             <a:r>
               <a:rPr lang="nl-BE" sz="6000" dirty="0" smtClean="0"/>
+              <a:t>Conclusie</a:t>
+            </a:r>
+            <a:endParaRPr lang="en-US" sz="6000" dirty="0"/>
+          </a:p>
+        </p:txBody>
+      </p:sp>
+      <p:sp>
+        <p:nvSpPr>
+          <p:cNvPr id="3" name="Content Placeholder 2"/>
+          <p:cNvSpPr>
+            <a:spLocks noGrp="1"/>
+          </p:cNvSpPr>
+          <p:nvPr>
+            <p:ph idx="1"/>
+          </p:nvPr>
+        </p:nvSpPr>
+        <p:spPr/>
+        <p:txBody>
+          <a:bodyPr>
+            <a:normAutofit/>
+          </a:bodyPr>
+          <a:lstStyle/>
+          <a:p>
+            <a:pPr marL="0" indent="0">
+              <a:buNone/>
+            </a:pPr>
+            <a:r>
+              <a:rPr lang="nl-BE" sz="3600" dirty="0" smtClean="0">
+                <a:solidFill>
+                  <a:srgbClr val="FF0000"/>
+                </a:solidFill>
+              </a:rPr>
+              <a:t>(NOG TE DOEN)</a:t>
+            </a:r>
+          </a:p>
+        </p:txBody>
+      </p:sp>
+    </p:spTree>
+    <p:extLst>
+      <p:ext uri="{BB962C8B-B14F-4D97-AF65-F5344CB8AC3E}">
+        <p14:creationId xmlns:p14="http://schemas.microsoft.com/office/powerpoint/2010/main" val="2029372312"/>
+      </p:ext>
+    </p:extLst>
+  </p:cSld>
+  <p:clrMapOvr>
+    <a:masterClrMapping/>
+  </p:clrMapOvr>
+  <p:timing>
+    <p:tnLst>
+      <p:par>
+        <p:cTn id="1" dur="indefinite" restart="never" nodeType="tmRoot"/>
+      </p:par>
+    </p:tnLst>
+  </p:timing>
+</p:sld>
+</file>
+
+<file path=ppt/slides/slide24.xml><?xml version="1.0" encoding="utf-8"?>
+<p:sld xmlns:a="http://schemas.openxmlformats.org/drawingml/2006/main" xmlns:r="http://schemas.openxmlformats.org/officeDocument/2006/relationships" xmlns:p="http://schemas.openxmlformats.org/presentationml/2006/main">
+  <p:cSld>
+    <p:spTree>
+      <p:nvGrpSpPr>
+        <p:cNvPr id="1" name=""/>
+        <p:cNvGrpSpPr/>
+        <p:nvPr/>
+      </p:nvGrpSpPr>
+      <p:grpSpPr>
+        <a:xfrm>
+          <a:off x="0" y="0"/>
+          <a:ext cx="0" cy="0"/>
+          <a:chOff x="0" y="0"/>
+          <a:chExt cx="0" cy="0"/>
+        </a:xfrm>
+      </p:grpSpPr>
+      <p:sp>
+        <p:nvSpPr>
+          <p:cNvPr id="2" name="Title 1"/>
+          <p:cNvSpPr>
+            <a:spLocks noGrp="1"/>
+          </p:cNvSpPr>
+          <p:nvPr>
+            <p:ph type="title"/>
+          </p:nvPr>
+        </p:nvSpPr>
+        <p:spPr/>
+        <p:txBody>
+          <a:bodyPr>
+            <a:normAutofit/>
+          </a:bodyPr>
+          <a:lstStyle/>
+          <a:p>
+            <a:r>
+              <a:rPr lang="nl-BE" sz="6000" dirty="0" smtClean="0"/>
               <a:t>Papers</a:t>
             </a:r>
             <a:endParaRPr lang="nl-BE" sz="6000" dirty="0"/>
@@ -8025,11 +9911,7 @@
             </a:pPr>
             <a:r>
               <a:rPr lang="nl-BE" sz="3200" b="1" dirty="0" smtClean="0"/>
-              <a:t> </a:t>
-            </a:r>
-            <a:r>
-              <a:rPr lang="nl-BE" sz="3200" b="1" dirty="0" smtClean="0"/>
-              <a:t>Spreadsheet </a:t>
+              <a:t> Spreadsheet </a:t>
             </a:r>
             <a:r>
               <a:rPr lang="nl-BE" sz="3200" b="1" dirty="0" err="1"/>
@@ -8068,15 +9950,7 @@
             </a:br>
             <a:r>
               <a:rPr lang="nl-BE" sz="3200" dirty="0" smtClean="0"/>
-              <a:t>   </a:t>
-            </a:r>
-            <a:r>
-              <a:rPr lang="nl-BE" sz="3200" dirty="0" smtClean="0"/>
-              <a:t>CACM</a:t>
-            </a:r>
-            <a:r>
-              <a:rPr lang="nl-BE" sz="3200" dirty="0" smtClean="0"/>
-              <a:t>, </a:t>
+              <a:t>   CACM, </a:t>
             </a:r>
             <a:r>
               <a:rPr lang="nl-BE" sz="3200" dirty="0"/>
@@ -8141,11 +10015,7 @@
             </a:r>
             <a:r>
               <a:rPr lang="nl-BE" sz="3200" dirty="0" smtClean="0"/>
-              <a:t>CACM </a:t>
-            </a:r>
-            <a:r>
-              <a:rPr lang="nl-BE" sz="3200" dirty="0" smtClean="0"/>
-              <a:t>2014, </a:t>
+              <a:t>CACM 2014, </a:t>
             </a:r>
             <a:r>
               <a:rPr lang="nl-BE" sz="3200" dirty="0" err="1"/>
@@ -8214,11 +10084,7 @@
             </a:br>
             <a:r>
               <a:rPr lang="nl-BE" sz="3200" dirty="0" smtClean="0"/>
-              <a:t> </a:t>
-            </a:r>
-            <a:r>
-              <a:rPr lang="nl-BE" sz="3200" dirty="0" smtClean="0"/>
-              <a:t>  LNCS </a:t>
+              <a:t>   LNCS </a:t>
             </a:r>
             <a:r>
               <a:rPr lang="nl-BE" sz="3200" dirty="0"/>
@@ -8337,7 +10203,7 @@
 </p:sld>
 </file>
 
-<file path=ppt/slides/slide24.xml><?xml version="1.0" encoding="utf-8"?>
+<file path=ppt/slides/slide25.xml><?xml version="1.0" encoding="utf-8"?>
 <p:sld xmlns:a="http://schemas.openxmlformats.org/drawingml/2006/main" xmlns:r="http://schemas.openxmlformats.org/officeDocument/2006/relationships" xmlns:p="http://schemas.openxmlformats.org/presentationml/2006/main">
   <p:cSld>
     <p:spTree>
@@ -8483,17 +10349,13 @@
             </a:pPr>
             <a:r>
               <a:rPr lang="nl-BE" sz="3600" b="1" dirty="0" smtClean="0"/>
-              <a:t> </a:t>
+              <a:t> Ons </a:t>
             </a:r>
             <a:r>
               <a:rPr lang="nl-BE" sz="3600" b="1" dirty="0" smtClean="0"/>
-              <a:t>Ons </a:t>
-            </a:r>
-            <a:r>
-              <a:rPr lang="nl-BE" sz="3600" b="1" dirty="0"/>
               <a:t>doel</a:t>
             </a:r>
-            <a:endParaRPr lang="nl-BE" sz="3600" b="1" dirty="0" smtClean="0"/>
+            <a:endParaRPr lang="nl-BE" sz="3000" dirty="0" smtClean="0"/>
           </a:p>
           <a:p>
             <a:pPr>
@@ -8525,15 +10387,7 @@
             </a:pPr>
             <a:r>
               <a:rPr lang="nl-BE" sz="3600" dirty="0" smtClean="0"/>
-              <a:t> </a:t>
-            </a:r>
-            <a:r>
-              <a:rPr lang="nl-BE" sz="3600" dirty="0" smtClean="0"/>
-              <a:t>Spreadsheet </a:t>
-            </a:r>
-            <a:r>
-              <a:rPr lang="nl-BE" sz="3600" dirty="0" smtClean="0"/>
-              <a:t>tabel transformaties </a:t>
+              <a:t> Spreadsheet tabel transformaties </a:t>
             </a:r>
             <a:endParaRPr lang="nl-BE" sz="3600" dirty="0"/>
           </a:p>
@@ -8676,11 +10530,7 @@
             </a:r>
             <a:r>
               <a:rPr lang="en-US" sz="3600" dirty="0" smtClean="0"/>
-              <a:t> </a:t>
-            </a:r>
-            <a:r>
-              <a:rPr lang="en-US" sz="3600" dirty="0" smtClean="0"/>
-              <a:t>taken</a:t>
+              <a:t> taken</a:t>
             </a:r>
           </a:p>
           <a:p>
@@ -8698,11 +10548,7 @@
             </a:r>
             <a:r>
               <a:rPr lang="en-US" sz="3600" dirty="0" smtClean="0"/>
-              <a:t> </a:t>
-            </a:r>
-            <a:r>
-              <a:rPr lang="en-US" sz="3600" dirty="0" smtClean="0"/>
-              <a:t>tot </a:t>
+              <a:t> tot </a:t>
             </a:r>
             <a:r>
               <a:rPr lang="en-US" sz="3600" dirty="0" err="1" smtClean="0"/>
@@ -8729,11 +10575,7 @@
             </a:r>
             <a:r>
               <a:rPr lang="nl-BE" sz="3600" dirty="0" smtClean="0"/>
-              <a:t>Non-triviale </a:t>
-            </a:r>
-            <a:r>
-              <a:rPr lang="nl-BE" sz="3600" dirty="0" smtClean="0"/>
-              <a:t>transformaties</a:t>
+              <a:t>Non-triviale transformaties</a:t>
             </a:r>
             <a:endParaRPr lang="en-US" sz="3600" dirty="0" smtClean="0"/>
           </a:p>
@@ -8815,11 +10657,7 @@
             </a:pPr>
             <a:r>
               <a:rPr lang="nl-BE" sz="3600" dirty="0" smtClean="0"/>
-              <a:t> </a:t>
-            </a:r>
-            <a:r>
-              <a:rPr lang="nl-BE" sz="3600" dirty="0" smtClean="0"/>
-              <a:t>Flash </a:t>
+              <a:t> Flash </a:t>
             </a:r>
             <a:r>
               <a:rPr lang="nl-BE" sz="3600" dirty="0" err="1" smtClean="0"/>
@@ -8865,11 +10703,7 @@
             </a:pPr>
             <a:r>
               <a:rPr lang="nl-BE" sz="3600" dirty="0" smtClean="0"/>
-              <a:t> </a:t>
-            </a:r>
-            <a:r>
-              <a:rPr lang="nl-BE" sz="3600" dirty="0" smtClean="0"/>
-              <a:t>Voorbeeld</a:t>
+              <a:t> Voorbeeld</a:t>
             </a:r>
             <a:endParaRPr lang="en-US" sz="3600" dirty="0" smtClean="0"/>
           </a:p>
@@ -10174,7 +12008,205 @@
   <p:timing>
     <p:tnLst>
       <p:par>
-        <p:cTn id="1" dur="indefinite" restart="never" nodeType="tmRoot"/>
+        <p:cTn id="1" dur="indefinite" restart="never" nodeType="tmRoot">
+          <p:childTnLst>
+            <p:seq concurrent="1" nextAc="seek">
+              <p:cTn id="2" dur="indefinite" nodeType="mainSeq">
+                <p:childTnLst>
+                  <p:par>
+                    <p:cTn id="3" fill="hold">
+                      <p:stCondLst>
+                        <p:cond delay="indefinite"/>
+                      </p:stCondLst>
+                      <p:childTnLst>
+                        <p:par>
+                          <p:cTn id="4" fill="hold">
+                            <p:stCondLst>
+                              <p:cond delay="0"/>
+                            </p:stCondLst>
+                            <p:childTnLst>
+                              <p:par>
+                                <p:cTn id="5" presetID="1" presetClass="entr" presetSubtype="0" fill="hold" nodeType="clickEffect">
+                                  <p:stCondLst>
+                                    <p:cond delay="0"/>
+                                  </p:stCondLst>
+                                  <p:childTnLst>
+                                    <p:set>
+                                      <p:cBhvr>
+                                        <p:cTn id="6" dur="1" fill="hold">
+                                          <p:stCondLst>
+                                            <p:cond delay="0"/>
+                                          </p:stCondLst>
+                                        </p:cTn>
+                                        <p:tgtEl>
+                                          <p:spTgt spid="3">
+                                            <p:txEl>
+                                              <p:pRg st="2" end="2"/>
+                                            </p:txEl>
+                                          </p:spTgt>
+                                        </p:tgtEl>
+                                        <p:attrNameLst>
+                                          <p:attrName>style.visibility</p:attrName>
+                                        </p:attrNameLst>
+                                      </p:cBhvr>
+                                      <p:to>
+                                        <p:strVal val="visible"/>
+                                      </p:to>
+                                    </p:set>
+                                  </p:childTnLst>
+                                </p:cTn>
+                              </p:par>
+                              <p:par>
+                                <p:cTn id="7" presetID="1" presetClass="entr" presetSubtype="0" fill="hold" nodeType="withEffect">
+                                  <p:stCondLst>
+                                    <p:cond delay="0"/>
+                                  </p:stCondLst>
+                                  <p:childTnLst>
+                                    <p:set>
+                                      <p:cBhvr>
+                                        <p:cTn id="8" dur="1" fill="hold">
+                                          <p:stCondLst>
+                                            <p:cond delay="0"/>
+                                          </p:stCondLst>
+                                        </p:cTn>
+                                        <p:tgtEl>
+                                          <p:spTgt spid="4"/>
+                                        </p:tgtEl>
+                                        <p:attrNameLst>
+                                          <p:attrName>style.visibility</p:attrName>
+                                        </p:attrNameLst>
+                                      </p:cBhvr>
+                                      <p:to>
+                                        <p:strVal val="visible"/>
+                                      </p:to>
+                                    </p:set>
+                                  </p:childTnLst>
+                                </p:cTn>
+                              </p:par>
+                            </p:childTnLst>
+                          </p:cTn>
+                        </p:par>
+                      </p:childTnLst>
+                    </p:cTn>
+                  </p:par>
+                  <p:par>
+                    <p:cTn id="9" fill="hold">
+                      <p:stCondLst>
+                        <p:cond delay="indefinite"/>
+                      </p:stCondLst>
+                      <p:childTnLst>
+                        <p:par>
+                          <p:cTn id="10" fill="hold">
+                            <p:stCondLst>
+                              <p:cond delay="0"/>
+                            </p:stCondLst>
+                            <p:childTnLst>
+                              <p:par>
+                                <p:cTn id="11" presetID="1" presetClass="entr" presetSubtype="0" fill="hold" nodeType="clickEffect">
+                                  <p:stCondLst>
+                                    <p:cond delay="0"/>
+                                  </p:stCondLst>
+                                  <p:childTnLst>
+                                    <p:set>
+                                      <p:cBhvr>
+                                        <p:cTn id="12" dur="1" fill="hold">
+                                          <p:stCondLst>
+                                            <p:cond delay="0"/>
+                                          </p:stCondLst>
+                                        </p:cTn>
+                                        <p:tgtEl>
+                                          <p:spTgt spid="10"/>
+                                        </p:tgtEl>
+                                        <p:attrNameLst>
+                                          <p:attrName>style.visibility</p:attrName>
+                                        </p:attrNameLst>
+                                      </p:cBhvr>
+                                      <p:to>
+                                        <p:strVal val="visible"/>
+                                      </p:to>
+                                    </p:set>
+                                  </p:childTnLst>
+                                </p:cTn>
+                              </p:par>
+                              <p:par>
+                                <p:cTn id="13" presetID="1" presetClass="entr" presetSubtype="0" fill="hold" nodeType="withEffect">
+                                  <p:stCondLst>
+                                    <p:cond delay="0"/>
+                                  </p:stCondLst>
+                                  <p:childTnLst>
+                                    <p:set>
+                                      <p:cBhvr>
+                                        <p:cTn id="14" dur="1" fill="hold">
+                                          <p:stCondLst>
+                                            <p:cond delay="0"/>
+                                          </p:stCondLst>
+                                        </p:cTn>
+                                        <p:tgtEl>
+                                          <p:spTgt spid="9"/>
+                                        </p:tgtEl>
+                                        <p:attrNameLst>
+                                          <p:attrName>style.visibility</p:attrName>
+                                        </p:attrNameLst>
+                                      </p:cBhvr>
+                                      <p:to>
+                                        <p:strVal val="visible"/>
+                                      </p:to>
+                                    </p:set>
+                                  </p:childTnLst>
+                                </p:cTn>
+                              </p:par>
+                              <p:par>
+                                <p:cTn id="15" presetID="1" presetClass="entr" presetSubtype="0" fill="hold" nodeType="withEffect">
+                                  <p:stCondLst>
+                                    <p:cond delay="0"/>
+                                  </p:stCondLst>
+                                  <p:childTnLst>
+                                    <p:set>
+                                      <p:cBhvr>
+                                        <p:cTn id="16" dur="1" fill="hold">
+                                          <p:stCondLst>
+                                            <p:cond delay="0"/>
+                                          </p:stCondLst>
+                                        </p:cTn>
+                                        <p:tgtEl>
+                                          <p:spTgt spid="8"/>
+                                        </p:tgtEl>
+                                        <p:attrNameLst>
+                                          <p:attrName>style.visibility</p:attrName>
+                                        </p:attrNameLst>
+                                      </p:cBhvr>
+                                      <p:to>
+                                        <p:strVal val="visible"/>
+                                      </p:to>
+                                    </p:set>
+                                  </p:childTnLst>
+                                </p:cTn>
+                              </p:par>
+                            </p:childTnLst>
+                          </p:cTn>
+                        </p:par>
+                      </p:childTnLst>
+                    </p:cTn>
+                  </p:par>
+                </p:childTnLst>
+              </p:cTn>
+              <p:prevCondLst>
+                <p:cond evt="onPrev" delay="0">
+                  <p:tgtEl>
+                    <p:sldTgt/>
+                  </p:tgtEl>
+                </p:cond>
+              </p:prevCondLst>
+              <p:nextCondLst>
+                <p:cond evt="onNext" delay="0">
+                  <p:tgtEl>
+                    <p:sldTgt/>
+                  </p:tgtEl>
+                </p:cond>
+              </p:nextCondLst>
+            </p:seq>
+          </p:childTnLst>
+        </p:cTn>
       </p:par>
     </p:tnLst>
   </p:timing>
@@ -10233,7 +12265,12 @@
             <p:ph idx="1"/>
           </p:nvPr>
         </p:nvSpPr>
-        <p:spPr/>
+        <p:spPr>
+          <a:xfrm>
+            <a:off x="1097280" y="1845734"/>
+            <a:ext cx="10997310" cy="4023360"/>
+          </a:xfrm>
+        </p:spPr>
         <p:txBody>
           <a:bodyPr>
             <a:normAutofit/>
@@ -10246,11 +12283,7 @@
             </a:pPr>
             <a:r>
               <a:rPr lang="nl-BE" sz="3600" dirty="0" smtClean="0"/>
-              <a:t> </a:t>
-            </a:r>
-            <a:r>
-              <a:rPr lang="nl-BE" sz="3600" dirty="0" smtClean="0"/>
-              <a:t>Ons </a:t>
+              <a:t> Ons </a:t>
             </a:r>
             <a:r>
               <a:rPr lang="nl-BE" sz="3600" dirty="0"/>
@@ -10279,7 +12312,27 @@
               <a:rPr lang="nl-BE" sz="3600" b="1" dirty="0" err="1" smtClean="0"/>
               <a:t>learning</a:t>
             </a:r>
-            <a:endParaRPr lang="nl-BE" sz="3600" b="1" dirty="0" smtClean="0"/>
+            <a:r>
+              <a:rPr lang="nl-BE" sz="3600" b="1" dirty="0"/>
+              <a:t> </a:t>
+            </a:r>
+            <a:r>
+              <a:rPr lang="nl-BE" sz="3600" b="1" dirty="0" smtClean="0"/>
+              <a:t>			</a:t>
+            </a:r>
+            <a:r>
+              <a:rPr lang="nl-BE" sz="2600" dirty="0" smtClean="0"/>
+              <a:t>[</a:t>
+            </a:r>
+            <a:r>
+              <a:rPr lang="nl-BE" sz="2600" dirty="0" err="1" smtClean="0"/>
+              <a:t>Gulwani</a:t>
+            </a:r>
+            <a:r>
+              <a:rPr lang="nl-BE" sz="2600" dirty="0" smtClean="0"/>
+              <a:t>, CACM 14]</a:t>
+            </a:r>
+            <a:endParaRPr lang="nl-BE" sz="3000" b="1" dirty="0" smtClean="0"/>
           </a:p>
           <a:p>
             <a:pPr>
@@ -10288,15 +12341,7 @@
             </a:pPr>
             <a:r>
               <a:rPr lang="nl-BE" sz="3600" dirty="0" smtClean="0"/>
-              <a:t> </a:t>
-            </a:r>
-            <a:r>
-              <a:rPr lang="nl-BE" sz="3600" dirty="0" smtClean="0"/>
-              <a:t>Spreadsheet </a:t>
-            </a:r>
-            <a:r>
-              <a:rPr lang="nl-BE" sz="3600" dirty="0" smtClean="0"/>
-              <a:t>tabel transformaties </a:t>
+              <a:t> Spreadsheet tabel transformaties </a:t>
             </a:r>
             <a:endParaRPr lang="nl-BE" sz="3600" dirty="0"/>
           </a:p>
@@ -10504,7 +12549,6 @@
               <a:rPr lang="nl-BE" sz="3200" dirty="0" smtClean="0"/>
               <a:t> </a:t>
             </a:r>
-            <a:endParaRPr lang="nl-BE" sz="3200" dirty="0" smtClean="0"/>
           </a:p>
         </p:txBody>
       </p:sp>
@@ -10591,6 +12635,52 @@
           </a:p>
           <a:p>
             <a:endParaRPr lang="en-US" dirty="0"/>
+          </a:p>
+        </p:txBody>
+      </p:sp>
+      <p:sp>
+        <p:nvSpPr>
+          <p:cNvPr id="7" name="Rectangle 6"/>
+          <p:cNvSpPr/>
+          <p:nvPr/>
+        </p:nvSpPr>
+        <p:spPr>
+          <a:xfrm>
+            <a:off x="619432" y="1846052"/>
+            <a:ext cx="5919020" cy="2657122"/>
+          </a:xfrm>
+          <a:prstGeom prst="rect">
+            <a:avLst/>
+          </a:prstGeom>
+          <a:noFill/>
+          <a:ln w="76200">
+            <a:solidFill>
+              <a:srgbClr val="FF0000"/>
+            </a:solidFill>
+          </a:ln>
+        </p:spPr>
+        <p:style>
+          <a:lnRef idx="2">
+            <a:schemeClr val="accent1">
+              <a:shade val="50000"/>
+            </a:schemeClr>
+          </a:lnRef>
+          <a:fillRef idx="1">
+            <a:schemeClr val="accent1"/>
+          </a:fillRef>
+          <a:effectRef idx="0">
+            <a:schemeClr val="accent1"/>
+          </a:effectRef>
+          <a:fontRef idx="minor">
+            <a:schemeClr val="lt1"/>
+          </a:fontRef>
+        </p:style>
+        <p:txBody>
+          <a:bodyPr rtlCol="0" anchor="ctr"/>
+          <a:lstStyle/>
+          <a:p>
+            <a:pPr algn="ctr"/>
+            <a:endParaRPr lang="en-US"/>
           </a:p>
         </p:txBody>
       </p:sp>
@@ -10607,9 +12697,80 @@
   <p:timing>
     <p:tnLst>
       <p:par>
-        <p:cTn id="1" dur="indefinite" restart="never" nodeType="tmRoot"/>
+        <p:cTn id="1" dur="indefinite" restart="never" nodeType="tmRoot">
+          <p:childTnLst>
+            <p:seq concurrent="1" nextAc="seek">
+              <p:cTn id="2" dur="indefinite" nodeType="mainSeq">
+                <p:childTnLst>
+                  <p:par>
+                    <p:cTn id="3" fill="hold">
+                      <p:stCondLst>
+                        <p:cond delay="indefinite"/>
+                      </p:stCondLst>
+                      <p:childTnLst>
+                        <p:par>
+                          <p:cTn id="4" fill="hold">
+                            <p:stCondLst>
+                              <p:cond delay="0"/>
+                            </p:stCondLst>
+                            <p:childTnLst>
+                              <p:par>
+                                <p:cTn id="5" presetID="1" presetClass="entr" presetSubtype="0" fill="hold" grpId="0" nodeType="clickEffect">
+                                  <p:stCondLst>
+                                    <p:cond delay="0"/>
+                                  </p:stCondLst>
+                                  <p:childTnLst>
+                                    <p:set>
+                                      <p:cBhvr>
+                                        <p:cTn id="6" dur="1" fill="hold">
+                                          <p:stCondLst>
+                                            <p:cond delay="0"/>
+                                          </p:stCondLst>
+                                        </p:cTn>
+                                        <p:tgtEl>
+                                          <p:spTgt spid="7"/>
+                                        </p:tgtEl>
+                                        <p:attrNameLst>
+                                          <p:attrName>style.visibility</p:attrName>
+                                        </p:attrNameLst>
+                                      </p:cBhvr>
+                                      <p:to>
+                                        <p:strVal val="visible"/>
+                                      </p:to>
+                                    </p:set>
+                                  </p:childTnLst>
+                                </p:cTn>
+                              </p:par>
+                            </p:childTnLst>
+                          </p:cTn>
+                        </p:par>
+                      </p:childTnLst>
+                    </p:cTn>
+                  </p:par>
+                </p:childTnLst>
+              </p:cTn>
+              <p:prevCondLst>
+                <p:cond evt="onPrev" delay="0">
+                  <p:tgtEl>
+                    <p:sldTgt/>
+                  </p:tgtEl>
+                </p:cond>
+              </p:prevCondLst>
+              <p:nextCondLst>
+                <p:cond evt="onNext" delay="0">
+                  <p:tgtEl>
+                    <p:sldTgt/>
+                  </p:tgtEl>
+                </p:cond>
+              </p:nextCondLst>
+            </p:seq>
+          </p:childTnLst>
+        </p:cTn>
       </p:par>
     </p:tnLst>
+    <p:bldLst>
+      <p:bldP spid="7" grpId="0" animBg="1"/>
+    </p:bldLst>
   </p:timing>
 </p:sld>
 </file>
@@ -10695,11 +12856,7 @@
             </a:r>
             <a:r>
               <a:rPr lang="nl-BE" sz="3600" dirty="0"/>
-              <a:t> </a:t>
-            </a:r>
-            <a:r>
-              <a:rPr lang="nl-BE" sz="3600" dirty="0"/>
-              <a:t>voorbeeld problemen</a:t>
+              <a:t> voorbeeld problemen</a:t>
             </a:r>
           </a:p>
           <a:p>
@@ -10720,8 +12877,13 @@
             </a:pPr>
             <a:r>
               <a:rPr lang="nl-BE" sz="2800" dirty="0" smtClean="0"/>
-              <a:t>Moeilijkheidsgraad duidelijk bepalen</a:t>
-            </a:r>
+              <a:t>Moeilijkheidsgraad </a:t>
+            </a:r>
+            <a:r>
+              <a:rPr lang="nl-BE" sz="2800" dirty="0" smtClean="0"/>
+              <a:t>bepalen</a:t>
+            </a:r>
+            <a:endParaRPr lang="nl-BE" sz="2800" dirty="0" smtClean="0"/>
           </a:p>
           <a:p>
             <a:pPr lvl="2">
@@ -10742,6 +12904,7 @@
               <a:rPr lang="nl-BE" sz="2800" dirty="0" smtClean="0"/>
               <a:t>Copyright problemen vermijden</a:t>
             </a:r>
+            <a:endParaRPr lang="nl-BE" sz="2800" dirty="0" smtClean="0"/>
           </a:p>
           <a:p>
             <a:pPr>
@@ -10775,9 +12938,10 @@
               <a:t> </a:t>
             </a:r>
             <a:r>
-              <a:rPr lang="nl-BE" sz="2800" dirty="0"/>
+              <a:rPr lang="nl-BE" sz="2800" dirty="0" smtClean="0"/>
               <a:t>template generatie</a:t>
             </a:r>
+            <a:endParaRPr lang="nl-BE" sz="2800" dirty="0"/>
           </a:p>
           <a:p>
             <a:pPr lvl="2">
@@ -10786,11 +12950,7 @@
             </a:pPr>
             <a:r>
               <a:rPr lang="nl-BE" sz="2800" dirty="0"/>
-              <a:t>Probleem</a:t>
-            </a:r>
-            <a:r>
-              <a:rPr lang="nl-BE" sz="2800" dirty="0"/>
-              <a:t> genereren </a:t>
+              <a:t>Probleem genereren </a:t>
             </a:r>
             <a:r>
               <a:rPr lang="nl-BE" sz="2800" dirty="0" err="1"/>
@@ -10798,11 +12958,7 @@
             </a:r>
             <a:r>
               <a:rPr lang="nl-BE" sz="2800" dirty="0"/>
-              <a:t> </a:t>
-            </a:r>
-            <a:r>
-              <a:rPr lang="nl-BE" sz="2800" dirty="0"/>
-              <a:t>oplossing</a:t>
+              <a:t> oplossing</a:t>
             </a:r>
           </a:p>
           <a:p>
@@ -10827,9 +12983,337 @@
   <p:timing>
     <p:tnLst>
       <p:par>
-        <p:cTn id="1" dur="indefinite" restart="never" nodeType="tmRoot"/>
+        <p:cTn id="1" dur="indefinite" restart="never" nodeType="tmRoot">
+          <p:childTnLst>
+            <p:seq concurrent="1" nextAc="seek">
+              <p:cTn id="2" dur="indefinite" nodeType="mainSeq">
+                <p:childTnLst>
+                  <p:par>
+                    <p:cTn id="3" fill="hold">
+                      <p:stCondLst>
+                        <p:cond delay="indefinite"/>
+                      </p:stCondLst>
+                      <p:childTnLst>
+                        <p:par>
+                          <p:cTn id="4" fill="hold">
+                            <p:stCondLst>
+                              <p:cond delay="0"/>
+                            </p:stCondLst>
+                            <p:childTnLst>
+                              <p:par>
+                                <p:cTn id="5" presetID="1" presetClass="entr" presetSubtype="0" fill="hold" grpId="0" nodeType="clickEffect">
+                                  <p:stCondLst>
+                                    <p:cond delay="0"/>
+                                  </p:stCondLst>
+                                  <p:childTnLst>
+                                    <p:set>
+                                      <p:cBhvr>
+                                        <p:cTn id="6" dur="1" fill="hold">
+                                          <p:stCondLst>
+                                            <p:cond delay="0"/>
+                                          </p:stCondLst>
+                                        </p:cTn>
+                                        <p:tgtEl>
+                                          <p:spTgt spid="3">
+                                            <p:txEl>
+                                              <p:pRg st="0" end="0"/>
+                                            </p:txEl>
+                                          </p:spTgt>
+                                        </p:tgtEl>
+                                        <p:attrNameLst>
+                                          <p:attrName>style.visibility</p:attrName>
+                                        </p:attrNameLst>
+                                      </p:cBhvr>
+                                      <p:to>
+                                        <p:strVal val="visible"/>
+                                      </p:to>
+                                    </p:set>
+                                  </p:childTnLst>
+                                </p:cTn>
+                              </p:par>
+                            </p:childTnLst>
+                          </p:cTn>
+                        </p:par>
+                      </p:childTnLst>
+                    </p:cTn>
+                  </p:par>
+                  <p:par>
+                    <p:cTn id="7" fill="hold">
+                      <p:stCondLst>
+                        <p:cond delay="indefinite"/>
+                      </p:stCondLst>
+                      <p:childTnLst>
+                        <p:par>
+                          <p:cTn id="8" fill="hold">
+                            <p:stCondLst>
+                              <p:cond delay="0"/>
+                            </p:stCondLst>
+                            <p:childTnLst>
+                              <p:par>
+                                <p:cTn id="9" presetID="1" presetClass="entr" presetSubtype="0" fill="hold" grpId="0" nodeType="clickEffect">
+                                  <p:stCondLst>
+                                    <p:cond delay="0"/>
+                                  </p:stCondLst>
+                                  <p:childTnLst>
+                                    <p:set>
+                                      <p:cBhvr>
+                                        <p:cTn id="10" dur="1" fill="hold">
+                                          <p:stCondLst>
+                                            <p:cond delay="0"/>
+                                          </p:stCondLst>
+                                        </p:cTn>
+                                        <p:tgtEl>
+                                          <p:spTgt spid="3">
+                                            <p:txEl>
+                                              <p:pRg st="1" end="1"/>
+                                            </p:txEl>
+                                          </p:spTgt>
+                                        </p:tgtEl>
+                                        <p:attrNameLst>
+                                          <p:attrName>style.visibility</p:attrName>
+                                        </p:attrNameLst>
+                                      </p:cBhvr>
+                                      <p:to>
+                                        <p:strVal val="visible"/>
+                                      </p:to>
+                                    </p:set>
+                                  </p:childTnLst>
+                                </p:cTn>
+                              </p:par>
+                              <p:par>
+                                <p:cTn id="11" presetID="1" presetClass="entr" presetSubtype="0" fill="hold" grpId="0" nodeType="withEffect">
+                                  <p:stCondLst>
+                                    <p:cond delay="0"/>
+                                  </p:stCondLst>
+                                  <p:childTnLst>
+                                    <p:set>
+                                      <p:cBhvr>
+                                        <p:cTn id="12" dur="1" fill="hold">
+                                          <p:stCondLst>
+                                            <p:cond delay="0"/>
+                                          </p:stCondLst>
+                                        </p:cTn>
+                                        <p:tgtEl>
+                                          <p:spTgt spid="3">
+                                            <p:txEl>
+                                              <p:pRg st="2" end="2"/>
+                                            </p:txEl>
+                                          </p:spTgt>
+                                        </p:tgtEl>
+                                        <p:attrNameLst>
+                                          <p:attrName>style.visibility</p:attrName>
+                                        </p:attrNameLst>
+                                      </p:cBhvr>
+                                      <p:to>
+                                        <p:strVal val="visible"/>
+                                      </p:to>
+                                    </p:set>
+                                  </p:childTnLst>
+                                </p:cTn>
+                              </p:par>
+                              <p:par>
+                                <p:cTn id="13" presetID="1" presetClass="entr" presetSubtype="0" fill="hold" grpId="0" nodeType="withEffect">
+                                  <p:stCondLst>
+                                    <p:cond delay="0"/>
+                                  </p:stCondLst>
+                                  <p:childTnLst>
+                                    <p:set>
+                                      <p:cBhvr>
+                                        <p:cTn id="14" dur="1" fill="hold">
+                                          <p:stCondLst>
+                                            <p:cond delay="0"/>
+                                          </p:stCondLst>
+                                        </p:cTn>
+                                        <p:tgtEl>
+                                          <p:spTgt spid="3">
+                                            <p:txEl>
+                                              <p:pRg st="3" end="3"/>
+                                            </p:txEl>
+                                          </p:spTgt>
+                                        </p:tgtEl>
+                                        <p:attrNameLst>
+                                          <p:attrName>style.visibility</p:attrName>
+                                        </p:attrNameLst>
+                                      </p:cBhvr>
+                                      <p:to>
+                                        <p:strVal val="visible"/>
+                                      </p:to>
+                                    </p:set>
+                                  </p:childTnLst>
+                                </p:cTn>
+                              </p:par>
+                              <p:par>
+                                <p:cTn id="15" presetID="1" presetClass="entr" presetSubtype="0" fill="hold" grpId="0" nodeType="withEffect">
+                                  <p:stCondLst>
+                                    <p:cond delay="0"/>
+                                  </p:stCondLst>
+                                  <p:childTnLst>
+                                    <p:set>
+                                      <p:cBhvr>
+                                        <p:cTn id="16" dur="1" fill="hold">
+                                          <p:stCondLst>
+                                            <p:cond delay="0"/>
+                                          </p:stCondLst>
+                                        </p:cTn>
+                                        <p:tgtEl>
+                                          <p:spTgt spid="3">
+                                            <p:txEl>
+                                              <p:pRg st="4" end="4"/>
+                                            </p:txEl>
+                                          </p:spTgt>
+                                        </p:tgtEl>
+                                        <p:attrNameLst>
+                                          <p:attrName>style.visibility</p:attrName>
+                                        </p:attrNameLst>
+                                      </p:cBhvr>
+                                      <p:to>
+                                        <p:strVal val="visible"/>
+                                      </p:to>
+                                    </p:set>
+                                  </p:childTnLst>
+                                </p:cTn>
+                              </p:par>
+                            </p:childTnLst>
+                          </p:cTn>
+                        </p:par>
+                      </p:childTnLst>
+                    </p:cTn>
+                  </p:par>
+                  <p:par>
+                    <p:cTn id="17" fill="hold">
+                      <p:stCondLst>
+                        <p:cond delay="indefinite"/>
+                      </p:stCondLst>
+                      <p:childTnLst>
+                        <p:par>
+                          <p:cTn id="18" fill="hold">
+                            <p:stCondLst>
+                              <p:cond delay="0"/>
+                            </p:stCondLst>
+                            <p:childTnLst>
+                              <p:par>
+                                <p:cTn id="19" presetID="1" presetClass="entr" presetSubtype="0" fill="hold" grpId="0" nodeType="clickEffect">
+                                  <p:stCondLst>
+                                    <p:cond delay="0"/>
+                                  </p:stCondLst>
+                                  <p:childTnLst>
+                                    <p:set>
+                                      <p:cBhvr>
+                                        <p:cTn id="20" dur="1" fill="hold">
+                                          <p:stCondLst>
+                                            <p:cond delay="0"/>
+                                          </p:stCondLst>
+                                        </p:cTn>
+                                        <p:tgtEl>
+                                          <p:spTgt spid="3">
+                                            <p:txEl>
+                                              <p:pRg st="5" end="5"/>
+                                            </p:txEl>
+                                          </p:spTgt>
+                                        </p:tgtEl>
+                                        <p:attrNameLst>
+                                          <p:attrName>style.visibility</p:attrName>
+                                        </p:attrNameLst>
+                                      </p:cBhvr>
+                                      <p:to>
+                                        <p:strVal val="visible"/>
+                                      </p:to>
+                                    </p:set>
+                                  </p:childTnLst>
+                                </p:cTn>
+                              </p:par>
+                              <p:par>
+                                <p:cTn id="21" presetID="1" presetClass="entr" presetSubtype="0" fill="hold" grpId="0" nodeType="withEffect">
+                                  <p:stCondLst>
+                                    <p:cond delay="0"/>
+                                  </p:stCondLst>
+                                  <p:childTnLst>
+                                    <p:set>
+                                      <p:cBhvr>
+                                        <p:cTn id="22" dur="1" fill="hold">
+                                          <p:stCondLst>
+                                            <p:cond delay="0"/>
+                                          </p:stCondLst>
+                                        </p:cTn>
+                                        <p:tgtEl>
+                                          <p:spTgt spid="3">
+                                            <p:txEl>
+                                              <p:pRg st="6" end="6"/>
+                                            </p:txEl>
+                                          </p:spTgt>
+                                        </p:tgtEl>
+                                        <p:attrNameLst>
+                                          <p:attrName>style.visibility</p:attrName>
+                                        </p:attrNameLst>
+                                      </p:cBhvr>
+                                      <p:to>
+                                        <p:strVal val="visible"/>
+                                      </p:to>
+                                    </p:set>
+                                  </p:childTnLst>
+                                </p:cTn>
+                              </p:par>
+                              <p:par>
+                                <p:cTn id="23" presetID="1" presetClass="entr" presetSubtype="0" fill="hold" grpId="0" nodeType="withEffect">
+                                  <p:stCondLst>
+                                    <p:cond delay="0"/>
+                                  </p:stCondLst>
+                                  <p:childTnLst>
+                                    <p:set>
+                                      <p:cBhvr>
+                                        <p:cTn id="24" dur="1" fill="hold">
+                                          <p:stCondLst>
+                                            <p:cond delay="0"/>
+                                          </p:stCondLst>
+                                        </p:cTn>
+                                        <p:tgtEl>
+                                          <p:spTgt spid="3">
+                                            <p:txEl>
+                                              <p:pRg st="7" end="7"/>
+                                            </p:txEl>
+                                          </p:spTgt>
+                                        </p:tgtEl>
+                                        <p:attrNameLst>
+                                          <p:attrName>style.visibility</p:attrName>
+                                        </p:attrNameLst>
+                                      </p:cBhvr>
+                                      <p:to>
+                                        <p:strVal val="visible"/>
+                                      </p:to>
+                                    </p:set>
+                                  </p:childTnLst>
+                                </p:cTn>
+                              </p:par>
+                            </p:childTnLst>
+                          </p:cTn>
+                        </p:par>
+                      </p:childTnLst>
+                    </p:cTn>
+                  </p:par>
+                </p:childTnLst>
+              </p:cTn>
+              <p:prevCondLst>
+                <p:cond evt="onPrev" delay="0">
+                  <p:tgtEl>
+                    <p:sldTgt/>
+                  </p:tgtEl>
+                </p:cond>
+              </p:prevCondLst>
+              <p:nextCondLst>
+                <p:cond evt="onNext" delay="0">
+                  <p:tgtEl>
+                    <p:sldTgt/>
+                  </p:tgtEl>
+                </p:cond>
+              </p:nextCondLst>
+            </p:seq>
+          </p:childTnLst>
+        </p:cTn>
       </p:par>
     </p:tnLst>
+    <p:bldLst>
+      <p:bldP spid="3" grpId="0" build="p"/>
+    </p:bldLst>
   </p:timing>
 </p:sld>
 </file>
@@ -10970,11 +13454,7 @@
             </a:r>
             <a:r>
               <a:rPr lang="nl-BE" sz="3600" dirty="0"/>
-              <a:t>principes</a:t>
-            </a:r>
-            <a:r>
-              <a:rPr lang="nl-BE" sz="3600" dirty="0"/>
-              <a:t> conceptuele oplossing generatie</a:t>
+              <a:t>principes conceptuele oplossing generatie</a:t>
             </a:r>
           </a:p>
           <a:p>
@@ -10984,11 +13464,7 @@
             </a:pPr>
             <a:r>
               <a:rPr lang="nl-BE" sz="2800" dirty="0" smtClean="0"/>
-              <a:t>Redeneren over </a:t>
-            </a:r>
-            <a:r>
-              <a:rPr lang="nl-BE" sz="2800" dirty="0" smtClean="0"/>
-              <a:t>voorbeelden</a:t>
+              <a:t>Redeneren over voorbeelden</a:t>
             </a:r>
           </a:p>
           <a:p>
@@ -11016,9 +13492,337 @@
   <p:timing>
     <p:tnLst>
       <p:par>
-        <p:cTn id="1" dur="indefinite" restart="never" nodeType="tmRoot"/>
+        <p:cTn id="1" dur="indefinite" restart="never" nodeType="tmRoot">
+          <p:childTnLst>
+            <p:seq concurrent="1" nextAc="seek">
+              <p:cTn id="2" dur="indefinite" nodeType="mainSeq">
+                <p:childTnLst>
+                  <p:par>
+                    <p:cTn id="3" fill="hold">
+                      <p:stCondLst>
+                        <p:cond delay="indefinite"/>
+                      </p:stCondLst>
+                      <p:childTnLst>
+                        <p:par>
+                          <p:cTn id="4" fill="hold">
+                            <p:stCondLst>
+                              <p:cond delay="0"/>
+                            </p:stCondLst>
+                            <p:childTnLst>
+                              <p:par>
+                                <p:cTn id="5" presetID="1" presetClass="entr" presetSubtype="0" fill="hold" grpId="0" nodeType="clickEffect">
+                                  <p:stCondLst>
+                                    <p:cond delay="0"/>
+                                  </p:stCondLst>
+                                  <p:childTnLst>
+                                    <p:set>
+                                      <p:cBhvr>
+                                        <p:cTn id="6" dur="1" fill="hold">
+                                          <p:stCondLst>
+                                            <p:cond delay="0"/>
+                                          </p:stCondLst>
+                                        </p:cTn>
+                                        <p:tgtEl>
+                                          <p:spTgt spid="3">
+                                            <p:txEl>
+                                              <p:pRg st="0" end="0"/>
+                                            </p:txEl>
+                                          </p:spTgt>
+                                        </p:tgtEl>
+                                        <p:attrNameLst>
+                                          <p:attrName>style.visibility</p:attrName>
+                                        </p:attrNameLst>
+                                      </p:cBhvr>
+                                      <p:to>
+                                        <p:strVal val="visible"/>
+                                      </p:to>
+                                    </p:set>
+                                  </p:childTnLst>
+                                </p:cTn>
+                              </p:par>
+                            </p:childTnLst>
+                          </p:cTn>
+                        </p:par>
+                      </p:childTnLst>
+                    </p:cTn>
+                  </p:par>
+                  <p:par>
+                    <p:cTn id="7" fill="hold">
+                      <p:stCondLst>
+                        <p:cond delay="indefinite"/>
+                      </p:stCondLst>
+                      <p:childTnLst>
+                        <p:par>
+                          <p:cTn id="8" fill="hold">
+                            <p:stCondLst>
+                              <p:cond delay="0"/>
+                            </p:stCondLst>
+                            <p:childTnLst>
+                              <p:par>
+                                <p:cTn id="9" presetID="1" presetClass="entr" presetSubtype="0" fill="hold" grpId="0" nodeType="clickEffect">
+                                  <p:stCondLst>
+                                    <p:cond delay="0"/>
+                                  </p:stCondLst>
+                                  <p:childTnLst>
+                                    <p:set>
+                                      <p:cBhvr>
+                                        <p:cTn id="10" dur="1" fill="hold">
+                                          <p:stCondLst>
+                                            <p:cond delay="0"/>
+                                          </p:stCondLst>
+                                        </p:cTn>
+                                        <p:tgtEl>
+                                          <p:spTgt spid="3">
+                                            <p:txEl>
+                                              <p:pRg st="1" end="1"/>
+                                            </p:txEl>
+                                          </p:spTgt>
+                                        </p:tgtEl>
+                                        <p:attrNameLst>
+                                          <p:attrName>style.visibility</p:attrName>
+                                        </p:attrNameLst>
+                                      </p:cBhvr>
+                                      <p:to>
+                                        <p:strVal val="visible"/>
+                                      </p:to>
+                                    </p:set>
+                                  </p:childTnLst>
+                                </p:cTn>
+                              </p:par>
+                              <p:par>
+                                <p:cTn id="11" presetID="1" presetClass="entr" presetSubtype="0" fill="hold" grpId="0" nodeType="withEffect">
+                                  <p:stCondLst>
+                                    <p:cond delay="0"/>
+                                  </p:stCondLst>
+                                  <p:childTnLst>
+                                    <p:set>
+                                      <p:cBhvr>
+                                        <p:cTn id="12" dur="1" fill="hold">
+                                          <p:stCondLst>
+                                            <p:cond delay="0"/>
+                                          </p:stCondLst>
+                                        </p:cTn>
+                                        <p:tgtEl>
+                                          <p:spTgt spid="3">
+                                            <p:txEl>
+                                              <p:pRg st="2" end="2"/>
+                                            </p:txEl>
+                                          </p:spTgt>
+                                        </p:tgtEl>
+                                        <p:attrNameLst>
+                                          <p:attrName>style.visibility</p:attrName>
+                                        </p:attrNameLst>
+                                      </p:cBhvr>
+                                      <p:to>
+                                        <p:strVal val="visible"/>
+                                      </p:to>
+                                    </p:set>
+                                  </p:childTnLst>
+                                </p:cTn>
+                              </p:par>
+                              <p:par>
+                                <p:cTn id="13" presetID="1" presetClass="entr" presetSubtype="0" fill="hold" grpId="0" nodeType="withEffect">
+                                  <p:stCondLst>
+                                    <p:cond delay="0"/>
+                                  </p:stCondLst>
+                                  <p:childTnLst>
+                                    <p:set>
+                                      <p:cBhvr>
+                                        <p:cTn id="14" dur="1" fill="hold">
+                                          <p:stCondLst>
+                                            <p:cond delay="0"/>
+                                          </p:stCondLst>
+                                        </p:cTn>
+                                        <p:tgtEl>
+                                          <p:spTgt spid="3">
+                                            <p:txEl>
+                                              <p:pRg st="3" end="3"/>
+                                            </p:txEl>
+                                          </p:spTgt>
+                                        </p:tgtEl>
+                                        <p:attrNameLst>
+                                          <p:attrName>style.visibility</p:attrName>
+                                        </p:attrNameLst>
+                                      </p:cBhvr>
+                                      <p:to>
+                                        <p:strVal val="visible"/>
+                                      </p:to>
+                                    </p:set>
+                                  </p:childTnLst>
+                                </p:cTn>
+                              </p:par>
+                              <p:par>
+                                <p:cTn id="15" presetID="1" presetClass="entr" presetSubtype="0" fill="hold" grpId="0" nodeType="withEffect">
+                                  <p:stCondLst>
+                                    <p:cond delay="0"/>
+                                  </p:stCondLst>
+                                  <p:childTnLst>
+                                    <p:set>
+                                      <p:cBhvr>
+                                        <p:cTn id="16" dur="1" fill="hold">
+                                          <p:stCondLst>
+                                            <p:cond delay="0"/>
+                                          </p:stCondLst>
+                                        </p:cTn>
+                                        <p:tgtEl>
+                                          <p:spTgt spid="3">
+                                            <p:txEl>
+                                              <p:pRg st="4" end="4"/>
+                                            </p:txEl>
+                                          </p:spTgt>
+                                        </p:tgtEl>
+                                        <p:attrNameLst>
+                                          <p:attrName>style.visibility</p:attrName>
+                                        </p:attrNameLst>
+                                      </p:cBhvr>
+                                      <p:to>
+                                        <p:strVal val="visible"/>
+                                      </p:to>
+                                    </p:set>
+                                  </p:childTnLst>
+                                </p:cTn>
+                              </p:par>
+                            </p:childTnLst>
+                          </p:cTn>
+                        </p:par>
+                      </p:childTnLst>
+                    </p:cTn>
+                  </p:par>
+                  <p:par>
+                    <p:cTn id="17" fill="hold">
+                      <p:stCondLst>
+                        <p:cond delay="indefinite"/>
+                      </p:stCondLst>
+                      <p:childTnLst>
+                        <p:par>
+                          <p:cTn id="18" fill="hold">
+                            <p:stCondLst>
+                              <p:cond delay="0"/>
+                            </p:stCondLst>
+                            <p:childTnLst>
+                              <p:par>
+                                <p:cTn id="19" presetID="1" presetClass="entr" presetSubtype="0" fill="hold" grpId="0" nodeType="clickEffect">
+                                  <p:stCondLst>
+                                    <p:cond delay="0"/>
+                                  </p:stCondLst>
+                                  <p:childTnLst>
+                                    <p:set>
+                                      <p:cBhvr>
+                                        <p:cTn id="20" dur="1" fill="hold">
+                                          <p:stCondLst>
+                                            <p:cond delay="0"/>
+                                          </p:stCondLst>
+                                        </p:cTn>
+                                        <p:tgtEl>
+                                          <p:spTgt spid="3">
+                                            <p:txEl>
+                                              <p:pRg st="5" end="5"/>
+                                            </p:txEl>
+                                          </p:spTgt>
+                                        </p:tgtEl>
+                                        <p:attrNameLst>
+                                          <p:attrName>style.visibility</p:attrName>
+                                        </p:attrNameLst>
+                                      </p:cBhvr>
+                                      <p:to>
+                                        <p:strVal val="visible"/>
+                                      </p:to>
+                                    </p:set>
+                                  </p:childTnLst>
+                                </p:cTn>
+                              </p:par>
+                              <p:par>
+                                <p:cTn id="21" presetID="1" presetClass="entr" presetSubtype="0" fill="hold" grpId="0" nodeType="withEffect">
+                                  <p:stCondLst>
+                                    <p:cond delay="0"/>
+                                  </p:stCondLst>
+                                  <p:childTnLst>
+                                    <p:set>
+                                      <p:cBhvr>
+                                        <p:cTn id="22" dur="1" fill="hold">
+                                          <p:stCondLst>
+                                            <p:cond delay="0"/>
+                                          </p:stCondLst>
+                                        </p:cTn>
+                                        <p:tgtEl>
+                                          <p:spTgt spid="3">
+                                            <p:txEl>
+                                              <p:pRg st="6" end="6"/>
+                                            </p:txEl>
+                                          </p:spTgt>
+                                        </p:tgtEl>
+                                        <p:attrNameLst>
+                                          <p:attrName>style.visibility</p:attrName>
+                                        </p:attrNameLst>
+                                      </p:cBhvr>
+                                      <p:to>
+                                        <p:strVal val="visible"/>
+                                      </p:to>
+                                    </p:set>
+                                  </p:childTnLst>
+                                </p:cTn>
+                              </p:par>
+                              <p:par>
+                                <p:cTn id="23" presetID="1" presetClass="entr" presetSubtype="0" fill="hold" grpId="0" nodeType="withEffect">
+                                  <p:stCondLst>
+                                    <p:cond delay="0"/>
+                                  </p:stCondLst>
+                                  <p:childTnLst>
+                                    <p:set>
+                                      <p:cBhvr>
+                                        <p:cTn id="24" dur="1" fill="hold">
+                                          <p:stCondLst>
+                                            <p:cond delay="0"/>
+                                          </p:stCondLst>
+                                        </p:cTn>
+                                        <p:tgtEl>
+                                          <p:spTgt spid="3">
+                                            <p:txEl>
+                                              <p:pRg st="7" end="7"/>
+                                            </p:txEl>
+                                          </p:spTgt>
+                                        </p:tgtEl>
+                                        <p:attrNameLst>
+                                          <p:attrName>style.visibility</p:attrName>
+                                        </p:attrNameLst>
+                                      </p:cBhvr>
+                                      <p:to>
+                                        <p:strVal val="visible"/>
+                                      </p:to>
+                                    </p:set>
+                                  </p:childTnLst>
+                                </p:cTn>
+                              </p:par>
+                            </p:childTnLst>
+                          </p:cTn>
+                        </p:par>
+                      </p:childTnLst>
+                    </p:cTn>
+                  </p:par>
+                </p:childTnLst>
+              </p:cTn>
+              <p:prevCondLst>
+                <p:cond evt="onPrev" delay="0">
+                  <p:tgtEl>
+                    <p:sldTgt/>
+                  </p:tgtEl>
+                </p:cond>
+              </p:prevCondLst>
+              <p:nextCondLst>
+                <p:cond evt="onNext" delay="0">
+                  <p:tgtEl>
+                    <p:sldTgt/>
+                  </p:tgtEl>
+                </p:cond>
+              </p:nextCondLst>
+            </p:seq>
+          </p:childTnLst>
+        </p:cTn>
       </p:par>
     </p:tnLst>
+    <p:bldLst>
+      <p:bldP spid="3" grpId="0" build="p"/>
+    </p:bldLst>
   </p:timing>
 </p:sld>
 </file>

--- a/Opdracht 2/Literatuurstudie.pptx
+++ b/Opdracht 2/Literatuurstudie.pptx
@@ -11,26 +11,26 @@
     <p:sldId id="256" r:id="rId2"/>
     <p:sldId id="257" r:id="rId3"/>
     <p:sldId id="294" r:id="rId4"/>
-    <p:sldId id="269" r:id="rId5"/>
+    <p:sldId id="298" r:id="rId5"/>
     <p:sldId id="270" r:id="rId6"/>
     <p:sldId id="293" r:id="rId7"/>
     <p:sldId id="286" r:id="rId8"/>
     <p:sldId id="287" r:id="rId9"/>
     <p:sldId id="288" r:id="rId10"/>
     <p:sldId id="289" r:id="rId11"/>
-    <p:sldId id="290" r:id="rId12"/>
-    <p:sldId id="296" r:id="rId13"/>
-    <p:sldId id="267" r:id="rId14"/>
-    <p:sldId id="275" r:id="rId15"/>
-    <p:sldId id="271" r:id="rId16"/>
-    <p:sldId id="268" r:id="rId17"/>
+    <p:sldId id="296" r:id="rId12"/>
+    <p:sldId id="299" r:id="rId13"/>
+    <p:sldId id="300" r:id="rId14"/>
+    <p:sldId id="301" r:id="rId15"/>
+    <p:sldId id="302" r:id="rId16"/>
+    <p:sldId id="303" r:id="rId17"/>
     <p:sldId id="295" r:id="rId18"/>
     <p:sldId id="276" r:id="rId19"/>
     <p:sldId id="277" r:id="rId20"/>
     <p:sldId id="278" r:id="rId21"/>
     <p:sldId id="292" r:id="rId22"/>
     <p:sldId id="297" r:id="rId23"/>
-    <p:sldId id="282" r:id="rId24"/>
+    <p:sldId id="304" r:id="rId24"/>
     <p:sldId id="259" r:id="rId25"/>
     <p:sldId id="291" r:id="rId26"/>
   </p:sldIdLst>
@@ -187,6 +187,5178 @@
 </p:cmLst>
 </file>
 
+<file path=ppt/diagrams/colors1.xml><?xml version="1.0" encoding="utf-8"?>
+<dgm:colorsDef xmlns:dgm="http://schemas.openxmlformats.org/drawingml/2006/diagram" xmlns:a="http://schemas.openxmlformats.org/drawingml/2006/main" uniqueId="urn:microsoft.com/office/officeart/2005/8/colors/accent1_2">
+  <dgm:title val=""/>
+  <dgm:desc val=""/>
+  <dgm:catLst>
+    <dgm:cat type="accent1" pri="11200"/>
+  </dgm:catLst>
+  <dgm:styleLbl name="node0">
+    <dgm:fillClrLst meth="repeat">
+      <a:schemeClr val="accent1"/>
+    </dgm:fillClrLst>
+    <dgm:linClrLst meth="repeat">
+      <a:schemeClr val="lt1"/>
+    </dgm:linClrLst>
+    <dgm:effectClrLst/>
+    <dgm:txLinClrLst/>
+    <dgm:txFillClrLst/>
+    <dgm:txEffectClrLst/>
+  </dgm:styleLbl>
+  <dgm:styleLbl name="alignNode1">
+    <dgm:fillClrLst meth="repeat">
+      <a:schemeClr val="accent1"/>
+    </dgm:fillClrLst>
+    <dgm:linClrLst meth="repeat">
+      <a:schemeClr val="accent1"/>
+    </dgm:linClrLst>
+    <dgm:effectClrLst/>
+    <dgm:txLinClrLst/>
+    <dgm:txFillClrLst/>
+    <dgm:txEffectClrLst/>
+  </dgm:styleLbl>
+  <dgm:styleLbl name="node1">
+    <dgm:fillClrLst meth="repeat">
+      <a:schemeClr val="accent1"/>
+    </dgm:fillClrLst>
+    <dgm:linClrLst meth="repeat">
+      <a:schemeClr val="lt1"/>
+    </dgm:linClrLst>
+    <dgm:effectClrLst/>
+    <dgm:txLinClrLst/>
+    <dgm:txFillClrLst/>
+    <dgm:txEffectClrLst/>
+  </dgm:styleLbl>
+  <dgm:styleLbl name="lnNode1">
+    <dgm:fillClrLst meth="repeat">
+      <a:schemeClr val="accent1"/>
+    </dgm:fillClrLst>
+    <dgm:linClrLst meth="repeat">
+      <a:schemeClr val="lt1"/>
+    </dgm:linClrLst>
+    <dgm:effectClrLst/>
+    <dgm:txLinClrLst/>
+    <dgm:txFillClrLst/>
+    <dgm:txEffectClrLst/>
+  </dgm:styleLbl>
+  <dgm:styleLbl name="vennNode1">
+    <dgm:fillClrLst meth="repeat">
+      <a:schemeClr val="accent1">
+        <a:alpha val="50000"/>
+      </a:schemeClr>
+    </dgm:fillClrLst>
+    <dgm:linClrLst meth="repeat">
+      <a:schemeClr val="lt1"/>
+    </dgm:linClrLst>
+    <dgm:effectClrLst/>
+    <dgm:txLinClrLst/>
+    <dgm:txFillClrLst/>
+    <dgm:txEffectClrLst/>
+  </dgm:styleLbl>
+  <dgm:styleLbl name="node2">
+    <dgm:fillClrLst meth="repeat">
+      <a:schemeClr val="accent1"/>
+    </dgm:fillClrLst>
+    <dgm:linClrLst meth="repeat">
+      <a:schemeClr val="lt1"/>
+    </dgm:linClrLst>
+    <dgm:effectClrLst/>
+    <dgm:txLinClrLst/>
+    <dgm:txFillClrLst/>
+    <dgm:txEffectClrLst/>
+  </dgm:styleLbl>
+  <dgm:styleLbl name="node3">
+    <dgm:fillClrLst meth="repeat">
+      <a:schemeClr val="accent1"/>
+    </dgm:fillClrLst>
+    <dgm:linClrLst meth="repeat">
+      <a:schemeClr val="lt1"/>
+    </dgm:linClrLst>
+    <dgm:effectClrLst/>
+    <dgm:txLinClrLst/>
+    <dgm:txFillClrLst/>
+    <dgm:txEffectClrLst/>
+  </dgm:styleLbl>
+  <dgm:styleLbl name="node4">
+    <dgm:fillClrLst meth="repeat">
+      <a:schemeClr val="accent1"/>
+    </dgm:fillClrLst>
+    <dgm:linClrLst meth="repeat">
+      <a:schemeClr val="lt1"/>
+    </dgm:linClrLst>
+    <dgm:effectClrLst/>
+    <dgm:txLinClrLst/>
+    <dgm:txFillClrLst/>
+    <dgm:txEffectClrLst/>
+  </dgm:styleLbl>
+  <dgm:styleLbl name="fgImgPlace1">
+    <dgm:fillClrLst meth="repeat">
+      <a:schemeClr val="accent1">
+        <a:tint val="50000"/>
+      </a:schemeClr>
+    </dgm:fillClrLst>
+    <dgm:linClrLst meth="repeat">
+      <a:schemeClr val="lt1"/>
+    </dgm:linClrLst>
+    <dgm:effectClrLst/>
+    <dgm:txLinClrLst/>
+    <dgm:txFillClrLst meth="repeat">
+      <a:schemeClr val="lt1"/>
+    </dgm:txFillClrLst>
+    <dgm:txEffectClrLst/>
+  </dgm:styleLbl>
+  <dgm:styleLbl name="alignImgPlace1">
+    <dgm:fillClrLst meth="repeat">
+      <a:schemeClr val="accent1">
+        <a:tint val="50000"/>
+      </a:schemeClr>
+    </dgm:fillClrLst>
+    <dgm:linClrLst meth="repeat">
+      <a:schemeClr val="lt1"/>
+    </dgm:linClrLst>
+    <dgm:effectClrLst/>
+    <dgm:txLinClrLst/>
+    <dgm:txFillClrLst meth="repeat">
+      <a:schemeClr val="lt1"/>
+    </dgm:txFillClrLst>
+    <dgm:txEffectClrLst/>
+  </dgm:styleLbl>
+  <dgm:styleLbl name="bgImgPlace1">
+    <dgm:fillClrLst meth="repeat">
+      <a:schemeClr val="accent1">
+        <a:tint val="50000"/>
+      </a:schemeClr>
+    </dgm:fillClrLst>
+    <dgm:linClrLst meth="repeat">
+      <a:schemeClr val="lt1"/>
+    </dgm:linClrLst>
+    <dgm:effectClrLst/>
+    <dgm:txLinClrLst/>
+    <dgm:txFillClrLst meth="repeat">
+      <a:schemeClr val="lt1"/>
+    </dgm:txFillClrLst>
+    <dgm:txEffectClrLst/>
+  </dgm:styleLbl>
+  <dgm:styleLbl name="sibTrans2D1">
+    <dgm:fillClrLst meth="repeat">
+      <a:schemeClr val="accent1">
+        <a:tint val="60000"/>
+      </a:schemeClr>
+    </dgm:fillClrLst>
+    <dgm:linClrLst meth="repeat">
+      <a:schemeClr val="accent1">
+        <a:tint val="60000"/>
+      </a:schemeClr>
+    </dgm:linClrLst>
+    <dgm:effectClrLst/>
+    <dgm:txLinClrLst/>
+    <dgm:txFillClrLst/>
+    <dgm:txEffectClrLst/>
+  </dgm:styleLbl>
+  <dgm:styleLbl name="fgSibTrans2D1">
+    <dgm:fillClrLst meth="repeat">
+      <a:schemeClr val="accent1">
+        <a:tint val="60000"/>
+      </a:schemeClr>
+    </dgm:fillClrLst>
+    <dgm:linClrLst meth="repeat">
+      <a:schemeClr val="accent1">
+        <a:tint val="60000"/>
+      </a:schemeClr>
+    </dgm:linClrLst>
+    <dgm:effectClrLst/>
+    <dgm:txLinClrLst/>
+    <dgm:txFillClrLst/>
+    <dgm:txEffectClrLst/>
+  </dgm:styleLbl>
+  <dgm:styleLbl name="bgSibTrans2D1">
+    <dgm:fillClrLst meth="repeat">
+      <a:schemeClr val="accent1">
+        <a:tint val="60000"/>
+      </a:schemeClr>
+    </dgm:fillClrLst>
+    <dgm:linClrLst meth="repeat">
+      <a:schemeClr val="accent1">
+        <a:tint val="60000"/>
+      </a:schemeClr>
+    </dgm:linClrLst>
+    <dgm:effectClrLst/>
+    <dgm:txLinClrLst/>
+    <dgm:txFillClrLst/>
+    <dgm:txEffectClrLst/>
+  </dgm:styleLbl>
+  <dgm:styleLbl name="sibTrans1D1">
+    <dgm:fillClrLst meth="repeat">
+      <a:schemeClr val="accent1"/>
+    </dgm:fillClrLst>
+    <dgm:linClrLst meth="repeat">
+      <a:schemeClr val="accent1"/>
+    </dgm:linClrLst>
+    <dgm:effectClrLst/>
+    <dgm:txLinClrLst/>
+    <dgm:txFillClrLst meth="repeat">
+      <a:schemeClr val="tx1"/>
+    </dgm:txFillClrLst>
+    <dgm:txEffectClrLst/>
+  </dgm:styleLbl>
+  <dgm:styleLbl name="callout">
+    <dgm:fillClrLst meth="repeat">
+      <a:schemeClr val="accent1"/>
+    </dgm:fillClrLst>
+    <dgm:linClrLst meth="repeat">
+      <a:schemeClr val="accent1">
+        <a:tint val="50000"/>
+      </a:schemeClr>
+    </dgm:linClrLst>
+    <dgm:effectClrLst/>
+    <dgm:txLinClrLst/>
+    <dgm:txFillClrLst meth="repeat">
+      <a:schemeClr val="tx1"/>
+    </dgm:txFillClrLst>
+    <dgm:txEffectClrLst/>
+  </dgm:styleLbl>
+  <dgm:styleLbl name="asst0">
+    <dgm:fillClrLst meth="repeat">
+      <a:schemeClr val="accent1"/>
+    </dgm:fillClrLst>
+    <dgm:linClrLst meth="repeat">
+      <a:schemeClr val="lt1"/>
+    </dgm:linClrLst>
+    <dgm:effectClrLst/>
+    <dgm:txLinClrLst/>
+    <dgm:txFillClrLst/>
+    <dgm:txEffectClrLst/>
+  </dgm:styleLbl>
+  <dgm:styleLbl name="asst1">
+    <dgm:fillClrLst meth="repeat">
+      <a:schemeClr val="accent1"/>
+    </dgm:fillClrLst>
+    <dgm:linClrLst meth="repeat">
+      <a:schemeClr val="lt1"/>
+    </dgm:linClrLst>
+    <dgm:effectClrLst/>
+    <dgm:txLinClrLst/>
+    <dgm:txFillClrLst/>
+    <dgm:txEffectClrLst/>
+  </dgm:styleLbl>
+  <dgm:styleLbl name="asst2">
+    <dgm:fillClrLst meth="repeat">
+      <a:schemeClr val="accent1"/>
+    </dgm:fillClrLst>
+    <dgm:linClrLst meth="repeat">
+      <a:schemeClr val="lt1"/>
+    </dgm:linClrLst>
+    <dgm:effectClrLst/>
+    <dgm:txLinClrLst/>
+    <dgm:txFillClrLst/>
+    <dgm:txEffectClrLst/>
+  </dgm:styleLbl>
+  <dgm:styleLbl name="asst3">
+    <dgm:fillClrLst meth="repeat">
+      <a:schemeClr val="accent1"/>
+    </dgm:fillClrLst>
+    <dgm:linClrLst meth="repeat">
+      <a:schemeClr val="lt1"/>
+    </dgm:linClrLst>
+    <dgm:effectClrLst/>
+    <dgm:txLinClrLst/>
+    <dgm:txFillClrLst/>
+    <dgm:txEffectClrLst/>
+  </dgm:styleLbl>
+  <dgm:styleLbl name="asst4">
+    <dgm:fillClrLst meth="repeat">
+      <a:schemeClr val="accent1"/>
+    </dgm:fillClrLst>
+    <dgm:linClrLst meth="repeat">
+      <a:schemeClr val="lt1"/>
+    </dgm:linClrLst>
+    <dgm:effectClrLst/>
+    <dgm:txLinClrLst/>
+    <dgm:txFillClrLst/>
+    <dgm:txEffectClrLst/>
+  </dgm:styleLbl>
+  <dgm:styleLbl name="parChTrans2D1">
+    <dgm:fillClrLst meth="repeat">
+      <a:schemeClr val="accent1">
+        <a:tint val="60000"/>
+      </a:schemeClr>
+    </dgm:fillClrLst>
+    <dgm:linClrLst meth="repeat">
+      <a:schemeClr val="accent1">
+        <a:tint val="60000"/>
+      </a:schemeClr>
+    </dgm:linClrLst>
+    <dgm:effectClrLst/>
+    <dgm:txLinClrLst/>
+    <dgm:txFillClrLst meth="repeat">
+      <a:schemeClr val="lt1"/>
+    </dgm:txFillClrLst>
+    <dgm:txEffectClrLst/>
+  </dgm:styleLbl>
+  <dgm:styleLbl name="parChTrans2D2">
+    <dgm:fillClrLst meth="repeat">
+      <a:schemeClr val="accent1"/>
+    </dgm:fillClrLst>
+    <dgm:linClrLst meth="repeat">
+      <a:schemeClr val="accent1"/>
+    </dgm:linClrLst>
+    <dgm:effectClrLst/>
+    <dgm:txLinClrLst/>
+    <dgm:txFillClrLst meth="repeat">
+      <a:schemeClr val="lt1"/>
+    </dgm:txFillClrLst>
+    <dgm:txEffectClrLst/>
+  </dgm:styleLbl>
+  <dgm:styleLbl name="parChTrans2D3">
+    <dgm:fillClrLst meth="repeat">
+      <a:schemeClr val="accent1"/>
+    </dgm:fillClrLst>
+    <dgm:linClrLst meth="repeat">
+      <a:schemeClr val="accent1"/>
+    </dgm:linClrLst>
+    <dgm:effectClrLst/>
+    <dgm:txLinClrLst/>
+    <dgm:txFillClrLst meth="repeat">
+      <a:schemeClr val="lt1"/>
+    </dgm:txFillClrLst>
+    <dgm:txEffectClrLst/>
+  </dgm:styleLbl>
+  <dgm:styleLbl name="parChTrans2D4">
+    <dgm:fillClrLst meth="repeat">
+      <a:schemeClr val="accent1"/>
+    </dgm:fillClrLst>
+    <dgm:linClrLst meth="repeat">
+      <a:schemeClr val="accent1"/>
+    </dgm:linClrLst>
+    <dgm:effectClrLst/>
+    <dgm:txLinClrLst/>
+    <dgm:txFillClrLst meth="repeat">
+      <a:schemeClr val="lt1"/>
+    </dgm:txFillClrLst>
+    <dgm:txEffectClrLst/>
+  </dgm:styleLbl>
+  <dgm:styleLbl name="parChTrans1D1">
+    <dgm:fillClrLst meth="repeat">
+      <a:schemeClr val="accent1"/>
+    </dgm:fillClrLst>
+    <dgm:linClrLst meth="repeat">
+      <a:schemeClr val="accent1">
+        <a:shade val="60000"/>
+      </a:schemeClr>
+    </dgm:linClrLst>
+    <dgm:effectClrLst/>
+    <dgm:txLinClrLst/>
+    <dgm:txFillClrLst meth="repeat">
+      <a:schemeClr val="tx1"/>
+    </dgm:txFillClrLst>
+    <dgm:txEffectClrLst/>
+  </dgm:styleLbl>
+  <dgm:styleLbl name="parChTrans1D2">
+    <dgm:fillClrLst meth="repeat">
+      <a:schemeClr val="accent1"/>
+    </dgm:fillClrLst>
+    <dgm:linClrLst meth="repeat">
+      <a:schemeClr val="accent1">
+        <a:shade val="60000"/>
+      </a:schemeClr>
+    </dgm:linClrLst>
+    <dgm:effectClrLst/>
+    <dgm:txLinClrLst/>
+    <dgm:txFillClrLst meth="repeat">
+      <a:schemeClr val="tx1"/>
+    </dgm:txFillClrLst>
+    <dgm:txEffectClrLst/>
+  </dgm:styleLbl>
+  <dgm:styleLbl name="parChTrans1D3">
+    <dgm:fillClrLst meth="repeat">
+      <a:schemeClr val="accent1"/>
+    </dgm:fillClrLst>
+    <dgm:linClrLst meth="repeat">
+      <a:schemeClr val="accent1">
+        <a:shade val="80000"/>
+      </a:schemeClr>
+    </dgm:linClrLst>
+    <dgm:effectClrLst/>
+    <dgm:txLinClrLst/>
+    <dgm:txFillClrLst meth="repeat">
+      <a:schemeClr val="tx1"/>
+    </dgm:txFillClrLst>
+    <dgm:txEffectClrLst/>
+  </dgm:styleLbl>
+  <dgm:styleLbl name="parChTrans1D4">
+    <dgm:fillClrLst meth="repeat">
+      <a:schemeClr val="accent1"/>
+    </dgm:fillClrLst>
+    <dgm:linClrLst meth="repeat">
+      <a:schemeClr val="accent1">
+        <a:shade val="80000"/>
+      </a:schemeClr>
+    </dgm:linClrLst>
+    <dgm:effectClrLst/>
+    <dgm:txLinClrLst/>
+    <dgm:txFillClrLst meth="repeat">
+      <a:schemeClr val="tx1"/>
+    </dgm:txFillClrLst>
+    <dgm:txEffectClrLst/>
+  </dgm:styleLbl>
+  <dgm:styleLbl name="fgAcc1">
+    <dgm:fillClrLst meth="repeat">
+      <a:schemeClr val="lt1">
+        <a:alpha val="90000"/>
+      </a:schemeClr>
+    </dgm:fillClrLst>
+    <dgm:linClrLst meth="repeat">
+      <a:schemeClr val="accent1"/>
+    </dgm:linClrLst>
+    <dgm:effectClrLst/>
+    <dgm:txLinClrLst/>
+    <dgm:txFillClrLst meth="repeat">
+      <a:schemeClr val="dk1"/>
+    </dgm:txFillClrLst>
+    <dgm:txEffectClrLst/>
+  </dgm:styleLbl>
+  <dgm:styleLbl name="conFgAcc1">
+    <dgm:fillClrLst meth="repeat">
+      <a:schemeClr val="lt1">
+        <a:alpha val="90000"/>
+      </a:schemeClr>
+    </dgm:fillClrLst>
+    <dgm:linClrLst meth="repeat">
+      <a:schemeClr val="accent1"/>
+    </dgm:linClrLst>
+    <dgm:effectClrLst/>
+    <dgm:txLinClrLst/>
+    <dgm:txFillClrLst meth="repeat">
+      <a:schemeClr val="dk1"/>
+    </dgm:txFillClrLst>
+    <dgm:txEffectClrLst/>
+  </dgm:styleLbl>
+  <dgm:styleLbl name="alignAcc1">
+    <dgm:fillClrLst meth="repeat">
+      <a:schemeClr val="lt1">
+        <a:alpha val="90000"/>
+      </a:schemeClr>
+    </dgm:fillClrLst>
+    <dgm:linClrLst meth="repeat">
+      <a:schemeClr val="accent1"/>
+    </dgm:linClrLst>
+    <dgm:effectClrLst/>
+    <dgm:txLinClrLst/>
+    <dgm:txFillClrLst meth="repeat">
+      <a:schemeClr val="dk1"/>
+    </dgm:txFillClrLst>
+    <dgm:txEffectClrLst/>
+  </dgm:styleLbl>
+  <dgm:styleLbl name="trAlignAcc1">
+    <dgm:fillClrLst meth="repeat">
+      <a:schemeClr val="lt1">
+        <a:alpha val="40000"/>
+      </a:schemeClr>
+    </dgm:fillClrLst>
+    <dgm:linClrLst meth="repeat">
+      <a:schemeClr val="accent1"/>
+    </dgm:linClrLst>
+    <dgm:effectClrLst/>
+    <dgm:txLinClrLst/>
+    <dgm:txFillClrLst meth="repeat">
+      <a:schemeClr val="dk1"/>
+    </dgm:txFillClrLst>
+    <dgm:txEffectClrLst/>
+  </dgm:styleLbl>
+  <dgm:styleLbl name="bgAcc1">
+    <dgm:fillClrLst meth="repeat">
+      <a:schemeClr val="lt1">
+        <a:alpha val="90000"/>
+      </a:schemeClr>
+    </dgm:fillClrLst>
+    <dgm:linClrLst meth="repeat">
+      <a:schemeClr val="accent1"/>
+    </dgm:linClrLst>
+    <dgm:effectClrLst/>
+    <dgm:txLinClrLst/>
+    <dgm:txFillClrLst meth="repeat">
+      <a:schemeClr val="dk1"/>
+    </dgm:txFillClrLst>
+    <dgm:txEffectClrLst/>
+  </dgm:styleLbl>
+  <dgm:styleLbl name="solidFgAcc1">
+    <dgm:fillClrLst meth="repeat">
+      <a:schemeClr val="lt1"/>
+    </dgm:fillClrLst>
+    <dgm:linClrLst meth="repeat">
+      <a:schemeClr val="accent1"/>
+    </dgm:linClrLst>
+    <dgm:effectClrLst/>
+    <dgm:txLinClrLst/>
+    <dgm:txFillClrLst meth="repeat">
+      <a:schemeClr val="dk1"/>
+    </dgm:txFillClrLst>
+    <dgm:txEffectClrLst/>
+  </dgm:styleLbl>
+  <dgm:styleLbl name="solidAlignAcc1">
+    <dgm:fillClrLst meth="repeat">
+      <a:schemeClr val="lt1"/>
+    </dgm:fillClrLst>
+    <dgm:linClrLst meth="repeat">
+      <a:schemeClr val="accent1"/>
+    </dgm:linClrLst>
+    <dgm:effectClrLst/>
+    <dgm:txLinClrLst/>
+    <dgm:txFillClrLst meth="repeat">
+      <a:schemeClr val="dk1"/>
+    </dgm:txFillClrLst>
+    <dgm:txEffectClrLst/>
+  </dgm:styleLbl>
+  <dgm:styleLbl name="solidBgAcc1">
+    <dgm:fillClrLst meth="repeat">
+      <a:schemeClr val="lt1"/>
+    </dgm:fillClrLst>
+    <dgm:linClrLst meth="repeat">
+      <a:schemeClr val="accent1"/>
+    </dgm:linClrLst>
+    <dgm:effectClrLst/>
+    <dgm:txLinClrLst/>
+    <dgm:txFillClrLst meth="repeat">
+      <a:schemeClr val="dk1"/>
+    </dgm:txFillClrLst>
+    <dgm:txEffectClrLst/>
+  </dgm:styleLbl>
+  <dgm:styleLbl name="fgAccFollowNode1">
+    <dgm:fillClrLst meth="repeat">
+      <a:schemeClr val="accent1">
+        <a:alpha val="90000"/>
+        <a:tint val="40000"/>
+      </a:schemeClr>
+    </dgm:fillClrLst>
+    <dgm:linClrLst meth="repeat">
+      <a:schemeClr val="accent1">
+        <a:alpha val="90000"/>
+        <a:tint val="40000"/>
+      </a:schemeClr>
+    </dgm:linClrLst>
+    <dgm:effectClrLst/>
+    <dgm:txLinClrLst/>
+    <dgm:txFillClrLst meth="repeat">
+      <a:schemeClr val="dk1"/>
+    </dgm:txFillClrLst>
+    <dgm:txEffectClrLst/>
+  </dgm:styleLbl>
+  <dgm:styleLbl name="alignAccFollowNode1">
+    <dgm:fillClrLst meth="repeat">
+      <a:schemeClr val="accent1">
+        <a:alpha val="90000"/>
+        <a:tint val="40000"/>
+      </a:schemeClr>
+    </dgm:fillClrLst>
+    <dgm:linClrLst meth="repeat">
+      <a:schemeClr val="accent1">
+        <a:alpha val="90000"/>
+        <a:tint val="40000"/>
+      </a:schemeClr>
+    </dgm:linClrLst>
+    <dgm:effectClrLst/>
+    <dgm:txLinClrLst/>
+    <dgm:txFillClrLst meth="repeat">
+      <a:schemeClr val="dk1"/>
+    </dgm:txFillClrLst>
+    <dgm:txEffectClrLst/>
+  </dgm:styleLbl>
+  <dgm:styleLbl name="bgAccFollowNode1">
+    <dgm:fillClrLst meth="repeat">
+      <a:schemeClr val="accent1">
+        <a:alpha val="90000"/>
+        <a:tint val="40000"/>
+      </a:schemeClr>
+    </dgm:fillClrLst>
+    <dgm:linClrLst meth="repeat">
+      <a:schemeClr val="accent1">
+        <a:alpha val="90000"/>
+        <a:tint val="40000"/>
+      </a:schemeClr>
+    </dgm:linClrLst>
+    <dgm:effectClrLst/>
+    <dgm:txLinClrLst/>
+    <dgm:txFillClrLst meth="repeat">
+      <a:schemeClr val="dk1"/>
+    </dgm:txFillClrLst>
+    <dgm:txEffectClrLst/>
+  </dgm:styleLbl>
+  <dgm:styleLbl name="fgAcc0">
+    <dgm:fillClrLst meth="repeat">
+      <a:schemeClr val="lt1">
+        <a:alpha val="90000"/>
+      </a:schemeClr>
+    </dgm:fillClrLst>
+    <dgm:linClrLst meth="repeat">
+      <a:schemeClr val="accent1"/>
+    </dgm:linClrLst>
+    <dgm:effectClrLst/>
+    <dgm:txLinClrLst/>
+    <dgm:txFillClrLst meth="repeat">
+      <a:schemeClr val="dk1"/>
+    </dgm:txFillClrLst>
+    <dgm:txEffectClrLst/>
+  </dgm:styleLbl>
+  <dgm:styleLbl name="fgAcc2">
+    <dgm:fillClrLst meth="repeat">
+      <a:schemeClr val="lt1">
+        <a:alpha val="90000"/>
+      </a:schemeClr>
+    </dgm:fillClrLst>
+    <dgm:linClrLst meth="repeat">
+      <a:schemeClr val="accent1"/>
+    </dgm:linClrLst>
+    <dgm:effectClrLst/>
+    <dgm:txLinClrLst/>
+    <dgm:txFillClrLst meth="repeat">
+      <a:schemeClr val="dk1"/>
+    </dgm:txFillClrLst>
+    <dgm:txEffectClrLst/>
+  </dgm:styleLbl>
+  <dgm:styleLbl name="fgAcc3">
+    <dgm:fillClrLst meth="repeat">
+      <a:schemeClr val="lt1">
+        <a:alpha val="90000"/>
+      </a:schemeClr>
+    </dgm:fillClrLst>
+    <dgm:linClrLst meth="repeat">
+      <a:schemeClr val="accent1"/>
+    </dgm:linClrLst>
+    <dgm:effectClrLst/>
+    <dgm:txLinClrLst/>
+    <dgm:txFillClrLst meth="repeat">
+      <a:schemeClr val="dk1"/>
+    </dgm:txFillClrLst>
+    <dgm:txEffectClrLst/>
+  </dgm:styleLbl>
+  <dgm:styleLbl name="fgAcc4">
+    <dgm:fillClrLst meth="repeat">
+      <a:schemeClr val="lt1">
+        <a:alpha val="90000"/>
+      </a:schemeClr>
+    </dgm:fillClrLst>
+    <dgm:linClrLst meth="repeat">
+      <a:schemeClr val="accent1"/>
+    </dgm:linClrLst>
+    <dgm:effectClrLst/>
+    <dgm:txLinClrLst/>
+    <dgm:txFillClrLst meth="repeat">
+      <a:schemeClr val="dk1"/>
+    </dgm:txFillClrLst>
+    <dgm:txEffectClrLst/>
+  </dgm:styleLbl>
+  <dgm:styleLbl name="bgShp">
+    <dgm:fillClrLst meth="repeat">
+      <a:schemeClr val="accent1">
+        <a:tint val="40000"/>
+      </a:schemeClr>
+    </dgm:fillClrLst>
+    <dgm:linClrLst meth="repeat">
+      <a:schemeClr val="accent1"/>
+    </dgm:linClrLst>
+    <dgm:effectClrLst/>
+    <dgm:txLinClrLst/>
+    <dgm:txFillClrLst meth="repeat">
+      <a:schemeClr val="dk1"/>
+    </dgm:txFillClrLst>
+    <dgm:txEffectClrLst/>
+  </dgm:styleLbl>
+  <dgm:styleLbl name="dkBgShp">
+    <dgm:fillClrLst meth="repeat">
+      <a:schemeClr val="accent1">
+        <a:shade val="80000"/>
+      </a:schemeClr>
+    </dgm:fillClrLst>
+    <dgm:linClrLst meth="repeat">
+      <a:schemeClr val="accent1"/>
+    </dgm:linClrLst>
+    <dgm:effectClrLst/>
+    <dgm:txLinClrLst/>
+    <dgm:txFillClrLst meth="repeat">
+      <a:schemeClr val="lt1"/>
+    </dgm:txFillClrLst>
+    <dgm:txEffectClrLst/>
+  </dgm:styleLbl>
+  <dgm:styleLbl name="trBgShp">
+    <dgm:fillClrLst meth="repeat">
+      <a:schemeClr val="accent1">
+        <a:tint val="50000"/>
+        <a:alpha val="40000"/>
+      </a:schemeClr>
+    </dgm:fillClrLst>
+    <dgm:linClrLst meth="repeat">
+      <a:schemeClr val="accent1"/>
+    </dgm:linClrLst>
+    <dgm:effectClrLst/>
+    <dgm:txLinClrLst/>
+    <dgm:txFillClrLst meth="repeat">
+      <a:schemeClr val="lt1"/>
+    </dgm:txFillClrLst>
+    <dgm:txEffectClrLst/>
+  </dgm:styleLbl>
+  <dgm:styleLbl name="fgShp">
+    <dgm:fillClrLst meth="repeat">
+      <a:schemeClr val="accent1">
+        <a:tint val="60000"/>
+      </a:schemeClr>
+    </dgm:fillClrLst>
+    <dgm:linClrLst meth="repeat">
+      <a:schemeClr val="lt1"/>
+    </dgm:linClrLst>
+    <dgm:effectClrLst/>
+    <dgm:txLinClrLst/>
+    <dgm:txFillClrLst meth="repeat">
+      <a:schemeClr val="dk1"/>
+    </dgm:txFillClrLst>
+    <dgm:txEffectClrLst/>
+  </dgm:styleLbl>
+  <dgm:styleLbl name="revTx">
+    <dgm:fillClrLst meth="repeat">
+      <a:schemeClr val="lt1">
+        <a:alpha val="0"/>
+      </a:schemeClr>
+    </dgm:fillClrLst>
+    <dgm:linClrLst meth="repeat">
+      <a:schemeClr val="dk1">
+        <a:alpha val="0"/>
+      </a:schemeClr>
+    </dgm:linClrLst>
+    <dgm:effectClrLst/>
+    <dgm:txLinClrLst/>
+    <dgm:txFillClrLst meth="repeat">
+      <a:schemeClr val="tx1"/>
+    </dgm:txFillClrLst>
+    <dgm:txEffectClrLst/>
+  </dgm:styleLbl>
+</dgm:colorsDef>
+</file>
+
+<file path=ppt/diagrams/colors2.xml><?xml version="1.0" encoding="utf-8"?>
+<dgm:colorsDef xmlns:dgm="http://schemas.openxmlformats.org/drawingml/2006/diagram" xmlns:a="http://schemas.openxmlformats.org/drawingml/2006/main" uniqueId="urn:microsoft.com/office/officeart/2005/8/colors/accent1_2">
+  <dgm:title val=""/>
+  <dgm:desc val=""/>
+  <dgm:catLst>
+    <dgm:cat type="accent1" pri="11200"/>
+  </dgm:catLst>
+  <dgm:styleLbl name="node0">
+    <dgm:fillClrLst meth="repeat">
+      <a:schemeClr val="accent1"/>
+    </dgm:fillClrLst>
+    <dgm:linClrLst meth="repeat">
+      <a:schemeClr val="lt1"/>
+    </dgm:linClrLst>
+    <dgm:effectClrLst/>
+    <dgm:txLinClrLst/>
+    <dgm:txFillClrLst/>
+    <dgm:txEffectClrLst/>
+  </dgm:styleLbl>
+  <dgm:styleLbl name="alignNode1">
+    <dgm:fillClrLst meth="repeat">
+      <a:schemeClr val="accent1"/>
+    </dgm:fillClrLst>
+    <dgm:linClrLst meth="repeat">
+      <a:schemeClr val="accent1"/>
+    </dgm:linClrLst>
+    <dgm:effectClrLst/>
+    <dgm:txLinClrLst/>
+    <dgm:txFillClrLst/>
+    <dgm:txEffectClrLst/>
+  </dgm:styleLbl>
+  <dgm:styleLbl name="node1">
+    <dgm:fillClrLst meth="repeat">
+      <a:schemeClr val="accent1"/>
+    </dgm:fillClrLst>
+    <dgm:linClrLst meth="repeat">
+      <a:schemeClr val="lt1"/>
+    </dgm:linClrLst>
+    <dgm:effectClrLst/>
+    <dgm:txLinClrLst/>
+    <dgm:txFillClrLst/>
+    <dgm:txEffectClrLst/>
+  </dgm:styleLbl>
+  <dgm:styleLbl name="lnNode1">
+    <dgm:fillClrLst meth="repeat">
+      <a:schemeClr val="accent1"/>
+    </dgm:fillClrLst>
+    <dgm:linClrLst meth="repeat">
+      <a:schemeClr val="lt1"/>
+    </dgm:linClrLst>
+    <dgm:effectClrLst/>
+    <dgm:txLinClrLst/>
+    <dgm:txFillClrLst/>
+    <dgm:txEffectClrLst/>
+  </dgm:styleLbl>
+  <dgm:styleLbl name="vennNode1">
+    <dgm:fillClrLst meth="repeat">
+      <a:schemeClr val="accent1">
+        <a:alpha val="50000"/>
+      </a:schemeClr>
+    </dgm:fillClrLst>
+    <dgm:linClrLst meth="repeat">
+      <a:schemeClr val="lt1"/>
+    </dgm:linClrLst>
+    <dgm:effectClrLst/>
+    <dgm:txLinClrLst/>
+    <dgm:txFillClrLst/>
+    <dgm:txEffectClrLst/>
+  </dgm:styleLbl>
+  <dgm:styleLbl name="node2">
+    <dgm:fillClrLst meth="repeat">
+      <a:schemeClr val="accent1"/>
+    </dgm:fillClrLst>
+    <dgm:linClrLst meth="repeat">
+      <a:schemeClr val="lt1"/>
+    </dgm:linClrLst>
+    <dgm:effectClrLst/>
+    <dgm:txLinClrLst/>
+    <dgm:txFillClrLst/>
+    <dgm:txEffectClrLst/>
+  </dgm:styleLbl>
+  <dgm:styleLbl name="node3">
+    <dgm:fillClrLst meth="repeat">
+      <a:schemeClr val="accent1"/>
+    </dgm:fillClrLst>
+    <dgm:linClrLst meth="repeat">
+      <a:schemeClr val="lt1"/>
+    </dgm:linClrLst>
+    <dgm:effectClrLst/>
+    <dgm:txLinClrLst/>
+    <dgm:txFillClrLst/>
+    <dgm:txEffectClrLst/>
+  </dgm:styleLbl>
+  <dgm:styleLbl name="node4">
+    <dgm:fillClrLst meth="repeat">
+      <a:schemeClr val="accent1"/>
+    </dgm:fillClrLst>
+    <dgm:linClrLst meth="repeat">
+      <a:schemeClr val="lt1"/>
+    </dgm:linClrLst>
+    <dgm:effectClrLst/>
+    <dgm:txLinClrLst/>
+    <dgm:txFillClrLst/>
+    <dgm:txEffectClrLst/>
+  </dgm:styleLbl>
+  <dgm:styleLbl name="fgImgPlace1">
+    <dgm:fillClrLst meth="repeat">
+      <a:schemeClr val="accent1">
+        <a:tint val="50000"/>
+      </a:schemeClr>
+    </dgm:fillClrLst>
+    <dgm:linClrLst meth="repeat">
+      <a:schemeClr val="lt1"/>
+    </dgm:linClrLst>
+    <dgm:effectClrLst/>
+    <dgm:txLinClrLst/>
+    <dgm:txFillClrLst meth="repeat">
+      <a:schemeClr val="lt1"/>
+    </dgm:txFillClrLst>
+    <dgm:txEffectClrLst/>
+  </dgm:styleLbl>
+  <dgm:styleLbl name="alignImgPlace1">
+    <dgm:fillClrLst meth="repeat">
+      <a:schemeClr val="accent1">
+        <a:tint val="50000"/>
+      </a:schemeClr>
+    </dgm:fillClrLst>
+    <dgm:linClrLst meth="repeat">
+      <a:schemeClr val="lt1"/>
+    </dgm:linClrLst>
+    <dgm:effectClrLst/>
+    <dgm:txLinClrLst/>
+    <dgm:txFillClrLst meth="repeat">
+      <a:schemeClr val="lt1"/>
+    </dgm:txFillClrLst>
+    <dgm:txEffectClrLst/>
+  </dgm:styleLbl>
+  <dgm:styleLbl name="bgImgPlace1">
+    <dgm:fillClrLst meth="repeat">
+      <a:schemeClr val="accent1">
+        <a:tint val="50000"/>
+      </a:schemeClr>
+    </dgm:fillClrLst>
+    <dgm:linClrLst meth="repeat">
+      <a:schemeClr val="lt1"/>
+    </dgm:linClrLst>
+    <dgm:effectClrLst/>
+    <dgm:txLinClrLst/>
+    <dgm:txFillClrLst meth="repeat">
+      <a:schemeClr val="lt1"/>
+    </dgm:txFillClrLst>
+    <dgm:txEffectClrLst/>
+  </dgm:styleLbl>
+  <dgm:styleLbl name="sibTrans2D1">
+    <dgm:fillClrLst meth="repeat">
+      <a:schemeClr val="accent1">
+        <a:tint val="60000"/>
+      </a:schemeClr>
+    </dgm:fillClrLst>
+    <dgm:linClrLst meth="repeat">
+      <a:schemeClr val="accent1">
+        <a:tint val="60000"/>
+      </a:schemeClr>
+    </dgm:linClrLst>
+    <dgm:effectClrLst/>
+    <dgm:txLinClrLst/>
+    <dgm:txFillClrLst/>
+    <dgm:txEffectClrLst/>
+  </dgm:styleLbl>
+  <dgm:styleLbl name="fgSibTrans2D1">
+    <dgm:fillClrLst meth="repeat">
+      <a:schemeClr val="accent1">
+        <a:tint val="60000"/>
+      </a:schemeClr>
+    </dgm:fillClrLst>
+    <dgm:linClrLst meth="repeat">
+      <a:schemeClr val="accent1">
+        <a:tint val="60000"/>
+      </a:schemeClr>
+    </dgm:linClrLst>
+    <dgm:effectClrLst/>
+    <dgm:txLinClrLst/>
+    <dgm:txFillClrLst/>
+    <dgm:txEffectClrLst/>
+  </dgm:styleLbl>
+  <dgm:styleLbl name="bgSibTrans2D1">
+    <dgm:fillClrLst meth="repeat">
+      <a:schemeClr val="accent1">
+        <a:tint val="60000"/>
+      </a:schemeClr>
+    </dgm:fillClrLst>
+    <dgm:linClrLst meth="repeat">
+      <a:schemeClr val="accent1">
+        <a:tint val="60000"/>
+      </a:schemeClr>
+    </dgm:linClrLst>
+    <dgm:effectClrLst/>
+    <dgm:txLinClrLst/>
+    <dgm:txFillClrLst/>
+    <dgm:txEffectClrLst/>
+  </dgm:styleLbl>
+  <dgm:styleLbl name="sibTrans1D1">
+    <dgm:fillClrLst meth="repeat">
+      <a:schemeClr val="accent1"/>
+    </dgm:fillClrLst>
+    <dgm:linClrLst meth="repeat">
+      <a:schemeClr val="accent1"/>
+    </dgm:linClrLst>
+    <dgm:effectClrLst/>
+    <dgm:txLinClrLst/>
+    <dgm:txFillClrLst meth="repeat">
+      <a:schemeClr val="tx1"/>
+    </dgm:txFillClrLst>
+    <dgm:txEffectClrLst/>
+  </dgm:styleLbl>
+  <dgm:styleLbl name="callout">
+    <dgm:fillClrLst meth="repeat">
+      <a:schemeClr val="accent1"/>
+    </dgm:fillClrLst>
+    <dgm:linClrLst meth="repeat">
+      <a:schemeClr val="accent1">
+        <a:tint val="50000"/>
+      </a:schemeClr>
+    </dgm:linClrLst>
+    <dgm:effectClrLst/>
+    <dgm:txLinClrLst/>
+    <dgm:txFillClrLst meth="repeat">
+      <a:schemeClr val="tx1"/>
+    </dgm:txFillClrLst>
+    <dgm:txEffectClrLst/>
+  </dgm:styleLbl>
+  <dgm:styleLbl name="asst0">
+    <dgm:fillClrLst meth="repeat">
+      <a:schemeClr val="accent1"/>
+    </dgm:fillClrLst>
+    <dgm:linClrLst meth="repeat">
+      <a:schemeClr val="lt1"/>
+    </dgm:linClrLst>
+    <dgm:effectClrLst/>
+    <dgm:txLinClrLst/>
+    <dgm:txFillClrLst/>
+    <dgm:txEffectClrLst/>
+  </dgm:styleLbl>
+  <dgm:styleLbl name="asst1">
+    <dgm:fillClrLst meth="repeat">
+      <a:schemeClr val="accent1"/>
+    </dgm:fillClrLst>
+    <dgm:linClrLst meth="repeat">
+      <a:schemeClr val="lt1"/>
+    </dgm:linClrLst>
+    <dgm:effectClrLst/>
+    <dgm:txLinClrLst/>
+    <dgm:txFillClrLst/>
+    <dgm:txEffectClrLst/>
+  </dgm:styleLbl>
+  <dgm:styleLbl name="asst2">
+    <dgm:fillClrLst meth="repeat">
+      <a:schemeClr val="accent1"/>
+    </dgm:fillClrLst>
+    <dgm:linClrLst meth="repeat">
+      <a:schemeClr val="lt1"/>
+    </dgm:linClrLst>
+    <dgm:effectClrLst/>
+    <dgm:txLinClrLst/>
+    <dgm:txFillClrLst/>
+    <dgm:txEffectClrLst/>
+  </dgm:styleLbl>
+  <dgm:styleLbl name="asst3">
+    <dgm:fillClrLst meth="repeat">
+      <a:schemeClr val="accent1"/>
+    </dgm:fillClrLst>
+    <dgm:linClrLst meth="repeat">
+      <a:schemeClr val="lt1"/>
+    </dgm:linClrLst>
+    <dgm:effectClrLst/>
+    <dgm:txLinClrLst/>
+    <dgm:txFillClrLst/>
+    <dgm:txEffectClrLst/>
+  </dgm:styleLbl>
+  <dgm:styleLbl name="asst4">
+    <dgm:fillClrLst meth="repeat">
+      <a:schemeClr val="accent1"/>
+    </dgm:fillClrLst>
+    <dgm:linClrLst meth="repeat">
+      <a:schemeClr val="lt1"/>
+    </dgm:linClrLst>
+    <dgm:effectClrLst/>
+    <dgm:txLinClrLst/>
+    <dgm:txFillClrLst/>
+    <dgm:txEffectClrLst/>
+  </dgm:styleLbl>
+  <dgm:styleLbl name="parChTrans2D1">
+    <dgm:fillClrLst meth="repeat">
+      <a:schemeClr val="accent1">
+        <a:tint val="60000"/>
+      </a:schemeClr>
+    </dgm:fillClrLst>
+    <dgm:linClrLst meth="repeat">
+      <a:schemeClr val="accent1">
+        <a:tint val="60000"/>
+      </a:schemeClr>
+    </dgm:linClrLst>
+    <dgm:effectClrLst/>
+    <dgm:txLinClrLst/>
+    <dgm:txFillClrLst meth="repeat">
+      <a:schemeClr val="lt1"/>
+    </dgm:txFillClrLst>
+    <dgm:txEffectClrLst/>
+  </dgm:styleLbl>
+  <dgm:styleLbl name="parChTrans2D2">
+    <dgm:fillClrLst meth="repeat">
+      <a:schemeClr val="accent1"/>
+    </dgm:fillClrLst>
+    <dgm:linClrLst meth="repeat">
+      <a:schemeClr val="accent1"/>
+    </dgm:linClrLst>
+    <dgm:effectClrLst/>
+    <dgm:txLinClrLst/>
+    <dgm:txFillClrLst meth="repeat">
+      <a:schemeClr val="lt1"/>
+    </dgm:txFillClrLst>
+    <dgm:txEffectClrLst/>
+  </dgm:styleLbl>
+  <dgm:styleLbl name="parChTrans2D3">
+    <dgm:fillClrLst meth="repeat">
+      <a:schemeClr val="accent1"/>
+    </dgm:fillClrLst>
+    <dgm:linClrLst meth="repeat">
+      <a:schemeClr val="accent1"/>
+    </dgm:linClrLst>
+    <dgm:effectClrLst/>
+    <dgm:txLinClrLst/>
+    <dgm:txFillClrLst meth="repeat">
+      <a:schemeClr val="lt1"/>
+    </dgm:txFillClrLst>
+    <dgm:txEffectClrLst/>
+  </dgm:styleLbl>
+  <dgm:styleLbl name="parChTrans2D4">
+    <dgm:fillClrLst meth="repeat">
+      <a:schemeClr val="accent1"/>
+    </dgm:fillClrLst>
+    <dgm:linClrLst meth="repeat">
+      <a:schemeClr val="accent1"/>
+    </dgm:linClrLst>
+    <dgm:effectClrLst/>
+    <dgm:txLinClrLst/>
+    <dgm:txFillClrLst meth="repeat">
+      <a:schemeClr val="lt1"/>
+    </dgm:txFillClrLst>
+    <dgm:txEffectClrLst/>
+  </dgm:styleLbl>
+  <dgm:styleLbl name="parChTrans1D1">
+    <dgm:fillClrLst meth="repeat">
+      <a:schemeClr val="accent1"/>
+    </dgm:fillClrLst>
+    <dgm:linClrLst meth="repeat">
+      <a:schemeClr val="accent1">
+        <a:shade val="60000"/>
+      </a:schemeClr>
+    </dgm:linClrLst>
+    <dgm:effectClrLst/>
+    <dgm:txLinClrLst/>
+    <dgm:txFillClrLst meth="repeat">
+      <a:schemeClr val="tx1"/>
+    </dgm:txFillClrLst>
+    <dgm:txEffectClrLst/>
+  </dgm:styleLbl>
+  <dgm:styleLbl name="parChTrans1D2">
+    <dgm:fillClrLst meth="repeat">
+      <a:schemeClr val="accent1"/>
+    </dgm:fillClrLst>
+    <dgm:linClrLst meth="repeat">
+      <a:schemeClr val="accent1">
+        <a:shade val="60000"/>
+      </a:schemeClr>
+    </dgm:linClrLst>
+    <dgm:effectClrLst/>
+    <dgm:txLinClrLst/>
+    <dgm:txFillClrLst meth="repeat">
+      <a:schemeClr val="tx1"/>
+    </dgm:txFillClrLst>
+    <dgm:txEffectClrLst/>
+  </dgm:styleLbl>
+  <dgm:styleLbl name="parChTrans1D3">
+    <dgm:fillClrLst meth="repeat">
+      <a:schemeClr val="accent1"/>
+    </dgm:fillClrLst>
+    <dgm:linClrLst meth="repeat">
+      <a:schemeClr val="accent1">
+        <a:shade val="80000"/>
+      </a:schemeClr>
+    </dgm:linClrLst>
+    <dgm:effectClrLst/>
+    <dgm:txLinClrLst/>
+    <dgm:txFillClrLst meth="repeat">
+      <a:schemeClr val="tx1"/>
+    </dgm:txFillClrLst>
+    <dgm:txEffectClrLst/>
+  </dgm:styleLbl>
+  <dgm:styleLbl name="parChTrans1D4">
+    <dgm:fillClrLst meth="repeat">
+      <a:schemeClr val="accent1"/>
+    </dgm:fillClrLst>
+    <dgm:linClrLst meth="repeat">
+      <a:schemeClr val="accent1">
+        <a:shade val="80000"/>
+      </a:schemeClr>
+    </dgm:linClrLst>
+    <dgm:effectClrLst/>
+    <dgm:txLinClrLst/>
+    <dgm:txFillClrLst meth="repeat">
+      <a:schemeClr val="tx1"/>
+    </dgm:txFillClrLst>
+    <dgm:txEffectClrLst/>
+  </dgm:styleLbl>
+  <dgm:styleLbl name="fgAcc1">
+    <dgm:fillClrLst meth="repeat">
+      <a:schemeClr val="lt1">
+        <a:alpha val="90000"/>
+      </a:schemeClr>
+    </dgm:fillClrLst>
+    <dgm:linClrLst meth="repeat">
+      <a:schemeClr val="accent1"/>
+    </dgm:linClrLst>
+    <dgm:effectClrLst/>
+    <dgm:txLinClrLst/>
+    <dgm:txFillClrLst meth="repeat">
+      <a:schemeClr val="dk1"/>
+    </dgm:txFillClrLst>
+    <dgm:txEffectClrLst/>
+  </dgm:styleLbl>
+  <dgm:styleLbl name="conFgAcc1">
+    <dgm:fillClrLst meth="repeat">
+      <a:schemeClr val="lt1">
+        <a:alpha val="90000"/>
+      </a:schemeClr>
+    </dgm:fillClrLst>
+    <dgm:linClrLst meth="repeat">
+      <a:schemeClr val="accent1"/>
+    </dgm:linClrLst>
+    <dgm:effectClrLst/>
+    <dgm:txLinClrLst/>
+    <dgm:txFillClrLst meth="repeat">
+      <a:schemeClr val="dk1"/>
+    </dgm:txFillClrLst>
+    <dgm:txEffectClrLst/>
+  </dgm:styleLbl>
+  <dgm:styleLbl name="alignAcc1">
+    <dgm:fillClrLst meth="repeat">
+      <a:schemeClr val="lt1">
+        <a:alpha val="90000"/>
+      </a:schemeClr>
+    </dgm:fillClrLst>
+    <dgm:linClrLst meth="repeat">
+      <a:schemeClr val="accent1"/>
+    </dgm:linClrLst>
+    <dgm:effectClrLst/>
+    <dgm:txLinClrLst/>
+    <dgm:txFillClrLst meth="repeat">
+      <a:schemeClr val="dk1"/>
+    </dgm:txFillClrLst>
+    <dgm:txEffectClrLst/>
+  </dgm:styleLbl>
+  <dgm:styleLbl name="trAlignAcc1">
+    <dgm:fillClrLst meth="repeat">
+      <a:schemeClr val="lt1">
+        <a:alpha val="40000"/>
+      </a:schemeClr>
+    </dgm:fillClrLst>
+    <dgm:linClrLst meth="repeat">
+      <a:schemeClr val="accent1"/>
+    </dgm:linClrLst>
+    <dgm:effectClrLst/>
+    <dgm:txLinClrLst/>
+    <dgm:txFillClrLst meth="repeat">
+      <a:schemeClr val="dk1"/>
+    </dgm:txFillClrLst>
+    <dgm:txEffectClrLst/>
+  </dgm:styleLbl>
+  <dgm:styleLbl name="bgAcc1">
+    <dgm:fillClrLst meth="repeat">
+      <a:schemeClr val="lt1">
+        <a:alpha val="90000"/>
+      </a:schemeClr>
+    </dgm:fillClrLst>
+    <dgm:linClrLst meth="repeat">
+      <a:schemeClr val="accent1"/>
+    </dgm:linClrLst>
+    <dgm:effectClrLst/>
+    <dgm:txLinClrLst/>
+    <dgm:txFillClrLst meth="repeat">
+      <a:schemeClr val="dk1"/>
+    </dgm:txFillClrLst>
+    <dgm:txEffectClrLst/>
+  </dgm:styleLbl>
+  <dgm:styleLbl name="solidFgAcc1">
+    <dgm:fillClrLst meth="repeat">
+      <a:schemeClr val="lt1"/>
+    </dgm:fillClrLst>
+    <dgm:linClrLst meth="repeat">
+      <a:schemeClr val="accent1"/>
+    </dgm:linClrLst>
+    <dgm:effectClrLst/>
+    <dgm:txLinClrLst/>
+    <dgm:txFillClrLst meth="repeat">
+      <a:schemeClr val="dk1"/>
+    </dgm:txFillClrLst>
+    <dgm:txEffectClrLst/>
+  </dgm:styleLbl>
+  <dgm:styleLbl name="solidAlignAcc1">
+    <dgm:fillClrLst meth="repeat">
+      <a:schemeClr val="lt1"/>
+    </dgm:fillClrLst>
+    <dgm:linClrLst meth="repeat">
+      <a:schemeClr val="accent1"/>
+    </dgm:linClrLst>
+    <dgm:effectClrLst/>
+    <dgm:txLinClrLst/>
+    <dgm:txFillClrLst meth="repeat">
+      <a:schemeClr val="dk1"/>
+    </dgm:txFillClrLst>
+    <dgm:txEffectClrLst/>
+  </dgm:styleLbl>
+  <dgm:styleLbl name="solidBgAcc1">
+    <dgm:fillClrLst meth="repeat">
+      <a:schemeClr val="lt1"/>
+    </dgm:fillClrLst>
+    <dgm:linClrLst meth="repeat">
+      <a:schemeClr val="accent1"/>
+    </dgm:linClrLst>
+    <dgm:effectClrLst/>
+    <dgm:txLinClrLst/>
+    <dgm:txFillClrLst meth="repeat">
+      <a:schemeClr val="dk1"/>
+    </dgm:txFillClrLst>
+    <dgm:txEffectClrLst/>
+  </dgm:styleLbl>
+  <dgm:styleLbl name="fgAccFollowNode1">
+    <dgm:fillClrLst meth="repeat">
+      <a:schemeClr val="accent1">
+        <a:alpha val="90000"/>
+        <a:tint val="40000"/>
+      </a:schemeClr>
+    </dgm:fillClrLst>
+    <dgm:linClrLst meth="repeat">
+      <a:schemeClr val="accent1">
+        <a:alpha val="90000"/>
+        <a:tint val="40000"/>
+      </a:schemeClr>
+    </dgm:linClrLst>
+    <dgm:effectClrLst/>
+    <dgm:txLinClrLst/>
+    <dgm:txFillClrLst meth="repeat">
+      <a:schemeClr val="dk1"/>
+    </dgm:txFillClrLst>
+    <dgm:txEffectClrLst/>
+  </dgm:styleLbl>
+  <dgm:styleLbl name="alignAccFollowNode1">
+    <dgm:fillClrLst meth="repeat">
+      <a:schemeClr val="accent1">
+        <a:alpha val="90000"/>
+        <a:tint val="40000"/>
+      </a:schemeClr>
+    </dgm:fillClrLst>
+    <dgm:linClrLst meth="repeat">
+      <a:schemeClr val="accent1">
+        <a:alpha val="90000"/>
+        <a:tint val="40000"/>
+      </a:schemeClr>
+    </dgm:linClrLst>
+    <dgm:effectClrLst/>
+    <dgm:txLinClrLst/>
+    <dgm:txFillClrLst meth="repeat">
+      <a:schemeClr val="dk1"/>
+    </dgm:txFillClrLst>
+    <dgm:txEffectClrLst/>
+  </dgm:styleLbl>
+  <dgm:styleLbl name="bgAccFollowNode1">
+    <dgm:fillClrLst meth="repeat">
+      <a:schemeClr val="accent1">
+        <a:alpha val="90000"/>
+        <a:tint val="40000"/>
+      </a:schemeClr>
+    </dgm:fillClrLst>
+    <dgm:linClrLst meth="repeat">
+      <a:schemeClr val="accent1">
+        <a:alpha val="90000"/>
+        <a:tint val="40000"/>
+      </a:schemeClr>
+    </dgm:linClrLst>
+    <dgm:effectClrLst/>
+    <dgm:txLinClrLst/>
+    <dgm:txFillClrLst meth="repeat">
+      <a:schemeClr val="dk1"/>
+    </dgm:txFillClrLst>
+    <dgm:txEffectClrLst/>
+  </dgm:styleLbl>
+  <dgm:styleLbl name="fgAcc0">
+    <dgm:fillClrLst meth="repeat">
+      <a:schemeClr val="lt1">
+        <a:alpha val="90000"/>
+      </a:schemeClr>
+    </dgm:fillClrLst>
+    <dgm:linClrLst meth="repeat">
+      <a:schemeClr val="accent1"/>
+    </dgm:linClrLst>
+    <dgm:effectClrLst/>
+    <dgm:txLinClrLst/>
+    <dgm:txFillClrLst meth="repeat">
+      <a:schemeClr val="dk1"/>
+    </dgm:txFillClrLst>
+    <dgm:txEffectClrLst/>
+  </dgm:styleLbl>
+  <dgm:styleLbl name="fgAcc2">
+    <dgm:fillClrLst meth="repeat">
+      <a:schemeClr val="lt1">
+        <a:alpha val="90000"/>
+      </a:schemeClr>
+    </dgm:fillClrLst>
+    <dgm:linClrLst meth="repeat">
+      <a:schemeClr val="accent1"/>
+    </dgm:linClrLst>
+    <dgm:effectClrLst/>
+    <dgm:txLinClrLst/>
+    <dgm:txFillClrLst meth="repeat">
+      <a:schemeClr val="dk1"/>
+    </dgm:txFillClrLst>
+    <dgm:txEffectClrLst/>
+  </dgm:styleLbl>
+  <dgm:styleLbl name="fgAcc3">
+    <dgm:fillClrLst meth="repeat">
+      <a:schemeClr val="lt1">
+        <a:alpha val="90000"/>
+      </a:schemeClr>
+    </dgm:fillClrLst>
+    <dgm:linClrLst meth="repeat">
+      <a:schemeClr val="accent1"/>
+    </dgm:linClrLst>
+    <dgm:effectClrLst/>
+    <dgm:txLinClrLst/>
+    <dgm:txFillClrLst meth="repeat">
+      <a:schemeClr val="dk1"/>
+    </dgm:txFillClrLst>
+    <dgm:txEffectClrLst/>
+  </dgm:styleLbl>
+  <dgm:styleLbl name="fgAcc4">
+    <dgm:fillClrLst meth="repeat">
+      <a:schemeClr val="lt1">
+        <a:alpha val="90000"/>
+      </a:schemeClr>
+    </dgm:fillClrLst>
+    <dgm:linClrLst meth="repeat">
+      <a:schemeClr val="accent1"/>
+    </dgm:linClrLst>
+    <dgm:effectClrLst/>
+    <dgm:txLinClrLst/>
+    <dgm:txFillClrLst meth="repeat">
+      <a:schemeClr val="dk1"/>
+    </dgm:txFillClrLst>
+    <dgm:txEffectClrLst/>
+  </dgm:styleLbl>
+  <dgm:styleLbl name="bgShp">
+    <dgm:fillClrLst meth="repeat">
+      <a:schemeClr val="accent1">
+        <a:tint val="40000"/>
+      </a:schemeClr>
+    </dgm:fillClrLst>
+    <dgm:linClrLst meth="repeat">
+      <a:schemeClr val="accent1"/>
+    </dgm:linClrLst>
+    <dgm:effectClrLst/>
+    <dgm:txLinClrLst/>
+    <dgm:txFillClrLst meth="repeat">
+      <a:schemeClr val="dk1"/>
+    </dgm:txFillClrLst>
+    <dgm:txEffectClrLst/>
+  </dgm:styleLbl>
+  <dgm:styleLbl name="dkBgShp">
+    <dgm:fillClrLst meth="repeat">
+      <a:schemeClr val="accent1">
+        <a:shade val="80000"/>
+      </a:schemeClr>
+    </dgm:fillClrLst>
+    <dgm:linClrLst meth="repeat">
+      <a:schemeClr val="accent1"/>
+    </dgm:linClrLst>
+    <dgm:effectClrLst/>
+    <dgm:txLinClrLst/>
+    <dgm:txFillClrLst meth="repeat">
+      <a:schemeClr val="lt1"/>
+    </dgm:txFillClrLst>
+    <dgm:txEffectClrLst/>
+  </dgm:styleLbl>
+  <dgm:styleLbl name="trBgShp">
+    <dgm:fillClrLst meth="repeat">
+      <a:schemeClr val="accent1">
+        <a:tint val="50000"/>
+        <a:alpha val="40000"/>
+      </a:schemeClr>
+    </dgm:fillClrLst>
+    <dgm:linClrLst meth="repeat">
+      <a:schemeClr val="accent1"/>
+    </dgm:linClrLst>
+    <dgm:effectClrLst/>
+    <dgm:txLinClrLst/>
+    <dgm:txFillClrLst meth="repeat">
+      <a:schemeClr val="lt1"/>
+    </dgm:txFillClrLst>
+    <dgm:txEffectClrLst/>
+  </dgm:styleLbl>
+  <dgm:styleLbl name="fgShp">
+    <dgm:fillClrLst meth="repeat">
+      <a:schemeClr val="accent1">
+        <a:tint val="60000"/>
+      </a:schemeClr>
+    </dgm:fillClrLst>
+    <dgm:linClrLst meth="repeat">
+      <a:schemeClr val="lt1"/>
+    </dgm:linClrLst>
+    <dgm:effectClrLst/>
+    <dgm:txLinClrLst/>
+    <dgm:txFillClrLst meth="repeat">
+      <a:schemeClr val="dk1"/>
+    </dgm:txFillClrLst>
+    <dgm:txEffectClrLst/>
+  </dgm:styleLbl>
+  <dgm:styleLbl name="revTx">
+    <dgm:fillClrLst meth="repeat">
+      <a:schemeClr val="lt1">
+        <a:alpha val="0"/>
+      </a:schemeClr>
+    </dgm:fillClrLst>
+    <dgm:linClrLst meth="repeat">
+      <a:schemeClr val="dk1">
+        <a:alpha val="0"/>
+      </a:schemeClr>
+    </dgm:linClrLst>
+    <dgm:effectClrLst/>
+    <dgm:txLinClrLst/>
+    <dgm:txFillClrLst meth="repeat">
+      <a:schemeClr val="tx1"/>
+    </dgm:txFillClrLst>
+    <dgm:txEffectClrLst/>
+  </dgm:styleLbl>
+</dgm:colorsDef>
+</file>
+
+<file path=ppt/diagrams/data1.xml><?xml version="1.0" encoding="utf-8"?>
+<dgm:dataModel xmlns:dgm="http://schemas.openxmlformats.org/drawingml/2006/diagram" xmlns:a="http://schemas.openxmlformats.org/drawingml/2006/main">
+  <dgm:ptLst>
+    <dgm:pt modelId="{0EEDA414-2FE9-0248-B905-14D143E3B25E}" type="doc">
+      <dgm:prSet loTypeId="urn:microsoft.com/office/officeart/2005/8/layout/process4" loCatId="" qsTypeId="urn:microsoft.com/office/officeart/2005/8/quickstyle/simple2" qsCatId="simple" csTypeId="urn:microsoft.com/office/officeart/2005/8/colors/accent1_2" csCatId="accent1" phldr="1"/>
+      <dgm:spPr/>
+    </dgm:pt>
+    <dgm:pt modelId="{F21FAB64-392D-2641-A6AB-37377AF03051}">
+      <dgm:prSet phldrT="[Text]"/>
+      <dgm:spPr/>
+      <dgm:t>
+        <a:bodyPr/>
+        <a:lstStyle/>
+        <a:p>
+          <a:r>
+            <a:rPr lang="en-US" dirty="0" err="1" smtClean="0"/>
+            <a:t>Domein</a:t>
+          </a:r>
+          <a:endParaRPr lang="en-US" dirty="0"/>
+        </a:p>
+      </dgm:t>
+    </dgm:pt>
+    <dgm:pt modelId="{8B9F366F-CD8E-E24E-AE19-9AA3924F8BD4}" type="parTrans" cxnId="{C4135A04-00AD-A24F-8B74-E42EB15E228A}">
+      <dgm:prSet/>
+      <dgm:spPr/>
+      <dgm:t>
+        <a:bodyPr/>
+        <a:lstStyle/>
+        <a:p>
+          <a:endParaRPr lang="en-US"/>
+        </a:p>
+      </dgm:t>
+    </dgm:pt>
+    <dgm:pt modelId="{B073A466-A5F9-8844-96DE-21C7A138317F}" type="sibTrans" cxnId="{C4135A04-00AD-A24F-8B74-E42EB15E228A}">
+      <dgm:prSet/>
+      <dgm:spPr/>
+      <dgm:t>
+        <a:bodyPr/>
+        <a:lstStyle/>
+        <a:p>
+          <a:endParaRPr lang="en-US"/>
+        </a:p>
+      </dgm:t>
+    </dgm:pt>
+    <dgm:pt modelId="{09449922-9365-ED46-932A-D24132A080FA}">
+      <dgm:prSet phldrT="[Text]"/>
+      <dgm:spPr/>
+      <dgm:t>
+        <a:bodyPr/>
+        <a:lstStyle/>
+        <a:p>
+          <a:r>
+            <a:rPr lang="en-US" dirty="0" err="1" smtClean="0"/>
+            <a:t>Programmeertaal</a:t>
+          </a:r>
+          <a:endParaRPr lang="en-US" dirty="0"/>
+        </a:p>
+      </dgm:t>
+    </dgm:pt>
+    <dgm:pt modelId="{9656EA9A-2660-1D43-84BA-E4123323E9B4}" type="parTrans" cxnId="{E67AB282-0FAC-1F42-8D15-29D97B7DD796}">
+      <dgm:prSet/>
+      <dgm:spPr/>
+      <dgm:t>
+        <a:bodyPr/>
+        <a:lstStyle/>
+        <a:p>
+          <a:endParaRPr lang="en-US"/>
+        </a:p>
+      </dgm:t>
+    </dgm:pt>
+    <dgm:pt modelId="{22EA6DEB-8FB9-E745-899D-786749AC997B}" type="sibTrans" cxnId="{E67AB282-0FAC-1F42-8D15-29D97B7DD796}">
+      <dgm:prSet/>
+      <dgm:spPr/>
+      <dgm:t>
+        <a:bodyPr/>
+        <a:lstStyle/>
+        <a:p>
+          <a:endParaRPr lang="en-US"/>
+        </a:p>
+      </dgm:t>
+    </dgm:pt>
+    <dgm:pt modelId="{C433367C-7C2D-F440-A1D7-A6C6D5C9DBA8}">
+      <dgm:prSet phldrT="[Text]"/>
+      <dgm:spPr/>
+      <dgm:t>
+        <a:bodyPr/>
+        <a:lstStyle/>
+        <a:p>
+          <a:r>
+            <a:rPr lang="en-US" dirty="0" err="1" smtClean="0"/>
+            <a:t>Algoritme</a:t>
+          </a:r>
+          <a:endParaRPr lang="en-US" dirty="0"/>
+        </a:p>
+      </dgm:t>
+    </dgm:pt>
+    <dgm:pt modelId="{C9915FC3-8ADA-1246-B8FA-230A96FE4FED}" type="parTrans" cxnId="{A436D30F-1AC1-FF41-A1BD-1EFB5B5001AB}">
+      <dgm:prSet/>
+      <dgm:spPr/>
+      <dgm:t>
+        <a:bodyPr/>
+        <a:lstStyle/>
+        <a:p>
+          <a:endParaRPr lang="en-US"/>
+        </a:p>
+      </dgm:t>
+    </dgm:pt>
+    <dgm:pt modelId="{1C0240D5-CECF-1A4D-A9A2-53FB1ED08F3B}" type="sibTrans" cxnId="{A436D30F-1AC1-FF41-A1BD-1EFB5B5001AB}">
+      <dgm:prSet/>
+      <dgm:spPr/>
+      <dgm:t>
+        <a:bodyPr/>
+        <a:lstStyle/>
+        <a:p>
+          <a:endParaRPr lang="en-US"/>
+        </a:p>
+      </dgm:t>
+    </dgm:pt>
+    <dgm:pt modelId="{D5C6F08F-C1FB-3544-99B0-9C548DC8F208}" type="pres">
+      <dgm:prSet presAssocID="{0EEDA414-2FE9-0248-B905-14D143E3B25E}" presName="Name0" presStyleCnt="0">
+        <dgm:presLayoutVars>
+          <dgm:dir/>
+          <dgm:animLvl val="lvl"/>
+          <dgm:resizeHandles val="exact"/>
+        </dgm:presLayoutVars>
+      </dgm:prSet>
+      <dgm:spPr/>
+    </dgm:pt>
+    <dgm:pt modelId="{BC536465-7B94-4F41-8F94-9E50A43C72DC}" type="pres">
+      <dgm:prSet presAssocID="{C433367C-7C2D-F440-A1D7-A6C6D5C9DBA8}" presName="boxAndChildren" presStyleCnt="0"/>
+      <dgm:spPr/>
+    </dgm:pt>
+    <dgm:pt modelId="{1D981DFC-6359-9B42-A97E-EE1A67C27226}" type="pres">
+      <dgm:prSet presAssocID="{C433367C-7C2D-F440-A1D7-A6C6D5C9DBA8}" presName="parentTextBox" presStyleLbl="node1" presStyleIdx="0" presStyleCnt="3"/>
+      <dgm:spPr/>
+      <dgm:t>
+        <a:bodyPr/>
+        <a:lstStyle/>
+        <a:p>
+          <a:endParaRPr lang="en-US"/>
+        </a:p>
+      </dgm:t>
+    </dgm:pt>
+    <dgm:pt modelId="{8D118F49-A35F-324F-B89F-8A3D9CF8BE80}" type="pres">
+      <dgm:prSet presAssocID="{22EA6DEB-8FB9-E745-899D-786749AC997B}" presName="sp" presStyleCnt="0"/>
+      <dgm:spPr/>
+    </dgm:pt>
+    <dgm:pt modelId="{8AECA4F7-4033-4341-9F1F-9BC17F86A861}" type="pres">
+      <dgm:prSet presAssocID="{09449922-9365-ED46-932A-D24132A080FA}" presName="arrowAndChildren" presStyleCnt="0"/>
+      <dgm:spPr/>
+    </dgm:pt>
+    <dgm:pt modelId="{8AA9BC7C-A858-9E48-B984-5C8762703E58}" type="pres">
+      <dgm:prSet presAssocID="{09449922-9365-ED46-932A-D24132A080FA}" presName="parentTextArrow" presStyleLbl="node1" presStyleIdx="1" presStyleCnt="3"/>
+      <dgm:spPr/>
+      <dgm:t>
+        <a:bodyPr/>
+        <a:lstStyle/>
+        <a:p>
+          <a:endParaRPr lang="en-US"/>
+        </a:p>
+      </dgm:t>
+    </dgm:pt>
+    <dgm:pt modelId="{BE5C4AD7-E67E-6243-ADCC-9E7CC8126AA1}" type="pres">
+      <dgm:prSet presAssocID="{B073A466-A5F9-8844-96DE-21C7A138317F}" presName="sp" presStyleCnt="0"/>
+      <dgm:spPr/>
+    </dgm:pt>
+    <dgm:pt modelId="{F497B7A2-2680-EC41-8D72-510F83AA9963}" type="pres">
+      <dgm:prSet presAssocID="{F21FAB64-392D-2641-A6AB-37377AF03051}" presName="arrowAndChildren" presStyleCnt="0"/>
+      <dgm:spPr/>
+    </dgm:pt>
+    <dgm:pt modelId="{95F427E8-B20D-1C40-B1A7-2751BED141FE}" type="pres">
+      <dgm:prSet presAssocID="{F21FAB64-392D-2641-A6AB-37377AF03051}" presName="parentTextArrow" presStyleLbl="node1" presStyleIdx="2" presStyleCnt="3"/>
+      <dgm:spPr/>
+      <dgm:t>
+        <a:bodyPr/>
+        <a:lstStyle/>
+        <a:p>
+          <a:endParaRPr lang="en-US"/>
+        </a:p>
+      </dgm:t>
+    </dgm:pt>
+  </dgm:ptLst>
+  <dgm:cxnLst>
+    <dgm:cxn modelId="{2698F782-022B-4DB0-BE1B-F984BDFDC6BE}" type="presOf" srcId="{0EEDA414-2FE9-0248-B905-14D143E3B25E}" destId="{D5C6F08F-C1FB-3544-99B0-9C548DC8F208}" srcOrd="0" destOrd="0" presId="urn:microsoft.com/office/officeart/2005/8/layout/process4"/>
+    <dgm:cxn modelId="{C4135A04-00AD-A24F-8B74-E42EB15E228A}" srcId="{0EEDA414-2FE9-0248-B905-14D143E3B25E}" destId="{F21FAB64-392D-2641-A6AB-37377AF03051}" srcOrd="0" destOrd="0" parTransId="{8B9F366F-CD8E-E24E-AE19-9AA3924F8BD4}" sibTransId="{B073A466-A5F9-8844-96DE-21C7A138317F}"/>
+    <dgm:cxn modelId="{ACA3C9AE-222C-42F8-9B28-E10C5746BB86}" type="presOf" srcId="{C433367C-7C2D-F440-A1D7-A6C6D5C9DBA8}" destId="{1D981DFC-6359-9B42-A97E-EE1A67C27226}" srcOrd="0" destOrd="0" presId="urn:microsoft.com/office/officeart/2005/8/layout/process4"/>
+    <dgm:cxn modelId="{6FECFA4D-2A3E-4212-A739-B51BFCA8DCE8}" type="presOf" srcId="{F21FAB64-392D-2641-A6AB-37377AF03051}" destId="{95F427E8-B20D-1C40-B1A7-2751BED141FE}" srcOrd="0" destOrd="0" presId="urn:microsoft.com/office/officeart/2005/8/layout/process4"/>
+    <dgm:cxn modelId="{E67AB282-0FAC-1F42-8D15-29D97B7DD796}" srcId="{0EEDA414-2FE9-0248-B905-14D143E3B25E}" destId="{09449922-9365-ED46-932A-D24132A080FA}" srcOrd="1" destOrd="0" parTransId="{9656EA9A-2660-1D43-84BA-E4123323E9B4}" sibTransId="{22EA6DEB-8FB9-E745-899D-786749AC997B}"/>
+    <dgm:cxn modelId="{8A8583F3-263F-41E3-ACF9-061E648CC5FB}" type="presOf" srcId="{09449922-9365-ED46-932A-D24132A080FA}" destId="{8AA9BC7C-A858-9E48-B984-5C8762703E58}" srcOrd="0" destOrd="0" presId="urn:microsoft.com/office/officeart/2005/8/layout/process4"/>
+    <dgm:cxn modelId="{A436D30F-1AC1-FF41-A1BD-1EFB5B5001AB}" srcId="{0EEDA414-2FE9-0248-B905-14D143E3B25E}" destId="{C433367C-7C2D-F440-A1D7-A6C6D5C9DBA8}" srcOrd="2" destOrd="0" parTransId="{C9915FC3-8ADA-1246-B8FA-230A96FE4FED}" sibTransId="{1C0240D5-CECF-1A4D-A9A2-53FB1ED08F3B}"/>
+    <dgm:cxn modelId="{32C2BFC9-12E1-47C5-B46E-6EF6B7689F8F}" type="presParOf" srcId="{D5C6F08F-C1FB-3544-99B0-9C548DC8F208}" destId="{BC536465-7B94-4F41-8F94-9E50A43C72DC}" srcOrd="0" destOrd="0" presId="urn:microsoft.com/office/officeart/2005/8/layout/process4"/>
+    <dgm:cxn modelId="{24CDCCBC-3B92-40DA-9A3C-004DF7D6E2F2}" type="presParOf" srcId="{BC536465-7B94-4F41-8F94-9E50A43C72DC}" destId="{1D981DFC-6359-9B42-A97E-EE1A67C27226}" srcOrd="0" destOrd="0" presId="urn:microsoft.com/office/officeart/2005/8/layout/process4"/>
+    <dgm:cxn modelId="{89D24898-3FBA-4016-9EE8-D5D7521580F4}" type="presParOf" srcId="{D5C6F08F-C1FB-3544-99B0-9C548DC8F208}" destId="{8D118F49-A35F-324F-B89F-8A3D9CF8BE80}" srcOrd="1" destOrd="0" presId="urn:microsoft.com/office/officeart/2005/8/layout/process4"/>
+    <dgm:cxn modelId="{4AA57A4E-5D67-4627-9383-EB89BC4D9AB3}" type="presParOf" srcId="{D5C6F08F-C1FB-3544-99B0-9C548DC8F208}" destId="{8AECA4F7-4033-4341-9F1F-9BC17F86A861}" srcOrd="2" destOrd="0" presId="urn:microsoft.com/office/officeart/2005/8/layout/process4"/>
+    <dgm:cxn modelId="{D726A08D-9A7F-4CA8-B0C0-53B10D7DECBF}" type="presParOf" srcId="{8AECA4F7-4033-4341-9F1F-9BC17F86A861}" destId="{8AA9BC7C-A858-9E48-B984-5C8762703E58}" srcOrd="0" destOrd="0" presId="urn:microsoft.com/office/officeart/2005/8/layout/process4"/>
+    <dgm:cxn modelId="{D0DE00FC-BCAE-42F0-B1D5-8060845F6CC1}" type="presParOf" srcId="{D5C6F08F-C1FB-3544-99B0-9C548DC8F208}" destId="{BE5C4AD7-E67E-6243-ADCC-9E7CC8126AA1}" srcOrd="3" destOrd="0" presId="urn:microsoft.com/office/officeart/2005/8/layout/process4"/>
+    <dgm:cxn modelId="{AC97473F-7362-4FE5-A04E-A033416412B7}" type="presParOf" srcId="{D5C6F08F-C1FB-3544-99B0-9C548DC8F208}" destId="{F497B7A2-2680-EC41-8D72-510F83AA9963}" srcOrd="4" destOrd="0" presId="urn:microsoft.com/office/officeart/2005/8/layout/process4"/>
+    <dgm:cxn modelId="{A4855CF5-D6FF-4BE4-8B19-5399E9A70C64}" type="presParOf" srcId="{F497B7A2-2680-EC41-8D72-510F83AA9963}" destId="{95F427E8-B20D-1C40-B1A7-2751BED141FE}" srcOrd="0" destOrd="0" presId="urn:microsoft.com/office/officeart/2005/8/layout/process4"/>
+  </dgm:cxnLst>
+  <dgm:bg/>
+  <dgm:whole/>
+  <dgm:extLst>
+    <a:ext uri="http://schemas.microsoft.com/office/drawing/2008/diagram">
+      <dsp:dataModelExt xmlns:dsp="http://schemas.microsoft.com/office/drawing/2008/diagram" relId="rId7" minVer="http://schemas.openxmlformats.org/drawingml/2006/diagram"/>
+    </a:ext>
+  </dgm:extLst>
+</dgm:dataModel>
+</file>
+
+<file path=ppt/diagrams/data2.xml><?xml version="1.0" encoding="utf-8"?>
+<dgm:dataModel xmlns:dgm="http://schemas.openxmlformats.org/drawingml/2006/diagram" xmlns:a="http://schemas.openxmlformats.org/drawingml/2006/main">
+  <dgm:ptLst>
+    <dgm:pt modelId="{0EEDA414-2FE9-0248-B905-14D143E3B25E}" type="doc">
+      <dgm:prSet loTypeId="urn:microsoft.com/office/officeart/2005/8/layout/process4" loCatId="" qsTypeId="urn:microsoft.com/office/officeart/2005/8/quickstyle/simple2" qsCatId="simple" csTypeId="urn:microsoft.com/office/officeart/2005/8/colors/accent1_2" csCatId="accent1" phldr="1"/>
+      <dgm:spPr/>
+    </dgm:pt>
+    <dgm:pt modelId="{F21FAB64-392D-2641-A6AB-37377AF03051}">
+      <dgm:prSet phldrT="[Text]"/>
+      <dgm:spPr/>
+      <dgm:t>
+        <a:bodyPr/>
+        <a:lstStyle/>
+        <a:p>
+          <a:r>
+            <a:rPr lang="en-US" dirty="0" err="1" smtClean="0"/>
+            <a:t>Domein</a:t>
+          </a:r>
+          <a:endParaRPr lang="en-US" dirty="0"/>
+        </a:p>
+      </dgm:t>
+    </dgm:pt>
+    <dgm:pt modelId="{8B9F366F-CD8E-E24E-AE19-9AA3924F8BD4}" type="parTrans" cxnId="{C4135A04-00AD-A24F-8B74-E42EB15E228A}">
+      <dgm:prSet/>
+      <dgm:spPr/>
+      <dgm:t>
+        <a:bodyPr/>
+        <a:lstStyle/>
+        <a:p>
+          <a:endParaRPr lang="en-US"/>
+        </a:p>
+      </dgm:t>
+    </dgm:pt>
+    <dgm:pt modelId="{B073A466-A5F9-8844-96DE-21C7A138317F}" type="sibTrans" cxnId="{C4135A04-00AD-A24F-8B74-E42EB15E228A}">
+      <dgm:prSet/>
+      <dgm:spPr/>
+      <dgm:t>
+        <a:bodyPr/>
+        <a:lstStyle/>
+        <a:p>
+          <a:endParaRPr lang="en-US"/>
+        </a:p>
+      </dgm:t>
+    </dgm:pt>
+    <dgm:pt modelId="{09449922-9365-ED46-932A-D24132A080FA}">
+      <dgm:prSet phldrT="[Text]"/>
+      <dgm:spPr/>
+      <dgm:t>
+        <a:bodyPr/>
+        <a:lstStyle/>
+        <a:p>
+          <a:r>
+            <a:rPr lang="en-US" dirty="0" err="1" smtClean="0"/>
+            <a:t>Programmeertaal</a:t>
+          </a:r>
+          <a:endParaRPr lang="en-US" dirty="0"/>
+        </a:p>
+      </dgm:t>
+    </dgm:pt>
+    <dgm:pt modelId="{9656EA9A-2660-1D43-84BA-E4123323E9B4}" type="parTrans" cxnId="{E67AB282-0FAC-1F42-8D15-29D97B7DD796}">
+      <dgm:prSet/>
+      <dgm:spPr/>
+      <dgm:t>
+        <a:bodyPr/>
+        <a:lstStyle/>
+        <a:p>
+          <a:endParaRPr lang="en-US"/>
+        </a:p>
+      </dgm:t>
+    </dgm:pt>
+    <dgm:pt modelId="{22EA6DEB-8FB9-E745-899D-786749AC997B}" type="sibTrans" cxnId="{E67AB282-0FAC-1F42-8D15-29D97B7DD796}">
+      <dgm:prSet/>
+      <dgm:spPr/>
+      <dgm:t>
+        <a:bodyPr/>
+        <a:lstStyle/>
+        <a:p>
+          <a:endParaRPr lang="en-US"/>
+        </a:p>
+      </dgm:t>
+    </dgm:pt>
+    <dgm:pt modelId="{C433367C-7C2D-F440-A1D7-A6C6D5C9DBA8}">
+      <dgm:prSet phldrT="[Text]"/>
+      <dgm:spPr/>
+      <dgm:t>
+        <a:bodyPr/>
+        <a:lstStyle/>
+        <a:p>
+          <a:r>
+            <a:rPr lang="en-US" dirty="0" err="1" smtClean="0"/>
+            <a:t>Algoritme</a:t>
+          </a:r>
+          <a:endParaRPr lang="en-US" dirty="0"/>
+        </a:p>
+      </dgm:t>
+    </dgm:pt>
+    <dgm:pt modelId="{C9915FC3-8ADA-1246-B8FA-230A96FE4FED}" type="parTrans" cxnId="{A436D30F-1AC1-FF41-A1BD-1EFB5B5001AB}">
+      <dgm:prSet/>
+      <dgm:spPr/>
+      <dgm:t>
+        <a:bodyPr/>
+        <a:lstStyle/>
+        <a:p>
+          <a:endParaRPr lang="en-US"/>
+        </a:p>
+      </dgm:t>
+    </dgm:pt>
+    <dgm:pt modelId="{1C0240D5-CECF-1A4D-A9A2-53FB1ED08F3B}" type="sibTrans" cxnId="{A436D30F-1AC1-FF41-A1BD-1EFB5B5001AB}">
+      <dgm:prSet/>
+      <dgm:spPr/>
+      <dgm:t>
+        <a:bodyPr/>
+        <a:lstStyle/>
+        <a:p>
+          <a:endParaRPr lang="en-US"/>
+        </a:p>
+      </dgm:t>
+    </dgm:pt>
+    <dgm:pt modelId="{D5C6F08F-C1FB-3544-99B0-9C548DC8F208}" type="pres">
+      <dgm:prSet presAssocID="{0EEDA414-2FE9-0248-B905-14D143E3B25E}" presName="Name0" presStyleCnt="0">
+        <dgm:presLayoutVars>
+          <dgm:dir/>
+          <dgm:animLvl val="lvl"/>
+          <dgm:resizeHandles val="exact"/>
+        </dgm:presLayoutVars>
+      </dgm:prSet>
+      <dgm:spPr/>
+    </dgm:pt>
+    <dgm:pt modelId="{BC536465-7B94-4F41-8F94-9E50A43C72DC}" type="pres">
+      <dgm:prSet presAssocID="{C433367C-7C2D-F440-A1D7-A6C6D5C9DBA8}" presName="boxAndChildren" presStyleCnt="0"/>
+      <dgm:spPr/>
+    </dgm:pt>
+    <dgm:pt modelId="{1D981DFC-6359-9B42-A97E-EE1A67C27226}" type="pres">
+      <dgm:prSet presAssocID="{C433367C-7C2D-F440-A1D7-A6C6D5C9DBA8}" presName="parentTextBox" presStyleLbl="node1" presStyleIdx="0" presStyleCnt="3"/>
+      <dgm:spPr/>
+      <dgm:t>
+        <a:bodyPr/>
+        <a:lstStyle/>
+        <a:p>
+          <a:endParaRPr lang="en-US"/>
+        </a:p>
+      </dgm:t>
+    </dgm:pt>
+    <dgm:pt modelId="{8D118F49-A35F-324F-B89F-8A3D9CF8BE80}" type="pres">
+      <dgm:prSet presAssocID="{22EA6DEB-8FB9-E745-899D-786749AC997B}" presName="sp" presStyleCnt="0"/>
+      <dgm:spPr/>
+    </dgm:pt>
+    <dgm:pt modelId="{8AECA4F7-4033-4341-9F1F-9BC17F86A861}" type="pres">
+      <dgm:prSet presAssocID="{09449922-9365-ED46-932A-D24132A080FA}" presName="arrowAndChildren" presStyleCnt="0"/>
+      <dgm:spPr/>
+    </dgm:pt>
+    <dgm:pt modelId="{8AA9BC7C-A858-9E48-B984-5C8762703E58}" type="pres">
+      <dgm:prSet presAssocID="{09449922-9365-ED46-932A-D24132A080FA}" presName="parentTextArrow" presStyleLbl="node1" presStyleIdx="1" presStyleCnt="3"/>
+      <dgm:spPr/>
+      <dgm:t>
+        <a:bodyPr/>
+        <a:lstStyle/>
+        <a:p>
+          <a:endParaRPr lang="en-US"/>
+        </a:p>
+      </dgm:t>
+    </dgm:pt>
+    <dgm:pt modelId="{BE5C4AD7-E67E-6243-ADCC-9E7CC8126AA1}" type="pres">
+      <dgm:prSet presAssocID="{B073A466-A5F9-8844-96DE-21C7A138317F}" presName="sp" presStyleCnt="0"/>
+      <dgm:spPr/>
+    </dgm:pt>
+    <dgm:pt modelId="{F497B7A2-2680-EC41-8D72-510F83AA9963}" type="pres">
+      <dgm:prSet presAssocID="{F21FAB64-392D-2641-A6AB-37377AF03051}" presName="arrowAndChildren" presStyleCnt="0"/>
+      <dgm:spPr/>
+    </dgm:pt>
+    <dgm:pt modelId="{95F427E8-B20D-1C40-B1A7-2751BED141FE}" type="pres">
+      <dgm:prSet presAssocID="{F21FAB64-392D-2641-A6AB-37377AF03051}" presName="parentTextArrow" presStyleLbl="node1" presStyleIdx="2" presStyleCnt="3" custLinFactNeighborY="-2723"/>
+      <dgm:spPr/>
+      <dgm:t>
+        <a:bodyPr/>
+        <a:lstStyle/>
+        <a:p>
+          <a:endParaRPr lang="en-US"/>
+        </a:p>
+      </dgm:t>
+    </dgm:pt>
+  </dgm:ptLst>
+  <dgm:cxnLst>
+    <dgm:cxn modelId="{DD7141BC-0087-4C31-A24A-28B15BAC4B95}" type="presOf" srcId="{0EEDA414-2FE9-0248-B905-14D143E3B25E}" destId="{D5C6F08F-C1FB-3544-99B0-9C548DC8F208}" srcOrd="0" destOrd="0" presId="urn:microsoft.com/office/officeart/2005/8/layout/process4"/>
+    <dgm:cxn modelId="{C4135A04-00AD-A24F-8B74-E42EB15E228A}" srcId="{0EEDA414-2FE9-0248-B905-14D143E3B25E}" destId="{F21FAB64-392D-2641-A6AB-37377AF03051}" srcOrd="0" destOrd="0" parTransId="{8B9F366F-CD8E-E24E-AE19-9AA3924F8BD4}" sibTransId="{B073A466-A5F9-8844-96DE-21C7A138317F}"/>
+    <dgm:cxn modelId="{3EB04307-BAB5-4E90-A84E-43BCF3AA0296}" type="presOf" srcId="{F21FAB64-392D-2641-A6AB-37377AF03051}" destId="{95F427E8-B20D-1C40-B1A7-2751BED141FE}" srcOrd="0" destOrd="0" presId="urn:microsoft.com/office/officeart/2005/8/layout/process4"/>
+    <dgm:cxn modelId="{F8F8D9C8-5AC7-435F-AEE6-44A6842016C1}" type="presOf" srcId="{09449922-9365-ED46-932A-D24132A080FA}" destId="{8AA9BC7C-A858-9E48-B984-5C8762703E58}" srcOrd="0" destOrd="0" presId="urn:microsoft.com/office/officeart/2005/8/layout/process4"/>
+    <dgm:cxn modelId="{DEF0F4F9-D189-44FF-A9B1-23E4D0DC6A31}" type="presOf" srcId="{C433367C-7C2D-F440-A1D7-A6C6D5C9DBA8}" destId="{1D981DFC-6359-9B42-A97E-EE1A67C27226}" srcOrd="0" destOrd="0" presId="urn:microsoft.com/office/officeart/2005/8/layout/process4"/>
+    <dgm:cxn modelId="{E67AB282-0FAC-1F42-8D15-29D97B7DD796}" srcId="{0EEDA414-2FE9-0248-B905-14D143E3B25E}" destId="{09449922-9365-ED46-932A-D24132A080FA}" srcOrd="1" destOrd="0" parTransId="{9656EA9A-2660-1D43-84BA-E4123323E9B4}" sibTransId="{22EA6DEB-8FB9-E745-899D-786749AC997B}"/>
+    <dgm:cxn modelId="{A436D30F-1AC1-FF41-A1BD-1EFB5B5001AB}" srcId="{0EEDA414-2FE9-0248-B905-14D143E3B25E}" destId="{C433367C-7C2D-F440-A1D7-A6C6D5C9DBA8}" srcOrd="2" destOrd="0" parTransId="{C9915FC3-8ADA-1246-B8FA-230A96FE4FED}" sibTransId="{1C0240D5-CECF-1A4D-A9A2-53FB1ED08F3B}"/>
+    <dgm:cxn modelId="{070621D4-2D83-4850-BEAA-43A80160523F}" type="presParOf" srcId="{D5C6F08F-C1FB-3544-99B0-9C548DC8F208}" destId="{BC536465-7B94-4F41-8F94-9E50A43C72DC}" srcOrd="0" destOrd="0" presId="urn:microsoft.com/office/officeart/2005/8/layout/process4"/>
+    <dgm:cxn modelId="{EA6129AD-54B4-4373-8830-ED5A30227F1A}" type="presParOf" srcId="{BC536465-7B94-4F41-8F94-9E50A43C72DC}" destId="{1D981DFC-6359-9B42-A97E-EE1A67C27226}" srcOrd="0" destOrd="0" presId="urn:microsoft.com/office/officeart/2005/8/layout/process4"/>
+    <dgm:cxn modelId="{C4FAA2DB-4527-4D26-B163-E3F64B83F625}" type="presParOf" srcId="{D5C6F08F-C1FB-3544-99B0-9C548DC8F208}" destId="{8D118F49-A35F-324F-B89F-8A3D9CF8BE80}" srcOrd="1" destOrd="0" presId="urn:microsoft.com/office/officeart/2005/8/layout/process4"/>
+    <dgm:cxn modelId="{C09CC124-285C-4C4A-BE80-7D1C4CB4FEF1}" type="presParOf" srcId="{D5C6F08F-C1FB-3544-99B0-9C548DC8F208}" destId="{8AECA4F7-4033-4341-9F1F-9BC17F86A861}" srcOrd="2" destOrd="0" presId="urn:microsoft.com/office/officeart/2005/8/layout/process4"/>
+    <dgm:cxn modelId="{86F48015-2C8C-4498-9027-ECB50801F921}" type="presParOf" srcId="{8AECA4F7-4033-4341-9F1F-9BC17F86A861}" destId="{8AA9BC7C-A858-9E48-B984-5C8762703E58}" srcOrd="0" destOrd="0" presId="urn:microsoft.com/office/officeart/2005/8/layout/process4"/>
+    <dgm:cxn modelId="{2FDC39B2-5FFA-479D-BF02-EAA1F4D3F218}" type="presParOf" srcId="{D5C6F08F-C1FB-3544-99B0-9C548DC8F208}" destId="{BE5C4AD7-E67E-6243-ADCC-9E7CC8126AA1}" srcOrd="3" destOrd="0" presId="urn:microsoft.com/office/officeart/2005/8/layout/process4"/>
+    <dgm:cxn modelId="{0755A51E-4249-41F8-A34C-3EF7EDA7870E}" type="presParOf" srcId="{D5C6F08F-C1FB-3544-99B0-9C548DC8F208}" destId="{F497B7A2-2680-EC41-8D72-510F83AA9963}" srcOrd="4" destOrd="0" presId="urn:microsoft.com/office/officeart/2005/8/layout/process4"/>
+    <dgm:cxn modelId="{7BB6542D-5470-446D-9896-CF8160F38BD4}" type="presParOf" srcId="{F497B7A2-2680-EC41-8D72-510F83AA9963}" destId="{95F427E8-B20D-1C40-B1A7-2751BED141FE}" srcOrd="0" destOrd="0" presId="urn:microsoft.com/office/officeart/2005/8/layout/process4"/>
+  </dgm:cxnLst>
+  <dgm:bg/>
+  <dgm:whole/>
+  <dgm:extLst>
+    <a:ext uri="http://schemas.microsoft.com/office/drawing/2008/diagram">
+      <dsp:dataModelExt xmlns:dsp="http://schemas.microsoft.com/office/drawing/2008/diagram" relId="rId9" minVer="http://schemas.openxmlformats.org/drawingml/2006/diagram"/>
+    </a:ext>
+  </dgm:extLst>
+</dgm:dataModel>
+</file>
+
+<file path=ppt/diagrams/drawing1.xml><?xml version="1.0" encoding="utf-8"?>
+<dsp:drawing xmlns:dgm="http://schemas.openxmlformats.org/drawingml/2006/diagram" xmlns:dsp="http://schemas.microsoft.com/office/drawing/2008/diagram" xmlns:a="http://schemas.openxmlformats.org/drawingml/2006/main">
+  <dsp:spTree>
+    <dsp:nvGrpSpPr>
+      <dsp:cNvPr id="0" name=""/>
+      <dsp:cNvGrpSpPr/>
+    </dsp:nvGrpSpPr>
+    <dsp:grpSpPr/>
+    <dsp:sp modelId="{1D981DFC-6359-9B42-A97E-EE1A67C27226}">
+      <dsp:nvSpPr>
+        <dsp:cNvPr id="0" name=""/>
+        <dsp:cNvSpPr/>
+      </dsp:nvSpPr>
+      <dsp:spPr>
+        <a:xfrm>
+          <a:off x="0" y="3028118"/>
+          <a:ext cx="10058399" cy="993895"/>
+        </a:xfrm>
+        <a:prstGeom prst="rect">
+          <a:avLst/>
+        </a:prstGeom>
+        <a:solidFill>
+          <a:schemeClr val="accent1">
+            <a:hueOff val="0"/>
+            <a:satOff val="0"/>
+            <a:lumOff val="0"/>
+            <a:alphaOff val="0"/>
+          </a:schemeClr>
+        </a:solidFill>
+        <a:ln w="25400" cap="flat" cmpd="sng" algn="ctr">
+          <a:solidFill>
+            <a:schemeClr val="lt1">
+              <a:hueOff val="0"/>
+              <a:satOff val="0"/>
+              <a:lumOff val="0"/>
+              <a:alphaOff val="0"/>
+            </a:schemeClr>
+          </a:solidFill>
+          <a:prstDash val="solid"/>
+        </a:ln>
+        <a:effectLst/>
+      </dsp:spPr>
+      <dsp:style>
+        <a:lnRef idx="3">
+          <a:scrgbClr r="0" g="0" b="0"/>
+        </a:lnRef>
+        <a:fillRef idx="1">
+          <a:scrgbClr r="0" g="0" b="0"/>
+        </a:fillRef>
+        <a:effectRef idx="1">
+          <a:scrgbClr r="0" g="0" b="0"/>
+        </a:effectRef>
+        <a:fontRef idx="minor">
+          <a:schemeClr val="lt1"/>
+        </a:fontRef>
+      </dsp:style>
+      <dsp:txBody>
+        <a:bodyPr spcFirstLastPara="0" vert="horz" wrap="square" lIns="248920" tIns="248920" rIns="248920" bIns="248920" numCol="1" spcCol="1270" anchor="ctr" anchorCtr="0">
+          <a:noAutofit/>
+        </a:bodyPr>
+        <a:lstStyle/>
+        <a:p>
+          <a:pPr lvl="0" algn="ctr" defTabSz="1555750">
+            <a:lnSpc>
+              <a:spcPct val="90000"/>
+            </a:lnSpc>
+            <a:spcBef>
+              <a:spcPct val="0"/>
+            </a:spcBef>
+            <a:spcAft>
+              <a:spcPct val="35000"/>
+            </a:spcAft>
+          </a:pPr>
+          <a:r>
+            <a:rPr lang="en-US" sz="3500" kern="1200" dirty="0" err="1" smtClean="0"/>
+            <a:t>Algoritme</a:t>
+          </a:r>
+          <a:endParaRPr lang="en-US" sz="3500" kern="1200" dirty="0"/>
+        </a:p>
+      </dsp:txBody>
+      <dsp:txXfrm>
+        <a:off x="0" y="3028118"/>
+        <a:ext cx="10058399" cy="993895"/>
+      </dsp:txXfrm>
+    </dsp:sp>
+    <dsp:sp modelId="{8AA9BC7C-A858-9E48-B984-5C8762703E58}">
+      <dsp:nvSpPr>
+        <dsp:cNvPr id="0" name=""/>
+        <dsp:cNvSpPr/>
+      </dsp:nvSpPr>
+      <dsp:spPr>
+        <a:xfrm rot="10800000">
+          <a:off x="0" y="1514414"/>
+          <a:ext cx="10058399" cy="1528611"/>
+        </a:xfrm>
+        <a:prstGeom prst="upArrowCallout">
+          <a:avLst/>
+        </a:prstGeom>
+        <a:solidFill>
+          <a:schemeClr val="accent1">
+            <a:hueOff val="0"/>
+            <a:satOff val="0"/>
+            <a:lumOff val="0"/>
+            <a:alphaOff val="0"/>
+          </a:schemeClr>
+        </a:solidFill>
+        <a:ln w="25400" cap="flat" cmpd="sng" algn="ctr">
+          <a:solidFill>
+            <a:schemeClr val="lt1">
+              <a:hueOff val="0"/>
+              <a:satOff val="0"/>
+              <a:lumOff val="0"/>
+              <a:alphaOff val="0"/>
+            </a:schemeClr>
+          </a:solidFill>
+          <a:prstDash val="solid"/>
+        </a:ln>
+        <a:effectLst/>
+      </dsp:spPr>
+      <dsp:style>
+        <a:lnRef idx="3">
+          <a:scrgbClr r="0" g="0" b="0"/>
+        </a:lnRef>
+        <a:fillRef idx="1">
+          <a:scrgbClr r="0" g="0" b="0"/>
+        </a:fillRef>
+        <a:effectRef idx="1">
+          <a:scrgbClr r="0" g="0" b="0"/>
+        </a:effectRef>
+        <a:fontRef idx="minor">
+          <a:schemeClr val="lt1"/>
+        </a:fontRef>
+      </dsp:style>
+      <dsp:txBody>
+        <a:bodyPr spcFirstLastPara="0" vert="horz" wrap="square" lIns="248920" tIns="248920" rIns="248920" bIns="248920" numCol="1" spcCol="1270" anchor="ctr" anchorCtr="0">
+          <a:noAutofit/>
+        </a:bodyPr>
+        <a:lstStyle/>
+        <a:p>
+          <a:pPr lvl="0" algn="ctr" defTabSz="1555750">
+            <a:lnSpc>
+              <a:spcPct val="90000"/>
+            </a:lnSpc>
+            <a:spcBef>
+              <a:spcPct val="0"/>
+            </a:spcBef>
+            <a:spcAft>
+              <a:spcPct val="35000"/>
+            </a:spcAft>
+          </a:pPr>
+          <a:r>
+            <a:rPr lang="en-US" sz="3500" kern="1200" dirty="0" err="1" smtClean="0"/>
+            <a:t>Programmeertaal</a:t>
+          </a:r>
+          <a:endParaRPr lang="en-US" sz="3500" kern="1200" dirty="0"/>
+        </a:p>
+      </dsp:txBody>
+      <dsp:txXfrm rot="10800000">
+        <a:off x="0" y="1514414"/>
+        <a:ext cx="10058399" cy="993246"/>
+      </dsp:txXfrm>
+    </dsp:sp>
+    <dsp:sp modelId="{95F427E8-B20D-1C40-B1A7-2751BED141FE}">
+      <dsp:nvSpPr>
+        <dsp:cNvPr id="0" name=""/>
+        <dsp:cNvSpPr/>
+      </dsp:nvSpPr>
+      <dsp:spPr>
+        <a:xfrm rot="10800000">
+          <a:off x="0" y="711"/>
+          <a:ext cx="10058399" cy="1528611"/>
+        </a:xfrm>
+        <a:prstGeom prst="upArrowCallout">
+          <a:avLst/>
+        </a:prstGeom>
+        <a:solidFill>
+          <a:schemeClr val="accent1">
+            <a:hueOff val="0"/>
+            <a:satOff val="0"/>
+            <a:lumOff val="0"/>
+            <a:alphaOff val="0"/>
+          </a:schemeClr>
+        </a:solidFill>
+        <a:ln w="25400" cap="flat" cmpd="sng" algn="ctr">
+          <a:solidFill>
+            <a:schemeClr val="lt1">
+              <a:hueOff val="0"/>
+              <a:satOff val="0"/>
+              <a:lumOff val="0"/>
+              <a:alphaOff val="0"/>
+            </a:schemeClr>
+          </a:solidFill>
+          <a:prstDash val="solid"/>
+        </a:ln>
+        <a:effectLst/>
+      </dsp:spPr>
+      <dsp:style>
+        <a:lnRef idx="3">
+          <a:scrgbClr r="0" g="0" b="0"/>
+        </a:lnRef>
+        <a:fillRef idx="1">
+          <a:scrgbClr r="0" g="0" b="0"/>
+        </a:fillRef>
+        <a:effectRef idx="1">
+          <a:scrgbClr r="0" g="0" b="0"/>
+        </a:effectRef>
+        <a:fontRef idx="minor">
+          <a:schemeClr val="lt1"/>
+        </a:fontRef>
+      </dsp:style>
+      <dsp:txBody>
+        <a:bodyPr spcFirstLastPara="0" vert="horz" wrap="square" lIns="248920" tIns="248920" rIns="248920" bIns="248920" numCol="1" spcCol="1270" anchor="ctr" anchorCtr="0">
+          <a:noAutofit/>
+        </a:bodyPr>
+        <a:lstStyle/>
+        <a:p>
+          <a:pPr lvl="0" algn="ctr" defTabSz="1555750">
+            <a:lnSpc>
+              <a:spcPct val="90000"/>
+            </a:lnSpc>
+            <a:spcBef>
+              <a:spcPct val="0"/>
+            </a:spcBef>
+            <a:spcAft>
+              <a:spcPct val="35000"/>
+            </a:spcAft>
+          </a:pPr>
+          <a:r>
+            <a:rPr lang="en-US" sz="3500" kern="1200" dirty="0" err="1" smtClean="0"/>
+            <a:t>Domein</a:t>
+          </a:r>
+          <a:endParaRPr lang="en-US" sz="3500" kern="1200" dirty="0"/>
+        </a:p>
+      </dsp:txBody>
+      <dsp:txXfrm rot="10800000">
+        <a:off x="0" y="711"/>
+        <a:ext cx="10058399" cy="993246"/>
+      </dsp:txXfrm>
+    </dsp:sp>
+  </dsp:spTree>
+</dsp:drawing>
+</file>
+
+<file path=ppt/diagrams/drawing2.xml><?xml version="1.0" encoding="utf-8"?>
+<dsp:drawing xmlns:dgm="http://schemas.openxmlformats.org/drawingml/2006/diagram" xmlns:dsp="http://schemas.microsoft.com/office/drawing/2008/diagram" xmlns:a="http://schemas.openxmlformats.org/drawingml/2006/main">
+  <dsp:spTree>
+    <dsp:nvGrpSpPr>
+      <dsp:cNvPr id="0" name=""/>
+      <dsp:cNvGrpSpPr/>
+    </dsp:nvGrpSpPr>
+    <dsp:grpSpPr/>
+    <dsp:sp modelId="{1D981DFC-6359-9B42-A97E-EE1A67C27226}">
+      <dsp:nvSpPr>
+        <dsp:cNvPr id="0" name=""/>
+        <dsp:cNvSpPr/>
+      </dsp:nvSpPr>
+      <dsp:spPr>
+        <a:xfrm>
+          <a:off x="0" y="1208296"/>
+          <a:ext cx="2602393" cy="396589"/>
+        </a:xfrm>
+        <a:prstGeom prst="rect">
+          <a:avLst/>
+        </a:prstGeom>
+        <a:solidFill>
+          <a:schemeClr val="accent1">
+            <a:hueOff val="0"/>
+            <a:satOff val="0"/>
+            <a:lumOff val="0"/>
+            <a:alphaOff val="0"/>
+          </a:schemeClr>
+        </a:solidFill>
+        <a:ln w="25400" cap="flat" cmpd="sng" algn="ctr">
+          <a:solidFill>
+            <a:schemeClr val="lt1">
+              <a:hueOff val="0"/>
+              <a:satOff val="0"/>
+              <a:lumOff val="0"/>
+              <a:alphaOff val="0"/>
+            </a:schemeClr>
+          </a:solidFill>
+          <a:prstDash val="solid"/>
+        </a:ln>
+        <a:effectLst/>
+      </dsp:spPr>
+      <dsp:style>
+        <a:lnRef idx="3">
+          <a:scrgbClr r="0" g="0" b="0"/>
+        </a:lnRef>
+        <a:fillRef idx="1">
+          <a:scrgbClr r="0" g="0" b="0"/>
+        </a:fillRef>
+        <a:effectRef idx="1">
+          <a:scrgbClr r="0" g="0" b="0"/>
+        </a:effectRef>
+        <a:fontRef idx="minor">
+          <a:schemeClr val="lt1"/>
+        </a:fontRef>
+      </dsp:style>
+      <dsp:txBody>
+        <a:bodyPr spcFirstLastPara="0" vert="horz" wrap="square" lIns="99568" tIns="99568" rIns="99568" bIns="99568" numCol="1" spcCol="1270" anchor="ctr" anchorCtr="0">
+          <a:noAutofit/>
+        </a:bodyPr>
+        <a:lstStyle/>
+        <a:p>
+          <a:pPr lvl="0" algn="ctr" defTabSz="622300">
+            <a:lnSpc>
+              <a:spcPct val="90000"/>
+            </a:lnSpc>
+            <a:spcBef>
+              <a:spcPct val="0"/>
+            </a:spcBef>
+            <a:spcAft>
+              <a:spcPct val="35000"/>
+            </a:spcAft>
+          </a:pPr>
+          <a:r>
+            <a:rPr lang="en-US" sz="1400" kern="1200" dirty="0" err="1" smtClean="0"/>
+            <a:t>Algoritme</a:t>
+          </a:r>
+          <a:endParaRPr lang="en-US" sz="1400" kern="1200" dirty="0"/>
+        </a:p>
+      </dsp:txBody>
+      <dsp:txXfrm>
+        <a:off x="0" y="1208296"/>
+        <a:ext cx="2602393" cy="396589"/>
+      </dsp:txXfrm>
+    </dsp:sp>
+    <dsp:sp modelId="{8AA9BC7C-A858-9E48-B984-5C8762703E58}">
+      <dsp:nvSpPr>
+        <dsp:cNvPr id="0" name=""/>
+        <dsp:cNvSpPr/>
+      </dsp:nvSpPr>
+      <dsp:spPr>
+        <a:xfrm rot="10800000">
+          <a:off x="0" y="604290"/>
+          <a:ext cx="2602393" cy="609955"/>
+        </a:xfrm>
+        <a:prstGeom prst="upArrowCallout">
+          <a:avLst/>
+        </a:prstGeom>
+        <a:solidFill>
+          <a:schemeClr val="accent1">
+            <a:hueOff val="0"/>
+            <a:satOff val="0"/>
+            <a:lumOff val="0"/>
+            <a:alphaOff val="0"/>
+          </a:schemeClr>
+        </a:solidFill>
+        <a:ln w="25400" cap="flat" cmpd="sng" algn="ctr">
+          <a:solidFill>
+            <a:schemeClr val="lt1">
+              <a:hueOff val="0"/>
+              <a:satOff val="0"/>
+              <a:lumOff val="0"/>
+              <a:alphaOff val="0"/>
+            </a:schemeClr>
+          </a:solidFill>
+          <a:prstDash val="solid"/>
+        </a:ln>
+        <a:effectLst/>
+      </dsp:spPr>
+      <dsp:style>
+        <a:lnRef idx="3">
+          <a:scrgbClr r="0" g="0" b="0"/>
+        </a:lnRef>
+        <a:fillRef idx="1">
+          <a:scrgbClr r="0" g="0" b="0"/>
+        </a:fillRef>
+        <a:effectRef idx="1">
+          <a:scrgbClr r="0" g="0" b="0"/>
+        </a:effectRef>
+        <a:fontRef idx="minor">
+          <a:schemeClr val="lt1"/>
+        </a:fontRef>
+      </dsp:style>
+      <dsp:txBody>
+        <a:bodyPr spcFirstLastPara="0" vert="horz" wrap="square" lIns="99568" tIns="99568" rIns="99568" bIns="99568" numCol="1" spcCol="1270" anchor="ctr" anchorCtr="0">
+          <a:noAutofit/>
+        </a:bodyPr>
+        <a:lstStyle/>
+        <a:p>
+          <a:pPr lvl="0" algn="ctr" defTabSz="622300">
+            <a:lnSpc>
+              <a:spcPct val="90000"/>
+            </a:lnSpc>
+            <a:spcBef>
+              <a:spcPct val="0"/>
+            </a:spcBef>
+            <a:spcAft>
+              <a:spcPct val="35000"/>
+            </a:spcAft>
+          </a:pPr>
+          <a:r>
+            <a:rPr lang="en-US" sz="1400" kern="1200" dirty="0" err="1" smtClean="0"/>
+            <a:t>Programmeertaal</a:t>
+          </a:r>
+          <a:endParaRPr lang="en-US" sz="1400" kern="1200" dirty="0"/>
+        </a:p>
+      </dsp:txBody>
+      <dsp:txXfrm rot="10800000">
+        <a:off x="0" y="604290"/>
+        <a:ext cx="2602393" cy="396330"/>
+      </dsp:txXfrm>
+    </dsp:sp>
+    <dsp:sp modelId="{95F427E8-B20D-1C40-B1A7-2751BED141FE}">
+      <dsp:nvSpPr>
+        <dsp:cNvPr id="0" name=""/>
+        <dsp:cNvSpPr/>
+      </dsp:nvSpPr>
+      <dsp:spPr>
+        <a:xfrm rot="10800000">
+          <a:off x="0" y="0"/>
+          <a:ext cx="2602393" cy="609955"/>
+        </a:xfrm>
+        <a:prstGeom prst="upArrowCallout">
+          <a:avLst/>
+        </a:prstGeom>
+        <a:solidFill>
+          <a:schemeClr val="accent1">
+            <a:hueOff val="0"/>
+            <a:satOff val="0"/>
+            <a:lumOff val="0"/>
+            <a:alphaOff val="0"/>
+          </a:schemeClr>
+        </a:solidFill>
+        <a:ln w="25400" cap="flat" cmpd="sng" algn="ctr">
+          <a:solidFill>
+            <a:schemeClr val="lt1">
+              <a:hueOff val="0"/>
+              <a:satOff val="0"/>
+              <a:lumOff val="0"/>
+              <a:alphaOff val="0"/>
+            </a:schemeClr>
+          </a:solidFill>
+          <a:prstDash val="solid"/>
+        </a:ln>
+        <a:effectLst/>
+      </dsp:spPr>
+      <dsp:style>
+        <a:lnRef idx="3">
+          <a:scrgbClr r="0" g="0" b="0"/>
+        </a:lnRef>
+        <a:fillRef idx="1">
+          <a:scrgbClr r="0" g="0" b="0"/>
+        </a:fillRef>
+        <a:effectRef idx="1">
+          <a:scrgbClr r="0" g="0" b="0"/>
+        </a:effectRef>
+        <a:fontRef idx="minor">
+          <a:schemeClr val="lt1"/>
+        </a:fontRef>
+      </dsp:style>
+      <dsp:txBody>
+        <a:bodyPr spcFirstLastPara="0" vert="horz" wrap="square" lIns="99568" tIns="99568" rIns="99568" bIns="99568" numCol="1" spcCol="1270" anchor="ctr" anchorCtr="0">
+          <a:noAutofit/>
+        </a:bodyPr>
+        <a:lstStyle/>
+        <a:p>
+          <a:pPr lvl="0" algn="ctr" defTabSz="622300">
+            <a:lnSpc>
+              <a:spcPct val="90000"/>
+            </a:lnSpc>
+            <a:spcBef>
+              <a:spcPct val="0"/>
+            </a:spcBef>
+            <a:spcAft>
+              <a:spcPct val="35000"/>
+            </a:spcAft>
+          </a:pPr>
+          <a:r>
+            <a:rPr lang="en-US" sz="1400" kern="1200" dirty="0" err="1" smtClean="0"/>
+            <a:t>Domein</a:t>
+          </a:r>
+          <a:endParaRPr lang="en-US" sz="1400" kern="1200" dirty="0"/>
+        </a:p>
+      </dsp:txBody>
+      <dsp:txXfrm rot="10800000">
+        <a:off x="0" y="0"/>
+        <a:ext cx="2602393" cy="396330"/>
+      </dsp:txXfrm>
+    </dsp:sp>
+  </dsp:spTree>
+</dsp:drawing>
+</file>
+
+<file path=ppt/diagrams/layout1.xml><?xml version="1.0" encoding="utf-8"?>
+<dgm:layoutDef xmlns:dgm="http://schemas.openxmlformats.org/drawingml/2006/diagram" xmlns:a="http://schemas.openxmlformats.org/drawingml/2006/main" uniqueId="urn:microsoft.com/office/officeart/2005/8/layout/process4">
+  <dgm:title val=""/>
+  <dgm:desc val=""/>
+  <dgm:catLst>
+    <dgm:cat type="process" pri="16000"/>
+    <dgm:cat type="list" pri="20000"/>
+  </dgm:catLst>
+  <dgm:sampData>
+    <dgm:dataModel>
+      <dgm:ptLst>
+        <dgm:pt modelId="0" type="doc"/>
+        <dgm:pt modelId="1">
+          <dgm:prSet phldr="1"/>
+        </dgm:pt>
+        <dgm:pt modelId="11">
+          <dgm:prSet phldr="1"/>
+        </dgm:pt>
+        <dgm:pt modelId="12">
+          <dgm:prSet phldr="1"/>
+        </dgm:pt>
+        <dgm:pt modelId="2">
+          <dgm:prSet phldr="1"/>
+        </dgm:pt>
+        <dgm:pt modelId="21">
+          <dgm:prSet phldr="1"/>
+        </dgm:pt>
+        <dgm:pt modelId="22">
+          <dgm:prSet phldr="1"/>
+        </dgm:pt>
+        <dgm:pt modelId="3">
+          <dgm:prSet phldr="1"/>
+        </dgm:pt>
+        <dgm:pt modelId="31">
+          <dgm:prSet phldr="1"/>
+        </dgm:pt>
+        <dgm:pt modelId="32">
+          <dgm:prSet phldr="1"/>
+        </dgm:pt>
+      </dgm:ptLst>
+      <dgm:cxnLst>
+        <dgm:cxn modelId="4" srcId="0" destId="1" srcOrd="0" destOrd="0"/>
+        <dgm:cxn modelId="5" srcId="0" destId="2" srcOrd="1" destOrd="0"/>
+        <dgm:cxn modelId="6" srcId="0" destId="3" srcOrd="2" destOrd="0"/>
+        <dgm:cxn modelId="13" srcId="1" destId="11" srcOrd="0" destOrd="0"/>
+        <dgm:cxn modelId="14" srcId="1" destId="12" srcOrd="1" destOrd="0"/>
+        <dgm:cxn modelId="23" srcId="2" destId="21" srcOrd="0" destOrd="0"/>
+        <dgm:cxn modelId="24" srcId="2" destId="22" srcOrd="1" destOrd="0"/>
+        <dgm:cxn modelId="33" srcId="3" destId="31" srcOrd="0" destOrd="0"/>
+        <dgm:cxn modelId="34" srcId="3" destId="32" srcOrd="1" destOrd="0"/>
+      </dgm:cxnLst>
+      <dgm:bg/>
+      <dgm:whole/>
+    </dgm:dataModel>
+  </dgm:sampData>
+  <dgm:styleData>
+    <dgm:dataModel>
+      <dgm:ptLst>
+        <dgm:pt modelId="0" type="doc"/>
+        <dgm:pt modelId="1"/>
+        <dgm:pt modelId="11"/>
+        <dgm:pt modelId="2"/>
+        <dgm:pt modelId="21"/>
+      </dgm:ptLst>
+      <dgm:cxnLst>
+        <dgm:cxn modelId="4" srcId="0" destId="1" srcOrd="0" destOrd="0"/>
+        <dgm:cxn modelId="5" srcId="0" destId="2" srcOrd="1" destOrd="0"/>
+        <dgm:cxn modelId="13" srcId="1" destId="11" srcOrd="0" destOrd="0"/>
+        <dgm:cxn modelId="23" srcId="2" destId="21" srcOrd="0" destOrd="0"/>
+      </dgm:cxnLst>
+      <dgm:bg/>
+      <dgm:whole/>
+    </dgm:dataModel>
+  </dgm:styleData>
+  <dgm:clrData>
+    <dgm:dataModel>
+      <dgm:ptLst>
+        <dgm:pt modelId="0" type="doc"/>
+        <dgm:pt modelId="1"/>
+        <dgm:pt modelId="11"/>
+        <dgm:pt modelId="2"/>
+        <dgm:pt modelId="21"/>
+        <dgm:pt modelId="3"/>
+        <dgm:pt modelId="31"/>
+        <dgm:pt modelId="4"/>
+        <dgm:pt modelId="41"/>
+      </dgm:ptLst>
+      <dgm:cxnLst>
+        <dgm:cxn modelId="5" srcId="0" destId="1" srcOrd="0" destOrd="0"/>
+        <dgm:cxn modelId="6" srcId="0" destId="2" srcOrd="1" destOrd="0"/>
+        <dgm:cxn modelId="7" srcId="0" destId="3" srcOrd="2" destOrd="0"/>
+        <dgm:cxn modelId="8" srcId="0" destId="4" srcOrd="3" destOrd="0"/>
+        <dgm:cxn modelId="13" srcId="1" destId="11" srcOrd="0" destOrd="0"/>
+        <dgm:cxn modelId="23" srcId="2" destId="21" srcOrd="0" destOrd="0"/>
+        <dgm:cxn modelId="33" srcId="3" destId="31" srcOrd="0" destOrd="0"/>
+        <dgm:cxn modelId="43" srcId="4" destId="41" srcOrd="0" destOrd="0"/>
+      </dgm:cxnLst>
+      <dgm:bg/>
+      <dgm:whole/>
+    </dgm:dataModel>
+  </dgm:clrData>
+  <dgm:layoutNode name="Name0">
+    <dgm:varLst>
+      <dgm:dir/>
+      <dgm:animLvl val="lvl"/>
+      <dgm:resizeHandles val="exact"/>
+    </dgm:varLst>
+    <dgm:alg type="lin">
+      <dgm:param type="linDir" val="fromB"/>
+    </dgm:alg>
+    <dgm:shape xmlns:r="http://schemas.openxmlformats.org/officeDocument/2006/relationships" r:blip="">
+      <dgm:adjLst/>
+    </dgm:shape>
+    <dgm:presOf/>
+    <dgm:constrLst>
+      <dgm:constr type="h" for="ch" forName="boxAndChildren" refType="h"/>
+      <dgm:constr type="h" for="ch" forName="arrowAndChildren" refType="h" refFor="ch" refForName="boxAndChildren" op="equ" fact="1.538"/>
+      <dgm:constr type="w" for="ch" forName="arrowAndChildren" refType="w"/>
+      <dgm:constr type="w" for="ch" forName="boxAndChildren" refType="w"/>
+      <dgm:constr type="h" for="ch" forName="sp" refType="h" fact="-0.015"/>
+      <dgm:constr type="primFontSz" for="des" forName="parentTextBox" val="65"/>
+      <dgm:constr type="primFontSz" for="des" forName="parentTextArrow" refType="primFontSz" refFor="des" refForName="parentTextBox" op="equ"/>
+      <dgm:constr type="primFontSz" for="des" forName="childTextArrow" val="65"/>
+      <dgm:constr type="primFontSz" for="des" forName="childTextBox" refType="primFontSz" refFor="des" refForName="childTextArrow" op="equ"/>
+    </dgm:constrLst>
+    <dgm:ruleLst/>
+    <dgm:forEach name="Name1" axis="ch" ptType="node" st="-1" step="-1">
+      <dgm:choose name="Name2">
+        <dgm:if name="Name3" axis="self" ptType="node" func="revPos" op="equ" val="1">
+          <dgm:layoutNode name="boxAndChildren">
+            <dgm:alg type="composite"/>
+            <dgm:shape xmlns:r="http://schemas.openxmlformats.org/officeDocument/2006/relationships" r:blip="">
+              <dgm:adjLst/>
+            </dgm:shape>
+            <dgm:presOf/>
+            <dgm:choose name="Name4">
+              <dgm:if name="Name5" axis="ch" ptType="node" func="cnt" op="gte" val="1">
+                <dgm:constrLst>
+                  <dgm:constr type="w" for="ch" forName="parentTextBox" refType="w"/>
+                  <dgm:constr type="h" for="ch" forName="parentTextBox" refType="h" fact="0.54"/>
+                  <dgm:constr type="t" for="ch" forName="parentTextBox"/>
+                  <dgm:constr type="w" for="ch" forName="entireBox" refType="w"/>
+                  <dgm:constr type="h" for="ch" forName="entireBox" refType="h"/>
+                  <dgm:constr type="w" for="ch" forName="descendantBox" refType="w"/>
+                  <dgm:constr type="b" for="ch" forName="descendantBox" refType="h" fact="0.98"/>
+                  <dgm:constr type="h" for="ch" forName="descendantBox" refType="h" fact="0.46"/>
+                </dgm:constrLst>
+              </dgm:if>
+              <dgm:else name="Name6">
+                <dgm:constrLst>
+                  <dgm:constr type="w" for="ch" forName="parentTextBox" refType="w"/>
+                  <dgm:constr type="h" for="ch" forName="parentTextBox" refType="h"/>
+                </dgm:constrLst>
+              </dgm:else>
+            </dgm:choose>
+            <dgm:ruleLst/>
+            <dgm:layoutNode name="parentTextBox">
+              <dgm:alg type="tx"/>
+              <dgm:choose name="Name7">
+                <dgm:if name="Name8" axis="ch" ptType="node" func="cnt" op="gte" val="1">
+                  <dgm:shape xmlns:r="http://schemas.openxmlformats.org/officeDocument/2006/relationships" type="rect" r:blip="" zOrderOff="1" hideGeom="1">
+                    <dgm:adjLst/>
+                  </dgm:shape>
+                </dgm:if>
+                <dgm:else name="Name9">
+                  <dgm:shape xmlns:r="http://schemas.openxmlformats.org/officeDocument/2006/relationships" type="rect" r:blip="">
+                    <dgm:adjLst/>
+                  </dgm:shape>
+                </dgm:else>
+              </dgm:choose>
+              <dgm:presOf axis="self"/>
+              <dgm:constrLst/>
+              <dgm:ruleLst>
+                <dgm:rule type="primFontSz" val="5" fact="NaN" max="NaN"/>
+              </dgm:ruleLst>
+            </dgm:layoutNode>
+            <dgm:choose name="Name10">
+              <dgm:if name="Name11" axis="ch" ptType="node" func="cnt" op="gte" val="1">
+                <dgm:layoutNode name="entireBox">
+                  <dgm:alg type="sp"/>
+                  <dgm:shape xmlns:r="http://schemas.openxmlformats.org/officeDocument/2006/relationships" type="rect" r:blip="">
+                    <dgm:adjLst/>
+                  </dgm:shape>
+                  <dgm:presOf axis="self"/>
+                  <dgm:constrLst/>
+                  <dgm:ruleLst/>
+                </dgm:layoutNode>
+                <dgm:layoutNode name="descendantBox" styleLbl="fgAccFollowNode1">
+                  <dgm:choose name="Name12">
+                    <dgm:if name="Name13" func="var" arg="dir" op="equ" val="norm">
+                      <dgm:alg type="lin"/>
+                    </dgm:if>
+                    <dgm:else name="Name14">
+                      <dgm:alg type="lin">
+                        <dgm:param type="linDir" val="fromR"/>
+                      </dgm:alg>
+                    </dgm:else>
+                  </dgm:choose>
+                  <dgm:shape xmlns:r="http://schemas.openxmlformats.org/officeDocument/2006/relationships" r:blip="">
+                    <dgm:adjLst/>
+                  </dgm:shape>
+                  <dgm:presOf/>
+                  <dgm:constrLst>
+                    <dgm:constr type="w" for="ch" forName="childTextBox" refType="w"/>
+                    <dgm:constr type="h" for="ch" forName="childTextBox" refType="h"/>
+                  </dgm:constrLst>
+                  <dgm:ruleLst/>
+                  <dgm:forEach name="Name15" axis="ch" ptType="node">
+                    <dgm:layoutNode name="childTextBox" styleLbl="fgAccFollowNode1">
+                      <dgm:varLst>
+                        <dgm:bulletEnabled val="1"/>
+                      </dgm:varLst>
+                      <dgm:alg type="tx"/>
+                      <dgm:shape xmlns:r="http://schemas.openxmlformats.org/officeDocument/2006/relationships" type="rect" r:blip="">
+                        <dgm:adjLst/>
+                      </dgm:shape>
+                      <dgm:presOf axis="desOrSelf" ptType="node"/>
+                      <dgm:constrLst>
+                        <dgm:constr type="tMarg" refType="primFontSz" fact="0.1"/>
+                        <dgm:constr type="bMarg" refType="primFontSz" fact="0.1"/>
+                      </dgm:constrLst>
+                      <dgm:ruleLst>
+                        <dgm:rule type="primFontSz" val="5" fact="NaN" max="NaN"/>
+                      </dgm:ruleLst>
+                    </dgm:layoutNode>
+                  </dgm:forEach>
+                </dgm:layoutNode>
+              </dgm:if>
+              <dgm:else name="Name16"/>
+            </dgm:choose>
+          </dgm:layoutNode>
+        </dgm:if>
+        <dgm:else name="Name17">
+          <dgm:layoutNode name="arrowAndChildren">
+            <dgm:alg type="composite"/>
+            <dgm:shape xmlns:r="http://schemas.openxmlformats.org/officeDocument/2006/relationships" r:blip="">
+              <dgm:adjLst/>
+            </dgm:shape>
+            <dgm:presOf/>
+            <dgm:choose name="Name18">
+              <dgm:if name="Name19" axis="ch" ptType="node" func="cnt" op="gte" val="1">
+                <dgm:constrLst>
+                  <dgm:constr type="w" for="ch" forName="parentTextArrow" refType="w"/>
+                  <dgm:constr type="t" for="ch" forName="parentTextArrow"/>
+                  <dgm:constr type="h" for="ch" forName="parentTextArrow" refType="h" fact="0.351"/>
+                  <dgm:constr type="w" for="ch" forName="arrow" refType="w"/>
+                  <dgm:constr type="h" for="ch" forName="arrow" refType="h"/>
+                  <dgm:constr type="w" for="ch" forName="descendantArrow" refType="w"/>
+                  <dgm:constr type="b" for="ch" forName="descendantArrow" refType="h" fact="0.65"/>
+                  <dgm:constr type="h" for="ch" forName="descendantArrow" refType="h" fact="0.299"/>
+                </dgm:constrLst>
+              </dgm:if>
+              <dgm:else name="Name20">
+                <dgm:constrLst>
+                  <dgm:constr type="w" for="ch" forName="parentTextArrow" refType="w"/>
+                  <dgm:constr type="h" for="ch" forName="parentTextArrow" refType="h"/>
+                </dgm:constrLst>
+              </dgm:else>
+            </dgm:choose>
+            <dgm:ruleLst/>
+            <dgm:layoutNode name="parentTextArrow">
+              <dgm:alg type="tx"/>
+              <dgm:choose name="Name21">
+                <dgm:if name="Name22" axis="ch" ptType="node" func="cnt" op="gte" val="1">
+                  <dgm:shape xmlns:r="http://schemas.openxmlformats.org/officeDocument/2006/relationships" type="rect" r:blip="" zOrderOff="1" hideGeom="1">
+                    <dgm:adjLst/>
+                  </dgm:shape>
+                </dgm:if>
+                <dgm:else name="Name23">
+                  <dgm:shape xmlns:r="http://schemas.openxmlformats.org/officeDocument/2006/relationships" rot="180" type="upArrowCallout" r:blip="">
+                    <dgm:adjLst/>
+                  </dgm:shape>
+                </dgm:else>
+              </dgm:choose>
+              <dgm:presOf axis="self"/>
+              <dgm:constrLst/>
+              <dgm:ruleLst>
+                <dgm:rule type="primFontSz" val="5" fact="NaN" max="NaN"/>
+              </dgm:ruleLst>
+            </dgm:layoutNode>
+            <dgm:choose name="Name24">
+              <dgm:if name="Name25" axis="ch" ptType="node" func="cnt" op="gte" val="1">
+                <dgm:layoutNode name="arrow">
+                  <dgm:alg type="sp"/>
+                  <dgm:shape xmlns:r="http://schemas.openxmlformats.org/officeDocument/2006/relationships" rot="180" type="upArrowCallout" r:blip="">
+                    <dgm:adjLst/>
+                  </dgm:shape>
+                  <dgm:presOf axis="self"/>
+                  <dgm:constrLst/>
+                  <dgm:ruleLst/>
+                </dgm:layoutNode>
+                <dgm:layoutNode name="descendantArrow">
+                  <dgm:choose name="Name26">
+                    <dgm:if name="Name27" func="var" arg="dir" op="equ" val="norm">
+                      <dgm:alg type="lin"/>
+                    </dgm:if>
+                    <dgm:else name="Name28">
+                      <dgm:alg type="lin">
+                        <dgm:param type="linDir" val="fromR"/>
+                      </dgm:alg>
+                    </dgm:else>
+                  </dgm:choose>
+                  <dgm:shape xmlns:r="http://schemas.openxmlformats.org/officeDocument/2006/relationships" r:blip="">
+                    <dgm:adjLst/>
+                  </dgm:shape>
+                  <dgm:presOf/>
+                  <dgm:constrLst>
+                    <dgm:constr type="w" for="ch" forName="childTextArrow" refType="w"/>
+                    <dgm:constr type="h" for="ch" forName="childTextArrow" refType="h"/>
+                  </dgm:constrLst>
+                  <dgm:ruleLst/>
+                  <dgm:forEach name="Name29" axis="ch" ptType="node">
+                    <dgm:layoutNode name="childTextArrow" styleLbl="fgAccFollowNode1">
+                      <dgm:varLst>
+                        <dgm:bulletEnabled val="1"/>
+                      </dgm:varLst>
+                      <dgm:alg type="tx"/>
+                      <dgm:shape xmlns:r="http://schemas.openxmlformats.org/officeDocument/2006/relationships" type="rect" r:blip="">
+                        <dgm:adjLst/>
+                      </dgm:shape>
+                      <dgm:presOf axis="desOrSelf" ptType="node"/>
+                      <dgm:constrLst>
+                        <dgm:constr type="tMarg" refType="primFontSz" fact="0.1"/>
+                        <dgm:constr type="bMarg" refType="primFontSz" fact="0.1"/>
+                      </dgm:constrLst>
+                      <dgm:ruleLst>
+                        <dgm:rule type="primFontSz" val="5" fact="NaN" max="NaN"/>
+                      </dgm:ruleLst>
+                    </dgm:layoutNode>
+                  </dgm:forEach>
+                </dgm:layoutNode>
+              </dgm:if>
+              <dgm:else name="Name30"/>
+            </dgm:choose>
+          </dgm:layoutNode>
+        </dgm:else>
+      </dgm:choose>
+      <dgm:forEach name="Name31" axis="precedSib" ptType="sibTrans" st="-1" cnt="1">
+        <dgm:layoutNode name="sp">
+          <dgm:alg type="sp"/>
+          <dgm:shape xmlns:r="http://schemas.openxmlformats.org/officeDocument/2006/relationships" r:blip="">
+            <dgm:adjLst/>
+          </dgm:shape>
+          <dgm:presOf axis="self"/>
+          <dgm:constrLst/>
+          <dgm:ruleLst/>
+        </dgm:layoutNode>
+      </dgm:forEach>
+    </dgm:forEach>
+  </dgm:layoutNode>
+</dgm:layoutDef>
+</file>
+
+<file path=ppt/diagrams/layout2.xml><?xml version="1.0" encoding="utf-8"?>
+<dgm:layoutDef xmlns:dgm="http://schemas.openxmlformats.org/drawingml/2006/diagram" xmlns:a="http://schemas.openxmlformats.org/drawingml/2006/main" uniqueId="urn:microsoft.com/office/officeart/2005/8/layout/process4">
+  <dgm:title val=""/>
+  <dgm:desc val=""/>
+  <dgm:catLst>
+    <dgm:cat type="process" pri="16000"/>
+    <dgm:cat type="list" pri="20000"/>
+  </dgm:catLst>
+  <dgm:sampData>
+    <dgm:dataModel>
+      <dgm:ptLst>
+        <dgm:pt modelId="0" type="doc"/>
+        <dgm:pt modelId="1">
+          <dgm:prSet phldr="1"/>
+        </dgm:pt>
+        <dgm:pt modelId="11">
+          <dgm:prSet phldr="1"/>
+        </dgm:pt>
+        <dgm:pt modelId="12">
+          <dgm:prSet phldr="1"/>
+        </dgm:pt>
+        <dgm:pt modelId="2">
+          <dgm:prSet phldr="1"/>
+        </dgm:pt>
+        <dgm:pt modelId="21">
+          <dgm:prSet phldr="1"/>
+        </dgm:pt>
+        <dgm:pt modelId="22">
+          <dgm:prSet phldr="1"/>
+        </dgm:pt>
+        <dgm:pt modelId="3">
+          <dgm:prSet phldr="1"/>
+        </dgm:pt>
+        <dgm:pt modelId="31">
+          <dgm:prSet phldr="1"/>
+        </dgm:pt>
+        <dgm:pt modelId="32">
+          <dgm:prSet phldr="1"/>
+        </dgm:pt>
+      </dgm:ptLst>
+      <dgm:cxnLst>
+        <dgm:cxn modelId="4" srcId="0" destId="1" srcOrd="0" destOrd="0"/>
+        <dgm:cxn modelId="5" srcId="0" destId="2" srcOrd="1" destOrd="0"/>
+        <dgm:cxn modelId="6" srcId="0" destId="3" srcOrd="2" destOrd="0"/>
+        <dgm:cxn modelId="13" srcId="1" destId="11" srcOrd="0" destOrd="0"/>
+        <dgm:cxn modelId="14" srcId="1" destId="12" srcOrd="1" destOrd="0"/>
+        <dgm:cxn modelId="23" srcId="2" destId="21" srcOrd="0" destOrd="0"/>
+        <dgm:cxn modelId="24" srcId="2" destId="22" srcOrd="1" destOrd="0"/>
+        <dgm:cxn modelId="33" srcId="3" destId="31" srcOrd="0" destOrd="0"/>
+        <dgm:cxn modelId="34" srcId="3" destId="32" srcOrd="1" destOrd="0"/>
+      </dgm:cxnLst>
+      <dgm:bg/>
+      <dgm:whole/>
+    </dgm:dataModel>
+  </dgm:sampData>
+  <dgm:styleData>
+    <dgm:dataModel>
+      <dgm:ptLst>
+        <dgm:pt modelId="0" type="doc"/>
+        <dgm:pt modelId="1"/>
+        <dgm:pt modelId="11"/>
+        <dgm:pt modelId="2"/>
+        <dgm:pt modelId="21"/>
+      </dgm:ptLst>
+      <dgm:cxnLst>
+        <dgm:cxn modelId="4" srcId="0" destId="1" srcOrd="0" destOrd="0"/>
+        <dgm:cxn modelId="5" srcId="0" destId="2" srcOrd="1" destOrd="0"/>
+        <dgm:cxn modelId="13" srcId="1" destId="11" srcOrd="0" destOrd="0"/>
+        <dgm:cxn modelId="23" srcId="2" destId="21" srcOrd="0" destOrd="0"/>
+      </dgm:cxnLst>
+      <dgm:bg/>
+      <dgm:whole/>
+    </dgm:dataModel>
+  </dgm:styleData>
+  <dgm:clrData>
+    <dgm:dataModel>
+      <dgm:ptLst>
+        <dgm:pt modelId="0" type="doc"/>
+        <dgm:pt modelId="1"/>
+        <dgm:pt modelId="11"/>
+        <dgm:pt modelId="2"/>
+        <dgm:pt modelId="21"/>
+        <dgm:pt modelId="3"/>
+        <dgm:pt modelId="31"/>
+        <dgm:pt modelId="4"/>
+        <dgm:pt modelId="41"/>
+      </dgm:ptLst>
+      <dgm:cxnLst>
+        <dgm:cxn modelId="5" srcId="0" destId="1" srcOrd="0" destOrd="0"/>
+        <dgm:cxn modelId="6" srcId="0" destId="2" srcOrd="1" destOrd="0"/>
+        <dgm:cxn modelId="7" srcId="0" destId="3" srcOrd="2" destOrd="0"/>
+        <dgm:cxn modelId="8" srcId="0" destId="4" srcOrd="3" destOrd="0"/>
+        <dgm:cxn modelId="13" srcId="1" destId="11" srcOrd="0" destOrd="0"/>
+        <dgm:cxn modelId="23" srcId="2" destId="21" srcOrd="0" destOrd="0"/>
+        <dgm:cxn modelId="33" srcId="3" destId="31" srcOrd="0" destOrd="0"/>
+        <dgm:cxn modelId="43" srcId="4" destId="41" srcOrd="0" destOrd="0"/>
+      </dgm:cxnLst>
+      <dgm:bg/>
+      <dgm:whole/>
+    </dgm:dataModel>
+  </dgm:clrData>
+  <dgm:layoutNode name="Name0">
+    <dgm:varLst>
+      <dgm:dir/>
+      <dgm:animLvl val="lvl"/>
+      <dgm:resizeHandles val="exact"/>
+    </dgm:varLst>
+    <dgm:alg type="lin">
+      <dgm:param type="linDir" val="fromB"/>
+    </dgm:alg>
+    <dgm:shape xmlns:r="http://schemas.openxmlformats.org/officeDocument/2006/relationships" r:blip="">
+      <dgm:adjLst/>
+    </dgm:shape>
+    <dgm:presOf/>
+    <dgm:constrLst>
+      <dgm:constr type="h" for="ch" forName="boxAndChildren" refType="h"/>
+      <dgm:constr type="h" for="ch" forName="arrowAndChildren" refType="h" refFor="ch" refForName="boxAndChildren" op="equ" fact="1.538"/>
+      <dgm:constr type="w" for="ch" forName="arrowAndChildren" refType="w"/>
+      <dgm:constr type="w" for="ch" forName="boxAndChildren" refType="w"/>
+      <dgm:constr type="h" for="ch" forName="sp" refType="h" fact="-0.015"/>
+      <dgm:constr type="primFontSz" for="des" forName="parentTextBox" val="65"/>
+      <dgm:constr type="primFontSz" for="des" forName="parentTextArrow" refType="primFontSz" refFor="des" refForName="parentTextBox" op="equ"/>
+      <dgm:constr type="primFontSz" for="des" forName="childTextArrow" val="65"/>
+      <dgm:constr type="primFontSz" for="des" forName="childTextBox" refType="primFontSz" refFor="des" refForName="childTextArrow" op="equ"/>
+    </dgm:constrLst>
+    <dgm:ruleLst/>
+    <dgm:forEach name="Name1" axis="ch" ptType="node" st="-1" step="-1">
+      <dgm:choose name="Name2">
+        <dgm:if name="Name3" axis="self" ptType="node" func="revPos" op="equ" val="1">
+          <dgm:layoutNode name="boxAndChildren">
+            <dgm:alg type="composite"/>
+            <dgm:shape xmlns:r="http://schemas.openxmlformats.org/officeDocument/2006/relationships" r:blip="">
+              <dgm:adjLst/>
+            </dgm:shape>
+            <dgm:presOf/>
+            <dgm:choose name="Name4">
+              <dgm:if name="Name5" axis="ch" ptType="node" func="cnt" op="gte" val="1">
+                <dgm:constrLst>
+                  <dgm:constr type="w" for="ch" forName="parentTextBox" refType="w"/>
+                  <dgm:constr type="h" for="ch" forName="parentTextBox" refType="h" fact="0.54"/>
+                  <dgm:constr type="t" for="ch" forName="parentTextBox"/>
+                  <dgm:constr type="w" for="ch" forName="entireBox" refType="w"/>
+                  <dgm:constr type="h" for="ch" forName="entireBox" refType="h"/>
+                  <dgm:constr type="w" for="ch" forName="descendantBox" refType="w"/>
+                  <dgm:constr type="b" for="ch" forName="descendantBox" refType="h" fact="0.98"/>
+                  <dgm:constr type="h" for="ch" forName="descendantBox" refType="h" fact="0.46"/>
+                </dgm:constrLst>
+              </dgm:if>
+              <dgm:else name="Name6">
+                <dgm:constrLst>
+                  <dgm:constr type="w" for="ch" forName="parentTextBox" refType="w"/>
+                  <dgm:constr type="h" for="ch" forName="parentTextBox" refType="h"/>
+                </dgm:constrLst>
+              </dgm:else>
+            </dgm:choose>
+            <dgm:ruleLst/>
+            <dgm:layoutNode name="parentTextBox">
+              <dgm:alg type="tx"/>
+              <dgm:choose name="Name7">
+                <dgm:if name="Name8" axis="ch" ptType="node" func="cnt" op="gte" val="1">
+                  <dgm:shape xmlns:r="http://schemas.openxmlformats.org/officeDocument/2006/relationships" type="rect" r:blip="" zOrderOff="1" hideGeom="1">
+                    <dgm:adjLst/>
+                  </dgm:shape>
+                </dgm:if>
+                <dgm:else name="Name9">
+                  <dgm:shape xmlns:r="http://schemas.openxmlformats.org/officeDocument/2006/relationships" type="rect" r:blip="">
+                    <dgm:adjLst/>
+                  </dgm:shape>
+                </dgm:else>
+              </dgm:choose>
+              <dgm:presOf axis="self"/>
+              <dgm:constrLst/>
+              <dgm:ruleLst>
+                <dgm:rule type="primFontSz" val="5" fact="NaN" max="NaN"/>
+              </dgm:ruleLst>
+            </dgm:layoutNode>
+            <dgm:choose name="Name10">
+              <dgm:if name="Name11" axis="ch" ptType="node" func="cnt" op="gte" val="1">
+                <dgm:layoutNode name="entireBox">
+                  <dgm:alg type="sp"/>
+                  <dgm:shape xmlns:r="http://schemas.openxmlformats.org/officeDocument/2006/relationships" type="rect" r:blip="">
+                    <dgm:adjLst/>
+                  </dgm:shape>
+                  <dgm:presOf axis="self"/>
+                  <dgm:constrLst/>
+                  <dgm:ruleLst/>
+                </dgm:layoutNode>
+                <dgm:layoutNode name="descendantBox" styleLbl="fgAccFollowNode1">
+                  <dgm:choose name="Name12">
+                    <dgm:if name="Name13" func="var" arg="dir" op="equ" val="norm">
+                      <dgm:alg type="lin"/>
+                    </dgm:if>
+                    <dgm:else name="Name14">
+                      <dgm:alg type="lin">
+                        <dgm:param type="linDir" val="fromR"/>
+                      </dgm:alg>
+                    </dgm:else>
+                  </dgm:choose>
+                  <dgm:shape xmlns:r="http://schemas.openxmlformats.org/officeDocument/2006/relationships" r:blip="">
+                    <dgm:adjLst/>
+                  </dgm:shape>
+                  <dgm:presOf/>
+                  <dgm:constrLst>
+                    <dgm:constr type="w" for="ch" forName="childTextBox" refType="w"/>
+                    <dgm:constr type="h" for="ch" forName="childTextBox" refType="h"/>
+                  </dgm:constrLst>
+                  <dgm:ruleLst/>
+                  <dgm:forEach name="Name15" axis="ch" ptType="node">
+                    <dgm:layoutNode name="childTextBox" styleLbl="fgAccFollowNode1">
+                      <dgm:varLst>
+                        <dgm:bulletEnabled val="1"/>
+                      </dgm:varLst>
+                      <dgm:alg type="tx"/>
+                      <dgm:shape xmlns:r="http://schemas.openxmlformats.org/officeDocument/2006/relationships" type="rect" r:blip="">
+                        <dgm:adjLst/>
+                      </dgm:shape>
+                      <dgm:presOf axis="desOrSelf" ptType="node"/>
+                      <dgm:constrLst>
+                        <dgm:constr type="tMarg" refType="primFontSz" fact="0.1"/>
+                        <dgm:constr type="bMarg" refType="primFontSz" fact="0.1"/>
+                      </dgm:constrLst>
+                      <dgm:ruleLst>
+                        <dgm:rule type="primFontSz" val="5" fact="NaN" max="NaN"/>
+                      </dgm:ruleLst>
+                    </dgm:layoutNode>
+                  </dgm:forEach>
+                </dgm:layoutNode>
+              </dgm:if>
+              <dgm:else name="Name16"/>
+            </dgm:choose>
+          </dgm:layoutNode>
+        </dgm:if>
+        <dgm:else name="Name17">
+          <dgm:layoutNode name="arrowAndChildren">
+            <dgm:alg type="composite"/>
+            <dgm:shape xmlns:r="http://schemas.openxmlformats.org/officeDocument/2006/relationships" r:blip="">
+              <dgm:adjLst/>
+            </dgm:shape>
+            <dgm:presOf/>
+            <dgm:choose name="Name18">
+              <dgm:if name="Name19" axis="ch" ptType="node" func="cnt" op="gte" val="1">
+                <dgm:constrLst>
+                  <dgm:constr type="w" for="ch" forName="parentTextArrow" refType="w"/>
+                  <dgm:constr type="t" for="ch" forName="parentTextArrow"/>
+                  <dgm:constr type="h" for="ch" forName="parentTextArrow" refType="h" fact="0.351"/>
+                  <dgm:constr type="w" for="ch" forName="arrow" refType="w"/>
+                  <dgm:constr type="h" for="ch" forName="arrow" refType="h"/>
+                  <dgm:constr type="w" for="ch" forName="descendantArrow" refType="w"/>
+                  <dgm:constr type="b" for="ch" forName="descendantArrow" refType="h" fact="0.65"/>
+                  <dgm:constr type="h" for="ch" forName="descendantArrow" refType="h" fact="0.299"/>
+                </dgm:constrLst>
+              </dgm:if>
+              <dgm:else name="Name20">
+                <dgm:constrLst>
+                  <dgm:constr type="w" for="ch" forName="parentTextArrow" refType="w"/>
+                  <dgm:constr type="h" for="ch" forName="parentTextArrow" refType="h"/>
+                </dgm:constrLst>
+              </dgm:else>
+            </dgm:choose>
+            <dgm:ruleLst/>
+            <dgm:layoutNode name="parentTextArrow">
+              <dgm:alg type="tx"/>
+              <dgm:choose name="Name21">
+                <dgm:if name="Name22" axis="ch" ptType="node" func="cnt" op="gte" val="1">
+                  <dgm:shape xmlns:r="http://schemas.openxmlformats.org/officeDocument/2006/relationships" type="rect" r:blip="" zOrderOff="1" hideGeom="1">
+                    <dgm:adjLst/>
+                  </dgm:shape>
+                </dgm:if>
+                <dgm:else name="Name23">
+                  <dgm:shape xmlns:r="http://schemas.openxmlformats.org/officeDocument/2006/relationships" rot="180" type="upArrowCallout" r:blip="">
+                    <dgm:adjLst/>
+                  </dgm:shape>
+                </dgm:else>
+              </dgm:choose>
+              <dgm:presOf axis="self"/>
+              <dgm:constrLst/>
+              <dgm:ruleLst>
+                <dgm:rule type="primFontSz" val="5" fact="NaN" max="NaN"/>
+              </dgm:ruleLst>
+            </dgm:layoutNode>
+            <dgm:choose name="Name24">
+              <dgm:if name="Name25" axis="ch" ptType="node" func="cnt" op="gte" val="1">
+                <dgm:layoutNode name="arrow">
+                  <dgm:alg type="sp"/>
+                  <dgm:shape xmlns:r="http://schemas.openxmlformats.org/officeDocument/2006/relationships" rot="180" type="upArrowCallout" r:blip="">
+                    <dgm:adjLst/>
+                  </dgm:shape>
+                  <dgm:presOf axis="self"/>
+                  <dgm:constrLst/>
+                  <dgm:ruleLst/>
+                </dgm:layoutNode>
+                <dgm:layoutNode name="descendantArrow">
+                  <dgm:choose name="Name26">
+                    <dgm:if name="Name27" func="var" arg="dir" op="equ" val="norm">
+                      <dgm:alg type="lin"/>
+                    </dgm:if>
+                    <dgm:else name="Name28">
+                      <dgm:alg type="lin">
+                        <dgm:param type="linDir" val="fromR"/>
+                      </dgm:alg>
+                    </dgm:else>
+                  </dgm:choose>
+                  <dgm:shape xmlns:r="http://schemas.openxmlformats.org/officeDocument/2006/relationships" r:blip="">
+                    <dgm:adjLst/>
+                  </dgm:shape>
+                  <dgm:presOf/>
+                  <dgm:constrLst>
+                    <dgm:constr type="w" for="ch" forName="childTextArrow" refType="w"/>
+                    <dgm:constr type="h" for="ch" forName="childTextArrow" refType="h"/>
+                  </dgm:constrLst>
+                  <dgm:ruleLst/>
+                  <dgm:forEach name="Name29" axis="ch" ptType="node">
+                    <dgm:layoutNode name="childTextArrow" styleLbl="fgAccFollowNode1">
+                      <dgm:varLst>
+                        <dgm:bulletEnabled val="1"/>
+                      </dgm:varLst>
+                      <dgm:alg type="tx"/>
+                      <dgm:shape xmlns:r="http://schemas.openxmlformats.org/officeDocument/2006/relationships" type="rect" r:blip="">
+                        <dgm:adjLst/>
+                      </dgm:shape>
+                      <dgm:presOf axis="desOrSelf" ptType="node"/>
+                      <dgm:constrLst>
+                        <dgm:constr type="tMarg" refType="primFontSz" fact="0.1"/>
+                        <dgm:constr type="bMarg" refType="primFontSz" fact="0.1"/>
+                      </dgm:constrLst>
+                      <dgm:ruleLst>
+                        <dgm:rule type="primFontSz" val="5" fact="NaN" max="NaN"/>
+                      </dgm:ruleLst>
+                    </dgm:layoutNode>
+                  </dgm:forEach>
+                </dgm:layoutNode>
+              </dgm:if>
+              <dgm:else name="Name30"/>
+            </dgm:choose>
+          </dgm:layoutNode>
+        </dgm:else>
+      </dgm:choose>
+      <dgm:forEach name="Name31" axis="precedSib" ptType="sibTrans" st="-1" cnt="1">
+        <dgm:layoutNode name="sp">
+          <dgm:alg type="sp"/>
+          <dgm:shape xmlns:r="http://schemas.openxmlformats.org/officeDocument/2006/relationships" r:blip="">
+            <dgm:adjLst/>
+          </dgm:shape>
+          <dgm:presOf axis="self"/>
+          <dgm:constrLst/>
+          <dgm:ruleLst/>
+        </dgm:layoutNode>
+      </dgm:forEach>
+    </dgm:forEach>
+  </dgm:layoutNode>
+</dgm:layoutDef>
+</file>
+
+<file path=ppt/diagrams/quickStyle1.xml><?xml version="1.0" encoding="utf-8"?>
+<dgm:styleDef xmlns:dgm="http://schemas.openxmlformats.org/drawingml/2006/diagram" xmlns:a="http://schemas.openxmlformats.org/drawingml/2006/main" uniqueId="urn:microsoft.com/office/officeart/2005/8/quickstyle/simple2">
+  <dgm:title val=""/>
+  <dgm:desc val=""/>
+  <dgm:catLst>
+    <dgm:cat type="simple" pri="10200"/>
+  </dgm:catLst>
+  <dgm:scene3d>
+    <a:camera prst="orthographicFront"/>
+    <a:lightRig rig="threePt" dir="t"/>
+  </dgm:scene3d>
+  <dgm:styleLbl name="node0">
+    <dgm:scene3d>
+      <a:camera prst="orthographicFront"/>
+      <a:lightRig rig="threePt" dir="t"/>
+    </dgm:scene3d>
+    <dgm:sp3d/>
+    <dgm:txPr/>
+    <dgm:style>
+      <a:lnRef idx="3">
+        <a:scrgbClr r="0" g="0" b="0"/>
+      </a:lnRef>
+      <a:fillRef idx="1">
+        <a:scrgbClr r="0" g="0" b="0"/>
+      </a:fillRef>
+      <a:effectRef idx="1">
+        <a:scrgbClr r="0" g="0" b="0"/>
+      </a:effectRef>
+      <a:fontRef idx="minor">
+        <a:schemeClr val="lt1"/>
+      </a:fontRef>
+    </dgm:style>
+  </dgm:styleLbl>
+  <dgm:styleLbl name="lnNode1">
+    <dgm:scene3d>
+      <a:camera prst="orthographicFront"/>
+      <a:lightRig rig="threePt" dir="t"/>
+    </dgm:scene3d>
+    <dgm:sp3d/>
+    <dgm:txPr/>
+    <dgm:style>
+      <a:lnRef idx="3">
+        <a:scrgbClr r="0" g="0" b="0"/>
+      </a:lnRef>
+      <a:fillRef idx="1">
+        <a:scrgbClr r="0" g="0" b="0"/>
+      </a:fillRef>
+      <a:effectRef idx="1">
+        <a:scrgbClr r="0" g="0" b="0"/>
+      </a:effectRef>
+      <a:fontRef idx="minor">
+        <a:schemeClr val="lt1"/>
+      </a:fontRef>
+    </dgm:style>
+  </dgm:styleLbl>
+  <dgm:styleLbl name="vennNode1">
+    <dgm:scene3d>
+      <a:camera prst="orthographicFront"/>
+      <a:lightRig rig="threePt" dir="t"/>
+    </dgm:scene3d>
+    <dgm:sp3d/>
+    <dgm:txPr/>
+    <dgm:style>
+      <a:lnRef idx="3">
+        <a:scrgbClr r="0" g="0" b="0"/>
+      </a:lnRef>
+      <a:fillRef idx="1">
+        <a:scrgbClr r="0" g="0" b="0"/>
+      </a:fillRef>
+      <a:effectRef idx="0">
+        <a:scrgbClr r="0" g="0" b="0"/>
+      </a:effectRef>
+      <a:fontRef idx="minor">
+        <a:schemeClr val="tx1"/>
+      </a:fontRef>
+    </dgm:style>
+  </dgm:styleLbl>
+  <dgm:styleLbl name="alignNode1">
+    <dgm:scene3d>
+      <a:camera prst="orthographicFront"/>
+      <a:lightRig rig="threePt" dir="t"/>
+    </dgm:scene3d>
+    <dgm:sp3d/>
+    <dgm:txPr/>
+    <dgm:style>
+      <a:lnRef idx="2">
+        <a:scrgbClr r="0" g="0" b="0"/>
+      </a:lnRef>
+      <a:fillRef idx="1">
+        <a:scrgbClr r="0" g="0" b="0"/>
+      </a:fillRef>
+      <a:effectRef idx="1">
+        <a:scrgbClr r="0" g="0" b="0"/>
+      </a:effectRef>
+      <a:fontRef idx="minor">
+        <a:schemeClr val="lt1"/>
+      </a:fontRef>
+    </dgm:style>
+  </dgm:styleLbl>
+  <dgm:styleLbl name="node1">
+    <dgm:scene3d>
+      <a:camera prst="orthographicFront"/>
+      <a:lightRig rig="threePt" dir="t"/>
+    </dgm:scene3d>
+    <dgm:sp3d/>
+    <dgm:txPr/>
+    <dgm:style>
+      <a:lnRef idx="3">
+        <a:scrgbClr r="0" g="0" b="0"/>
+      </a:lnRef>
+      <a:fillRef idx="1">
+        <a:scrgbClr r="0" g="0" b="0"/>
+      </a:fillRef>
+      <a:effectRef idx="1">
+        <a:scrgbClr r="0" g="0" b="0"/>
+      </a:effectRef>
+      <a:fontRef idx="minor">
+        <a:schemeClr val="lt1"/>
+      </a:fontRef>
+    </dgm:style>
+  </dgm:styleLbl>
+  <dgm:styleLbl name="node2">
+    <dgm:scene3d>
+      <a:camera prst="orthographicFront"/>
+      <a:lightRig rig="threePt" dir="t"/>
+    </dgm:scene3d>
+    <dgm:sp3d/>
+    <dgm:txPr/>
+    <dgm:style>
+      <a:lnRef idx="3">
+        <a:scrgbClr r="0" g="0" b="0"/>
+      </a:lnRef>
+      <a:fillRef idx="1">
+        <a:scrgbClr r="0" g="0" b="0"/>
+      </a:fillRef>
+      <a:effectRef idx="1">
+        <a:scrgbClr r="0" g="0" b="0"/>
+      </a:effectRef>
+      <a:fontRef idx="minor">
+        <a:schemeClr val="lt1"/>
+      </a:fontRef>
+    </dgm:style>
+  </dgm:styleLbl>
+  <dgm:styleLbl name="node3">
+    <dgm:scene3d>
+      <a:camera prst="orthographicFront"/>
+      <a:lightRig rig="threePt" dir="t"/>
+    </dgm:scene3d>
+    <dgm:sp3d/>
+    <dgm:txPr/>
+    <dgm:style>
+      <a:lnRef idx="3">
+        <a:scrgbClr r="0" g="0" b="0"/>
+      </a:lnRef>
+      <a:fillRef idx="1">
+        <a:scrgbClr r="0" g="0" b="0"/>
+      </a:fillRef>
+      <a:effectRef idx="1">
+        <a:scrgbClr r="0" g="0" b="0"/>
+      </a:effectRef>
+      <a:fontRef idx="minor">
+        <a:schemeClr val="lt1"/>
+      </a:fontRef>
+    </dgm:style>
+  </dgm:styleLbl>
+  <dgm:styleLbl name="node4">
+    <dgm:scene3d>
+      <a:camera prst="orthographicFront"/>
+      <a:lightRig rig="threePt" dir="t"/>
+    </dgm:scene3d>
+    <dgm:sp3d/>
+    <dgm:txPr/>
+    <dgm:style>
+      <a:lnRef idx="3">
+        <a:scrgbClr r="0" g="0" b="0"/>
+      </a:lnRef>
+      <a:fillRef idx="1">
+        <a:scrgbClr r="0" g="0" b="0"/>
+      </a:fillRef>
+      <a:effectRef idx="1">
+        <a:scrgbClr r="0" g="0" b="0"/>
+      </a:effectRef>
+      <a:fontRef idx="minor">
+        <a:schemeClr val="lt1"/>
+      </a:fontRef>
+    </dgm:style>
+  </dgm:styleLbl>
+  <dgm:styleLbl name="fgImgPlace1">
+    <dgm:scene3d>
+      <a:camera prst="orthographicFront"/>
+      <a:lightRig rig="threePt" dir="t"/>
+    </dgm:scene3d>
+    <dgm:sp3d/>
+    <dgm:txPr/>
+    <dgm:style>
+      <a:lnRef idx="3">
+        <a:scrgbClr r="0" g="0" b="0"/>
+      </a:lnRef>
+      <a:fillRef idx="1">
+        <a:scrgbClr r="0" g="0" b="0"/>
+      </a:fillRef>
+      <a:effectRef idx="1">
+        <a:scrgbClr r="0" g="0" b="0"/>
+      </a:effectRef>
+      <a:fontRef idx="minor"/>
+    </dgm:style>
+  </dgm:styleLbl>
+  <dgm:styleLbl name="alignImgPlace1">
+    <dgm:scene3d>
+      <a:camera prst="orthographicFront"/>
+      <a:lightRig rig="threePt" dir="t"/>
+    </dgm:scene3d>
+    <dgm:sp3d/>
+    <dgm:txPr/>
+    <dgm:style>
+      <a:lnRef idx="3">
+        <a:scrgbClr r="0" g="0" b="0"/>
+      </a:lnRef>
+      <a:fillRef idx="1">
+        <a:scrgbClr r="0" g="0" b="0"/>
+      </a:fillRef>
+      <a:effectRef idx="1">
+        <a:scrgbClr r="0" g="0" b="0"/>
+      </a:effectRef>
+      <a:fontRef idx="minor"/>
+    </dgm:style>
+  </dgm:styleLbl>
+  <dgm:styleLbl name="bgImgPlace1">
+    <dgm:scene3d>
+      <a:camera prst="orthographicFront"/>
+      <a:lightRig rig="threePt" dir="t"/>
+    </dgm:scene3d>
+    <dgm:sp3d/>
+    <dgm:txPr/>
+    <dgm:style>
+      <a:lnRef idx="3">
+        <a:scrgbClr r="0" g="0" b="0"/>
+      </a:lnRef>
+      <a:fillRef idx="1">
+        <a:scrgbClr r="0" g="0" b="0"/>
+      </a:fillRef>
+      <a:effectRef idx="1">
+        <a:scrgbClr r="0" g="0" b="0"/>
+      </a:effectRef>
+      <a:fontRef idx="minor"/>
+    </dgm:style>
+  </dgm:styleLbl>
+  <dgm:styleLbl name="sibTrans2D1">
+    <dgm:scene3d>
+      <a:camera prst="orthographicFront"/>
+      <a:lightRig rig="threePt" dir="t"/>
+    </dgm:scene3d>
+    <dgm:sp3d/>
+    <dgm:txPr/>
+    <dgm:style>
+      <a:lnRef idx="0">
+        <a:scrgbClr r="0" g="0" b="0"/>
+      </a:lnRef>
+      <a:fillRef idx="1">
+        <a:scrgbClr r="0" g="0" b="0"/>
+      </a:fillRef>
+      <a:effectRef idx="1">
+        <a:scrgbClr r="0" g="0" b="0"/>
+      </a:effectRef>
+      <a:fontRef idx="minor">
+        <a:schemeClr val="lt1"/>
+      </a:fontRef>
+    </dgm:style>
+  </dgm:styleLbl>
+  <dgm:styleLbl name="fgSibTrans2D1">
+    <dgm:scene3d>
+      <a:camera prst="orthographicFront"/>
+      <a:lightRig rig="threePt" dir="t"/>
+    </dgm:scene3d>
+    <dgm:sp3d/>
+    <dgm:txPr/>
+    <dgm:style>
+      <a:lnRef idx="0">
+        <a:scrgbClr r="0" g="0" b="0"/>
+      </a:lnRef>
+      <a:fillRef idx="1">
+        <a:scrgbClr r="0" g="0" b="0"/>
+      </a:fillRef>
+      <a:effectRef idx="1">
+        <a:scrgbClr r="0" g="0" b="0"/>
+      </a:effectRef>
+      <a:fontRef idx="minor">
+        <a:schemeClr val="lt1"/>
+      </a:fontRef>
+    </dgm:style>
+  </dgm:styleLbl>
+  <dgm:styleLbl name="bgSibTrans2D1">
+    <dgm:scene3d>
+      <a:camera prst="orthographicFront"/>
+      <a:lightRig rig="threePt" dir="t"/>
+    </dgm:scene3d>
+    <dgm:sp3d/>
+    <dgm:txPr/>
+    <dgm:style>
+      <a:lnRef idx="0">
+        <a:scrgbClr r="0" g="0" b="0"/>
+      </a:lnRef>
+      <a:fillRef idx="1">
+        <a:scrgbClr r="0" g="0" b="0"/>
+      </a:fillRef>
+      <a:effectRef idx="1">
+        <a:scrgbClr r="0" g="0" b="0"/>
+      </a:effectRef>
+      <a:fontRef idx="minor">
+        <a:schemeClr val="lt1"/>
+      </a:fontRef>
+    </dgm:style>
+  </dgm:styleLbl>
+  <dgm:styleLbl name="sibTrans1D1">
+    <dgm:scene3d>
+      <a:camera prst="orthographicFront"/>
+      <a:lightRig rig="threePt" dir="t"/>
+    </dgm:scene3d>
+    <dgm:sp3d/>
+    <dgm:txPr/>
+    <dgm:style>
+      <a:lnRef idx="1">
+        <a:scrgbClr r="0" g="0" b="0"/>
+      </a:lnRef>
+      <a:fillRef idx="0">
+        <a:scrgbClr r="0" g="0" b="0"/>
+      </a:fillRef>
+      <a:effectRef idx="0">
+        <a:scrgbClr r="0" g="0" b="0"/>
+      </a:effectRef>
+      <a:fontRef idx="minor"/>
+    </dgm:style>
+  </dgm:styleLbl>
+  <dgm:styleLbl name="callout">
+    <dgm:scene3d>
+      <a:camera prst="orthographicFront"/>
+      <a:lightRig rig="threePt" dir="t"/>
+    </dgm:scene3d>
+    <dgm:sp3d/>
+    <dgm:txPr/>
+    <dgm:style>
+      <a:lnRef idx="2">
+        <a:scrgbClr r="0" g="0" b="0"/>
+      </a:lnRef>
+      <a:fillRef idx="1">
+        <a:scrgbClr r="0" g="0" b="0"/>
+      </a:fillRef>
+      <a:effectRef idx="1">
+        <a:scrgbClr r="0" g="0" b="0"/>
+      </a:effectRef>
+      <a:fontRef idx="minor"/>
+    </dgm:style>
+  </dgm:styleLbl>
+  <dgm:styleLbl name="asst0">
+    <dgm:scene3d>
+      <a:camera prst="orthographicFront"/>
+      <a:lightRig rig="threePt" dir="t"/>
+    </dgm:scene3d>
+    <dgm:sp3d/>
+    <dgm:txPr/>
+    <dgm:style>
+      <a:lnRef idx="3">
+        <a:scrgbClr r="0" g="0" b="0"/>
+      </a:lnRef>
+      <a:fillRef idx="1">
+        <a:scrgbClr r="0" g="0" b="0"/>
+      </a:fillRef>
+      <a:effectRef idx="1">
+        <a:scrgbClr r="0" g="0" b="0"/>
+      </a:effectRef>
+      <a:fontRef idx="minor">
+        <a:schemeClr val="lt1"/>
+      </a:fontRef>
+    </dgm:style>
+  </dgm:styleLbl>
+  <dgm:styleLbl name="asst1">
+    <dgm:scene3d>
+      <a:camera prst="orthographicFront"/>
+      <a:lightRig rig="threePt" dir="t"/>
+    </dgm:scene3d>
+    <dgm:sp3d/>
+    <dgm:txPr/>
+    <dgm:style>
+      <a:lnRef idx="3">
+        <a:scrgbClr r="0" g="0" b="0"/>
+      </a:lnRef>
+      <a:fillRef idx="1">
+        <a:scrgbClr r="0" g="0" b="0"/>
+      </a:fillRef>
+      <a:effectRef idx="1">
+        <a:scrgbClr r="0" g="0" b="0"/>
+      </a:effectRef>
+      <a:fontRef idx="minor">
+        <a:schemeClr val="lt1"/>
+      </a:fontRef>
+    </dgm:style>
+  </dgm:styleLbl>
+  <dgm:styleLbl name="asst2">
+    <dgm:scene3d>
+      <a:camera prst="orthographicFront"/>
+      <a:lightRig rig="threePt" dir="t"/>
+    </dgm:scene3d>
+    <dgm:sp3d/>
+    <dgm:txPr/>
+    <dgm:style>
+      <a:lnRef idx="3">
+        <a:scrgbClr r="0" g="0" b="0"/>
+      </a:lnRef>
+      <a:fillRef idx="1">
+        <a:scrgbClr r="0" g="0" b="0"/>
+      </a:fillRef>
+      <a:effectRef idx="1">
+        <a:scrgbClr r="0" g="0" b="0"/>
+      </a:effectRef>
+      <a:fontRef idx="minor">
+        <a:schemeClr val="lt1"/>
+      </a:fontRef>
+    </dgm:style>
+  </dgm:styleLbl>
+  <dgm:styleLbl name="asst3">
+    <dgm:scene3d>
+      <a:camera prst="orthographicFront"/>
+      <a:lightRig rig="threePt" dir="t"/>
+    </dgm:scene3d>
+    <dgm:sp3d/>
+    <dgm:txPr/>
+    <dgm:style>
+      <a:lnRef idx="3">
+        <a:scrgbClr r="0" g="0" b="0"/>
+      </a:lnRef>
+      <a:fillRef idx="1">
+        <a:scrgbClr r="0" g="0" b="0"/>
+      </a:fillRef>
+      <a:effectRef idx="1">
+        <a:scrgbClr r="0" g="0" b="0"/>
+      </a:effectRef>
+      <a:fontRef idx="minor">
+        <a:schemeClr val="lt1"/>
+      </a:fontRef>
+    </dgm:style>
+  </dgm:styleLbl>
+  <dgm:styleLbl name="asst4">
+    <dgm:scene3d>
+      <a:camera prst="orthographicFront"/>
+      <a:lightRig rig="threePt" dir="t"/>
+    </dgm:scene3d>
+    <dgm:sp3d/>
+    <dgm:txPr/>
+    <dgm:style>
+      <a:lnRef idx="3">
+        <a:scrgbClr r="0" g="0" b="0"/>
+      </a:lnRef>
+      <a:fillRef idx="1">
+        <a:scrgbClr r="0" g="0" b="0"/>
+      </a:fillRef>
+      <a:effectRef idx="1">
+        <a:scrgbClr r="0" g="0" b="0"/>
+      </a:effectRef>
+      <a:fontRef idx="minor">
+        <a:schemeClr val="lt1"/>
+      </a:fontRef>
+    </dgm:style>
+  </dgm:styleLbl>
+  <dgm:styleLbl name="parChTrans2D1">
+    <dgm:scene3d>
+      <a:camera prst="orthographicFront"/>
+      <a:lightRig rig="threePt" dir="t"/>
+    </dgm:scene3d>
+    <dgm:sp3d/>
+    <dgm:txPr/>
+    <dgm:style>
+      <a:lnRef idx="3">
+        <a:scrgbClr r="0" g="0" b="0"/>
+      </a:lnRef>
+      <a:fillRef idx="1">
+        <a:scrgbClr r="0" g="0" b="0"/>
+      </a:fillRef>
+      <a:effectRef idx="1">
+        <a:scrgbClr r="0" g="0" b="0"/>
+      </a:effectRef>
+      <a:fontRef idx="minor">
+        <a:schemeClr val="lt1"/>
+      </a:fontRef>
+    </dgm:style>
+  </dgm:styleLbl>
+  <dgm:styleLbl name="parChTrans2D2">
+    <dgm:scene3d>
+      <a:camera prst="orthographicFront"/>
+      <a:lightRig rig="threePt" dir="t"/>
+    </dgm:scene3d>
+    <dgm:sp3d/>
+    <dgm:txPr/>
+    <dgm:style>
+      <a:lnRef idx="3">
+        <a:scrgbClr r="0" g="0" b="0"/>
+      </a:lnRef>
+      <a:fillRef idx="1">
+        <a:scrgbClr r="0" g="0" b="0"/>
+      </a:fillRef>
+      <a:effectRef idx="1">
+        <a:scrgbClr r="0" g="0" b="0"/>
+      </a:effectRef>
+      <a:fontRef idx="minor">
+        <a:schemeClr val="lt1"/>
+      </a:fontRef>
+    </dgm:style>
+  </dgm:styleLbl>
+  <dgm:styleLbl name="parChTrans2D3">
+    <dgm:scene3d>
+      <a:camera prst="orthographicFront"/>
+      <a:lightRig rig="threePt" dir="t"/>
+    </dgm:scene3d>
+    <dgm:sp3d/>
+    <dgm:txPr/>
+    <dgm:style>
+      <a:lnRef idx="3">
+        <a:scrgbClr r="0" g="0" b="0"/>
+      </a:lnRef>
+      <a:fillRef idx="1">
+        <a:scrgbClr r="0" g="0" b="0"/>
+      </a:fillRef>
+      <a:effectRef idx="1">
+        <a:scrgbClr r="0" g="0" b="0"/>
+      </a:effectRef>
+      <a:fontRef idx="minor">
+        <a:schemeClr val="lt1"/>
+      </a:fontRef>
+    </dgm:style>
+  </dgm:styleLbl>
+  <dgm:styleLbl name="parChTrans2D4">
+    <dgm:scene3d>
+      <a:camera prst="orthographicFront"/>
+      <a:lightRig rig="threePt" dir="t"/>
+    </dgm:scene3d>
+    <dgm:sp3d/>
+    <dgm:txPr/>
+    <dgm:style>
+      <a:lnRef idx="3">
+        <a:scrgbClr r="0" g="0" b="0"/>
+      </a:lnRef>
+      <a:fillRef idx="1">
+        <a:scrgbClr r="0" g="0" b="0"/>
+      </a:fillRef>
+      <a:effectRef idx="1">
+        <a:scrgbClr r="0" g="0" b="0"/>
+      </a:effectRef>
+      <a:fontRef idx="minor">
+        <a:schemeClr val="lt1"/>
+      </a:fontRef>
+    </dgm:style>
+  </dgm:styleLbl>
+  <dgm:styleLbl name="parChTrans1D1">
+    <dgm:scene3d>
+      <a:camera prst="orthographicFront"/>
+      <a:lightRig rig="threePt" dir="t"/>
+    </dgm:scene3d>
+    <dgm:sp3d/>
+    <dgm:txPr/>
+    <dgm:style>
+      <a:lnRef idx="2">
+        <a:scrgbClr r="0" g="0" b="0"/>
+      </a:lnRef>
+      <a:fillRef idx="0">
+        <a:scrgbClr r="0" g="0" b="0"/>
+      </a:fillRef>
+      <a:effectRef idx="0">
+        <a:scrgbClr r="0" g="0" b="0"/>
+      </a:effectRef>
+      <a:fontRef idx="minor"/>
+    </dgm:style>
+  </dgm:styleLbl>
+  <dgm:styleLbl name="parChTrans1D2">
+    <dgm:scene3d>
+      <a:camera prst="orthographicFront"/>
+      <a:lightRig rig="threePt" dir="t"/>
+    </dgm:scene3d>
+    <dgm:sp3d/>
+    <dgm:txPr/>
+    <dgm:style>
+      <a:lnRef idx="2">
+        <a:scrgbClr r="0" g="0" b="0"/>
+      </a:lnRef>
+      <a:fillRef idx="0">
+        <a:scrgbClr r="0" g="0" b="0"/>
+      </a:fillRef>
+      <a:effectRef idx="0">
+        <a:scrgbClr r="0" g="0" b="0"/>
+      </a:effectRef>
+      <a:fontRef idx="minor"/>
+    </dgm:style>
+  </dgm:styleLbl>
+  <dgm:styleLbl name="parChTrans1D3">
+    <dgm:scene3d>
+      <a:camera prst="orthographicFront"/>
+      <a:lightRig rig="threePt" dir="t"/>
+    </dgm:scene3d>
+    <dgm:sp3d/>
+    <dgm:txPr/>
+    <dgm:style>
+      <a:lnRef idx="2">
+        <a:scrgbClr r="0" g="0" b="0"/>
+      </a:lnRef>
+      <a:fillRef idx="0">
+        <a:scrgbClr r="0" g="0" b="0"/>
+      </a:fillRef>
+      <a:effectRef idx="0">
+        <a:scrgbClr r="0" g="0" b="0"/>
+      </a:effectRef>
+      <a:fontRef idx="minor"/>
+    </dgm:style>
+  </dgm:styleLbl>
+  <dgm:styleLbl name="parChTrans1D4">
+    <dgm:scene3d>
+      <a:camera prst="orthographicFront"/>
+      <a:lightRig rig="threePt" dir="t"/>
+    </dgm:scene3d>
+    <dgm:sp3d/>
+    <dgm:txPr/>
+    <dgm:style>
+      <a:lnRef idx="2">
+        <a:scrgbClr r="0" g="0" b="0"/>
+      </a:lnRef>
+      <a:fillRef idx="0">
+        <a:scrgbClr r="0" g="0" b="0"/>
+      </a:fillRef>
+      <a:effectRef idx="0">
+        <a:scrgbClr r="0" g="0" b="0"/>
+      </a:effectRef>
+      <a:fontRef idx="minor"/>
+    </dgm:style>
+  </dgm:styleLbl>
+  <dgm:styleLbl name="fgAcc1">
+    <dgm:scene3d>
+      <a:camera prst="orthographicFront"/>
+      <a:lightRig rig="threePt" dir="t"/>
+    </dgm:scene3d>
+    <dgm:sp3d/>
+    <dgm:txPr/>
+    <dgm:style>
+      <a:lnRef idx="2">
+        <a:scrgbClr r="0" g="0" b="0"/>
+      </a:lnRef>
+      <a:fillRef idx="1">
+        <a:scrgbClr r="0" g="0" b="0"/>
+      </a:fillRef>
+      <a:effectRef idx="0">
+        <a:scrgbClr r="0" g="0" b="0"/>
+      </a:effectRef>
+      <a:fontRef idx="minor"/>
+    </dgm:style>
+  </dgm:styleLbl>
+  <dgm:styleLbl name="conFgAcc1">
+    <dgm:scene3d>
+      <a:camera prst="orthographicFront"/>
+      <a:lightRig rig="threePt" dir="t"/>
+    </dgm:scene3d>
+    <dgm:sp3d/>
+    <dgm:txPr/>
+    <dgm:style>
+      <a:lnRef idx="2">
+        <a:scrgbClr r="0" g="0" b="0"/>
+      </a:lnRef>
+      <a:fillRef idx="1">
+        <a:scrgbClr r="0" g="0" b="0"/>
+      </a:fillRef>
+      <a:effectRef idx="0">
+        <a:scrgbClr r="0" g="0" b="0"/>
+      </a:effectRef>
+      <a:fontRef idx="minor"/>
+    </dgm:style>
+  </dgm:styleLbl>
+  <dgm:styleLbl name="alignAcc1">
+    <dgm:scene3d>
+      <a:camera prst="orthographicFront"/>
+      <a:lightRig rig="threePt" dir="t"/>
+    </dgm:scene3d>
+    <dgm:sp3d/>
+    <dgm:txPr/>
+    <dgm:style>
+      <a:lnRef idx="2">
+        <a:scrgbClr r="0" g="0" b="0"/>
+      </a:lnRef>
+      <a:fillRef idx="1">
+        <a:scrgbClr r="0" g="0" b="0"/>
+      </a:fillRef>
+      <a:effectRef idx="0">
+        <a:scrgbClr r="0" g="0" b="0"/>
+      </a:effectRef>
+      <a:fontRef idx="minor"/>
+    </dgm:style>
+  </dgm:styleLbl>
+  <dgm:styleLbl name="trAlignAcc1">
+    <dgm:scene3d>
+      <a:camera prst="orthographicFront"/>
+      <a:lightRig rig="threePt" dir="t"/>
+    </dgm:scene3d>
+    <dgm:sp3d/>
+    <dgm:txPr/>
+    <dgm:style>
+      <a:lnRef idx="1">
+        <a:scrgbClr r="0" g="0" b="0"/>
+      </a:lnRef>
+      <a:fillRef idx="1">
+        <a:scrgbClr r="0" g="0" b="0"/>
+      </a:fillRef>
+      <a:effectRef idx="0">
+        <a:scrgbClr r="0" g="0" b="0"/>
+      </a:effectRef>
+      <a:fontRef idx="minor"/>
+    </dgm:style>
+  </dgm:styleLbl>
+  <dgm:styleLbl name="bgAcc1">
+    <dgm:scene3d>
+      <a:camera prst="orthographicFront"/>
+      <a:lightRig rig="threePt" dir="t"/>
+    </dgm:scene3d>
+    <dgm:sp3d/>
+    <dgm:txPr/>
+    <dgm:style>
+      <a:lnRef idx="2">
+        <a:scrgbClr r="0" g="0" b="0"/>
+      </a:lnRef>
+      <a:fillRef idx="1">
+        <a:scrgbClr r="0" g="0" b="0"/>
+      </a:fillRef>
+      <a:effectRef idx="0">
+        <a:scrgbClr r="0" g="0" b="0"/>
+      </a:effectRef>
+      <a:fontRef idx="minor"/>
+    </dgm:style>
+  </dgm:styleLbl>
+  <dgm:styleLbl name="solidFgAcc1">
+    <dgm:scene3d>
+      <a:camera prst="orthographicFront"/>
+      <a:lightRig rig="threePt" dir="t"/>
+    </dgm:scene3d>
+    <dgm:sp3d/>
+    <dgm:txPr/>
+    <dgm:style>
+      <a:lnRef idx="2">
+        <a:scrgbClr r="0" g="0" b="0"/>
+      </a:lnRef>
+      <a:fillRef idx="1">
+        <a:scrgbClr r="0" g="0" b="0"/>
+      </a:fillRef>
+      <a:effectRef idx="0">
+        <a:scrgbClr r="0" g="0" b="0"/>
+      </a:effectRef>
+      <a:fontRef idx="minor"/>
+    </dgm:style>
+  </dgm:styleLbl>
+  <dgm:styleLbl name="solidAlignAcc1">
+    <dgm:scene3d>
+      <a:camera prst="orthographicFront"/>
+      <a:lightRig rig="threePt" dir="t"/>
+    </dgm:scene3d>
+    <dgm:sp3d/>
+    <dgm:txPr/>
+    <dgm:style>
+      <a:lnRef idx="2">
+        <a:scrgbClr r="0" g="0" b="0"/>
+      </a:lnRef>
+      <a:fillRef idx="1">
+        <a:scrgbClr r="0" g="0" b="0"/>
+      </a:fillRef>
+      <a:effectRef idx="0">
+        <a:scrgbClr r="0" g="0" b="0"/>
+      </a:effectRef>
+      <a:fontRef idx="minor"/>
+    </dgm:style>
+  </dgm:styleLbl>
+  <dgm:styleLbl name="solidBgAcc1">
+    <dgm:scene3d>
+      <a:camera prst="orthographicFront"/>
+      <a:lightRig rig="threePt" dir="t"/>
+    </dgm:scene3d>
+    <dgm:sp3d/>
+    <dgm:txPr/>
+    <dgm:style>
+      <a:lnRef idx="2">
+        <a:scrgbClr r="0" g="0" b="0"/>
+      </a:lnRef>
+      <a:fillRef idx="1">
+        <a:scrgbClr r="0" g="0" b="0"/>
+      </a:fillRef>
+      <a:effectRef idx="0">
+        <a:scrgbClr r="0" g="0" b="0"/>
+      </a:effectRef>
+      <a:fontRef idx="minor"/>
+    </dgm:style>
+  </dgm:styleLbl>
+  <dgm:styleLbl name="fgAccFollowNode1">
+    <dgm:scene3d>
+      <a:camera prst="orthographicFront"/>
+      <a:lightRig rig="threePt" dir="t"/>
+    </dgm:scene3d>
+    <dgm:sp3d/>
+    <dgm:txPr/>
+    <dgm:style>
+      <a:lnRef idx="2">
+        <a:scrgbClr r="0" g="0" b="0"/>
+      </a:lnRef>
+      <a:fillRef idx="1">
+        <a:scrgbClr r="0" g="0" b="0"/>
+      </a:fillRef>
+      <a:effectRef idx="0">
+        <a:scrgbClr r="0" g="0" b="0"/>
+      </a:effectRef>
+      <a:fontRef idx="minor"/>
+    </dgm:style>
+  </dgm:styleLbl>
+  <dgm:styleLbl name="alignAccFollowNode1">
+    <dgm:scene3d>
+      <a:camera prst="orthographicFront"/>
+      <a:lightRig rig="threePt" dir="t"/>
+    </dgm:scene3d>
+    <dgm:sp3d/>
+    <dgm:txPr/>
+    <dgm:style>
+      <a:lnRef idx="2">
+        <a:scrgbClr r="0" g="0" b="0"/>
+      </a:lnRef>
+      <a:fillRef idx="1">
+        <a:scrgbClr r="0" g="0" b="0"/>
+      </a:fillRef>
+      <a:effectRef idx="0">
+        <a:scrgbClr r="0" g="0" b="0"/>
+      </a:effectRef>
+      <a:fontRef idx="minor"/>
+    </dgm:style>
+  </dgm:styleLbl>
+  <dgm:styleLbl name="bgAccFollowNode1">
+    <dgm:scene3d>
+      <a:camera prst="orthographicFront"/>
+      <a:lightRig rig="threePt" dir="t"/>
+    </dgm:scene3d>
+    <dgm:sp3d/>
+    <dgm:txPr/>
+    <dgm:style>
+      <a:lnRef idx="2">
+        <a:scrgbClr r="0" g="0" b="0"/>
+      </a:lnRef>
+      <a:fillRef idx="1">
+        <a:scrgbClr r="0" g="0" b="0"/>
+      </a:fillRef>
+      <a:effectRef idx="0">
+        <a:scrgbClr r="0" g="0" b="0"/>
+      </a:effectRef>
+      <a:fontRef idx="minor"/>
+    </dgm:style>
+  </dgm:styleLbl>
+  <dgm:styleLbl name="fgAcc0">
+    <dgm:scene3d>
+      <a:camera prst="orthographicFront"/>
+      <a:lightRig rig="threePt" dir="t"/>
+    </dgm:scene3d>
+    <dgm:sp3d/>
+    <dgm:txPr/>
+    <dgm:style>
+      <a:lnRef idx="2">
+        <a:scrgbClr r="0" g="0" b="0"/>
+      </a:lnRef>
+      <a:fillRef idx="1">
+        <a:scrgbClr r="0" g="0" b="0"/>
+      </a:fillRef>
+      <a:effectRef idx="0">
+        <a:scrgbClr r="0" g="0" b="0"/>
+      </a:effectRef>
+      <a:fontRef idx="minor"/>
+    </dgm:style>
+  </dgm:styleLbl>
+  <dgm:styleLbl name="fgAcc2">
+    <dgm:scene3d>
+      <a:camera prst="orthographicFront"/>
+      <a:lightRig rig="threePt" dir="t"/>
+    </dgm:scene3d>
+    <dgm:sp3d/>
+    <dgm:txPr/>
+    <dgm:style>
+      <a:lnRef idx="2">
+        <a:scrgbClr r="0" g="0" b="0"/>
+      </a:lnRef>
+      <a:fillRef idx="1">
+        <a:scrgbClr r="0" g="0" b="0"/>
+      </a:fillRef>
+      <a:effectRef idx="0">
+        <a:scrgbClr r="0" g="0" b="0"/>
+      </a:effectRef>
+      <a:fontRef idx="minor"/>
+    </dgm:style>
+  </dgm:styleLbl>
+  <dgm:styleLbl name="fgAcc3">
+    <dgm:scene3d>
+      <a:camera prst="orthographicFront"/>
+      <a:lightRig rig="threePt" dir="t"/>
+    </dgm:scene3d>
+    <dgm:sp3d/>
+    <dgm:txPr/>
+    <dgm:style>
+      <a:lnRef idx="2">
+        <a:scrgbClr r="0" g="0" b="0"/>
+      </a:lnRef>
+      <a:fillRef idx="1">
+        <a:scrgbClr r="0" g="0" b="0"/>
+      </a:fillRef>
+      <a:effectRef idx="0">
+        <a:scrgbClr r="0" g="0" b="0"/>
+      </a:effectRef>
+      <a:fontRef idx="minor"/>
+    </dgm:style>
+  </dgm:styleLbl>
+  <dgm:styleLbl name="fgAcc4">
+    <dgm:scene3d>
+      <a:camera prst="orthographicFront"/>
+      <a:lightRig rig="threePt" dir="t"/>
+    </dgm:scene3d>
+    <dgm:sp3d/>
+    <dgm:txPr/>
+    <dgm:style>
+      <a:lnRef idx="2">
+        <a:scrgbClr r="0" g="0" b="0"/>
+      </a:lnRef>
+      <a:fillRef idx="1">
+        <a:scrgbClr r="0" g="0" b="0"/>
+      </a:fillRef>
+      <a:effectRef idx="0">
+        <a:scrgbClr r="0" g="0" b="0"/>
+      </a:effectRef>
+      <a:fontRef idx="minor"/>
+    </dgm:style>
+  </dgm:styleLbl>
+  <dgm:styleLbl name="bgShp">
+    <dgm:scene3d>
+      <a:camera prst="orthographicFront"/>
+      <a:lightRig rig="threePt" dir="t"/>
+    </dgm:scene3d>
+    <dgm:sp3d/>
+    <dgm:txPr/>
+    <dgm:style>
+      <a:lnRef idx="0">
+        <a:scrgbClr r="0" g="0" b="0"/>
+      </a:lnRef>
+      <a:fillRef idx="1">
+        <a:scrgbClr r="0" g="0" b="0"/>
+      </a:fillRef>
+      <a:effectRef idx="0">
+        <a:scrgbClr r="0" g="0" b="0"/>
+      </a:effectRef>
+      <a:fontRef idx="minor"/>
+    </dgm:style>
+  </dgm:styleLbl>
+  <dgm:styleLbl name="dkBgShp">
+    <dgm:scene3d>
+      <a:camera prst="orthographicFront"/>
+      <a:lightRig rig="threePt" dir="t"/>
+    </dgm:scene3d>
+    <dgm:sp3d/>
+    <dgm:txPr/>
+    <dgm:style>
+      <a:lnRef idx="0">
+        <a:scrgbClr r="0" g="0" b="0"/>
+      </a:lnRef>
+      <a:fillRef idx="1">
+        <a:scrgbClr r="0" g="0" b="0"/>
+      </a:fillRef>
+      <a:effectRef idx="0">
+        <a:scrgbClr r="0" g="0" b="0"/>
+      </a:effectRef>
+      <a:fontRef idx="minor"/>
+    </dgm:style>
+  </dgm:styleLbl>
+  <dgm:styleLbl name="trBgShp">
+    <dgm:scene3d>
+      <a:camera prst="orthographicFront"/>
+      <a:lightRig rig="threePt" dir="t"/>
+    </dgm:scene3d>
+    <dgm:sp3d/>
+    <dgm:txPr/>
+    <dgm:style>
+      <a:lnRef idx="0">
+        <a:scrgbClr r="0" g="0" b="0"/>
+      </a:lnRef>
+      <a:fillRef idx="1">
+        <a:scrgbClr r="0" g="0" b="0"/>
+      </a:fillRef>
+      <a:effectRef idx="0">
+        <a:scrgbClr r="0" g="0" b="0"/>
+      </a:effectRef>
+      <a:fontRef idx="minor"/>
+    </dgm:style>
+  </dgm:styleLbl>
+  <dgm:styleLbl name="fgShp">
+    <dgm:scene3d>
+      <a:camera prst="orthographicFront"/>
+      <a:lightRig rig="threePt" dir="t"/>
+    </dgm:scene3d>
+    <dgm:sp3d/>
+    <dgm:txPr/>
+    <dgm:style>
+      <a:lnRef idx="3">
+        <a:scrgbClr r="0" g="0" b="0"/>
+      </a:lnRef>
+      <a:fillRef idx="1">
+        <a:scrgbClr r="0" g="0" b="0"/>
+      </a:fillRef>
+      <a:effectRef idx="1">
+        <a:scrgbClr r="0" g="0" b="0"/>
+      </a:effectRef>
+      <a:fontRef idx="minor"/>
+    </dgm:style>
+  </dgm:styleLbl>
+  <dgm:styleLbl name="revTx">
+    <dgm:scene3d>
+      <a:camera prst="orthographicFront"/>
+      <a:lightRig rig="threePt" dir="t"/>
+    </dgm:scene3d>
+    <dgm:sp3d/>
+    <dgm:txPr/>
+    <dgm:style>
+      <a:lnRef idx="0">
+        <a:scrgbClr r="0" g="0" b="0"/>
+      </a:lnRef>
+      <a:fillRef idx="0">
+        <a:scrgbClr r="0" g="0" b="0"/>
+      </a:fillRef>
+      <a:effectRef idx="0">
+        <a:scrgbClr r="0" g="0" b="0"/>
+      </a:effectRef>
+      <a:fontRef idx="minor"/>
+    </dgm:style>
+  </dgm:styleLbl>
+</dgm:styleDef>
+</file>
+
+<file path=ppt/diagrams/quickStyle2.xml><?xml version="1.0" encoding="utf-8"?>
+<dgm:styleDef xmlns:dgm="http://schemas.openxmlformats.org/drawingml/2006/diagram" xmlns:a="http://schemas.openxmlformats.org/drawingml/2006/main" uniqueId="urn:microsoft.com/office/officeart/2005/8/quickstyle/simple2">
+  <dgm:title val=""/>
+  <dgm:desc val=""/>
+  <dgm:catLst>
+    <dgm:cat type="simple" pri="10200"/>
+  </dgm:catLst>
+  <dgm:scene3d>
+    <a:camera prst="orthographicFront"/>
+    <a:lightRig rig="threePt" dir="t"/>
+  </dgm:scene3d>
+  <dgm:styleLbl name="node0">
+    <dgm:scene3d>
+      <a:camera prst="orthographicFront"/>
+      <a:lightRig rig="threePt" dir="t"/>
+    </dgm:scene3d>
+    <dgm:sp3d/>
+    <dgm:txPr/>
+    <dgm:style>
+      <a:lnRef idx="3">
+        <a:scrgbClr r="0" g="0" b="0"/>
+      </a:lnRef>
+      <a:fillRef idx="1">
+        <a:scrgbClr r="0" g="0" b="0"/>
+      </a:fillRef>
+      <a:effectRef idx="1">
+        <a:scrgbClr r="0" g="0" b="0"/>
+      </a:effectRef>
+      <a:fontRef idx="minor">
+        <a:schemeClr val="lt1"/>
+      </a:fontRef>
+    </dgm:style>
+  </dgm:styleLbl>
+  <dgm:styleLbl name="lnNode1">
+    <dgm:scene3d>
+      <a:camera prst="orthographicFront"/>
+      <a:lightRig rig="threePt" dir="t"/>
+    </dgm:scene3d>
+    <dgm:sp3d/>
+    <dgm:txPr/>
+    <dgm:style>
+      <a:lnRef idx="3">
+        <a:scrgbClr r="0" g="0" b="0"/>
+      </a:lnRef>
+      <a:fillRef idx="1">
+        <a:scrgbClr r="0" g="0" b="0"/>
+      </a:fillRef>
+      <a:effectRef idx="1">
+        <a:scrgbClr r="0" g="0" b="0"/>
+      </a:effectRef>
+      <a:fontRef idx="minor">
+        <a:schemeClr val="lt1"/>
+      </a:fontRef>
+    </dgm:style>
+  </dgm:styleLbl>
+  <dgm:styleLbl name="vennNode1">
+    <dgm:scene3d>
+      <a:camera prst="orthographicFront"/>
+      <a:lightRig rig="threePt" dir="t"/>
+    </dgm:scene3d>
+    <dgm:sp3d/>
+    <dgm:txPr/>
+    <dgm:style>
+      <a:lnRef idx="3">
+        <a:scrgbClr r="0" g="0" b="0"/>
+      </a:lnRef>
+      <a:fillRef idx="1">
+        <a:scrgbClr r="0" g="0" b="0"/>
+      </a:fillRef>
+      <a:effectRef idx="0">
+        <a:scrgbClr r="0" g="0" b="0"/>
+      </a:effectRef>
+      <a:fontRef idx="minor">
+        <a:schemeClr val="tx1"/>
+      </a:fontRef>
+    </dgm:style>
+  </dgm:styleLbl>
+  <dgm:styleLbl name="alignNode1">
+    <dgm:scene3d>
+      <a:camera prst="orthographicFront"/>
+      <a:lightRig rig="threePt" dir="t"/>
+    </dgm:scene3d>
+    <dgm:sp3d/>
+    <dgm:txPr/>
+    <dgm:style>
+      <a:lnRef idx="2">
+        <a:scrgbClr r="0" g="0" b="0"/>
+      </a:lnRef>
+      <a:fillRef idx="1">
+        <a:scrgbClr r="0" g="0" b="0"/>
+      </a:fillRef>
+      <a:effectRef idx="1">
+        <a:scrgbClr r="0" g="0" b="0"/>
+      </a:effectRef>
+      <a:fontRef idx="minor">
+        <a:schemeClr val="lt1"/>
+      </a:fontRef>
+    </dgm:style>
+  </dgm:styleLbl>
+  <dgm:styleLbl name="node1">
+    <dgm:scene3d>
+      <a:camera prst="orthographicFront"/>
+      <a:lightRig rig="threePt" dir="t"/>
+    </dgm:scene3d>
+    <dgm:sp3d/>
+    <dgm:txPr/>
+    <dgm:style>
+      <a:lnRef idx="3">
+        <a:scrgbClr r="0" g="0" b="0"/>
+      </a:lnRef>
+      <a:fillRef idx="1">
+        <a:scrgbClr r="0" g="0" b="0"/>
+      </a:fillRef>
+      <a:effectRef idx="1">
+        <a:scrgbClr r="0" g="0" b="0"/>
+      </a:effectRef>
+      <a:fontRef idx="minor">
+        <a:schemeClr val="lt1"/>
+      </a:fontRef>
+    </dgm:style>
+  </dgm:styleLbl>
+  <dgm:styleLbl name="node2">
+    <dgm:scene3d>
+      <a:camera prst="orthographicFront"/>
+      <a:lightRig rig="threePt" dir="t"/>
+    </dgm:scene3d>
+    <dgm:sp3d/>
+    <dgm:txPr/>
+    <dgm:style>
+      <a:lnRef idx="3">
+        <a:scrgbClr r="0" g="0" b="0"/>
+      </a:lnRef>
+      <a:fillRef idx="1">
+        <a:scrgbClr r="0" g="0" b="0"/>
+      </a:fillRef>
+      <a:effectRef idx="1">
+        <a:scrgbClr r="0" g="0" b="0"/>
+      </a:effectRef>
+      <a:fontRef idx="minor">
+        <a:schemeClr val="lt1"/>
+      </a:fontRef>
+    </dgm:style>
+  </dgm:styleLbl>
+  <dgm:styleLbl name="node3">
+    <dgm:scene3d>
+      <a:camera prst="orthographicFront"/>
+      <a:lightRig rig="threePt" dir="t"/>
+    </dgm:scene3d>
+    <dgm:sp3d/>
+    <dgm:txPr/>
+    <dgm:style>
+      <a:lnRef idx="3">
+        <a:scrgbClr r="0" g="0" b="0"/>
+      </a:lnRef>
+      <a:fillRef idx="1">
+        <a:scrgbClr r="0" g="0" b="0"/>
+      </a:fillRef>
+      <a:effectRef idx="1">
+        <a:scrgbClr r="0" g="0" b="0"/>
+      </a:effectRef>
+      <a:fontRef idx="minor">
+        <a:schemeClr val="lt1"/>
+      </a:fontRef>
+    </dgm:style>
+  </dgm:styleLbl>
+  <dgm:styleLbl name="node4">
+    <dgm:scene3d>
+      <a:camera prst="orthographicFront"/>
+      <a:lightRig rig="threePt" dir="t"/>
+    </dgm:scene3d>
+    <dgm:sp3d/>
+    <dgm:txPr/>
+    <dgm:style>
+      <a:lnRef idx="3">
+        <a:scrgbClr r="0" g="0" b="0"/>
+      </a:lnRef>
+      <a:fillRef idx="1">
+        <a:scrgbClr r="0" g="0" b="0"/>
+      </a:fillRef>
+      <a:effectRef idx="1">
+        <a:scrgbClr r="0" g="0" b="0"/>
+      </a:effectRef>
+      <a:fontRef idx="minor">
+        <a:schemeClr val="lt1"/>
+      </a:fontRef>
+    </dgm:style>
+  </dgm:styleLbl>
+  <dgm:styleLbl name="fgImgPlace1">
+    <dgm:scene3d>
+      <a:camera prst="orthographicFront"/>
+      <a:lightRig rig="threePt" dir="t"/>
+    </dgm:scene3d>
+    <dgm:sp3d/>
+    <dgm:txPr/>
+    <dgm:style>
+      <a:lnRef idx="3">
+        <a:scrgbClr r="0" g="0" b="0"/>
+      </a:lnRef>
+      <a:fillRef idx="1">
+        <a:scrgbClr r="0" g="0" b="0"/>
+      </a:fillRef>
+      <a:effectRef idx="1">
+        <a:scrgbClr r="0" g="0" b="0"/>
+      </a:effectRef>
+      <a:fontRef idx="minor"/>
+    </dgm:style>
+  </dgm:styleLbl>
+  <dgm:styleLbl name="alignImgPlace1">
+    <dgm:scene3d>
+      <a:camera prst="orthographicFront"/>
+      <a:lightRig rig="threePt" dir="t"/>
+    </dgm:scene3d>
+    <dgm:sp3d/>
+    <dgm:txPr/>
+    <dgm:style>
+      <a:lnRef idx="3">
+        <a:scrgbClr r="0" g="0" b="0"/>
+      </a:lnRef>
+      <a:fillRef idx="1">
+        <a:scrgbClr r="0" g="0" b="0"/>
+      </a:fillRef>
+      <a:effectRef idx="1">
+        <a:scrgbClr r="0" g="0" b="0"/>
+      </a:effectRef>
+      <a:fontRef idx="minor"/>
+    </dgm:style>
+  </dgm:styleLbl>
+  <dgm:styleLbl name="bgImgPlace1">
+    <dgm:scene3d>
+      <a:camera prst="orthographicFront"/>
+      <a:lightRig rig="threePt" dir="t"/>
+    </dgm:scene3d>
+    <dgm:sp3d/>
+    <dgm:txPr/>
+    <dgm:style>
+      <a:lnRef idx="3">
+        <a:scrgbClr r="0" g="0" b="0"/>
+      </a:lnRef>
+      <a:fillRef idx="1">
+        <a:scrgbClr r="0" g="0" b="0"/>
+      </a:fillRef>
+      <a:effectRef idx="1">
+        <a:scrgbClr r="0" g="0" b="0"/>
+      </a:effectRef>
+      <a:fontRef idx="minor"/>
+    </dgm:style>
+  </dgm:styleLbl>
+  <dgm:styleLbl name="sibTrans2D1">
+    <dgm:scene3d>
+      <a:camera prst="orthographicFront"/>
+      <a:lightRig rig="threePt" dir="t"/>
+    </dgm:scene3d>
+    <dgm:sp3d/>
+    <dgm:txPr/>
+    <dgm:style>
+      <a:lnRef idx="0">
+        <a:scrgbClr r="0" g="0" b="0"/>
+      </a:lnRef>
+      <a:fillRef idx="1">
+        <a:scrgbClr r="0" g="0" b="0"/>
+      </a:fillRef>
+      <a:effectRef idx="1">
+        <a:scrgbClr r="0" g="0" b="0"/>
+      </a:effectRef>
+      <a:fontRef idx="minor">
+        <a:schemeClr val="lt1"/>
+      </a:fontRef>
+    </dgm:style>
+  </dgm:styleLbl>
+  <dgm:styleLbl name="fgSibTrans2D1">
+    <dgm:scene3d>
+      <a:camera prst="orthographicFront"/>
+      <a:lightRig rig="threePt" dir="t"/>
+    </dgm:scene3d>
+    <dgm:sp3d/>
+    <dgm:txPr/>
+    <dgm:style>
+      <a:lnRef idx="0">
+        <a:scrgbClr r="0" g="0" b="0"/>
+      </a:lnRef>
+      <a:fillRef idx="1">
+        <a:scrgbClr r="0" g="0" b="0"/>
+      </a:fillRef>
+      <a:effectRef idx="1">
+        <a:scrgbClr r="0" g="0" b="0"/>
+      </a:effectRef>
+      <a:fontRef idx="minor">
+        <a:schemeClr val="lt1"/>
+      </a:fontRef>
+    </dgm:style>
+  </dgm:styleLbl>
+  <dgm:styleLbl name="bgSibTrans2D1">
+    <dgm:scene3d>
+      <a:camera prst="orthographicFront"/>
+      <a:lightRig rig="threePt" dir="t"/>
+    </dgm:scene3d>
+    <dgm:sp3d/>
+    <dgm:txPr/>
+    <dgm:style>
+      <a:lnRef idx="0">
+        <a:scrgbClr r="0" g="0" b="0"/>
+      </a:lnRef>
+      <a:fillRef idx="1">
+        <a:scrgbClr r="0" g="0" b="0"/>
+      </a:fillRef>
+      <a:effectRef idx="1">
+        <a:scrgbClr r="0" g="0" b="0"/>
+      </a:effectRef>
+      <a:fontRef idx="minor">
+        <a:schemeClr val="lt1"/>
+      </a:fontRef>
+    </dgm:style>
+  </dgm:styleLbl>
+  <dgm:styleLbl name="sibTrans1D1">
+    <dgm:scene3d>
+      <a:camera prst="orthographicFront"/>
+      <a:lightRig rig="threePt" dir="t"/>
+    </dgm:scene3d>
+    <dgm:sp3d/>
+    <dgm:txPr/>
+    <dgm:style>
+      <a:lnRef idx="1">
+        <a:scrgbClr r="0" g="0" b="0"/>
+      </a:lnRef>
+      <a:fillRef idx="0">
+        <a:scrgbClr r="0" g="0" b="0"/>
+      </a:fillRef>
+      <a:effectRef idx="0">
+        <a:scrgbClr r="0" g="0" b="0"/>
+      </a:effectRef>
+      <a:fontRef idx="minor"/>
+    </dgm:style>
+  </dgm:styleLbl>
+  <dgm:styleLbl name="callout">
+    <dgm:scene3d>
+      <a:camera prst="orthographicFront"/>
+      <a:lightRig rig="threePt" dir="t"/>
+    </dgm:scene3d>
+    <dgm:sp3d/>
+    <dgm:txPr/>
+    <dgm:style>
+      <a:lnRef idx="2">
+        <a:scrgbClr r="0" g="0" b="0"/>
+      </a:lnRef>
+      <a:fillRef idx="1">
+        <a:scrgbClr r="0" g="0" b="0"/>
+      </a:fillRef>
+      <a:effectRef idx="1">
+        <a:scrgbClr r="0" g="0" b="0"/>
+      </a:effectRef>
+      <a:fontRef idx="minor"/>
+    </dgm:style>
+  </dgm:styleLbl>
+  <dgm:styleLbl name="asst0">
+    <dgm:scene3d>
+      <a:camera prst="orthographicFront"/>
+      <a:lightRig rig="threePt" dir="t"/>
+    </dgm:scene3d>
+    <dgm:sp3d/>
+    <dgm:txPr/>
+    <dgm:style>
+      <a:lnRef idx="3">
+        <a:scrgbClr r="0" g="0" b="0"/>
+      </a:lnRef>
+      <a:fillRef idx="1">
+        <a:scrgbClr r="0" g="0" b="0"/>
+      </a:fillRef>
+      <a:effectRef idx="1">
+        <a:scrgbClr r="0" g="0" b="0"/>
+      </a:effectRef>
+      <a:fontRef idx="minor">
+        <a:schemeClr val="lt1"/>
+      </a:fontRef>
+    </dgm:style>
+  </dgm:styleLbl>
+  <dgm:styleLbl name="asst1">
+    <dgm:scene3d>
+      <a:camera prst="orthographicFront"/>
+      <a:lightRig rig="threePt" dir="t"/>
+    </dgm:scene3d>
+    <dgm:sp3d/>
+    <dgm:txPr/>
+    <dgm:style>
+      <a:lnRef idx="3">
+        <a:scrgbClr r="0" g="0" b="0"/>
+      </a:lnRef>
+      <a:fillRef idx="1">
+        <a:scrgbClr r="0" g="0" b="0"/>
+      </a:fillRef>
+      <a:effectRef idx="1">
+        <a:scrgbClr r="0" g="0" b="0"/>
+      </a:effectRef>
+      <a:fontRef idx="minor">
+        <a:schemeClr val="lt1"/>
+      </a:fontRef>
+    </dgm:style>
+  </dgm:styleLbl>
+  <dgm:styleLbl name="asst2">
+    <dgm:scene3d>
+      <a:camera prst="orthographicFront"/>
+      <a:lightRig rig="threePt" dir="t"/>
+    </dgm:scene3d>
+    <dgm:sp3d/>
+    <dgm:txPr/>
+    <dgm:style>
+      <a:lnRef idx="3">
+        <a:scrgbClr r="0" g="0" b="0"/>
+      </a:lnRef>
+      <a:fillRef idx="1">
+        <a:scrgbClr r="0" g="0" b="0"/>
+      </a:fillRef>
+      <a:effectRef idx="1">
+        <a:scrgbClr r="0" g="0" b="0"/>
+      </a:effectRef>
+      <a:fontRef idx="minor">
+        <a:schemeClr val="lt1"/>
+      </a:fontRef>
+    </dgm:style>
+  </dgm:styleLbl>
+  <dgm:styleLbl name="asst3">
+    <dgm:scene3d>
+      <a:camera prst="orthographicFront"/>
+      <a:lightRig rig="threePt" dir="t"/>
+    </dgm:scene3d>
+    <dgm:sp3d/>
+    <dgm:txPr/>
+    <dgm:style>
+      <a:lnRef idx="3">
+        <a:scrgbClr r="0" g="0" b="0"/>
+      </a:lnRef>
+      <a:fillRef idx="1">
+        <a:scrgbClr r="0" g="0" b="0"/>
+      </a:fillRef>
+      <a:effectRef idx="1">
+        <a:scrgbClr r="0" g="0" b="0"/>
+      </a:effectRef>
+      <a:fontRef idx="minor">
+        <a:schemeClr val="lt1"/>
+      </a:fontRef>
+    </dgm:style>
+  </dgm:styleLbl>
+  <dgm:styleLbl name="asst4">
+    <dgm:scene3d>
+      <a:camera prst="orthographicFront"/>
+      <a:lightRig rig="threePt" dir="t"/>
+    </dgm:scene3d>
+    <dgm:sp3d/>
+    <dgm:txPr/>
+    <dgm:style>
+      <a:lnRef idx="3">
+        <a:scrgbClr r="0" g="0" b="0"/>
+      </a:lnRef>
+      <a:fillRef idx="1">
+        <a:scrgbClr r="0" g="0" b="0"/>
+      </a:fillRef>
+      <a:effectRef idx="1">
+        <a:scrgbClr r="0" g="0" b="0"/>
+      </a:effectRef>
+      <a:fontRef idx="minor">
+        <a:schemeClr val="lt1"/>
+      </a:fontRef>
+    </dgm:style>
+  </dgm:styleLbl>
+  <dgm:styleLbl name="parChTrans2D1">
+    <dgm:scene3d>
+      <a:camera prst="orthographicFront"/>
+      <a:lightRig rig="threePt" dir="t"/>
+    </dgm:scene3d>
+    <dgm:sp3d/>
+    <dgm:txPr/>
+    <dgm:style>
+      <a:lnRef idx="3">
+        <a:scrgbClr r="0" g="0" b="0"/>
+      </a:lnRef>
+      <a:fillRef idx="1">
+        <a:scrgbClr r="0" g="0" b="0"/>
+      </a:fillRef>
+      <a:effectRef idx="1">
+        <a:scrgbClr r="0" g="0" b="0"/>
+      </a:effectRef>
+      <a:fontRef idx="minor">
+        <a:schemeClr val="lt1"/>
+      </a:fontRef>
+    </dgm:style>
+  </dgm:styleLbl>
+  <dgm:styleLbl name="parChTrans2D2">
+    <dgm:scene3d>
+      <a:camera prst="orthographicFront"/>
+      <a:lightRig rig="threePt" dir="t"/>
+    </dgm:scene3d>
+    <dgm:sp3d/>
+    <dgm:txPr/>
+    <dgm:style>
+      <a:lnRef idx="3">
+        <a:scrgbClr r="0" g="0" b="0"/>
+      </a:lnRef>
+      <a:fillRef idx="1">
+        <a:scrgbClr r="0" g="0" b="0"/>
+      </a:fillRef>
+      <a:effectRef idx="1">
+        <a:scrgbClr r="0" g="0" b="0"/>
+      </a:effectRef>
+      <a:fontRef idx="minor">
+        <a:schemeClr val="lt1"/>
+      </a:fontRef>
+    </dgm:style>
+  </dgm:styleLbl>
+  <dgm:styleLbl name="parChTrans2D3">
+    <dgm:scene3d>
+      <a:camera prst="orthographicFront"/>
+      <a:lightRig rig="threePt" dir="t"/>
+    </dgm:scene3d>
+    <dgm:sp3d/>
+    <dgm:txPr/>
+    <dgm:style>
+      <a:lnRef idx="3">
+        <a:scrgbClr r="0" g="0" b="0"/>
+      </a:lnRef>
+      <a:fillRef idx="1">
+        <a:scrgbClr r="0" g="0" b="0"/>
+      </a:fillRef>
+      <a:effectRef idx="1">
+        <a:scrgbClr r="0" g="0" b="0"/>
+      </a:effectRef>
+      <a:fontRef idx="minor">
+        <a:schemeClr val="lt1"/>
+      </a:fontRef>
+    </dgm:style>
+  </dgm:styleLbl>
+  <dgm:styleLbl name="parChTrans2D4">
+    <dgm:scene3d>
+      <a:camera prst="orthographicFront"/>
+      <a:lightRig rig="threePt" dir="t"/>
+    </dgm:scene3d>
+    <dgm:sp3d/>
+    <dgm:txPr/>
+    <dgm:style>
+      <a:lnRef idx="3">
+        <a:scrgbClr r="0" g="0" b="0"/>
+      </a:lnRef>
+      <a:fillRef idx="1">
+        <a:scrgbClr r="0" g="0" b="0"/>
+      </a:fillRef>
+      <a:effectRef idx="1">
+        <a:scrgbClr r="0" g="0" b="0"/>
+      </a:effectRef>
+      <a:fontRef idx="minor">
+        <a:schemeClr val="lt1"/>
+      </a:fontRef>
+    </dgm:style>
+  </dgm:styleLbl>
+  <dgm:styleLbl name="parChTrans1D1">
+    <dgm:scene3d>
+      <a:camera prst="orthographicFront"/>
+      <a:lightRig rig="threePt" dir="t"/>
+    </dgm:scene3d>
+    <dgm:sp3d/>
+    <dgm:txPr/>
+    <dgm:style>
+      <a:lnRef idx="2">
+        <a:scrgbClr r="0" g="0" b="0"/>
+      </a:lnRef>
+      <a:fillRef idx="0">
+        <a:scrgbClr r="0" g="0" b="0"/>
+      </a:fillRef>
+      <a:effectRef idx="0">
+        <a:scrgbClr r="0" g="0" b="0"/>
+      </a:effectRef>
+      <a:fontRef idx="minor"/>
+    </dgm:style>
+  </dgm:styleLbl>
+  <dgm:styleLbl name="parChTrans1D2">
+    <dgm:scene3d>
+      <a:camera prst="orthographicFront"/>
+      <a:lightRig rig="threePt" dir="t"/>
+    </dgm:scene3d>
+    <dgm:sp3d/>
+    <dgm:txPr/>
+    <dgm:style>
+      <a:lnRef idx="2">
+        <a:scrgbClr r="0" g="0" b="0"/>
+      </a:lnRef>
+      <a:fillRef idx="0">
+        <a:scrgbClr r="0" g="0" b="0"/>
+      </a:fillRef>
+      <a:effectRef idx="0">
+        <a:scrgbClr r="0" g="0" b="0"/>
+      </a:effectRef>
+      <a:fontRef idx="minor"/>
+    </dgm:style>
+  </dgm:styleLbl>
+  <dgm:styleLbl name="parChTrans1D3">
+    <dgm:scene3d>
+      <a:camera prst="orthographicFront"/>
+      <a:lightRig rig="threePt" dir="t"/>
+    </dgm:scene3d>
+    <dgm:sp3d/>
+    <dgm:txPr/>
+    <dgm:style>
+      <a:lnRef idx="2">
+        <a:scrgbClr r="0" g="0" b="0"/>
+      </a:lnRef>
+      <a:fillRef idx="0">
+        <a:scrgbClr r="0" g="0" b="0"/>
+      </a:fillRef>
+      <a:effectRef idx="0">
+        <a:scrgbClr r="0" g="0" b="0"/>
+      </a:effectRef>
+      <a:fontRef idx="minor"/>
+    </dgm:style>
+  </dgm:styleLbl>
+  <dgm:styleLbl name="parChTrans1D4">
+    <dgm:scene3d>
+      <a:camera prst="orthographicFront"/>
+      <a:lightRig rig="threePt" dir="t"/>
+    </dgm:scene3d>
+    <dgm:sp3d/>
+    <dgm:txPr/>
+    <dgm:style>
+      <a:lnRef idx="2">
+        <a:scrgbClr r="0" g="0" b="0"/>
+      </a:lnRef>
+      <a:fillRef idx="0">
+        <a:scrgbClr r="0" g="0" b="0"/>
+      </a:fillRef>
+      <a:effectRef idx="0">
+        <a:scrgbClr r="0" g="0" b="0"/>
+      </a:effectRef>
+      <a:fontRef idx="minor"/>
+    </dgm:style>
+  </dgm:styleLbl>
+  <dgm:styleLbl name="fgAcc1">
+    <dgm:scene3d>
+      <a:camera prst="orthographicFront"/>
+      <a:lightRig rig="threePt" dir="t"/>
+    </dgm:scene3d>
+    <dgm:sp3d/>
+    <dgm:txPr/>
+    <dgm:style>
+      <a:lnRef idx="2">
+        <a:scrgbClr r="0" g="0" b="0"/>
+      </a:lnRef>
+      <a:fillRef idx="1">
+        <a:scrgbClr r="0" g="0" b="0"/>
+      </a:fillRef>
+      <a:effectRef idx="0">
+        <a:scrgbClr r="0" g="0" b="0"/>
+      </a:effectRef>
+      <a:fontRef idx="minor"/>
+    </dgm:style>
+  </dgm:styleLbl>
+  <dgm:styleLbl name="conFgAcc1">
+    <dgm:scene3d>
+      <a:camera prst="orthographicFront"/>
+      <a:lightRig rig="threePt" dir="t"/>
+    </dgm:scene3d>
+    <dgm:sp3d/>
+    <dgm:txPr/>
+    <dgm:style>
+      <a:lnRef idx="2">
+        <a:scrgbClr r="0" g="0" b="0"/>
+      </a:lnRef>
+      <a:fillRef idx="1">
+        <a:scrgbClr r="0" g="0" b="0"/>
+      </a:fillRef>
+      <a:effectRef idx="0">
+        <a:scrgbClr r="0" g="0" b="0"/>
+      </a:effectRef>
+      <a:fontRef idx="minor"/>
+    </dgm:style>
+  </dgm:styleLbl>
+  <dgm:styleLbl name="alignAcc1">
+    <dgm:scene3d>
+      <a:camera prst="orthographicFront"/>
+      <a:lightRig rig="threePt" dir="t"/>
+    </dgm:scene3d>
+    <dgm:sp3d/>
+    <dgm:txPr/>
+    <dgm:style>
+      <a:lnRef idx="2">
+        <a:scrgbClr r="0" g="0" b="0"/>
+      </a:lnRef>
+      <a:fillRef idx="1">
+        <a:scrgbClr r="0" g="0" b="0"/>
+      </a:fillRef>
+      <a:effectRef idx="0">
+        <a:scrgbClr r="0" g="0" b="0"/>
+      </a:effectRef>
+      <a:fontRef idx="minor"/>
+    </dgm:style>
+  </dgm:styleLbl>
+  <dgm:styleLbl name="trAlignAcc1">
+    <dgm:scene3d>
+      <a:camera prst="orthographicFront"/>
+      <a:lightRig rig="threePt" dir="t"/>
+    </dgm:scene3d>
+    <dgm:sp3d/>
+    <dgm:txPr/>
+    <dgm:style>
+      <a:lnRef idx="1">
+        <a:scrgbClr r="0" g="0" b="0"/>
+      </a:lnRef>
+      <a:fillRef idx="1">
+        <a:scrgbClr r="0" g="0" b="0"/>
+      </a:fillRef>
+      <a:effectRef idx="0">
+        <a:scrgbClr r="0" g="0" b="0"/>
+      </a:effectRef>
+      <a:fontRef idx="minor"/>
+    </dgm:style>
+  </dgm:styleLbl>
+  <dgm:styleLbl name="bgAcc1">
+    <dgm:scene3d>
+      <a:camera prst="orthographicFront"/>
+      <a:lightRig rig="threePt" dir="t"/>
+    </dgm:scene3d>
+    <dgm:sp3d/>
+    <dgm:txPr/>
+    <dgm:style>
+      <a:lnRef idx="2">
+        <a:scrgbClr r="0" g="0" b="0"/>
+      </a:lnRef>
+      <a:fillRef idx="1">
+        <a:scrgbClr r="0" g="0" b="0"/>
+      </a:fillRef>
+      <a:effectRef idx="0">
+        <a:scrgbClr r="0" g="0" b="0"/>
+      </a:effectRef>
+      <a:fontRef idx="minor"/>
+    </dgm:style>
+  </dgm:styleLbl>
+  <dgm:styleLbl name="solidFgAcc1">
+    <dgm:scene3d>
+      <a:camera prst="orthographicFront"/>
+      <a:lightRig rig="threePt" dir="t"/>
+    </dgm:scene3d>
+    <dgm:sp3d/>
+    <dgm:txPr/>
+    <dgm:style>
+      <a:lnRef idx="2">
+        <a:scrgbClr r="0" g="0" b="0"/>
+      </a:lnRef>
+      <a:fillRef idx="1">
+        <a:scrgbClr r="0" g="0" b="0"/>
+      </a:fillRef>
+      <a:effectRef idx="0">
+        <a:scrgbClr r="0" g="0" b="0"/>
+      </a:effectRef>
+      <a:fontRef idx="minor"/>
+    </dgm:style>
+  </dgm:styleLbl>
+  <dgm:styleLbl name="solidAlignAcc1">
+    <dgm:scene3d>
+      <a:camera prst="orthographicFront"/>
+      <a:lightRig rig="threePt" dir="t"/>
+    </dgm:scene3d>
+    <dgm:sp3d/>
+    <dgm:txPr/>
+    <dgm:style>
+      <a:lnRef idx="2">
+        <a:scrgbClr r="0" g="0" b="0"/>
+      </a:lnRef>
+      <a:fillRef idx="1">
+        <a:scrgbClr r="0" g="0" b="0"/>
+      </a:fillRef>
+      <a:effectRef idx="0">
+        <a:scrgbClr r="0" g="0" b="0"/>
+      </a:effectRef>
+      <a:fontRef idx="minor"/>
+    </dgm:style>
+  </dgm:styleLbl>
+  <dgm:styleLbl name="solidBgAcc1">
+    <dgm:scene3d>
+      <a:camera prst="orthographicFront"/>
+      <a:lightRig rig="threePt" dir="t"/>
+    </dgm:scene3d>
+    <dgm:sp3d/>
+    <dgm:txPr/>
+    <dgm:style>
+      <a:lnRef idx="2">
+        <a:scrgbClr r="0" g="0" b="0"/>
+      </a:lnRef>
+      <a:fillRef idx="1">
+        <a:scrgbClr r="0" g="0" b="0"/>
+      </a:fillRef>
+      <a:effectRef idx="0">
+        <a:scrgbClr r="0" g="0" b="0"/>
+      </a:effectRef>
+      <a:fontRef idx="minor"/>
+    </dgm:style>
+  </dgm:styleLbl>
+  <dgm:styleLbl name="fgAccFollowNode1">
+    <dgm:scene3d>
+      <a:camera prst="orthographicFront"/>
+      <a:lightRig rig="threePt" dir="t"/>
+    </dgm:scene3d>
+    <dgm:sp3d/>
+    <dgm:txPr/>
+    <dgm:style>
+      <a:lnRef idx="2">
+        <a:scrgbClr r="0" g="0" b="0"/>
+      </a:lnRef>
+      <a:fillRef idx="1">
+        <a:scrgbClr r="0" g="0" b="0"/>
+      </a:fillRef>
+      <a:effectRef idx="0">
+        <a:scrgbClr r="0" g="0" b="0"/>
+      </a:effectRef>
+      <a:fontRef idx="minor"/>
+    </dgm:style>
+  </dgm:styleLbl>
+  <dgm:styleLbl name="alignAccFollowNode1">
+    <dgm:scene3d>
+      <a:camera prst="orthographicFront"/>
+      <a:lightRig rig="threePt" dir="t"/>
+    </dgm:scene3d>
+    <dgm:sp3d/>
+    <dgm:txPr/>
+    <dgm:style>
+      <a:lnRef idx="2">
+        <a:scrgbClr r="0" g="0" b="0"/>
+      </a:lnRef>
+      <a:fillRef idx="1">
+        <a:scrgbClr r="0" g="0" b="0"/>
+      </a:fillRef>
+      <a:effectRef idx="0">
+        <a:scrgbClr r="0" g="0" b="0"/>
+      </a:effectRef>
+      <a:fontRef idx="minor"/>
+    </dgm:style>
+  </dgm:styleLbl>
+  <dgm:styleLbl name="bgAccFollowNode1">
+    <dgm:scene3d>
+      <a:camera prst="orthographicFront"/>
+      <a:lightRig rig="threePt" dir="t"/>
+    </dgm:scene3d>
+    <dgm:sp3d/>
+    <dgm:txPr/>
+    <dgm:style>
+      <a:lnRef idx="2">
+        <a:scrgbClr r="0" g="0" b="0"/>
+      </a:lnRef>
+      <a:fillRef idx="1">
+        <a:scrgbClr r="0" g="0" b="0"/>
+      </a:fillRef>
+      <a:effectRef idx="0">
+        <a:scrgbClr r="0" g="0" b="0"/>
+      </a:effectRef>
+      <a:fontRef idx="minor"/>
+    </dgm:style>
+  </dgm:styleLbl>
+  <dgm:styleLbl name="fgAcc0">
+    <dgm:scene3d>
+      <a:camera prst="orthographicFront"/>
+      <a:lightRig rig="threePt" dir="t"/>
+    </dgm:scene3d>
+    <dgm:sp3d/>
+    <dgm:txPr/>
+    <dgm:style>
+      <a:lnRef idx="2">
+        <a:scrgbClr r="0" g="0" b="0"/>
+      </a:lnRef>
+      <a:fillRef idx="1">
+        <a:scrgbClr r="0" g="0" b="0"/>
+      </a:fillRef>
+      <a:effectRef idx="0">
+        <a:scrgbClr r="0" g="0" b="0"/>
+      </a:effectRef>
+      <a:fontRef idx="minor"/>
+    </dgm:style>
+  </dgm:styleLbl>
+  <dgm:styleLbl name="fgAcc2">
+    <dgm:scene3d>
+      <a:camera prst="orthographicFront"/>
+      <a:lightRig rig="threePt" dir="t"/>
+    </dgm:scene3d>
+    <dgm:sp3d/>
+    <dgm:txPr/>
+    <dgm:style>
+      <a:lnRef idx="2">
+        <a:scrgbClr r="0" g="0" b="0"/>
+      </a:lnRef>
+      <a:fillRef idx="1">
+        <a:scrgbClr r="0" g="0" b="0"/>
+      </a:fillRef>
+      <a:effectRef idx="0">
+        <a:scrgbClr r="0" g="0" b="0"/>
+      </a:effectRef>
+      <a:fontRef idx="minor"/>
+    </dgm:style>
+  </dgm:styleLbl>
+  <dgm:styleLbl name="fgAcc3">
+    <dgm:scene3d>
+      <a:camera prst="orthographicFront"/>
+      <a:lightRig rig="threePt" dir="t"/>
+    </dgm:scene3d>
+    <dgm:sp3d/>
+    <dgm:txPr/>
+    <dgm:style>
+      <a:lnRef idx="2">
+        <a:scrgbClr r="0" g="0" b="0"/>
+      </a:lnRef>
+      <a:fillRef idx="1">
+        <a:scrgbClr r="0" g="0" b="0"/>
+      </a:fillRef>
+      <a:effectRef idx="0">
+        <a:scrgbClr r="0" g="0" b="0"/>
+      </a:effectRef>
+      <a:fontRef idx="minor"/>
+    </dgm:style>
+  </dgm:styleLbl>
+  <dgm:styleLbl name="fgAcc4">
+    <dgm:scene3d>
+      <a:camera prst="orthographicFront"/>
+      <a:lightRig rig="threePt" dir="t"/>
+    </dgm:scene3d>
+    <dgm:sp3d/>
+    <dgm:txPr/>
+    <dgm:style>
+      <a:lnRef idx="2">
+        <a:scrgbClr r="0" g="0" b="0"/>
+      </a:lnRef>
+      <a:fillRef idx="1">
+        <a:scrgbClr r="0" g="0" b="0"/>
+      </a:fillRef>
+      <a:effectRef idx="0">
+        <a:scrgbClr r="0" g="0" b="0"/>
+      </a:effectRef>
+      <a:fontRef idx="minor"/>
+    </dgm:style>
+  </dgm:styleLbl>
+  <dgm:styleLbl name="bgShp">
+    <dgm:scene3d>
+      <a:camera prst="orthographicFront"/>
+      <a:lightRig rig="threePt" dir="t"/>
+    </dgm:scene3d>
+    <dgm:sp3d/>
+    <dgm:txPr/>
+    <dgm:style>
+      <a:lnRef idx="0">
+        <a:scrgbClr r="0" g="0" b="0"/>
+      </a:lnRef>
+      <a:fillRef idx="1">
+        <a:scrgbClr r="0" g="0" b="0"/>
+      </a:fillRef>
+      <a:effectRef idx="0">
+        <a:scrgbClr r="0" g="0" b="0"/>
+      </a:effectRef>
+      <a:fontRef idx="minor"/>
+    </dgm:style>
+  </dgm:styleLbl>
+  <dgm:styleLbl name="dkBgShp">
+    <dgm:scene3d>
+      <a:camera prst="orthographicFront"/>
+      <a:lightRig rig="threePt" dir="t"/>
+    </dgm:scene3d>
+    <dgm:sp3d/>
+    <dgm:txPr/>
+    <dgm:style>
+      <a:lnRef idx="0">
+        <a:scrgbClr r="0" g="0" b="0"/>
+      </a:lnRef>
+      <a:fillRef idx="1">
+        <a:scrgbClr r="0" g="0" b="0"/>
+      </a:fillRef>
+      <a:effectRef idx="0">
+        <a:scrgbClr r="0" g="0" b="0"/>
+      </a:effectRef>
+      <a:fontRef idx="minor"/>
+    </dgm:style>
+  </dgm:styleLbl>
+  <dgm:styleLbl name="trBgShp">
+    <dgm:scene3d>
+      <a:camera prst="orthographicFront"/>
+      <a:lightRig rig="threePt" dir="t"/>
+    </dgm:scene3d>
+    <dgm:sp3d/>
+    <dgm:txPr/>
+    <dgm:style>
+      <a:lnRef idx="0">
+        <a:scrgbClr r="0" g="0" b="0"/>
+      </a:lnRef>
+      <a:fillRef idx="1">
+        <a:scrgbClr r="0" g="0" b="0"/>
+      </a:fillRef>
+      <a:effectRef idx="0">
+        <a:scrgbClr r="0" g="0" b="0"/>
+      </a:effectRef>
+      <a:fontRef idx="minor"/>
+    </dgm:style>
+  </dgm:styleLbl>
+  <dgm:styleLbl name="fgShp">
+    <dgm:scene3d>
+      <a:camera prst="orthographicFront"/>
+      <a:lightRig rig="threePt" dir="t"/>
+    </dgm:scene3d>
+    <dgm:sp3d/>
+    <dgm:txPr/>
+    <dgm:style>
+      <a:lnRef idx="3">
+        <a:scrgbClr r="0" g="0" b="0"/>
+      </a:lnRef>
+      <a:fillRef idx="1">
+        <a:scrgbClr r="0" g="0" b="0"/>
+      </a:fillRef>
+      <a:effectRef idx="1">
+        <a:scrgbClr r="0" g="0" b="0"/>
+      </a:effectRef>
+      <a:fontRef idx="minor"/>
+    </dgm:style>
+  </dgm:styleLbl>
+  <dgm:styleLbl name="revTx">
+    <dgm:scene3d>
+      <a:camera prst="orthographicFront"/>
+      <a:lightRig rig="threePt" dir="t"/>
+    </dgm:scene3d>
+    <dgm:sp3d/>
+    <dgm:txPr/>
+    <dgm:style>
+      <a:lnRef idx="0">
+        <a:scrgbClr r="0" g="0" b="0"/>
+      </a:lnRef>
+      <a:fillRef idx="0">
+        <a:scrgbClr r="0" g="0" b="0"/>
+      </a:fillRef>
+      <a:effectRef idx="0">
+        <a:scrgbClr r="0" g="0" b="0"/>
+      </a:effectRef>
+      <a:fontRef idx="minor"/>
+    </dgm:style>
+  </dgm:styleLbl>
+</dgm:styleDef>
+</file>
+
 <file path=ppt/notesMasters/notesMaster1.xml><?xml version="1.0" encoding="utf-8"?>
 <p:notesMaster xmlns:a="http://schemas.openxmlformats.org/drawingml/2006/main" xmlns:r="http://schemas.openxmlformats.org/officeDocument/2006/relationships" xmlns:p="http://schemas.openxmlformats.org/presentationml/2006/main">
   <p:cSld>
@@ -269,7 +5441,7 @@
           <a:p>
             <a:fld id="{14549C10-D531-4FCD-A662-C6531279F0A5}" type="datetimeFigureOut">
               <a:rPr lang="en-US" smtClean="0"/>
-              <a:t>10/24/2014</a:t>
+              <a:t>10/27/2014</a:t>
             </a:fld>
             <a:endParaRPr lang="en-US"/>
           </a:p>
@@ -752,95 +5924,11 @@
           <a:bodyPr/>
           <a:lstStyle/>
           <a:p>
-            <a:pPr marL="0" marR="0" indent="0" algn="l" defTabSz="914400" rtl="0" eaLnBrk="1" fontAlgn="auto" latinLnBrk="0" hangingPunct="1">
-              <a:lnSpc>
-                <a:spcPct val="100000"/>
-              </a:lnSpc>
-              <a:spcBef>
-                <a:spcPts val="0"/>
-              </a:spcBef>
-              <a:spcAft>
-                <a:spcPts val="0"/>
-              </a:spcAft>
-              <a:buClrTx/>
-              <a:buSzTx/>
-              <a:buFontTx/>
-              <a:buNone/>
-              <a:tabLst/>
-              <a:defRPr/>
-            </a:pPr>
-            <a:r>
-              <a:rPr lang="en-US" dirty="0" err="1" smtClean="0">
-                <a:latin typeface="Arial" charset="0"/>
-                <a:ea typeface="ＭＳ Ｐゴシック" charset="0"/>
-                <a:cs typeface="Arial" charset="0"/>
-                <a:sym typeface="Arial" charset="0"/>
-              </a:rPr>
-              <a:t>Applicaties</a:t>
-            </a:r>
-            <a:r>
-              <a:rPr lang="en-US" dirty="0" smtClean="0">
-                <a:latin typeface="Arial" charset="0"/>
-                <a:ea typeface="ＭＳ Ｐゴシック" charset="0"/>
-                <a:cs typeface="Arial" charset="0"/>
-                <a:sym typeface="Arial" charset="0"/>
-              </a:rPr>
-              <a:t> </a:t>
-            </a:r>
-            <a:r>
-              <a:rPr lang="en-US" dirty="0" err="1" smtClean="0">
-                <a:latin typeface="Arial" charset="0"/>
-                <a:ea typeface="ＭＳ Ｐゴシック" charset="0"/>
-                <a:cs typeface="Arial" charset="0"/>
-                <a:sym typeface="Arial" charset="0"/>
-              </a:rPr>
-              <a:t>toelichten</a:t>
-            </a:r>
-            <a:r>
-              <a:rPr lang="en-US" dirty="0" smtClean="0">
-                <a:latin typeface="Arial" charset="0"/>
-                <a:ea typeface="ＭＳ Ｐゴシック" charset="0"/>
-                <a:cs typeface="Arial" charset="0"/>
-                <a:sym typeface="Arial" charset="0"/>
-              </a:rPr>
-              <a:t> </a:t>
-            </a:r>
-            <a:r>
-              <a:rPr lang="en-US" dirty="0" err="1" smtClean="0">
-                <a:latin typeface="Arial" charset="0"/>
-                <a:ea typeface="ＭＳ Ｐゴシック" charset="0"/>
-                <a:cs typeface="Arial" charset="0"/>
-                <a:sym typeface="Arial" charset="0"/>
-              </a:rPr>
-              <a:t>tijdens</a:t>
-            </a:r>
-            <a:r>
-              <a:rPr lang="en-US" dirty="0" smtClean="0">
-                <a:latin typeface="Arial" charset="0"/>
-                <a:ea typeface="ＭＳ Ｐゴシック" charset="0"/>
-                <a:cs typeface="Arial" charset="0"/>
-                <a:sym typeface="Arial" charset="0"/>
-              </a:rPr>
-              <a:t> </a:t>
-            </a:r>
-            <a:r>
-              <a:rPr lang="en-US" dirty="0" err="1" smtClean="0">
-                <a:latin typeface="Arial" charset="0"/>
-                <a:ea typeface="ＭＳ Ｐゴシック" charset="0"/>
-                <a:cs typeface="Arial" charset="0"/>
-                <a:sym typeface="Arial" charset="0"/>
-              </a:rPr>
-              <a:t>presentatie</a:t>
-            </a:r>
-            <a:r>
-              <a:rPr lang="en-US" dirty="0" smtClean="0">
-                <a:latin typeface="Arial" charset="0"/>
-                <a:ea typeface="ＭＳ Ｐゴシック" charset="0"/>
-                <a:cs typeface="Arial" charset="0"/>
-                <a:sym typeface="Arial" charset="0"/>
-              </a:rPr>
-              <a:t>!</a:t>
-            </a:r>
+            <a:r>
+              <a:rPr lang="nl-BE" dirty="0" smtClean="0"/>
+              <a:t>Bron</a:t>
+            </a:r>
+            <a:endParaRPr lang="en-US" dirty="0"/>
           </a:p>
         </p:txBody>
       </p:sp>
@@ -861,7 +5949,7 @@
           <a:p>
             <a:fld id="{4E765FFB-E928-41F7-9C48-EAAB8C6B32DB}" type="slidenum">
               <a:rPr lang="en-US" smtClean="0"/>
-              <a:t>19</a:t>
+              <a:t>15</a:t>
             </a:fld>
             <a:endParaRPr lang="en-US"/>
           </a:p>
@@ -870,7 +5958,7 @@
     </p:spTree>
     <p:extLst>
       <p:ext uri="{BB962C8B-B14F-4D97-AF65-F5344CB8AC3E}">
-        <p14:creationId xmlns:p14="http://schemas.microsoft.com/office/powerpoint/2010/main" val="3878043876"/>
+        <p14:creationId xmlns:p14="http://schemas.microsoft.com/office/powerpoint/2010/main" val="3733957841"/>
       </p:ext>
     </p:extLst>
   </p:cSld>
@@ -924,11 +6012,29 @@
           <a:bodyPr/>
           <a:lstStyle/>
           <a:p>
-            <a:r>
-              <a:rPr lang="nl-BE" dirty="0" smtClean="0"/>
-              <a:t>Valt definitie te vervangen?</a:t>
-            </a:r>
-            <a:endParaRPr lang="en-US" dirty="0"/>
+            <a:pPr marL="0" marR="0" indent="0" algn="l" defTabSz="914400" rtl="0" eaLnBrk="1" fontAlgn="auto" latinLnBrk="0" hangingPunct="1">
+              <a:lnSpc>
+                <a:spcPct val="100000"/>
+              </a:lnSpc>
+              <a:spcBef>
+                <a:spcPts val="0"/>
+              </a:spcBef>
+              <a:spcAft>
+                <a:spcPts val="0"/>
+              </a:spcAft>
+              <a:buClrTx/>
+              <a:buSzTx/>
+              <a:buFontTx/>
+              <a:buNone/>
+              <a:tabLst/>
+              <a:defRPr/>
+            </a:pPr>
+            <a:endParaRPr lang="en-US" dirty="0" smtClean="0">
+              <a:latin typeface="Helvetica" charset="0"/>
+              <a:ea typeface="ＭＳ Ｐゴシック" charset="0"/>
+              <a:cs typeface="Helvetica" charset="0"/>
+              <a:sym typeface="Helvetica" charset="0"/>
+            </a:endParaRPr>
           </a:p>
         </p:txBody>
       </p:sp>
@@ -949,7 +6055,7 @@
           <a:p>
             <a:fld id="{4E765FFB-E928-41F7-9C48-EAAB8C6B32DB}" type="slidenum">
               <a:rPr lang="en-US" smtClean="0"/>
-              <a:t>20</a:t>
+              <a:t>16</a:t>
             </a:fld>
             <a:endParaRPr lang="en-US"/>
           </a:p>
@@ -958,7 +6064,7 @@
     </p:spTree>
     <p:extLst>
       <p:ext uri="{BB962C8B-B14F-4D97-AF65-F5344CB8AC3E}">
-        <p14:creationId xmlns:p14="http://schemas.microsoft.com/office/powerpoint/2010/main" val="399981581"/>
+        <p14:creationId xmlns:p14="http://schemas.microsoft.com/office/powerpoint/2010/main" val="641155646"/>
       </p:ext>
     </p:extLst>
   </p:cSld>
@@ -1030,75 +6136,77 @@
               <a:defRPr/>
             </a:pPr>
             <a:r>
+              <a:rPr lang="en-US" dirty="0" err="1" smtClean="0">
+                <a:latin typeface="Arial" charset="0"/>
+                <a:ea typeface="ＭＳ Ｐゴシック" charset="0"/>
+                <a:cs typeface="Arial" charset="0"/>
+                <a:sym typeface="Arial" charset="0"/>
+              </a:rPr>
+              <a:t>Applicaties</a:t>
+            </a:r>
+            <a:r>
               <a:rPr lang="en-US" dirty="0" smtClean="0">
-                <a:latin typeface="Helvetica" charset="0"/>
+                <a:latin typeface="Arial" charset="0"/>
                 <a:ea typeface="ＭＳ Ｐゴシック" charset="0"/>
-                <a:cs typeface="Helvetica" charset="0"/>
-                <a:sym typeface="Helvetica" charset="0"/>
+                <a:cs typeface="Arial" charset="0"/>
+                <a:sym typeface="Arial" charset="0"/>
               </a:rPr>
-              <a:t>link back to the </a:t>
+              <a:t> </a:t>
+            </a:r>
+            <a:r>
+              <a:rPr lang="en-US" dirty="0" err="1" smtClean="0">
+                <a:latin typeface="Arial" charset="0"/>
+                <a:ea typeface="ＭＳ Ｐゴシック" charset="0"/>
+                <a:cs typeface="Arial" charset="0"/>
+                <a:sym typeface="Arial" charset="0"/>
+              </a:rPr>
+              <a:t>toelichten</a:t>
             </a:r>
             <a:r>
               <a:rPr lang="en-US" dirty="0" smtClean="0">
-                <a:latin typeface="Helvetica" charset="0"/>
+                <a:latin typeface="Arial" charset="0"/>
                 <a:ea typeface="ＭＳ Ｐゴシック" charset="0"/>
-                <a:cs typeface="Helvetica" charset="0"/>
-                <a:sym typeface="Helvetica" charset="0"/>
+                <a:cs typeface="Arial" charset="0"/>
+                <a:sym typeface="Arial" charset="0"/>
               </a:rPr>
-              <a:t>type </a:t>
+              <a:t> </a:t>
+            </a:r>
+            <a:r>
+              <a:rPr lang="en-US" dirty="0" err="1" smtClean="0">
+                <a:latin typeface="Arial" charset="0"/>
+                <a:ea typeface="ＭＳ Ｐゴシック" charset="0"/>
+                <a:cs typeface="Arial" charset="0"/>
+                <a:sym typeface="Arial" charset="0"/>
+              </a:rPr>
+              <a:t>tijdens</a:t>
             </a:r>
             <a:r>
               <a:rPr lang="en-US" dirty="0" smtClean="0">
-                <a:latin typeface="Helvetica" charset="0"/>
+                <a:latin typeface="Arial" charset="0"/>
                 <a:ea typeface="ＭＳ Ｐゴシック" charset="0"/>
-                <a:cs typeface="Helvetica" charset="0"/>
-                <a:sym typeface="Helvetica" charset="0"/>
+                <a:cs typeface="Arial" charset="0"/>
+                <a:sym typeface="Arial" charset="0"/>
               </a:rPr>
-              <a:t>of bias this specifies </a:t>
-            </a:r>
-            <a:endParaRPr lang="en-US" dirty="0" smtClean="0">
-              <a:latin typeface="Helvetica" charset="0"/>
-              <a:ea typeface="ＭＳ Ｐゴシック" charset="0"/>
-              <a:cs typeface="Helvetica" charset="0"/>
-              <a:sym typeface="Helvetica" charset="0"/>
-            </a:endParaRPr>
-          </a:p>
-          <a:p>
-            <a:pPr marL="0" marR="0" indent="0" algn="l" defTabSz="914400" rtl="0" eaLnBrk="1" fontAlgn="auto" latinLnBrk="0" hangingPunct="1">
-              <a:lnSpc>
-                <a:spcPct val="100000"/>
-              </a:lnSpc>
-              <a:spcBef>
-                <a:spcPts val="0"/>
-              </a:spcBef>
-              <a:spcAft>
-                <a:spcPts val="0"/>
-              </a:spcAft>
-              <a:buClrTx/>
-              <a:buSzTx/>
-              <a:buFontTx/>
-              <a:buNone/>
-              <a:tabLst/>
-              <a:defRPr/>
-            </a:pPr>
-            <a:r>
-              <a:rPr lang="nl-BE" dirty="0" smtClean="0">
-                <a:latin typeface="Helvetica" charset="0"/>
+              <a:t> </a:t>
+            </a:r>
+            <a:r>
+              <a:rPr lang="en-US" dirty="0" err="1" smtClean="0">
+                <a:latin typeface="Arial" charset="0"/>
                 <a:ea typeface="ＭＳ Ｐゴシック" charset="0"/>
-                <a:cs typeface="Helvetica" charset="0"/>
-                <a:sym typeface="Helvetica" charset="0"/>
+                <a:cs typeface="Arial" charset="0"/>
+                <a:sym typeface="Arial" charset="0"/>
               </a:rPr>
-              <a:t>Bron</a:t>
-            </a:r>
-            <a:endParaRPr lang="en-US" dirty="0" smtClean="0">
-              <a:latin typeface="Helvetica" charset="0"/>
-              <a:ea typeface="ＭＳ Ｐゴシック" charset="0"/>
-              <a:cs typeface="Helvetica" charset="0"/>
-              <a:sym typeface="Helvetica" charset="0"/>
-            </a:endParaRPr>
-          </a:p>
-          <a:p>
-            <a:endParaRPr lang="en-US" dirty="0"/>
+              <a:t>presentatie</a:t>
+            </a:r>
+            <a:r>
+              <a:rPr lang="en-US" dirty="0" smtClean="0">
+                <a:latin typeface="Arial" charset="0"/>
+                <a:ea typeface="ＭＳ Ｐゴシック" charset="0"/>
+                <a:cs typeface="Arial" charset="0"/>
+                <a:sym typeface="Arial" charset="0"/>
+              </a:rPr>
+              <a:t>!</a:t>
+            </a:r>
           </a:p>
         </p:txBody>
       </p:sp>
@@ -1119,6 +6227,182 @@
           <a:p>
             <a:fld id="{4E765FFB-E928-41F7-9C48-EAAB8C6B32DB}" type="slidenum">
               <a:rPr lang="en-US" smtClean="0"/>
+              <a:t>19</a:t>
+            </a:fld>
+            <a:endParaRPr lang="en-US"/>
+          </a:p>
+        </p:txBody>
+      </p:sp>
+    </p:spTree>
+    <p:extLst>
+      <p:ext uri="{BB962C8B-B14F-4D97-AF65-F5344CB8AC3E}">
+        <p14:creationId xmlns:p14="http://schemas.microsoft.com/office/powerpoint/2010/main" val="3878043876"/>
+      </p:ext>
+    </p:extLst>
+  </p:cSld>
+  <p:clrMapOvr>
+    <a:masterClrMapping/>
+  </p:clrMapOvr>
+</p:notes>
+</file>
+
+<file path=ppt/notesSlides/notesSlide13.xml><?xml version="1.0" encoding="utf-8"?>
+<p:notes xmlns:a="http://schemas.openxmlformats.org/drawingml/2006/main" xmlns:r="http://schemas.openxmlformats.org/officeDocument/2006/relationships" xmlns:p="http://schemas.openxmlformats.org/presentationml/2006/main">
+  <p:cSld>
+    <p:spTree>
+      <p:nvGrpSpPr>
+        <p:cNvPr id="1" name=""/>
+        <p:cNvGrpSpPr/>
+        <p:nvPr/>
+      </p:nvGrpSpPr>
+      <p:grpSpPr>
+        <a:xfrm>
+          <a:off x="0" y="0"/>
+          <a:ext cx="0" cy="0"/>
+          <a:chOff x="0" y="0"/>
+          <a:chExt cx="0" cy="0"/>
+        </a:xfrm>
+      </p:grpSpPr>
+      <p:sp>
+        <p:nvSpPr>
+          <p:cNvPr id="2" name="Slide Image Placeholder 1"/>
+          <p:cNvSpPr>
+            <a:spLocks noGrp="1" noRot="1" noChangeAspect="1"/>
+          </p:cNvSpPr>
+          <p:nvPr>
+            <p:ph type="sldImg"/>
+          </p:nvPr>
+        </p:nvSpPr>
+        <p:spPr/>
+      </p:sp>
+      <p:sp>
+        <p:nvSpPr>
+          <p:cNvPr id="3" name="Notes Placeholder 2"/>
+          <p:cNvSpPr>
+            <a:spLocks noGrp="1"/>
+          </p:cNvSpPr>
+          <p:nvPr>
+            <p:ph type="body" idx="1"/>
+          </p:nvPr>
+        </p:nvSpPr>
+        <p:spPr/>
+        <p:txBody>
+          <a:bodyPr/>
+          <a:lstStyle/>
+          <a:p>
+            <a:r>
+              <a:rPr lang="nl-BE" dirty="0" smtClean="0"/>
+              <a:t>Valt definitie te vervangen?</a:t>
+            </a:r>
+            <a:endParaRPr lang="en-US" dirty="0"/>
+          </a:p>
+        </p:txBody>
+      </p:sp>
+      <p:sp>
+        <p:nvSpPr>
+          <p:cNvPr id="4" name="Slide Number Placeholder 3"/>
+          <p:cNvSpPr>
+            <a:spLocks noGrp="1"/>
+          </p:cNvSpPr>
+          <p:nvPr>
+            <p:ph type="sldNum" sz="quarter" idx="10"/>
+          </p:nvPr>
+        </p:nvSpPr>
+        <p:spPr/>
+        <p:txBody>
+          <a:bodyPr/>
+          <a:lstStyle/>
+          <a:p>
+            <a:fld id="{4E765FFB-E928-41F7-9C48-EAAB8C6B32DB}" type="slidenum">
+              <a:rPr lang="en-US" smtClean="0"/>
+              <a:t>20</a:t>
+            </a:fld>
+            <a:endParaRPr lang="en-US"/>
+          </a:p>
+        </p:txBody>
+      </p:sp>
+    </p:spTree>
+    <p:extLst>
+      <p:ext uri="{BB962C8B-B14F-4D97-AF65-F5344CB8AC3E}">
+        <p14:creationId xmlns:p14="http://schemas.microsoft.com/office/powerpoint/2010/main" val="399981581"/>
+      </p:ext>
+    </p:extLst>
+  </p:cSld>
+  <p:clrMapOvr>
+    <a:masterClrMapping/>
+  </p:clrMapOvr>
+</p:notes>
+</file>
+
+<file path=ppt/notesSlides/notesSlide14.xml><?xml version="1.0" encoding="utf-8"?>
+<p:notes xmlns:a="http://schemas.openxmlformats.org/drawingml/2006/main" xmlns:r="http://schemas.openxmlformats.org/officeDocument/2006/relationships" xmlns:p="http://schemas.openxmlformats.org/presentationml/2006/main">
+  <p:cSld>
+    <p:spTree>
+      <p:nvGrpSpPr>
+        <p:cNvPr id="1" name=""/>
+        <p:cNvGrpSpPr/>
+        <p:nvPr/>
+      </p:nvGrpSpPr>
+      <p:grpSpPr>
+        <a:xfrm>
+          <a:off x="0" y="0"/>
+          <a:ext cx="0" cy="0"/>
+          <a:chOff x="0" y="0"/>
+          <a:chExt cx="0" cy="0"/>
+        </a:xfrm>
+      </p:grpSpPr>
+      <p:sp>
+        <p:nvSpPr>
+          <p:cNvPr id="2" name="Slide Image Placeholder 1"/>
+          <p:cNvSpPr>
+            <a:spLocks noGrp="1" noRot="1" noChangeAspect="1"/>
+          </p:cNvSpPr>
+          <p:nvPr>
+            <p:ph type="sldImg"/>
+          </p:nvPr>
+        </p:nvSpPr>
+        <p:spPr/>
+      </p:sp>
+      <p:sp>
+        <p:nvSpPr>
+          <p:cNvPr id="3" name="Notes Placeholder 2"/>
+          <p:cNvSpPr>
+            <a:spLocks noGrp="1"/>
+          </p:cNvSpPr>
+          <p:nvPr>
+            <p:ph type="body" idx="1"/>
+          </p:nvPr>
+        </p:nvSpPr>
+        <p:spPr/>
+        <p:txBody>
+          <a:bodyPr/>
+          <a:lstStyle/>
+          <a:p>
+            <a:r>
+              <a:rPr lang="nl-BE" dirty="0" smtClean="0"/>
+              <a:t>Bron</a:t>
+            </a:r>
+            <a:endParaRPr lang="en-US" dirty="0"/>
+          </a:p>
+        </p:txBody>
+      </p:sp>
+      <p:sp>
+        <p:nvSpPr>
+          <p:cNvPr id="4" name="Slide Number Placeholder 3"/>
+          <p:cNvSpPr>
+            <a:spLocks noGrp="1"/>
+          </p:cNvSpPr>
+          <p:nvPr>
+            <p:ph type="sldNum" sz="quarter" idx="10"/>
+          </p:nvPr>
+        </p:nvSpPr>
+        <p:spPr/>
+        <p:txBody>
+          <a:bodyPr/>
+          <a:lstStyle/>
+          <a:p>
+            <a:fld id="{4E765FFB-E928-41F7-9C48-EAAB8C6B32DB}" type="slidenum">
+              <a:rPr lang="en-US" smtClean="0"/>
               <a:t>21</a:t>
             </a:fld>
             <a:endParaRPr lang="en-US"/>
@@ -1138,7 +6422,7 @@
 </p:notes>
 </file>
 
-<file path=ppt/notesSlides/notesSlide13.xml><?xml version="1.0" encoding="utf-8"?>
+<file path=ppt/notesSlides/notesSlide15.xml><?xml version="1.0" encoding="utf-8"?>
 <p:notes xmlns:a="http://schemas.openxmlformats.org/drawingml/2006/main" xmlns:r="http://schemas.openxmlformats.org/officeDocument/2006/relationships" xmlns:p="http://schemas.openxmlformats.org/presentationml/2006/main">
   <p:cSld>
     <p:spTree>
@@ -1312,7 +6596,7 @@
     </p:spTree>
     <p:extLst>
       <p:ext uri="{BB962C8B-B14F-4D97-AF65-F5344CB8AC3E}">
-        <p14:creationId xmlns:p14="http://schemas.microsoft.com/office/powerpoint/2010/main" val="589568002"/>
+        <p14:creationId xmlns:p14="http://schemas.microsoft.com/office/powerpoint/2010/main" val="2307986188"/>
       </p:ext>
     </p:extLst>
   </p:cSld>
@@ -1608,25 +6892,7 @@
                 <a:cs typeface="Helvetica" charset="0"/>
                 <a:sym typeface="Helvetica" charset="0"/>
               </a:rPr>
-              <a:t>mention </a:t>
-            </a:r>
-            <a:r>
-              <a:rPr lang="en-US" dirty="0" smtClean="0">
-                <a:latin typeface="Helvetica" charset="0"/>
-                <a:ea typeface="ＭＳ Ｐゴシック" charset="0"/>
-                <a:cs typeface="Helvetica" charset="0"/>
-                <a:sym typeface="Helvetica" charset="0"/>
-              </a:rPr>
-              <a:t>an example for each </a:t>
-            </a:r>
-            <a:r>
-              <a:rPr lang="en-US" dirty="0" smtClean="0">
-                <a:latin typeface="Helvetica" charset="0"/>
-                <a:ea typeface="ＭＳ Ｐゴシック" charset="0"/>
-                <a:cs typeface="Helvetica" charset="0"/>
-                <a:sym typeface="Helvetica" charset="0"/>
-              </a:rPr>
-              <a:t>type</a:t>
+              <a:t>mention an example for each type</a:t>
             </a:r>
             <a:endParaRPr lang="en-US" dirty="0"/>
           </a:p>
@@ -1802,7 +7068,7 @@
           <a:p>
             <a:r>
               <a:rPr lang="nl-BE" dirty="0" smtClean="0"/>
-              <a:t>Bron</a:t>
+              <a:t>Verwijder principes</a:t>
             </a:r>
             <a:endParaRPr lang="en-US" dirty="0"/>
           </a:p>
@@ -1825,7 +7091,7 @@
           <a:p>
             <a:fld id="{4E765FFB-E928-41F7-9C48-EAAB8C6B32DB}" type="slidenum">
               <a:rPr lang="en-US" smtClean="0"/>
-              <a:t>13</a:t>
+              <a:t>10</a:t>
             </a:fld>
             <a:endParaRPr lang="en-US"/>
           </a:p>
@@ -1834,7 +7100,7 @@
     </p:spTree>
     <p:extLst>
       <p:ext uri="{BB962C8B-B14F-4D97-AF65-F5344CB8AC3E}">
-        <p14:creationId xmlns:p14="http://schemas.microsoft.com/office/powerpoint/2010/main" val="3524843601"/>
+        <p14:creationId xmlns:p14="http://schemas.microsoft.com/office/powerpoint/2010/main" val="3360191449"/>
       </p:ext>
     </p:extLst>
   </p:cSld>
@@ -1888,32 +7154,11 @@
           <a:bodyPr/>
           <a:lstStyle/>
           <a:p>
-            <a:pPr marL="0" marR="0" indent="0" algn="l" defTabSz="914400" rtl="0" eaLnBrk="1" fontAlgn="auto" latinLnBrk="0" hangingPunct="1">
-              <a:lnSpc>
-                <a:spcPct val="100000"/>
-              </a:lnSpc>
-              <a:spcBef>
-                <a:spcPts val="0"/>
-              </a:spcBef>
-              <a:spcAft>
-                <a:spcPts val="0"/>
-              </a:spcAft>
-              <a:buClrTx/>
-              <a:buSzTx/>
-              <a:buFontTx/>
-              <a:buNone/>
-              <a:tabLst/>
-              <a:defRPr/>
-            </a:pPr>
-            <a:r>
-              <a:rPr lang="en-US" dirty="0" smtClean="0">
-                <a:latin typeface="Helvetica" charset="0"/>
-                <a:ea typeface="ＭＳ Ｐゴシック" charset="0"/>
-                <a:cs typeface="Helvetica" charset="0"/>
-                <a:sym typeface="Helvetica" charset="0"/>
-              </a:rPr>
-              <a:t>this slide and the following two will very much depend on what you are saying; from the text alone, I have no idea what the point you want to make here is</a:t>
-            </a:r>
+            <a:r>
+              <a:rPr lang="nl-BE" dirty="0" smtClean="0"/>
+              <a:t>Bron</a:t>
+            </a:r>
+            <a:endParaRPr lang="en-US" dirty="0"/>
           </a:p>
         </p:txBody>
       </p:sp>
@@ -1934,7 +7179,7 @@
           <a:p>
             <a:fld id="{4E765FFB-E928-41F7-9C48-EAAB8C6B32DB}" type="slidenum">
               <a:rPr lang="en-US" smtClean="0"/>
-              <a:t>14</a:t>
+              <a:t>12</a:t>
             </a:fld>
             <a:endParaRPr lang="en-US"/>
           </a:p>
@@ -1943,7 +7188,7 @@
     </p:spTree>
     <p:extLst>
       <p:ext uri="{BB962C8B-B14F-4D97-AF65-F5344CB8AC3E}">
-        <p14:creationId xmlns:p14="http://schemas.microsoft.com/office/powerpoint/2010/main" val="161280319"/>
+        <p14:creationId xmlns:p14="http://schemas.microsoft.com/office/powerpoint/2010/main" val="780762183"/>
       </p:ext>
     </p:extLst>
   </p:cSld>
@@ -1997,11 +7242,32 @@
           <a:bodyPr/>
           <a:lstStyle/>
           <a:p>
-            <a:r>
-              <a:rPr lang="nl-BE" dirty="0" smtClean="0"/>
-              <a:t>Bron</a:t>
-            </a:r>
-            <a:endParaRPr lang="en-US" dirty="0"/>
+            <a:pPr marL="0" marR="0" indent="0" algn="l" defTabSz="914400" rtl="0" eaLnBrk="1" fontAlgn="auto" latinLnBrk="0" hangingPunct="1">
+              <a:lnSpc>
+                <a:spcPct val="100000"/>
+              </a:lnSpc>
+              <a:spcBef>
+                <a:spcPts val="0"/>
+              </a:spcBef>
+              <a:spcAft>
+                <a:spcPts val="0"/>
+              </a:spcAft>
+              <a:buClrTx/>
+              <a:buSzTx/>
+              <a:buFontTx/>
+              <a:buNone/>
+              <a:tabLst/>
+              <a:defRPr/>
+            </a:pPr>
+            <a:r>
+              <a:rPr lang="en-US" dirty="0" smtClean="0">
+                <a:latin typeface="Helvetica" charset="0"/>
+                <a:ea typeface="ＭＳ Ｐゴシック" charset="0"/>
+                <a:cs typeface="Helvetica" charset="0"/>
+                <a:sym typeface="Helvetica" charset="0"/>
+              </a:rPr>
+              <a:t>this slide and the following two will very much depend on what you are saying; from the text alone, I have no idea what the point you want to make here is</a:t>
+            </a:r>
           </a:p>
         </p:txBody>
       </p:sp>
@@ -2022,7 +7288,7 @@
           <a:p>
             <a:fld id="{4E765FFB-E928-41F7-9C48-EAAB8C6B32DB}" type="slidenum">
               <a:rPr lang="en-US" smtClean="0"/>
-              <a:t>15</a:t>
+              <a:t>13</a:t>
             </a:fld>
             <a:endParaRPr lang="en-US"/>
           </a:p>
@@ -2031,7 +7297,7 @@
     </p:spTree>
     <p:extLst>
       <p:ext uri="{BB962C8B-B14F-4D97-AF65-F5344CB8AC3E}">
-        <p14:creationId xmlns:p14="http://schemas.microsoft.com/office/powerpoint/2010/main" val="2519410006"/>
+        <p14:creationId xmlns:p14="http://schemas.microsoft.com/office/powerpoint/2010/main" val="3268266464"/>
       </p:ext>
     </p:extLst>
   </p:cSld>
@@ -2110,7 +7376,7 @@
           <a:p>
             <a:fld id="{4E765FFB-E928-41F7-9C48-EAAB8C6B32DB}" type="slidenum">
               <a:rPr lang="en-US" smtClean="0"/>
-              <a:t>16</a:t>
+              <a:t>14</a:t>
             </a:fld>
             <a:endParaRPr lang="en-US"/>
           </a:p>
@@ -2119,7 +7385,7 @@
     </p:spTree>
     <p:extLst>
       <p:ext uri="{BB962C8B-B14F-4D97-AF65-F5344CB8AC3E}">
-        <p14:creationId xmlns:p14="http://schemas.microsoft.com/office/powerpoint/2010/main" val="329373397"/>
+        <p14:creationId xmlns:p14="http://schemas.microsoft.com/office/powerpoint/2010/main" val="802371138"/>
       </p:ext>
     </p:extLst>
   </p:cSld>
@@ -2355,7 +7621,7 @@
           <a:p>
             <a:fld id="{19DCFD5E-870D-4395-9E30-B29FE39655A2}" type="datetimeFigureOut">
               <a:rPr lang="nl-BE" smtClean="0"/>
-              <a:t>24/10/2014</a:t>
+              <a:t>27/10/2014</a:t>
             </a:fld>
             <a:endParaRPr lang="nl-BE" dirty="0"/>
           </a:p>
@@ -2563,7 +7829,7 @@
           <a:p>
             <a:fld id="{19DCFD5E-870D-4395-9E30-B29FE39655A2}" type="datetimeFigureOut">
               <a:rPr lang="nl-BE" smtClean="0"/>
-              <a:t>24/10/2014</a:t>
+              <a:t>27/10/2014</a:t>
             </a:fld>
             <a:endParaRPr lang="nl-BE" dirty="0"/>
           </a:p>
@@ -2819,7 +8085,7 @@
           <a:p>
             <a:fld id="{19DCFD5E-870D-4395-9E30-B29FE39655A2}" type="datetimeFigureOut">
               <a:rPr lang="nl-BE" smtClean="0"/>
-              <a:t>24/10/2014</a:t>
+              <a:t>27/10/2014</a:t>
             </a:fld>
             <a:endParaRPr lang="nl-BE" dirty="0"/>
           </a:p>
@@ -2993,7 +8259,7 @@
           <a:p>
             <a:fld id="{19DCFD5E-870D-4395-9E30-B29FE39655A2}" type="datetimeFigureOut">
               <a:rPr lang="nl-BE" smtClean="0"/>
-              <a:t>24/10/2014</a:t>
+              <a:t>27/10/2014</a:t>
             </a:fld>
             <a:endParaRPr lang="nl-BE" dirty="0"/>
           </a:p>
@@ -3336,7 +8602,7 @@
           <a:p>
             <a:fld id="{19DCFD5E-870D-4395-9E30-B29FE39655A2}" type="datetimeFigureOut">
               <a:rPr lang="nl-BE" smtClean="0"/>
-              <a:t>24/10/2014</a:t>
+              <a:t>27/10/2014</a:t>
             </a:fld>
             <a:endParaRPr lang="nl-BE" dirty="0"/>
           </a:p>
@@ -3611,7 +8877,7 @@
           <a:p>
             <a:fld id="{19DCFD5E-870D-4395-9E30-B29FE39655A2}" type="datetimeFigureOut">
               <a:rPr lang="nl-BE" smtClean="0"/>
-              <a:t>24/10/2014</a:t>
+              <a:t>27/10/2014</a:t>
             </a:fld>
             <a:endParaRPr lang="nl-BE" dirty="0"/>
           </a:p>
@@ -3990,7 +9256,7 @@
           <a:p>
             <a:fld id="{19DCFD5E-870D-4395-9E30-B29FE39655A2}" type="datetimeFigureOut">
               <a:rPr lang="nl-BE" smtClean="0"/>
-              <a:t>24/10/2014</a:t>
+              <a:t>27/10/2014</a:t>
             </a:fld>
             <a:endParaRPr lang="nl-BE" dirty="0"/>
           </a:p>
@@ -4108,7 +9374,7 @@
           <a:p>
             <a:fld id="{19DCFD5E-870D-4395-9E30-B29FE39655A2}" type="datetimeFigureOut">
               <a:rPr lang="nl-BE" smtClean="0"/>
-              <a:t>24/10/2014</a:t>
+              <a:t>27/10/2014</a:t>
             </a:fld>
             <a:endParaRPr lang="nl-BE" dirty="0"/>
           </a:p>
@@ -4279,7 +9545,7 @@
           <a:p>
             <a:fld id="{19DCFD5E-870D-4395-9E30-B29FE39655A2}" type="datetimeFigureOut">
               <a:rPr lang="nl-BE" smtClean="0"/>
-              <a:t>24/10/2014</a:t>
+              <a:t>27/10/2014</a:t>
             </a:fld>
             <a:endParaRPr lang="nl-BE" dirty="0"/>
           </a:p>
@@ -4633,7 +9899,7 @@
           <a:p>
             <a:fld id="{19DCFD5E-870D-4395-9E30-B29FE39655A2}" type="datetimeFigureOut">
               <a:rPr lang="nl-BE" smtClean="0"/>
-              <a:t>24/10/2014</a:t>
+              <a:t>27/10/2014</a:t>
             </a:fld>
             <a:endParaRPr lang="nl-BE" dirty="0"/>
           </a:p>
@@ -5015,7 +10281,7 @@
           <a:p>
             <a:fld id="{19DCFD5E-870D-4395-9E30-B29FE39655A2}" type="datetimeFigureOut">
               <a:rPr lang="nl-BE" smtClean="0"/>
-              <a:t>24/10/2014</a:t>
+              <a:t>27/10/2014</a:t>
             </a:fld>
             <a:endParaRPr lang="nl-BE" dirty="0"/>
           </a:p>
@@ -5302,7 +10568,7 @@
           <a:p>
             <a:fld id="{19DCFD5E-870D-4395-9E30-B29FE39655A2}" type="datetimeFigureOut">
               <a:rPr lang="nl-BE" smtClean="0"/>
-              <a:t>24/10/2014</a:t>
+              <a:t>27/10/2014</a:t>
             </a:fld>
             <a:endParaRPr lang="nl-BE" dirty="0"/>
           </a:p>
@@ -6099,45 +11365,13 @@
             </a:pPr>
             <a:r>
               <a:rPr lang="nl-BE" sz="3600" dirty="0"/>
-              <a:t> Handmatig analyseren fouten tijdrovend</a:t>
-            </a:r>
-          </a:p>
-          <a:p>
-            <a:pPr>
-              <a:buFont typeface="Arial" panose="020B0604020202020204" pitchFamily="34" charset="0"/>
-              <a:buChar char="•"/>
-            </a:pPr>
-            <a:r>
-              <a:rPr lang="nl-BE" sz="3600" dirty="0"/>
-              <a:t> 2 principes feedback conceptuele problemen</a:t>
-            </a:r>
-          </a:p>
-          <a:p>
-            <a:pPr lvl="2">
-              <a:spcBef>
-                <a:spcPts val="0"/>
-              </a:spcBef>
-              <a:buFont typeface="Arial" panose="020B0604020202020204" pitchFamily="34" charset="0"/>
-              <a:buChar char="•"/>
-            </a:pPr>
-            <a:r>
-              <a:rPr lang="nl-BE" sz="2800" dirty="0"/>
-              <a:t>Aanpassingsafstand</a:t>
-            </a:r>
-          </a:p>
-          <a:p>
-            <a:pPr lvl="2">
-              <a:spcBef>
-                <a:spcPts val="0"/>
-              </a:spcBef>
-              <a:buFont typeface="Arial" panose="020B0604020202020204" pitchFamily="34" charset="0"/>
-              <a:buChar char="•"/>
-            </a:pPr>
-            <a:r>
-              <a:rPr lang="nl-BE" sz="2800" dirty="0"/>
-              <a:t>Tegenvoorbeeld</a:t>
-            </a:r>
-            <a:endParaRPr lang="en-US" sz="2800" dirty="0"/>
+              <a:t> Handmatig analyseren fouten </a:t>
+            </a:r>
+            <a:r>
+              <a:rPr lang="nl-BE" sz="3600" dirty="0" smtClean="0"/>
+              <a:t>tijdrovend</a:t>
+            </a:r>
+            <a:endParaRPr lang="nl-BE" sz="3600" dirty="0"/>
           </a:p>
         </p:txBody>
       </p:sp>
@@ -6368,117 +11602,6 @@
                       </p:childTnLst>
                     </p:cTn>
                   </p:par>
-                  <p:par>
-                    <p:cTn id="19" fill="hold">
-                      <p:stCondLst>
-                        <p:cond delay="indefinite"/>
-                      </p:stCondLst>
-                      <p:childTnLst>
-                        <p:par>
-                          <p:cTn id="20" fill="hold">
-                            <p:stCondLst>
-                              <p:cond delay="0"/>
-                            </p:stCondLst>
-                            <p:childTnLst>
-                              <p:par>
-                                <p:cTn id="21" presetID="1" presetClass="entr" presetSubtype="0" fill="hold" grpId="0" nodeType="clickEffect">
-                                  <p:stCondLst>
-                                    <p:cond delay="0"/>
-                                  </p:stCondLst>
-                                  <p:childTnLst>
-                                    <p:set>
-                                      <p:cBhvr>
-                                        <p:cTn id="22" dur="1" fill="hold">
-                                          <p:stCondLst>
-                                            <p:cond delay="0"/>
-                                          </p:stCondLst>
-                                        </p:cTn>
-                                        <p:tgtEl>
-                                          <p:spTgt spid="3">
-                                            <p:txEl>
-                                              <p:pRg st="5" end="5"/>
-                                            </p:txEl>
-                                          </p:spTgt>
-                                        </p:tgtEl>
-                                        <p:attrNameLst>
-                                          <p:attrName>style.visibility</p:attrName>
-                                        </p:attrNameLst>
-                                      </p:cBhvr>
-                                      <p:to>
-                                        <p:strVal val="visible"/>
-                                      </p:to>
-                                    </p:set>
-                                  </p:childTnLst>
-                                </p:cTn>
-                              </p:par>
-                              <p:par>
-                                <p:cTn id="23" presetID="1" presetClass="entr" presetSubtype="0" fill="hold" grpId="0" nodeType="withEffect">
-                                  <p:stCondLst>
-                                    <p:cond delay="0"/>
-                                  </p:stCondLst>
-                                  <p:childTnLst>
-                                    <p:set>
-                                      <p:cBhvr>
-                                        <p:cTn id="24" dur="1" fill="hold">
-                                          <p:stCondLst>
-                                            <p:cond delay="0"/>
-                                          </p:stCondLst>
-                                        </p:cTn>
-                                        <p:tgtEl>
-                                          <p:spTgt spid="3">
-                                            <p:txEl>
-                                              <p:pRg st="6" end="6"/>
-                                            </p:txEl>
-                                          </p:spTgt>
-                                        </p:tgtEl>
-                                        <p:attrNameLst>
-                                          <p:attrName>style.visibility</p:attrName>
-                                        </p:attrNameLst>
-                                      </p:cBhvr>
-                                      <p:to>
-                                        <p:strVal val="visible"/>
-                                      </p:to>
-                                    </p:set>
-                                  </p:childTnLst>
-                                </p:cTn>
-                              </p:par>
-                              <p:par>
-                                <p:cTn id="25" presetID="1" presetClass="entr" presetSubtype="0" fill="hold" grpId="0" nodeType="withEffect">
-                                  <p:stCondLst>
-                                    <p:cond delay="0"/>
-                                  </p:stCondLst>
-                                  <p:childTnLst>
-                                    <p:set>
-                                      <p:cBhvr>
-                                        <p:cTn id="26" dur="1" fill="hold">
-                                          <p:stCondLst>
-                                            <p:cond delay="0"/>
-                                          </p:stCondLst>
-                                        </p:cTn>
-                                        <p:tgtEl>
-                                          <p:spTgt spid="3">
-                                            <p:txEl>
-                                              <p:pRg st="7" end="7"/>
-                                            </p:txEl>
-                                          </p:spTgt>
-                                        </p:tgtEl>
-                                        <p:attrNameLst>
-                                          <p:attrName>style.visibility</p:attrName>
-                                        </p:attrNameLst>
-                                      </p:cBhvr>
-                                      <p:to>
-                                        <p:strVal val="visible"/>
-                                      </p:to>
-                                    </p:set>
-                                  </p:childTnLst>
-                                </p:cTn>
-                              </p:par>
-                            </p:childTnLst>
-                          </p:cTn>
-                        </p:par>
-                      </p:childTnLst>
-                    </p:cTn>
-                  </p:par>
                 </p:childTnLst>
               </p:cTn>
               <p:prevCondLst>
@@ -6537,495 +11660,6 @@
         <p:spPr/>
         <p:txBody>
           <a:bodyPr>
-            <a:noAutofit/>
-          </a:bodyPr>
-          <a:lstStyle/>
-          <a:p>
-            <a:r>
-              <a:rPr lang="nl-BE" sz="6000" dirty="0" smtClean="0"/>
-              <a:t>Toepassing: Examens</a:t>
-            </a:r>
-            <a:endParaRPr lang="en-US" sz="6000" dirty="0"/>
-          </a:p>
-        </p:txBody>
-      </p:sp>
-      <p:sp>
-        <p:nvSpPr>
-          <p:cNvPr id="3" name="Content Placeholder 2"/>
-          <p:cNvSpPr>
-            <a:spLocks noGrp="1"/>
-          </p:cNvSpPr>
-          <p:nvPr>
-            <p:ph idx="1"/>
-          </p:nvPr>
-        </p:nvSpPr>
-        <p:spPr/>
-        <p:txBody>
-          <a:bodyPr>
-            <a:normAutofit lnSpcReduction="10000"/>
-          </a:bodyPr>
-          <a:lstStyle/>
-          <a:p>
-            <a:pPr>
-              <a:buFont typeface="Arial" panose="020B0604020202020204" pitchFamily="34" charset="0"/>
-              <a:buChar char="•"/>
-            </a:pPr>
-            <a:r>
-              <a:rPr lang="nl-BE" sz="3600" dirty="0"/>
-              <a:t>  Automatisch generatie probleem </a:t>
-            </a:r>
-          </a:p>
-          <a:p>
-            <a:pPr lvl="2">
-              <a:buFont typeface="Arial" panose="020B0604020202020204" pitchFamily="34" charset="0"/>
-              <a:buChar char="•"/>
-            </a:pPr>
-            <a:r>
-              <a:rPr lang="nl-BE" sz="2800" dirty="0" smtClean="0"/>
-              <a:t>Moeilijkheidsgraad kiezen</a:t>
-            </a:r>
-          </a:p>
-          <a:p>
-            <a:pPr>
-              <a:buFont typeface="Arial" panose="020B0604020202020204" pitchFamily="34" charset="0"/>
-              <a:buChar char="•"/>
-            </a:pPr>
-            <a:r>
-              <a:rPr lang="nl-BE" sz="3600" dirty="0"/>
-              <a:t>  Oplossing</a:t>
-            </a:r>
-          </a:p>
-          <a:p>
-            <a:pPr lvl="2">
-              <a:buFont typeface="Arial" panose="020B0604020202020204" pitchFamily="34" charset="0"/>
-              <a:buChar char="•"/>
-            </a:pPr>
-            <a:r>
-              <a:rPr lang="nl-BE" sz="2800" dirty="0" smtClean="0"/>
-              <a:t>Verdergaand eigen deeloplossing</a:t>
-            </a:r>
-          </a:p>
-          <a:p>
-            <a:pPr lvl="2">
-              <a:buFont typeface="Arial" panose="020B0604020202020204" pitchFamily="34" charset="0"/>
-              <a:buChar char="•"/>
-            </a:pPr>
-            <a:r>
-              <a:rPr lang="nl-BE" sz="2800" dirty="0" smtClean="0"/>
-              <a:t>Hints</a:t>
-            </a:r>
-          </a:p>
-          <a:p>
-            <a:pPr>
-              <a:buFont typeface="Arial" panose="020B0604020202020204" pitchFamily="34" charset="0"/>
-              <a:buChar char="•"/>
-            </a:pPr>
-            <a:r>
-              <a:rPr lang="nl-BE" sz="3600" dirty="0"/>
-              <a:t>  Feedback</a:t>
-            </a:r>
-          </a:p>
-          <a:p>
-            <a:pPr lvl="2">
-              <a:buFont typeface="Arial" panose="020B0604020202020204" pitchFamily="34" charset="0"/>
-              <a:buChar char="•"/>
-            </a:pPr>
-            <a:r>
-              <a:rPr lang="nl-BE" sz="2800" dirty="0" smtClean="0"/>
-              <a:t>Score</a:t>
-            </a:r>
-          </a:p>
-          <a:p>
-            <a:pPr lvl="2">
-              <a:buFont typeface="Arial" panose="020B0604020202020204" pitchFamily="34" charset="0"/>
-              <a:buChar char="•"/>
-            </a:pPr>
-            <a:r>
-              <a:rPr lang="nl-BE" sz="2800" dirty="0" smtClean="0"/>
-              <a:t>Helpen verbeteren</a:t>
-            </a:r>
-            <a:endParaRPr lang="en-US" sz="2800" dirty="0"/>
-          </a:p>
-        </p:txBody>
-      </p:sp>
-    </p:spTree>
-    <p:extLst>
-      <p:ext uri="{BB962C8B-B14F-4D97-AF65-F5344CB8AC3E}">
-        <p14:creationId xmlns:p14="http://schemas.microsoft.com/office/powerpoint/2010/main" val="3063256929"/>
-      </p:ext>
-    </p:extLst>
-  </p:cSld>
-  <p:clrMapOvr>
-    <a:masterClrMapping/>
-  </p:clrMapOvr>
-  <p:timing>
-    <p:tnLst>
-      <p:par>
-        <p:cTn id="1" dur="indefinite" restart="never" nodeType="tmRoot">
-          <p:childTnLst>
-            <p:seq concurrent="1" nextAc="seek">
-              <p:cTn id="2" dur="indefinite" nodeType="mainSeq">
-                <p:childTnLst>
-                  <p:par>
-                    <p:cTn id="3" fill="hold">
-                      <p:stCondLst>
-                        <p:cond delay="indefinite"/>
-                      </p:stCondLst>
-                      <p:childTnLst>
-                        <p:par>
-                          <p:cTn id="4" fill="hold">
-                            <p:stCondLst>
-                              <p:cond delay="0"/>
-                            </p:stCondLst>
-                            <p:childTnLst>
-                              <p:par>
-                                <p:cTn id="5" presetID="1" presetClass="entr" presetSubtype="0" fill="hold" grpId="0" nodeType="clickEffect">
-                                  <p:stCondLst>
-                                    <p:cond delay="0"/>
-                                  </p:stCondLst>
-                                  <p:childTnLst>
-                                    <p:set>
-                                      <p:cBhvr>
-                                        <p:cTn id="6" dur="1" fill="hold">
-                                          <p:stCondLst>
-                                            <p:cond delay="0"/>
-                                          </p:stCondLst>
-                                        </p:cTn>
-                                        <p:tgtEl>
-                                          <p:spTgt spid="3">
-                                            <p:txEl>
-                                              <p:pRg st="0" end="0"/>
-                                            </p:txEl>
-                                          </p:spTgt>
-                                        </p:tgtEl>
-                                        <p:attrNameLst>
-                                          <p:attrName>style.visibility</p:attrName>
-                                        </p:attrNameLst>
-                                      </p:cBhvr>
-                                      <p:to>
-                                        <p:strVal val="visible"/>
-                                      </p:to>
-                                    </p:set>
-                                  </p:childTnLst>
-                                </p:cTn>
-                              </p:par>
-                              <p:par>
-                                <p:cTn id="7" presetID="1" presetClass="entr" presetSubtype="0" fill="hold" grpId="0" nodeType="withEffect">
-                                  <p:stCondLst>
-                                    <p:cond delay="0"/>
-                                  </p:stCondLst>
-                                  <p:childTnLst>
-                                    <p:set>
-                                      <p:cBhvr>
-                                        <p:cTn id="8" dur="1" fill="hold">
-                                          <p:stCondLst>
-                                            <p:cond delay="0"/>
-                                          </p:stCondLst>
-                                        </p:cTn>
-                                        <p:tgtEl>
-                                          <p:spTgt spid="3">
-                                            <p:txEl>
-                                              <p:pRg st="1" end="1"/>
-                                            </p:txEl>
-                                          </p:spTgt>
-                                        </p:tgtEl>
-                                        <p:attrNameLst>
-                                          <p:attrName>style.visibility</p:attrName>
-                                        </p:attrNameLst>
-                                      </p:cBhvr>
-                                      <p:to>
-                                        <p:strVal val="visible"/>
-                                      </p:to>
-                                    </p:set>
-                                  </p:childTnLst>
-                                </p:cTn>
-                              </p:par>
-                            </p:childTnLst>
-                          </p:cTn>
-                        </p:par>
-                      </p:childTnLst>
-                    </p:cTn>
-                  </p:par>
-                  <p:par>
-                    <p:cTn id="9" fill="hold">
-                      <p:stCondLst>
-                        <p:cond delay="indefinite"/>
-                      </p:stCondLst>
-                      <p:childTnLst>
-                        <p:par>
-                          <p:cTn id="10" fill="hold">
-                            <p:stCondLst>
-                              <p:cond delay="0"/>
-                            </p:stCondLst>
-                            <p:childTnLst>
-                              <p:par>
-                                <p:cTn id="11" presetID="1" presetClass="entr" presetSubtype="0" fill="hold" grpId="0" nodeType="clickEffect">
-                                  <p:stCondLst>
-                                    <p:cond delay="0"/>
-                                  </p:stCondLst>
-                                  <p:childTnLst>
-                                    <p:set>
-                                      <p:cBhvr>
-                                        <p:cTn id="12" dur="1" fill="hold">
-                                          <p:stCondLst>
-                                            <p:cond delay="0"/>
-                                          </p:stCondLst>
-                                        </p:cTn>
-                                        <p:tgtEl>
-                                          <p:spTgt spid="3">
-                                            <p:txEl>
-                                              <p:pRg st="2" end="2"/>
-                                            </p:txEl>
-                                          </p:spTgt>
-                                        </p:tgtEl>
-                                        <p:attrNameLst>
-                                          <p:attrName>style.visibility</p:attrName>
-                                        </p:attrNameLst>
-                                      </p:cBhvr>
-                                      <p:to>
-                                        <p:strVal val="visible"/>
-                                      </p:to>
-                                    </p:set>
-                                  </p:childTnLst>
-                                </p:cTn>
-                              </p:par>
-                              <p:par>
-                                <p:cTn id="13" presetID="1" presetClass="entr" presetSubtype="0" fill="hold" grpId="0" nodeType="withEffect">
-                                  <p:stCondLst>
-                                    <p:cond delay="0"/>
-                                  </p:stCondLst>
-                                  <p:childTnLst>
-                                    <p:set>
-                                      <p:cBhvr>
-                                        <p:cTn id="14" dur="1" fill="hold">
-                                          <p:stCondLst>
-                                            <p:cond delay="0"/>
-                                          </p:stCondLst>
-                                        </p:cTn>
-                                        <p:tgtEl>
-                                          <p:spTgt spid="3">
-                                            <p:txEl>
-                                              <p:pRg st="3" end="3"/>
-                                            </p:txEl>
-                                          </p:spTgt>
-                                        </p:tgtEl>
-                                        <p:attrNameLst>
-                                          <p:attrName>style.visibility</p:attrName>
-                                        </p:attrNameLst>
-                                      </p:cBhvr>
-                                      <p:to>
-                                        <p:strVal val="visible"/>
-                                      </p:to>
-                                    </p:set>
-                                  </p:childTnLst>
-                                </p:cTn>
-                              </p:par>
-                              <p:par>
-                                <p:cTn id="15" presetID="1" presetClass="entr" presetSubtype="0" fill="hold" grpId="0" nodeType="withEffect">
-                                  <p:stCondLst>
-                                    <p:cond delay="0"/>
-                                  </p:stCondLst>
-                                  <p:childTnLst>
-                                    <p:set>
-                                      <p:cBhvr>
-                                        <p:cTn id="16" dur="1" fill="hold">
-                                          <p:stCondLst>
-                                            <p:cond delay="0"/>
-                                          </p:stCondLst>
-                                        </p:cTn>
-                                        <p:tgtEl>
-                                          <p:spTgt spid="3">
-                                            <p:txEl>
-                                              <p:pRg st="4" end="4"/>
-                                            </p:txEl>
-                                          </p:spTgt>
-                                        </p:tgtEl>
-                                        <p:attrNameLst>
-                                          <p:attrName>style.visibility</p:attrName>
-                                        </p:attrNameLst>
-                                      </p:cBhvr>
-                                      <p:to>
-                                        <p:strVal val="visible"/>
-                                      </p:to>
-                                    </p:set>
-                                  </p:childTnLst>
-                                </p:cTn>
-                              </p:par>
-                            </p:childTnLst>
-                          </p:cTn>
-                        </p:par>
-                      </p:childTnLst>
-                    </p:cTn>
-                  </p:par>
-                  <p:par>
-                    <p:cTn id="17" fill="hold">
-                      <p:stCondLst>
-                        <p:cond delay="indefinite"/>
-                      </p:stCondLst>
-                      <p:childTnLst>
-                        <p:par>
-                          <p:cTn id="18" fill="hold">
-                            <p:stCondLst>
-                              <p:cond delay="0"/>
-                            </p:stCondLst>
-                            <p:childTnLst>
-                              <p:par>
-                                <p:cTn id="19" presetID="1" presetClass="entr" presetSubtype="0" fill="hold" grpId="0" nodeType="clickEffect">
-                                  <p:stCondLst>
-                                    <p:cond delay="0"/>
-                                  </p:stCondLst>
-                                  <p:childTnLst>
-                                    <p:set>
-                                      <p:cBhvr>
-                                        <p:cTn id="20" dur="1" fill="hold">
-                                          <p:stCondLst>
-                                            <p:cond delay="0"/>
-                                          </p:stCondLst>
-                                        </p:cTn>
-                                        <p:tgtEl>
-                                          <p:spTgt spid="3">
-                                            <p:txEl>
-                                              <p:pRg st="5" end="5"/>
-                                            </p:txEl>
-                                          </p:spTgt>
-                                        </p:tgtEl>
-                                        <p:attrNameLst>
-                                          <p:attrName>style.visibility</p:attrName>
-                                        </p:attrNameLst>
-                                      </p:cBhvr>
-                                      <p:to>
-                                        <p:strVal val="visible"/>
-                                      </p:to>
-                                    </p:set>
-                                  </p:childTnLst>
-                                </p:cTn>
-                              </p:par>
-                              <p:par>
-                                <p:cTn id="21" presetID="1" presetClass="entr" presetSubtype="0" fill="hold" grpId="0" nodeType="withEffect">
-                                  <p:stCondLst>
-                                    <p:cond delay="0"/>
-                                  </p:stCondLst>
-                                  <p:childTnLst>
-                                    <p:set>
-                                      <p:cBhvr>
-                                        <p:cTn id="22" dur="1" fill="hold">
-                                          <p:stCondLst>
-                                            <p:cond delay="0"/>
-                                          </p:stCondLst>
-                                        </p:cTn>
-                                        <p:tgtEl>
-                                          <p:spTgt spid="3">
-                                            <p:txEl>
-                                              <p:pRg st="6" end="6"/>
-                                            </p:txEl>
-                                          </p:spTgt>
-                                        </p:tgtEl>
-                                        <p:attrNameLst>
-                                          <p:attrName>style.visibility</p:attrName>
-                                        </p:attrNameLst>
-                                      </p:cBhvr>
-                                      <p:to>
-                                        <p:strVal val="visible"/>
-                                      </p:to>
-                                    </p:set>
-                                  </p:childTnLst>
-                                </p:cTn>
-                              </p:par>
-                              <p:par>
-                                <p:cTn id="23" presetID="1" presetClass="entr" presetSubtype="0" fill="hold" grpId="0" nodeType="withEffect">
-                                  <p:stCondLst>
-                                    <p:cond delay="0"/>
-                                  </p:stCondLst>
-                                  <p:childTnLst>
-                                    <p:set>
-                                      <p:cBhvr>
-                                        <p:cTn id="24" dur="1" fill="hold">
-                                          <p:stCondLst>
-                                            <p:cond delay="0"/>
-                                          </p:stCondLst>
-                                        </p:cTn>
-                                        <p:tgtEl>
-                                          <p:spTgt spid="3">
-                                            <p:txEl>
-                                              <p:pRg st="7" end="7"/>
-                                            </p:txEl>
-                                          </p:spTgt>
-                                        </p:tgtEl>
-                                        <p:attrNameLst>
-                                          <p:attrName>style.visibility</p:attrName>
-                                        </p:attrNameLst>
-                                      </p:cBhvr>
-                                      <p:to>
-                                        <p:strVal val="visible"/>
-                                      </p:to>
-                                    </p:set>
-                                  </p:childTnLst>
-                                </p:cTn>
-                              </p:par>
-                            </p:childTnLst>
-                          </p:cTn>
-                        </p:par>
-                      </p:childTnLst>
-                    </p:cTn>
-                  </p:par>
-                </p:childTnLst>
-              </p:cTn>
-              <p:prevCondLst>
-                <p:cond evt="onPrev" delay="0">
-                  <p:tgtEl>
-                    <p:sldTgt/>
-                  </p:tgtEl>
-                </p:cond>
-              </p:prevCondLst>
-              <p:nextCondLst>
-                <p:cond evt="onNext" delay="0">
-                  <p:tgtEl>
-                    <p:sldTgt/>
-                  </p:tgtEl>
-                </p:cond>
-              </p:nextCondLst>
-            </p:seq>
-          </p:childTnLst>
-        </p:cTn>
-      </p:par>
-    </p:tnLst>
-    <p:bldLst>
-      <p:bldP spid="3" grpId="0" build="p"/>
-    </p:bldLst>
-  </p:timing>
-</p:sld>
-</file>
-
-<file path=ppt/slides/slide12.xml><?xml version="1.0" encoding="utf-8"?>
-<p:sld xmlns:a="http://schemas.openxmlformats.org/drawingml/2006/main" xmlns:r="http://schemas.openxmlformats.org/officeDocument/2006/relationships" xmlns:p="http://schemas.openxmlformats.org/presentationml/2006/main">
-  <p:cSld>
-    <p:spTree>
-      <p:nvGrpSpPr>
-        <p:cNvPr id="1" name=""/>
-        <p:cNvGrpSpPr/>
-        <p:nvPr/>
-      </p:nvGrpSpPr>
-      <p:grpSpPr>
-        <a:xfrm>
-          <a:off x="0" y="0"/>
-          <a:ext cx="0" cy="0"/>
-          <a:chOff x="0" y="0"/>
-          <a:chExt cx="0" cy="0"/>
-        </a:xfrm>
-      </p:grpSpPr>
-      <p:sp>
-        <p:nvSpPr>
-          <p:cNvPr id="2" name="Title 1"/>
-          <p:cNvSpPr>
-            <a:spLocks noGrp="1"/>
-          </p:cNvSpPr>
-          <p:nvPr>
-            <p:ph type="title"/>
-          </p:nvPr>
-        </p:nvSpPr>
-        <p:spPr/>
-        <p:txBody>
-          <a:bodyPr>
             <a:normAutofit/>
           </a:bodyPr>
           <a:lstStyle/>
@@ -7104,11 +11738,7 @@
             </a:pPr>
             <a:r>
               <a:rPr lang="nl-BE" sz="3600" b="1" dirty="0" smtClean="0"/>
-              <a:t> Spreadsheet tabel </a:t>
-            </a:r>
-            <a:r>
-              <a:rPr lang="nl-BE" sz="3600" b="1" dirty="0" smtClean="0"/>
-              <a:t>transformaties    </a:t>
+              <a:t> Spreadsheet tabel transformaties    </a:t>
             </a:r>
             <a:r>
               <a:rPr lang="nl-BE" sz="2600" dirty="0" smtClean="0"/>
@@ -7184,7 +11814,7 @@
 </p:sld>
 </file>
 
-<file path=ppt/slides/slide13.xml><?xml version="1.0" encoding="utf-8"?>
+<file path=ppt/slides/slide12.xml><?xml version="1.0" encoding="utf-8"?>
 <p:sld xmlns:a="http://schemas.openxmlformats.org/drawingml/2006/main" xmlns:r="http://schemas.openxmlformats.org/officeDocument/2006/relationships" xmlns:p="http://schemas.openxmlformats.org/presentationml/2006/main">
   <p:cSld>
     <p:spTree>
@@ -7384,7 +12014,7 @@
         </p:nvSpPr>
         <p:spPr>
           <a:xfrm>
-            <a:off x="6838596" y="3459379"/>
+            <a:off x="6562525" y="3459379"/>
             <a:ext cx="3184783" cy="461665"/>
           </a:xfrm>
           <a:prstGeom prst="rect">
@@ -7406,10 +12036,61 @@
           </a:p>
         </p:txBody>
       </p:sp>
+      <p:graphicFrame>
+        <p:nvGraphicFramePr>
+          <p:cNvPr id="10" name="Content Placeholder 3"/>
+          <p:cNvGraphicFramePr>
+            <a:graphicFrameLocks noGrp="1"/>
+          </p:cNvGraphicFramePr>
+          <p:nvPr>
+            <p:ph idx="1"/>
+            <p:extLst/>
+          </p:nvPr>
+        </p:nvGraphicFramePr>
+        <p:xfrm>
+          <a:off x="7394840" y="1860071"/>
+          <a:ext cx="2602393" cy="1605170"/>
+        </p:xfrm>
+        <a:graphic>
+          <a:graphicData uri="http://schemas.openxmlformats.org/drawingml/2006/diagram">
+            <dgm:relIds xmlns:dgm="http://schemas.openxmlformats.org/drawingml/2006/diagram" xmlns:r="http://schemas.openxmlformats.org/officeDocument/2006/relationships" r:dm="rId5" r:lo="rId6" r:qs="rId7" r:cs="rId8"/>
+          </a:graphicData>
+        </a:graphic>
+      </p:graphicFrame>
+      <p:sp>
+        <p:nvSpPr>
+          <p:cNvPr id="4" name="TextBox 3"/>
+          <p:cNvSpPr txBox="1"/>
+          <p:nvPr/>
+        </p:nvSpPr>
+        <p:spPr>
+          <a:xfrm>
+            <a:off x="10463103" y="5812215"/>
+            <a:ext cx="1601214" cy="523220"/>
+          </a:xfrm>
+          <a:prstGeom prst="rect">
+            <a:avLst/>
+          </a:prstGeom>
+          <a:noFill/>
+        </p:spPr>
+        <p:txBody>
+          <a:bodyPr wrap="square" rtlCol="0">
+            <a:spAutoFit/>
+          </a:bodyPr>
+          <a:lstStyle/>
+          <a:p>
+            <a:r>
+              <a:rPr lang="nl-BE" sz="1400" dirty="0"/>
+              <a:t>[Harris en Gulwani, CACM 11]</a:t>
+            </a:r>
+            <a:endParaRPr lang="en-US" sz="1400" dirty="0"/>
+          </a:p>
+        </p:txBody>
+      </p:sp>
     </p:spTree>
     <p:extLst>
       <p:ext uri="{BB962C8B-B14F-4D97-AF65-F5344CB8AC3E}">
-        <p14:creationId xmlns:p14="http://schemas.microsoft.com/office/powerpoint/2010/main" val="3225734019"/>
+        <p14:creationId xmlns:p14="http://schemas.microsoft.com/office/powerpoint/2010/main" val="992455164"/>
       </p:ext>
     </p:extLst>
   </p:cSld>
@@ -7419,14 +12100,87 @@
   <p:timing>
     <p:tnLst>
       <p:par>
-        <p:cTn id="1" dur="indefinite" restart="never" nodeType="tmRoot"/>
+        <p:cTn id="1" dur="indefinite" restart="never" nodeType="tmRoot">
+          <p:childTnLst>
+            <p:seq concurrent="1" nextAc="seek">
+              <p:cTn id="2" dur="indefinite" nodeType="mainSeq">
+                <p:childTnLst>
+                  <p:par>
+                    <p:cTn id="3" fill="hold">
+                      <p:stCondLst>
+                        <p:cond delay="indefinite"/>
+                      </p:stCondLst>
+                      <p:childTnLst>
+                        <p:par>
+                          <p:cTn id="4" fill="hold">
+                            <p:stCondLst>
+                              <p:cond delay="0"/>
+                            </p:stCondLst>
+                            <p:childTnLst>
+                              <p:par>
+                                <p:cTn id="5" presetID="1" presetClass="entr" presetSubtype="0" fill="hold" grpId="0" nodeType="clickEffect">
+                                  <p:stCondLst>
+                                    <p:cond delay="0"/>
+                                  </p:stCondLst>
+                                  <p:childTnLst>
+                                    <p:set>
+                                      <p:cBhvr>
+                                        <p:cTn id="6" dur="1" fill="hold">
+                                          <p:stCondLst>
+                                            <p:cond delay="0"/>
+                                          </p:stCondLst>
+                                        </p:cTn>
+                                        <p:tgtEl>
+                                          <p:spTgt spid="10"/>
+                                        </p:tgtEl>
+                                        <p:attrNameLst>
+                                          <p:attrName>style.visibility</p:attrName>
+                                        </p:attrNameLst>
+                                      </p:cBhvr>
+                                      <p:to>
+                                        <p:strVal val="visible"/>
+                                      </p:to>
+                                    </p:set>
+                                  </p:childTnLst>
+                                </p:cTn>
+                              </p:par>
+                            </p:childTnLst>
+                          </p:cTn>
+                        </p:par>
+                      </p:childTnLst>
+                    </p:cTn>
+                  </p:par>
+                </p:childTnLst>
+              </p:cTn>
+              <p:prevCondLst>
+                <p:cond evt="onPrev" delay="0">
+                  <p:tgtEl>
+                    <p:sldTgt/>
+                  </p:tgtEl>
+                </p:cond>
+              </p:prevCondLst>
+              <p:nextCondLst>
+                <p:cond evt="onNext" delay="0">
+                  <p:tgtEl>
+                    <p:sldTgt/>
+                  </p:tgtEl>
+                </p:cond>
+              </p:nextCondLst>
+            </p:seq>
+          </p:childTnLst>
+        </p:cTn>
       </p:par>
     </p:tnLst>
+    <p:bldLst>
+      <p:bldGraphic spid="10" grpId="0">
+        <p:bldAsOne/>
+      </p:bldGraphic>
+    </p:bldLst>
   </p:timing>
 </p:sld>
 </file>
 
-<file path=ppt/slides/slide14.xml><?xml version="1.0" encoding="utf-8"?>
+<file path=ppt/slides/slide13.xml><?xml version="1.0" encoding="utf-8"?>
 <p:sld xmlns:a="http://schemas.openxmlformats.org/drawingml/2006/main" xmlns:r="http://schemas.openxmlformats.org/officeDocument/2006/relationships" xmlns:p="http://schemas.openxmlformats.org/presentationml/2006/main">
   <p:cSld>
     <p:spTree>
@@ -7461,8 +12215,16 @@
           <a:lstStyle/>
           <a:p>
             <a:r>
-              <a:rPr lang="nl-BE" sz="6000" dirty="0" smtClean="0"/>
-              <a:t>Voorbeeldprogramma</a:t>
+              <a:rPr lang="en-US" sz="6000" dirty="0" err="1" smtClean="0"/>
+              <a:t>Tabel</a:t>
+            </a:r>
+            <a:r>
+              <a:rPr lang="en-US" sz="6000" dirty="0" smtClean="0"/>
+              <a:t> </a:t>
+            </a:r>
+            <a:r>
+              <a:rPr lang="en-US" sz="6000" dirty="0" err="1" smtClean="0"/>
+              <a:t>transformaties</a:t>
             </a:r>
             <a:endParaRPr lang="en-US" sz="6000" dirty="0"/>
           </a:p>
@@ -7490,39 +12252,32 @@
               <a:buAutoNum type="arabicPeriod"/>
             </a:pPr>
             <a:r>
-              <a:rPr lang="nl-BE" sz="3600" dirty="0" smtClean="0"/>
-              <a:t>Filterprogramma</a:t>
-            </a:r>
-          </a:p>
-          <a:p>
-            <a:pPr marL="457200" indent="-457200">
-              <a:buFont typeface="+mj-lt"/>
-              <a:buAutoNum type="arabicPeriod"/>
-            </a:pPr>
-            <a:r>
-              <a:rPr lang="nl-BE" sz="3600" dirty="0" err="1" smtClean="0"/>
-              <a:t>Mapping</a:t>
-            </a:r>
-            <a:endParaRPr lang="nl-BE" sz="3600" dirty="0" smtClean="0"/>
-          </a:p>
-          <a:p>
-            <a:pPr marL="457200" indent="-457200">
-              <a:buFont typeface="+mj-lt"/>
-              <a:buAutoNum type="arabicPeriod"/>
-            </a:pPr>
-            <a:r>
-              <a:rPr lang="nl-BE" sz="3600" dirty="0" smtClean="0"/>
-              <a:t>Relatieve functies</a:t>
-            </a:r>
-          </a:p>
-          <a:p>
-            <a:pPr marL="457200" indent="-457200">
-              <a:buFont typeface="+mj-lt"/>
-              <a:buAutoNum type="arabicPeriod"/>
-            </a:pPr>
-            <a:r>
-              <a:rPr lang="nl-BE" sz="3600" dirty="0" err="1" smtClean="0"/>
-              <a:t>ProgFromEx</a:t>
+              <a:rPr lang="en-US" sz="3600" dirty="0" err="1" smtClean="0"/>
+              <a:t>Een</a:t>
+            </a:r>
+            <a:r>
+              <a:rPr lang="en-US" sz="3600" dirty="0" smtClean="0"/>
+              <a:t> </a:t>
+            </a:r>
+            <a:r>
+              <a:rPr lang="en-US" sz="3600" dirty="0" err="1" smtClean="0"/>
+              <a:t>taal</a:t>
+            </a:r>
+            <a:r>
+              <a:rPr lang="en-US" sz="3600" dirty="0" smtClean="0"/>
+              <a:t> van </a:t>
+            </a:r>
+            <a:r>
+              <a:rPr lang="en-US" sz="3600" dirty="0" err="1" smtClean="0"/>
+              <a:t>programma’s</a:t>
+            </a:r>
+            <a:r>
+              <a:rPr lang="en-US" sz="3600" dirty="0" smtClean="0"/>
+              <a:t>: </a:t>
+            </a:r>
+            <a:r>
+              <a:rPr lang="en-US" sz="3600" dirty="0" err="1" smtClean="0"/>
+              <a:t>TableProg</a:t>
             </a:r>
             <a:endParaRPr lang="en-US" sz="3600" dirty="0"/>
           </a:p>
@@ -7531,7 +12286,7 @@
     </p:spTree>
     <p:extLst>
       <p:ext uri="{BB962C8B-B14F-4D97-AF65-F5344CB8AC3E}">
-        <p14:creationId xmlns:p14="http://schemas.microsoft.com/office/powerpoint/2010/main" val="3344689338"/>
+        <p14:creationId xmlns:p14="http://schemas.microsoft.com/office/powerpoint/2010/main" val="1391672062"/>
       </p:ext>
     </p:extLst>
   </p:cSld>
@@ -7595,153 +12350,6 @@
                       </p:childTnLst>
                     </p:cTn>
                   </p:par>
-                  <p:par>
-                    <p:cTn id="7" fill="hold">
-                      <p:stCondLst>
-                        <p:cond delay="indefinite"/>
-                      </p:stCondLst>
-                      <p:childTnLst>
-                        <p:par>
-                          <p:cTn id="8" fill="hold">
-                            <p:stCondLst>
-                              <p:cond delay="0"/>
-                            </p:stCondLst>
-                            <p:childTnLst>
-                              <p:par>
-                                <p:cTn id="9" presetID="1" presetClass="entr" presetSubtype="0" fill="hold" grpId="0" nodeType="clickEffect">
-                                  <p:stCondLst>
-                                    <p:cond delay="0"/>
-                                  </p:stCondLst>
-                                  <p:childTnLst>
-                                    <p:set>
-                                      <p:cBhvr>
-                                        <p:cTn id="10" dur="1" fill="hold">
-                                          <p:stCondLst>
-                                            <p:cond delay="0"/>
-                                          </p:stCondLst>
-                                        </p:cTn>
-                                        <p:tgtEl>
-                                          <p:spTgt spid="3">
-                                            <p:txEl>
-                                              <p:pRg st="1" end="1"/>
-                                            </p:txEl>
-                                          </p:spTgt>
-                                        </p:tgtEl>
-                                        <p:attrNameLst>
-                                          <p:attrName>style.visibility</p:attrName>
-                                        </p:attrNameLst>
-                                      </p:cBhvr>
-                                      <p:to>
-                                        <p:strVal val="visible"/>
-                                      </p:to>
-                                    </p:set>
-                                  </p:childTnLst>
-                                </p:cTn>
-                              </p:par>
-                            </p:childTnLst>
-                          </p:cTn>
-                        </p:par>
-                      </p:childTnLst>
-                    </p:cTn>
-                  </p:par>
-                  <p:par>
-                    <p:cTn id="11" fill="hold">
-                      <p:stCondLst>
-                        <p:cond delay="indefinite"/>
-                      </p:stCondLst>
-                      <p:childTnLst>
-                        <p:par>
-                          <p:cTn id="12" fill="hold">
-                            <p:stCondLst>
-                              <p:cond delay="0"/>
-                            </p:stCondLst>
-                            <p:childTnLst>
-                              <p:par>
-                                <p:cTn id="13" presetID="1" presetClass="entr" presetSubtype="0" fill="hold" grpId="0" nodeType="clickEffect">
-                                  <p:stCondLst>
-                                    <p:cond delay="0"/>
-                                  </p:stCondLst>
-                                  <p:childTnLst>
-                                    <p:set>
-                                      <p:cBhvr>
-                                        <p:cTn id="14" dur="1" fill="hold">
-                                          <p:stCondLst>
-                                            <p:cond delay="0"/>
-                                          </p:stCondLst>
-                                        </p:cTn>
-                                        <p:tgtEl>
-                                          <p:spTgt spid="3">
-                                            <p:txEl>
-                                              <p:pRg st="2" end="2"/>
-                                            </p:txEl>
-                                          </p:spTgt>
-                                        </p:tgtEl>
-                                        <p:attrNameLst>
-                                          <p:attrName>style.visibility</p:attrName>
-                                        </p:attrNameLst>
-                                      </p:cBhvr>
-                                      <p:to>
-                                        <p:strVal val="visible"/>
-                                      </p:to>
-                                    </p:set>
-                                  </p:childTnLst>
-                                </p:cTn>
-                              </p:par>
-                            </p:childTnLst>
-                          </p:cTn>
-                        </p:par>
-                      </p:childTnLst>
-                    </p:cTn>
-                  </p:par>
-                  <p:par>
-                    <p:cTn id="15" fill="hold">
-                      <p:stCondLst>
-                        <p:cond delay="indefinite"/>
-                      </p:stCondLst>
-                      <p:childTnLst>
-                        <p:par>
-                          <p:cTn id="16" fill="hold">
-                            <p:stCondLst>
-                              <p:cond delay="0"/>
-                            </p:stCondLst>
-                            <p:childTnLst>
-                              <p:par>
-                                <p:cTn id="17" presetID="1" presetClass="entr" presetSubtype="0" fill="hold" grpId="0" nodeType="clickEffect">
-                                  <p:stCondLst>
-                                    <p:cond delay="0"/>
-                                  </p:stCondLst>
-                                  <p:childTnLst>
-                                    <p:set>
-                                      <p:cBhvr>
-                                        <p:cTn id="18" dur="1" fill="hold">
-                                          <p:stCondLst>
-                                            <p:cond delay="0"/>
-                                          </p:stCondLst>
-                                        </p:cTn>
-                                        <p:tgtEl>
-                                          <p:spTgt spid="3">
-                                            <p:txEl>
-                                              <p:pRg st="3" end="3"/>
-                                            </p:txEl>
-                                          </p:spTgt>
-                                        </p:tgtEl>
-                                        <p:attrNameLst>
-                                          <p:attrName>style.visibility</p:attrName>
-                                        </p:attrNameLst>
-                                      </p:cBhvr>
-                                      <p:to>
-                                        <p:strVal val="visible"/>
-                                      </p:to>
-                                    </p:set>
-                                  </p:childTnLst>
-                                </p:cTn>
-                              </p:par>
-                            </p:childTnLst>
-                          </p:cTn>
-                        </p:par>
-                      </p:childTnLst>
-                    </p:cTn>
-                  </p:par>
                 </p:childTnLst>
               </p:cTn>
               <p:prevCondLst>
@@ -7770,7 +12378,7 @@
 </p:sld>
 </file>
 
-<file path=ppt/slides/slide15.xml><?xml version="1.0" encoding="utf-8"?>
+<file path=ppt/slides/slide14.xml><?xml version="1.0" encoding="utf-8"?>
 <p:sld xmlns:a="http://schemas.openxmlformats.org/drawingml/2006/main" xmlns:r="http://schemas.openxmlformats.org/officeDocument/2006/relationships" xmlns:p="http://schemas.openxmlformats.org/presentationml/2006/main">
   <p:cSld>
     <p:spTree>
@@ -7844,10 +12452,40 @@
           </a:prstGeom>
         </p:spPr>
       </p:pic>
+      <p:sp>
+        <p:nvSpPr>
+          <p:cNvPr id="5" name="TextBox 4"/>
+          <p:cNvSpPr txBox="1"/>
+          <p:nvPr/>
+        </p:nvSpPr>
+        <p:spPr>
+          <a:xfrm>
+            <a:off x="8199318" y="5743186"/>
+            <a:ext cx="1601214" cy="523220"/>
+          </a:xfrm>
+          <a:prstGeom prst="rect">
+            <a:avLst/>
+          </a:prstGeom>
+          <a:noFill/>
+        </p:spPr>
+        <p:txBody>
+          <a:bodyPr wrap="square" rtlCol="0">
+            <a:spAutoFit/>
+          </a:bodyPr>
+          <a:lstStyle/>
+          <a:p>
+            <a:r>
+              <a:rPr lang="nl-BE" sz="1400" dirty="0"/>
+              <a:t>[Harris en Gulwani, CACM 11]</a:t>
+            </a:r>
+            <a:endParaRPr lang="en-US" sz="1400" dirty="0"/>
+          </a:p>
+        </p:txBody>
+      </p:sp>
     </p:spTree>
     <p:extLst>
       <p:ext uri="{BB962C8B-B14F-4D97-AF65-F5344CB8AC3E}">
-        <p14:creationId xmlns:p14="http://schemas.microsoft.com/office/powerpoint/2010/main" val="174650717"/>
+        <p14:creationId xmlns:p14="http://schemas.microsoft.com/office/powerpoint/2010/main" val="2905714892"/>
       </p:ext>
     </p:extLst>
   </p:cSld>
@@ -7864,7 +12502,7 @@
 </p:sld>
 </file>
 
-<file path=ppt/slides/slide16.xml><?xml version="1.0" encoding="utf-8"?>
+<file path=ppt/slides/slide15.xml><?xml version="1.0" encoding="utf-8"?>
 <p:sld xmlns:a="http://schemas.openxmlformats.org/drawingml/2006/main" xmlns:r="http://schemas.openxmlformats.org/officeDocument/2006/relationships" xmlns:p="http://schemas.openxmlformats.org/presentationml/2006/main">
   <p:cSld>
     <p:spTree>
@@ -7966,10 +12604,40 @@
           </a:prstGeom>
         </p:spPr>
       </p:pic>
+      <p:sp>
+        <p:nvSpPr>
+          <p:cNvPr id="5" name="TextBox 4"/>
+          <p:cNvSpPr txBox="1"/>
+          <p:nvPr/>
+        </p:nvSpPr>
+        <p:spPr>
+          <a:xfrm>
+            <a:off x="7219263" y="5425654"/>
+            <a:ext cx="2705499" cy="307777"/>
+          </a:xfrm>
+          <a:prstGeom prst="rect">
+            <a:avLst/>
+          </a:prstGeom>
+          <a:noFill/>
+        </p:spPr>
+        <p:txBody>
+          <a:bodyPr wrap="square" rtlCol="0">
+            <a:spAutoFit/>
+          </a:bodyPr>
+          <a:lstStyle/>
+          <a:p>
+            <a:r>
+              <a:rPr lang="nl-BE" sz="1400" dirty="0"/>
+              <a:t>[Harris en Gulwani, CACM 11]</a:t>
+            </a:r>
+            <a:endParaRPr lang="en-US" sz="1400" dirty="0"/>
+          </a:p>
+        </p:txBody>
+      </p:sp>
     </p:spTree>
     <p:extLst>
       <p:ext uri="{BB962C8B-B14F-4D97-AF65-F5344CB8AC3E}">
-        <p14:creationId xmlns:p14="http://schemas.microsoft.com/office/powerpoint/2010/main" val="401413552"/>
+        <p14:creationId xmlns:p14="http://schemas.microsoft.com/office/powerpoint/2010/main" val="1460774141"/>
       </p:ext>
     </p:extLst>
   </p:cSld>
@@ -7982,6 +12650,266 @@
         <p:cTn id="1" dur="indefinite" restart="never" nodeType="tmRoot"/>
       </p:par>
     </p:tnLst>
+  </p:timing>
+</p:sld>
+</file>
+
+<file path=ppt/slides/slide16.xml><?xml version="1.0" encoding="utf-8"?>
+<p:sld xmlns:a="http://schemas.openxmlformats.org/drawingml/2006/main" xmlns:r="http://schemas.openxmlformats.org/officeDocument/2006/relationships" xmlns:p="http://schemas.openxmlformats.org/presentationml/2006/main">
+  <p:cSld>
+    <p:spTree>
+      <p:nvGrpSpPr>
+        <p:cNvPr id="1" name=""/>
+        <p:cNvGrpSpPr/>
+        <p:nvPr/>
+      </p:nvGrpSpPr>
+      <p:grpSpPr>
+        <a:xfrm>
+          <a:off x="0" y="0"/>
+          <a:ext cx="0" cy="0"/>
+          <a:chOff x="0" y="0"/>
+          <a:chExt cx="0" cy="0"/>
+        </a:xfrm>
+      </p:grpSpPr>
+      <p:sp>
+        <p:nvSpPr>
+          <p:cNvPr id="2" name="Title 1"/>
+          <p:cNvSpPr>
+            <a:spLocks noGrp="1"/>
+          </p:cNvSpPr>
+          <p:nvPr>
+            <p:ph type="title"/>
+          </p:nvPr>
+        </p:nvSpPr>
+        <p:spPr/>
+        <p:txBody>
+          <a:bodyPr>
+            <a:normAutofit/>
+          </a:bodyPr>
+          <a:lstStyle/>
+          <a:p>
+            <a:r>
+              <a:rPr lang="en-US" sz="6000" dirty="0" err="1" smtClean="0"/>
+              <a:t>Tabel</a:t>
+            </a:r>
+            <a:r>
+              <a:rPr lang="en-US" sz="6000" dirty="0" smtClean="0"/>
+              <a:t> </a:t>
+            </a:r>
+            <a:r>
+              <a:rPr lang="en-US" sz="6000" dirty="0" err="1" smtClean="0"/>
+              <a:t>transformaties</a:t>
+            </a:r>
+            <a:endParaRPr lang="en-US" sz="6000" dirty="0"/>
+          </a:p>
+        </p:txBody>
+      </p:sp>
+      <p:sp>
+        <p:nvSpPr>
+          <p:cNvPr id="3" name="Content Placeholder 2"/>
+          <p:cNvSpPr>
+            <a:spLocks noGrp="1"/>
+          </p:cNvSpPr>
+          <p:nvPr>
+            <p:ph idx="1"/>
+          </p:nvPr>
+        </p:nvSpPr>
+        <p:spPr/>
+        <p:txBody>
+          <a:bodyPr>
+            <a:normAutofit/>
+          </a:bodyPr>
+          <a:lstStyle/>
+          <a:p>
+            <a:pPr marL="457200" indent="-457200">
+              <a:buFont typeface="+mj-lt"/>
+              <a:buAutoNum type="arabicPeriod"/>
+            </a:pPr>
+            <a:r>
+              <a:rPr lang="en-US" sz="3600" dirty="0" err="1" smtClean="0"/>
+              <a:t>TableProg</a:t>
+            </a:r>
+            <a:endParaRPr lang="en-US" sz="3600" dirty="0" smtClean="0"/>
+          </a:p>
+          <a:p>
+            <a:pPr marL="457200" indent="-457200">
+              <a:buFont typeface="+mj-lt"/>
+              <a:buAutoNum type="arabicPeriod"/>
+            </a:pPr>
+            <a:r>
+              <a:rPr lang="en-US" sz="3600" dirty="0" err="1" smtClean="0"/>
+              <a:t>Algoritme</a:t>
+            </a:r>
+            <a:r>
+              <a:rPr lang="en-US" sz="3600" dirty="0" smtClean="0"/>
+              <a:t>: </a:t>
+            </a:r>
+            <a:r>
+              <a:rPr lang="en-US" sz="3600" dirty="0" err="1" smtClean="0"/>
+              <a:t>ProgFromEx</a:t>
+            </a:r>
+            <a:endParaRPr lang="en-US" sz="3400" dirty="0" smtClean="0"/>
+          </a:p>
+          <a:p>
+            <a:pPr marL="457200" indent="-457200">
+              <a:buFont typeface="+mj-lt"/>
+              <a:buAutoNum type="arabicPeriod"/>
+            </a:pPr>
+            <a:r>
+              <a:rPr lang="en-US" sz="3600" dirty="0" err="1" smtClean="0"/>
+              <a:t>Experimenten</a:t>
+            </a:r>
+            <a:endParaRPr lang="en-US" sz="3600" dirty="0" smtClean="0"/>
+          </a:p>
+          <a:p>
+            <a:pPr marL="457200" indent="-457200">
+              <a:buFont typeface="+mj-lt"/>
+              <a:buAutoNum type="arabicPeriod"/>
+            </a:pPr>
+            <a:endParaRPr lang="en-US" sz="3600" dirty="0"/>
+          </a:p>
+        </p:txBody>
+      </p:sp>
+    </p:spTree>
+    <p:extLst>
+      <p:ext uri="{BB962C8B-B14F-4D97-AF65-F5344CB8AC3E}">
+        <p14:creationId xmlns:p14="http://schemas.microsoft.com/office/powerpoint/2010/main" val="1437868353"/>
+      </p:ext>
+    </p:extLst>
+  </p:cSld>
+  <p:clrMapOvr>
+    <a:masterClrMapping/>
+  </p:clrMapOvr>
+  <p:timing>
+    <p:tnLst>
+      <p:par>
+        <p:cTn id="1" dur="indefinite" restart="never" nodeType="tmRoot">
+          <p:childTnLst>
+            <p:seq concurrent="1" nextAc="seek">
+              <p:cTn id="2" dur="indefinite" nodeType="mainSeq">
+                <p:childTnLst>
+                  <p:par>
+                    <p:cTn id="3" fill="hold">
+                      <p:stCondLst>
+                        <p:cond delay="indefinite"/>
+                      </p:stCondLst>
+                      <p:childTnLst>
+                        <p:par>
+                          <p:cTn id="4" fill="hold">
+                            <p:stCondLst>
+                              <p:cond delay="0"/>
+                            </p:stCondLst>
+                            <p:childTnLst>
+                              <p:par>
+                                <p:cTn id="5" presetID="1" presetClass="entr" presetSubtype="0" fill="hold" grpId="0" nodeType="clickEffect">
+                                  <p:stCondLst>
+                                    <p:cond delay="0"/>
+                                  </p:stCondLst>
+                                  <p:childTnLst>
+                                    <p:set>
+                                      <p:cBhvr>
+                                        <p:cTn id="6" dur="1" fill="hold">
+                                          <p:stCondLst>
+                                            <p:cond delay="0"/>
+                                          </p:stCondLst>
+                                        </p:cTn>
+                                        <p:tgtEl>
+                                          <p:spTgt spid="3">
+                                            <p:txEl>
+                                              <p:pRg st="1" end="1"/>
+                                            </p:txEl>
+                                          </p:spTgt>
+                                        </p:tgtEl>
+                                        <p:attrNameLst>
+                                          <p:attrName>style.visibility</p:attrName>
+                                        </p:attrNameLst>
+                                      </p:cBhvr>
+                                      <p:to>
+                                        <p:strVal val="visible"/>
+                                      </p:to>
+                                    </p:set>
+                                  </p:childTnLst>
+                                </p:cTn>
+                              </p:par>
+                            </p:childTnLst>
+                          </p:cTn>
+                        </p:par>
+                      </p:childTnLst>
+                    </p:cTn>
+                  </p:par>
+                  <p:par>
+                    <p:cTn id="7" fill="hold">
+                      <p:stCondLst>
+                        <p:cond delay="indefinite"/>
+                      </p:stCondLst>
+                      <p:childTnLst>
+                        <p:par>
+                          <p:cTn id="8" fill="hold">
+                            <p:stCondLst>
+                              <p:cond delay="0"/>
+                            </p:stCondLst>
+                            <p:childTnLst>
+                              <p:par>
+                                <p:cTn id="9" presetID="1" presetClass="entr" presetSubtype="0" fill="hold" grpId="0" nodeType="clickEffect">
+                                  <p:stCondLst>
+                                    <p:cond delay="0"/>
+                                  </p:stCondLst>
+                                  <p:childTnLst>
+                                    <p:set>
+                                      <p:cBhvr>
+                                        <p:cTn id="10" dur="1" fill="hold">
+                                          <p:stCondLst>
+                                            <p:cond delay="0"/>
+                                          </p:stCondLst>
+                                        </p:cTn>
+                                        <p:tgtEl>
+                                          <p:spTgt spid="3">
+                                            <p:txEl>
+                                              <p:pRg st="2" end="2"/>
+                                            </p:txEl>
+                                          </p:spTgt>
+                                        </p:tgtEl>
+                                        <p:attrNameLst>
+                                          <p:attrName>style.visibility</p:attrName>
+                                        </p:attrNameLst>
+                                      </p:cBhvr>
+                                      <p:to>
+                                        <p:strVal val="visible"/>
+                                      </p:to>
+                                    </p:set>
+                                  </p:childTnLst>
+                                </p:cTn>
+                              </p:par>
+                            </p:childTnLst>
+                          </p:cTn>
+                        </p:par>
+                      </p:childTnLst>
+                    </p:cTn>
+                  </p:par>
+                </p:childTnLst>
+              </p:cTn>
+              <p:prevCondLst>
+                <p:cond evt="onPrev" delay="0">
+                  <p:tgtEl>
+                    <p:sldTgt/>
+                  </p:tgtEl>
+                </p:cond>
+              </p:prevCondLst>
+              <p:nextCondLst>
+                <p:cond evt="onNext" delay="0">
+                  <p:tgtEl>
+                    <p:sldTgt/>
+                  </p:tgtEl>
+                </p:cond>
+              </p:nextCondLst>
+            </p:seq>
+          </p:childTnLst>
+        </p:cTn>
+      </p:par>
+    </p:tnLst>
+    <p:bldLst>
+      <p:bldP spid="3" grpId="0" build="p"/>
+    </p:bldLst>
   </p:timing>
 </p:sld>
 </file>
@@ -8346,52 +13274,12 @@
           <a:lstStyle/>
           <a:p>
             <a:r>
-              <a:rPr lang="nl-BE" sz="6000" dirty="0" err="1">
-                <a:solidFill>
-                  <a:schemeClr val="tx1"/>
-                </a:solidFill>
-              </a:rPr>
-              <a:t>Inductive</a:t>
-            </a:r>
-            <a:r>
-              <a:rPr lang="nl-BE" sz="6000" dirty="0">
-                <a:solidFill>
-                  <a:schemeClr val="tx1"/>
-                </a:solidFill>
-              </a:rPr>
-              <a:t> </a:t>
-            </a:r>
-            <a:r>
-              <a:rPr lang="nl-BE" sz="6000" dirty="0" err="1" smtClean="0">
-                <a:solidFill>
-                  <a:schemeClr val="tx1"/>
-                </a:solidFill>
-              </a:rPr>
-              <a:t>language</a:t>
-            </a:r>
-            <a:r>
               <a:rPr lang="nl-BE" sz="6000" dirty="0" smtClean="0">
                 <a:solidFill>
                   <a:schemeClr val="tx1"/>
                 </a:solidFill>
               </a:rPr>
-              <a:t> </a:t>
-            </a:r>
-            <a:r>
-              <a:rPr lang="nl-BE" sz="6000" dirty="0">
-                <a:solidFill>
-                  <a:schemeClr val="tx1"/>
-                </a:solidFill>
-              </a:rPr>
-              <a:t>b</a:t>
-            </a:r>
-            <a:r>
-              <a:rPr lang="nl-BE" sz="6000" dirty="0" smtClean="0">
-                <a:solidFill>
-                  <a:schemeClr val="tx1"/>
-                </a:solidFill>
-              </a:rPr>
-              <a:t>ias</a:t>
+              <a:t>Kennis integreren</a:t>
             </a:r>
             <a:endParaRPr lang="en-US" sz="6000" dirty="0">
               <a:solidFill>
@@ -8413,7 +13301,9 @@
         </p:nvSpPr>
         <p:spPr/>
         <p:txBody>
-          <a:bodyPr/>
+          <a:bodyPr>
+            <a:noAutofit/>
+          </a:bodyPr>
           <a:lstStyle/>
           <a:p>
             <a:pPr>
@@ -8422,14 +13312,56 @@
             </a:pPr>
             <a:r>
               <a:rPr lang="nl-BE" sz="3600" dirty="0" smtClean="0"/>
+              <a:t> 3 manieren</a:t>
+            </a:r>
+          </a:p>
+          <a:p>
+            <a:pPr lvl="2">
+              <a:buFont typeface="Arial" panose="020B0604020202020204" pitchFamily="34" charset="0"/>
+              <a:buChar char="•"/>
+            </a:pPr>
+            <a:r>
+              <a:rPr lang="nl-BE" sz="3000" dirty="0"/>
               <a:t> </a:t>
             </a:r>
             <a:r>
-              <a:rPr lang="nl-BE" sz="3600" dirty="0" err="1" smtClean="0"/>
+              <a:rPr lang="nl-BE" sz="3000" dirty="0" smtClean="0"/>
+              <a:t> Expliciete integratie</a:t>
+            </a:r>
+          </a:p>
+          <a:p>
+            <a:pPr lvl="2">
+              <a:buFont typeface="Arial" panose="020B0604020202020204" pitchFamily="34" charset="0"/>
+              <a:buChar char="•"/>
+            </a:pPr>
+            <a:r>
+              <a:rPr lang="nl-BE" sz="3000" dirty="0"/>
+              <a:t> </a:t>
+            </a:r>
+            <a:r>
+              <a:rPr lang="nl-BE" sz="3000" dirty="0" smtClean="0"/>
+              <a:t> Impliciete integratie</a:t>
+            </a:r>
+          </a:p>
+          <a:p>
+            <a:pPr lvl="2">
+              <a:buFont typeface="Arial" panose="020B0604020202020204" pitchFamily="34" charset="0"/>
+              <a:buChar char="•"/>
+            </a:pPr>
+            <a:r>
+              <a:rPr lang="nl-BE" sz="3000" dirty="0"/>
+              <a:t> </a:t>
+            </a:r>
+            <a:r>
+              <a:rPr lang="nl-BE" sz="3000" dirty="0" smtClean="0"/>
+              <a:t> </a:t>
+            </a:r>
+            <a:r>
+              <a:rPr lang="nl-BE" sz="3000" dirty="0" err="1" smtClean="0"/>
               <a:t>Inductive</a:t>
             </a:r>
             <a:r>
-              <a:rPr lang="nl-BE" sz="3600" dirty="0" smtClean="0"/>
+              <a:rPr lang="nl-BE" sz="3000" dirty="0" smtClean="0"/>
               <a:t> bias</a:t>
             </a:r>
           </a:p>
@@ -8439,68 +13371,26 @@
               <a:buChar char="•"/>
             </a:pPr>
             <a:r>
-              <a:rPr lang="nl-BE" sz="3600" dirty="0"/>
+              <a:rPr lang="nl-BE" sz="3600" dirty="0" smtClean="0"/>
               <a:t> </a:t>
             </a:r>
             <a:r>
+              <a:rPr lang="nl-BE" sz="3600" dirty="0" err="1" smtClean="0"/>
+              <a:t>Inductive</a:t>
+            </a:r>
+            <a:r>
               <a:rPr lang="nl-BE" sz="3600" dirty="0" smtClean="0"/>
-              <a:t>3 Types</a:t>
-            </a:r>
-          </a:p>
-          <a:p>
-            <a:pPr lvl="2">
-              <a:buFont typeface="Arial" panose="020B0604020202020204" pitchFamily="34" charset="0"/>
-              <a:buChar char="•"/>
-            </a:pPr>
-            <a:r>
-              <a:rPr lang="nl-BE" sz="2800" dirty="0" smtClean="0"/>
-              <a:t>Language bias</a:t>
-            </a:r>
-          </a:p>
-          <a:p>
-            <a:pPr lvl="2">
-              <a:buFont typeface="Arial" panose="020B0604020202020204" pitchFamily="34" charset="0"/>
-              <a:buChar char="•"/>
-            </a:pPr>
-            <a:r>
-              <a:rPr lang="nl-BE" sz="2800" dirty="0" smtClean="0"/>
-              <a:t>Search bias</a:t>
-            </a:r>
-          </a:p>
-          <a:p>
-            <a:pPr lvl="2">
-              <a:buFont typeface="Arial" panose="020B0604020202020204" pitchFamily="34" charset="0"/>
-              <a:buChar char="•"/>
-            </a:pPr>
-            <a:r>
-              <a:rPr lang="nl-BE" sz="2800" dirty="0" err="1" smtClean="0"/>
-              <a:t>Validation</a:t>
-            </a:r>
-            <a:r>
-              <a:rPr lang="nl-BE" sz="2800" dirty="0" smtClean="0"/>
+              <a:t> </a:t>
+            </a:r>
+            <a:r>
+              <a:rPr lang="nl-BE" sz="3600" dirty="0" err="1" smtClean="0"/>
+              <a:t>language</a:t>
+            </a:r>
+            <a:r>
+              <a:rPr lang="nl-BE" sz="3600" dirty="0" smtClean="0"/>
               <a:t> bias</a:t>
             </a:r>
-          </a:p>
-          <a:p>
-            <a:pPr>
-              <a:buFont typeface="Arial" panose="020B0604020202020204" pitchFamily="34" charset="0"/>
-              <a:buChar char="•"/>
-            </a:pPr>
-            <a:r>
-              <a:rPr lang="nl-BE" sz="3600" dirty="0"/>
-              <a:t> </a:t>
-            </a:r>
-            <a:r>
-              <a:rPr lang="nl-BE" sz="3600" dirty="0" err="1" smtClean="0"/>
-              <a:t>Declaratief</a:t>
-            </a:r>
-            <a:r>
-              <a:rPr lang="nl-BE" sz="3600" dirty="0" smtClean="0"/>
-              <a:t>  </a:t>
-            </a:r>
-          </a:p>
-          <a:p>
-            <a:endParaRPr lang="en-US" dirty="0"/>
+            <a:endParaRPr lang="nl-BE" sz="2800" dirty="0" smtClean="0"/>
           </a:p>
         </p:txBody>
       </p:sp>
@@ -8565,26 +13455,39 @@
                                   </p:childTnLst>
                                 </p:cTn>
                               </p:par>
-                            </p:childTnLst>
-                          </p:cTn>
-                        </p:par>
-                      </p:childTnLst>
-                    </p:cTn>
-                  </p:par>
-                  <p:par>
-                    <p:cTn id="7" fill="hold">
-                      <p:stCondLst>
-                        <p:cond delay="indefinite"/>
-                      </p:stCondLst>
-                      <p:childTnLst>
-                        <p:par>
-                          <p:cTn id="8" fill="hold">
-                            <p:stCondLst>
-                              <p:cond delay="0"/>
-                            </p:stCondLst>
-                            <p:childTnLst>
                               <p:par>
-                                <p:cTn id="9" presetID="1" presetClass="entr" presetSubtype="0" fill="hold" grpId="0" nodeType="clickEffect">
+                                <p:cTn id="7" presetID="1" presetClass="entr" presetSubtype="0" fill="hold" grpId="0" nodeType="withEffect">
+                                  <p:stCondLst>
+                                    <p:cond delay="0"/>
+                                  </p:stCondLst>
+                                  <p:childTnLst>
+                                    <p:set>
+                                      <p:cBhvr>
+                                        <p:cTn id="8" dur="1" fill="hold">
+                                          <p:stCondLst>
+                                            <p:cond delay="0"/>
+                                          </p:stCondLst>
+                                        </p:cTn>
+                                        <p:tgtEl>
+                                          <p:spTgt spid="3">
+                                            <p:txEl>
+                                              <p:pRg st="1" end="1"/>
+                                            </p:txEl>
+                                          </p:spTgt>
+                                        </p:tgtEl>
+                                        <p:attrNameLst>
+                                          <p:attrName>style.visibility</p:attrName>
+                                        </p:attrNameLst>
+                                      </p:cBhvr>
+                                      <p:to>
+                                        <p:strVal val="visible"/>
+                                      </p:to>
+                                    </p:set>
+                                  </p:childTnLst>
+                                </p:cTn>
+                              </p:par>
+                              <p:par>
+                                <p:cTn id="9" presetID="1" presetClass="entr" presetSubtype="0" fill="hold" grpId="0" nodeType="withEffect">
                                   <p:stCondLst>
                                     <p:cond delay="0"/>
                                   </p:stCondLst>
@@ -8599,7 +13502,7 @@
                                         <p:tgtEl>
                                           <p:spTgt spid="3">
                                             <p:txEl>
-                                              <p:pRg st="1" end="1"/>
+                                              <p:pRg st="2" end="2"/>
                                             </p:txEl>
                                           </p:spTgt>
                                         </p:tgtEl>
@@ -8630,69 +13533,7 @@
                                         <p:tgtEl>
                                           <p:spTgt spid="3">
                                             <p:txEl>
-                                              <p:pRg st="2" end="2"/>
-                                            </p:txEl>
-                                          </p:spTgt>
-                                        </p:tgtEl>
-                                        <p:attrNameLst>
-                                          <p:attrName>style.visibility</p:attrName>
-                                        </p:attrNameLst>
-                                      </p:cBhvr>
-                                      <p:to>
-                                        <p:strVal val="visible"/>
-                                      </p:to>
-                                    </p:set>
-                                  </p:childTnLst>
-                                </p:cTn>
-                              </p:par>
-                              <p:par>
-                                <p:cTn id="13" presetID="1" presetClass="entr" presetSubtype="0" fill="hold" grpId="0" nodeType="withEffect">
-                                  <p:stCondLst>
-                                    <p:cond delay="0"/>
-                                  </p:stCondLst>
-                                  <p:childTnLst>
-                                    <p:set>
-                                      <p:cBhvr>
-                                        <p:cTn id="14" dur="1" fill="hold">
-                                          <p:stCondLst>
-                                            <p:cond delay="0"/>
-                                          </p:stCondLst>
-                                        </p:cTn>
-                                        <p:tgtEl>
-                                          <p:spTgt spid="3">
-                                            <p:txEl>
                                               <p:pRg st="3" end="3"/>
-                                            </p:txEl>
-                                          </p:spTgt>
-                                        </p:tgtEl>
-                                        <p:attrNameLst>
-                                          <p:attrName>style.visibility</p:attrName>
-                                        </p:attrNameLst>
-                                      </p:cBhvr>
-                                      <p:to>
-                                        <p:strVal val="visible"/>
-                                      </p:to>
-                                    </p:set>
-                                  </p:childTnLst>
-                                </p:cTn>
-                              </p:par>
-                              <p:par>
-                                <p:cTn id="15" presetID="1" presetClass="entr" presetSubtype="0" fill="hold" grpId="0" nodeType="withEffect">
-                                  <p:stCondLst>
-                                    <p:cond delay="0"/>
-                                  </p:stCondLst>
-                                  <p:childTnLst>
-                                    <p:set>
-                                      <p:cBhvr>
-                                        <p:cTn id="16" dur="1" fill="hold">
-                                          <p:stCondLst>
-                                            <p:cond delay="0"/>
-                                          </p:stCondLst>
-                                        </p:cTn>
-                                        <p:tgtEl>
-                                          <p:spTgt spid="3">
-                                            <p:txEl>
-                                              <p:pRg st="4" end="4"/>
                                             </p:txEl>
                                           </p:spTgt>
                                         </p:tgtEl>
@@ -8714,26 +13555,26 @@
                     </p:cTn>
                   </p:par>
                   <p:par>
-                    <p:cTn id="17" fill="hold">
+                    <p:cTn id="13" fill="hold">
                       <p:stCondLst>
                         <p:cond delay="indefinite"/>
                       </p:stCondLst>
                       <p:childTnLst>
                         <p:par>
-                          <p:cTn id="18" fill="hold">
+                          <p:cTn id="14" fill="hold">
                             <p:stCondLst>
                               <p:cond delay="0"/>
                             </p:stCondLst>
                             <p:childTnLst>
                               <p:par>
-                                <p:cTn id="19" presetID="1" presetClass="entr" presetSubtype="0" fill="hold" grpId="0" nodeType="clickEffect">
+                                <p:cTn id="15" presetID="1" presetClass="entr" presetSubtype="0" fill="hold" grpId="0" nodeType="clickEffect">
                                   <p:stCondLst>
                                     <p:cond delay="0"/>
                                   </p:stCondLst>
                                   <p:childTnLst>
                                     <p:set>
                                       <p:cBhvr>
-                                        <p:cTn id="20" dur="1" fill="hold">
+                                        <p:cTn id="16" dur="1" fill="hold">
                                           <p:stCondLst>
                                             <p:cond delay="0"/>
                                           </p:stCondLst>
@@ -8741,7 +13582,7 @@
                                         <p:tgtEl>
                                           <p:spTgt spid="3">
                                             <p:txEl>
-                                              <p:pRg st="5" end="5"/>
+                                              <p:pRg st="4" end="4"/>
                                             </p:txEl>
                                           </p:spTgt>
                                         </p:tgtEl>
@@ -8855,13 +13696,8 @@
             </a:pPr>
             <a:r>
               <a:rPr lang="nl-BE" sz="3600" dirty="0" smtClean="0"/>
-              <a:t> Ons </a:t>
-            </a:r>
-            <a:r>
-              <a:rPr lang="nl-BE" sz="3600" dirty="0" smtClean="0"/>
-              <a:t>doel </a:t>
-            </a:r>
-            <a:endParaRPr lang="nl-BE" sz="3600" dirty="0" smtClean="0"/>
+              <a:t> Ons doel </a:t>
+            </a:r>
           </a:p>
           <a:p>
             <a:pPr>
@@ -9178,34 +14014,18 @@
             </a:pPr>
             <a:r>
               <a:rPr lang="nl-BE" sz="3600" dirty="0" smtClean="0"/>
-              <a:t>  Voorbeeld </a:t>
-            </a:r>
-            <a:r>
-              <a:rPr lang="nl-BE" sz="3600" dirty="0" err="1" smtClean="0">
-                <a:solidFill>
-                  <a:srgbClr val="FF0000"/>
-                </a:solidFill>
-              </a:rPr>
-              <a:t>language</a:t>
-            </a:r>
-            <a:r>
-              <a:rPr lang="nl-BE" sz="3600" dirty="0" smtClean="0">
-                <a:solidFill>
-                  <a:srgbClr val="FF0000"/>
-                </a:solidFill>
-              </a:rPr>
-              <a:t> bias</a:t>
-            </a:r>
+              <a:t>  Voorbeeld context vrije </a:t>
+            </a:r>
+            <a:r>
+              <a:rPr lang="nl-BE" sz="3600" dirty="0"/>
+              <a:t/>
+            </a:r>
+            <a:br>
+              <a:rPr lang="nl-BE" sz="3600" dirty="0"/>
+            </a:br>
             <a:r>
               <a:rPr lang="nl-BE" sz="3600" dirty="0" smtClean="0"/>
-              <a:t>: </a:t>
-            </a:r>
-            <a:br>
-              <a:rPr lang="nl-BE" sz="3600" dirty="0" smtClean="0"/>
-            </a:br>
-            <a:r>
-              <a:rPr lang="nl-BE" sz="3600" dirty="0" smtClean="0"/>
-              <a:t>	context vrije grammatica</a:t>
+              <a:t>   grammatica</a:t>
             </a:r>
           </a:p>
           <a:p>
@@ -9233,18 +14053,9 @@
               <a:buChar char="•"/>
             </a:pPr>
             <a:r>
-              <a:rPr lang="nl-BE" sz="2800" dirty="0" err="1" smtClean="0"/>
-              <a:t>Parse</a:t>
-            </a:r>
-            <a:r>
               <a:rPr lang="nl-BE" sz="2800" dirty="0" smtClean="0"/>
-              <a:t> </a:t>
-            </a:r>
-            <a:r>
-              <a:rPr lang="nl-BE" sz="2800" dirty="0" err="1" smtClean="0"/>
-              <a:t>task</a:t>
-            </a:r>
-            <a:endParaRPr lang="nl-BE" sz="2800" dirty="0" smtClean="0"/>
+              <a:t>Controleren expressie tot taal behoort</a:t>
+            </a:r>
           </a:p>
           <a:p>
             <a:pPr lvl="2">
@@ -9252,24 +14063,15 @@
               <a:buChar char="•"/>
             </a:pPr>
             <a:r>
-              <a:rPr lang="nl-BE" sz="2800" dirty="0" err="1" smtClean="0"/>
-              <a:t>Parse</a:t>
-            </a:r>
-            <a:r>
               <a:rPr lang="nl-BE" sz="2800" dirty="0" smtClean="0"/>
-              <a:t> </a:t>
-            </a:r>
-            <a:r>
-              <a:rPr lang="nl-BE" sz="2800" dirty="0" err="1" smtClean="0"/>
-              <a:t>generation</a:t>
-            </a:r>
-            <a:endParaRPr lang="nl-BE" sz="2800" dirty="0" smtClean="0"/>
+              <a:t>Expressies generen die tot taal behoren</a:t>
+            </a:r>
           </a:p>
         </p:txBody>
       </p:sp>
       <p:pic>
         <p:nvPicPr>
-          <p:cNvPr id="6" name="Picture 5"/>
+          <p:cNvPr id="4" name="Picture 3"/>
           <p:cNvPicPr>
             <a:picLocks noChangeAspect="1"/>
           </p:cNvPicPr>
@@ -9289,8 +14091,8 @@
         </p:blipFill>
         <p:spPr>
           <a:xfrm>
-            <a:off x="7063053" y="3322765"/>
-            <a:ext cx="4652279" cy="2877067"/>
+            <a:off x="8741228" y="1845734"/>
+            <a:ext cx="3336732" cy="1378955"/>
           </a:xfrm>
           <a:prstGeom prst="rect">
             <a:avLst/>
@@ -9299,7 +14101,7 @@
       </p:pic>
       <p:pic>
         <p:nvPicPr>
-          <p:cNvPr id="7" name="Picture 6"/>
+          <p:cNvPr id="5" name="Picture 4"/>
           <p:cNvPicPr>
             <a:picLocks noChangeAspect="1"/>
           </p:cNvPicPr>
@@ -9319,14 +14121,51 @@
         </p:blipFill>
         <p:spPr>
           <a:xfrm>
-            <a:off x="7616402" y="1827732"/>
-            <a:ext cx="4098930" cy="1144431"/>
+            <a:off x="7358743" y="3457411"/>
+            <a:ext cx="4719217" cy="2855200"/>
           </a:xfrm>
           <a:prstGeom prst="rect">
             <a:avLst/>
           </a:prstGeom>
         </p:spPr>
       </p:pic>
+      <p:sp>
+        <p:nvSpPr>
+          <p:cNvPr id="9" name="Rectangle 8"/>
+          <p:cNvSpPr/>
+          <p:nvPr/>
+        </p:nvSpPr>
+        <p:spPr>
+          <a:xfrm>
+            <a:off x="9946513" y="5906186"/>
+            <a:ext cx="2245487" cy="369332"/>
+          </a:xfrm>
+          <a:prstGeom prst="rect">
+            <a:avLst/>
+          </a:prstGeom>
+        </p:spPr>
+        <p:txBody>
+          <a:bodyPr wrap="none">
+            <a:spAutoFit/>
+          </a:bodyPr>
+          <a:lstStyle/>
+          <a:p>
+            <a:r>
+              <a:rPr lang="nl-BE" dirty="0"/>
+              <a:t>[</a:t>
+            </a:r>
+            <a:r>
+              <a:rPr lang="nl-BE" dirty="0" err="1"/>
+              <a:t>Todorovski</a:t>
+            </a:r>
+            <a:r>
+              <a:rPr lang="nl-BE" dirty="0"/>
+              <a:t>, LNAI 07]</a:t>
+            </a:r>
+            <a:endParaRPr lang="nl-BE" b="1" dirty="0"/>
+          </a:p>
+        </p:txBody>
+      </p:sp>
     </p:spTree>
     <p:extLst>
       <p:ext uri="{BB962C8B-B14F-4D97-AF65-F5344CB8AC3E}">
@@ -9402,7 +14241,7 @@
                                           </p:stCondLst>
                                         </p:cTn>
                                         <p:tgtEl>
-                                          <p:spTgt spid="7"/>
+                                          <p:spTgt spid="4"/>
                                         </p:tgtEl>
                                         <p:attrNameLst>
                                           <p:attrName>style.visibility</p:attrName>
@@ -9540,7 +14379,34 @@
                                           </p:stCondLst>
                                         </p:cTn>
                                         <p:tgtEl>
-                                          <p:spTgt spid="6"/>
+                                          <p:spTgt spid="5"/>
+                                        </p:tgtEl>
+                                        <p:attrNameLst>
+                                          <p:attrName>style.visibility</p:attrName>
+                                        </p:attrNameLst>
+                                      </p:cBhvr>
+                                      <p:to>
+                                        <p:strVal val="visible"/>
+                                      </p:to>
+                                    </p:set>
+                                  </p:childTnLst>
+                                </p:cTn>
+                              </p:par>
+                              <p:par>
+                                <p:cTn id="19" presetID="1" presetClass="entr" presetSubtype="0" fill="hold" grpId="0" nodeType="withEffect">
+                                  <p:stCondLst>
+                                    <p:cond delay="0"/>
+                                  </p:stCondLst>
+                                  <p:childTnLst>
+                                    <p:set>
+                                      <p:cBhvr>
+                                        <p:cTn id="20" dur="1" fill="hold">
+                                          <p:stCondLst>
+                                            <p:cond delay="0"/>
+                                          </p:stCondLst>
+                                        </p:cTn>
+                                        <p:tgtEl>
+                                          <p:spTgt spid="9"/>
                                         </p:tgtEl>
                                         <p:attrNameLst>
                                           <p:attrName>style.visibility</p:attrName>
@@ -9582,6 +14448,7 @@
     </p:tnLst>
     <p:bldLst>
       <p:bldP spid="3" grpId="0" uiExpand="1" build="p"/>
+      <p:bldP spid="9" grpId="0"/>
     </p:bldLst>
   </p:timing>
 </p:sld>
@@ -9809,16 +14676,61 @@
           </a:bodyPr>
           <a:lstStyle/>
           <a:p>
-            <a:pPr marL="0" indent="0">
-              <a:buNone/>
+            <a:pPr>
+              <a:buFont typeface="Arial"/>
+              <a:buChar char="•"/>
             </a:pPr>
             <a:r>
               <a:rPr lang="nl-BE" sz="3600" dirty="0" smtClean="0">
                 <a:solidFill>
-                  <a:srgbClr val="FF0000"/>
+                  <a:schemeClr val="tx1"/>
                 </a:solidFill>
               </a:rPr>
-              <a:t>(NOG TE DOEN)</a:t>
+              <a:t> Ons doel: Flash Fill en Equation Discovery combineren </a:t>
+            </a:r>
+          </a:p>
+          <a:p>
+            <a:pPr>
+              <a:buFont typeface="Arial"/>
+              <a:buChar char="•"/>
+            </a:pPr>
+            <a:r>
+              <a:rPr lang="nl-BE" sz="3600" dirty="0">
+                <a:solidFill>
+                  <a:schemeClr val="tx1"/>
+                </a:solidFill>
+              </a:rPr>
+              <a:t> </a:t>
+            </a:r>
+            <a:r>
+              <a:rPr lang="nl-BE" sz="3600" dirty="0" smtClean="0">
+                <a:solidFill>
+                  <a:schemeClr val="tx1"/>
+                </a:solidFill>
+              </a:rPr>
+              <a:t>Grammatica</a:t>
+            </a:r>
+          </a:p>
+          <a:p>
+            <a:pPr>
+              <a:buFont typeface="Arial"/>
+              <a:buChar char="•"/>
+            </a:pPr>
+            <a:r>
+              <a:rPr lang="nl-BE" sz="3600" dirty="0">
+                <a:solidFill>
+                  <a:schemeClr val="tx1"/>
+                </a:solidFill>
+              </a:rPr>
+              <a:t> </a:t>
+            </a:r>
+            <a:r>
+              <a:rPr lang="nl-BE" sz="3600" dirty="0" smtClean="0">
+                <a:solidFill>
+                  <a:schemeClr val="tx1"/>
+                </a:solidFill>
+              </a:rPr>
+              <a:t>Genereren van verschillende opties</a:t>
             </a:r>
           </a:p>
         </p:txBody>
@@ -9826,7 +14738,7 @@
     </p:spTree>
     <p:extLst>
       <p:ext uri="{BB962C8B-B14F-4D97-AF65-F5344CB8AC3E}">
-        <p14:creationId xmlns:p14="http://schemas.microsoft.com/office/powerpoint/2010/main" val="2029372312"/>
+        <p14:creationId xmlns:p14="http://schemas.microsoft.com/office/powerpoint/2010/main" val="3864381598"/>
       </p:ext>
     </p:extLst>
   </p:cSld>
@@ -10349,11 +15261,7 @@
             </a:pPr>
             <a:r>
               <a:rPr lang="nl-BE" sz="3600" b="1" dirty="0" smtClean="0"/>
-              <a:t> Ons </a:t>
-            </a:r>
-            <a:r>
-              <a:rPr lang="nl-BE" sz="3600" b="1" dirty="0" smtClean="0"/>
-              <a:t>doel</a:t>
+              <a:t> Ons doel</a:t>
             </a:r>
             <a:endParaRPr lang="nl-BE" sz="3000" dirty="0" smtClean="0"/>
           </a:p>
@@ -10501,103 +15409,31 @@
           </a:p>
         </p:txBody>
       </p:sp>
-      <p:sp>
-        <p:nvSpPr>
-          <p:cNvPr id="3" name="Content Placeholder 2"/>
-          <p:cNvSpPr>
-            <a:spLocks noGrp="1"/>
-          </p:cNvSpPr>
+      <p:graphicFrame>
+        <p:nvGraphicFramePr>
+          <p:cNvPr id="4" name="Content Placeholder 3"/>
+          <p:cNvGraphicFramePr>
+            <a:graphicFrameLocks noGrp="1"/>
+          </p:cNvGraphicFramePr>
           <p:nvPr>
             <p:ph idx="1"/>
+            <p:extLst/>
           </p:nvPr>
-        </p:nvSpPr>
-        <p:spPr/>
-        <p:txBody>
-          <a:bodyPr/>
-          <a:lstStyle/>
-          <a:p>
-            <a:pPr>
-              <a:buFont typeface="Arial" panose="020B0604020202020204" pitchFamily="34" charset="0"/>
-              <a:buChar char="•"/>
-            </a:pPr>
-            <a:r>
-              <a:rPr lang="en-US" sz="3600" dirty="0" smtClean="0"/>
-              <a:t> </a:t>
-            </a:r>
-            <a:r>
-              <a:rPr lang="en-US" sz="3600" dirty="0" err="1" smtClean="0"/>
-              <a:t>Repetitieve</a:t>
-            </a:r>
-            <a:r>
-              <a:rPr lang="en-US" sz="3600" dirty="0" smtClean="0"/>
-              <a:t> taken</a:t>
-            </a:r>
-          </a:p>
-          <a:p>
-            <a:pPr>
-              <a:buFont typeface="Arial" panose="020B0604020202020204" pitchFamily="34" charset="0"/>
-              <a:buChar char="•"/>
-            </a:pPr>
-            <a:r>
-              <a:rPr lang="en-US" sz="3600" dirty="0" smtClean="0"/>
-              <a:t> </a:t>
-            </a:r>
-            <a:r>
-              <a:rPr lang="en-US" sz="3600" dirty="0" err="1" smtClean="0"/>
-              <a:t>Weinig</a:t>
-            </a:r>
-            <a:r>
-              <a:rPr lang="en-US" sz="3600" dirty="0" smtClean="0"/>
-              <a:t> tot </a:t>
-            </a:r>
-            <a:r>
-              <a:rPr lang="en-US" sz="3600" dirty="0" err="1" smtClean="0"/>
-              <a:t>geen</a:t>
-            </a:r>
-            <a:r>
-              <a:rPr lang="en-US" sz="3600" dirty="0" smtClean="0"/>
-              <a:t> </a:t>
-            </a:r>
-            <a:r>
-              <a:rPr lang="en-US" sz="3600" dirty="0" err="1" smtClean="0"/>
-              <a:t>programmeerkennis</a:t>
-            </a:r>
-            <a:endParaRPr lang="en-US" sz="3600" dirty="0" smtClean="0"/>
-          </a:p>
-          <a:p>
-            <a:pPr>
-              <a:buFont typeface="Arial" panose="020B0604020202020204" pitchFamily="34" charset="0"/>
-              <a:buChar char="•"/>
-            </a:pPr>
-            <a:r>
-              <a:rPr lang="nl-BE" sz="3600" dirty="0"/>
-              <a:t> </a:t>
-            </a:r>
-            <a:r>
-              <a:rPr lang="nl-BE" sz="3600" dirty="0" smtClean="0"/>
-              <a:t>Non-triviale transformaties</a:t>
-            </a:r>
-            <a:endParaRPr lang="en-US" sz="3600" dirty="0" smtClean="0"/>
-          </a:p>
-          <a:p>
-            <a:pPr>
-              <a:buFont typeface="Arial" panose="020B0604020202020204" pitchFamily="34" charset="0"/>
-              <a:buChar char="•"/>
-            </a:pPr>
-            <a:endParaRPr lang="en-US" dirty="0" smtClean="0"/>
-          </a:p>
-          <a:p>
-            <a:pPr marL="0" indent="0">
-              <a:buNone/>
-            </a:pPr>
-            <a:endParaRPr lang="en-US" dirty="0"/>
-          </a:p>
-        </p:txBody>
-      </p:sp>
+        </p:nvGraphicFramePr>
+        <p:xfrm>
+          <a:off x="1096963" y="1846263"/>
+          <a:ext cx="10058400" cy="4022725"/>
+        </p:xfrm>
+        <a:graphic>
+          <a:graphicData uri="http://schemas.openxmlformats.org/drawingml/2006/diagram">
+            <dgm:relIds xmlns:dgm="http://schemas.openxmlformats.org/drawingml/2006/diagram" xmlns:r="http://schemas.openxmlformats.org/officeDocument/2006/relationships" r:dm="rId3" r:lo="rId4" r:qs="rId5" r:cs="rId6"/>
+          </a:graphicData>
+        </a:graphic>
+      </p:graphicFrame>
     </p:spTree>
     <p:extLst>
       <p:ext uri="{BB962C8B-B14F-4D97-AF65-F5344CB8AC3E}">
-        <p14:creationId xmlns:p14="http://schemas.microsoft.com/office/powerpoint/2010/main" val="239212845"/>
+        <p14:creationId xmlns:p14="http://schemas.microsoft.com/office/powerpoint/2010/main" val="1590073234"/>
       </p:ext>
     </p:extLst>
   </p:cSld>
@@ -10607,9 +15443,186 @@
   <p:timing>
     <p:tnLst>
       <p:par>
-        <p:cTn id="1" dur="indefinite" restart="never" nodeType="tmRoot"/>
+        <p:cTn id="1" dur="indefinite" restart="never" nodeType="tmRoot">
+          <p:childTnLst>
+            <p:seq concurrent="1" nextAc="seek">
+              <p:cTn id="2" dur="indefinite" nodeType="mainSeq">
+                <p:childTnLst>
+                  <p:par>
+                    <p:cTn id="3" fill="hold">
+                      <p:stCondLst>
+                        <p:cond delay="indefinite"/>
+                      </p:stCondLst>
+                      <p:childTnLst>
+                        <p:par>
+                          <p:cTn id="4" fill="hold">
+                            <p:stCondLst>
+                              <p:cond delay="0"/>
+                            </p:stCondLst>
+                            <p:childTnLst>
+                              <p:par>
+                                <p:cTn id="5" presetID="1" presetClass="entr" presetSubtype="0" fill="hold" grpId="0" nodeType="clickEffect">
+                                  <p:stCondLst>
+                                    <p:cond delay="0"/>
+                                  </p:stCondLst>
+                                  <p:childTnLst>
+                                    <p:set>
+                                      <p:cBhvr>
+                                        <p:cTn id="6" dur="1" fill="hold">
+                                          <p:stCondLst>
+                                            <p:cond delay="0"/>
+                                          </p:stCondLst>
+                                        </p:cTn>
+                                        <p:tgtEl>
+                                          <p:spTgt spid="4">
+                                            <p:graphicEl>
+                                              <a:dgm id="{95F427E8-B20D-1C40-B1A7-2751BED141FE}"/>
+                                            </p:graphicEl>
+                                          </p:spTgt>
+                                        </p:tgtEl>
+                                        <p:attrNameLst>
+                                          <p:attrName>style.visibility</p:attrName>
+                                        </p:attrNameLst>
+                                      </p:cBhvr>
+                                      <p:to>
+                                        <p:strVal val="visible"/>
+                                      </p:to>
+                                    </p:set>
+                                  </p:childTnLst>
+                                </p:cTn>
+                              </p:par>
+                            </p:childTnLst>
+                          </p:cTn>
+                        </p:par>
+                      </p:childTnLst>
+                    </p:cTn>
+                  </p:par>
+                  <p:par>
+                    <p:cTn id="7" fill="hold">
+                      <p:stCondLst>
+                        <p:cond delay="indefinite"/>
+                      </p:stCondLst>
+                      <p:childTnLst>
+                        <p:par>
+                          <p:cTn id="8" fill="hold">
+                            <p:stCondLst>
+                              <p:cond delay="0"/>
+                            </p:stCondLst>
+                            <p:childTnLst>
+                              <p:par>
+                                <p:cTn id="9" presetID="1" presetClass="entr" presetSubtype="0" fill="hold" grpId="0" nodeType="clickEffect">
+                                  <p:stCondLst>
+                                    <p:cond delay="0"/>
+                                  </p:stCondLst>
+                                  <p:childTnLst>
+                                    <p:set>
+                                      <p:cBhvr>
+                                        <p:cTn id="10" dur="1" fill="hold">
+                                          <p:stCondLst>
+                                            <p:cond delay="0"/>
+                                          </p:stCondLst>
+                                        </p:cTn>
+                                        <p:tgtEl>
+                                          <p:spTgt spid="4">
+                                            <p:graphicEl>
+                                              <a:dgm id="{8AA9BC7C-A858-9E48-B984-5C8762703E58}"/>
+                                            </p:graphicEl>
+                                          </p:spTgt>
+                                        </p:tgtEl>
+                                        <p:attrNameLst>
+                                          <p:attrName>style.visibility</p:attrName>
+                                        </p:attrNameLst>
+                                      </p:cBhvr>
+                                      <p:to>
+                                        <p:strVal val="visible"/>
+                                      </p:to>
+                                    </p:set>
+                                  </p:childTnLst>
+                                </p:cTn>
+                              </p:par>
+                            </p:childTnLst>
+                          </p:cTn>
+                        </p:par>
+                      </p:childTnLst>
+                    </p:cTn>
+                  </p:par>
+                  <p:par>
+                    <p:cTn id="11" fill="hold">
+                      <p:stCondLst>
+                        <p:cond delay="indefinite"/>
+                      </p:stCondLst>
+                      <p:childTnLst>
+                        <p:par>
+                          <p:cTn id="12" fill="hold">
+                            <p:stCondLst>
+                              <p:cond delay="0"/>
+                            </p:stCondLst>
+                            <p:childTnLst>
+                              <p:par>
+                                <p:cTn id="13" presetID="1" presetClass="entr" presetSubtype="0" fill="hold" grpId="0" nodeType="clickEffect">
+                                  <p:stCondLst>
+                                    <p:cond delay="0"/>
+                                  </p:stCondLst>
+                                  <p:childTnLst>
+                                    <p:set>
+                                      <p:cBhvr>
+                                        <p:cTn id="14" dur="1" fill="hold">
+                                          <p:stCondLst>
+                                            <p:cond delay="0"/>
+                                          </p:stCondLst>
+                                        </p:cTn>
+                                        <p:tgtEl>
+                                          <p:spTgt spid="4">
+                                            <p:graphicEl>
+                                              <a:dgm id="{1D981DFC-6359-9B42-A97E-EE1A67C27226}"/>
+                                            </p:graphicEl>
+                                          </p:spTgt>
+                                        </p:tgtEl>
+                                        <p:attrNameLst>
+                                          <p:attrName>style.visibility</p:attrName>
+                                        </p:attrNameLst>
+                                      </p:cBhvr>
+                                      <p:to>
+                                        <p:strVal val="visible"/>
+                                      </p:to>
+                                    </p:set>
+                                  </p:childTnLst>
+                                </p:cTn>
+                              </p:par>
+                            </p:childTnLst>
+                          </p:cTn>
+                        </p:par>
+                      </p:childTnLst>
+                    </p:cTn>
+                  </p:par>
+                </p:childTnLst>
+              </p:cTn>
+              <p:prevCondLst>
+                <p:cond evt="onPrev" delay="0">
+                  <p:tgtEl>
+                    <p:sldTgt/>
+                  </p:tgtEl>
+                </p:cond>
+              </p:prevCondLst>
+              <p:nextCondLst>
+                <p:cond evt="onNext" delay="0">
+                  <p:tgtEl>
+                    <p:sldTgt/>
+                  </p:tgtEl>
+                </p:cond>
+              </p:nextCondLst>
+            </p:seq>
+          </p:childTnLst>
+        </p:cTn>
       </p:par>
     </p:tnLst>
+    <p:bldLst>
+      <p:bldGraphic spid="4" grpId="0">
+        <p:bldSub>
+          <a:bldDgm bld="one"/>
+        </p:bldSub>
+      </p:bldGraphic>
+    </p:bldLst>
   </p:timing>
 </p:sld>
 </file>
@@ -12459,7 +17472,7 @@
         </p:nvSpPr>
         <p:spPr>
           <a:xfrm>
-            <a:off x="720306" y="1846052"/>
+            <a:off x="1097280" y="1862039"/>
             <a:ext cx="4937760" cy="736282"/>
           </a:xfrm>
         </p:spPr>
@@ -12477,7 +17490,7 @@
                   </a:schemeClr>
                 </a:solidFill>
               </a:rPr>
-              <a:t>Conceptueel</a:t>
+              <a:t>Procedureel</a:t>
             </a:r>
             <a:endParaRPr lang="en-US" sz="4000" dirty="0">
               <a:solidFill>
@@ -12501,7 +17514,7 @@
         </p:nvSpPr>
         <p:spPr>
           <a:xfrm>
-            <a:off x="720306" y="2518326"/>
+            <a:off x="1097280" y="2598321"/>
             <a:ext cx="5726214" cy="3378200"/>
           </a:xfrm>
         </p:spPr>
@@ -12516,12 +17529,12 @@
               <a:buChar char="•"/>
             </a:pPr>
             <a:r>
-              <a:rPr lang="nl-BE" sz="3600" dirty="0" smtClean="0"/>
+              <a:rPr lang="nl-BE" sz="3200" dirty="0"/>
               <a:t> </a:t>
             </a:r>
             <a:r>
               <a:rPr lang="nl-BE" sz="3200" dirty="0" smtClean="0"/>
-              <a:t>Geen beslissingsmethode</a:t>
+              <a:t>Beslissingsmethode</a:t>
             </a:r>
           </a:p>
           <a:p>
@@ -12530,24 +17543,12 @@
               <a:buChar char="•"/>
             </a:pPr>
             <a:r>
+              <a:rPr lang="nl-BE" sz="3200" dirty="0"/>
+              <a:t> </a:t>
+            </a:r>
+            <a:r>
               <a:rPr lang="nl-BE" sz="3200" dirty="0" smtClean="0"/>
-              <a:t> Creatief denken</a:t>
-            </a:r>
-          </a:p>
-          <a:p>
-            <a:pPr>
-              <a:buFont typeface="Arial" panose="020B0604020202020204" pitchFamily="34" charset="0"/>
-              <a:buChar char="•"/>
-            </a:pPr>
-            <a:r>
-              <a:rPr lang="nl-BE" sz="3200" dirty="0" smtClean="0"/>
-              <a:t> Bewijs en Constructie problemen</a:t>
-            </a:r>
-          </a:p>
-          <a:p>
-            <a:r>
-              <a:rPr lang="nl-BE" sz="3200" dirty="0" smtClean="0"/>
-              <a:t> </a:t>
+              <a:t>Memoriseren en toepassen </a:t>
             </a:r>
           </a:p>
         </p:txBody>
@@ -12564,7 +17565,7 @@
         </p:nvSpPr>
         <p:spPr>
           <a:xfrm>
-            <a:off x="6629400" y="1846052"/>
+            <a:off x="6446520" y="1862039"/>
             <a:ext cx="4937760" cy="736282"/>
           </a:xfrm>
         </p:spPr>
@@ -12582,7 +17583,7 @@
                   </a:schemeClr>
                 </a:solidFill>
               </a:rPr>
-              <a:t>procedureel</a:t>
+              <a:t>Conceptueel</a:t>
             </a:r>
             <a:endParaRPr lang="en-US" sz="4000" dirty="0">
               <a:solidFill>
@@ -12606,8 +17607,8 @@
         </p:nvSpPr>
         <p:spPr>
           <a:xfrm>
-            <a:off x="6629400" y="2582334"/>
-            <a:ext cx="4937760" cy="3378200"/>
+            <a:off x="6192253" y="2582334"/>
+            <a:ext cx="6036127" cy="3378200"/>
           </a:xfrm>
         </p:spPr>
         <p:txBody>
@@ -12619,8 +17620,12 @@
               <a:buChar char="•"/>
             </a:pPr>
             <a:r>
-              <a:rPr lang="nl-BE" sz="3200" dirty="0" smtClean="0"/>
-              <a:t> Beslissingsmethode</a:t>
+              <a:rPr lang="nl-BE" sz="3600" dirty="0"/>
+              <a:t> </a:t>
+            </a:r>
+            <a:r>
+              <a:rPr lang="nl-BE" sz="3200" dirty="0"/>
+              <a:t>Geen beslissingsmethode</a:t>
             </a:r>
           </a:p>
           <a:p>
@@ -12629,8 +17634,18 @@
               <a:buChar char="•"/>
             </a:pPr>
             <a:r>
-              <a:rPr lang="nl-BE" sz="3200" dirty="0" smtClean="0"/>
-              <a:t> Memoriseren en toepassen</a:t>
+              <a:rPr lang="nl-BE" sz="3200" dirty="0"/>
+              <a:t> Creatief denken</a:t>
+            </a:r>
+          </a:p>
+          <a:p>
+            <a:pPr>
+              <a:buFont typeface="Arial" panose="020B0604020202020204" pitchFamily="34" charset="0"/>
+              <a:buChar char="•"/>
+            </a:pPr>
+            <a:r>
+              <a:rPr lang="nl-BE" sz="3200" dirty="0"/>
+              <a:t> Bewijs en Constructie problemen</a:t>
             </a:r>
           </a:p>
           <a:p>
@@ -12646,8 +17661,8 @@
         </p:nvSpPr>
         <p:spPr>
           <a:xfrm>
-            <a:off x="619432" y="1846052"/>
-            <a:ext cx="5919020" cy="2657122"/>
+            <a:off x="6035040" y="1926047"/>
+            <a:ext cx="6010460" cy="2657122"/>
           </a:xfrm>
           <a:prstGeom prst="rect">
             <a:avLst/>
@@ -12834,7 +17849,7 @@
         <p:spPr/>
         <p:txBody>
           <a:bodyPr>
-            <a:normAutofit lnSpcReduction="10000"/>
+            <a:noAutofit/>
           </a:bodyPr>
           <a:lstStyle/>
           <a:p>
@@ -12868,7 +17883,6 @@
               <a:rPr lang="nl-BE" sz="3600" dirty="0" smtClean="0"/>
               <a:t> Voordelen</a:t>
             </a:r>
-            <a:endParaRPr lang="nl-BE" sz="3600" dirty="0"/>
           </a:p>
           <a:p>
             <a:pPr lvl="2">
@@ -12877,13 +17891,8 @@
             </a:pPr>
             <a:r>
               <a:rPr lang="nl-BE" sz="2800" dirty="0" smtClean="0"/>
-              <a:t>Moeilijkheidsgraad </a:t>
-            </a:r>
-            <a:r>
-              <a:rPr lang="nl-BE" sz="2800" dirty="0" smtClean="0"/>
-              <a:t>bepalen</a:t>
-            </a:r>
-            <a:endParaRPr lang="nl-BE" sz="2800" dirty="0" smtClean="0"/>
+              <a:t>Voorkomen spieken</a:t>
+            </a:r>
           </a:p>
           <a:p>
             <a:pPr lvl="2">
@@ -12891,82 +17900,13 @@
               <a:buChar char="•"/>
             </a:pPr>
             <a:r>
+              <a:rPr lang="nl-BE" sz="2800" dirty="0"/>
+              <a:t>Copyright problemen </a:t>
+            </a:r>
+            <a:r>
               <a:rPr lang="nl-BE" sz="2800" dirty="0" smtClean="0"/>
-              <a:t>Voorkomen spieken</a:t>
-            </a:r>
-          </a:p>
-          <a:p>
-            <a:pPr lvl="2">
-              <a:buFont typeface="Arial" panose="020B0604020202020204" pitchFamily="34" charset="0"/>
-              <a:buChar char="•"/>
-            </a:pPr>
-            <a:r>
-              <a:rPr lang="nl-BE" sz="2800" dirty="0" smtClean="0"/>
-              <a:t>Copyright problemen vermijden</a:t>
-            </a:r>
-            <a:endParaRPr lang="nl-BE" sz="2800" dirty="0" smtClean="0"/>
-          </a:p>
-          <a:p>
-            <a:pPr>
-              <a:buFont typeface="Arial" panose="020B0604020202020204" pitchFamily="34" charset="0"/>
-              <a:buChar char="•"/>
-            </a:pPr>
-            <a:r>
-              <a:rPr lang="nl-BE" sz="3600" dirty="0"/>
-              <a:t> </a:t>
-            </a:r>
-            <a:r>
-              <a:rPr lang="nl-BE" sz="3600" dirty="0" smtClean="0"/>
-              <a:t>2 </a:t>
-            </a:r>
-            <a:r>
-              <a:rPr lang="nl-BE" sz="3600" dirty="0"/>
-              <a:t>principes conceptuele probleem generatie</a:t>
-            </a:r>
-          </a:p>
-          <a:p>
-            <a:pPr lvl="2">
-              <a:buFont typeface="Arial" panose="020B0604020202020204" pitchFamily="34" charset="0"/>
-              <a:buChar char="•"/>
-            </a:pPr>
-            <a:r>
-              <a:rPr lang="nl-BE" sz="2800" dirty="0" err="1" smtClean="0"/>
-              <a:t>Example-based</a:t>
-            </a:r>
-            <a:r>
-              <a:rPr lang="nl-BE" sz="2800" dirty="0" smtClean="0"/>
-              <a:t> </a:t>
-            </a:r>
-            <a:r>
-              <a:rPr lang="nl-BE" sz="2800" dirty="0" smtClean="0"/>
-              <a:t>template generatie</a:t>
-            </a:r>
-            <a:endParaRPr lang="nl-BE" sz="2800" dirty="0"/>
-          </a:p>
-          <a:p>
-            <a:pPr lvl="2">
-              <a:buFont typeface="Arial" panose="020B0604020202020204" pitchFamily="34" charset="0"/>
-              <a:buChar char="•"/>
-            </a:pPr>
-            <a:r>
-              <a:rPr lang="nl-BE" sz="2800" dirty="0"/>
-              <a:t>Probleem genereren </a:t>
-            </a:r>
-            <a:r>
-              <a:rPr lang="nl-BE" sz="2800" dirty="0" err="1"/>
-              <a:t>dmv</a:t>
-            </a:r>
-            <a:r>
-              <a:rPr lang="nl-BE" sz="2800" dirty="0"/>
-              <a:t> oplossing</a:t>
-            </a:r>
-          </a:p>
-          <a:p>
-            <a:pPr lvl="1">
-              <a:buFont typeface="Arial" panose="020B0604020202020204" pitchFamily="34" charset="0"/>
-              <a:buChar char="•"/>
-            </a:pPr>
-            <a:endParaRPr lang="en-US" dirty="0"/>
+              <a:t>vermijden</a:t>
+            </a:r>
           </a:p>
         </p:txBody>
       </p:sp>
@@ -13142,148 +18082,6 @@
                                   </p:childTnLst>
                                 </p:cTn>
                               </p:par>
-                              <p:par>
-                                <p:cTn id="15" presetID="1" presetClass="entr" presetSubtype="0" fill="hold" grpId="0" nodeType="withEffect">
-                                  <p:stCondLst>
-                                    <p:cond delay="0"/>
-                                  </p:stCondLst>
-                                  <p:childTnLst>
-                                    <p:set>
-                                      <p:cBhvr>
-                                        <p:cTn id="16" dur="1" fill="hold">
-                                          <p:stCondLst>
-                                            <p:cond delay="0"/>
-                                          </p:stCondLst>
-                                        </p:cTn>
-                                        <p:tgtEl>
-                                          <p:spTgt spid="3">
-                                            <p:txEl>
-                                              <p:pRg st="4" end="4"/>
-                                            </p:txEl>
-                                          </p:spTgt>
-                                        </p:tgtEl>
-                                        <p:attrNameLst>
-                                          <p:attrName>style.visibility</p:attrName>
-                                        </p:attrNameLst>
-                                      </p:cBhvr>
-                                      <p:to>
-                                        <p:strVal val="visible"/>
-                                      </p:to>
-                                    </p:set>
-                                  </p:childTnLst>
-                                </p:cTn>
-                              </p:par>
-                            </p:childTnLst>
-                          </p:cTn>
-                        </p:par>
-                      </p:childTnLst>
-                    </p:cTn>
-                  </p:par>
-                  <p:par>
-                    <p:cTn id="17" fill="hold">
-                      <p:stCondLst>
-                        <p:cond delay="indefinite"/>
-                      </p:stCondLst>
-                      <p:childTnLst>
-                        <p:par>
-                          <p:cTn id="18" fill="hold">
-                            <p:stCondLst>
-                              <p:cond delay="0"/>
-                            </p:stCondLst>
-                            <p:childTnLst>
-                              <p:par>
-                                <p:cTn id="19" presetID="1" presetClass="entr" presetSubtype="0" fill="hold" grpId="0" nodeType="clickEffect">
-                                  <p:stCondLst>
-                                    <p:cond delay="0"/>
-                                  </p:stCondLst>
-                                  <p:childTnLst>
-                                    <p:set>
-                                      <p:cBhvr>
-                                        <p:cTn id="20" dur="1" fill="hold">
-                                          <p:stCondLst>
-                                            <p:cond delay="0"/>
-                                          </p:stCondLst>
-                                        </p:cTn>
-                                        <p:tgtEl>
-                                          <p:spTgt spid="3">
-                                            <p:txEl>
-                                              <p:pRg st="5" end="5"/>
-                                            </p:txEl>
-                                          </p:spTgt>
-                                        </p:tgtEl>
-                                        <p:attrNameLst>
-                                          <p:attrName>style.visibility</p:attrName>
-                                        </p:attrNameLst>
-                                      </p:cBhvr>
-                                      <p:to>
-                                        <p:strVal val="visible"/>
-                                      </p:to>
-                                    </p:set>
-                                  </p:childTnLst>
-                                </p:cTn>
-                              </p:par>
-                              <p:par>
-                                <p:cTn id="21" presetID="1" presetClass="entr" presetSubtype="0" fill="hold" grpId="0" nodeType="withEffect">
-                                  <p:stCondLst>
-                                    <p:cond delay="0"/>
-                                  </p:stCondLst>
-                                  <p:childTnLst>
-                                    <p:set>
-                                      <p:cBhvr>
-                                        <p:cTn id="22" dur="1" fill="hold">
-                                          <p:stCondLst>
-                                            <p:cond delay="0"/>
-                                          </p:stCondLst>
-                                        </p:cTn>
-                                        <p:tgtEl>
-                                          <p:spTgt spid="3">
-                                            <p:txEl>
-                                              <p:pRg st="6" end="6"/>
-                                            </p:txEl>
-                                          </p:spTgt>
-                                        </p:tgtEl>
-                                        <p:attrNameLst>
-                                          <p:attrName>style.visibility</p:attrName>
-                                        </p:attrNameLst>
-                                      </p:cBhvr>
-                                      <p:to>
-                                        <p:strVal val="visible"/>
-                                      </p:to>
-                                    </p:set>
-                                  </p:childTnLst>
-                                </p:cTn>
-                              </p:par>
-                              <p:par>
-                                <p:cTn id="23" presetID="1" presetClass="entr" presetSubtype="0" fill="hold" grpId="0" nodeType="withEffect">
-                                  <p:stCondLst>
-                                    <p:cond delay="0"/>
-                                  </p:stCondLst>
-                                  <p:childTnLst>
-                                    <p:set>
-                                      <p:cBhvr>
-                                        <p:cTn id="24" dur="1" fill="hold">
-                                          <p:stCondLst>
-                                            <p:cond delay="0"/>
-                                          </p:stCondLst>
-                                        </p:cTn>
-                                        <p:tgtEl>
-                                          <p:spTgt spid="3">
-                                            <p:txEl>
-                                              <p:pRg st="7" end="7"/>
-                                            </p:txEl>
-                                          </p:spTgt>
-                                        </p:tgtEl>
-                                        <p:attrNameLst>
-                                          <p:attrName>style.visibility</p:attrName>
-                                        </p:attrNameLst>
-                                      </p:cBhvr>
-                                      <p:to>
-                                        <p:strVal val="visible"/>
-                                      </p:to>
-                                    </p:set>
-                                  </p:childTnLst>
-                                </p:cTn>
-                              </p:par>
                             </p:childTnLst>
                           </p:cTn>
                         </p:par>
@@ -13377,7 +18175,7 @@
         <p:spPr/>
         <p:txBody>
           <a:bodyPr>
-            <a:normAutofit lnSpcReduction="10000"/>
+            <a:normAutofit/>
           </a:bodyPr>
           <a:lstStyle/>
           <a:p>
@@ -13405,7 +18203,7 @@
             </a:r>
             <a:r>
               <a:rPr lang="nl-BE" sz="3600" dirty="0" smtClean="0"/>
-              <a:t>Belang</a:t>
+              <a:t>Voordelen</a:t>
             </a:r>
             <a:endParaRPr lang="nl-BE" sz="3600" dirty="0"/>
           </a:p>
@@ -13437,44 +18235,6 @@
             <a:r>
               <a:rPr lang="nl-BE" sz="2800" dirty="0" smtClean="0"/>
               <a:t>Hints</a:t>
-            </a:r>
-          </a:p>
-          <a:p>
-            <a:pPr>
-              <a:buFont typeface="Arial" panose="020B0604020202020204" pitchFamily="34" charset="0"/>
-              <a:buChar char="•"/>
-            </a:pPr>
-            <a:r>
-              <a:rPr lang="nl-BE" sz="3600" dirty="0"/>
-              <a:t> </a:t>
-            </a:r>
-            <a:r>
-              <a:rPr lang="nl-BE" sz="3600" dirty="0" smtClean="0"/>
-              <a:t>2 </a:t>
-            </a:r>
-            <a:r>
-              <a:rPr lang="nl-BE" sz="3600" dirty="0"/>
-              <a:t>principes conceptuele oplossing generatie</a:t>
-            </a:r>
-          </a:p>
-          <a:p>
-            <a:pPr lvl="2">
-              <a:buFont typeface="Arial" panose="020B0604020202020204" pitchFamily="34" charset="0"/>
-              <a:buChar char="•"/>
-            </a:pPr>
-            <a:r>
-              <a:rPr lang="nl-BE" sz="2800" dirty="0" smtClean="0"/>
-              <a:t>Redeneren over voorbeelden</a:t>
-            </a:r>
-          </a:p>
-          <a:p>
-            <a:pPr lvl="2">
-              <a:buFont typeface="Arial" panose="020B0604020202020204" pitchFamily="34" charset="0"/>
-              <a:buChar char="•"/>
-            </a:pPr>
-            <a:r>
-              <a:rPr lang="nl-BE" sz="2800" dirty="0" smtClean="0"/>
-              <a:t>Enkel oplossingen met kleine oplossingslengte</a:t>
             </a:r>
           </a:p>
         </p:txBody>
@@ -13668,117 +18428,6 @@
                                           <p:spTgt spid="3">
                                             <p:txEl>
                                               <p:pRg st="4" end="4"/>
-                                            </p:txEl>
-                                          </p:spTgt>
-                                        </p:tgtEl>
-                                        <p:attrNameLst>
-                                          <p:attrName>style.visibility</p:attrName>
-                                        </p:attrNameLst>
-                                      </p:cBhvr>
-                                      <p:to>
-                                        <p:strVal val="visible"/>
-                                      </p:to>
-                                    </p:set>
-                                  </p:childTnLst>
-                                </p:cTn>
-                              </p:par>
-                            </p:childTnLst>
-                          </p:cTn>
-                        </p:par>
-                      </p:childTnLst>
-                    </p:cTn>
-                  </p:par>
-                  <p:par>
-                    <p:cTn id="17" fill="hold">
-                      <p:stCondLst>
-                        <p:cond delay="indefinite"/>
-                      </p:stCondLst>
-                      <p:childTnLst>
-                        <p:par>
-                          <p:cTn id="18" fill="hold">
-                            <p:stCondLst>
-                              <p:cond delay="0"/>
-                            </p:stCondLst>
-                            <p:childTnLst>
-                              <p:par>
-                                <p:cTn id="19" presetID="1" presetClass="entr" presetSubtype="0" fill="hold" grpId="0" nodeType="clickEffect">
-                                  <p:stCondLst>
-                                    <p:cond delay="0"/>
-                                  </p:stCondLst>
-                                  <p:childTnLst>
-                                    <p:set>
-                                      <p:cBhvr>
-                                        <p:cTn id="20" dur="1" fill="hold">
-                                          <p:stCondLst>
-                                            <p:cond delay="0"/>
-                                          </p:stCondLst>
-                                        </p:cTn>
-                                        <p:tgtEl>
-                                          <p:spTgt spid="3">
-                                            <p:txEl>
-                                              <p:pRg st="5" end="5"/>
-                                            </p:txEl>
-                                          </p:spTgt>
-                                        </p:tgtEl>
-                                        <p:attrNameLst>
-                                          <p:attrName>style.visibility</p:attrName>
-                                        </p:attrNameLst>
-                                      </p:cBhvr>
-                                      <p:to>
-                                        <p:strVal val="visible"/>
-                                      </p:to>
-                                    </p:set>
-                                  </p:childTnLst>
-                                </p:cTn>
-                              </p:par>
-                              <p:par>
-                                <p:cTn id="21" presetID="1" presetClass="entr" presetSubtype="0" fill="hold" grpId="0" nodeType="withEffect">
-                                  <p:stCondLst>
-                                    <p:cond delay="0"/>
-                                  </p:stCondLst>
-                                  <p:childTnLst>
-                                    <p:set>
-                                      <p:cBhvr>
-                                        <p:cTn id="22" dur="1" fill="hold">
-                                          <p:stCondLst>
-                                            <p:cond delay="0"/>
-                                          </p:stCondLst>
-                                        </p:cTn>
-                                        <p:tgtEl>
-                                          <p:spTgt spid="3">
-                                            <p:txEl>
-                                              <p:pRg st="6" end="6"/>
-                                            </p:txEl>
-                                          </p:spTgt>
-                                        </p:tgtEl>
-                                        <p:attrNameLst>
-                                          <p:attrName>style.visibility</p:attrName>
-                                        </p:attrNameLst>
-                                      </p:cBhvr>
-                                      <p:to>
-                                        <p:strVal val="visible"/>
-                                      </p:to>
-                                    </p:set>
-                                  </p:childTnLst>
-                                </p:cTn>
-                              </p:par>
-                              <p:par>
-                                <p:cTn id="23" presetID="1" presetClass="entr" presetSubtype="0" fill="hold" grpId="0" nodeType="withEffect">
-                                  <p:stCondLst>
-                                    <p:cond delay="0"/>
-                                  </p:stCondLst>
-                                  <p:childTnLst>
-                                    <p:set>
-                                      <p:cBhvr>
-                                        <p:cTn id="24" dur="1" fill="hold">
-                                          <p:stCondLst>
-                                            <p:cond delay="0"/>
-                                          </p:stCondLst>
-                                        </p:cTn>
-                                        <p:tgtEl>
-                                          <p:spTgt spid="3">
-                                            <p:txEl>
-                                              <p:pRg st="7" end="7"/>
                                             </p:txEl>
                                           </p:spTgt>
                                         </p:tgtEl>

--- a/Opdracht 2/Literatuurstudie.pptx
+++ b/Opdracht 2/Literatuurstudie.pptx
@@ -11,8 +11,8 @@
     <p:sldId id="256" r:id="rId2"/>
     <p:sldId id="257" r:id="rId3"/>
     <p:sldId id="294" r:id="rId4"/>
-    <p:sldId id="298" r:id="rId5"/>
-    <p:sldId id="270" r:id="rId6"/>
+    <p:sldId id="270" r:id="rId5"/>
+    <p:sldId id="298" r:id="rId6"/>
     <p:sldId id="293" r:id="rId7"/>
     <p:sldId id="286" r:id="rId8"/>
     <p:sldId id="287" r:id="rId9"/>
@@ -160,31 +160,6 @@
     </p:extLst>
   </p:cmAuthor>
 </p:cmAuthorLst>
-</file>
-
-<file path=ppt/comments/comment1.xml><?xml version="1.0" encoding="utf-8"?>
-<p:cmLst xmlns:a="http://schemas.openxmlformats.org/drawingml/2006/main" xmlns:r="http://schemas.openxmlformats.org/officeDocument/2006/relationships" xmlns:p="http://schemas.openxmlformats.org/presentationml/2006/main">
-  <p:cm authorId="1" dt="2014-10-22T15:15:14.476" idx="1">
-    <p:pos x="10" y="10"/>
-    <p:text>Applicaties toelichten tijdens presentatie!</p:text>
-    <p:extLst>
-      <p:ext uri="{C676402C-5697-4E1C-873F-D02D1690AC5C}">
-        <p15:threadingInfo xmlns:p15="http://schemas.microsoft.com/office/powerpoint/2012/main" timeZoneBias="-120"/>
-      </p:ext>
-    </p:extLst>
-  </p:cm>
-  <p:cm authorId="1" dt="2014-10-22T15:15:49.725" idx="2">
-    <p:pos x="10" y="146"/>
-    <p:text>(y)</p:text>
-    <p:extLst>
-      <p:ext uri="{C676402C-5697-4E1C-873F-D02D1690AC5C}">
-        <p15:threadingInfo xmlns:p15="http://schemas.microsoft.com/office/powerpoint/2012/main" timeZoneBias="-120">
-          <p15:parentCm authorId="1" idx="1"/>
-        </p15:threadingInfo>
-      </p:ext>
-    </p:extLst>
-  </p:cm>
-</p:cmLst>
 </file>
 
 <file path=ppt/diagrams/colors1.xml><?xml version="1.0" encoding="utf-8"?>
@@ -6547,94 +6522,6 @@
         </p:nvSpPr>
         <p:spPr/>
       </p:sp>
-      <p:sp>
-        <p:nvSpPr>
-          <p:cNvPr id="3" name="Notes Placeholder 2"/>
-          <p:cNvSpPr>
-            <a:spLocks noGrp="1"/>
-          </p:cNvSpPr>
-          <p:nvPr>
-            <p:ph type="body" idx="1"/>
-          </p:nvPr>
-        </p:nvSpPr>
-        <p:spPr/>
-        <p:txBody>
-          <a:bodyPr/>
-          <a:lstStyle/>
-          <a:p>
-            <a:r>
-              <a:rPr lang="nl-BE" dirty="0" smtClean="0"/>
-              <a:t>Figuurtje</a:t>
-            </a:r>
-            <a:endParaRPr lang="en-US" dirty="0"/>
-          </a:p>
-        </p:txBody>
-      </p:sp>
-      <p:sp>
-        <p:nvSpPr>
-          <p:cNvPr id="4" name="Slide Number Placeholder 3"/>
-          <p:cNvSpPr>
-            <a:spLocks noGrp="1"/>
-          </p:cNvSpPr>
-          <p:nvPr>
-            <p:ph type="sldNum" sz="quarter" idx="10"/>
-          </p:nvPr>
-        </p:nvSpPr>
-        <p:spPr/>
-        <p:txBody>
-          <a:bodyPr/>
-          <a:lstStyle/>
-          <a:p>
-            <a:fld id="{4E765FFB-E928-41F7-9C48-EAAB8C6B32DB}" type="slidenum">
-              <a:rPr lang="en-US" smtClean="0"/>
-              <a:t>4</a:t>
-            </a:fld>
-            <a:endParaRPr lang="en-US"/>
-          </a:p>
-        </p:txBody>
-      </p:sp>
-    </p:spTree>
-    <p:extLst>
-      <p:ext uri="{BB962C8B-B14F-4D97-AF65-F5344CB8AC3E}">
-        <p14:creationId xmlns:p14="http://schemas.microsoft.com/office/powerpoint/2010/main" val="2307986188"/>
-      </p:ext>
-    </p:extLst>
-  </p:cSld>
-  <p:clrMapOvr>
-    <a:masterClrMapping/>
-  </p:clrMapOvr>
-</p:notes>
-</file>
-
-<file path=ppt/notesSlides/notesSlide3.xml><?xml version="1.0" encoding="utf-8"?>
-<p:notes xmlns:a="http://schemas.openxmlformats.org/drawingml/2006/main" xmlns:r="http://schemas.openxmlformats.org/officeDocument/2006/relationships" xmlns:p="http://schemas.openxmlformats.org/presentationml/2006/main">
-  <p:cSld>
-    <p:spTree>
-      <p:nvGrpSpPr>
-        <p:cNvPr id="1" name=""/>
-        <p:cNvGrpSpPr/>
-        <p:nvPr/>
-      </p:nvGrpSpPr>
-      <p:grpSpPr>
-        <a:xfrm>
-          <a:off x="0" y="0"/>
-          <a:ext cx="0" cy="0"/>
-          <a:chOff x="0" y="0"/>
-          <a:chExt cx="0" cy="0"/>
-        </a:xfrm>
-      </p:grpSpPr>
-      <p:sp>
-        <p:nvSpPr>
-          <p:cNvPr id="2" name="Slide Image Placeholder 1"/>
-          <p:cNvSpPr>
-            <a:spLocks noGrp="1" noRot="1" noChangeAspect="1"/>
-          </p:cNvSpPr>
-          <p:nvPr>
-            <p:ph type="sldImg"/>
-          </p:nvPr>
-        </p:nvSpPr>
-        <p:spPr/>
-      </p:sp>
       <mc:AlternateContent xmlns:mc="http://schemas.openxmlformats.org/markup-compatibility/2006" xmlns:a14="http://schemas.microsoft.com/office/drawing/2010/main">
         <mc:Choice Requires="a14">
           <p:sp>
@@ -6819,7 +6706,7 @@
           <a:p>
             <a:fld id="{4E765FFB-E928-41F7-9C48-EAAB8C6B32DB}" type="slidenum">
               <a:rPr lang="en-US" smtClean="0"/>
-              <a:t>5</a:t>
+              <a:t>4</a:t>
             </a:fld>
             <a:endParaRPr lang="en-US"/>
           </a:p>
@@ -6829,6 +6716,94 @@
     <p:extLst>
       <p:ext uri="{BB962C8B-B14F-4D97-AF65-F5344CB8AC3E}">
         <p14:creationId xmlns:p14="http://schemas.microsoft.com/office/powerpoint/2010/main" val="2657191854"/>
+      </p:ext>
+    </p:extLst>
+  </p:cSld>
+  <p:clrMapOvr>
+    <a:masterClrMapping/>
+  </p:clrMapOvr>
+</p:notes>
+</file>
+
+<file path=ppt/notesSlides/notesSlide3.xml><?xml version="1.0" encoding="utf-8"?>
+<p:notes xmlns:a="http://schemas.openxmlformats.org/drawingml/2006/main" xmlns:r="http://schemas.openxmlformats.org/officeDocument/2006/relationships" xmlns:p="http://schemas.openxmlformats.org/presentationml/2006/main">
+  <p:cSld>
+    <p:spTree>
+      <p:nvGrpSpPr>
+        <p:cNvPr id="1" name=""/>
+        <p:cNvGrpSpPr/>
+        <p:nvPr/>
+      </p:nvGrpSpPr>
+      <p:grpSpPr>
+        <a:xfrm>
+          <a:off x="0" y="0"/>
+          <a:ext cx="0" cy="0"/>
+          <a:chOff x="0" y="0"/>
+          <a:chExt cx="0" cy="0"/>
+        </a:xfrm>
+      </p:grpSpPr>
+      <p:sp>
+        <p:nvSpPr>
+          <p:cNvPr id="2" name="Slide Image Placeholder 1"/>
+          <p:cNvSpPr>
+            <a:spLocks noGrp="1" noRot="1" noChangeAspect="1"/>
+          </p:cNvSpPr>
+          <p:nvPr>
+            <p:ph type="sldImg"/>
+          </p:nvPr>
+        </p:nvSpPr>
+        <p:spPr/>
+      </p:sp>
+      <p:sp>
+        <p:nvSpPr>
+          <p:cNvPr id="3" name="Notes Placeholder 2"/>
+          <p:cNvSpPr>
+            <a:spLocks noGrp="1"/>
+          </p:cNvSpPr>
+          <p:nvPr>
+            <p:ph type="body" idx="1"/>
+          </p:nvPr>
+        </p:nvSpPr>
+        <p:spPr/>
+        <p:txBody>
+          <a:bodyPr/>
+          <a:lstStyle/>
+          <a:p>
+            <a:r>
+              <a:rPr lang="nl-BE" dirty="0" smtClean="0"/>
+              <a:t>Figuurtje</a:t>
+            </a:r>
+            <a:endParaRPr lang="en-US" dirty="0"/>
+          </a:p>
+        </p:txBody>
+      </p:sp>
+      <p:sp>
+        <p:nvSpPr>
+          <p:cNvPr id="4" name="Slide Number Placeholder 3"/>
+          <p:cNvSpPr>
+            <a:spLocks noGrp="1"/>
+          </p:cNvSpPr>
+          <p:nvPr>
+            <p:ph type="sldNum" sz="quarter" idx="10"/>
+          </p:nvPr>
+        </p:nvSpPr>
+        <p:spPr/>
+        <p:txBody>
+          <a:bodyPr/>
+          <a:lstStyle/>
+          <a:p>
+            <a:fld id="{4E765FFB-E928-41F7-9C48-EAAB8C6B32DB}" type="slidenum">
+              <a:rPr lang="en-US" smtClean="0"/>
+              <a:t>5</a:t>
+            </a:fld>
+            <a:endParaRPr lang="en-US"/>
+          </a:p>
+        </p:txBody>
+      </p:sp>
+    </p:spTree>
+    <p:extLst>
+      <p:ext uri="{BB962C8B-B14F-4D97-AF65-F5344CB8AC3E}">
+        <p14:creationId xmlns:p14="http://schemas.microsoft.com/office/powerpoint/2010/main" val="2307986188"/>
       </p:ext>
     </p:extLst>
   </p:cSld>
@@ -12253,23 +12228,7 @@
             </a:pPr>
             <a:r>
               <a:rPr lang="en-US" sz="3600" dirty="0" err="1" smtClean="0"/>
-              <a:t>Een</a:t>
-            </a:r>
-            <a:r>
-              <a:rPr lang="en-US" sz="3600" dirty="0" smtClean="0"/>
-              <a:t> </a:t>
-            </a:r>
-            <a:r>
-              <a:rPr lang="en-US" sz="3600" dirty="0" err="1" smtClean="0"/>
-              <a:t>taal</a:t>
-            </a:r>
-            <a:r>
-              <a:rPr lang="en-US" sz="3600" dirty="0" smtClean="0"/>
-              <a:t> van </a:t>
-            </a:r>
-            <a:r>
-              <a:rPr lang="en-US" sz="3600" dirty="0" err="1" smtClean="0"/>
-              <a:t>programma’s</a:t>
+              <a:t>Programmeertaal</a:t>
             </a:r>
             <a:r>
               <a:rPr lang="en-US" sz="3600" dirty="0" smtClean="0"/>
@@ -14686,16 +14645,18 @@
                   <a:schemeClr val="tx1"/>
                 </a:solidFill>
               </a:rPr>
-              <a:t> Ons doel: Flash Fill en Equation Discovery combineren </a:t>
-            </a:r>
-          </a:p>
-          <a:p>
-            <a:pPr>
-              <a:buFont typeface="Arial"/>
-              <a:buChar char="•"/>
-            </a:pPr>
-            <a:r>
-              <a:rPr lang="nl-BE" sz="3600" dirty="0">
+              <a:t> Ons doel: Flash </a:t>
+            </a:r>
+            <a:r>
+              <a:rPr lang="nl-BE" sz="3600" dirty="0" err="1" smtClean="0">
+                <a:solidFill>
+                  <a:schemeClr val="tx1"/>
+                </a:solidFill>
+              </a:rPr>
+              <a:t>Fill</a:t>
+            </a:r>
+            <a:r>
+              <a:rPr lang="nl-BE" sz="3600" dirty="0" smtClean="0">
                 <a:solidFill>
                   <a:schemeClr val="tx1"/>
                 </a:solidFill>
@@ -14708,16 +14669,16 @@
                   <a:schemeClr val="tx1"/>
                 </a:solidFill>
               </a:rPr>
-              <a:t>Grammatica</a:t>
-            </a:r>
-          </a:p>
-          <a:p>
-            <a:pPr>
+              <a:t>voor getallen</a:t>
+            </a:r>
+          </a:p>
+          <a:p>
+            <a:pPr lvl="1">
               <a:buFont typeface="Arial"/>
               <a:buChar char="•"/>
             </a:pPr>
             <a:r>
-              <a:rPr lang="nl-BE" sz="3600" dirty="0">
+              <a:rPr lang="nl-BE" sz="3400" dirty="0">
                 <a:solidFill>
                   <a:schemeClr val="tx1"/>
                 </a:solidFill>
@@ -14725,12 +14686,106 @@
               <a:t> </a:t>
             </a:r>
             <a:r>
+              <a:rPr lang="nl-BE" sz="3400" dirty="0" smtClean="0">
+                <a:solidFill>
+                  <a:schemeClr val="tx1"/>
+                </a:solidFill>
+              </a:rPr>
+              <a:t>Domein kennis: </a:t>
+            </a:r>
+            <a:r>
+              <a:rPr lang="nl-BE" sz="3400" dirty="0" err="1">
+                <a:solidFill>
+                  <a:schemeClr val="tx1"/>
+                </a:solidFill>
+              </a:rPr>
+              <a:t>e</a:t>
+            </a:r>
+            <a:r>
+              <a:rPr lang="nl-BE" sz="3400" dirty="0" err="1" smtClean="0">
+                <a:solidFill>
+                  <a:schemeClr val="tx1"/>
+                </a:solidFill>
+              </a:rPr>
+              <a:t>quation</a:t>
+            </a:r>
+            <a:r>
+              <a:rPr lang="nl-BE" sz="3400" dirty="0" smtClean="0">
+                <a:solidFill>
+                  <a:schemeClr val="tx1"/>
+                </a:solidFill>
+              </a:rPr>
+              <a:t> </a:t>
+            </a:r>
+            <a:r>
+              <a:rPr lang="nl-BE" sz="3400" dirty="0" err="1" smtClean="0">
+                <a:solidFill>
+                  <a:schemeClr val="tx1"/>
+                </a:solidFill>
+              </a:rPr>
+              <a:t>discovery</a:t>
+            </a:r>
+            <a:endParaRPr lang="nl-BE" sz="3400" dirty="0" smtClean="0">
+              <a:solidFill>
+                <a:schemeClr val="tx1"/>
+              </a:solidFill>
+            </a:endParaRPr>
+          </a:p>
+          <a:p>
+            <a:pPr lvl="1">
+              <a:buFont typeface="Arial"/>
+              <a:buChar char="•"/>
+            </a:pPr>
+            <a:r>
+              <a:rPr lang="nl-BE" sz="3400" dirty="0">
+                <a:solidFill>
+                  <a:schemeClr val="tx1"/>
+                </a:solidFill>
+              </a:rPr>
+              <a:t> </a:t>
+            </a:r>
+            <a:r>
+              <a:rPr lang="nl-BE" sz="3200" dirty="0" smtClean="0">
+                <a:solidFill>
+                  <a:schemeClr val="tx1"/>
+                </a:solidFill>
+              </a:rPr>
+              <a:t>Grammatica</a:t>
+            </a:r>
+            <a:endParaRPr lang="nl-BE" sz="3200" dirty="0">
+              <a:solidFill>
+                <a:schemeClr val="tx1"/>
+              </a:solidFill>
+            </a:endParaRPr>
+          </a:p>
+          <a:p>
+            <a:pPr lvl="1">
+              <a:buFont typeface="Arial"/>
+              <a:buChar char="•"/>
+            </a:pPr>
+            <a:r>
+              <a:rPr lang="nl-BE" sz="3200" dirty="0" smtClean="0">
+                <a:solidFill>
+                  <a:schemeClr val="tx1"/>
+                </a:solidFill>
+              </a:rPr>
+              <a:t> </a:t>
+            </a:r>
+            <a:r>
+              <a:rPr lang="nl-BE" sz="3600" smtClean="0">
+                <a:solidFill>
+                  <a:schemeClr val="tx1"/>
+                </a:solidFill>
+              </a:rPr>
+              <a:t>Genereren </a:t>
+            </a:r>
+            <a:r>
               <a:rPr lang="nl-BE" sz="3600" dirty="0" smtClean="0">
                 <a:solidFill>
                   <a:schemeClr val="tx1"/>
                 </a:solidFill>
               </a:rPr>
-              <a:t>Genereren van verschillende opties</a:t>
+              <a:t>van verschillende opties</a:t>
             </a:r>
           </a:p>
         </p:txBody>
@@ -15360,274 +15415,6 @@
 </file>
 
 <file path=ppt/slides/slide4.xml><?xml version="1.0" encoding="utf-8"?>
-<p:sld xmlns:a="http://schemas.openxmlformats.org/drawingml/2006/main" xmlns:r="http://schemas.openxmlformats.org/officeDocument/2006/relationships" xmlns:p="http://schemas.openxmlformats.org/presentationml/2006/main">
-  <p:cSld>
-    <p:spTree>
-      <p:nvGrpSpPr>
-        <p:cNvPr id="1" name=""/>
-        <p:cNvGrpSpPr/>
-        <p:nvPr/>
-      </p:nvGrpSpPr>
-      <p:grpSpPr>
-        <a:xfrm>
-          <a:off x="0" y="0"/>
-          <a:ext cx="0" cy="0"/>
-          <a:chOff x="0" y="0"/>
-          <a:chExt cx="0" cy="0"/>
-        </a:xfrm>
-      </p:grpSpPr>
-      <p:sp>
-        <p:nvSpPr>
-          <p:cNvPr id="2" name="Title 1"/>
-          <p:cNvSpPr>
-            <a:spLocks noGrp="1"/>
-          </p:cNvSpPr>
-          <p:nvPr>
-            <p:ph type="title"/>
-          </p:nvPr>
-        </p:nvSpPr>
-        <p:spPr/>
-        <p:txBody>
-          <a:bodyPr>
-            <a:normAutofit/>
-          </a:bodyPr>
-          <a:lstStyle/>
-          <a:p>
-            <a:r>
-              <a:rPr lang="nl-BE" sz="6000" dirty="0" smtClean="0"/>
-              <a:t>End-user </a:t>
-            </a:r>
-            <a:r>
-              <a:rPr lang="nl-BE" sz="6000" dirty="0" err="1"/>
-              <a:t>p</a:t>
-            </a:r>
-            <a:r>
-              <a:rPr lang="nl-BE" sz="6000" dirty="0" err="1" smtClean="0"/>
-              <a:t>rogramming</a:t>
-            </a:r>
-            <a:endParaRPr lang="en-US" sz="6000" dirty="0"/>
-          </a:p>
-        </p:txBody>
-      </p:sp>
-      <p:graphicFrame>
-        <p:nvGraphicFramePr>
-          <p:cNvPr id="4" name="Content Placeholder 3"/>
-          <p:cNvGraphicFramePr>
-            <a:graphicFrameLocks noGrp="1"/>
-          </p:cNvGraphicFramePr>
-          <p:nvPr>
-            <p:ph idx="1"/>
-            <p:extLst/>
-          </p:nvPr>
-        </p:nvGraphicFramePr>
-        <p:xfrm>
-          <a:off x="1096963" y="1846263"/>
-          <a:ext cx="10058400" cy="4022725"/>
-        </p:xfrm>
-        <a:graphic>
-          <a:graphicData uri="http://schemas.openxmlformats.org/drawingml/2006/diagram">
-            <dgm:relIds xmlns:dgm="http://schemas.openxmlformats.org/drawingml/2006/diagram" xmlns:r="http://schemas.openxmlformats.org/officeDocument/2006/relationships" r:dm="rId3" r:lo="rId4" r:qs="rId5" r:cs="rId6"/>
-          </a:graphicData>
-        </a:graphic>
-      </p:graphicFrame>
-    </p:spTree>
-    <p:extLst>
-      <p:ext uri="{BB962C8B-B14F-4D97-AF65-F5344CB8AC3E}">
-        <p14:creationId xmlns:p14="http://schemas.microsoft.com/office/powerpoint/2010/main" val="1590073234"/>
-      </p:ext>
-    </p:extLst>
-  </p:cSld>
-  <p:clrMapOvr>
-    <a:masterClrMapping/>
-  </p:clrMapOvr>
-  <p:timing>
-    <p:tnLst>
-      <p:par>
-        <p:cTn id="1" dur="indefinite" restart="never" nodeType="tmRoot">
-          <p:childTnLst>
-            <p:seq concurrent="1" nextAc="seek">
-              <p:cTn id="2" dur="indefinite" nodeType="mainSeq">
-                <p:childTnLst>
-                  <p:par>
-                    <p:cTn id="3" fill="hold">
-                      <p:stCondLst>
-                        <p:cond delay="indefinite"/>
-                      </p:stCondLst>
-                      <p:childTnLst>
-                        <p:par>
-                          <p:cTn id="4" fill="hold">
-                            <p:stCondLst>
-                              <p:cond delay="0"/>
-                            </p:stCondLst>
-                            <p:childTnLst>
-                              <p:par>
-                                <p:cTn id="5" presetID="1" presetClass="entr" presetSubtype="0" fill="hold" grpId="0" nodeType="clickEffect">
-                                  <p:stCondLst>
-                                    <p:cond delay="0"/>
-                                  </p:stCondLst>
-                                  <p:childTnLst>
-                                    <p:set>
-                                      <p:cBhvr>
-                                        <p:cTn id="6" dur="1" fill="hold">
-                                          <p:stCondLst>
-                                            <p:cond delay="0"/>
-                                          </p:stCondLst>
-                                        </p:cTn>
-                                        <p:tgtEl>
-                                          <p:spTgt spid="4">
-                                            <p:graphicEl>
-                                              <a:dgm id="{95F427E8-B20D-1C40-B1A7-2751BED141FE}"/>
-                                            </p:graphicEl>
-                                          </p:spTgt>
-                                        </p:tgtEl>
-                                        <p:attrNameLst>
-                                          <p:attrName>style.visibility</p:attrName>
-                                        </p:attrNameLst>
-                                      </p:cBhvr>
-                                      <p:to>
-                                        <p:strVal val="visible"/>
-                                      </p:to>
-                                    </p:set>
-                                  </p:childTnLst>
-                                </p:cTn>
-                              </p:par>
-                            </p:childTnLst>
-                          </p:cTn>
-                        </p:par>
-                      </p:childTnLst>
-                    </p:cTn>
-                  </p:par>
-                  <p:par>
-                    <p:cTn id="7" fill="hold">
-                      <p:stCondLst>
-                        <p:cond delay="indefinite"/>
-                      </p:stCondLst>
-                      <p:childTnLst>
-                        <p:par>
-                          <p:cTn id="8" fill="hold">
-                            <p:stCondLst>
-                              <p:cond delay="0"/>
-                            </p:stCondLst>
-                            <p:childTnLst>
-                              <p:par>
-                                <p:cTn id="9" presetID="1" presetClass="entr" presetSubtype="0" fill="hold" grpId="0" nodeType="clickEffect">
-                                  <p:stCondLst>
-                                    <p:cond delay="0"/>
-                                  </p:stCondLst>
-                                  <p:childTnLst>
-                                    <p:set>
-                                      <p:cBhvr>
-                                        <p:cTn id="10" dur="1" fill="hold">
-                                          <p:stCondLst>
-                                            <p:cond delay="0"/>
-                                          </p:stCondLst>
-                                        </p:cTn>
-                                        <p:tgtEl>
-                                          <p:spTgt spid="4">
-                                            <p:graphicEl>
-                                              <a:dgm id="{8AA9BC7C-A858-9E48-B984-5C8762703E58}"/>
-                                            </p:graphicEl>
-                                          </p:spTgt>
-                                        </p:tgtEl>
-                                        <p:attrNameLst>
-                                          <p:attrName>style.visibility</p:attrName>
-                                        </p:attrNameLst>
-                                      </p:cBhvr>
-                                      <p:to>
-                                        <p:strVal val="visible"/>
-                                      </p:to>
-                                    </p:set>
-                                  </p:childTnLst>
-                                </p:cTn>
-                              </p:par>
-                            </p:childTnLst>
-                          </p:cTn>
-                        </p:par>
-                      </p:childTnLst>
-                    </p:cTn>
-                  </p:par>
-                  <p:par>
-                    <p:cTn id="11" fill="hold">
-                      <p:stCondLst>
-                        <p:cond delay="indefinite"/>
-                      </p:stCondLst>
-                      <p:childTnLst>
-                        <p:par>
-                          <p:cTn id="12" fill="hold">
-                            <p:stCondLst>
-                              <p:cond delay="0"/>
-                            </p:stCondLst>
-                            <p:childTnLst>
-                              <p:par>
-                                <p:cTn id="13" presetID="1" presetClass="entr" presetSubtype="0" fill="hold" grpId="0" nodeType="clickEffect">
-                                  <p:stCondLst>
-                                    <p:cond delay="0"/>
-                                  </p:stCondLst>
-                                  <p:childTnLst>
-                                    <p:set>
-                                      <p:cBhvr>
-                                        <p:cTn id="14" dur="1" fill="hold">
-                                          <p:stCondLst>
-                                            <p:cond delay="0"/>
-                                          </p:stCondLst>
-                                        </p:cTn>
-                                        <p:tgtEl>
-                                          <p:spTgt spid="4">
-                                            <p:graphicEl>
-                                              <a:dgm id="{1D981DFC-6359-9B42-A97E-EE1A67C27226}"/>
-                                            </p:graphicEl>
-                                          </p:spTgt>
-                                        </p:tgtEl>
-                                        <p:attrNameLst>
-                                          <p:attrName>style.visibility</p:attrName>
-                                        </p:attrNameLst>
-                                      </p:cBhvr>
-                                      <p:to>
-                                        <p:strVal val="visible"/>
-                                      </p:to>
-                                    </p:set>
-                                  </p:childTnLst>
-                                </p:cTn>
-                              </p:par>
-                            </p:childTnLst>
-                          </p:cTn>
-                        </p:par>
-                      </p:childTnLst>
-                    </p:cTn>
-                  </p:par>
-                </p:childTnLst>
-              </p:cTn>
-              <p:prevCondLst>
-                <p:cond evt="onPrev" delay="0">
-                  <p:tgtEl>
-                    <p:sldTgt/>
-                  </p:tgtEl>
-                </p:cond>
-              </p:prevCondLst>
-              <p:nextCondLst>
-                <p:cond evt="onNext" delay="0">
-                  <p:tgtEl>
-                    <p:sldTgt/>
-                  </p:tgtEl>
-                </p:cond>
-              </p:nextCondLst>
-            </p:seq>
-          </p:childTnLst>
-        </p:cTn>
-      </p:par>
-    </p:tnLst>
-    <p:bldLst>
-      <p:bldGraphic spid="4" grpId="0">
-        <p:bldSub>
-          <a:bldDgm bld="one"/>
-        </p:bldSub>
-      </p:bldGraphic>
-    </p:bldLst>
-  </p:timing>
-</p:sld>
-</file>
-
-<file path=ppt/slides/slide5.xml><?xml version="1.0" encoding="utf-8"?>
 <p:sld xmlns:a="http://schemas.openxmlformats.org/drawingml/2006/main" xmlns:r="http://schemas.openxmlformats.org/officeDocument/2006/relationships" xmlns:p="http://schemas.openxmlformats.org/presentationml/2006/main">
   <p:cSld>
     <p:spTree>
@@ -17226,6 +17013,274 @@
 </p:sld>
 </file>
 
+<file path=ppt/slides/slide5.xml><?xml version="1.0" encoding="utf-8"?>
+<p:sld xmlns:a="http://schemas.openxmlformats.org/drawingml/2006/main" xmlns:r="http://schemas.openxmlformats.org/officeDocument/2006/relationships" xmlns:p="http://schemas.openxmlformats.org/presentationml/2006/main">
+  <p:cSld>
+    <p:spTree>
+      <p:nvGrpSpPr>
+        <p:cNvPr id="1" name=""/>
+        <p:cNvGrpSpPr/>
+        <p:nvPr/>
+      </p:nvGrpSpPr>
+      <p:grpSpPr>
+        <a:xfrm>
+          <a:off x="0" y="0"/>
+          <a:ext cx="0" cy="0"/>
+          <a:chOff x="0" y="0"/>
+          <a:chExt cx="0" cy="0"/>
+        </a:xfrm>
+      </p:grpSpPr>
+      <p:sp>
+        <p:nvSpPr>
+          <p:cNvPr id="2" name="Title 1"/>
+          <p:cNvSpPr>
+            <a:spLocks noGrp="1"/>
+          </p:cNvSpPr>
+          <p:nvPr>
+            <p:ph type="title"/>
+          </p:nvPr>
+        </p:nvSpPr>
+        <p:spPr/>
+        <p:txBody>
+          <a:bodyPr>
+            <a:normAutofit/>
+          </a:bodyPr>
+          <a:lstStyle/>
+          <a:p>
+            <a:r>
+              <a:rPr lang="nl-BE" sz="6000" dirty="0" smtClean="0"/>
+              <a:t>End-user </a:t>
+            </a:r>
+            <a:r>
+              <a:rPr lang="nl-BE" sz="6000" dirty="0" err="1"/>
+              <a:t>p</a:t>
+            </a:r>
+            <a:r>
+              <a:rPr lang="nl-BE" sz="6000" dirty="0" err="1" smtClean="0"/>
+              <a:t>rogramming</a:t>
+            </a:r>
+            <a:endParaRPr lang="en-US" sz="6000" dirty="0"/>
+          </a:p>
+        </p:txBody>
+      </p:sp>
+      <p:graphicFrame>
+        <p:nvGraphicFramePr>
+          <p:cNvPr id="4" name="Content Placeholder 3"/>
+          <p:cNvGraphicFramePr>
+            <a:graphicFrameLocks noGrp="1"/>
+          </p:cNvGraphicFramePr>
+          <p:nvPr>
+            <p:ph idx="1"/>
+            <p:extLst/>
+          </p:nvPr>
+        </p:nvGraphicFramePr>
+        <p:xfrm>
+          <a:off x="1096963" y="1846263"/>
+          <a:ext cx="10058400" cy="4022725"/>
+        </p:xfrm>
+        <a:graphic>
+          <a:graphicData uri="http://schemas.openxmlformats.org/drawingml/2006/diagram">
+            <dgm:relIds xmlns:dgm="http://schemas.openxmlformats.org/drawingml/2006/diagram" xmlns:r="http://schemas.openxmlformats.org/officeDocument/2006/relationships" r:dm="rId3" r:lo="rId4" r:qs="rId5" r:cs="rId6"/>
+          </a:graphicData>
+        </a:graphic>
+      </p:graphicFrame>
+    </p:spTree>
+    <p:extLst>
+      <p:ext uri="{BB962C8B-B14F-4D97-AF65-F5344CB8AC3E}">
+        <p14:creationId xmlns:p14="http://schemas.microsoft.com/office/powerpoint/2010/main" val="1590073234"/>
+      </p:ext>
+    </p:extLst>
+  </p:cSld>
+  <p:clrMapOvr>
+    <a:masterClrMapping/>
+  </p:clrMapOvr>
+  <p:timing>
+    <p:tnLst>
+      <p:par>
+        <p:cTn id="1" dur="indefinite" restart="never" nodeType="tmRoot">
+          <p:childTnLst>
+            <p:seq concurrent="1" nextAc="seek">
+              <p:cTn id="2" dur="indefinite" nodeType="mainSeq">
+                <p:childTnLst>
+                  <p:par>
+                    <p:cTn id="3" fill="hold">
+                      <p:stCondLst>
+                        <p:cond delay="indefinite"/>
+                      </p:stCondLst>
+                      <p:childTnLst>
+                        <p:par>
+                          <p:cTn id="4" fill="hold">
+                            <p:stCondLst>
+                              <p:cond delay="0"/>
+                            </p:stCondLst>
+                            <p:childTnLst>
+                              <p:par>
+                                <p:cTn id="5" presetID="1" presetClass="entr" presetSubtype="0" fill="hold" grpId="0" nodeType="clickEffect">
+                                  <p:stCondLst>
+                                    <p:cond delay="0"/>
+                                  </p:stCondLst>
+                                  <p:childTnLst>
+                                    <p:set>
+                                      <p:cBhvr>
+                                        <p:cTn id="6" dur="1" fill="hold">
+                                          <p:stCondLst>
+                                            <p:cond delay="0"/>
+                                          </p:stCondLst>
+                                        </p:cTn>
+                                        <p:tgtEl>
+                                          <p:spTgt spid="4">
+                                            <p:graphicEl>
+                                              <a:dgm id="{95F427E8-B20D-1C40-B1A7-2751BED141FE}"/>
+                                            </p:graphicEl>
+                                          </p:spTgt>
+                                        </p:tgtEl>
+                                        <p:attrNameLst>
+                                          <p:attrName>style.visibility</p:attrName>
+                                        </p:attrNameLst>
+                                      </p:cBhvr>
+                                      <p:to>
+                                        <p:strVal val="visible"/>
+                                      </p:to>
+                                    </p:set>
+                                  </p:childTnLst>
+                                </p:cTn>
+                              </p:par>
+                            </p:childTnLst>
+                          </p:cTn>
+                        </p:par>
+                      </p:childTnLst>
+                    </p:cTn>
+                  </p:par>
+                  <p:par>
+                    <p:cTn id="7" fill="hold">
+                      <p:stCondLst>
+                        <p:cond delay="indefinite"/>
+                      </p:stCondLst>
+                      <p:childTnLst>
+                        <p:par>
+                          <p:cTn id="8" fill="hold">
+                            <p:stCondLst>
+                              <p:cond delay="0"/>
+                            </p:stCondLst>
+                            <p:childTnLst>
+                              <p:par>
+                                <p:cTn id="9" presetID="1" presetClass="entr" presetSubtype="0" fill="hold" grpId="0" nodeType="clickEffect">
+                                  <p:stCondLst>
+                                    <p:cond delay="0"/>
+                                  </p:stCondLst>
+                                  <p:childTnLst>
+                                    <p:set>
+                                      <p:cBhvr>
+                                        <p:cTn id="10" dur="1" fill="hold">
+                                          <p:stCondLst>
+                                            <p:cond delay="0"/>
+                                          </p:stCondLst>
+                                        </p:cTn>
+                                        <p:tgtEl>
+                                          <p:spTgt spid="4">
+                                            <p:graphicEl>
+                                              <a:dgm id="{8AA9BC7C-A858-9E48-B984-5C8762703E58}"/>
+                                            </p:graphicEl>
+                                          </p:spTgt>
+                                        </p:tgtEl>
+                                        <p:attrNameLst>
+                                          <p:attrName>style.visibility</p:attrName>
+                                        </p:attrNameLst>
+                                      </p:cBhvr>
+                                      <p:to>
+                                        <p:strVal val="visible"/>
+                                      </p:to>
+                                    </p:set>
+                                  </p:childTnLst>
+                                </p:cTn>
+                              </p:par>
+                            </p:childTnLst>
+                          </p:cTn>
+                        </p:par>
+                      </p:childTnLst>
+                    </p:cTn>
+                  </p:par>
+                  <p:par>
+                    <p:cTn id="11" fill="hold">
+                      <p:stCondLst>
+                        <p:cond delay="indefinite"/>
+                      </p:stCondLst>
+                      <p:childTnLst>
+                        <p:par>
+                          <p:cTn id="12" fill="hold">
+                            <p:stCondLst>
+                              <p:cond delay="0"/>
+                            </p:stCondLst>
+                            <p:childTnLst>
+                              <p:par>
+                                <p:cTn id="13" presetID="1" presetClass="entr" presetSubtype="0" fill="hold" grpId="0" nodeType="clickEffect">
+                                  <p:stCondLst>
+                                    <p:cond delay="0"/>
+                                  </p:stCondLst>
+                                  <p:childTnLst>
+                                    <p:set>
+                                      <p:cBhvr>
+                                        <p:cTn id="14" dur="1" fill="hold">
+                                          <p:stCondLst>
+                                            <p:cond delay="0"/>
+                                          </p:stCondLst>
+                                        </p:cTn>
+                                        <p:tgtEl>
+                                          <p:spTgt spid="4">
+                                            <p:graphicEl>
+                                              <a:dgm id="{1D981DFC-6359-9B42-A97E-EE1A67C27226}"/>
+                                            </p:graphicEl>
+                                          </p:spTgt>
+                                        </p:tgtEl>
+                                        <p:attrNameLst>
+                                          <p:attrName>style.visibility</p:attrName>
+                                        </p:attrNameLst>
+                                      </p:cBhvr>
+                                      <p:to>
+                                        <p:strVal val="visible"/>
+                                      </p:to>
+                                    </p:set>
+                                  </p:childTnLst>
+                                </p:cTn>
+                              </p:par>
+                            </p:childTnLst>
+                          </p:cTn>
+                        </p:par>
+                      </p:childTnLst>
+                    </p:cTn>
+                  </p:par>
+                </p:childTnLst>
+              </p:cTn>
+              <p:prevCondLst>
+                <p:cond evt="onPrev" delay="0">
+                  <p:tgtEl>
+                    <p:sldTgt/>
+                  </p:tgtEl>
+                </p:cond>
+              </p:prevCondLst>
+              <p:nextCondLst>
+                <p:cond evt="onNext" delay="0">
+                  <p:tgtEl>
+                    <p:sldTgt/>
+                  </p:tgtEl>
+                </p:cond>
+              </p:nextCondLst>
+            </p:seq>
+          </p:childTnLst>
+        </p:cTn>
+      </p:par>
+    </p:tnLst>
+    <p:bldLst>
+      <p:bldGraphic spid="4" grpId="0">
+        <p:bldSub>
+          <a:bldDgm bld="one"/>
+        </p:bldSub>
+      </p:bldGraphic>
+    </p:bldLst>
+  </p:timing>
+</p:sld>
+</file>
+
 <file path=ppt/slides/slide6.xml><?xml version="1.0" encoding="utf-8"?>
 <p:sld xmlns:a="http://schemas.openxmlformats.org/drawingml/2006/main" xmlns:r="http://schemas.openxmlformats.org/officeDocument/2006/relationships" xmlns:p="http://schemas.openxmlformats.org/presentationml/2006/main">
   <p:cSld>
